--- a/Presentation/final draft.pptx
+++ b/Presentation/final draft.pptx
@@ -5,7 +5,7 @@
     <p:sldMasterId id="2147484040" r:id="rId1"/>
   </p:sldMasterIdLst>
   <p:notesMasterIdLst>
-    <p:notesMasterId r:id="rId15"/>
+    <p:notesMasterId r:id="rId16"/>
   </p:notesMasterIdLst>
   <p:sldIdLst>
     <p:sldId id="256" r:id="rId2"/>
@@ -18,9 +18,10 @@
     <p:sldId id="279" r:id="rId9"/>
     <p:sldId id="257" r:id="rId10"/>
     <p:sldId id="274" r:id="rId11"/>
-    <p:sldId id="264" r:id="rId12"/>
-    <p:sldId id="267" r:id="rId13"/>
-    <p:sldId id="2441" r:id="rId14"/>
+    <p:sldId id="2442" r:id="rId12"/>
+    <p:sldId id="264" r:id="rId13"/>
+    <p:sldId id="267" r:id="rId14"/>
+    <p:sldId id="2441" r:id="rId15"/>
   </p:sldIdLst>
   <p:sldSz cx="12192000" cy="6858000"/>
   <p:notesSz cx="6858000" cy="9144000"/>
@@ -125,6 +126,18 @@
     </p:ext>
   </p:extLst>
 </p:presentation>
+</file>
+
+<file path=ppt/commentAuthors.xml><?xml version="1.0" encoding="utf-8"?>
+<p:cmAuthorLst xmlns:a="http://schemas.openxmlformats.org/drawingml/2006/main" xmlns:r="http://schemas.openxmlformats.org/officeDocument/2006/relationships" xmlns:p="http://schemas.openxmlformats.org/presentationml/2006/main">
+  <p:cmAuthor id="1" name="Christy Patrick" initials="CP" lastIdx="4" clrIdx="0">
+    <p:extLst>
+      <p:ext uri="{19B8F6BF-5375-455C-9EA6-DF929625EA0E}">
+        <p15:presenceInfo xmlns:p15="http://schemas.microsoft.com/office/powerpoint/2012/main" userId="8bf7bc2628abab3d" providerId="Windows Live"/>
+      </p:ext>
+    </p:extLst>
+  </p:cmAuthor>
+</p:cmAuthorLst>
 </file>
 
 <file path=ppt/diagrams/colors1.xml><?xml version="1.0" encoding="utf-8"?>
@@ -981,7 +994,7 @@
               <a:latin typeface="Arial" panose="020B0604020202020204" pitchFamily="34" charset="0"/>
               <a:cs typeface="Arial" panose="020B0604020202020204" pitchFamily="34" charset="0"/>
             </a:rPr>
-            <a:t>The Housing data </a:t>
+            <a:t>Housing data </a:t>
           </a:r>
         </a:p>
         <a:p>
@@ -1242,9 +1255,9 @@
   </dgm:ptLst>
   <dgm:cxnLst>
     <dgm:cxn modelId="{E0F63438-CD17-A942-BE3E-C45295D3E574}" type="presOf" srcId="{410C4F80-3800-4FA1-9131-12C5F993F8BE}" destId="{A6400FA0-CB38-4903-81AE-FA10885CBAF0}" srcOrd="0" destOrd="0" presId="urn:microsoft.com/office/officeart/2018/2/layout/IconVerticalSolidList"/>
+    <dgm:cxn modelId="{0042E95E-0285-8B44-850A-EA781E4C94EC}" type="presOf" srcId="{B5736282-1FF8-442E-8954-CE6FA3535B8A}" destId="{E41E5C61-0C28-488F-B8D1-417ABD633D8E}" srcOrd="0" destOrd="0" presId="urn:microsoft.com/office/officeart/2018/2/layout/IconVerticalSolidList"/>
     <dgm:cxn modelId="{EE6F9353-9921-4DAB-A2C5-FFB08FB73B21}" srcId="{B5736282-1FF8-442E-8954-CE6FA3535B8A}" destId="{62DC443B-C0E5-4B94-9A89-A3B6C7AE4601}" srcOrd="1" destOrd="0" parTransId="{D66DDCD2-24D8-4BF9-AEE9-388828958627}" sibTransId="{DB60C3A8-B474-404C-8E3B-EC522633BCAB}"/>
     <dgm:cxn modelId="{9473BC54-BB9B-4ACD-B6ED-E4F5CDF650F3}" srcId="{B5736282-1FF8-442E-8954-CE6FA3535B8A}" destId="{410C4F80-3800-4FA1-9131-12C5F993F8BE}" srcOrd="2" destOrd="0" parTransId="{D512A4DB-E5DF-4D7D-BAEB-144DC133E3DC}" sibTransId="{8720E948-0D0B-491B-B011-82701F9C7E63}"/>
-    <dgm:cxn modelId="{0042E95E-0285-8B44-850A-EA781E4C94EC}" type="presOf" srcId="{B5736282-1FF8-442E-8954-CE6FA3535B8A}" destId="{E41E5C61-0C28-488F-B8D1-417ABD633D8E}" srcOrd="0" destOrd="0" presId="urn:microsoft.com/office/officeart/2018/2/layout/IconVerticalSolidList"/>
     <dgm:cxn modelId="{4792059E-DC77-4C33-AC8E-FF51D356B405}" srcId="{B5736282-1FF8-442E-8954-CE6FA3535B8A}" destId="{78C17D28-ACA9-437B-B635-93296B674E5A}" srcOrd="0" destOrd="0" parTransId="{B5F31869-B37E-4357-AADD-685BE706EE2F}" sibTransId="{D7364149-4DA8-4B08-A7FF-EB901A73AFBD}"/>
     <dgm:cxn modelId="{1821499F-BB0B-6C44-98AC-E7085567E46D}" type="presOf" srcId="{62DC443B-C0E5-4B94-9A89-A3B6C7AE4601}" destId="{A93975DC-5C82-40BC-8D98-4276F0A9FFCA}" srcOrd="0" destOrd="0" presId="urn:microsoft.com/office/officeart/2018/2/layout/IconVerticalSolidList"/>
     <dgm:cxn modelId="{03EAEFFE-B392-AE4C-B793-A223FA81E04D}" type="presOf" srcId="{78C17D28-ACA9-437B-B635-93296B674E5A}" destId="{2C4F645D-2FD5-44D5-8462-FE0370F72E45}" srcOrd="0" destOrd="0" presId="urn:microsoft.com/office/officeart/2018/2/layout/IconVerticalSolidList"/>
@@ -1586,7 +1599,7 @@
               <a:latin typeface="Arial" panose="020B0604020202020204" pitchFamily="34" charset="0"/>
               <a:cs typeface="Arial" panose="020B0604020202020204" pitchFamily="34" charset="0"/>
             </a:rPr>
-            <a:t>The Housing data </a:t>
+            <a:t>Housing data </a:t>
           </a:r>
         </a:p>
         <a:p>
@@ -3214,7 +3227,7 @@
           <a:p>
             <a:fld id="{B9B6BCD5-E3BE-874C-A866-DD86D183A826}" type="datetimeFigureOut">
               <a:rPr lang="en-US" smtClean="0"/>
-              <a:t>9/19/20</a:t>
+              <a:t>9/20/2020</a:t>
             </a:fld>
             <a:endParaRPr lang="en-US"/>
           </a:p>
@@ -3635,51 +3648,15 @@
           <a:bodyPr/>
           <a:lstStyle/>
           <a:p>
-            <a:pPr algn="ctr"/>
             <a:r>
               <a:rPr lang="en-US" dirty="0"/>
-              <a:t>The graph on the left shows the relationship between Crime rate and Property Value. </a:t>
+              <a:t>For our analysis we want to exploit the variation in crime that occurs within cities from 2012-2018. </a:t>
             </a:r>
           </a:p>
           <a:p>
-            <a:pPr algn="ctr"/>
             <a:r>
               <a:rPr lang="en-US" dirty="0"/>
-              <a:t>The above chart shows the probability of the crime rate in the housing market between the cities from 2012-2018.</a:t>
-            </a:r>
-          </a:p>
-          <a:p>
-            <a:pPr algn="ctr"/>
-            <a:r>
-              <a:rPr lang="en-US" dirty="0"/>
-              <a:t>To do this we combine Information from the </a:t>
-            </a:r>
-            <a:r>
-              <a:rPr lang="en-US" u="sng" dirty="0"/>
-              <a:t>Redfin Housing Data </a:t>
-            </a:r>
-            <a:r>
-              <a:rPr lang="en-US" dirty="0"/>
-              <a:t>with a dataset from </a:t>
-            </a:r>
-          </a:p>
-          <a:p>
-            <a:pPr algn="ctr"/>
-            <a:r>
-              <a:rPr lang="en-US" dirty="0">
-                <a:hlinkClick r:id="rId3">
-                  <a:extLst>
-                    <a:ext uri="{A12FA001-AC4F-418D-AE19-62706E023703}">
-                      <ahyp:hlinkClr xmlns:ahyp="http://schemas.microsoft.com/office/drawing/2018/hyperlinkcolor" val="tx"/>
-                    </a:ext>
-                  </a:extLst>
-                </a:hlinkClick>
-              </a:rPr>
-              <a:t>UCR Publications | Federal Bureau of Investigation</a:t>
-            </a:r>
-            <a:r>
-              <a:rPr lang="en-US" dirty="0"/>
-              <a:t> to produce measure of crime changes between 2012-2018. </a:t>
+              <a:t>The proportion of crime in the area has a negative impact on the price. If the proportion of crime increases by one percentage point, prices are expected to drop by 1.5%.</a:t>
             </a:r>
           </a:p>
           <a:p>
@@ -3713,7 +3690,7 @@
     </p:spTree>
     <p:extLst>
       <p:ext uri="{BB962C8B-B14F-4D97-AF65-F5344CB8AC3E}">
-        <p14:creationId xmlns:p14="http://schemas.microsoft.com/office/powerpoint/2010/main" val="1483577430"/>
+        <p14:creationId xmlns:p14="http://schemas.microsoft.com/office/powerpoint/2010/main" val="4244874762"/>
       </p:ext>
     </p:extLst>
   </p:cSld>
@@ -3767,14 +3744,51 @@
           <a:bodyPr/>
           <a:lstStyle/>
           <a:p>
-            <a:pPr>
-              <a:spcAft>
-                <a:spcPts val="600"/>
-              </a:spcAft>
-            </a:pPr>
+            <a:pPr algn="ctr"/>
             <a:r>
-              <a:rPr lang="en-US" sz="1200" dirty="0"/>
-              <a:t>Crime concentrations are found in the metropolitan area. </a:t>
+              <a:rPr lang="en-US" dirty="0"/>
+              <a:t>The graph on the left shows the relationship between Crime rate and Property Value. </a:t>
+            </a:r>
+          </a:p>
+          <a:p>
+            <a:pPr algn="ctr"/>
+            <a:r>
+              <a:rPr lang="en-US" dirty="0"/>
+              <a:t>The above chart shows the probability of the crime rate in the housing market between the cities from 2012-2018.</a:t>
+            </a:r>
+          </a:p>
+          <a:p>
+            <a:pPr algn="ctr"/>
+            <a:r>
+              <a:rPr lang="en-US" dirty="0"/>
+              <a:t>To do this we combine Information from the </a:t>
+            </a:r>
+            <a:r>
+              <a:rPr lang="en-US" u="sng" dirty="0"/>
+              <a:t>Redfin Housing Data </a:t>
+            </a:r>
+            <a:r>
+              <a:rPr lang="en-US" dirty="0"/>
+              <a:t>with a dataset from </a:t>
+            </a:r>
+          </a:p>
+          <a:p>
+            <a:pPr algn="ctr"/>
+            <a:r>
+              <a:rPr lang="en-US" dirty="0">
+                <a:hlinkClick r:id="rId3">
+                  <a:extLst>
+                    <a:ext uri="{A12FA001-AC4F-418D-AE19-62706E023703}">
+                      <ahyp:hlinkClr xmlns:ahyp="http://schemas.microsoft.com/office/drawing/2018/hyperlinkcolor" val="tx"/>
+                    </a:ext>
+                  </a:extLst>
+                </a:hlinkClick>
+              </a:rPr>
+              <a:t>UCR Publications | Federal Bureau of Investigation</a:t>
+            </a:r>
+            <a:r>
+              <a:rPr lang="en-US" dirty="0"/>
+              <a:t> to produce measure of crime changes between 2012-2018. </a:t>
             </a:r>
           </a:p>
           <a:p>
@@ -3808,7 +3822,7 @@
     </p:spTree>
     <p:extLst>
       <p:ext uri="{BB962C8B-B14F-4D97-AF65-F5344CB8AC3E}">
-        <p14:creationId xmlns:p14="http://schemas.microsoft.com/office/powerpoint/2010/main" val="3749441230"/>
+        <p14:creationId xmlns:p14="http://schemas.microsoft.com/office/powerpoint/2010/main" val="1483577430"/>
       </p:ext>
     </p:extLst>
   </p:cSld>
@@ -3862,6 +3876,17 @@
           <a:bodyPr/>
           <a:lstStyle/>
           <a:p>
+            <a:pPr>
+              <a:spcAft>
+                <a:spcPts val="600"/>
+              </a:spcAft>
+            </a:pPr>
+            <a:r>
+              <a:rPr lang="en-US" sz="1200" dirty="0"/>
+              <a:t>Crime concentrations are found in the metropolitan area. </a:t>
+            </a:r>
+          </a:p>
+          <a:p>
             <a:endParaRPr lang="en-US" dirty="0"/>
           </a:p>
         </p:txBody>
@@ -3884,6 +3909,90 @@
             <a:fld id="{9A9FD09C-8CDE-EC44-8006-13D124DBA38F}" type="slidenum">
               <a:rPr lang="en-US" smtClean="0"/>
               <a:t>13</a:t>
+            </a:fld>
+            <a:endParaRPr lang="en-US"/>
+          </a:p>
+        </p:txBody>
+      </p:sp>
+    </p:spTree>
+    <p:extLst>
+      <p:ext uri="{BB962C8B-B14F-4D97-AF65-F5344CB8AC3E}">
+        <p14:creationId xmlns:p14="http://schemas.microsoft.com/office/powerpoint/2010/main" val="3749441230"/>
+      </p:ext>
+    </p:extLst>
+  </p:cSld>
+  <p:clrMapOvr>
+    <a:masterClrMapping/>
+  </p:clrMapOvr>
+</p:notes>
+</file>
+
+<file path=ppt/notesSlides/notesSlide13.xml><?xml version="1.0" encoding="utf-8"?>
+<p:notes xmlns:a="http://schemas.openxmlformats.org/drawingml/2006/main" xmlns:r="http://schemas.openxmlformats.org/officeDocument/2006/relationships" xmlns:p="http://schemas.openxmlformats.org/presentationml/2006/main">
+  <p:cSld>
+    <p:spTree>
+      <p:nvGrpSpPr>
+        <p:cNvPr id="1" name=""/>
+        <p:cNvGrpSpPr/>
+        <p:nvPr/>
+      </p:nvGrpSpPr>
+      <p:grpSpPr>
+        <a:xfrm>
+          <a:off x="0" y="0"/>
+          <a:ext cx="0" cy="0"/>
+          <a:chOff x="0" y="0"/>
+          <a:chExt cx="0" cy="0"/>
+        </a:xfrm>
+      </p:grpSpPr>
+      <p:sp>
+        <p:nvSpPr>
+          <p:cNvPr id="2" name="Slide Image Placeholder 1"/>
+          <p:cNvSpPr>
+            <a:spLocks noGrp="1" noRot="1" noChangeAspect="1"/>
+          </p:cNvSpPr>
+          <p:nvPr>
+            <p:ph type="sldImg"/>
+          </p:nvPr>
+        </p:nvSpPr>
+        <p:spPr/>
+      </p:sp>
+      <p:sp>
+        <p:nvSpPr>
+          <p:cNvPr id="3" name="Notes Placeholder 2"/>
+          <p:cNvSpPr>
+            <a:spLocks noGrp="1"/>
+          </p:cNvSpPr>
+          <p:nvPr>
+            <p:ph type="body" idx="1"/>
+          </p:nvPr>
+        </p:nvSpPr>
+        <p:spPr/>
+        <p:txBody>
+          <a:bodyPr/>
+          <a:lstStyle/>
+          <a:p>
+            <a:endParaRPr lang="en-US" dirty="0"/>
+          </a:p>
+        </p:txBody>
+      </p:sp>
+      <p:sp>
+        <p:nvSpPr>
+          <p:cNvPr id="4" name="Slide Number Placeholder 3"/>
+          <p:cNvSpPr>
+            <a:spLocks noGrp="1"/>
+          </p:cNvSpPr>
+          <p:nvPr>
+            <p:ph type="sldNum" sz="quarter" idx="5"/>
+          </p:nvPr>
+        </p:nvSpPr>
+        <p:spPr/>
+        <p:txBody>
+          <a:bodyPr/>
+          <a:lstStyle/>
+          <a:p>
+            <a:fld id="{9A9FD09C-8CDE-EC44-8006-13D124DBA38F}" type="slidenum">
+              <a:rPr lang="en-US" smtClean="0"/>
+              <a:t>14</a:t>
             </a:fld>
             <a:endParaRPr lang="en-US"/>
           </a:p>
@@ -4935,7 +5044,7 @@
             <a:fld id="{5586B75A-687E-405C-8A0B-8D00578BA2C3}" type="datetimeFigureOut">
               <a:rPr lang="en-US" smtClean="0"/>
               <a:pPr/>
-              <a:t>9/19/20</a:t>
+              <a:t>9/20/2020</a:t>
             </a:fld>
             <a:endParaRPr lang="en-US" dirty="0"/>
           </a:p>
@@ -5107,7 +5216,7 @@
             <a:fld id="{5586B75A-687E-405C-8A0B-8D00578BA2C3}" type="datetimeFigureOut">
               <a:rPr lang="en-US" smtClean="0"/>
               <a:pPr/>
-              <a:t>9/19/20</a:t>
+              <a:t>9/20/2020</a:t>
             </a:fld>
             <a:endParaRPr lang="en-US" dirty="0"/>
           </a:p>
@@ -5289,7 +5398,7 @@
             <a:fld id="{5586B75A-687E-405C-8A0B-8D00578BA2C3}" type="datetimeFigureOut">
               <a:rPr lang="en-US" smtClean="0"/>
               <a:pPr/>
-              <a:t>9/19/20</a:t>
+              <a:t>9/20/2020</a:t>
             </a:fld>
             <a:endParaRPr lang="en-US" dirty="0"/>
           </a:p>
@@ -6125,7 +6234,7 @@
             <a:fld id="{5586B75A-687E-405C-8A0B-8D00578BA2C3}" type="datetimeFigureOut">
               <a:rPr lang="en-US" smtClean="0"/>
               <a:pPr/>
-              <a:t>9/19/20</a:t>
+              <a:t>9/20/2020</a:t>
             </a:fld>
             <a:endParaRPr lang="en-US" dirty="0"/>
           </a:p>
@@ -6385,7 +6494,7 @@
             <a:fld id="{5586B75A-687E-405C-8A0B-8D00578BA2C3}" type="datetimeFigureOut">
               <a:rPr lang="en-US" smtClean="0"/>
               <a:pPr/>
-              <a:t>9/19/20</a:t>
+              <a:t>9/20/2020</a:t>
             </a:fld>
             <a:endParaRPr lang="en-US" dirty="0"/>
           </a:p>
@@ -6675,7 +6784,7 @@
             <a:fld id="{5586B75A-687E-405C-8A0B-8D00578BA2C3}" type="datetimeFigureOut">
               <a:rPr lang="en-US" smtClean="0"/>
               <a:pPr/>
-              <a:t>9/19/20</a:t>
+              <a:t>9/20/2020</a:t>
             </a:fld>
             <a:endParaRPr lang="en-US" dirty="0"/>
           </a:p>
@@ -7119,7 +7228,7 @@
             <a:fld id="{5586B75A-687E-405C-8A0B-8D00578BA2C3}" type="datetimeFigureOut">
               <a:rPr lang="en-US" smtClean="0"/>
               <a:pPr/>
-              <a:t>9/19/20</a:t>
+              <a:t>9/20/2020</a:t>
             </a:fld>
             <a:endParaRPr lang="en-US" dirty="0"/>
           </a:p>
@@ -7239,7 +7348,7 @@
             <a:fld id="{5586B75A-687E-405C-8A0B-8D00578BA2C3}" type="datetimeFigureOut">
               <a:rPr lang="en-US" smtClean="0"/>
               <a:pPr/>
-              <a:t>9/19/20</a:t>
+              <a:t>9/20/2020</a:t>
             </a:fld>
             <a:endParaRPr lang="en-US" dirty="0"/>
           </a:p>
@@ -7336,7 +7445,7 @@
             <a:fld id="{5586B75A-687E-405C-8A0B-8D00578BA2C3}" type="datetimeFigureOut">
               <a:rPr lang="en-US" smtClean="0"/>
               <a:pPr/>
-              <a:t>9/19/20</a:t>
+              <a:t>9/20/2020</a:t>
             </a:fld>
             <a:endParaRPr lang="en-US" dirty="0"/>
           </a:p>
@@ -7626,7 +7735,7 @@
             <a:fld id="{5586B75A-687E-405C-8A0B-8D00578BA2C3}" type="datetimeFigureOut">
               <a:rPr lang="en-US" smtClean="0"/>
               <a:pPr/>
-              <a:t>9/19/20</a:t>
+              <a:t>9/20/2020</a:t>
             </a:fld>
             <a:endParaRPr lang="en-US" dirty="0"/>
           </a:p>
@@ -7901,7 +8010,7 @@
             <a:fld id="{5586B75A-687E-405C-8A0B-8D00578BA2C3}" type="datetimeFigureOut">
               <a:rPr lang="en-US" smtClean="0"/>
               <a:pPr/>
-              <a:t>9/19/20</a:t>
+              <a:t>9/20/2020</a:t>
             </a:fld>
             <a:endParaRPr lang="en-US" dirty="0"/>
           </a:p>
@@ -8201,7 +8310,7 @@
             <a:fld id="{5586B75A-687E-405C-8A0B-8D00578BA2C3}" type="datetimeFigureOut">
               <a:rPr lang="en-US" smtClean="0"/>
               <a:pPr/>
-              <a:t>9/19/20</a:t>
+              <a:t>9/20/2020</a:t>
             </a:fld>
             <a:endParaRPr lang="en-US" dirty="0"/>
           </a:p>
@@ -8892,7 +9001,7 @@
                 <a:latin typeface="Arial" panose="020B0604020202020204" pitchFamily="34" charset="0"/>
                 <a:cs typeface="Arial" panose="020B0604020202020204" pitchFamily="34" charset="0"/>
               </a:rPr>
-              <a:t>Major Cities Housing Market in Relation to Crime Rate </a:t>
+              <a:t>Houston Metropolitan Area Housing Market in Relation to Crime Rate </a:t>
             </a:r>
           </a:p>
           <a:p>
@@ -9286,10 +9395,10 @@
       </p:sp>
       <p:pic>
         <p:nvPicPr>
-          <p:cNvPr id="23" name="Picture 22" descr="A screenshot of a cell phone&#10;&#10;Description automatically generated">
+          <p:cNvPr id="29" name="Picture 28" descr="A close up of a sign&#10;&#10;Description automatically generated">
             <a:extLst>
               <a:ext uri="{FF2B5EF4-FFF2-40B4-BE49-F238E27FC236}">
-                <a16:creationId xmlns:a16="http://schemas.microsoft.com/office/drawing/2014/main" id="{F4571214-CFD0-9442-B8B8-F974D47B2D82}"/>
+                <a16:creationId xmlns:a16="http://schemas.microsoft.com/office/drawing/2014/main" id="{8F11D508-E498-944E-B812-C24FDD29A667}"/>
               </a:ext>
             </a:extLst>
           </p:cNvPr>
@@ -9299,40 +9408,10 @@
           <p:nvPr/>
         </p:nvPicPr>
         <p:blipFill>
-          <a:blip r:embed="rId3"/>
-          <a:stretch>
-            <a:fillRect/>
-          </a:stretch>
-        </p:blipFill>
-        <p:spPr>
-          <a:xfrm>
-            <a:off x="3681488" y="951723"/>
-            <a:ext cx="8134376" cy="4954555"/>
-          </a:xfrm>
-          <a:prstGeom prst="rect">
-            <a:avLst/>
-          </a:prstGeom>
-        </p:spPr>
-      </p:pic>
-      <p:pic>
-        <p:nvPicPr>
-          <p:cNvPr id="29" name="Picture 28" descr="A close up of a sign&#10;&#10;Description automatically generated">
-            <a:extLst>
-              <a:ext uri="{FF2B5EF4-FFF2-40B4-BE49-F238E27FC236}">
-                <a16:creationId xmlns:a16="http://schemas.microsoft.com/office/drawing/2014/main" id="{8F11D508-E498-944E-B812-C24FDD29A667}"/>
-              </a:ext>
-            </a:extLst>
-          </p:cNvPr>
-          <p:cNvPicPr>
-            <a:picLocks noChangeAspect="1"/>
-          </p:cNvPicPr>
-          <p:nvPr/>
-        </p:nvPicPr>
-        <p:blipFill>
-          <a:blip r:embed="rId4">
+          <a:blip r:embed="rId3">
             <a:extLst>
               <a:ext uri="{837473B0-CC2E-450A-ABE3-18F120FF3D39}">
-                <a1611:picAttrSrcUrl xmlns:a1611="http://schemas.microsoft.com/office/drawing/2016/11/main" r:id="rId5"/>
+                <a1611:picAttrSrcUrl xmlns:a1611="http://schemas.microsoft.com/office/drawing/2016/11/main" r:id="rId4"/>
               </a:ext>
             </a:extLst>
           </a:blip>
@@ -9344,6 +9423,36 @@
           <a:xfrm>
             <a:off x="-7912" y="2017237"/>
             <a:ext cx="3577575" cy="2704053"/>
+          </a:xfrm>
+          <a:prstGeom prst="rect">
+            <a:avLst/>
+          </a:prstGeom>
+        </p:spPr>
+      </p:pic>
+      <p:pic>
+        <p:nvPicPr>
+          <p:cNvPr id="5" name="Picture 4" descr="A picture containing screenshot&#10;&#10;Description automatically generated">
+            <a:extLst>
+              <a:ext uri="{FF2B5EF4-FFF2-40B4-BE49-F238E27FC236}">
+                <a16:creationId xmlns:a16="http://schemas.microsoft.com/office/drawing/2014/main" id="{654F7FB8-C185-48B7-A78D-63184F049AF7}"/>
+              </a:ext>
+            </a:extLst>
+          </p:cNvPr>
+          <p:cNvPicPr>
+            <a:picLocks noChangeAspect="1"/>
+          </p:cNvPicPr>
+          <p:nvPr/>
+        </p:nvPicPr>
+        <p:blipFill>
+          <a:blip r:embed="rId5"/>
+          <a:stretch>
+            <a:fillRect/>
+          </a:stretch>
+        </p:blipFill>
+        <p:spPr>
+          <a:xfrm>
+            <a:off x="3588220" y="1100319"/>
+            <a:ext cx="8227644" cy="4936586"/>
           </a:xfrm>
           <a:prstGeom prst="rect">
             <a:avLst/>
@@ -9388,6 +9497,347 @@
           <a:chExt cx="0" cy="0"/>
         </a:xfrm>
       </p:grpSpPr>
+      <p:sp useBgFill="1">
+        <p:nvSpPr>
+          <p:cNvPr id="20" name="Rectangle 19">
+            <a:extLst>
+              <a:ext uri="{FF2B5EF4-FFF2-40B4-BE49-F238E27FC236}">
+                <a16:creationId xmlns:a16="http://schemas.microsoft.com/office/drawing/2014/main" id="{A35CBD63-8F8F-47DC-9CE7-159E6161D872}"/>
+              </a:ext>
+              <a:ext uri="{C183D7F6-B498-43B3-948B-1728B52AA6E4}">
+                <adec:decorative xmlns:adec="http://schemas.microsoft.com/office/drawing/2017/decorative" val="1"/>
+              </a:ext>
+            </a:extLst>
+          </p:cNvPr>
+          <p:cNvSpPr>
+            <a:spLocks noGrp="1" noRot="1" noChangeAspect="1" noMove="1" noResize="1" noEditPoints="1" noAdjustHandles="1" noChangeArrowheads="1" noChangeShapeType="1" noTextEdit="1"/>
+          </p:cNvSpPr>
+          <p:nvPr>
+            <p:extLst>
+              <p:ext uri="{386F3935-93C4-4BCD-93E2-E3B085C9AB24}">
+                <p16:designElem xmlns:p16="http://schemas.microsoft.com/office/powerpoint/2015/main" val="1"/>
+              </p:ext>
+            </p:extLst>
+          </p:nvPr>
+        </p:nvSpPr>
+        <p:spPr>
+          <a:xfrm>
+            <a:off x="0" y="0"/>
+            <a:ext cx="12192000" cy="6858000"/>
+          </a:xfrm>
+          <a:prstGeom prst="rect">
+            <a:avLst/>
+          </a:prstGeom>
+          <a:ln>
+            <a:noFill/>
+          </a:ln>
+        </p:spPr>
+        <p:style>
+          <a:lnRef idx="2">
+            <a:schemeClr val="accent1">
+              <a:shade val="50000"/>
+            </a:schemeClr>
+          </a:lnRef>
+          <a:fillRef idx="1">
+            <a:schemeClr val="accent1"/>
+          </a:fillRef>
+          <a:effectRef idx="0">
+            <a:schemeClr val="accent1"/>
+          </a:effectRef>
+          <a:fontRef idx="minor">
+            <a:schemeClr val="lt1"/>
+          </a:fontRef>
+        </p:style>
+        <p:txBody>
+          <a:bodyPr rtlCol="0" anchor="ctr"/>
+          <a:lstStyle/>
+          <a:p>
+            <a:pPr algn="ctr"/>
+            <a:endParaRPr lang="en-US"/>
+          </a:p>
+        </p:txBody>
+      </p:sp>
+      <p:sp>
+        <p:nvSpPr>
+          <p:cNvPr id="22" name="Rectangle 21">
+            <a:extLst>
+              <a:ext uri="{FF2B5EF4-FFF2-40B4-BE49-F238E27FC236}">
+                <a16:creationId xmlns:a16="http://schemas.microsoft.com/office/drawing/2014/main" id="{CA0E3486-FD49-4921-B4F4-E5BB5C88AC79}"/>
+              </a:ext>
+              <a:ext uri="{C183D7F6-B498-43B3-948B-1728B52AA6E4}">
+                <adec:decorative xmlns:adec="http://schemas.microsoft.com/office/drawing/2017/decorative" val="1"/>
+              </a:ext>
+            </a:extLst>
+          </p:cNvPr>
+          <p:cNvSpPr>
+            <a:spLocks noGrp="1" noRot="1" noChangeAspect="1" noMove="1" noResize="1" noEditPoints="1" noAdjustHandles="1" noChangeArrowheads="1" noChangeShapeType="1" noTextEdit="1"/>
+          </p:cNvSpPr>
+          <p:nvPr>
+            <p:extLst>
+              <p:ext uri="{386F3935-93C4-4BCD-93E2-E3B085C9AB24}">
+                <p16:designElem xmlns:p16="http://schemas.microsoft.com/office/powerpoint/2015/main" val="1"/>
+              </p:ext>
+            </p:extLst>
+          </p:nvPr>
+        </p:nvSpPr>
+        <p:spPr>
+          <a:xfrm>
+            <a:off x="-1" y="758953"/>
+            <a:ext cx="3577575" cy="5330952"/>
+          </a:xfrm>
+          <a:prstGeom prst="rect">
+            <a:avLst/>
+          </a:prstGeom>
+          <a:solidFill>
+            <a:schemeClr val="accent1"/>
+          </a:solidFill>
+          <a:ln>
+            <a:noFill/>
+          </a:ln>
+        </p:spPr>
+        <p:style>
+          <a:lnRef idx="2">
+            <a:schemeClr val="accent1">
+              <a:shade val="50000"/>
+            </a:schemeClr>
+          </a:lnRef>
+          <a:fillRef idx="1">
+            <a:schemeClr val="accent1"/>
+          </a:fillRef>
+          <a:effectRef idx="0">
+            <a:schemeClr val="accent1"/>
+          </a:effectRef>
+          <a:fontRef idx="minor">
+            <a:schemeClr val="lt1"/>
+          </a:fontRef>
+        </p:style>
+      </p:sp>
+      <p:sp>
+        <p:nvSpPr>
+          <p:cNvPr id="9" name="Title 4">
+            <a:extLst>
+              <a:ext uri="{FF2B5EF4-FFF2-40B4-BE49-F238E27FC236}">
+                <a16:creationId xmlns:a16="http://schemas.microsoft.com/office/drawing/2014/main" id="{B3BCF04F-53F8-EB44-86BC-8E673A80BEE2}"/>
+              </a:ext>
+            </a:extLst>
+          </p:cNvPr>
+          <p:cNvSpPr txBox="1">
+            <a:spLocks/>
+          </p:cNvSpPr>
+          <p:nvPr/>
+        </p:nvSpPr>
+        <p:spPr>
+          <a:xfrm>
+            <a:off x="74501" y="821095"/>
+            <a:ext cx="3577575" cy="1038177"/>
+          </a:xfrm>
+          <a:prstGeom prst="rect">
+            <a:avLst/>
+          </a:prstGeom>
+        </p:spPr>
+        <p:txBody>
+          <a:bodyPr vert="horz" lIns="91440" tIns="45720" rIns="91440" bIns="45720" rtlCol="0" anchor="b">
+            <a:normAutofit/>
+          </a:bodyPr>
+          <a:lstStyle>
+            <a:lvl1pPr algn="l" defTabSz="914400" rtl="0" eaLnBrk="1" latinLnBrk="0" hangingPunct="1">
+              <a:lnSpc>
+                <a:spcPct val="90000"/>
+              </a:lnSpc>
+              <a:spcBef>
+                <a:spcPct val="0"/>
+              </a:spcBef>
+              <a:buNone/>
+              <a:defRPr sz="4400" kern="1200">
+                <a:solidFill>
+                  <a:schemeClr val="tx1"/>
+                </a:solidFill>
+                <a:latin typeface="+mj-lt"/>
+                <a:ea typeface="+mj-ea"/>
+                <a:cs typeface="+mj-cs"/>
+              </a:defRPr>
+            </a:lvl1pPr>
+          </a:lstStyle>
+          <a:p>
+            <a:pPr>
+              <a:spcAft>
+                <a:spcPts val="600"/>
+              </a:spcAft>
+            </a:pPr>
+            <a:r>
+              <a:rPr lang="en-US" sz="2800" b="1" spc="-60" dirty="0">
+                <a:solidFill>
+                  <a:srgbClr val="FFFFFF"/>
+                </a:solidFill>
+                <a:latin typeface="Arial" panose="020B0604020202020204" pitchFamily="34" charset="0"/>
+                <a:cs typeface="Arial" panose="020B0604020202020204" pitchFamily="34" charset="0"/>
+              </a:rPr>
+              <a:t>AVERAGE Days on Market</a:t>
+            </a:r>
+          </a:p>
+        </p:txBody>
+      </p:sp>
+      <p:sp>
+        <p:nvSpPr>
+          <p:cNvPr id="24" name="Rectangle 23">
+            <a:extLst>
+              <a:ext uri="{FF2B5EF4-FFF2-40B4-BE49-F238E27FC236}">
+                <a16:creationId xmlns:a16="http://schemas.microsoft.com/office/drawing/2014/main" id="{83B4A72C-2924-4CE2-8674-7E02E182ED6D}"/>
+              </a:ext>
+              <a:ext uri="{C183D7F6-B498-43B3-948B-1728B52AA6E4}">
+                <adec:decorative xmlns:adec="http://schemas.microsoft.com/office/drawing/2017/decorative" val="1"/>
+              </a:ext>
+            </a:extLst>
+          </p:cNvPr>
+          <p:cNvSpPr>
+            <a:spLocks noGrp="1" noRot="1" noChangeAspect="1" noMove="1" noResize="1" noEditPoints="1" noAdjustHandles="1" noChangeArrowheads="1" noChangeShapeType="1" noTextEdit="1"/>
+          </p:cNvSpPr>
+          <p:nvPr>
+            <p:extLst>
+              <p:ext uri="{386F3935-93C4-4BCD-93E2-E3B085C9AB24}">
+                <p16:designElem xmlns:p16="http://schemas.microsoft.com/office/powerpoint/2015/main" val="1"/>
+              </p:ext>
+            </p:extLst>
+          </p:nvPr>
+        </p:nvSpPr>
+        <p:spPr>
+          <a:xfrm>
+            <a:off x="11815864" y="758952"/>
+            <a:ext cx="384048" cy="5330952"/>
+          </a:xfrm>
+          <a:prstGeom prst="rect">
+            <a:avLst/>
+          </a:prstGeom>
+          <a:solidFill>
+            <a:srgbClr val="C8C8C8">
+              <a:alpha val="49804"/>
+            </a:srgbClr>
+          </a:solidFill>
+          <a:ln>
+            <a:noFill/>
+          </a:ln>
+        </p:spPr>
+        <p:style>
+          <a:lnRef idx="2">
+            <a:schemeClr val="accent1">
+              <a:shade val="50000"/>
+            </a:schemeClr>
+          </a:lnRef>
+          <a:fillRef idx="1">
+            <a:schemeClr val="accent1"/>
+          </a:fillRef>
+          <a:effectRef idx="0">
+            <a:schemeClr val="accent1"/>
+          </a:effectRef>
+          <a:fontRef idx="minor">
+            <a:schemeClr val="lt1"/>
+          </a:fontRef>
+        </p:style>
+      </p:sp>
+      <p:pic>
+        <p:nvPicPr>
+          <p:cNvPr id="29" name="Picture 28" descr="A close up of a sign&#10;&#10;Description automatically generated">
+            <a:extLst>
+              <a:ext uri="{FF2B5EF4-FFF2-40B4-BE49-F238E27FC236}">
+                <a16:creationId xmlns:a16="http://schemas.microsoft.com/office/drawing/2014/main" id="{8F11D508-E498-944E-B812-C24FDD29A667}"/>
+              </a:ext>
+            </a:extLst>
+          </p:cNvPr>
+          <p:cNvPicPr>
+            <a:picLocks noChangeAspect="1"/>
+          </p:cNvPicPr>
+          <p:nvPr/>
+        </p:nvPicPr>
+        <p:blipFill>
+          <a:blip r:embed="rId3">
+            <a:extLst>
+              <a:ext uri="{837473B0-CC2E-450A-ABE3-18F120FF3D39}">
+                <a1611:picAttrSrcUrl xmlns:a1611="http://schemas.microsoft.com/office/drawing/2016/11/main" r:id="rId4"/>
+              </a:ext>
+            </a:extLst>
+          </a:blip>
+          <a:stretch>
+            <a:fillRect/>
+          </a:stretch>
+        </p:blipFill>
+        <p:spPr>
+          <a:xfrm>
+            <a:off x="-7912" y="2017237"/>
+            <a:ext cx="3577575" cy="2704053"/>
+          </a:xfrm>
+          <a:prstGeom prst="rect">
+            <a:avLst/>
+          </a:prstGeom>
+        </p:spPr>
+      </p:pic>
+      <p:pic>
+        <p:nvPicPr>
+          <p:cNvPr id="6" name="Picture 5" descr="A picture containing screenshot&#10;&#10;Description automatically generated">
+            <a:extLst>
+              <a:ext uri="{FF2B5EF4-FFF2-40B4-BE49-F238E27FC236}">
+                <a16:creationId xmlns:a16="http://schemas.microsoft.com/office/drawing/2014/main" id="{79A431D6-5833-4F24-9DC5-39DBE41398E8}"/>
+              </a:ext>
+            </a:extLst>
+          </p:cNvPr>
+          <p:cNvPicPr>
+            <a:picLocks noChangeAspect="1"/>
+          </p:cNvPicPr>
+          <p:nvPr/>
+        </p:nvPicPr>
+        <p:blipFill>
+          <a:blip r:embed="rId5"/>
+          <a:stretch>
+            <a:fillRect/>
+          </a:stretch>
+        </p:blipFill>
+        <p:spPr>
+          <a:xfrm>
+            <a:off x="3588221" y="956135"/>
+            <a:ext cx="8227643" cy="4936586"/>
+          </a:xfrm>
+          <a:prstGeom prst="rect">
+            <a:avLst/>
+          </a:prstGeom>
+        </p:spPr>
+      </p:pic>
+    </p:spTree>
+    <p:extLst>
+      <p:ext uri="{BB962C8B-B14F-4D97-AF65-F5344CB8AC3E}">
+        <p14:creationId xmlns:p14="http://schemas.microsoft.com/office/powerpoint/2010/main" val="2591689158"/>
+      </p:ext>
+    </p:extLst>
+  </p:cSld>
+  <p:clrMapOvr>
+    <a:masterClrMapping/>
+  </p:clrMapOvr>
+</p:sld>
+</file>
+
+<file path=ppt/slides/slide12.xml><?xml version="1.0" encoding="utf-8"?>
+<p:sld xmlns:a="http://schemas.openxmlformats.org/drawingml/2006/main" xmlns:r="http://schemas.openxmlformats.org/officeDocument/2006/relationships" xmlns:p="http://schemas.openxmlformats.org/presentationml/2006/main">
+  <p:cSld>
+    <p:bg>
+      <p:bgPr>
+        <a:solidFill>
+          <a:schemeClr val="bg1"/>
+        </a:solidFill>
+        <a:effectLst/>
+      </p:bgPr>
+    </p:bg>
+    <p:spTree>
+      <p:nvGrpSpPr>
+        <p:cNvPr id="1" name=""/>
+        <p:cNvGrpSpPr/>
+        <p:nvPr/>
+      </p:nvGrpSpPr>
+      <p:grpSpPr>
+        <a:xfrm>
+          <a:off x="0" y="0"/>
+          <a:ext cx="0" cy="0"/>
+          <a:chOff x="0" y="0"/>
+          <a:chExt cx="0" cy="0"/>
+        </a:xfrm>
+      </p:grpSpPr>
       <p:sp>
         <p:nvSpPr>
           <p:cNvPr id="4" name="Title 3">
@@ -9542,7 +9992,7 @@
 </p:sld>
 </file>
 
-<file path=ppt/slides/slide12.xml><?xml version="1.0" encoding="utf-8"?>
+<file path=ppt/slides/slide13.xml><?xml version="1.0" encoding="utf-8"?>
 <p:sld xmlns:a="http://schemas.openxmlformats.org/drawingml/2006/main" xmlns:r="http://schemas.openxmlformats.org/officeDocument/2006/relationships" xmlns:p="http://schemas.openxmlformats.org/presentationml/2006/main">
   <p:cSld>
     <p:bg>
@@ -10304,7 +10754,7 @@
 </p:sld>
 </file>
 
-<file path=ppt/slides/slide13.xml><?xml version="1.0" encoding="utf-8"?>
+<file path=ppt/slides/slide14.xml><?xml version="1.0" encoding="utf-8"?>
 <p:sld xmlns:a="http://schemas.openxmlformats.org/drawingml/2006/main" xmlns:r="http://schemas.openxmlformats.org/officeDocument/2006/relationships" xmlns:p="http://schemas.openxmlformats.org/presentationml/2006/main">
   <p:cSld>
     <p:bg>
@@ -11269,7 +11719,7 @@
             <a:fld id="{8C2E478F-E849-4A8C-AF1F-CBCC78A7CBFA}" type="slidenum">
               <a:rPr lang="en-US" smtClean="0"/>
               <a:pPr/>
-              <a:t>13</a:t>
+              <a:t>14</a:t>
             </a:fld>
             <a:endParaRPr lang="en-US" dirty="0"/>
           </a:p>
@@ -12197,7 +12647,7 @@
             <p:ph idx="1"/>
             <p:extLst>
               <p:ext uri="{D42A27DB-BD31-4B8C-83A1-F6EECF244321}">
-                <p14:modId xmlns:p14="http://schemas.microsoft.com/office/powerpoint/2010/main" val="3261933066"/>
+                <p14:modId xmlns:p14="http://schemas.microsoft.com/office/powerpoint/2010/main" val="3762253129"/>
               </p:ext>
             </p:extLst>
           </p:nvPr>
@@ -12396,7 +12846,7 @@
         </p:spPr>
         <p:txBody>
           <a:bodyPr>
-            <a:normAutofit/>
+            <a:normAutofit fontScale="90000"/>
           </a:bodyPr>
           <a:lstStyle/>
           <a:p>
@@ -12744,6 +13194,35 @@
           <a:chExt cx="0" cy="0"/>
         </a:xfrm>
       </p:grpSpPr>
+      <p:pic>
+        <p:nvPicPr>
+          <p:cNvPr id="4" name="Picture 3" descr="A close up of a map&#10;&#10;Description automatically generated">
+            <a:extLst>
+              <a:ext uri="{FF2B5EF4-FFF2-40B4-BE49-F238E27FC236}">
+                <a16:creationId xmlns:a16="http://schemas.microsoft.com/office/drawing/2014/main" id="{0B93855C-1812-473F-9DE7-0AACA02649FE}"/>
+              </a:ext>
+            </a:extLst>
+          </p:cNvPr>
+          <p:cNvPicPr>
+            <a:picLocks noChangeAspect="1"/>
+          </p:cNvPicPr>
+          <p:nvPr/>
+        </p:nvPicPr>
+        <p:blipFill rotWithShape="1">
+          <a:blip r:embed="rId3"/>
+          <a:srcRect l="6407" t="6366" r="7466" b="5609"/>
+          <a:stretch/>
+        </p:blipFill>
+        <p:spPr>
+          <a:xfrm>
+            <a:off x="3508741" y="900339"/>
+            <a:ext cx="8223947" cy="5043257"/>
+          </a:xfrm>
+          <a:prstGeom prst="rect">
+            <a:avLst/>
+          </a:prstGeom>
+        </p:spPr>
+      </p:pic>
       <p:sp>
         <p:nvSpPr>
           <p:cNvPr id="2" name="TextBox 1">
@@ -12796,35 +13275,6 @@
           </a:p>
         </p:txBody>
       </p:sp>
-      <p:pic>
-        <p:nvPicPr>
-          <p:cNvPr id="7" name="Content Placeholder 6" descr="A close up of a map&#10;&#10;Description automatically generated">
-            <a:extLst>
-              <a:ext uri="{FF2B5EF4-FFF2-40B4-BE49-F238E27FC236}">
-                <a16:creationId xmlns:a16="http://schemas.microsoft.com/office/drawing/2014/main" id="{CEAE0CF0-B9A7-9349-BB1E-50C929F9DCB2}"/>
-              </a:ext>
-            </a:extLst>
-          </p:cNvPr>
-          <p:cNvPicPr>
-            <a:picLocks noChangeAspect="1"/>
-          </p:cNvPicPr>
-          <p:nvPr/>
-        </p:nvPicPr>
-        <p:blipFill rotWithShape="1">
-          <a:blip r:embed="rId3"/>
-          <a:srcRect l="1983" r="2519" b="-1"/>
-          <a:stretch/>
-        </p:blipFill>
-        <p:spPr>
-          <a:xfrm>
-            <a:off x="3778897" y="758952"/>
-            <a:ext cx="7772401" cy="5330952"/>
-          </a:xfrm>
-          <a:prstGeom prst="rect">
-            <a:avLst/>
-          </a:prstGeom>
-        </p:spPr>
-      </p:pic>
       <p:pic>
         <p:nvPicPr>
           <p:cNvPr id="26" name="Picture 25" descr="A car parked in a parking lot&#10;&#10;Description automatically generated">
@@ -13200,8 +13650,8 @@
         </p:blipFill>
         <p:spPr>
           <a:xfrm>
-            <a:off x="4851961" y="1129907"/>
-            <a:ext cx="6882152" cy="4398862"/>
+            <a:off x="4727962" y="1129906"/>
+            <a:ext cx="7006152" cy="4478119"/>
           </a:xfrm>
           <a:prstGeom prst="rect">
             <a:avLst/>
@@ -13265,36 +13715,35 @@
           </a:fontRef>
         </p:style>
       </p:sp>
-      <p:sp>
-        <p:nvSpPr>
-          <p:cNvPr id="71" name="Content Placeholder 4">
+      <p:pic>
+        <p:nvPicPr>
+          <p:cNvPr id="4" name="Content Placeholder 3" descr="A picture containing screenshot&#10;&#10;Description automatically generated">
             <a:extLst>
               <a:ext uri="{FF2B5EF4-FFF2-40B4-BE49-F238E27FC236}">
-                <a16:creationId xmlns:a16="http://schemas.microsoft.com/office/drawing/2014/main" id="{8AB4822E-0C7B-7543-97A4-CB2A37A41ED9}"/>
+                <a16:creationId xmlns:a16="http://schemas.microsoft.com/office/drawing/2014/main" id="{D7673217-906D-45CD-813D-10A8139B20BB}"/>
               </a:ext>
             </a:extLst>
           </p:cNvPr>
-          <p:cNvSpPr>
-            <a:spLocks noGrp="1"/>
-          </p:cNvSpPr>
+          <p:cNvPicPr>
+            <a:picLocks noGrp="1" noChangeAspect="1"/>
+          </p:cNvPicPr>
           <p:nvPr>
             <p:ph sz="half" idx="1"/>
           </p:nvPr>
-        </p:nvSpPr>
+        </p:nvPicPr>
+        <p:blipFill>
+          <a:blip r:embed="rId3"/>
+          <a:stretch>
+            <a:fillRect/>
+          </a:stretch>
+        </p:blipFill>
         <p:spPr>
           <a:xfrm>
-            <a:off x="0" y="1785692"/>
-            <a:ext cx="4642228" cy="3743077"/>
+            <a:off x="0" y="2265045"/>
+            <a:ext cx="4641850" cy="2785110"/>
           </a:xfrm>
         </p:spPr>
-        <p:txBody>
-          <a:bodyPr/>
-          <a:lstStyle/>
-          <a:p>
-            <a:endParaRPr lang="en-US" dirty="0"/>
-          </a:p>
-        </p:txBody>
-      </p:sp>
+      </p:pic>
       <p:pic>
         <p:nvPicPr>
           <p:cNvPr id="18" name="Picture 17" descr="A picture containing indoor, sitting, table, front&#10;&#10;Description automatically generated">
@@ -13887,12 +14336,12 @@
           <a:chExt cx="0" cy="0"/>
         </a:xfrm>
       </p:grpSpPr>
-      <p:sp useBgFill="1">
-        <p:nvSpPr>
-          <p:cNvPr id="8" name="Rectangle 7">
+      <p:sp>
+        <p:nvSpPr>
+          <p:cNvPr id="21" name="Rectangle 20">
             <a:extLst>
               <a:ext uri="{FF2B5EF4-FFF2-40B4-BE49-F238E27FC236}">
-                <a16:creationId xmlns:a16="http://schemas.microsoft.com/office/drawing/2014/main" id="{29DC5A77-10C9-4ECF-B7EB-8D917F36A9EE}"/>
+                <a16:creationId xmlns:a16="http://schemas.microsoft.com/office/drawing/2014/main" id="{DB8424AB-D56B-4256-866A-5B54DE93C20F}"/>
               </a:ext>
               <a:ext uri="{C183D7F6-B498-43B3-948B-1728B52AA6E4}">
                 <adec:decorative xmlns:adec="http://schemas.microsoft.com/office/drawing/2017/decorative" val="1"/>
@@ -13912,68 +14361,8 @@
         </p:nvSpPr>
         <p:spPr>
           <a:xfrm>
-            <a:off x="0" y="0"/>
-            <a:ext cx="12192000" cy="6858000"/>
-          </a:xfrm>
-          <a:prstGeom prst="rect">
-            <a:avLst/>
-          </a:prstGeom>
-          <a:ln>
-            <a:noFill/>
-          </a:ln>
-        </p:spPr>
-        <p:style>
-          <a:lnRef idx="2">
-            <a:schemeClr val="accent1">
-              <a:shade val="50000"/>
-            </a:schemeClr>
-          </a:lnRef>
-          <a:fillRef idx="1">
-            <a:schemeClr val="accent1"/>
-          </a:fillRef>
-          <a:effectRef idx="0">
-            <a:schemeClr val="accent1"/>
-          </a:effectRef>
-          <a:fontRef idx="minor">
-            <a:schemeClr val="lt1"/>
-          </a:fontRef>
-        </p:style>
-        <p:txBody>
-          <a:bodyPr rtlCol="0" anchor="ctr"/>
-          <a:lstStyle/>
-          <a:p>
-            <a:pPr algn="ctr"/>
-            <a:endParaRPr lang="en-US"/>
-          </a:p>
-        </p:txBody>
-      </p:sp>
-      <p:sp>
-        <p:nvSpPr>
-          <p:cNvPr id="10" name="Rectangle 9">
-            <a:extLst>
-              <a:ext uri="{FF2B5EF4-FFF2-40B4-BE49-F238E27FC236}">
-                <a16:creationId xmlns:a16="http://schemas.microsoft.com/office/drawing/2014/main" id="{2FFE28B5-FB16-49A9-B851-3C35FAC0CACB}"/>
-              </a:ext>
-              <a:ext uri="{C183D7F6-B498-43B3-948B-1728B52AA6E4}">
-                <adec:decorative xmlns:adec="http://schemas.microsoft.com/office/drawing/2017/decorative" val="1"/>
-              </a:ext>
-            </a:extLst>
-          </p:cNvPr>
-          <p:cNvSpPr>
-            <a:spLocks noGrp="1" noRot="1" noChangeAspect="1" noMove="1" noResize="1" noEditPoints="1" noAdjustHandles="1" noChangeArrowheads="1" noChangeShapeType="1" noTextEdit="1"/>
-          </p:cNvSpPr>
-          <p:nvPr>
-            <p:extLst>
-              <p:ext uri="{386F3935-93C4-4BCD-93E2-E3B085C9AB24}">
-                <p16:designElem xmlns:p16="http://schemas.microsoft.com/office/powerpoint/2015/main" val="1"/>
-              </p:ext>
-            </p:extLst>
-          </p:nvPr>
-        </p:nvSpPr>
-        <p:spPr>
-          <a:xfrm>
-            <a:off x="1" y="758952"/>
-            <a:ext cx="10905976" cy="1651133"/>
+            <a:off x="0" y="761999"/>
+            <a:ext cx="9141619" cy="5334001"/>
           </a:xfrm>
           <a:prstGeom prst="rect">
             <a:avLst/>
@@ -14001,59 +14390,13 @@
             <a:schemeClr val="lt1"/>
           </a:fontRef>
         </p:style>
-        <p:txBody>
-          <a:bodyPr/>
-          <a:lstStyle/>
-          <a:p>
-            <a:endParaRPr lang="en-US" dirty="0"/>
-          </a:p>
-        </p:txBody>
-      </p:sp>
-      <p:sp>
-        <p:nvSpPr>
-          <p:cNvPr id="2" name="Title 1">
+      </p:sp>
+      <p:sp>
+        <p:nvSpPr>
+          <p:cNvPr id="23" name="Rectangle 22">
             <a:extLst>
               <a:ext uri="{FF2B5EF4-FFF2-40B4-BE49-F238E27FC236}">
-                <a16:creationId xmlns:a16="http://schemas.microsoft.com/office/drawing/2014/main" id="{2135BBC7-B59A-6D41-8796-3BC756EB830B}"/>
-              </a:ext>
-            </a:extLst>
-          </p:cNvPr>
-          <p:cNvSpPr>
-            <a:spLocks noGrp="1"/>
-          </p:cNvSpPr>
-          <p:nvPr>
-            <p:ph type="title"/>
-          </p:nvPr>
-        </p:nvSpPr>
-        <p:spPr>
-          <a:xfrm>
-            <a:off x="158228" y="1084029"/>
-            <a:ext cx="7716809" cy="1000978"/>
-          </a:xfrm>
-        </p:spPr>
-        <p:txBody>
-          <a:bodyPr>
-            <a:normAutofit/>
-          </a:bodyPr>
-          <a:lstStyle/>
-          <a:p>
-            <a:r>
-              <a:rPr lang="en-US" sz="2800" b="1" dirty="0">
-                <a:latin typeface="Arial" panose="020B0604020202020204" pitchFamily="34" charset="0"/>
-                <a:cs typeface="Arial" panose="020B0604020202020204" pitchFamily="34" charset="0"/>
-              </a:rPr>
-              <a:t>TOTAL CRIME AVG. PER CAPITA IN CITIES</a:t>
-            </a:r>
-            <a:endParaRPr lang="en-US" sz="2800" dirty="0"/>
-          </a:p>
-        </p:txBody>
-      </p:sp>
-      <p:sp>
-        <p:nvSpPr>
-          <p:cNvPr id="12" name="Rectangle 11">
-            <a:extLst>
-              <a:ext uri="{FF2B5EF4-FFF2-40B4-BE49-F238E27FC236}">
-                <a16:creationId xmlns:a16="http://schemas.microsoft.com/office/drawing/2014/main" id="{01014442-855A-4E0F-8D09-C314661A48B9}"/>
+                <a16:creationId xmlns:a16="http://schemas.microsoft.com/office/drawing/2014/main" id="{FC999C28-AD33-4EB7-A5F1-C06D10A5FDF7}"/>
               </a:ext>
               <a:ext uri="{C183D7F6-B498-43B3-948B-1728B52AA6E4}">
                 <adec:decorative xmlns:adec="http://schemas.microsoft.com/office/drawing/2017/decorative" val="1"/>
@@ -14073,8 +14416,8 @@
         </p:nvSpPr>
         <p:spPr>
           <a:xfrm>
-            <a:off x="11014533" y="758952"/>
-            <a:ext cx="1185379" cy="1651133"/>
+            <a:off x="9270263" y="761999"/>
+            <a:ext cx="2925318" cy="5334001"/>
           </a:xfrm>
           <a:prstGeom prst="rect">
             <a:avLst/>
@@ -14105,12 +14448,12 @@
           </a:fontRef>
         </p:style>
       </p:sp>
-      <p:sp>
-        <p:nvSpPr>
-          <p:cNvPr id="14" name="Rectangle 13">
+      <p:sp useBgFill="1">
+        <p:nvSpPr>
+          <p:cNvPr id="25" name="Rectangle 24">
             <a:extLst>
               <a:ext uri="{FF2B5EF4-FFF2-40B4-BE49-F238E27FC236}">
-                <a16:creationId xmlns:a16="http://schemas.microsoft.com/office/drawing/2014/main" id="{9B1ABF09-86CF-414E-88A5-2B84CC7232A9}"/>
+                <a16:creationId xmlns:a16="http://schemas.microsoft.com/office/drawing/2014/main" id="{0864E5C9-52C9-4572-AC75-548B9B9C2648}"/>
               </a:ext>
               <a:ext uri="{C183D7F6-B498-43B3-948B-1728B52AA6E4}">
                 <adec:decorative xmlns:adec="http://schemas.microsoft.com/office/drawing/2017/decorative" val="1"/>
@@ -14130,8 +14473,188 @@
         </p:nvSpPr>
         <p:spPr>
           <a:xfrm>
-            <a:off x="763" y="2526526"/>
-            <a:ext cx="1169701" cy="3563378"/>
+            <a:off x="0" y="0"/>
+            <a:ext cx="12191999" cy="6858000"/>
+          </a:xfrm>
+          <a:prstGeom prst="rect">
+            <a:avLst/>
+          </a:prstGeom>
+          <a:ln>
+            <a:noFill/>
+          </a:ln>
+        </p:spPr>
+        <p:style>
+          <a:lnRef idx="2">
+            <a:schemeClr val="accent1">
+              <a:shade val="50000"/>
+            </a:schemeClr>
+          </a:lnRef>
+          <a:fillRef idx="1">
+            <a:schemeClr val="accent1"/>
+          </a:fillRef>
+          <a:effectRef idx="0">
+            <a:schemeClr val="accent1"/>
+          </a:effectRef>
+          <a:fontRef idx="minor">
+            <a:schemeClr val="lt1"/>
+          </a:fontRef>
+        </p:style>
+        <p:txBody>
+          <a:bodyPr rtlCol="0" anchor="ctr"/>
+          <a:lstStyle/>
+          <a:p>
+            <a:pPr algn="ctr"/>
+            <a:endParaRPr lang="en-US"/>
+          </a:p>
+        </p:txBody>
+      </p:sp>
+      <p:sp>
+        <p:nvSpPr>
+          <p:cNvPr id="27" name="Rectangle 26">
+            <a:extLst>
+              <a:ext uri="{FF2B5EF4-FFF2-40B4-BE49-F238E27FC236}">
+                <a16:creationId xmlns:a16="http://schemas.microsoft.com/office/drawing/2014/main" id="{45CC6500-4DBD-4C34-BC14-2387FB483BEB}"/>
+              </a:ext>
+              <a:ext uri="{C183D7F6-B498-43B3-948B-1728B52AA6E4}">
+                <adec:decorative xmlns:adec="http://schemas.microsoft.com/office/drawing/2017/decorative" val="1"/>
+              </a:ext>
+            </a:extLst>
+          </p:cNvPr>
+          <p:cNvSpPr>
+            <a:spLocks noGrp="1" noRot="1" noChangeAspect="1" noMove="1" noResize="1" noEditPoints="1" noAdjustHandles="1" noChangeArrowheads="1" noChangeShapeType="1" noTextEdit="1"/>
+          </p:cNvSpPr>
+          <p:nvPr>
+            <p:extLst>
+              <p:ext uri="{386F3935-93C4-4BCD-93E2-E3B085C9AB24}">
+                <p16:designElem xmlns:p16="http://schemas.microsoft.com/office/powerpoint/2015/main" val="1"/>
+              </p:ext>
+            </p:extLst>
+          </p:nvPr>
+        </p:nvSpPr>
+        <p:spPr>
+          <a:xfrm>
+            <a:off x="1" y="761999"/>
+            <a:ext cx="4642228" cy="5334001"/>
+          </a:xfrm>
+          <a:prstGeom prst="rect">
+            <a:avLst/>
+          </a:prstGeom>
+          <a:solidFill>
+            <a:schemeClr val="accent1"/>
+          </a:solidFill>
+          <a:ln>
+            <a:noFill/>
+          </a:ln>
+        </p:spPr>
+        <p:style>
+          <a:lnRef idx="2">
+            <a:schemeClr val="accent1">
+              <a:shade val="50000"/>
+            </a:schemeClr>
+          </a:lnRef>
+          <a:fillRef idx="1">
+            <a:schemeClr val="accent1"/>
+          </a:fillRef>
+          <a:effectRef idx="0">
+            <a:schemeClr val="accent1"/>
+          </a:effectRef>
+          <a:fontRef idx="minor">
+            <a:schemeClr val="lt1"/>
+          </a:fontRef>
+        </p:style>
+      </p:sp>
+      <p:sp>
+        <p:nvSpPr>
+          <p:cNvPr id="2" name="Title 1">
+            <a:extLst>
+              <a:ext uri="{FF2B5EF4-FFF2-40B4-BE49-F238E27FC236}">
+                <a16:creationId xmlns:a16="http://schemas.microsoft.com/office/drawing/2014/main" id="{2135BBC7-B59A-6D41-8796-3BC756EB830B}"/>
+              </a:ext>
+            </a:extLst>
+          </p:cNvPr>
+          <p:cNvSpPr>
+            <a:spLocks noGrp="1"/>
+          </p:cNvSpPr>
+          <p:nvPr>
+            <p:ph type="title"/>
+          </p:nvPr>
+        </p:nvSpPr>
+        <p:spPr>
+          <a:xfrm>
+            <a:off x="1069849" y="1298448"/>
+            <a:ext cx="3258688" cy="3255264"/>
+          </a:xfrm>
+        </p:spPr>
+        <p:txBody>
+          <a:bodyPr vert="horz" lIns="91440" tIns="45720" rIns="91440" bIns="45720" rtlCol="0" anchor="b">
+            <a:normAutofit/>
+          </a:bodyPr>
+          <a:lstStyle/>
+          <a:p>
+            <a:r>
+              <a:rPr lang="en-US" sz="4600" b="1" spc="-100"/>
+              <a:t>TOTAL CRIME AVG. PER CAPITA IN CITIES</a:t>
+            </a:r>
+            <a:endParaRPr lang="en-US" sz="4600" spc="-100"/>
+          </a:p>
+        </p:txBody>
+      </p:sp>
+      <p:pic>
+        <p:nvPicPr>
+          <p:cNvPr id="6" name="Picture 5" descr="A screenshot of a cell phone&#10;&#10;Description automatically generated">
+            <a:extLst>
+              <a:ext uri="{FF2B5EF4-FFF2-40B4-BE49-F238E27FC236}">
+                <a16:creationId xmlns:a16="http://schemas.microsoft.com/office/drawing/2014/main" id="{C8E75981-7D8B-4417-A135-99A20D140610}"/>
+              </a:ext>
+            </a:extLst>
+          </p:cNvPr>
+          <p:cNvPicPr>
+            <a:picLocks noChangeAspect="1"/>
+          </p:cNvPicPr>
+          <p:nvPr/>
+        </p:nvPicPr>
+        <p:blipFill rotWithShape="1">
+          <a:blip r:embed="rId2"/>
+          <a:srcRect l="6907" t="7287" r="9318" b="5891"/>
+          <a:stretch/>
+        </p:blipFill>
+        <p:spPr>
+          <a:xfrm>
+            <a:off x="4684761" y="1318342"/>
+            <a:ext cx="7044991" cy="4380711"/>
+          </a:xfrm>
+          <a:prstGeom prst="rect">
+            <a:avLst/>
+          </a:prstGeom>
+        </p:spPr>
+      </p:pic>
+      <p:sp>
+        <p:nvSpPr>
+          <p:cNvPr id="29" name="Rectangle 28">
+            <a:extLst>
+              <a:ext uri="{FF2B5EF4-FFF2-40B4-BE49-F238E27FC236}">
+                <a16:creationId xmlns:a16="http://schemas.microsoft.com/office/drawing/2014/main" id="{4E34A3B6-BAD2-4156-BDC6-4736248BFDE0}"/>
+              </a:ext>
+              <a:ext uri="{C183D7F6-B498-43B3-948B-1728B52AA6E4}">
+                <adec:decorative xmlns:adec="http://schemas.microsoft.com/office/drawing/2017/decorative" val="1"/>
+              </a:ext>
+            </a:extLst>
+          </p:cNvPr>
+          <p:cNvSpPr>
+            <a:spLocks noGrp="1" noRot="1" noChangeAspect="1" noMove="1" noResize="1" noEditPoints="1" noAdjustHandles="1" noChangeArrowheads="1" noChangeShapeType="1" noTextEdit="1"/>
+          </p:cNvSpPr>
+          <p:nvPr>
+            <p:extLst>
+              <p:ext uri="{386F3935-93C4-4BCD-93E2-E3B085C9AB24}">
+                <p16:designElem xmlns:p16="http://schemas.microsoft.com/office/powerpoint/2015/main" val="1"/>
+              </p:ext>
+            </p:extLst>
+          </p:nvPr>
+        </p:nvSpPr>
+        <p:spPr>
+          <a:xfrm>
+            <a:off x="11815864" y="758952"/>
+            <a:ext cx="384048" cy="5330952"/>
           </a:xfrm>
           <a:prstGeom prst="rect">
             <a:avLst/>
@@ -14162,104 +14685,6 @@
           </a:fontRef>
         </p:style>
       </p:sp>
-      <p:sp>
-        <p:nvSpPr>
-          <p:cNvPr id="16" name="Rectangle 15">
-            <a:extLst>
-              <a:ext uri="{FF2B5EF4-FFF2-40B4-BE49-F238E27FC236}">
-                <a16:creationId xmlns:a16="http://schemas.microsoft.com/office/drawing/2014/main" id="{3FE91770-CDBB-4D24-94E5-AD484F36CE87}"/>
-              </a:ext>
-              <a:ext uri="{C183D7F6-B498-43B3-948B-1728B52AA6E4}">
-                <adec:decorative xmlns:adec="http://schemas.microsoft.com/office/drawing/2017/decorative" val="1"/>
-              </a:ext>
-            </a:extLst>
-          </p:cNvPr>
-          <p:cNvSpPr>
-            <a:spLocks noGrp="1" noRot="1" noChangeAspect="1" noMove="1" noResize="1" noEditPoints="1" noAdjustHandles="1" noChangeArrowheads="1" noChangeShapeType="1" noTextEdit="1"/>
-          </p:cNvSpPr>
-          <p:nvPr>
-            <p:extLst>
-              <p:ext uri="{386F3935-93C4-4BCD-93E2-E3B085C9AB24}">
-                <p16:designElem xmlns:p16="http://schemas.microsoft.com/office/powerpoint/2015/main" val="1"/>
-              </p:ext>
-            </p:extLst>
-          </p:nvPr>
-        </p:nvSpPr>
-        <p:spPr>
-          <a:xfrm>
-            <a:off x="1279019" y="2526526"/>
-            <a:ext cx="10920893" cy="3563377"/>
-          </a:xfrm>
-          <a:prstGeom prst="rect">
-            <a:avLst/>
-          </a:prstGeom>
-          <a:solidFill>
-            <a:schemeClr val="bg2">
-              <a:lumMod val="60000"/>
-              <a:lumOff val="40000"/>
-              <a:alpha val="60000"/>
-            </a:schemeClr>
-          </a:solidFill>
-          <a:ln>
-            <a:noFill/>
-          </a:ln>
-        </p:spPr>
-        <p:style>
-          <a:lnRef idx="2">
-            <a:schemeClr val="accent1">
-              <a:shade val="50000"/>
-            </a:schemeClr>
-          </a:lnRef>
-          <a:fillRef idx="1">
-            <a:schemeClr val="accent1"/>
-          </a:fillRef>
-          <a:effectRef idx="0">
-            <a:schemeClr val="accent1"/>
-          </a:effectRef>
-          <a:fontRef idx="minor">
-            <a:schemeClr val="lt1"/>
-          </a:fontRef>
-        </p:style>
-        <p:txBody>
-          <a:bodyPr/>
-          <a:lstStyle/>
-          <a:p>
-            <a:endParaRPr lang="en-US" dirty="0"/>
-          </a:p>
-        </p:txBody>
-      </p:sp>
-      <p:pic>
-        <p:nvPicPr>
-          <p:cNvPr id="9" name="Content Placeholder 8" descr="A screenshot of a cell phone&#10;&#10;Description automatically generated">
-            <a:extLst>
-              <a:ext uri="{FF2B5EF4-FFF2-40B4-BE49-F238E27FC236}">
-                <a16:creationId xmlns:a16="http://schemas.microsoft.com/office/drawing/2014/main" id="{C5B7CDC7-315C-B84F-A28C-0DA02EA56268}"/>
-              </a:ext>
-            </a:extLst>
-          </p:cNvPr>
-          <p:cNvPicPr>
-            <a:picLocks noGrp="1" noChangeAspect="1"/>
-          </p:cNvPicPr>
-          <p:nvPr>
-            <p:ph idx="1"/>
-          </p:nvPr>
-        </p:nvPicPr>
-        <p:blipFill>
-          <a:blip r:embed="rId2"/>
-          <a:stretch>
-            <a:fillRect/>
-          </a:stretch>
-        </p:blipFill>
-        <p:spPr>
-          <a:xfrm>
-            <a:off x="3333690" y="2535238"/>
-            <a:ext cx="5516682" cy="3554412"/>
-          </a:xfrm>
-          <a:prstGeom prst="rect">
-            <a:avLst/>
-          </a:prstGeom>
-        </p:spPr>
-      </p:pic>
     </p:spTree>
     <p:extLst>
       <p:ext uri="{BB962C8B-B14F-4D97-AF65-F5344CB8AC3E}">
@@ -14606,16 +15031,15 @@
           </p:cNvPicPr>
           <p:nvPr/>
         </p:nvPicPr>
-        <p:blipFill>
+        <p:blipFill rotWithShape="1">
           <a:blip r:embed="rId5"/>
-          <a:stretch>
-            <a:fillRect/>
-          </a:stretch>
+          <a:srcRect l="5765" t="7270" r="8084" b="5949"/>
+          <a:stretch/>
         </p:blipFill>
         <p:spPr>
           <a:xfrm>
-            <a:off x="384048" y="856737"/>
-            <a:ext cx="7355633" cy="4741630"/>
+            <a:off x="384048" y="1031357"/>
+            <a:ext cx="7466859" cy="4848447"/>
           </a:xfrm>
           <a:prstGeom prst="rect">
             <a:avLst/>

--- a/Presentation/final draft.pptx
+++ b/Presentation/final draft.pptx
@@ -9001,8 +9001,25 @@
                 <a:latin typeface="Arial" panose="020B0604020202020204" pitchFamily="34" charset="0"/>
                 <a:cs typeface="Arial" panose="020B0604020202020204" pitchFamily="34" charset="0"/>
               </a:rPr>
-              <a:t>Houston Metropolitan Area Housing Market in Relation to Crime Rate </a:t>
+              <a:t>Effect of Crime on the Housing Market in the  </a:t>
             </a:r>
+            <a:r>
+              <a:rPr lang="en-US" sz="2000">
+                <a:solidFill>
+                  <a:schemeClr val="tx1"/>
+                </a:solidFill>
+                <a:latin typeface="Arial" panose="020B0604020202020204" pitchFamily="34" charset="0"/>
+                <a:cs typeface="Arial" panose="020B0604020202020204" pitchFamily="34" charset="0"/>
+              </a:rPr>
+              <a:t>Houston Metro-Area</a:t>
+            </a:r>
+            <a:endParaRPr lang="en-US" sz="2000" dirty="0">
+              <a:solidFill>
+                <a:schemeClr val="tx1"/>
+              </a:solidFill>
+              <a:latin typeface="Arial" panose="020B0604020202020204" pitchFamily="34" charset="0"/>
+              <a:cs typeface="Arial" panose="020B0604020202020204" pitchFamily="34" charset="0"/>
+            </a:endParaRPr>
           </a:p>
           <a:p>
             <a:pPr indent="-182880">

--- a/Presentation/final draft.pptx
+++ b/Presentation/final draft.pptx
@@ -983,14 +983,26 @@
       </dgm:t>
     </dgm:pt>
     <dgm:pt modelId="{62DC443B-C0E5-4B94-9A89-A3B6C7AE4601}">
-      <dgm:prSet/>
+      <dgm:prSet custT="1"/>
       <dgm:spPr/>
       <dgm:t>
         <a:bodyPr/>
         <a:lstStyle/>
         <a:p>
+          <a:pPr marL="0" lvl="0" algn="l" defTabSz="1066800">
+            <a:lnSpc>
+              <a:spcPct val="90000"/>
+            </a:lnSpc>
+            <a:spcBef>
+              <a:spcPct val="0"/>
+            </a:spcBef>
+            <a:spcAft>
+              <a:spcPct val="35000"/>
+            </a:spcAft>
+            <a:buNone/>
+          </a:pPr>
           <a:r>
-            <a:rPr lang="en-US" dirty="0">
+            <a:rPr lang="en-US" sz="2400" kern="1200" dirty="0">
               <a:latin typeface="Arial" panose="020B0604020202020204" pitchFamily="34" charset="0"/>
               <a:cs typeface="Arial" panose="020B0604020202020204" pitchFamily="34" charset="0"/>
             </a:rPr>
@@ -998,13 +1010,53 @@
           </a:r>
         </a:p>
         <a:p>
+          <a:pPr marL="0" lvl="0" algn="l" defTabSz="1066800">
+            <a:lnSpc>
+              <a:spcPct val="90000"/>
+            </a:lnSpc>
+            <a:spcBef>
+              <a:spcPct val="0"/>
+            </a:spcBef>
+            <a:spcAft>
+              <a:spcPct val="35000"/>
+            </a:spcAft>
+            <a:buNone/>
+          </a:pPr>
           <a:r>
-            <a:rPr lang="en-US" b="1" i="0" u="sng" dirty="0"/>
+            <a:rPr lang="en-US" sz="2400" b="1" i="0" u="none" kern="1200" dirty="0">
+              <a:solidFill>
+                <a:srgbClr val="FFFFFF">
+                  <a:hueOff val="0"/>
+                  <a:satOff val="0"/>
+                  <a:lumOff val="0"/>
+                  <a:alphaOff val="0"/>
+                </a:srgbClr>
+              </a:solidFill>
+              <a:latin typeface="Corbel" panose="020B0503020204020204"/>
+              <a:ea typeface="+mn-ea"/>
+              <a:cs typeface="+mn-cs"/>
+              <a:hlinkClick xmlns:r="http://schemas.openxmlformats.org/officeDocument/2006/relationships" r:id="rId1">
+                <a:extLst>
+                  <a:ext uri="{A12FA001-AC4F-418D-AE19-62706E023703}">
+                    <ahyp:hlinkClr xmlns:ahyp="http://schemas.microsoft.com/office/drawing/2018/hyperlinkcolor" val="tx"/>
+                  </a:ext>
+                </a:extLst>
+              </a:hlinkClick>
+            </a:rPr>
             <a:t>Redfin | Real Estate Tips for Home Buying, Selling </a:t>
           </a:r>
-          <a:endParaRPr lang="en-US" u="sng" dirty="0">
-            <a:latin typeface="Arial" panose="020B0604020202020204" pitchFamily="34" charset="0"/>
-            <a:cs typeface="Arial" panose="020B0604020202020204" pitchFamily="34" charset="0"/>
+          <a:endParaRPr lang="en-US" sz="2400" b="1" i="0" u="none" kern="1200" dirty="0">
+            <a:solidFill>
+              <a:srgbClr val="FFFFFF">
+                <a:hueOff val="0"/>
+                <a:satOff val="0"/>
+                <a:lumOff val="0"/>
+                <a:alphaOff val="0"/>
+              </a:srgbClr>
+            </a:solidFill>
+            <a:latin typeface="Corbel" panose="020B0503020204020204"/>
+            <a:ea typeface="+mn-ea"/>
+            <a:cs typeface="+mn-cs"/>
           </a:endParaRPr>
         </a:p>
       </dgm:t>
@@ -1049,7 +1101,7 @@
         <a:p>
           <a:r>
             <a:rPr lang="en-US" b="1" i="0" u="none" dirty="0">
-              <a:hlinkClick xmlns:r="http://schemas.openxmlformats.org/officeDocument/2006/relationships" r:id="rId1">
+              <a:hlinkClick xmlns:r="http://schemas.openxmlformats.org/officeDocument/2006/relationships" r:id="rId2">
                 <a:extLst>
                   <a:ext uri="{A12FA001-AC4F-418D-AE19-62706E023703}">
                     <ahyp:hlinkClr xmlns:ahyp="http://schemas.microsoft.com/office/drawing/2018/hyperlinkcolor" val="tx"/>
@@ -1109,13 +1161,13 @@
       <dgm:prSet presAssocID="{78C17D28-ACA9-437B-B635-93296B674E5A}" presName="iconRect" presStyleLbl="node1" presStyleIdx="0" presStyleCnt="3"/>
       <dgm:spPr>
         <a:blipFill>
-          <a:blip xmlns:r="http://schemas.openxmlformats.org/officeDocument/2006/relationships" r:embed="rId2">
+          <a:blip xmlns:r="http://schemas.openxmlformats.org/officeDocument/2006/relationships" r:embed="rId3">
             <a:extLst>
               <a:ext uri="{28A0092B-C50C-407E-A947-70E740481C1C}">
                 <a14:useLocalDpi xmlns:a14="http://schemas.microsoft.com/office/drawing/2010/main" val="0"/>
               </a:ext>
               <a:ext uri="{96DAC541-7B7A-43D3-8B79-37D633B846F1}">
-                <asvg:svgBlip xmlns:asvg="http://schemas.microsoft.com/office/drawing/2016/SVG/main" r:embed="rId3"/>
+                <asvg:svgBlip xmlns:asvg="http://schemas.microsoft.com/office/drawing/2016/SVG/main" r:embed="rId4"/>
               </a:ext>
             </a:extLst>
           </a:blip>
@@ -1162,13 +1214,13 @@
       <dgm:prSet presAssocID="{62DC443B-C0E5-4B94-9A89-A3B6C7AE4601}" presName="iconRect" presStyleLbl="node1" presStyleIdx="1" presStyleCnt="3"/>
       <dgm:spPr>
         <a:blipFill>
-          <a:blip xmlns:r="http://schemas.openxmlformats.org/officeDocument/2006/relationships" r:embed="rId4">
+          <a:blip xmlns:r="http://schemas.openxmlformats.org/officeDocument/2006/relationships" r:embed="rId5">
             <a:extLst>
               <a:ext uri="{28A0092B-C50C-407E-A947-70E740481C1C}">
                 <a14:useLocalDpi xmlns:a14="http://schemas.microsoft.com/office/drawing/2010/main" val="0"/>
               </a:ext>
               <a:ext uri="{96DAC541-7B7A-43D3-8B79-37D633B846F1}">
-                <asvg:svgBlip xmlns:asvg="http://schemas.microsoft.com/office/drawing/2016/SVG/main" r:embed="rId5"/>
+                <asvg:svgBlip xmlns:asvg="http://schemas.microsoft.com/office/drawing/2016/SVG/main" r:embed="rId6"/>
               </a:ext>
             </a:extLst>
           </a:blip>
@@ -1215,13 +1267,13 @@
       <dgm:prSet presAssocID="{410C4F80-3800-4FA1-9131-12C5F993F8BE}" presName="iconRect" presStyleLbl="node1" presStyleIdx="2" presStyleCnt="3"/>
       <dgm:spPr>
         <a:blipFill>
-          <a:blip xmlns:r="http://schemas.openxmlformats.org/officeDocument/2006/relationships" r:embed="rId6">
+          <a:blip xmlns:r="http://schemas.openxmlformats.org/officeDocument/2006/relationships" r:embed="rId7">
             <a:extLst>
               <a:ext uri="{28A0092B-C50C-407E-A947-70E740481C1C}">
                 <a14:useLocalDpi xmlns:a14="http://schemas.microsoft.com/office/drawing/2010/main" val="0"/>
               </a:ext>
               <a:ext uri="{96DAC541-7B7A-43D3-8B79-37D633B846F1}">
-                <asvg:svgBlip xmlns:asvg="http://schemas.microsoft.com/office/drawing/2016/SVG/main" r:embed="rId7"/>
+                <asvg:svgBlip xmlns:asvg="http://schemas.microsoft.com/office/drawing/2016/SVG/main" r:embed="rId8"/>
               </a:ext>
             </a:extLst>
           </a:blip>
@@ -1616,12 +1668,40 @@
             <a:buNone/>
           </a:pPr>
           <a:r>
-            <a:rPr lang="en-US" sz="2400" b="1" i="0" u="sng" kern="1200" dirty="0"/>
+            <a:rPr lang="en-US" sz="2400" b="1" i="0" u="none" kern="1200" dirty="0">
+              <a:solidFill>
+                <a:srgbClr val="FFFFFF">
+                  <a:hueOff val="0"/>
+                  <a:satOff val="0"/>
+                  <a:lumOff val="0"/>
+                  <a:alphaOff val="0"/>
+                </a:srgbClr>
+              </a:solidFill>
+              <a:latin typeface="Corbel" panose="020B0503020204020204"/>
+              <a:ea typeface="+mn-ea"/>
+              <a:cs typeface="+mn-cs"/>
+              <a:hlinkClick xmlns:r="http://schemas.openxmlformats.org/officeDocument/2006/relationships" r:id="rId5">
+                <a:extLst>
+                  <a:ext uri="{A12FA001-AC4F-418D-AE19-62706E023703}">
+                    <ahyp:hlinkClr xmlns:ahyp="http://schemas.microsoft.com/office/drawing/2018/hyperlinkcolor" val="tx"/>
+                  </a:ext>
+                </a:extLst>
+              </a:hlinkClick>
+            </a:rPr>
             <a:t>Redfin | Real Estate Tips for Home Buying, Selling </a:t>
           </a:r>
-          <a:endParaRPr lang="en-US" sz="2400" u="sng" kern="1200" dirty="0">
-            <a:latin typeface="Arial" panose="020B0604020202020204" pitchFamily="34" charset="0"/>
-            <a:cs typeface="Arial" panose="020B0604020202020204" pitchFamily="34" charset="0"/>
+          <a:endParaRPr lang="en-US" sz="2400" b="1" i="0" u="none" kern="1200" dirty="0">
+            <a:solidFill>
+              <a:srgbClr val="FFFFFF">
+                <a:hueOff val="0"/>
+                <a:satOff val="0"/>
+                <a:lumOff val="0"/>
+                <a:alphaOff val="0"/>
+              </a:srgbClr>
+            </a:solidFill>
+            <a:latin typeface="Corbel" panose="020B0503020204020204"/>
+            <a:ea typeface="+mn-ea"/>
+            <a:cs typeface="+mn-cs"/>
           </a:endParaRPr>
         </a:p>
       </dsp:txBody>
@@ -1685,13 +1765,13 @@
           <a:avLst/>
         </a:prstGeom>
         <a:blipFill>
-          <a:blip xmlns:r="http://schemas.openxmlformats.org/officeDocument/2006/relationships" r:embed="rId5">
+          <a:blip xmlns:r="http://schemas.openxmlformats.org/officeDocument/2006/relationships" r:embed="rId6">
             <a:extLst>
               <a:ext uri="{28A0092B-C50C-407E-A947-70E740481C1C}">
                 <a14:useLocalDpi xmlns:a14="http://schemas.microsoft.com/office/drawing/2010/main" val="0"/>
               </a:ext>
               <a:ext uri="{96DAC541-7B7A-43D3-8B79-37D633B846F1}">
-                <asvg:svgBlip xmlns:asvg="http://schemas.microsoft.com/office/drawing/2016/SVG/main" r:embed="rId6"/>
+                <asvg:svgBlip xmlns:asvg="http://schemas.microsoft.com/office/drawing/2016/SVG/main" r:embed="rId7"/>
               </a:ext>
             </a:extLst>
           </a:blip>
@@ -1792,7 +1872,7 @@
           </a:pPr>
           <a:r>
             <a:rPr lang="en-US" sz="2400" b="1" i="0" u="none" kern="1200" dirty="0">
-              <a:hlinkClick xmlns:r="http://schemas.openxmlformats.org/officeDocument/2006/relationships" r:id="rId7">
+              <a:hlinkClick xmlns:r="http://schemas.openxmlformats.org/officeDocument/2006/relationships" r:id="rId8">
                 <a:extLst>
                   <a:ext uri="{A12FA001-AC4F-418D-AE19-62706E023703}">
                     <ahyp:hlinkClr xmlns:ahyp="http://schemas.microsoft.com/office/drawing/2018/hyperlinkcolor" val="tx"/>
@@ -12664,7 +12744,7 @@
             <p:ph idx="1"/>
             <p:extLst>
               <p:ext uri="{D42A27DB-BD31-4B8C-83A1-F6EECF244321}">
-                <p14:modId xmlns:p14="http://schemas.microsoft.com/office/powerpoint/2010/main" val="3762253129"/>
+                <p14:modId xmlns:p14="http://schemas.microsoft.com/office/powerpoint/2010/main" val="1556996965"/>
               </p:ext>
             </p:extLst>
           </p:nvPr>
@@ -14598,7 +14678,7 @@
         </p:nvSpPr>
         <p:spPr>
           <a:xfrm>
-            <a:off x="1069849" y="1298448"/>
+            <a:off x="691771" y="1796796"/>
             <a:ext cx="3258688" cy="3255264"/>
           </a:xfrm>
         </p:spPr>
@@ -14609,10 +14689,10 @@
           <a:lstStyle/>
           <a:p>
             <a:r>
-              <a:rPr lang="en-US" sz="4600" b="1" spc="-100"/>
+              <a:rPr lang="en-US" sz="4600" b="1" spc="-100" dirty="0"/>
               <a:t>TOTAL CRIME AVG. PER CAPITA IN CITIES</a:t>
             </a:r>
-            <a:endParaRPr lang="en-US" sz="4600" spc="-100"/>
+            <a:endParaRPr lang="en-US" sz="4600" spc="-100" dirty="0"/>
           </a:p>
         </p:txBody>
       </p:sp>

--- a/Presentation/final draft.pptx
+++ b/Presentation/final draft.pptx
@@ -5,23 +5,27 @@
     <p:sldMasterId id="2147484040" r:id="rId1"/>
   </p:sldMasterIdLst>
   <p:notesMasterIdLst>
-    <p:notesMasterId r:id="rId16"/>
+    <p:notesMasterId r:id="rId20"/>
   </p:notesMasterIdLst>
   <p:sldIdLst>
     <p:sldId id="256" r:id="rId2"/>
     <p:sldId id="259" r:id="rId3"/>
     <p:sldId id="260" r:id="rId4"/>
     <p:sldId id="261" r:id="rId5"/>
-    <p:sldId id="265" r:id="rId6"/>
-    <p:sldId id="277" r:id="rId7"/>
-    <p:sldId id="269" r:id="rId8"/>
-    <p:sldId id="279" r:id="rId9"/>
-    <p:sldId id="257" r:id="rId10"/>
-    <p:sldId id="274" r:id="rId11"/>
-    <p:sldId id="2442" r:id="rId12"/>
-    <p:sldId id="264" r:id="rId13"/>
-    <p:sldId id="267" r:id="rId14"/>
-    <p:sldId id="2441" r:id="rId15"/>
+    <p:sldId id="2447" r:id="rId6"/>
+    <p:sldId id="265" r:id="rId7"/>
+    <p:sldId id="277" r:id="rId8"/>
+    <p:sldId id="269" r:id="rId9"/>
+    <p:sldId id="279" r:id="rId10"/>
+    <p:sldId id="257" r:id="rId11"/>
+    <p:sldId id="274" r:id="rId12"/>
+    <p:sldId id="2442" r:id="rId13"/>
+    <p:sldId id="2445" r:id="rId14"/>
+    <p:sldId id="2446" r:id="rId15"/>
+    <p:sldId id="264" r:id="rId16"/>
+    <p:sldId id="2444" r:id="rId17"/>
+    <p:sldId id="267" r:id="rId18"/>
+    <p:sldId id="2441" r:id="rId19"/>
   </p:sldIdLst>
   <p:sldSz cx="12192000" cy="6858000"/>
   <p:notesSz cx="6858000" cy="9144000"/>
@@ -3770,7 +3774,7 @@
     </p:spTree>
     <p:extLst>
       <p:ext uri="{BB962C8B-B14F-4D97-AF65-F5344CB8AC3E}">
-        <p14:creationId xmlns:p14="http://schemas.microsoft.com/office/powerpoint/2010/main" val="4244874762"/>
+        <p14:creationId xmlns:p14="http://schemas.microsoft.com/office/powerpoint/2010/main" val="3924546364"/>
       </p:ext>
     </p:extLst>
   </p:cSld>
@@ -3824,51 +3828,15 @@
           <a:bodyPr/>
           <a:lstStyle/>
           <a:p>
-            <a:pPr algn="ctr"/>
             <a:r>
               <a:rPr lang="en-US" dirty="0"/>
-              <a:t>The graph on the left shows the relationship between Crime rate and Property Value. </a:t>
+              <a:t>For our analysis we want to exploit the variation in crime that occurs within cities from 2012-2018. </a:t>
             </a:r>
           </a:p>
           <a:p>
-            <a:pPr algn="ctr"/>
             <a:r>
               <a:rPr lang="en-US" dirty="0"/>
-              <a:t>The above chart shows the probability of the crime rate in the housing market between the cities from 2012-2018.</a:t>
-            </a:r>
-          </a:p>
-          <a:p>
-            <a:pPr algn="ctr"/>
-            <a:r>
-              <a:rPr lang="en-US" dirty="0"/>
-              <a:t>To do this we combine Information from the </a:t>
-            </a:r>
-            <a:r>
-              <a:rPr lang="en-US" u="sng" dirty="0"/>
-              <a:t>Redfin Housing Data </a:t>
-            </a:r>
-            <a:r>
-              <a:rPr lang="en-US" dirty="0"/>
-              <a:t>with a dataset from </a:t>
-            </a:r>
-          </a:p>
-          <a:p>
-            <a:pPr algn="ctr"/>
-            <a:r>
-              <a:rPr lang="en-US" dirty="0">
-                <a:hlinkClick r:id="rId3">
-                  <a:extLst>
-                    <a:ext uri="{A12FA001-AC4F-418D-AE19-62706E023703}">
-                      <ahyp:hlinkClr xmlns:ahyp="http://schemas.microsoft.com/office/drawing/2018/hyperlinkcolor" val="tx"/>
-                    </a:ext>
-                  </a:extLst>
-                </a:hlinkClick>
-              </a:rPr>
-              <a:t>UCR Publications | Federal Bureau of Investigation</a:t>
-            </a:r>
-            <a:r>
-              <a:rPr lang="en-US" dirty="0"/>
-              <a:t> to produce measure of crime changes between 2012-2018. </a:t>
+              <a:t>The proportion of crime in the area has a negative impact on the price. If the proportion of crime increases by one percentage point, prices are expected to drop by 1.5%.</a:t>
             </a:r>
           </a:p>
           <a:p>
@@ -3902,7 +3870,7 @@
     </p:spTree>
     <p:extLst>
       <p:ext uri="{BB962C8B-B14F-4D97-AF65-F5344CB8AC3E}">
-        <p14:creationId xmlns:p14="http://schemas.microsoft.com/office/powerpoint/2010/main" val="1483577430"/>
+        <p14:creationId xmlns:p14="http://schemas.microsoft.com/office/powerpoint/2010/main" val="4244874762"/>
       </p:ext>
     </p:extLst>
   </p:cSld>
@@ -3956,14 +3924,51 @@
           <a:bodyPr/>
           <a:lstStyle/>
           <a:p>
-            <a:pPr>
-              <a:spcAft>
-                <a:spcPts val="600"/>
-              </a:spcAft>
-            </a:pPr>
+            <a:pPr algn="ctr"/>
             <a:r>
-              <a:rPr lang="en-US" sz="1200" dirty="0"/>
-              <a:t>Crime concentrations are found in the metropolitan area. </a:t>
+              <a:rPr lang="en-US" dirty="0"/>
+              <a:t>The graph on the left shows the relationship between Crime rate and Property Value. </a:t>
+            </a:r>
+          </a:p>
+          <a:p>
+            <a:pPr algn="ctr"/>
+            <a:r>
+              <a:rPr lang="en-US" dirty="0"/>
+              <a:t>The above chart shows the probability of the crime rate in the housing market between the cities from 2012-2018.</a:t>
+            </a:r>
+          </a:p>
+          <a:p>
+            <a:pPr algn="ctr"/>
+            <a:r>
+              <a:rPr lang="en-US" dirty="0"/>
+              <a:t>To do this we combine Information from the </a:t>
+            </a:r>
+            <a:r>
+              <a:rPr lang="en-US" u="sng" dirty="0"/>
+              <a:t>Redfin Housing Data </a:t>
+            </a:r>
+            <a:r>
+              <a:rPr lang="en-US" dirty="0"/>
+              <a:t>with a dataset from </a:t>
+            </a:r>
+          </a:p>
+          <a:p>
+            <a:pPr algn="ctr"/>
+            <a:r>
+              <a:rPr lang="en-US" dirty="0">
+                <a:hlinkClick r:id="rId3">
+                  <a:extLst>
+                    <a:ext uri="{A12FA001-AC4F-418D-AE19-62706E023703}">
+                      <ahyp:hlinkClr xmlns:ahyp="http://schemas.microsoft.com/office/drawing/2018/hyperlinkcolor" val="tx"/>
+                    </a:ext>
+                  </a:extLst>
+                </a:hlinkClick>
+              </a:rPr>
+              <a:t>UCR Publications | Federal Bureau of Investigation</a:t>
+            </a:r>
+            <a:r>
+              <a:rPr lang="en-US" dirty="0"/>
+              <a:t> to produce measure of crime changes between 2012-2018. </a:t>
             </a:r>
           </a:p>
           <a:p>
@@ -3997,7 +4002,7 @@
     </p:spTree>
     <p:extLst>
       <p:ext uri="{BB962C8B-B14F-4D97-AF65-F5344CB8AC3E}">
-        <p14:creationId xmlns:p14="http://schemas.microsoft.com/office/powerpoint/2010/main" val="3749441230"/>
+        <p14:creationId xmlns:p14="http://schemas.microsoft.com/office/powerpoint/2010/main" val="373410724"/>
       </p:ext>
     </p:extLst>
   </p:cSld>
@@ -4051,6 +4056,54 @@
           <a:bodyPr/>
           <a:lstStyle/>
           <a:p>
+            <a:pPr algn="ctr"/>
+            <a:r>
+              <a:rPr lang="en-US" dirty="0"/>
+              <a:t>The graph on the left shows the relationship between Crime rate and Property Value. </a:t>
+            </a:r>
+          </a:p>
+          <a:p>
+            <a:pPr algn="ctr"/>
+            <a:r>
+              <a:rPr lang="en-US" dirty="0"/>
+              <a:t>The above chart shows the probability of the crime rate in the housing market between the cities from 2012-2018.</a:t>
+            </a:r>
+          </a:p>
+          <a:p>
+            <a:pPr algn="ctr"/>
+            <a:r>
+              <a:rPr lang="en-US" dirty="0"/>
+              <a:t>To do this we combine Information from the </a:t>
+            </a:r>
+            <a:r>
+              <a:rPr lang="en-US" u="sng" dirty="0"/>
+              <a:t>Redfin Housing Data </a:t>
+            </a:r>
+            <a:r>
+              <a:rPr lang="en-US" dirty="0"/>
+              <a:t>with a dataset from </a:t>
+            </a:r>
+          </a:p>
+          <a:p>
+            <a:pPr algn="ctr"/>
+            <a:r>
+              <a:rPr lang="en-US" dirty="0">
+                <a:hlinkClick r:id="rId3">
+                  <a:extLst>
+                    <a:ext uri="{A12FA001-AC4F-418D-AE19-62706E023703}">
+                      <ahyp:hlinkClr xmlns:ahyp="http://schemas.microsoft.com/office/drawing/2018/hyperlinkcolor" val="tx"/>
+                    </a:ext>
+                  </a:extLst>
+                </a:hlinkClick>
+              </a:rPr>
+              <a:t>UCR Publications | Federal Bureau of Investigation</a:t>
+            </a:r>
+            <a:r>
+              <a:rPr lang="en-US" dirty="0"/>
+              <a:t> to produce measure of crime changes between 2012-2018. </a:t>
+            </a:r>
+          </a:p>
+          <a:p>
             <a:endParaRPr lang="en-US" dirty="0"/>
           </a:p>
         </p:txBody>
@@ -4073,6 +4126,317 @@
             <a:fld id="{9A9FD09C-8CDE-EC44-8006-13D124DBA38F}" type="slidenum">
               <a:rPr lang="en-US" smtClean="0"/>
               <a:t>14</a:t>
+            </a:fld>
+            <a:endParaRPr lang="en-US"/>
+          </a:p>
+        </p:txBody>
+      </p:sp>
+    </p:spTree>
+    <p:extLst>
+      <p:ext uri="{BB962C8B-B14F-4D97-AF65-F5344CB8AC3E}">
+        <p14:creationId xmlns:p14="http://schemas.microsoft.com/office/powerpoint/2010/main" val="3909984046"/>
+      </p:ext>
+    </p:extLst>
+  </p:cSld>
+  <p:clrMapOvr>
+    <a:masterClrMapping/>
+  </p:clrMapOvr>
+</p:notes>
+</file>
+
+<file path=ppt/notesSlides/notesSlide14.xml><?xml version="1.0" encoding="utf-8"?>
+<p:notes xmlns:a="http://schemas.openxmlformats.org/drawingml/2006/main" xmlns:r="http://schemas.openxmlformats.org/officeDocument/2006/relationships" xmlns:p="http://schemas.openxmlformats.org/presentationml/2006/main">
+  <p:cSld>
+    <p:spTree>
+      <p:nvGrpSpPr>
+        <p:cNvPr id="1" name=""/>
+        <p:cNvGrpSpPr/>
+        <p:nvPr/>
+      </p:nvGrpSpPr>
+      <p:grpSpPr>
+        <a:xfrm>
+          <a:off x="0" y="0"/>
+          <a:ext cx="0" cy="0"/>
+          <a:chOff x="0" y="0"/>
+          <a:chExt cx="0" cy="0"/>
+        </a:xfrm>
+      </p:grpSpPr>
+      <p:sp>
+        <p:nvSpPr>
+          <p:cNvPr id="2" name="Slide Image Placeholder 1"/>
+          <p:cNvSpPr>
+            <a:spLocks noGrp="1" noRot="1" noChangeAspect="1"/>
+          </p:cNvSpPr>
+          <p:nvPr>
+            <p:ph type="sldImg"/>
+          </p:nvPr>
+        </p:nvSpPr>
+        <p:spPr/>
+      </p:sp>
+      <p:sp>
+        <p:nvSpPr>
+          <p:cNvPr id="3" name="Notes Placeholder 2"/>
+          <p:cNvSpPr>
+            <a:spLocks noGrp="1"/>
+          </p:cNvSpPr>
+          <p:nvPr>
+            <p:ph type="body" idx="1"/>
+          </p:nvPr>
+        </p:nvSpPr>
+        <p:spPr/>
+        <p:txBody>
+          <a:bodyPr/>
+          <a:lstStyle/>
+          <a:p>
+            <a:pPr algn="ctr"/>
+            <a:r>
+              <a:rPr lang="en-US" dirty="0"/>
+              <a:t>The graph on the left shows the relationship between Crime rate and Property Value. </a:t>
+            </a:r>
+          </a:p>
+          <a:p>
+            <a:pPr algn="ctr"/>
+            <a:r>
+              <a:rPr lang="en-US" dirty="0"/>
+              <a:t>The above chart shows the probability of the crime rate in the housing market between the cities from 2012-2018.</a:t>
+            </a:r>
+          </a:p>
+          <a:p>
+            <a:pPr algn="ctr"/>
+            <a:r>
+              <a:rPr lang="en-US" dirty="0"/>
+              <a:t>To do this we combine Information from the </a:t>
+            </a:r>
+            <a:r>
+              <a:rPr lang="en-US" u="sng" dirty="0"/>
+              <a:t>Redfin Housing Data </a:t>
+            </a:r>
+            <a:r>
+              <a:rPr lang="en-US" dirty="0"/>
+              <a:t>with a dataset from </a:t>
+            </a:r>
+          </a:p>
+          <a:p>
+            <a:pPr algn="ctr"/>
+            <a:r>
+              <a:rPr lang="en-US" dirty="0">
+                <a:hlinkClick r:id="rId3">
+                  <a:extLst>
+                    <a:ext uri="{A12FA001-AC4F-418D-AE19-62706E023703}">
+                      <ahyp:hlinkClr xmlns:ahyp="http://schemas.microsoft.com/office/drawing/2018/hyperlinkcolor" val="tx"/>
+                    </a:ext>
+                  </a:extLst>
+                </a:hlinkClick>
+              </a:rPr>
+              <a:t>UCR Publications | Federal Bureau of Investigation</a:t>
+            </a:r>
+            <a:r>
+              <a:rPr lang="en-US" dirty="0"/>
+              <a:t> to produce measure of crime changes between 2012-2018. </a:t>
+            </a:r>
+          </a:p>
+          <a:p>
+            <a:endParaRPr lang="en-US" dirty="0"/>
+          </a:p>
+        </p:txBody>
+      </p:sp>
+      <p:sp>
+        <p:nvSpPr>
+          <p:cNvPr id="4" name="Slide Number Placeholder 3"/>
+          <p:cNvSpPr>
+            <a:spLocks noGrp="1"/>
+          </p:cNvSpPr>
+          <p:nvPr>
+            <p:ph type="sldNum" sz="quarter" idx="5"/>
+          </p:nvPr>
+        </p:nvSpPr>
+        <p:spPr/>
+        <p:txBody>
+          <a:bodyPr/>
+          <a:lstStyle/>
+          <a:p>
+            <a:fld id="{9A9FD09C-8CDE-EC44-8006-13D124DBA38F}" type="slidenum">
+              <a:rPr lang="en-US" smtClean="0"/>
+              <a:t>15</a:t>
+            </a:fld>
+            <a:endParaRPr lang="en-US"/>
+          </a:p>
+        </p:txBody>
+      </p:sp>
+    </p:spTree>
+    <p:extLst>
+      <p:ext uri="{BB962C8B-B14F-4D97-AF65-F5344CB8AC3E}">
+        <p14:creationId xmlns:p14="http://schemas.microsoft.com/office/powerpoint/2010/main" val="1483577430"/>
+      </p:ext>
+    </p:extLst>
+  </p:cSld>
+  <p:clrMapOvr>
+    <a:masterClrMapping/>
+  </p:clrMapOvr>
+</p:notes>
+</file>
+
+<file path=ppt/notesSlides/notesSlide15.xml><?xml version="1.0" encoding="utf-8"?>
+<p:notes xmlns:a="http://schemas.openxmlformats.org/drawingml/2006/main" xmlns:r="http://schemas.openxmlformats.org/officeDocument/2006/relationships" xmlns:p="http://schemas.openxmlformats.org/presentationml/2006/main">
+  <p:cSld>
+    <p:spTree>
+      <p:nvGrpSpPr>
+        <p:cNvPr id="1" name=""/>
+        <p:cNvGrpSpPr/>
+        <p:nvPr/>
+      </p:nvGrpSpPr>
+      <p:grpSpPr>
+        <a:xfrm>
+          <a:off x="0" y="0"/>
+          <a:ext cx="0" cy="0"/>
+          <a:chOff x="0" y="0"/>
+          <a:chExt cx="0" cy="0"/>
+        </a:xfrm>
+      </p:grpSpPr>
+      <p:sp>
+        <p:nvSpPr>
+          <p:cNvPr id="2" name="Slide Image Placeholder 1"/>
+          <p:cNvSpPr>
+            <a:spLocks noGrp="1" noRot="1" noChangeAspect="1"/>
+          </p:cNvSpPr>
+          <p:nvPr>
+            <p:ph type="sldImg"/>
+          </p:nvPr>
+        </p:nvSpPr>
+        <p:spPr/>
+      </p:sp>
+      <p:sp>
+        <p:nvSpPr>
+          <p:cNvPr id="3" name="Notes Placeholder 2"/>
+          <p:cNvSpPr>
+            <a:spLocks noGrp="1"/>
+          </p:cNvSpPr>
+          <p:nvPr>
+            <p:ph type="body" idx="1"/>
+          </p:nvPr>
+        </p:nvSpPr>
+        <p:spPr/>
+        <p:txBody>
+          <a:bodyPr/>
+          <a:lstStyle/>
+          <a:p>
+            <a:pPr>
+              <a:spcAft>
+                <a:spcPts val="600"/>
+              </a:spcAft>
+            </a:pPr>
+            <a:r>
+              <a:rPr lang="en-US" sz="1200" dirty="0"/>
+              <a:t>Crime concentrations are found in the metropolitan area. </a:t>
+            </a:r>
+          </a:p>
+          <a:p>
+            <a:endParaRPr lang="en-US" dirty="0"/>
+          </a:p>
+        </p:txBody>
+      </p:sp>
+      <p:sp>
+        <p:nvSpPr>
+          <p:cNvPr id="4" name="Slide Number Placeholder 3"/>
+          <p:cNvSpPr>
+            <a:spLocks noGrp="1"/>
+          </p:cNvSpPr>
+          <p:nvPr>
+            <p:ph type="sldNum" sz="quarter" idx="5"/>
+          </p:nvPr>
+        </p:nvSpPr>
+        <p:spPr/>
+        <p:txBody>
+          <a:bodyPr/>
+          <a:lstStyle/>
+          <a:p>
+            <a:fld id="{9A9FD09C-8CDE-EC44-8006-13D124DBA38F}" type="slidenum">
+              <a:rPr lang="en-US" smtClean="0"/>
+              <a:t>17</a:t>
+            </a:fld>
+            <a:endParaRPr lang="en-US"/>
+          </a:p>
+        </p:txBody>
+      </p:sp>
+    </p:spTree>
+    <p:extLst>
+      <p:ext uri="{BB962C8B-B14F-4D97-AF65-F5344CB8AC3E}">
+        <p14:creationId xmlns:p14="http://schemas.microsoft.com/office/powerpoint/2010/main" val="3749441230"/>
+      </p:ext>
+    </p:extLst>
+  </p:cSld>
+  <p:clrMapOvr>
+    <a:masterClrMapping/>
+  </p:clrMapOvr>
+</p:notes>
+</file>
+
+<file path=ppt/notesSlides/notesSlide16.xml><?xml version="1.0" encoding="utf-8"?>
+<p:notes xmlns:a="http://schemas.openxmlformats.org/drawingml/2006/main" xmlns:r="http://schemas.openxmlformats.org/officeDocument/2006/relationships" xmlns:p="http://schemas.openxmlformats.org/presentationml/2006/main">
+  <p:cSld>
+    <p:spTree>
+      <p:nvGrpSpPr>
+        <p:cNvPr id="1" name=""/>
+        <p:cNvGrpSpPr/>
+        <p:nvPr/>
+      </p:nvGrpSpPr>
+      <p:grpSpPr>
+        <a:xfrm>
+          <a:off x="0" y="0"/>
+          <a:ext cx="0" cy="0"/>
+          <a:chOff x="0" y="0"/>
+          <a:chExt cx="0" cy="0"/>
+        </a:xfrm>
+      </p:grpSpPr>
+      <p:sp>
+        <p:nvSpPr>
+          <p:cNvPr id="2" name="Slide Image Placeholder 1"/>
+          <p:cNvSpPr>
+            <a:spLocks noGrp="1" noRot="1" noChangeAspect="1"/>
+          </p:cNvSpPr>
+          <p:nvPr>
+            <p:ph type="sldImg"/>
+          </p:nvPr>
+        </p:nvSpPr>
+        <p:spPr/>
+      </p:sp>
+      <p:sp>
+        <p:nvSpPr>
+          <p:cNvPr id="3" name="Notes Placeholder 2"/>
+          <p:cNvSpPr>
+            <a:spLocks noGrp="1"/>
+          </p:cNvSpPr>
+          <p:nvPr>
+            <p:ph type="body" idx="1"/>
+          </p:nvPr>
+        </p:nvSpPr>
+        <p:spPr/>
+        <p:txBody>
+          <a:bodyPr/>
+          <a:lstStyle/>
+          <a:p>
+            <a:endParaRPr lang="en-US" dirty="0"/>
+          </a:p>
+        </p:txBody>
+      </p:sp>
+      <p:sp>
+        <p:nvSpPr>
+          <p:cNvPr id="4" name="Slide Number Placeholder 3"/>
+          <p:cNvSpPr>
+            <a:spLocks noGrp="1"/>
+          </p:cNvSpPr>
+          <p:nvPr>
+            <p:ph type="sldNum" sz="quarter" idx="5"/>
+          </p:nvPr>
+        </p:nvSpPr>
+        <p:spPr/>
+        <p:txBody>
+          <a:bodyPr/>
+          <a:lstStyle/>
+          <a:p>
+            <a:fld id="{9A9FD09C-8CDE-EC44-8006-13D124DBA38F}" type="slidenum">
+              <a:rPr lang="en-US" smtClean="0"/>
+              <a:t>18</a:t>
             </a:fld>
             <a:endParaRPr lang="en-US"/>
           </a:p>
@@ -4387,64 +4751,6 @@
           <a:bodyPr/>
           <a:lstStyle/>
           <a:p>
-            <a:pPr marL="0" indent="0">
-              <a:buFontTx/>
-              <a:buNone/>
-            </a:pPr>
-            <a:r>
-              <a:rPr lang="en-US" dirty="0"/>
-              <a:t>The dataset exploits the unique crime drop that occurred in 2014. This allows us to take much broader perspective</a:t>
-            </a:r>
-          </a:p>
-          <a:p>
-            <a:r>
-              <a:rPr lang="en-US" dirty="0"/>
-              <a:t>on the relationship between crime and property values. We plot the yearly crime data in cities, this creates Pandas</a:t>
-            </a:r>
-          </a:p>
-          <a:p>
-            <a:r>
-              <a:rPr lang="en-US" dirty="0"/>
-              <a:t>series where the index is the year and values are the cities where the crime occurred in that year. We plot this yearly data</a:t>
-            </a:r>
-          </a:p>
-          <a:p>
-            <a:r>
-              <a:rPr lang="en-US" dirty="0"/>
-              <a:t>using matplotlib. </a:t>
-            </a:r>
-          </a:p>
-          <a:p>
-            <a:r>
-              <a:rPr lang="en-US" dirty="0">
-                <a:latin typeface="Arial" panose="020B0604020202020204" pitchFamily="34" charset="0"/>
-                <a:cs typeface="Arial" panose="020B0604020202020204" pitchFamily="34" charset="0"/>
-              </a:rPr>
-              <a:t>Crime rates have decreased about approximately 10 percent between 2016-2018.</a:t>
-            </a:r>
-          </a:p>
-          <a:p>
-            <a:r>
-              <a:rPr lang="en-US" dirty="0">
-                <a:latin typeface="Arial" panose="020B0604020202020204" pitchFamily="34" charset="0"/>
-                <a:cs typeface="Arial" panose="020B0604020202020204" pitchFamily="34" charset="0"/>
-              </a:rPr>
-              <a:t>Preliminary data indicates increase of average and median sales price in cities between 2016-2018. </a:t>
-            </a:r>
-          </a:p>
-          <a:p>
-            <a:r>
-              <a:rPr lang="en-US" dirty="0">
-                <a:latin typeface="Arial" panose="020B0604020202020204" pitchFamily="34" charset="0"/>
-                <a:cs typeface="Arial" panose="020B0604020202020204" pitchFamily="34" charset="0"/>
-              </a:rPr>
-              <a:t>Crime rates peaked around 2012, held steady until 2013, then decreased to 10 percent in 2014.</a:t>
-            </a:r>
-          </a:p>
-          <a:p>
-            <a:endParaRPr lang="en-US" dirty="0"/>
-          </a:p>
-          <a:p>
             <a:endParaRPr lang="en-US" dirty="0"/>
           </a:p>
         </p:txBody>
@@ -4475,7 +4781,7 @@
     </p:spTree>
     <p:extLst>
       <p:ext uri="{BB962C8B-B14F-4D97-AF65-F5344CB8AC3E}">
-        <p14:creationId xmlns:p14="http://schemas.microsoft.com/office/powerpoint/2010/main" val="2953972965"/>
+        <p14:creationId xmlns:p14="http://schemas.microsoft.com/office/powerpoint/2010/main" val="2894229224"/>
       </p:ext>
     </p:extLst>
   </p:cSld>
@@ -4529,27 +4835,62 @@
           <a:bodyPr/>
           <a:lstStyle/>
           <a:p>
-            <a:pPr marL="0" marR="0" lvl="0" indent="0" algn="l" defTabSz="914400" rtl="0" eaLnBrk="1" fontAlgn="auto" latinLnBrk="0" hangingPunct="1">
-              <a:lnSpc>
-                <a:spcPct val="100000"/>
-              </a:lnSpc>
-              <a:spcBef>
-                <a:spcPts val="0"/>
-              </a:spcBef>
-              <a:spcAft>
-                <a:spcPts val="0"/>
-              </a:spcAft>
-              <a:buClrTx/>
-              <a:buSzTx/>
+            <a:pPr marL="0" indent="0">
               <a:buFontTx/>
               <a:buNone/>
-              <a:tabLst/>
-              <a:defRPr/>
             </a:pPr>
             <a:r>
               <a:rPr lang="en-US" dirty="0"/>
-              <a:t>The trend of yearly crime has been steadily decreasing around </a:t>
+              <a:t>The dataset exploits the unique crime drop that occurred in 2014. This allows us to take much broader perspective</a:t>
             </a:r>
+          </a:p>
+          <a:p>
+            <a:r>
+              <a:rPr lang="en-US" dirty="0"/>
+              <a:t>on the relationship between crime and property values. We plot the yearly crime data in cities, this creates Pandas</a:t>
+            </a:r>
+          </a:p>
+          <a:p>
+            <a:r>
+              <a:rPr lang="en-US" dirty="0"/>
+              <a:t>series where the index is the year and values are the cities where the crime occurred in that year. We plot this yearly data</a:t>
+            </a:r>
+          </a:p>
+          <a:p>
+            <a:r>
+              <a:rPr lang="en-US" dirty="0"/>
+              <a:t>using matplotlib. </a:t>
+            </a:r>
+          </a:p>
+          <a:p>
+            <a:r>
+              <a:rPr lang="en-US" dirty="0">
+                <a:latin typeface="Arial" panose="020B0604020202020204" pitchFamily="34" charset="0"/>
+                <a:cs typeface="Arial" panose="020B0604020202020204" pitchFamily="34" charset="0"/>
+              </a:rPr>
+              <a:t>Crime rates have decreased about approximately 10 percent between 2016-2018.</a:t>
+            </a:r>
+          </a:p>
+          <a:p>
+            <a:r>
+              <a:rPr lang="en-US" dirty="0">
+                <a:latin typeface="Arial" panose="020B0604020202020204" pitchFamily="34" charset="0"/>
+                <a:cs typeface="Arial" panose="020B0604020202020204" pitchFamily="34" charset="0"/>
+              </a:rPr>
+              <a:t>Preliminary data indicates increase of average and median sales price in cities between 2016-2018. </a:t>
+            </a:r>
+          </a:p>
+          <a:p>
+            <a:r>
+              <a:rPr lang="en-US" dirty="0">
+                <a:latin typeface="Arial" panose="020B0604020202020204" pitchFamily="34" charset="0"/>
+                <a:cs typeface="Arial" panose="020B0604020202020204" pitchFamily="34" charset="0"/>
+              </a:rPr>
+              <a:t>Crime rates peaked around 2012, held steady until 2013, then decreased to 10 percent in 2014.</a:t>
+            </a:r>
+          </a:p>
+          <a:p>
+            <a:endParaRPr lang="en-US" dirty="0"/>
           </a:p>
           <a:p>
             <a:endParaRPr lang="en-US" dirty="0"/>
@@ -4582,7 +4923,7 @@
     </p:spTree>
     <p:extLst>
       <p:ext uri="{BB962C8B-B14F-4D97-AF65-F5344CB8AC3E}">
-        <p14:creationId xmlns:p14="http://schemas.microsoft.com/office/powerpoint/2010/main" val="2381751485"/>
+        <p14:creationId xmlns:p14="http://schemas.microsoft.com/office/powerpoint/2010/main" val="2953972965"/>
       </p:ext>
     </p:extLst>
   </p:cSld>
@@ -4636,6 +4977,113 @@
           <a:bodyPr/>
           <a:lstStyle/>
           <a:p>
+            <a:pPr marL="0" marR="0" lvl="0" indent="0" algn="l" defTabSz="914400" rtl="0" eaLnBrk="1" fontAlgn="auto" latinLnBrk="0" hangingPunct="1">
+              <a:lnSpc>
+                <a:spcPct val="100000"/>
+              </a:lnSpc>
+              <a:spcBef>
+                <a:spcPts val="0"/>
+              </a:spcBef>
+              <a:spcAft>
+                <a:spcPts val="0"/>
+              </a:spcAft>
+              <a:buClrTx/>
+              <a:buSzTx/>
+              <a:buFontTx/>
+              <a:buNone/>
+              <a:tabLst/>
+              <a:defRPr/>
+            </a:pPr>
+            <a:r>
+              <a:rPr lang="en-US" dirty="0"/>
+              <a:t>The trend of yearly crime has been steadily decreasing around </a:t>
+            </a:r>
+          </a:p>
+          <a:p>
+            <a:endParaRPr lang="en-US" dirty="0"/>
+          </a:p>
+        </p:txBody>
+      </p:sp>
+      <p:sp>
+        <p:nvSpPr>
+          <p:cNvPr id="4" name="Slide Number Placeholder 3"/>
+          <p:cNvSpPr>
+            <a:spLocks noGrp="1"/>
+          </p:cNvSpPr>
+          <p:nvPr>
+            <p:ph type="sldNum" sz="quarter" idx="5"/>
+          </p:nvPr>
+        </p:nvSpPr>
+        <p:spPr/>
+        <p:txBody>
+          <a:bodyPr/>
+          <a:lstStyle/>
+          <a:p>
+            <a:fld id="{9A9FD09C-8CDE-EC44-8006-13D124DBA38F}" type="slidenum">
+              <a:rPr lang="en-US" smtClean="0"/>
+              <a:t>7</a:t>
+            </a:fld>
+            <a:endParaRPr lang="en-US"/>
+          </a:p>
+        </p:txBody>
+      </p:sp>
+    </p:spTree>
+    <p:extLst>
+      <p:ext uri="{BB962C8B-B14F-4D97-AF65-F5344CB8AC3E}">
+        <p14:creationId xmlns:p14="http://schemas.microsoft.com/office/powerpoint/2010/main" val="2381751485"/>
+      </p:ext>
+    </p:extLst>
+  </p:cSld>
+  <p:clrMapOvr>
+    <a:masterClrMapping/>
+  </p:clrMapOvr>
+</p:notes>
+</file>
+
+<file path=ppt/notesSlides/notesSlide8.xml><?xml version="1.0" encoding="utf-8"?>
+<p:notes xmlns:a="http://schemas.openxmlformats.org/drawingml/2006/main" xmlns:r="http://schemas.openxmlformats.org/officeDocument/2006/relationships" xmlns:p="http://schemas.openxmlformats.org/presentationml/2006/main">
+  <p:cSld>
+    <p:spTree>
+      <p:nvGrpSpPr>
+        <p:cNvPr id="1" name=""/>
+        <p:cNvGrpSpPr/>
+        <p:nvPr/>
+      </p:nvGrpSpPr>
+      <p:grpSpPr>
+        <a:xfrm>
+          <a:off x="0" y="0"/>
+          <a:ext cx="0" cy="0"/>
+          <a:chOff x="0" y="0"/>
+          <a:chExt cx="0" cy="0"/>
+        </a:xfrm>
+      </p:grpSpPr>
+      <p:sp>
+        <p:nvSpPr>
+          <p:cNvPr id="2" name="Slide Image Placeholder 1"/>
+          <p:cNvSpPr>
+            <a:spLocks noGrp="1" noRot="1" noChangeAspect="1"/>
+          </p:cNvSpPr>
+          <p:nvPr>
+            <p:ph type="sldImg"/>
+          </p:nvPr>
+        </p:nvSpPr>
+        <p:spPr/>
+      </p:sp>
+      <p:sp>
+        <p:nvSpPr>
+          <p:cNvPr id="3" name="Notes Placeholder 2"/>
+          <p:cNvSpPr>
+            <a:spLocks noGrp="1"/>
+          </p:cNvSpPr>
+          <p:nvPr>
+            <p:ph type="body" idx="1"/>
+          </p:nvPr>
+        </p:nvSpPr>
+        <p:spPr/>
+        <p:txBody>
+          <a:bodyPr/>
+          <a:lstStyle/>
+          <a:p>
             <a:r>
               <a:rPr lang="en-US" dirty="0"/>
               <a:t>Residential burglaries and crime hot spots are illustrated in this map. Crime is not spread evenly, as it clumps in some </a:t>
@@ -4669,7 +5117,7 @@
           <a:p>
             <a:fld id="{9A9FD09C-8CDE-EC44-8006-13D124DBA38F}" type="slidenum">
               <a:rPr lang="en-US" smtClean="0"/>
-              <a:t>7</a:t>
+              <a:t>8</a:t>
             </a:fld>
             <a:endParaRPr lang="en-US"/>
           </a:p>
@@ -4688,7 +5136,7 @@
 </p:notes>
 </file>
 
-<file path=ppt/notesSlides/notesSlide8.xml><?xml version="1.0" encoding="utf-8"?>
+<file path=ppt/notesSlides/notesSlide9.xml><?xml version="1.0" encoding="utf-8"?>
 <p:notes xmlns:a="http://schemas.openxmlformats.org/drawingml/2006/main" xmlns:r="http://schemas.openxmlformats.org/officeDocument/2006/relationships" xmlns:p="http://schemas.openxmlformats.org/presentationml/2006/main">
   <p:cSld>
     <p:spTree>
@@ -4784,7 +5232,7 @@
           <a:p>
             <a:fld id="{9A9FD09C-8CDE-EC44-8006-13D124DBA38F}" type="slidenum">
               <a:rPr lang="en-US" smtClean="0"/>
-              <a:t>9</a:t>
+              <a:t>10</a:t>
             </a:fld>
             <a:endParaRPr lang="en-US"/>
           </a:p>
@@ -4794,102 +5242,6 @@
     <p:extLst>
       <p:ext uri="{BB962C8B-B14F-4D97-AF65-F5344CB8AC3E}">
         <p14:creationId xmlns:p14="http://schemas.microsoft.com/office/powerpoint/2010/main" val="565390749"/>
-      </p:ext>
-    </p:extLst>
-  </p:cSld>
-  <p:clrMapOvr>
-    <a:masterClrMapping/>
-  </p:clrMapOvr>
-</p:notes>
-</file>
-
-<file path=ppt/notesSlides/notesSlide9.xml><?xml version="1.0" encoding="utf-8"?>
-<p:notes xmlns:a="http://schemas.openxmlformats.org/drawingml/2006/main" xmlns:r="http://schemas.openxmlformats.org/officeDocument/2006/relationships" xmlns:p="http://schemas.openxmlformats.org/presentationml/2006/main">
-  <p:cSld>
-    <p:spTree>
-      <p:nvGrpSpPr>
-        <p:cNvPr id="1" name=""/>
-        <p:cNvGrpSpPr/>
-        <p:nvPr/>
-      </p:nvGrpSpPr>
-      <p:grpSpPr>
-        <a:xfrm>
-          <a:off x="0" y="0"/>
-          <a:ext cx="0" cy="0"/>
-          <a:chOff x="0" y="0"/>
-          <a:chExt cx="0" cy="0"/>
-        </a:xfrm>
-      </p:grpSpPr>
-      <p:sp>
-        <p:nvSpPr>
-          <p:cNvPr id="2" name="Slide Image Placeholder 1"/>
-          <p:cNvSpPr>
-            <a:spLocks noGrp="1" noRot="1" noChangeAspect="1"/>
-          </p:cNvSpPr>
-          <p:nvPr>
-            <p:ph type="sldImg"/>
-          </p:nvPr>
-        </p:nvSpPr>
-        <p:spPr/>
-      </p:sp>
-      <p:sp>
-        <p:nvSpPr>
-          <p:cNvPr id="3" name="Notes Placeholder 2"/>
-          <p:cNvSpPr>
-            <a:spLocks noGrp="1"/>
-          </p:cNvSpPr>
-          <p:nvPr>
-            <p:ph type="body" idx="1"/>
-          </p:nvPr>
-        </p:nvSpPr>
-        <p:spPr/>
-        <p:txBody>
-          <a:bodyPr/>
-          <a:lstStyle/>
-          <a:p>
-            <a:r>
-              <a:rPr lang="en-US" dirty="0"/>
-              <a:t>For our analysis we want to exploit the variation in crime that occurs within cities from 2012-2018. </a:t>
-            </a:r>
-          </a:p>
-          <a:p>
-            <a:r>
-              <a:rPr lang="en-US" dirty="0"/>
-              <a:t>The proportion of crime in the area has a negative impact on the price. If the proportion of crime increases by one percentage point, prices are expected to drop by 1.5%.</a:t>
-            </a:r>
-          </a:p>
-          <a:p>
-            <a:endParaRPr lang="en-US" dirty="0"/>
-          </a:p>
-        </p:txBody>
-      </p:sp>
-      <p:sp>
-        <p:nvSpPr>
-          <p:cNvPr id="4" name="Slide Number Placeholder 3"/>
-          <p:cNvSpPr>
-            <a:spLocks noGrp="1"/>
-          </p:cNvSpPr>
-          <p:nvPr>
-            <p:ph type="sldNum" sz="quarter" idx="5"/>
-          </p:nvPr>
-        </p:nvSpPr>
-        <p:spPr/>
-        <p:txBody>
-          <a:bodyPr/>
-          <a:lstStyle/>
-          <a:p>
-            <a:fld id="{9A9FD09C-8CDE-EC44-8006-13D124DBA38F}" type="slidenum">
-              <a:rPr lang="en-US" smtClean="0"/>
-              <a:t>10</a:t>
-            </a:fld>
-            <a:endParaRPr lang="en-US"/>
-          </a:p>
-        </p:txBody>
-      </p:sp>
-    </p:spTree>
-    <p:extLst>
-      <p:ext uri="{BB962C8B-B14F-4D97-AF65-F5344CB8AC3E}">
-        <p14:creationId xmlns:p14="http://schemas.microsoft.com/office/powerpoint/2010/main" val="3924546364"/>
       </p:ext>
     </p:extLst>
   </p:cSld>
@@ -9255,10 +9607,10 @@
       </p:grpSpPr>
       <p:sp useBgFill="1">
         <p:nvSpPr>
-          <p:cNvPr id="20" name="Rectangle 19">
+          <p:cNvPr id="19" name="Rectangle 18">
             <a:extLst>
               <a:ext uri="{FF2B5EF4-FFF2-40B4-BE49-F238E27FC236}">
-                <a16:creationId xmlns:a16="http://schemas.microsoft.com/office/drawing/2014/main" id="{A35CBD63-8F8F-47DC-9CE7-159E6161D872}"/>
+                <a16:creationId xmlns:a16="http://schemas.microsoft.com/office/drawing/2014/main" id="{B5DC95B7-2A72-483B-BA19-2BE751205541}"/>
               </a:ext>
               <a:ext uri="{C183D7F6-B498-43B3-948B-1728B52AA6E4}">
                 <adec:decorative xmlns:adec="http://schemas.microsoft.com/office/drawing/2017/decorative" val="1"/>
@@ -9315,10 +9667,10 @@
       </p:sp>
       <p:sp>
         <p:nvSpPr>
-          <p:cNvPr id="22" name="Rectangle 21">
+          <p:cNvPr id="21" name="Rectangle 20">
             <a:extLst>
               <a:ext uri="{FF2B5EF4-FFF2-40B4-BE49-F238E27FC236}">
-                <a16:creationId xmlns:a16="http://schemas.microsoft.com/office/drawing/2014/main" id="{CA0E3486-FD49-4921-B4F4-E5BB5C88AC79}"/>
+                <a16:creationId xmlns:a16="http://schemas.microsoft.com/office/drawing/2014/main" id="{1C822AFE-7E96-4A51-9E55-FCAEACD21357}"/>
               </a:ext>
               <a:ext uri="{C183D7F6-B498-43B3-948B-1728B52AA6E4}">
                 <adec:decorative xmlns:adec="http://schemas.microsoft.com/office/drawing/2017/decorative" val="1"/>
@@ -9338,8 +9690,8 @@
         </p:nvSpPr>
         <p:spPr>
           <a:xfrm>
-            <a:off x="-1" y="758953"/>
-            <a:ext cx="3577575" cy="5330952"/>
+            <a:off x="7850120" y="757325"/>
+            <a:ext cx="4341880" cy="5329325"/>
           </a:xfrm>
           <a:prstGeom prst="rect">
             <a:avLst/>
@@ -9367,6 +9719,14 @@
             <a:schemeClr val="lt1"/>
           </a:fontRef>
         </p:style>
+        <p:txBody>
+          <a:bodyPr rtlCol="0" anchor="ctr"/>
+          <a:lstStyle/>
+          <a:p>
+            <a:pPr algn="ctr"/>
+            <a:endParaRPr lang="en-US"/>
+          </a:p>
+        </p:txBody>
       </p:sp>
       <p:sp>
         <p:nvSpPr>
@@ -9384,15 +9744,15 @@
         </p:nvSpPr>
         <p:spPr>
           <a:xfrm>
-            <a:off x="74501" y="821095"/>
-            <a:ext cx="3577575" cy="1038177"/>
+            <a:off x="7850119" y="570479"/>
+            <a:ext cx="4341881" cy="1527244"/>
           </a:xfrm>
           <a:prstGeom prst="rect">
             <a:avLst/>
           </a:prstGeom>
         </p:spPr>
         <p:txBody>
-          <a:bodyPr vert="horz" lIns="91440" tIns="45720" rIns="91440" bIns="45720" rtlCol="0" anchor="b">
+          <a:bodyPr vert="horz" lIns="91440" tIns="45720" rIns="91440" bIns="45720" rtlCol="0" anchor="ctr">
             <a:normAutofit/>
           </a:bodyPr>
           <a:lstStyle>
@@ -9415,7 +9775,7 @@
             </a:lvl1pPr>
           </a:lstStyle>
           <a:p>
-            <a:pPr>
+            <a:pPr algn="r">
               <a:spcAft>
                 <a:spcPts val="600"/>
               </a:spcAft>
@@ -9428,17 +9788,30 @@
                 <a:latin typeface="Arial" panose="020B0604020202020204" pitchFamily="34" charset="0"/>
                 <a:cs typeface="Arial" panose="020B0604020202020204" pitchFamily="34" charset="0"/>
               </a:rPr>
-              <a:t>AVERAGE HOUSING PRICES</a:t>
+              <a:t>MEDIAN SALE PRICE PER CIT</a:t>
             </a:r>
+            <a:r>
+              <a:rPr lang="en-US" sz="3200" b="1" spc="-60" dirty="0">
+                <a:solidFill>
+                  <a:srgbClr val="FFFFFF"/>
+                </a:solidFill>
+              </a:rPr>
+              <a:t>Y</a:t>
+            </a:r>
+            <a:endParaRPr lang="en-US" sz="3200" spc="-60" dirty="0">
+              <a:solidFill>
+                <a:srgbClr val="FFFFFF"/>
+              </a:solidFill>
+            </a:endParaRPr>
           </a:p>
         </p:txBody>
       </p:sp>
       <p:sp>
         <p:nvSpPr>
-          <p:cNvPr id="24" name="Rectangle 23">
+          <p:cNvPr id="23" name="Rectangle 22">
             <a:extLst>
               <a:ext uri="{FF2B5EF4-FFF2-40B4-BE49-F238E27FC236}">
-                <a16:creationId xmlns:a16="http://schemas.microsoft.com/office/drawing/2014/main" id="{83B4A72C-2924-4CE2-8674-7E02E182ED6D}"/>
+                <a16:creationId xmlns:a16="http://schemas.microsoft.com/office/drawing/2014/main" id="{9169EA61-C175-4B7E-807B-58199DEA7FB3}"/>
               </a:ext>
               <a:ext uri="{C183D7F6-B498-43B3-948B-1728B52AA6E4}">
                 <adec:decorative xmlns:adec="http://schemas.microsoft.com/office/drawing/2017/decorative" val="1"/>
@@ -9458,7 +9831,7 @@
         </p:nvSpPr>
         <p:spPr>
           <a:xfrm>
-            <a:off x="11815864" y="758952"/>
+            <a:off x="0" y="758952"/>
             <a:ext cx="384048" cy="5330952"/>
           </a:xfrm>
           <a:prstGeom prst="rect">
@@ -9492,10 +9865,10 @@
       </p:sp>
       <p:pic>
         <p:nvPicPr>
-          <p:cNvPr id="29" name="Picture 28" descr="A close up of a sign&#10;&#10;Description automatically generated">
+          <p:cNvPr id="25" name="Picture 24" descr="A large city landscape&#10;&#10;Description automatically generated">
             <a:extLst>
               <a:ext uri="{FF2B5EF4-FFF2-40B4-BE49-F238E27FC236}">
-                <a16:creationId xmlns:a16="http://schemas.microsoft.com/office/drawing/2014/main" id="{8F11D508-E498-944E-B812-C24FDD29A667}"/>
+                <a16:creationId xmlns:a16="http://schemas.microsoft.com/office/drawing/2014/main" id="{0A7692BE-CC2E-CB4F-A87F-0B76FA604780}"/>
               </a:ext>
             </a:extLst>
           </p:cNvPr>
@@ -9518,8 +9891,8 @@
         </p:blipFill>
         <p:spPr>
           <a:xfrm>
-            <a:off x="-7912" y="2017237"/>
-            <a:ext cx="3577575" cy="2704053"/>
+            <a:off x="7850119" y="2205025"/>
+            <a:ext cx="4341879" cy="2855859"/>
           </a:xfrm>
           <a:prstGeom prst="rect">
             <a:avLst/>
@@ -9528,10 +9901,10 @@
       </p:pic>
       <p:pic>
         <p:nvPicPr>
-          <p:cNvPr id="5" name="Picture 4" descr="A picture containing screenshot&#10;&#10;Description automatically generated">
+          <p:cNvPr id="27" name="Picture 26" descr="A close up of a map&#10;&#10;Description automatically generated">
             <a:extLst>
               <a:ext uri="{FF2B5EF4-FFF2-40B4-BE49-F238E27FC236}">
-                <a16:creationId xmlns:a16="http://schemas.microsoft.com/office/drawing/2014/main" id="{654F7FB8-C185-48B7-A78D-63184F049AF7}"/>
+                <a16:creationId xmlns:a16="http://schemas.microsoft.com/office/drawing/2014/main" id="{98F44107-7837-304C-92B5-3E47D28C9044}"/>
               </a:ext>
             </a:extLst>
           </p:cNvPr>
@@ -9540,26 +9913,113 @@
           </p:cNvPicPr>
           <p:nvPr/>
         </p:nvPicPr>
-        <p:blipFill>
+        <p:blipFill rotWithShape="1">
           <a:blip r:embed="rId5"/>
-          <a:stretch>
-            <a:fillRect/>
-          </a:stretch>
+          <a:srcRect l="5765" t="7270" r="8084" b="5949"/>
+          <a:stretch/>
         </p:blipFill>
         <p:spPr>
           <a:xfrm>
-            <a:off x="3588220" y="1100319"/>
-            <a:ext cx="8227644" cy="4936586"/>
+            <a:off x="384048" y="1031357"/>
+            <a:ext cx="7466859" cy="4848447"/>
           </a:xfrm>
           <a:prstGeom prst="rect">
             <a:avLst/>
           </a:prstGeom>
         </p:spPr>
       </p:pic>
+      <p:cxnSp>
+        <p:nvCxnSpPr>
+          <p:cNvPr id="8" name="Straight Connector 7">
+            <a:extLst>
+              <a:ext uri="{FF2B5EF4-FFF2-40B4-BE49-F238E27FC236}">
+                <a16:creationId xmlns:a16="http://schemas.microsoft.com/office/drawing/2014/main" id="{BABECA19-315C-4C13-A2EE-B4960F8DE411}"/>
+              </a:ext>
+            </a:extLst>
+          </p:cNvPr>
+          <p:cNvCxnSpPr/>
+          <p:nvPr/>
+        </p:nvCxnSpPr>
+        <p:spPr>
+          <a:xfrm>
+            <a:off x="0" y="758952"/>
+            <a:ext cx="12199912" cy="0"/>
+          </a:xfrm>
+          <a:prstGeom prst="line">
+            <a:avLst/>
+          </a:prstGeom>
+          <a:ln w="19050">
+            <a:solidFill>
+              <a:schemeClr val="bg2">
+                <a:lumMod val="60000"/>
+                <a:lumOff val="40000"/>
+              </a:schemeClr>
+            </a:solidFill>
+          </a:ln>
+        </p:spPr>
+        <p:style>
+          <a:lnRef idx="1">
+            <a:schemeClr val="accent1"/>
+          </a:lnRef>
+          <a:fillRef idx="0">
+            <a:schemeClr val="accent1"/>
+          </a:fillRef>
+          <a:effectRef idx="0">
+            <a:schemeClr val="accent1"/>
+          </a:effectRef>
+          <a:fontRef idx="minor">
+            <a:schemeClr val="tx1"/>
+          </a:fontRef>
+        </p:style>
+      </p:cxnSp>
+      <p:cxnSp>
+        <p:nvCxnSpPr>
+          <p:cNvPr id="10" name="Straight Connector 9">
+            <a:extLst>
+              <a:ext uri="{FF2B5EF4-FFF2-40B4-BE49-F238E27FC236}">
+                <a16:creationId xmlns:a16="http://schemas.microsoft.com/office/drawing/2014/main" id="{72112AF6-D2BD-4764-8C54-79C4F6A25755}"/>
+              </a:ext>
+            </a:extLst>
+          </p:cNvPr>
+          <p:cNvCxnSpPr/>
+          <p:nvPr/>
+        </p:nvCxnSpPr>
+        <p:spPr>
+          <a:xfrm>
+            <a:off x="-7914" y="6089904"/>
+            <a:ext cx="12199912" cy="0"/>
+          </a:xfrm>
+          <a:prstGeom prst="line">
+            <a:avLst/>
+          </a:prstGeom>
+          <a:ln w="19050">
+            <a:solidFill>
+              <a:schemeClr val="bg2">
+                <a:lumMod val="60000"/>
+                <a:lumOff val="40000"/>
+              </a:schemeClr>
+            </a:solidFill>
+          </a:ln>
+        </p:spPr>
+        <p:style>
+          <a:lnRef idx="1">
+            <a:schemeClr val="accent1"/>
+          </a:lnRef>
+          <a:fillRef idx="0">
+            <a:schemeClr val="accent1"/>
+          </a:fillRef>
+          <a:effectRef idx="0">
+            <a:schemeClr val="accent1"/>
+          </a:effectRef>
+          <a:fontRef idx="minor">
+            <a:schemeClr val="tx1"/>
+          </a:fontRef>
+        </p:style>
+      </p:cxnSp>
     </p:spTree>
     <p:extLst>
       <p:ext uri="{BB962C8B-B14F-4D97-AF65-F5344CB8AC3E}">
-        <p14:creationId xmlns:p14="http://schemas.microsoft.com/office/powerpoint/2010/main" val="3133340153"/>
+        <p14:creationId xmlns:p14="http://schemas.microsoft.com/office/powerpoint/2010/main" val="3752212198"/>
       </p:ext>
     </p:extLst>
   </p:cSld>
@@ -9769,7 +10229,7 @@
                 <a:latin typeface="Arial" panose="020B0604020202020204" pitchFamily="34" charset="0"/>
                 <a:cs typeface="Arial" panose="020B0604020202020204" pitchFamily="34" charset="0"/>
               </a:rPr>
-              <a:t>AVERAGE Days on Market</a:t>
+              <a:t>AVERAGE HOUSING PRICES</a:t>
             </a:r>
           </a:p>
         </p:txBody>
@@ -9869,10 +10329,10 @@
       </p:pic>
       <p:pic>
         <p:nvPicPr>
-          <p:cNvPr id="6" name="Picture 5" descr="A picture containing screenshot&#10;&#10;Description automatically generated">
+          <p:cNvPr id="5" name="Picture 4" descr="A picture containing screenshot&#10;&#10;Description automatically generated">
             <a:extLst>
               <a:ext uri="{FF2B5EF4-FFF2-40B4-BE49-F238E27FC236}">
-                <a16:creationId xmlns:a16="http://schemas.microsoft.com/office/drawing/2014/main" id="{79A431D6-5833-4F24-9DC5-39DBE41398E8}"/>
+                <a16:creationId xmlns:a16="http://schemas.microsoft.com/office/drawing/2014/main" id="{654F7FB8-C185-48B7-A78D-63184F049AF7}"/>
               </a:ext>
             </a:extLst>
           </p:cNvPr>
@@ -9889,18 +10349,106 @@
         </p:blipFill>
         <p:spPr>
           <a:xfrm>
-            <a:off x="3588221" y="956135"/>
-            <a:ext cx="8227643" cy="4936586"/>
+            <a:off x="3588220" y="1100319"/>
+            <a:ext cx="8227644" cy="4936586"/>
           </a:xfrm>
           <a:prstGeom prst="rect">
             <a:avLst/>
           </a:prstGeom>
         </p:spPr>
       </p:pic>
+      <p:cxnSp>
+        <p:nvCxnSpPr>
+          <p:cNvPr id="8" name="Straight Connector 7">
+            <a:extLst>
+              <a:ext uri="{FF2B5EF4-FFF2-40B4-BE49-F238E27FC236}">
+                <a16:creationId xmlns:a16="http://schemas.microsoft.com/office/drawing/2014/main" id="{D14128A8-56E5-4979-9614-385570129F1C}"/>
+              </a:ext>
+            </a:extLst>
+          </p:cNvPr>
+          <p:cNvCxnSpPr/>
+          <p:nvPr/>
+        </p:nvCxnSpPr>
+        <p:spPr>
+          <a:xfrm>
+            <a:off x="0" y="758952"/>
+            <a:ext cx="12199912" cy="0"/>
+          </a:xfrm>
+          <a:prstGeom prst="line">
+            <a:avLst/>
+          </a:prstGeom>
+          <a:ln w="19050">
+            <a:solidFill>
+              <a:schemeClr val="bg2">
+                <a:lumMod val="60000"/>
+                <a:lumOff val="40000"/>
+              </a:schemeClr>
+            </a:solidFill>
+          </a:ln>
+        </p:spPr>
+        <p:style>
+          <a:lnRef idx="1">
+            <a:schemeClr val="accent1"/>
+          </a:lnRef>
+          <a:fillRef idx="0">
+            <a:schemeClr val="accent1"/>
+          </a:fillRef>
+          <a:effectRef idx="0">
+            <a:schemeClr val="accent1"/>
+          </a:effectRef>
+          <a:fontRef idx="minor">
+            <a:schemeClr val="tx1"/>
+          </a:fontRef>
+        </p:style>
+      </p:cxnSp>
+      <p:cxnSp>
+        <p:nvCxnSpPr>
+          <p:cNvPr id="10" name="Straight Connector 9">
+            <a:extLst>
+              <a:ext uri="{FF2B5EF4-FFF2-40B4-BE49-F238E27FC236}">
+                <a16:creationId xmlns:a16="http://schemas.microsoft.com/office/drawing/2014/main" id="{3B6DEA0F-B317-4F01-B9C7-6115065D46B0}"/>
+              </a:ext>
+            </a:extLst>
+          </p:cNvPr>
+          <p:cNvCxnSpPr/>
+          <p:nvPr/>
+        </p:nvCxnSpPr>
+        <p:spPr>
+          <a:xfrm>
+            <a:off x="-7914" y="6089904"/>
+            <a:ext cx="12199912" cy="0"/>
+          </a:xfrm>
+          <a:prstGeom prst="line">
+            <a:avLst/>
+          </a:prstGeom>
+          <a:ln w="19050">
+            <a:solidFill>
+              <a:schemeClr val="bg2">
+                <a:lumMod val="60000"/>
+                <a:lumOff val="40000"/>
+              </a:schemeClr>
+            </a:solidFill>
+          </a:ln>
+        </p:spPr>
+        <p:style>
+          <a:lnRef idx="1">
+            <a:schemeClr val="accent1"/>
+          </a:lnRef>
+          <a:fillRef idx="0">
+            <a:schemeClr val="accent1"/>
+          </a:fillRef>
+          <a:effectRef idx="0">
+            <a:schemeClr val="accent1"/>
+          </a:effectRef>
+          <a:fontRef idx="minor">
+            <a:schemeClr val="tx1"/>
+          </a:fontRef>
+        </p:style>
+      </p:cxnSp>
     </p:spTree>
     <p:extLst>
       <p:ext uri="{BB962C8B-B14F-4D97-AF65-F5344CB8AC3E}">
-        <p14:creationId xmlns:p14="http://schemas.microsoft.com/office/powerpoint/2010/main" val="2591689158"/>
+        <p14:creationId xmlns:p14="http://schemas.microsoft.com/office/powerpoint/2010/main" val="3133340153"/>
       </p:ext>
     </p:extLst>
   </p:cSld>
@@ -9935,151 +10483,405 @@
           <a:chExt cx="0" cy="0"/>
         </a:xfrm>
       </p:grpSpPr>
-      <p:sp>
-        <p:nvSpPr>
-          <p:cNvPr id="4" name="Title 3">
+      <p:sp useBgFill="1">
+        <p:nvSpPr>
+          <p:cNvPr id="20" name="Rectangle 19">
             <a:extLst>
               <a:ext uri="{FF2B5EF4-FFF2-40B4-BE49-F238E27FC236}">
-                <a16:creationId xmlns:a16="http://schemas.microsoft.com/office/drawing/2014/main" id="{24063DA0-2F33-304A-B21C-735EE066A8D9}"/>
+                <a16:creationId xmlns:a16="http://schemas.microsoft.com/office/drawing/2014/main" id="{A35CBD63-8F8F-47DC-9CE7-159E6161D872}"/>
+              </a:ext>
+              <a:ext uri="{C183D7F6-B498-43B3-948B-1728B52AA6E4}">
+                <adec:decorative xmlns:adec="http://schemas.microsoft.com/office/drawing/2017/decorative" val="1"/>
               </a:ext>
             </a:extLst>
           </p:cNvPr>
           <p:cNvSpPr>
-            <a:spLocks noGrp="1"/>
-          </p:cNvSpPr>
-          <p:nvPr>
-            <p:ph type="title"/>
+            <a:spLocks noGrp="1" noRot="1" noChangeAspect="1" noMove="1" noResize="1" noEditPoints="1" noAdjustHandles="1" noChangeArrowheads="1" noChangeShapeType="1" noTextEdit="1"/>
+          </p:cNvSpPr>
+          <p:nvPr>
+            <p:extLst>
+              <p:ext uri="{386F3935-93C4-4BCD-93E2-E3B085C9AB24}">
+                <p16:designElem xmlns:p16="http://schemas.microsoft.com/office/powerpoint/2015/main" val="1"/>
+              </p:ext>
+            </p:extLst>
           </p:nvPr>
         </p:nvSpPr>
         <p:spPr>
           <a:xfrm>
-            <a:off x="1237171" y="-104641"/>
-            <a:ext cx="10515600" cy="1325563"/>
+            <a:off x="0" y="0"/>
+            <a:ext cx="12192000" cy="6858000"/>
           </a:xfrm>
+          <a:prstGeom prst="rect">
+            <a:avLst/>
+          </a:prstGeom>
+          <a:ln>
+            <a:noFill/>
+          </a:ln>
         </p:spPr>
+        <p:style>
+          <a:lnRef idx="2">
+            <a:schemeClr val="accent1">
+              <a:shade val="50000"/>
+            </a:schemeClr>
+          </a:lnRef>
+          <a:fillRef idx="1">
+            <a:schemeClr val="accent1"/>
+          </a:fillRef>
+          <a:effectRef idx="0">
+            <a:schemeClr val="accent1"/>
+          </a:effectRef>
+          <a:fontRef idx="minor">
+            <a:schemeClr val="lt1"/>
+          </a:fontRef>
+        </p:style>
         <p:txBody>
-          <a:bodyPr>
-            <a:normAutofit/>
-          </a:bodyPr>
+          <a:bodyPr rtlCol="0" anchor="ctr"/>
           <a:lstStyle/>
           <a:p>
             <a:pPr algn="ctr"/>
-            <a:r>
-              <a:rPr lang="en-US" sz="2800" b="1" dirty="0">
-                <a:solidFill>
-                  <a:schemeClr val="tx1"/>
-                </a:solidFill>
-                <a:latin typeface="Arial" panose="020B0604020202020204" pitchFamily="34" charset="0"/>
-                <a:cs typeface="Arial" panose="020B0604020202020204" pitchFamily="34" charset="0"/>
-              </a:rPr>
-              <a:t>CRIME RATE V/S PROPERTY VALUE</a:t>
-            </a:r>
+            <a:endParaRPr lang="en-US"/>
           </a:p>
         </p:txBody>
       </p:sp>
       <p:sp>
         <p:nvSpPr>
-          <p:cNvPr id="5" name="Content Placeholder 4">
+          <p:cNvPr id="22" name="Rectangle 21">
             <a:extLst>
               <a:ext uri="{FF2B5EF4-FFF2-40B4-BE49-F238E27FC236}">
-                <a16:creationId xmlns:a16="http://schemas.microsoft.com/office/drawing/2014/main" id="{A714D8D7-61CB-9248-B42E-734EE67767E8}"/>
+                <a16:creationId xmlns:a16="http://schemas.microsoft.com/office/drawing/2014/main" id="{CA0E3486-FD49-4921-B4F4-E5BB5C88AC79}"/>
+              </a:ext>
+              <a:ext uri="{C183D7F6-B498-43B3-948B-1728B52AA6E4}">
+                <adec:decorative xmlns:adec="http://schemas.microsoft.com/office/drawing/2017/decorative" val="1"/>
               </a:ext>
             </a:extLst>
           </p:cNvPr>
           <p:cNvSpPr>
-            <a:spLocks noGrp="1"/>
-          </p:cNvSpPr>
-          <p:nvPr>
-            <p:ph sz="half" idx="1"/>
+            <a:spLocks noGrp="1" noRot="1" noChangeAspect="1" noMove="1" noResize="1" noEditPoints="1" noAdjustHandles="1" noChangeArrowheads="1" noChangeShapeType="1" noTextEdit="1"/>
+          </p:cNvSpPr>
+          <p:nvPr>
+            <p:extLst>
+              <p:ext uri="{386F3935-93C4-4BCD-93E2-E3B085C9AB24}">
+                <p16:designElem xmlns:p16="http://schemas.microsoft.com/office/powerpoint/2015/main" val="1"/>
+              </p:ext>
+            </p:extLst>
           </p:nvPr>
         </p:nvSpPr>
         <p:spPr>
           <a:xfrm>
-            <a:off x="2222309" y="1564921"/>
-            <a:ext cx="3474720" cy="3743077"/>
+            <a:off x="-1" y="758953"/>
+            <a:ext cx="3577575" cy="5330952"/>
           </a:xfrm>
+          <a:prstGeom prst="rect">
+            <a:avLst/>
+          </a:prstGeom>
+          <a:solidFill>
+            <a:schemeClr val="accent1"/>
+          </a:solidFill>
+          <a:ln>
+            <a:noFill/>
+          </a:ln>
         </p:spPr>
-        <p:txBody>
-          <a:bodyPr/>
-          <a:lstStyle/>
-          <a:p>
-            <a:endParaRPr lang="en-US" dirty="0"/>
-          </a:p>
-        </p:txBody>
-      </p:sp>
-      <p:sp>
-        <p:nvSpPr>
-          <p:cNvPr id="6" name="Content Placeholder 5">
+        <p:style>
+          <a:lnRef idx="2">
+            <a:schemeClr val="accent1">
+              <a:shade val="50000"/>
+            </a:schemeClr>
+          </a:lnRef>
+          <a:fillRef idx="1">
+            <a:schemeClr val="accent1"/>
+          </a:fillRef>
+          <a:effectRef idx="0">
+            <a:schemeClr val="accent1"/>
+          </a:effectRef>
+          <a:fontRef idx="minor">
+            <a:schemeClr val="lt1"/>
+          </a:fontRef>
+        </p:style>
+      </p:sp>
+      <p:sp>
+        <p:nvSpPr>
+          <p:cNvPr id="9" name="Title 4">
             <a:extLst>
               <a:ext uri="{FF2B5EF4-FFF2-40B4-BE49-F238E27FC236}">
-                <a16:creationId xmlns:a16="http://schemas.microsoft.com/office/drawing/2014/main" id="{ABEFAD01-05A6-5E48-B6AC-461EAF2D28BA}"/>
+                <a16:creationId xmlns:a16="http://schemas.microsoft.com/office/drawing/2014/main" id="{B3BCF04F-53F8-EB44-86BC-8E673A80BEE2}"/>
               </a:ext>
             </a:extLst>
           </p:cNvPr>
-          <p:cNvSpPr>
-            <a:spLocks noGrp="1"/>
-          </p:cNvSpPr>
-          <p:nvPr>
-            <p:ph sz="half" idx="2"/>
-          </p:nvPr>
+          <p:cNvSpPr txBox="1">
+            <a:spLocks/>
+          </p:cNvSpPr>
+          <p:nvPr/>
         </p:nvSpPr>
         <p:spPr>
           <a:xfrm>
-            <a:off x="6494971" y="1557460"/>
-            <a:ext cx="3474720" cy="3743077"/>
-          </a:xfrm>
-        </p:spPr>
-        <p:txBody>
-          <a:bodyPr/>
-          <a:lstStyle/>
-          <a:p>
-            <a:endParaRPr lang="en-US" dirty="0"/>
-          </a:p>
-        </p:txBody>
-      </p:sp>
-      <p:sp>
-        <p:nvSpPr>
-          <p:cNvPr id="7" name="Rectangle 6">
-            <a:extLst>
-              <a:ext uri="{FF2B5EF4-FFF2-40B4-BE49-F238E27FC236}">
-                <a16:creationId xmlns:a16="http://schemas.microsoft.com/office/drawing/2014/main" id="{1BA10EEF-41F6-B944-B371-9708FBBF1100}"/>
-              </a:ext>
-            </a:extLst>
-          </p:cNvPr>
-          <p:cNvSpPr/>
-          <p:nvPr/>
-        </p:nvSpPr>
-        <p:spPr>
-          <a:xfrm>
-            <a:off x="5977216" y="5455387"/>
-            <a:ext cx="237566" cy="646331"/>
+            <a:off x="74501" y="821095"/>
+            <a:ext cx="3577575" cy="1038177"/>
           </a:xfrm>
           <a:prstGeom prst="rect">
             <a:avLst/>
           </a:prstGeom>
         </p:spPr>
         <p:txBody>
-          <a:bodyPr wrap="none">
-            <a:spAutoFit/>
+          <a:bodyPr vert="horz" lIns="91440" tIns="45720" rIns="91440" bIns="45720" rtlCol="0" anchor="b">
+            <a:normAutofit/>
           </a:bodyPr>
-          <a:lstStyle/>
-          <a:p>
-            <a:pPr algn="ctr"/>
+          <a:lstStyle>
+            <a:lvl1pPr algn="l" defTabSz="914400" rtl="0" eaLnBrk="1" latinLnBrk="0" hangingPunct="1">
+              <a:lnSpc>
+                <a:spcPct val="90000"/>
+              </a:lnSpc>
+              <a:spcBef>
+                <a:spcPct val="0"/>
+              </a:spcBef>
+              <a:buNone/>
+              <a:defRPr sz="4400" kern="1200">
+                <a:solidFill>
+                  <a:schemeClr val="tx1"/>
+                </a:solidFill>
+                <a:latin typeface="+mj-lt"/>
+                <a:ea typeface="+mj-ea"/>
+                <a:cs typeface="+mj-cs"/>
+              </a:defRPr>
+            </a:lvl1pPr>
+          </a:lstStyle>
+          <a:p>
+            <a:pPr>
+              <a:spcAft>
+                <a:spcPts val="600"/>
+              </a:spcAft>
+            </a:pPr>
             <a:r>
-              <a:rPr lang="en-US" dirty="0"/>
-              <a:t> </a:t>
+              <a:rPr lang="en-US" sz="2800" b="1" spc="-60" dirty="0">
+                <a:solidFill>
+                  <a:srgbClr val="FFFFFF"/>
+                </a:solidFill>
+                <a:latin typeface="Arial" panose="020B0604020202020204" pitchFamily="34" charset="0"/>
+                <a:cs typeface="Arial" panose="020B0604020202020204" pitchFamily="34" charset="0"/>
+              </a:rPr>
+              <a:t>AVERAGE </a:t>
             </a:r>
-          </a:p>
-          <a:p>
-            <a:pPr algn="ctr"/>
-            <a:endParaRPr lang="en-US" dirty="0"/>
+            <a:r>
+              <a:rPr lang="en-US" sz="2800" b="1" cap="all" spc="-60" dirty="0">
+                <a:solidFill>
+                  <a:srgbClr val="FFFFFF"/>
+                </a:solidFill>
+                <a:latin typeface="Arial" panose="020B0604020202020204" pitchFamily="34" charset="0"/>
+                <a:cs typeface="Arial" panose="020B0604020202020204" pitchFamily="34" charset="0"/>
+              </a:rPr>
+              <a:t>Days on Market</a:t>
+            </a:r>
           </a:p>
         </p:txBody>
       </p:sp>
+      <p:sp>
+        <p:nvSpPr>
+          <p:cNvPr id="24" name="Rectangle 23">
+            <a:extLst>
+              <a:ext uri="{FF2B5EF4-FFF2-40B4-BE49-F238E27FC236}">
+                <a16:creationId xmlns:a16="http://schemas.microsoft.com/office/drawing/2014/main" id="{83B4A72C-2924-4CE2-8674-7E02E182ED6D}"/>
+              </a:ext>
+              <a:ext uri="{C183D7F6-B498-43B3-948B-1728B52AA6E4}">
+                <adec:decorative xmlns:adec="http://schemas.microsoft.com/office/drawing/2017/decorative" val="1"/>
+              </a:ext>
+            </a:extLst>
+          </p:cNvPr>
+          <p:cNvSpPr>
+            <a:spLocks noGrp="1" noRot="1" noChangeAspect="1" noMove="1" noResize="1" noEditPoints="1" noAdjustHandles="1" noChangeArrowheads="1" noChangeShapeType="1" noTextEdit="1"/>
+          </p:cNvSpPr>
+          <p:nvPr>
+            <p:extLst>
+              <p:ext uri="{386F3935-93C4-4BCD-93E2-E3B085C9AB24}">
+                <p16:designElem xmlns:p16="http://schemas.microsoft.com/office/powerpoint/2015/main" val="1"/>
+              </p:ext>
+            </p:extLst>
+          </p:nvPr>
+        </p:nvSpPr>
+        <p:spPr>
+          <a:xfrm>
+            <a:off x="11815864" y="758952"/>
+            <a:ext cx="384048" cy="5330952"/>
+          </a:xfrm>
+          <a:prstGeom prst="rect">
+            <a:avLst/>
+          </a:prstGeom>
+          <a:solidFill>
+            <a:srgbClr val="C8C8C8">
+              <a:alpha val="49804"/>
+            </a:srgbClr>
+          </a:solidFill>
+          <a:ln>
+            <a:noFill/>
+          </a:ln>
+        </p:spPr>
+        <p:style>
+          <a:lnRef idx="2">
+            <a:schemeClr val="accent1">
+              <a:shade val="50000"/>
+            </a:schemeClr>
+          </a:lnRef>
+          <a:fillRef idx="1">
+            <a:schemeClr val="accent1"/>
+          </a:fillRef>
+          <a:effectRef idx="0">
+            <a:schemeClr val="accent1"/>
+          </a:effectRef>
+          <a:fontRef idx="minor">
+            <a:schemeClr val="lt1"/>
+          </a:fontRef>
+        </p:style>
+      </p:sp>
+      <p:pic>
+        <p:nvPicPr>
+          <p:cNvPr id="6" name="Picture 5" descr="A picture containing screenshot&#10;&#10;Description automatically generated">
+            <a:extLst>
+              <a:ext uri="{FF2B5EF4-FFF2-40B4-BE49-F238E27FC236}">
+                <a16:creationId xmlns:a16="http://schemas.microsoft.com/office/drawing/2014/main" id="{79A431D6-5833-4F24-9DC5-39DBE41398E8}"/>
+              </a:ext>
+            </a:extLst>
+          </p:cNvPr>
+          <p:cNvPicPr>
+            <a:picLocks noChangeAspect="1"/>
+          </p:cNvPicPr>
+          <p:nvPr/>
+        </p:nvPicPr>
+        <p:blipFill>
+          <a:blip r:embed="rId3"/>
+          <a:stretch>
+            <a:fillRect/>
+          </a:stretch>
+        </p:blipFill>
+        <p:spPr>
+          <a:xfrm>
+            <a:off x="3588221" y="956135"/>
+            <a:ext cx="8227643" cy="4936586"/>
+          </a:xfrm>
+          <a:prstGeom prst="rect">
+            <a:avLst/>
+          </a:prstGeom>
+        </p:spPr>
+      </p:pic>
+      <p:pic>
+        <p:nvPicPr>
+          <p:cNvPr id="3" name="Picture 2" descr="Calendar dates">
+            <a:extLst>
+              <a:ext uri="{FF2B5EF4-FFF2-40B4-BE49-F238E27FC236}">
+                <a16:creationId xmlns:a16="http://schemas.microsoft.com/office/drawing/2014/main" id="{80844067-5DC9-4F17-8539-B13B0042B230}"/>
+              </a:ext>
+            </a:extLst>
+          </p:cNvPr>
+          <p:cNvPicPr>
+            <a:picLocks noChangeAspect="1"/>
+          </p:cNvPicPr>
+          <p:nvPr/>
+        </p:nvPicPr>
+        <p:blipFill>
+          <a:blip r:embed="rId4"/>
+          <a:stretch>
+            <a:fillRect/>
+          </a:stretch>
+        </p:blipFill>
+        <p:spPr>
+          <a:xfrm>
+            <a:off x="1" y="2226581"/>
+            <a:ext cx="3566854" cy="2377322"/>
+          </a:xfrm>
+          <a:prstGeom prst="rect">
+            <a:avLst/>
+          </a:prstGeom>
+        </p:spPr>
+      </p:pic>
+      <p:cxnSp>
+        <p:nvCxnSpPr>
+          <p:cNvPr id="10" name="Straight Connector 9">
+            <a:extLst>
+              <a:ext uri="{FF2B5EF4-FFF2-40B4-BE49-F238E27FC236}">
+                <a16:creationId xmlns:a16="http://schemas.microsoft.com/office/drawing/2014/main" id="{43C1FE72-B673-44F7-A611-6C75E0A24B22}"/>
+              </a:ext>
+            </a:extLst>
+          </p:cNvPr>
+          <p:cNvCxnSpPr/>
+          <p:nvPr/>
+        </p:nvCxnSpPr>
+        <p:spPr>
+          <a:xfrm>
+            <a:off x="0" y="758952"/>
+            <a:ext cx="12199912" cy="0"/>
+          </a:xfrm>
+          <a:prstGeom prst="line">
+            <a:avLst/>
+          </a:prstGeom>
+          <a:ln w="19050">
+            <a:solidFill>
+              <a:schemeClr val="bg2">
+                <a:lumMod val="60000"/>
+                <a:lumOff val="40000"/>
+              </a:schemeClr>
+            </a:solidFill>
+          </a:ln>
+        </p:spPr>
+        <p:style>
+          <a:lnRef idx="1">
+            <a:schemeClr val="accent1"/>
+          </a:lnRef>
+          <a:fillRef idx="0">
+            <a:schemeClr val="accent1"/>
+          </a:fillRef>
+          <a:effectRef idx="0">
+            <a:schemeClr val="accent1"/>
+          </a:effectRef>
+          <a:fontRef idx="minor">
+            <a:schemeClr val="tx1"/>
+          </a:fontRef>
+        </p:style>
+      </p:cxnSp>
+      <p:cxnSp>
+        <p:nvCxnSpPr>
+          <p:cNvPr id="11" name="Straight Connector 10">
+            <a:extLst>
+              <a:ext uri="{FF2B5EF4-FFF2-40B4-BE49-F238E27FC236}">
+                <a16:creationId xmlns:a16="http://schemas.microsoft.com/office/drawing/2014/main" id="{184A3218-3F2C-494B-9C84-C771652E488D}"/>
+              </a:ext>
+            </a:extLst>
+          </p:cNvPr>
+          <p:cNvCxnSpPr/>
+          <p:nvPr/>
+        </p:nvCxnSpPr>
+        <p:spPr>
+          <a:xfrm>
+            <a:off x="-7914" y="6089904"/>
+            <a:ext cx="12199912" cy="0"/>
+          </a:xfrm>
+          <a:prstGeom prst="line">
+            <a:avLst/>
+          </a:prstGeom>
+          <a:ln w="19050">
+            <a:solidFill>
+              <a:schemeClr val="bg2">
+                <a:lumMod val="60000"/>
+                <a:lumOff val="40000"/>
+              </a:schemeClr>
+            </a:solidFill>
+          </a:ln>
+        </p:spPr>
+        <p:style>
+          <a:lnRef idx="1">
+            <a:schemeClr val="accent1"/>
+          </a:lnRef>
+          <a:fillRef idx="0">
+            <a:schemeClr val="accent1"/>
+          </a:fillRef>
+          <a:effectRef idx="0">
+            <a:schemeClr val="accent1"/>
+          </a:effectRef>
+          <a:fontRef idx="minor">
+            <a:schemeClr val="tx1"/>
+          </a:fontRef>
+        </p:style>
+      </p:cxnSp>
     </p:spTree>
     <p:extLst>
       <p:ext uri="{BB962C8B-B14F-4D97-AF65-F5344CB8AC3E}">
-        <p14:creationId xmlns:p14="http://schemas.microsoft.com/office/powerpoint/2010/main" val="4054935177"/>
+        <p14:creationId xmlns:p14="http://schemas.microsoft.com/office/powerpoint/2010/main" val="2591689158"/>
       </p:ext>
     </p:extLst>
   </p:cSld>
@@ -10116,6 +10918,1530 @@
       </p:grpSpPr>
       <p:sp>
         <p:nvSpPr>
+          <p:cNvPr id="4" name="Title 3">
+            <a:extLst>
+              <a:ext uri="{FF2B5EF4-FFF2-40B4-BE49-F238E27FC236}">
+                <a16:creationId xmlns:a16="http://schemas.microsoft.com/office/drawing/2014/main" id="{24063DA0-2F33-304A-B21C-735EE066A8D9}"/>
+              </a:ext>
+            </a:extLst>
+          </p:cNvPr>
+          <p:cNvSpPr>
+            <a:spLocks noGrp="1"/>
+          </p:cNvSpPr>
+          <p:nvPr>
+            <p:ph type="title"/>
+          </p:nvPr>
+        </p:nvSpPr>
+        <p:spPr>
+          <a:xfrm>
+            <a:off x="116958" y="1211974"/>
+            <a:ext cx="3115340" cy="4699728"/>
+          </a:xfrm>
+        </p:spPr>
+        <p:txBody>
+          <a:bodyPr vert="horz" lIns="91440" tIns="45720" rIns="91440" bIns="45720" rtlCol="0" anchor="t">
+            <a:normAutofit/>
+          </a:bodyPr>
+          <a:lstStyle/>
+          <a:p>
+            <a:pPr>
+              <a:spcAft>
+                <a:spcPts val="600"/>
+              </a:spcAft>
+            </a:pPr>
+            <a:r>
+              <a:rPr lang="en-US" sz="2800" b="1" cap="all" dirty="0">
+                <a:latin typeface="Arial" panose="020B0604020202020204" pitchFamily="34" charset="0"/>
+                <a:cs typeface="Arial" panose="020B0604020202020204" pitchFamily="34" charset="0"/>
+              </a:rPr>
+              <a:t>Days on Market </a:t>
+            </a:r>
+            <a:r>
+              <a:rPr lang="en-US" sz="2800" b="1" cap="small" dirty="0">
+                <a:latin typeface="Arial" panose="020B0604020202020204" pitchFamily="34" charset="0"/>
+                <a:cs typeface="Arial" panose="020B0604020202020204" pitchFamily="34" charset="0"/>
+              </a:rPr>
+              <a:t>vs</a:t>
+            </a:r>
+            <a:r>
+              <a:rPr lang="en-US" sz="2800" b="1" cap="all" dirty="0">
+                <a:latin typeface="Arial" panose="020B0604020202020204" pitchFamily="34" charset="0"/>
+                <a:cs typeface="Arial" panose="020B0604020202020204" pitchFamily="34" charset="0"/>
+              </a:rPr>
+              <a:t> Crime Rate</a:t>
+            </a:r>
+          </a:p>
+        </p:txBody>
+      </p:sp>
+      <p:pic>
+        <p:nvPicPr>
+          <p:cNvPr id="3" name="Content Placeholder 2" descr="A picture containing food&#10;&#10;Description automatically generated">
+            <a:extLst>
+              <a:ext uri="{FF2B5EF4-FFF2-40B4-BE49-F238E27FC236}">
+                <a16:creationId xmlns:a16="http://schemas.microsoft.com/office/drawing/2014/main" id="{2C5B88E6-18D6-4B2C-B179-440FA889471E}"/>
+              </a:ext>
+            </a:extLst>
+          </p:cNvPr>
+          <p:cNvPicPr>
+            <a:picLocks noGrp="1" noChangeAspect="1"/>
+          </p:cNvPicPr>
+          <p:nvPr>
+            <p:ph sz="half" idx="1"/>
+          </p:nvPr>
+        </p:nvPicPr>
+        <p:blipFill rotWithShape="1">
+          <a:blip r:embed="rId3"/>
+          <a:srcRect l="6404" t="5260" r="8521"/>
+          <a:stretch/>
+        </p:blipFill>
+        <p:spPr>
+          <a:xfrm>
+            <a:off x="3455633" y="841346"/>
+            <a:ext cx="8297138" cy="5331901"/>
+          </a:xfrm>
+        </p:spPr>
+      </p:pic>
+      <p:sp>
+        <p:nvSpPr>
+          <p:cNvPr id="7" name="Rectangle 6">
+            <a:extLst>
+              <a:ext uri="{FF2B5EF4-FFF2-40B4-BE49-F238E27FC236}">
+                <a16:creationId xmlns:a16="http://schemas.microsoft.com/office/drawing/2014/main" id="{1BA10EEF-41F6-B944-B371-9708FBBF1100}"/>
+              </a:ext>
+            </a:extLst>
+          </p:cNvPr>
+          <p:cNvSpPr/>
+          <p:nvPr/>
+        </p:nvSpPr>
+        <p:spPr>
+          <a:xfrm>
+            <a:off x="5977216" y="5455387"/>
+            <a:ext cx="237566" cy="646331"/>
+          </a:xfrm>
+          <a:prstGeom prst="rect">
+            <a:avLst/>
+          </a:prstGeom>
+        </p:spPr>
+        <p:txBody>
+          <a:bodyPr wrap="none">
+            <a:spAutoFit/>
+          </a:bodyPr>
+          <a:lstStyle/>
+          <a:p>
+            <a:pPr algn="ctr"/>
+            <a:r>
+              <a:rPr lang="en-US" dirty="0"/>
+              <a:t> </a:t>
+            </a:r>
+          </a:p>
+          <a:p>
+            <a:pPr algn="ctr"/>
+            <a:endParaRPr lang="en-US" dirty="0"/>
+          </a:p>
+        </p:txBody>
+      </p:sp>
+      <p:cxnSp>
+        <p:nvCxnSpPr>
+          <p:cNvPr id="11" name="Straight Connector 10">
+            <a:extLst>
+              <a:ext uri="{FF2B5EF4-FFF2-40B4-BE49-F238E27FC236}">
+                <a16:creationId xmlns:a16="http://schemas.microsoft.com/office/drawing/2014/main" id="{F1A40BF3-DB7B-4829-BFB7-691CC8FCFF8A}"/>
+              </a:ext>
+            </a:extLst>
+          </p:cNvPr>
+          <p:cNvCxnSpPr/>
+          <p:nvPr/>
+        </p:nvCxnSpPr>
+        <p:spPr>
+          <a:xfrm>
+            <a:off x="0" y="758952"/>
+            <a:ext cx="12199912" cy="0"/>
+          </a:xfrm>
+          <a:prstGeom prst="line">
+            <a:avLst/>
+          </a:prstGeom>
+          <a:ln w="19050">
+            <a:solidFill>
+              <a:schemeClr val="bg2">
+                <a:lumMod val="60000"/>
+                <a:lumOff val="40000"/>
+              </a:schemeClr>
+            </a:solidFill>
+          </a:ln>
+        </p:spPr>
+        <p:style>
+          <a:lnRef idx="1">
+            <a:schemeClr val="accent1"/>
+          </a:lnRef>
+          <a:fillRef idx="0">
+            <a:schemeClr val="accent1"/>
+          </a:fillRef>
+          <a:effectRef idx="0">
+            <a:schemeClr val="accent1"/>
+          </a:effectRef>
+          <a:fontRef idx="minor">
+            <a:schemeClr val="tx1"/>
+          </a:fontRef>
+        </p:style>
+      </p:cxnSp>
+      <p:cxnSp>
+        <p:nvCxnSpPr>
+          <p:cNvPr id="12" name="Straight Connector 11">
+            <a:extLst>
+              <a:ext uri="{FF2B5EF4-FFF2-40B4-BE49-F238E27FC236}">
+                <a16:creationId xmlns:a16="http://schemas.microsoft.com/office/drawing/2014/main" id="{0BAC5E0B-2A18-4EE4-95CA-6EAFE062C4DC}"/>
+              </a:ext>
+            </a:extLst>
+          </p:cNvPr>
+          <p:cNvCxnSpPr/>
+          <p:nvPr/>
+        </p:nvCxnSpPr>
+        <p:spPr>
+          <a:xfrm>
+            <a:off x="-7914" y="6089904"/>
+            <a:ext cx="12199912" cy="0"/>
+          </a:xfrm>
+          <a:prstGeom prst="line">
+            <a:avLst/>
+          </a:prstGeom>
+          <a:ln w="19050">
+            <a:solidFill>
+              <a:schemeClr val="bg2">
+                <a:lumMod val="60000"/>
+                <a:lumOff val="40000"/>
+              </a:schemeClr>
+            </a:solidFill>
+          </a:ln>
+        </p:spPr>
+        <p:style>
+          <a:lnRef idx="1">
+            <a:schemeClr val="accent1"/>
+          </a:lnRef>
+          <a:fillRef idx="0">
+            <a:schemeClr val="accent1"/>
+          </a:fillRef>
+          <a:effectRef idx="0">
+            <a:schemeClr val="accent1"/>
+          </a:effectRef>
+          <a:fontRef idx="minor">
+            <a:schemeClr val="tx1"/>
+          </a:fontRef>
+        </p:style>
+      </p:cxnSp>
+    </p:spTree>
+    <p:extLst>
+      <p:ext uri="{BB962C8B-B14F-4D97-AF65-F5344CB8AC3E}">
+        <p14:creationId xmlns:p14="http://schemas.microsoft.com/office/powerpoint/2010/main" val="1453217574"/>
+      </p:ext>
+    </p:extLst>
+  </p:cSld>
+  <p:clrMapOvr>
+    <a:masterClrMapping/>
+  </p:clrMapOvr>
+</p:sld>
+</file>
+
+<file path=ppt/slides/slide14.xml><?xml version="1.0" encoding="utf-8"?>
+<p:sld xmlns:a="http://schemas.openxmlformats.org/drawingml/2006/main" xmlns:r="http://schemas.openxmlformats.org/officeDocument/2006/relationships" xmlns:p="http://schemas.openxmlformats.org/presentationml/2006/main">
+  <p:cSld>
+    <p:bg>
+      <p:bgPr>
+        <a:solidFill>
+          <a:schemeClr val="bg1"/>
+        </a:solidFill>
+        <a:effectLst/>
+      </p:bgPr>
+    </p:bg>
+    <p:spTree>
+      <p:nvGrpSpPr>
+        <p:cNvPr id="1" name=""/>
+        <p:cNvGrpSpPr/>
+        <p:nvPr/>
+      </p:nvGrpSpPr>
+      <p:grpSpPr>
+        <a:xfrm>
+          <a:off x="0" y="0"/>
+          <a:ext cx="0" cy="0"/>
+          <a:chOff x="0" y="0"/>
+          <a:chExt cx="0" cy="0"/>
+        </a:xfrm>
+      </p:grpSpPr>
+      <p:sp>
+        <p:nvSpPr>
+          <p:cNvPr id="4" name="Title 3">
+            <a:extLst>
+              <a:ext uri="{FF2B5EF4-FFF2-40B4-BE49-F238E27FC236}">
+                <a16:creationId xmlns:a16="http://schemas.microsoft.com/office/drawing/2014/main" id="{24063DA0-2F33-304A-B21C-735EE066A8D9}"/>
+              </a:ext>
+            </a:extLst>
+          </p:cNvPr>
+          <p:cNvSpPr>
+            <a:spLocks noGrp="1"/>
+          </p:cNvSpPr>
+          <p:nvPr>
+            <p:ph type="title"/>
+          </p:nvPr>
+        </p:nvSpPr>
+        <p:spPr>
+          <a:xfrm>
+            <a:off x="116958" y="1211974"/>
+            <a:ext cx="3115340" cy="4699728"/>
+          </a:xfrm>
+        </p:spPr>
+        <p:txBody>
+          <a:bodyPr vert="horz" lIns="91440" tIns="45720" rIns="91440" bIns="45720" rtlCol="0" anchor="t">
+            <a:normAutofit/>
+          </a:bodyPr>
+          <a:lstStyle/>
+          <a:p>
+            <a:pPr>
+              <a:spcAft>
+                <a:spcPts val="600"/>
+              </a:spcAft>
+            </a:pPr>
+            <a:r>
+              <a:rPr lang="en-US" sz="2800" b="1" cap="all" dirty="0">
+                <a:latin typeface="Arial" panose="020B0604020202020204" pitchFamily="34" charset="0"/>
+                <a:cs typeface="Arial" panose="020B0604020202020204" pitchFamily="34" charset="0"/>
+              </a:rPr>
+              <a:t>Sales Price </a:t>
+            </a:r>
+            <a:r>
+              <a:rPr lang="en-US" sz="2800" b="1" cap="small" dirty="0">
+                <a:latin typeface="Arial" panose="020B0604020202020204" pitchFamily="34" charset="0"/>
+                <a:cs typeface="Arial" panose="020B0604020202020204" pitchFamily="34" charset="0"/>
+              </a:rPr>
+              <a:t>vs</a:t>
+            </a:r>
+            <a:r>
+              <a:rPr lang="en-US" sz="2800" b="1" cap="all" dirty="0">
+                <a:latin typeface="Arial" panose="020B0604020202020204" pitchFamily="34" charset="0"/>
+                <a:cs typeface="Arial" panose="020B0604020202020204" pitchFamily="34" charset="0"/>
+              </a:rPr>
+              <a:t> Crime Rate</a:t>
+            </a:r>
+          </a:p>
+        </p:txBody>
+      </p:sp>
+      <p:sp>
+        <p:nvSpPr>
+          <p:cNvPr id="7" name="Rectangle 6">
+            <a:extLst>
+              <a:ext uri="{FF2B5EF4-FFF2-40B4-BE49-F238E27FC236}">
+                <a16:creationId xmlns:a16="http://schemas.microsoft.com/office/drawing/2014/main" id="{1BA10EEF-41F6-B944-B371-9708FBBF1100}"/>
+              </a:ext>
+            </a:extLst>
+          </p:cNvPr>
+          <p:cNvSpPr/>
+          <p:nvPr/>
+        </p:nvSpPr>
+        <p:spPr>
+          <a:xfrm>
+            <a:off x="5977216" y="5455387"/>
+            <a:ext cx="237566" cy="646331"/>
+          </a:xfrm>
+          <a:prstGeom prst="rect">
+            <a:avLst/>
+          </a:prstGeom>
+        </p:spPr>
+        <p:txBody>
+          <a:bodyPr wrap="none">
+            <a:spAutoFit/>
+          </a:bodyPr>
+          <a:lstStyle/>
+          <a:p>
+            <a:pPr algn="ctr"/>
+            <a:r>
+              <a:rPr lang="en-US" dirty="0"/>
+              <a:t> </a:t>
+            </a:r>
+          </a:p>
+          <a:p>
+            <a:pPr algn="ctr"/>
+            <a:endParaRPr lang="en-US" dirty="0"/>
+          </a:p>
+        </p:txBody>
+      </p:sp>
+      <p:sp>
+        <p:nvSpPr>
+          <p:cNvPr id="6" name="AutoShape 2">
+            <a:extLst>
+              <a:ext uri="{FF2B5EF4-FFF2-40B4-BE49-F238E27FC236}">
+                <a16:creationId xmlns:a16="http://schemas.microsoft.com/office/drawing/2014/main" id="{3D805F74-D447-4089-BC03-E18CEB0F63B9}"/>
+              </a:ext>
+            </a:extLst>
+          </p:cNvPr>
+          <p:cNvSpPr>
+            <a:spLocks noChangeAspect="1" noChangeArrowheads="1"/>
+          </p:cNvSpPr>
+          <p:nvPr/>
+        </p:nvSpPr>
+        <p:spPr bwMode="auto">
+          <a:xfrm>
+            <a:off x="5943600" y="3276600"/>
+            <a:ext cx="304800" cy="304800"/>
+          </a:xfrm>
+          <a:prstGeom prst="rect">
+            <a:avLst/>
+          </a:prstGeom>
+          <a:noFill/>
+          <a:extLst>
+            <a:ext uri="{909E8E84-426E-40DD-AFC4-6F175D3DCCD1}">
+              <a14:hiddenFill xmlns:a14="http://schemas.microsoft.com/office/drawing/2010/main">
+                <a:solidFill>
+                  <a:srgbClr val="FFFFFF"/>
+                </a:solidFill>
+              </a14:hiddenFill>
+            </a:ext>
+          </a:extLst>
+        </p:spPr>
+        <p:txBody>
+          <a:bodyPr vert="horz" wrap="square" lIns="91440" tIns="45720" rIns="91440" bIns="45720" numCol="1" anchor="t" anchorCtr="0" compatLnSpc="1">
+            <a:prstTxWarp prst="textNoShape">
+              <a:avLst/>
+            </a:prstTxWarp>
+          </a:bodyPr>
+          <a:lstStyle/>
+          <a:p>
+            <a:endParaRPr lang="en-US"/>
+          </a:p>
+        </p:txBody>
+      </p:sp>
+      <p:pic>
+        <p:nvPicPr>
+          <p:cNvPr id="9" name="Picture 8" descr="A screenshot of a cell phone&#10;&#10;Description automatically generated">
+            <a:extLst>
+              <a:ext uri="{FF2B5EF4-FFF2-40B4-BE49-F238E27FC236}">
+                <a16:creationId xmlns:a16="http://schemas.microsoft.com/office/drawing/2014/main" id="{EBA963C2-D536-4C09-B5FA-9261413ED00B}"/>
+              </a:ext>
+            </a:extLst>
+          </p:cNvPr>
+          <p:cNvPicPr>
+            <a:picLocks noChangeAspect="1"/>
+          </p:cNvPicPr>
+          <p:nvPr/>
+        </p:nvPicPr>
+        <p:blipFill>
+          <a:blip r:embed="rId3"/>
+          <a:stretch>
+            <a:fillRect/>
+          </a:stretch>
+        </p:blipFill>
+        <p:spPr>
+          <a:xfrm>
+            <a:off x="3489692" y="1179112"/>
+            <a:ext cx="8244712" cy="4499565"/>
+          </a:xfrm>
+          <a:prstGeom prst="rect">
+            <a:avLst/>
+          </a:prstGeom>
+        </p:spPr>
+      </p:pic>
+      <p:sp>
+        <p:nvSpPr>
+          <p:cNvPr id="10" name="TextBox 9">
+            <a:extLst>
+              <a:ext uri="{FF2B5EF4-FFF2-40B4-BE49-F238E27FC236}">
+                <a16:creationId xmlns:a16="http://schemas.microsoft.com/office/drawing/2014/main" id="{B4768038-9D72-48F3-AA5B-7B2723E6F778}"/>
+              </a:ext>
+            </a:extLst>
+          </p:cNvPr>
+          <p:cNvSpPr txBox="1"/>
+          <p:nvPr/>
+        </p:nvSpPr>
+        <p:spPr>
+          <a:xfrm>
+            <a:off x="6836735" y="1765005"/>
+            <a:ext cx="3678865" cy="646331"/>
+          </a:xfrm>
+          <a:prstGeom prst="rect">
+            <a:avLst/>
+          </a:prstGeom>
+          <a:noFill/>
+        </p:spPr>
+        <p:txBody>
+          <a:bodyPr wrap="square" rtlCol="0">
+            <a:spAutoFit/>
+          </a:bodyPr>
+          <a:lstStyle/>
+          <a:p>
+            <a:r>
+              <a:rPr lang="en-US" b="1" dirty="0">
+                <a:solidFill>
+                  <a:srgbClr val="FF0000"/>
+                </a:solidFill>
+              </a:rPr>
+              <a:t>Placeholder image – need to update with updated Y axis</a:t>
+            </a:r>
+          </a:p>
+        </p:txBody>
+      </p:sp>
+      <p:cxnSp>
+        <p:nvCxnSpPr>
+          <p:cNvPr id="11" name="Straight Connector 10">
+            <a:extLst>
+              <a:ext uri="{FF2B5EF4-FFF2-40B4-BE49-F238E27FC236}">
+                <a16:creationId xmlns:a16="http://schemas.microsoft.com/office/drawing/2014/main" id="{691D9F37-4F8C-4F3C-BF47-D86BE03825D5}"/>
+              </a:ext>
+            </a:extLst>
+          </p:cNvPr>
+          <p:cNvCxnSpPr/>
+          <p:nvPr/>
+        </p:nvCxnSpPr>
+        <p:spPr>
+          <a:xfrm>
+            <a:off x="0" y="758952"/>
+            <a:ext cx="12199912" cy="0"/>
+          </a:xfrm>
+          <a:prstGeom prst="line">
+            <a:avLst/>
+          </a:prstGeom>
+          <a:ln w="19050">
+            <a:solidFill>
+              <a:schemeClr val="bg2">
+                <a:lumMod val="60000"/>
+                <a:lumOff val="40000"/>
+              </a:schemeClr>
+            </a:solidFill>
+          </a:ln>
+        </p:spPr>
+        <p:style>
+          <a:lnRef idx="1">
+            <a:schemeClr val="accent1"/>
+          </a:lnRef>
+          <a:fillRef idx="0">
+            <a:schemeClr val="accent1"/>
+          </a:fillRef>
+          <a:effectRef idx="0">
+            <a:schemeClr val="accent1"/>
+          </a:effectRef>
+          <a:fontRef idx="minor">
+            <a:schemeClr val="tx1"/>
+          </a:fontRef>
+        </p:style>
+      </p:cxnSp>
+      <p:cxnSp>
+        <p:nvCxnSpPr>
+          <p:cNvPr id="12" name="Straight Connector 11">
+            <a:extLst>
+              <a:ext uri="{FF2B5EF4-FFF2-40B4-BE49-F238E27FC236}">
+                <a16:creationId xmlns:a16="http://schemas.microsoft.com/office/drawing/2014/main" id="{9F70DC8C-12CC-452B-8F34-734FBC31D363}"/>
+              </a:ext>
+            </a:extLst>
+          </p:cNvPr>
+          <p:cNvCxnSpPr/>
+          <p:nvPr/>
+        </p:nvCxnSpPr>
+        <p:spPr>
+          <a:xfrm>
+            <a:off x="-7914" y="6089904"/>
+            <a:ext cx="12199912" cy="0"/>
+          </a:xfrm>
+          <a:prstGeom prst="line">
+            <a:avLst/>
+          </a:prstGeom>
+          <a:ln w="19050">
+            <a:solidFill>
+              <a:schemeClr val="bg2">
+                <a:lumMod val="60000"/>
+                <a:lumOff val="40000"/>
+              </a:schemeClr>
+            </a:solidFill>
+          </a:ln>
+        </p:spPr>
+        <p:style>
+          <a:lnRef idx="1">
+            <a:schemeClr val="accent1"/>
+          </a:lnRef>
+          <a:fillRef idx="0">
+            <a:schemeClr val="accent1"/>
+          </a:fillRef>
+          <a:effectRef idx="0">
+            <a:schemeClr val="accent1"/>
+          </a:effectRef>
+          <a:fontRef idx="minor">
+            <a:schemeClr val="tx1"/>
+          </a:fontRef>
+        </p:style>
+      </p:cxnSp>
+    </p:spTree>
+    <p:extLst>
+      <p:ext uri="{BB962C8B-B14F-4D97-AF65-F5344CB8AC3E}">
+        <p14:creationId xmlns:p14="http://schemas.microsoft.com/office/powerpoint/2010/main" val="795855151"/>
+      </p:ext>
+    </p:extLst>
+  </p:cSld>
+  <p:clrMapOvr>
+    <a:masterClrMapping/>
+  </p:clrMapOvr>
+</p:sld>
+</file>
+
+<file path=ppt/slides/slide15.xml><?xml version="1.0" encoding="utf-8"?>
+<p:sld xmlns:a="http://schemas.openxmlformats.org/drawingml/2006/main" xmlns:r="http://schemas.openxmlformats.org/officeDocument/2006/relationships" xmlns:p="http://schemas.openxmlformats.org/presentationml/2006/main">
+  <p:cSld>
+    <p:bg>
+      <p:bgPr>
+        <a:solidFill>
+          <a:schemeClr val="bg1"/>
+        </a:solidFill>
+        <a:effectLst/>
+      </p:bgPr>
+    </p:bg>
+    <p:spTree>
+      <p:nvGrpSpPr>
+        <p:cNvPr id="1" name=""/>
+        <p:cNvGrpSpPr/>
+        <p:nvPr/>
+      </p:nvGrpSpPr>
+      <p:grpSpPr>
+        <a:xfrm>
+          <a:off x="0" y="0"/>
+          <a:ext cx="0" cy="0"/>
+          <a:chOff x="0" y="0"/>
+          <a:chExt cx="0" cy="0"/>
+        </a:xfrm>
+      </p:grpSpPr>
+      <p:sp>
+        <p:nvSpPr>
+          <p:cNvPr id="27" name="Rectangle 26">
+            <a:extLst>
+              <a:ext uri="{FF2B5EF4-FFF2-40B4-BE49-F238E27FC236}">
+                <a16:creationId xmlns:a16="http://schemas.microsoft.com/office/drawing/2014/main" id="{B3875682-0790-427D-9A23-4B7265F0FA54}"/>
+              </a:ext>
+              <a:ext uri="{C183D7F6-B498-43B3-948B-1728B52AA6E4}">
+                <adec:decorative xmlns:adec="http://schemas.microsoft.com/office/drawing/2017/decorative" val="1"/>
+              </a:ext>
+            </a:extLst>
+          </p:cNvPr>
+          <p:cNvSpPr>
+            <a:spLocks noGrp="1" noRot="1" noChangeAspect="1" noMove="1" noResize="1" noEditPoints="1" noAdjustHandles="1" noChangeArrowheads="1" noChangeShapeType="1" noTextEdit="1"/>
+          </p:cNvSpPr>
+          <p:nvPr>
+            <p:extLst>
+              <p:ext uri="{386F3935-93C4-4BCD-93E2-E3B085C9AB24}">
+                <p16:designElem xmlns:p16="http://schemas.microsoft.com/office/powerpoint/2015/main" val="1"/>
+              </p:ext>
+            </p:extLst>
+          </p:nvPr>
+        </p:nvSpPr>
+        <p:spPr>
+          <a:xfrm>
+            <a:off x="0" y="761999"/>
+            <a:ext cx="9141619" cy="5334001"/>
+          </a:xfrm>
+          <a:prstGeom prst="rect">
+            <a:avLst/>
+          </a:prstGeom>
+          <a:solidFill>
+            <a:schemeClr val="accent1"/>
+          </a:solidFill>
+          <a:ln>
+            <a:noFill/>
+          </a:ln>
+        </p:spPr>
+        <p:style>
+          <a:lnRef idx="2">
+            <a:schemeClr val="accent1">
+              <a:shade val="50000"/>
+            </a:schemeClr>
+          </a:lnRef>
+          <a:fillRef idx="1">
+            <a:schemeClr val="accent1"/>
+          </a:fillRef>
+          <a:effectRef idx="0">
+            <a:schemeClr val="accent1"/>
+          </a:effectRef>
+          <a:fontRef idx="minor">
+            <a:schemeClr val="lt1"/>
+          </a:fontRef>
+        </p:style>
+      </p:sp>
+      <p:sp>
+        <p:nvSpPr>
+          <p:cNvPr id="29" name="Rectangle 28">
+            <a:extLst>
+              <a:ext uri="{FF2B5EF4-FFF2-40B4-BE49-F238E27FC236}">
+                <a16:creationId xmlns:a16="http://schemas.microsoft.com/office/drawing/2014/main" id="{6EDE4AAE-4785-4EA7-95DB-45200F5B8096}"/>
+              </a:ext>
+              <a:ext uri="{C183D7F6-B498-43B3-948B-1728B52AA6E4}">
+                <adec:decorative xmlns:adec="http://schemas.microsoft.com/office/drawing/2017/decorative" val="1"/>
+              </a:ext>
+            </a:extLst>
+          </p:cNvPr>
+          <p:cNvSpPr>
+            <a:spLocks noGrp="1" noRot="1" noChangeAspect="1" noMove="1" noResize="1" noEditPoints="1" noAdjustHandles="1" noChangeArrowheads="1" noChangeShapeType="1" noTextEdit="1"/>
+          </p:cNvSpPr>
+          <p:nvPr>
+            <p:extLst>
+              <p:ext uri="{386F3935-93C4-4BCD-93E2-E3B085C9AB24}">
+                <p16:designElem xmlns:p16="http://schemas.microsoft.com/office/powerpoint/2015/main" val="1"/>
+              </p:ext>
+            </p:extLst>
+          </p:nvPr>
+        </p:nvSpPr>
+        <p:spPr>
+          <a:xfrm>
+            <a:off x="9270263" y="761999"/>
+            <a:ext cx="2925318" cy="5334001"/>
+          </a:xfrm>
+          <a:prstGeom prst="rect">
+            <a:avLst/>
+          </a:prstGeom>
+          <a:solidFill>
+            <a:srgbClr val="C8C8C8">
+              <a:alpha val="49804"/>
+            </a:srgbClr>
+          </a:solidFill>
+          <a:ln>
+            <a:noFill/>
+          </a:ln>
+        </p:spPr>
+        <p:style>
+          <a:lnRef idx="2">
+            <a:schemeClr val="accent1">
+              <a:shade val="50000"/>
+            </a:schemeClr>
+          </a:lnRef>
+          <a:fillRef idx="1">
+            <a:schemeClr val="accent1"/>
+          </a:fillRef>
+          <a:effectRef idx="0">
+            <a:schemeClr val="accent1"/>
+          </a:effectRef>
+          <a:fontRef idx="minor">
+            <a:schemeClr val="lt1"/>
+          </a:fontRef>
+        </p:style>
+      </p:sp>
+      <p:sp useBgFill="1">
+        <p:nvSpPr>
+          <p:cNvPr id="31" name="Rectangle 30">
+            <a:extLst>
+              <a:ext uri="{FF2B5EF4-FFF2-40B4-BE49-F238E27FC236}">
+                <a16:creationId xmlns:a16="http://schemas.microsoft.com/office/drawing/2014/main" id="{EB8AA617-0537-4ED7-91B6-66511A647507}"/>
+              </a:ext>
+              <a:ext uri="{C183D7F6-B498-43B3-948B-1728B52AA6E4}">
+                <adec:decorative xmlns:adec="http://schemas.microsoft.com/office/drawing/2017/decorative" val="1"/>
+              </a:ext>
+            </a:extLst>
+          </p:cNvPr>
+          <p:cNvSpPr>
+            <a:spLocks noGrp="1" noRot="1" noChangeAspect="1" noMove="1" noResize="1" noEditPoints="1" noAdjustHandles="1" noChangeArrowheads="1" noChangeShapeType="1" noTextEdit="1"/>
+          </p:cNvSpPr>
+          <p:nvPr>
+            <p:extLst>
+              <p:ext uri="{386F3935-93C4-4BCD-93E2-E3B085C9AB24}">
+                <p16:designElem xmlns:p16="http://schemas.microsoft.com/office/powerpoint/2015/main" val="1"/>
+              </p:ext>
+            </p:extLst>
+          </p:nvPr>
+        </p:nvSpPr>
+        <p:spPr>
+          <a:xfrm>
+            <a:off x="0" y="0"/>
+            <a:ext cx="12191999" cy="6858000"/>
+          </a:xfrm>
+          <a:prstGeom prst="rect">
+            <a:avLst/>
+          </a:prstGeom>
+          <a:ln>
+            <a:noFill/>
+          </a:ln>
+        </p:spPr>
+        <p:style>
+          <a:lnRef idx="2">
+            <a:schemeClr val="accent1">
+              <a:shade val="50000"/>
+            </a:schemeClr>
+          </a:lnRef>
+          <a:fillRef idx="1">
+            <a:schemeClr val="accent1"/>
+          </a:fillRef>
+          <a:effectRef idx="0">
+            <a:schemeClr val="accent1"/>
+          </a:effectRef>
+          <a:fontRef idx="minor">
+            <a:schemeClr val="lt1"/>
+          </a:fontRef>
+        </p:style>
+        <p:txBody>
+          <a:bodyPr rtlCol="0" anchor="ctr"/>
+          <a:lstStyle/>
+          <a:p>
+            <a:pPr algn="ctr"/>
+            <a:endParaRPr lang="en-US" dirty="0"/>
+          </a:p>
+        </p:txBody>
+      </p:sp>
+      <p:sp>
+        <p:nvSpPr>
+          <p:cNvPr id="33" name="Rectangle 32">
+            <a:extLst>
+              <a:ext uri="{FF2B5EF4-FFF2-40B4-BE49-F238E27FC236}">
+                <a16:creationId xmlns:a16="http://schemas.microsoft.com/office/drawing/2014/main" id="{C2E8BF1F-CE61-45C5-92AC-552D23176C03}"/>
+              </a:ext>
+              <a:ext uri="{C183D7F6-B498-43B3-948B-1728B52AA6E4}">
+                <adec:decorative xmlns:adec="http://schemas.microsoft.com/office/drawing/2017/decorative" val="1"/>
+              </a:ext>
+            </a:extLst>
+          </p:cNvPr>
+          <p:cNvSpPr>
+            <a:spLocks noGrp="1" noRot="1" noChangeAspect="1" noMove="1" noResize="1" noEditPoints="1" noAdjustHandles="1" noChangeArrowheads="1" noChangeShapeType="1" noTextEdit="1"/>
+          </p:cNvSpPr>
+          <p:nvPr>
+            <p:extLst>
+              <p:ext uri="{386F3935-93C4-4BCD-93E2-E3B085C9AB24}">
+                <p16:designElem xmlns:p16="http://schemas.microsoft.com/office/powerpoint/2015/main" val="1"/>
+              </p:ext>
+            </p:extLst>
+          </p:nvPr>
+        </p:nvSpPr>
+        <p:spPr>
+          <a:xfrm>
+            <a:off x="0" y="4367639"/>
+            <a:ext cx="11707367" cy="1852186"/>
+          </a:xfrm>
+          <a:prstGeom prst="rect">
+            <a:avLst/>
+          </a:prstGeom>
+          <a:solidFill>
+            <a:schemeClr val="accent1"/>
+          </a:solidFill>
+          <a:ln>
+            <a:noFill/>
+          </a:ln>
+        </p:spPr>
+        <p:style>
+          <a:lnRef idx="2">
+            <a:schemeClr val="accent1">
+              <a:shade val="50000"/>
+            </a:schemeClr>
+          </a:lnRef>
+          <a:fillRef idx="1">
+            <a:schemeClr val="accent1"/>
+          </a:fillRef>
+          <a:effectRef idx="0">
+            <a:schemeClr val="accent1"/>
+          </a:effectRef>
+          <a:fontRef idx="minor">
+            <a:schemeClr val="lt1"/>
+          </a:fontRef>
+        </p:style>
+      </p:sp>
+      <p:sp>
+        <p:nvSpPr>
+          <p:cNvPr id="4" name="Title 3">
+            <a:extLst>
+              <a:ext uri="{FF2B5EF4-FFF2-40B4-BE49-F238E27FC236}">
+                <a16:creationId xmlns:a16="http://schemas.microsoft.com/office/drawing/2014/main" id="{24063DA0-2F33-304A-B21C-735EE066A8D9}"/>
+              </a:ext>
+            </a:extLst>
+          </p:cNvPr>
+          <p:cNvSpPr>
+            <a:spLocks noGrp="1"/>
+          </p:cNvSpPr>
+          <p:nvPr>
+            <p:ph type="title"/>
+          </p:nvPr>
+        </p:nvSpPr>
+        <p:spPr>
+          <a:xfrm>
+            <a:off x="1069848" y="4782054"/>
+            <a:ext cx="10210862" cy="1065690"/>
+          </a:xfrm>
+        </p:spPr>
+        <p:txBody>
+          <a:bodyPr vert="horz" lIns="91440" tIns="45720" rIns="91440" bIns="45720" rtlCol="0" anchor="b">
+            <a:normAutofit fontScale="90000"/>
+          </a:bodyPr>
+          <a:lstStyle/>
+          <a:p>
+            <a:r>
+              <a:rPr lang="en-US" sz="5000" b="1" cap="all" spc="-100" dirty="0"/>
+              <a:t>Sales Price </a:t>
+            </a:r>
+            <a:r>
+              <a:rPr lang="en-US" sz="5000" b="1" cap="small" spc="-100" dirty="0"/>
+              <a:t>vs</a:t>
+            </a:r>
+            <a:r>
+              <a:rPr lang="en-US" sz="5000" b="1" cap="all" spc="-100" dirty="0"/>
+              <a:t> Property Crime and Violent Crime</a:t>
+            </a:r>
+          </a:p>
+        </p:txBody>
+      </p:sp>
+      <p:sp>
+        <p:nvSpPr>
+          <p:cNvPr id="7" name="Rectangle 6">
+            <a:extLst>
+              <a:ext uri="{FF2B5EF4-FFF2-40B4-BE49-F238E27FC236}">
+                <a16:creationId xmlns:a16="http://schemas.microsoft.com/office/drawing/2014/main" id="{1BA10EEF-41F6-B944-B371-9708FBBF1100}"/>
+              </a:ext>
+            </a:extLst>
+          </p:cNvPr>
+          <p:cNvSpPr/>
+          <p:nvPr/>
+        </p:nvSpPr>
+        <p:spPr>
+          <a:xfrm>
+            <a:off x="5980422" y="5455387"/>
+            <a:ext cx="231154" cy="723275"/>
+          </a:xfrm>
+          <a:prstGeom prst="rect">
+            <a:avLst/>
+          </a:prstGeom>
+        </p:spPr>
+        <p:txBody>
+          <a:bodyPr wrap="none">
+            <a:spAutoFit/>
+          </a:bodyPr>
+          <a:lstStyle/>
+          <a:p>
+            <a:pPr algn="ctr">
+              <a:spcAft>
+                <a:spcPts val="600"/>
+              </a:spcAft>
+            </a:pPr>
+            <a:r>
+              <a:rPr lang="en-US" dirty="0"/>
+              <a:t> </a:t>
+            </a:r>
+            <a:endParaRPr lang="en-US"/>
+          </a:p>
+          <a:p>
+            <a:pPr algn="ctr">
+              <a:spcAft>
+                <a:spcPts val="600"/>
+              </a:spcAft>
+            </a:pPr>
+            <a:endParaRPr lang="en-US"/>
+          </a:p>
+        </p:txBody>
+      </p:sp>
+      <p:pic>
+        <p:nvPicPr>
+          <p:cNvPr id="24" name="Picture 23" descr="A close up of a piece of paper&#10;&#10;Description automatically generated">
+            <a:extLst>
+              <a:ext uri="{FF2B5EF4-FFF2-40B4-BE49-F238E27FC236}">
+                <a16:creationId xmlns:a16="http://schemas.microsoft.com/office/drawing/2014/main" id="{4C051068-247D-47A9-A768-2BA811229743}"/>
+              </a:ext>
+            </a:extLst>
+          </p:cNvPr>
+          <p:cNvPicPr>
+            <a:picLocks noChangeAspect="1"/>
+          </p:cNvPicPr>
+          <p:nvPr/>
+        </p:nvPicPr>
+        <p:blipFill rotWithShape="1">
+          <a:blip r:embed="rId3"/>
+          <a:srcRect l="5394" t="3085" r="7467" b="-1"/>
+          <a:stretch/>
+        </p:blipFill>
+        <p:spPr>
+          <a:xfrm>
+            <a:off x="15555" y="505121"/>
+            <a:ext cx="6050714" cy="3407594"/>
+          </a:xfrm>
+          <a:prstGeom prst="rect">
+            <a:avLst/>
+          </a:prstGeom>
+          <a:ln>
+            <a:noFill/>
+          </a:ln>
+        </p:spPr>
+      </p:pic>
+      <p:pic>
+        <p:nvPicPr>
+          <p:cNvPr id="26" name="Picture 25" descr="A screenshot of a cell phone&#10;&#10;Description automatically generated">
+            <a:extLst>
+              <a:ext uri="{FF2B5EF4-FFF2-40B4-BE49-F238E27FC236}">
+                <a16:creationId xmlns:a16="http://schemas.microsoft.com/office/drawing/2014/main" id="{147539F5-1660-4D8E-9B27-E167F1C96290}"/>
+              </a:ext>
+            </a:extLst>
+          </p:cNvPr>
+          <p:cNvPicPr>
+            <a:picLocks noChangeAspect="1"/>
+          </p:cNvPicPr>
+          <p:nvPr/>
+        </p:nvPicPr>
+        <p:blipFill rotWithShape="1">
+          <a:blip r:embed="rId4"/>
+          <a:srcRect l="5214" t="4511" r="8372"/>
+          <a:stretch/>
+        </p:blipFill>
+        <p:spPr>
+          <a:xfrm>
+            <a:off x="6267205" y="547653"/>
+            <a:ext cx="5859944" cy="3365062"/>
+          </a:xfrm>
+          <a:prstGeom prst="rect">
+            <a:avLst/>
+          </a:prstGeom>
+          <a:ln>
+            <a:noFill/>
+          </a:ln>
+        </p:spPr>
+      </p:pic>
+      <p:sp>
+        <p:nvSpPr>
+          <p:cNvPr id="28" name="TextBox 27">
+            <a:extLst>
+              <a:ext uri="{FF2B5EF4-FFF2-40B4-BE49-F238E27FC236}">
+                <a16:creationId xmlns:a16="http://schemas.microsoft.com/office/drawing/2014/main" id="{91A6E864-378C-48E9-8C9A-670BFAE74B91}"/>
+              </a:ext>
+            </a:extLst>
+          </p:cNvPr>
+          <p:cNvSpPr txBox="1"/>
+          <p:nvPr/>
+        </p:nvSpPr>
+        <p:spPr>
+          <a:xfrm>
+            <a:off x="4816549" y="164940"/>
+            <a:ext cx="3678865" cy="646331"/>
+          </a:xfrm>
+          <a:prstGeom prst="rect">
+            <a:avLst/>
+          </a:prstGeom>
+          <a:noFill/>
+        </p:spPr>
+        <p:txBody>
+          <a:bodyPr wrap="square" rtlCol="0">
+            <a:spAutoFit/>
+          </a:bodyPr>
+          <a:lstStyle/>
+          <a:p>
+            <a:r>
+              <a:rPr lang="en-US" b="1" dirty="0">
+                <a:solidFill>
+                  <a:srgbClr val="FF0000"/>
+                </a:solidFill>
+              </a:rPr>
+              <a:t>Placeholder image – need to update with updated chart titles</a:t>
+            </a:r>
+          </a:p>
+        </p:txBody>
+      </p:sp>
+    </p:spTree>
+    <p:extLst>
+      <p:ext uri="{BB962C8B-B14F-4D97-AF65-F5344CB8AC3E}">
+        <p14:creationId xmlns:p14="http://schemas.microsoft.com/office/powerpoint/2010/main" val="4054935177"/>
+      </p:ext>
+    </p:extLst>
+  </p:cSld>
+  <p:clrMapOvr>
+    <a:masterClrMapping/>
+  </p:clrMapOvr>
+</p:sld>
+</file>
+
+<file path=ppt/slides/slide16.xml><?xml version="1.0" encoding="utf-8"?>
+<p:sld xmlns:a="http://schemas.openxmlformats.org/drawingml/2006/main" xmlns:r="http://schemas.openxmlformats.org/officeDocument/2006/relationships" xmlns:p="http://schemas.openxmlformats.org/presentationml/2006/main">
+  <p:cSld>
+    <p:bg>
+      <p:bgPr>
+        <a:solidFill>
+          <a:schemeClr val="bg1"/>
+        </a:solidFill>
+        <a:effectLst/>
+      </p:bgPr>
+    </p:bg>
+    <p:spTree>
+      <p:nvGrpSpPr>
+        <p:cNvPr id="1" name=""/>
+        <p:cNvGrpSpPr/>
+        <p:nvPr/>
+      </p:nvGrpSpPr>
+      <p:grpSpPr>
+        <a:xfrm>
+          <a:off x="0" y="0"/>
+          <a:ext cx="0" cy="0"/>
+          <a:chOff x="0" y="0"/>
+          <a:chExt cx="0" cy="0"/>
+        </a:xfrm>
+      </p:grpSpPr>
+      <p:sp>
+        <p:nvSpPr>
+          <p:cNvPr id="43" name="Rectangle 42">
+            <a:extLst>
+              <a:ext uri="{FF2B5EF4-FFF2-40B4-BE49-F238E27FC236}">
+                <a16:creationId xmlns:a16="http://schemas.microsoft.com/office/drawing/2014/main" id="{40DCEEEA-6FE7-4541-9EB2-EF754066EE9B}"/>
+              </a:ext>
+              <a:ext uri="{C183D7F6-B498-43B3-948B-1728B52AA6E4}">
+                <adec:decorative xmlns:adec="http://schemas.microsoft.com/office/drawing/2017/decorative" val="1"/>
+              </a:ext>
+            </a:extLst>
+          </p:cNvPr>
+          <p:cNvSpPr>
+            <a:spLocks noGrp="1" noRot="1" noChangeAspect="1" noMove="1" noResize="1" noEditPoints="1" noAdjustHandles="1" noChangeArrowheads="1" noChangeShapeType="1" noTextEdit="1"/>
+          </p:cNvSpPr>
+          <p:nvPr>
+            <p:extLst>
+              <p:ext uri="{386F3935-93C4-4BCD-93E2-E3B085C9AB24}">
+                <p16:designElem xmlns:p16="http://schemas.microsoft.com/office/powerpoint/2015/main" val="1"/>
+              </p:ext>
+            </p:extLst>
+          </p:nvPr>
+        </p:nvSpPr>
+        <p:spPr>
+          <a:xfrm>
+            <a:off x="1" y="758952"/>
+            <a:ext cx="3443590" cy="5330952"/>
+          </a:xfrm>
+          <a:prstGeom prst="rect">
+            <a:avLst/>
+          </a:prstGeom>
+          <a:solidFill>
+            <a:schemeClr val="accent1"/>
+          </a:solidFill>
+          <a:ln>
+            <a:noFill/>
+          </a:ln>
+        </p:spPr>
+        <p:style>
+          <a:lnRef idx="2">
+            <a:schemeClr val="accent1">
+              <a:shade val="50000"/>
+            </a:schemeClr>
+          </a:lnRef>
+          <a:fillRef idx="1">
+            <a:schemeClr val="accent1"/>
+          </a:fillRef>
+          <a:effectRef idx="0">
+            <a:schemeClr val="accent1"/>
+          </a:effectRef>
+          <a:fontRef idx="minor">
+            <a:schemeClr val="lt1"/>
+          </a:fontRef>
+        </p:style>
+      </p:sp>
+      <p:sp>
+        <p:nvSpPr>
+          <p:cNvPr id="45" name="Rectangle 44">
+            <a:extLst>
+              <a:ext uri="{FF2B5EF4-FFF2-40B4-BE49-F238E27FC236}">
+                <a16:creationId xmlns:a16="http://schemas.microsoft.com/office/drawing/2014/main" id="{03A72D00-0CA4-4A88-86CE-B1FB393C52C2}"/>
+              </a:ext>
+              <a:ext uri="{C183D7F6-B498-43B3-948B-1728B52AA6E4}">
+                <adec:decorative xmlns:adec="http://schemas.microsoft.com/office/drawing/2017/decorative" val="1"/>
+              </a:ext>
+            </a:extLst>
+          </p:cNvPr>
+          <p:cNvSpPr>
+            <a:spLocks noGrp="1" noRot="1" noChangeAspect="1" noMove="1" noResize="1" noEditPoints="1" noAdjustHandles="1" noChangeArrowheads="1" noChangeShapeType="1" noTextEdit="1"/>
+          </p:cNvSpPr>
+          <p:nvPr>
+            <p:extLst>
+              <p:ext uri="{386F3935-93C4-4BCD-93E2-E3B085C9AB24}">
+                <p16:designElem xmlns:p16="http://schemas.microsoft.com/office/powerpoint/2015/main" val="1"/>
+              </p:ext>
+            </p:extLst>
+          </p:nvPr>
+        </p:nvSpPr>
+        <p:spPr>
+          <a:xfrm>
+            <a:off x="11815864" y="758952"/>
+            <a:ext cx="384048" cy="5330952"/>
+          </a:xfrm>
+          <a:prstGeom prst="rect">
+            <a:avLst/>
+          </a:prstGeom>
+          <a:solidFill>
+            <a:srgbClr val="C8C8C8">
+              <a:alpha val="49804"/>
+            </a:srgbClr>
+          </a:solidFill>
+          <a:ln>
+            <a:noFill/>
+          </a:ln>
+        </p:spPr>
+        <p:style>
+          <a:lnRef idx="2">
+            <a:schemeClr val="accent1">
+              <a:shade val="50000"/>
+            </a:schemeClr>
+          </a:lnRef>
+          <a:fillRef idx="1">
+            <a:schemeClr val="accent1"/>
+          </a:fillRef>
+          <a:effectRef idx="0">
+            <a:schemeClr val="accent1"/>
+          </a:effectRef>
+          <a:fontRef idx="minor">
+            <a:schemeClr val="lt1"/>
+          </a:fontRef>
+        </p:style>
+      </p:sp>
+      <p:sp useBgFill="1">
+        <p:nvSpPr>
+          <p:cNvPr id="47" name="Rectangle 46">
+            <a:extLst>
+              <a:ext uri="{FF2B5EF4-FFF2-40B4-BE49-F238E27FC236}">
+                <a16:creationId xmlns:a16="http://schemas.microsoft.com/office/drawing/2014/main" id="{A1DFCBE5-52C1-48A9-89CF-E7D68CCA1620}"/>
+              </a:ext>
+              <a:ext uri="{C183D7F6-B498-43B3-948B-1728B52AA6E4}">
+                <adec:decorative xmlns:adec="http://schemas.microsoft.com/office/drawing/2017/decorative" val="1"/>
+              </a:ext>
+            </a:extLst>
+          </p:cNvPr>
+          <p:cNvSpPr>
+            <a:spLocks noGrp="1" noRot="1" noChangeAspect="1" noMove="1" noResize="1" noEditPoints="1" noAdjustHandles="1" noChangeArrowheads="1" noChangeShapeType="1" noTextEdit="1"/>
+          </p:cNvSpPr>
+          <p:nvPr>
+            <p:extLst>
+              <p:ext uri="{386F3935-93C4-4BCD-93E2-E3B085C9AB24}">
+                <p16:designElem xmlns:p16="http://schemas.microsoft.com/office/powerpoint/2015/main" val="1"/>
+              </p:ext>
+            </p:extLst>
+          </p:nvPr>
+        </p:nvSpPr>
+        <p:spPr>
+          <a:xfrm>
+            <a:off x="0" y="0"/>
+            <a:ext cx="12188952" cy="6858000"/>
+          </a:xfrm>
+          <a:prstGeom prst="rect">
+            <a:avLst/>
+          </a:prstGeom>
+          <a:ln>
+            <a:noFill/>
+          </a:ln>
+        </p:spPr>
+        <p:style>
+          <a:lnRef idx="2">
+            <a:schemeClr val="accent1">
+              <a:shade val="50000"/>
+            </a:schemeClr>
+          </a:lnRef>
+          <a:fillRef idx="1">
+            <a:schemeClr val="accent1"/>
+          </a:fillRef>
+          <a:effectRef idx="0">
+            <a:schemeClr val="accent1"/>
+          </a:effectRef>
+          <a:fontRef idx="minor">
+            <a:schemeClr val="lt1"/>
+          </a:fontRef>
+        </p:style>
+        <p:txBody>
+          <a:bodyPr rtlCol="0" anchor="ctr"/>
+          <a:lstStyle/>
+          <a:p>
+            <a:pPr algn="ctr"/>
+            <a:endParaRPr lang="en-US"/>
+          </a:p>
+        </p:txBody>
+      </p:sp>
+      <p:sp>
+        <p:nvSpPr>
+          <p:cNvPr id="49" name="Rectangle 48">
+            <a:extLst>
+              <a:ext uri="{FF2B5EF4-FFF2-40B4-BE49-F238E27FC236}">
+                <a16:creationId xmlns:a16="http://schemas.microsoft.com/office/drawing/2014/main" id="{EB17C8F6-D357-4254-BBAC-96B01EEBE162}"/>
+              </a:ext>
+              <a:ext uri="{C183D7F6-B498-43B3-948B-1728B52AA6E4}">
+                <adec:decorative xmlns:adec="http://schemas.microsoft.com/office/drawing/2017/decorative" val="1"/>
+              </a:ext>
+            </a:extLst>
+          </p:cNvPr>
+          <p:cNvSpPr>
+            <a:spLocks noGrp="1" noRot="1" noChangeAspect="1" noMove="1" noResize="1" noEditPoints="1" noAdjustHandles="1" noChangeArrowheads="1" noChangeShapeType="1" noTextEdit="1"/>
+          </p:cNvSpPr>
+          <p:nvPr>
+            <p:extLst>
+              <p:ext uri="{386F3935-93C4-4BCD-93E2-E3B085C9AB24}">
+                <p16:designElem xmlns:p16="http://schemas.microsoft.com/office/powerpoint/2015/main" val="1"/>
+              </p:ext>
+            </p:extLst>
+          </p:nvPr>
+        </p:nvSpPr>
+        <p:spPr>
+          <a:xfrm>
+            <a:off x="0" y="3647203"/>
+            <a:ext cx="11707367" cy="2572622"/>
+          </a:xfrm>
+          <a:prstGeom prst="rect">
+            <a:avLst/>
+          </a:prstGeom>
+          <a:solidFill>
+            <a:schemeClr val="accent1"/>
+          </a:solidFill>
+          <a:ln>
+            <a:noFill/>
+          </a:ln>
+        </p:spPr>
+        <p:style>
+          <a:lnRef idx="2">
+            <a:schemeClr val="accent1">
+              <a:shade val="50000"/>
+            </a:schemeClr>
+          </a:lnRef>
+          <a:fillRef idx="1">
+            <a:schemeClr val="accent1"/>
+          </a:fillRef>
+          <a:effectRef idx="0">
+            <a:schemeClr val="accent1"/>
+          </a:effectRef>
+          <a:fontRef idx="minor">
+            <a:schemeClr val="lt1"/>
+          </a:fontRef>
+        </p:style>
+      </p:sp>
+      <p:sp>
+        <p:nvSpPr>
+          <p:cNvPr id="2" name="Title 1">
+            <a:extLst>
+              <a:ext uri="{FF2B5EF4-FFF2-40B4-BE49-F238E27FC236}">
+                <a16:creationId xmlns:a16="http://schemas.microsoft.com/office/drawing/2014/main" id="{65AD695B-C110-4403-BC2E-272D1A1B8DF6}"/>
+              </a:ext>
+            </a:extLst>
+          </p:cNvPr>
+          <p:cNvSpPr>
+            <a:spLocks noGrp="1"/>
+          </p:cNvSpPr>
+          <p:nvPr>
+            <p:ph type="title"/>
+          </p:nvPr>
+        </p:nvSpPr>
+        <p:spPr>
+          <a:xfrm>
+            <a:off x="30647" y="4049486"/>
+            <a:ext cx="11473781" cy="1883228"/>
+          </a:xfrm>
+        </p:spPr>
+        <p:txBody>
+          <a:bodyPr vert="horz" lIns="91440" tIns="45720" rIns="91440" bIns="45720" rtlCol="0" anchor="ctr">
+            <a:normAutofit/>
+          </a:bodyPr>
+          <a:lstStyle/>
+          <a:p>
+            <a:pPr algn="r"/>
+            <a:r>
+              <a:rPr lang="en-US" sz="4400" cap="all" dirty="0"/>
+              <a:t>Housing Units Sold by Price </a:t>
+            </a:r>
+            <a:r>
+              <a:rPr lang="en-US" sz="4400" cap="small" dirty="0"/>
+              <a:t>vs</a:t>
+            </a:r>
+            <a:r>
+              <a:rPr lang="en-US" sz="4400" cap="all" dirty="0"/>
+              <a:t> Crime Rate</a:t>
+            </a:r>
+          </a:p>
+        </p:txBody>
+      </p:sp>
+      <p:pic>
+        <p:nvPicPr>
+          <p:cNvPr id="18" name="Picture 17" descr="A close up of a map&#10;&#10;Description automatically generated">
+            <a:extLst>
+              <a:ext uri="{FF2B5EF4-FFF2-40B4-BE49-F238E27FC236}">
+                <a16:creationId xmlns:a16="http://schemas.microsoft.com/office/drawing/2014/main" id="{82AA2E05-7F36-4BF2-BBE8-4C4B251F48DA}"/>
+              </a:ext>
+            </a:extLst>
+          </p:cNvPr>
+          <p:cNvPicPr>
+            <a:picLocks noChangeAspect="1"/>
+          </p:cNvPicPr>
+          <p:nvPr/>
+        </p:nvPicPr>
+        <p:blipFill>
+          <a:blip r:embed="rId2"/>
+          <a:stretch>
+            <a:fillRect/>
+          </a:stretch>
+        </p:blipFill>
+        <p:spPr>
+          <a:xfrm>
+            <a:off x="30647" y="811728"/>
+            <a:ext cx="3956493" cy="2637662"/>
+          </a:xfrm>
+          <a:prstGeom prst="rect">
+            <a:avLst/>
+          </a:prstGeom>
+        </p:spPr>
+      </p:pic>
+      <p:pic>
+        <p:nvPicPr>
+          <p:cNvPr id="14" name="Content Placeholder 13" descr="A screenshot of a cell phone&#10;&#10;Description automatically generated">
+            <a:extLst>
+              <a:ext uri="{FF2B5EF4-FFF2-40B4-BE49-F238E27FC236}">
+                <a16:creationId xmlns:a16="http://schemas.microsoft.com/office/drawing/2014/main" id="{654CCB18-2262-4A25-8092-D75C66327E7D}"/>
+              </a:ext>
+            </a:extLst>
+          </p:cNvPr>
+          <p:cNvPicPr>
+            <a:picLocks noGrp="1" noChangeAspect="1"/>
+          </p:cNvPicPr>
+          <p:nvPr>
+            <p:ph sz="half" idx="1"/>
+          </p:nvPr>
+        </p:nvPicPr>
+        <p:blipFill>
+          <a:blip r:embed="rId3"/>
+          <a:stretch>
+            <a:fillRect/>
+          </a:stretch>
+        </p:blipFill>
+        <p:spPr>
+          <a:xfrm>
+            <a:off x="4092474" y="852351"/>
+            <a:ext cx="3956493" cy="2637662"/>
+          </a:xfrm>
+          <a:prstGeom prst="rect">
+            <a:avLst/>
+          </a:prstGeom>
+        </p:spPr>
+      </p:pic>
+      <p:pic>
+        <p:nvPicPr>
+          <p:cNvPr id="16" name="Content Placeholder 15" descr="A close up of a logo&#10;&#10;Description automatically generated">
+            <a:extLst>
+              <a:ext uri="{FF2B5EF4-FFF2-40B4-BE49-F238E27FC236}">
+                <a16:creationId xmlns:a16="http://schemas.microsoft.com/office/drawing/2014/main" id="{491D5911-EB26-4FD6-A446-AB16C4F5092A}"/>
+              </a:ext>
+            </a:extLst>
+          </p:cNvPr>
+          <p:cNvPicPr>
+            <a:picLocks noChangeAspect="1"/>
+          </p:cNvPicPr>
+          <p:nvPr/>
+        </p:nvPicPr>
+        <p:blipFill>
+          <a:blip r:embed="rId4"/>
+          <a:stretch>
+            <a:fillRect/>
+          </a:stretch>
+        </p:blipFill>
+        <p:spPr>
+          <a:xfrm>
+            <a:off x="8238562" y="854260"/>
+            <a:ext cx="3871173" cy="2580782"/>
+          </a:xfrm>
+          <a:prstGeom prst="rect">
+            <a:avLst/>
+          </a:prstGeom>
+        </p:spPr>
+      </p:pic>
+      <p:sp>
+        <p:nvSpPr>
+          <p:cNvPr id="19" name="TextBox 18">
+            <a:extLst>
+              <a:ext uri="{FF2B5EF4-FFF2-40B4-BE49-F238E27FC236}">
+                <a16:creationId xmlns:a16="http://schemas.microsoft.com/office/drawing/2014/main" id="{D8DBD85C-0A82-4ACD-BDD0-F0BB8F69F8A7}"/>
+              </a:ext>
+            </a:extLst>
+          </p:cNvPr>
+          <p:cNvSpPr txBox="1"/>
+          <p:nvPr/>
+        </p:nvSpPr>
+        <p:spPr>
+          <a:xfrm>
+            <a:off x="308275" y="158588"/>
+            <a:ext cx="3678865" cy="646331"/>
+          </a:xfrm>
+          <a:prstGeom prst="rect">
+            <a:avLst/>
+          </a:prstGeom>
+          <a:noFill/>
+        </p:spPr>
+        <p:txBody>
+          <a:bodyPr wrap="square" rtlCol="0">
+            <a:spAutoFit/>
+          </a:bodyPr>
+          <a:lstStyle/>
+          <a:p>
+            <a:r>
+              <a:rPr lang="en-US" b="1" dirty="0">
+                <a:solidFill>
+                  <a:srgbClr val="FF0000"/>
+                </a:solidFill>
+              </a:rPr>
+              <a:t>Placeholder image – need to update with updated X axis</a:t>
+            </a:r>
+          </a:p>
+        </p:txBody>
+      </p:sp>
+      <p:sp>
+        <p:nvSpPr>
+          <p:cNvPr id="20" name="TextBox 19">
+            <a:extLst>
+              <a:ext uri="{FF2B5EF4-FFF2-40B4-BE49-F238E27FC236}">
+                <a16:creationId xmlns:a16="http://schemas.microsoft.com/office/drawing/2014/main" id="{AA093609-E779-48C4-A280-E8025D5C5830}"/>
+              </a:ext>
+            </a:extLst>
+          </p:cNvPr>
+          <p:cNvSpPr txBox="1"/>
+          <p:nvPr/>
+        </p:nvSpPr>
+        <p:spPr>
+          <a:xfrm>
+            <a:off x="6826223" y="214176"/>
+            <a:ext cx="3871173" cy="646331"/>
+          </a:xfrm>
+          <a:prstGeom prst="rect">
+            <a:avLst/>
+          </a:prstGeom>
+          <a:noFill/>
+        </p:spPr>
+        <p:txBody>
+          <a:bodyPr wrap="square" rtlCol="0">
+            <a:spAutoFit/>
+          </a:bodyPr>
+          <a:lstStyle/>
+          <a:p>
+            <a:r>
+              <a:rPr lang="en-US" b="1" dirty="0">
+                <a:solidFill>
+                  <a:srgbClr val="FF0000"/>
+                </a:solidFill>
+              </a:rPr>
+              <a:t>Consider displaying only 2 images for space – less than 300K and 300-500k</a:t>
+            </a:r>
+          </a:p>
+        </p:txBody>
+      </p:sp>
+    </p:spTree>
+    <p:extLst>
+      <p:ext uri="{BB962C8B-B14F-4D97-AF65-F5344CB8AC3E}">
+        <p14:creationId xmlns:p14="http://schemas.microsoft.com/office/powerpoint/2010/main" val="159454353"/>
+      </p:ext>
+    </p:extLst>
+  </p:cSld>
+  <p:clrMapOvr>
+    <a:masterClrMapping/>
+  </p:clrMapOvr>
+</p:sld>
+</file>
+
+<file path=ppt/slides/slide17.xml><?xml version="1.0" encoding="utf-8"?>
+<p:sld xmlns:a="http://schemas.openxmlformats.org/drawingml/2006/main" xmlns:r="http://schemas.openxmlformats.org/officeDocument/2006/relationships" xmlns:p="http://schemas.openxmlformats.org/presentationml/2006/main">
+  <p:cSld>
+    <p:bg>
+      <p:bgPr>
+        <a:solidFill>
+          <a:schemeClr val="bg1"/>
+        </a:solidFill>
+        <a:effectLst/>
+      </p:bgPr>
+    </p:bg>
+    <p:spTree>
+      <p:nvGrpSpPr>
+        <p:cNvPr id="1" name=""/>
+        <p:cNvGrpSpPr/>
+        <p:nvPr/>
+      </p:nvGrpSpPr>
+      <p:grpSpPr>
+        <a:xfrm>
+          <a:off x="0" y="0"/>
+          <a:ext cx="0" cy="0"/>
+          <a:chOff x="0" y="0"/>
+          <a:chExt cx="0" cy="0"/>
+        </a:xfrm>
+      </p:grpSpPr>
+      <p:sp>
+        <p:nvSpPr>
           <p:cNvPr id="67" name="Rectangle 49">
             <a:extLst>
               <a:ext uri="{FF2B5EF4-FFF2-40B4-BE49-F238E27FC236}">
@@ -10838,6 +13164,45 @@
           </a:p>
         </p:txBody>
       </p:sp>
+      <p:sp>
+        <p:nvSpPr>
+          <p:cNvPr id="3" name="TextBox 2">
+            <a:extLst>
+              <a:ext uri="{FF2B5EF4-FFF2-40B4-BE49-F238E27FC236}">
+                <a16:creationId xmlns:a16="http://schemas.microsoft.com/office/drawing/2014/main" id="{1BAA99F2-80F1-4F83-934A-21B39CCA245E}"/>
+              </a:ext>
+            </a:extLst>
+          </p:cNvPr>
+          <p:cNvSpPr txBox="1"/>
+          <p:nvPr/>
+        </p:nvSpPr>
+        <p:spPr>
+          <a:xfrm>
+            <a:off x="4070756" y="56311"/>
+            <a:ext cx="3678865" cy="646331"/>
+          </a:xfrm>
+          <a:prstGeom prst="rect">
+            <a:avLst/>
+          </a:prstGeom>
+          <a:noFill/>
+        </p:spPr>
+        <p:txBody>
+          <a:bodyPr wrap="square" rtlCol="0">
+            <a:spAutoFit/>
+          </a:bodyPr>
+          <a:lstStyle/>
+          <a:p>
+            <a:r>
+              <a:rPr lang="en-US" b="1" dirty="0">
+                <a:solidFill>
+                  <a:srgbClr val="FF0000"/>
+                </a:solidFill>
+              </a:rPr>
+              <a:t>Need to update slide with latest summary details and wrap up info</a:t>
+            </a:r>
+          </a:p>
+        </p:txBody>
+      </p:sp>
     </p:spTree>
     <p:extLst>
       <p:ext uri="{BB962C8B-B14F-4D97-AF65-F5344CB8AC3E}">
@@ -10851,7 +13216,7 @@
 </p:sld>
 </file>
 
-<file path=ppt/slides/slide14.xml><?xml version="1.0" encoding="utf-8"?>
+<file path=ppt/slides/slide18.xml><?xml version="1.0" encoding="utf-8"?>
 <p:sld xmlns:a="http://schemas.openxmlformats.org/drawingml/2006/main" xmlns:r="http://schemas.openxmlformats.org/officeDocument/2006/relationships" xmlns:p="http://schemas.openxmlformats.org/presentationml/2006/main">
   <p:cSld>
     <p:bg>
@@ -11816,7 +14181,7 @@
             <a:fld id="{8C2E478F-E849-4A8C-AF1F-CBCC78A7CBFA}" type="slidenum">
               <a:rPr lang="en-US" smtClean="0"/>
               <a:pPr/>
-              <a:t>14</a:t>
+              <a:t>18</a:t>
             </a:fld>
             <a:endParaRPr lang="en-US" dirty="0"/>
           </a:p>
@@ -12239,7 +14604,7 @@
                 <a:latin typeface="Arial" panose="020B0604020202020204" pitchFamily="34" charset="0"/>
                 <a:cs typeface="Arial" panose="020B0604020202020204" pitchFamily="34" charset="0"/>
               </a:rPr>
-              <a:t>This project is intended to be used as baseline for understanding the housing market economy and the impact of crime on property values across Texas cities by population.</a:t>
+              <a:t>This project is intended to be used as baseline for understanding the housing market economy and the impact of crime on property values across the Houston metropolitan area by population.</a:t>
             </a:r>
           </a:p>
           <a:p>
@@ -12273,7 +14638,7 @@
         </p:nvSpPr>
         <p:spPr>
           <a:xfrm>
-            <a:off x="1504354" y="3810775"/>
+            <a:off x="1546886" y="3917105"/>
             <a:ext cx="1548822" cy="2246769"/>
           </a:xfrm>
           <a:prstGeom prst="rect">
@@ -13221,7 +15586,7 @@
                 <a:latin typeface="Arial" panose="020B0604020202020204" pitchFamily="34" charset="0"/>
                 <a:cs typeface="Arial" panose="020B0604020202020204" pitchFamily="34" charset="0"/>
               </a:rPr>
-              <a:t>Is there a correlation between average or median sales price and the average or median crime rate crime?</a:t>
+              <a:t>Is there a correlation between average or median sales price and the average crime rate crime?</a:t>
             </a:r>
           </a:p>
           <a:p>
@@ -13245,7 +15610,17 @@
                 <a:latin typeface="Arial" panose="020B0604020202020204" pitchFamily="34" charset="0"/>
                 <a:cs typeface="Arial" panose="020B0604020202020204" pitchFamily="34" charset="0"/>
               </a:rPr>
-              <a:t>What is the effect of city demographics on median price and crime rates?</a:t>
+              <a:t>What is the effect of city demographics on median price and crime rates? </a:t>
+            </a:r>
+            <a:r>
+              <a:rPr lang="en-US" b="1" dirty="0">
+                <a:solidFill>
+                  <a:srgbClr val="FF0000"/>
+                </a:solidFill>
+                <a:latin typeface="Arial" panose="020B0604020202020204" pitchFamily="34" charset="0"/>
+                <a:cs typeface="Arial" panose="020B0604020202020204" pitchFamily="34" charset="0"/>
+              </a:rPr>
+              <a:t>Did we really look at demographics in our study?  Should this be removed or edited?</a:t>
             </a:r>
           </a:p>
           <a:p>
@@ -13291,41 +15666,436 @@
           <a:chExt cx="0" cy="0"/>
         </a:xfrm>
       </p:grpSpPr>
-      <p:pic>
-        <p:nvPicPr>
-          <p:cNvPr id="4" name="Picture 3" descr="A close up of a map&#10;&#10;Description automatically generated">
+      <p:sp useBgFill="1">
+        <p:nvSpPr>
+          <p:cNvPr id="20" name="Rectangle 19">
             <a:extLst>
               <a:ext uri="{FF2B5EF4-FFF2-40B4-BE49-F238E27FC236}">
-                <a16:creationId xmlns:a16="http://schemas.microsoft.com/office/drawing/2014/main" id="{0B93855C-1812-473F-9DE7-0AACA02649FE}"/>
+                <a16:creationId xmlns:a16="http://schemas.microsoft.com/office/drawing/2014/main" id="{29DC5A77-10C9-4ECF-B7EB-8D917F36A9EE}"/>
+              </a:ext>
+              <a:ext uri="{C183D7F6-B498-43B3-948B-1728B52AA6E4}">
+                <adec:decorative xmlns:adec="http://schemas.microsoft.com/office/drawing/2017/decorative" val="1"/>
               </a:ext>
             </a:extLst>
           </p:cNvPr>
-          <p:cNvPicPr>
-            <a:picLocks noChangeAspect="1"/>
-          </p:cNvPicPr>
-          <p:nvPr/>
-        </p:nvPicPr>
-        <p:blipFill rotWithShape="1">
-          <a:blip r:embed="rId3"/>
-          <a:srcRect l="6407" t="6366" r="7466" b="5609"/>
-          <a:stretch/>
-        </p:blipFill>
+          <p:cNvSpPr>
+            <a:spLocks noGrp="1" noRot="1" noChangeAspect="1" noMove="1" noResize="1" noEditPoints="1" noAdjustHandles="1" noChangeArrowheads="1" noChangeShapeType="1" noTextEdit="1"/>
+          </p:cNvSpPr>
+          <p:nvPr>
+            <p:extLst>
+              <p:ext uri="{386F3935-93C4-4BCD-93E2-E3B085C9AB24}">
+                <p16:designElem xmlns:p16="http://schemas.microsoft.com/office/powerpoint/2015/main" val="1"/>
+              </p:ext>
+            </p:extLst>
+          </p:nvPr>
+        </p:nvSpPr>
         <p:spPr>
           <a:xfrm>
-            <a:off x="3508741" y="900339"/>
-            <a:ext cx="8223947" cy="5043257"/>
+            <a:off x="0" y="0"/>
+            <a:ext cx="12192000" cy="6858000"/>
           </a:xfrm>
           <a:prstGeom prst="rect">
             <a:avLst/>
           </a:prstGeom>
+          <a:ln>
+            <a:noFill/>
+          </a:ln>
         </p:spPr>
-      </p:pic>
+        <p:style>
+          <a:lnRef idx="2">
+            <a:schemeClr val="accent1">
+              <a:shade val="50000"/>
+            </a:schemeClr>
+          </a:lnRef>
+          <a:fillRef idx="1">
+            <a:schemeClr val="accent1"/>
+          </a:fillRef>
+          <a:effectRef idx="0">
+            <a:schemeClr val="accent1"/>
+          </a:effectRef>
+          <a:fontRef idx="minor">
+            <a:schemeClr val="lt1"/>
+          </a:fontRef>
+        </p:style>
+        <p:txBody>
+          <a:bodyPr rtlCol="0" anchor="ctr"/>
+          <a:lstStyle/>
+          <a:p>
+            <a:pPr algn="ctr"/>
+            <a:endParaRPr lang="en-US"/>
+          </a:p>
+        </p:txBody>
+      </p:sp>
+      <p:sp>
+        <p:nvSpPr>
+          <p:cNvPr id="22" name="Rectangle 21">
+            <a:extLst>
+              <a:ext uri="{FF2B5EF4-FFF2-40B4-BE49-F238E27FC236}">
+                <a16:creationId xmlns:a16="http://schemas.microsoft.com/office/drawing/2014/main" id="{2FFE28B5-FB16-49A9-B851-3C35FAC0CACB}"/>
+              </a:ext>
+              <a:ext uri="{C183D7F6-B498-43B3-948B-1728B52AA6E4}">
+                <adec:decorative xmlns:adec="http://schemas.microsoft.com/office/drawing/2017/decorative" val="1"/>
+              </a:ext>
+            </a:extLst>
+          </p:cNvPr>
+          <p:cNvSpPr>
+            <a:spLocks noGrp="1" noRot="1" noChangeAspect="1" noMove="1" noResize="1" noEditPoints="1" noAdjustHandles="1" noChangeArrowheads="1" noChangeShapeType="1" noTextEdit="1"/>
+          </p:cNvSpPr>
+          <p:nvPr>
+            <p:extLst>
+              <p:ext uri="{386F3935-93C4-4BCD-93E2-E3B085C9AB24}">
+                <p16:designElem xmlns:p16="http://schemas.microsoft.com/office/powerpoint/2015/main" val="1"/>
+              </p:ext>
+            </p:extLst>
+          </p:nvPr>
+        </p:nvSpPr>
+        <p:spPr>
+          <a:xfrm>
+            <a:off x="1" y="758952"/>
+            <a:ext cx="10905976" cy="1651133"/>
+          </a:xfrm>
+          <a:prstGeom prst="rect">
+            <a:avLst/>
+          </a:prstGeom>
+          <a:solidFill>
+            <a:schemeClr val="accent1"/>
+          </a:solidFill>
+          <a:ln>
+            <a:noFill/>
+          </a:ln>
+        </p:spPr>
+        <p:style>
+          <a:lnRef idx="2">
+            <a:schemeClr val="accent1">
+              <a:shade val="50000"/>
+            </a:schemeClr>
+          </a:lnRef>
+          <a:fillRef idx="1">
+            <a:schemeClr val="accent1"/>
+          </a:fillRef>
+          <a:effectRef idx="0">
+            <a:schemeClr val="accent1"/>
+          </a:effectRef>
+          <a:fontRef idx="minor">
+            <a:schemeClr val="lt1"/>
+          </a:fontRef>
+        </p:style>
+        <p:txBody>
+          <a:bodyPr/>
+          <a:lstStyle/>
+          <a:p>
+            <a:endParaRPr lang="en-US" dirty="0"/>
+          </a:p>
+        </p:txBody>
+      </p:sp>
+      <p:sp>
+        <p:nvSpPr>
+          <p:cNvPr id="4" name="Title 3">
+            <a:extLst>
+              <a:ext uri="{FF2B5EF4-FFF2-40B4-BE49-F238E27FC236}">
+                <a16:creationId xmlns:a16="http://schemas.microsoft.com/office/drawing/2014/main" id="{58985ED0-1DEF-DA48-A018-B5A9E8EDFC46}"/>
+              </a:ext>
+            </a:extLst>
+          </p:cNvPr>
+          <p:cNvSpPr>
+            <a:spLocks noGrp="1"/>
+          </p:cNvSpPr>
+          <p:nvPr>
+            <p:ph type="title"/>
+          </p:nvPr>
+        </p:nvSpPr>
+        <p:spPr>
+          <a:xfrm>
+            <a:off x="149290" y="1084029"/>
+            <a:ext cx="8983489" cy="1000978"/>
+          </a:xfrm>
+        </p:spPr>
+        <p:txBody>
+          <a:bodyPr>
+            <a:normAutofit fontScale="90000"/>
+          </a:bodyPr>
+          <a:lstStyle/>
+          <a:p>
+            <a:br>
+              <a:rPr lang="en-US" sz="2000" dirty="0">
+                <a:latin typeface="Arial" panose="020B0604020202020204" pitchFamily="34" charset="0"/>
+                <a:cs typeface="Arial" panose="020B0604020202020204" pitchFamily="34" charset="0"/>
+              </a:rPr>
+            </a:br>
+            <a:r>
+              <a:rPr lang="en-US" sz="2800" b="1" dirty="0">
+                <a:latin typeface="Arial" panose="020B0604020202020204" pitchFamily="34" charset="0"/>
+                <a:cs typeface="Arial" panose="020B0604020202020204" pitchFamily="34" charset="0"/>
+              </a:rPr>
+              <a:t>Limitations</a:t>
+            </a:r>
+            <a:br>
+              <a:rPr lang="en-US" sz="2000" dirty="0"/>
+            </a:br>
+            <a:endParaRPr lang="en-US" sz="2000" dirty="0"/>
+          </a:p>
+        </p:txBody>
+      </p:sp>
+      <p:sp>
+        <p:nvSpPr>
+          <p:cNvPr id="24" name="Rectangle 23">
+            <a:extLst>
+              <a:ext uri="{FF2B5EF4-FFF2-40B4-BE49-F238E27FC236}">
+                <a16:creationId xmlns:a16="http://schemas.microsoft.com/office/drawing/2014/main" id="{01014442-855A-4E0F-8D09-C314661A48B9}"/>
+              </a:ext>
+              <a:ext uri="{C183D7F6-B498-43B3-948B-1728B52AA6E4}">
+                <adec:decorative xmlns:adec="http://schemas.microsoft.com/office/drawing/2017/decorative" val="1"/>
+              </a:ext>
+            </a:extLst>
+          </p:cNvPr>
+          <p:cNvSpPr>
+            <a:spLocks noGrp="1" noRot="1" noChangeAspect="1" noMove="1" noResize="1" noEditPoints="1" noAdjustHandles="1" noChangeArrowheads="1" noChangeShapeType="1" noTextEdit="1"/>
+          </p:cNvSpPr>
+          <p:nvPr>
+            <p:extLst>
+              <p:ext uri="{386F3935-93C4-4BCD-93E2-E3B085C9AB24}">
+                <p16:designElem xmlns:p16="http://schemas.microsoft.com/office/powerpoint/2015/main" val="1"/>
+              </p:ext>
+            </p:extLst>
+          </p:nvPr>
+        </p:nvSpPr>
+        <p:spPr>
+          <a:xfrm>
+            <a:off x="11014533" y="758952"/>
+            <a:ext cx="1185379" cy="1651133"/>
+          </a:xfrm>
+          <a:prstGeom prst="rect">
+            <a:avLst/>
+          </a:prstGeom>
+          <a:solidFill>
+            <a:srgbClr val="C8C8C8">
+              <a:alpha val="49804"/>
+            </a:srgbClr>
+          </a:solidFill>
+          <a:ln>
+            <a:noFill/>
+          </a:ln>
+        </p:spPr>
+        <p:style>
+          <a:lnRef idx="2">
+            <a:schemeClr val="accent1">
+              <a:shade val="50000"/>
+            </a:schemeClr>
+          </a:lnRef>
+          <a:fillRef idx="1">
+            <a:schemeClr val="accent1"/>
+          </a:fillRef>
+          <a:effectRef idx="0">
+            <a:schemeClr val="accent1"/>
+          </a:effectRef>
+          <a:fontRef idx="minor">
+            <a:schemeClr val="lt1"/>
+          </a:fontRef>
+        </p:style>
+      </p:sp>
+      <p:sp>
+        <p:nvSpPr>
+          <p:cNvPr id="26" name="Rectangle 25">
+            <a:extLst>
+              <a:ext uri="{FF2B5EF4-FFF2-40B4-BE49-F238E27FC236}">
+                <a16:creationId xmlns:a16="http://schemas.microsoft.com/office/drawing/2014/main" id="{9B1ABF09-86CF-414E-88A5-2B84CC7232A9}"/>
+              </a:ext>
+              <a:ext uri="{C183D7F6-B498-43B3-948B-1728B52AA6E4}">
+                <adec:decorative xmlns:adec="http://schemas.microsoft.com/office/drawing/2017/decorative" val="1"/>
+              </a:ext>
+            </a:extLst>
+          </p:cNvPr>
+          <p:cNvSpPr>
+            <a:spLocks noGrp="1" noRot="1" noChangeAspect="1" noMove="1" noResize="1" noEditPoints="1" noAdjustHandles="1" noChangeArrowheads="1" noChangeShapeType="1" noTextEdit="1"/>
+          </p:cNvSpPr>
+          <p:nvPr>
+            <p:extLst>
+              <p:ext uri="{386F3935-93C4-4BCD-93E2-E3B085C9AB24}">
+                <p16:designElem xmlns:p16="http://schemas.microsoft.com/office/powerpoint/2015/main" val="1"/>
+              </p:ext>
+            </p:extLst>
+          </p:nvPr>
+        </p:nvSpPr>
+        <p:spPr>
+          <a:xfrm>
+            <a:off x="763" y="2526526"/>
+            <a:ext cx="1169701" cy="3563378"/>
+          </a:xfrm>
+          <a:prstGeom prst="rect">
+            <a:avLst/>
+          </a:prstGeom>
+          <a:solidFill>
+            <a:srgbClr val="C8C8C8">
+              <a:alpha val="49804"/>
+            </a:srgbClr>
+          </a:solidFill>
+          <a:ln>
+            <a:noFill/>
+          </a:ln>
+        </p:spPr>
+        <p:style>
+          <a:lnRef idx="2">
+            <a:schemeClr val="accent1">
+              <a:shade val="50000"/>
+            </a:schemeClr>
+          </a:lnRef>
+          <a:fillRef idx="1">
+            <a:schemeClr val="accent1"/>
+          </a:fillRef>
+          <a:effectRef idx="0">
+            <a:schemeClr val="accent1"/>
+          </a:effectRef>
+          <a:fontRef idx="minor">
+            <a:schemeClr val="lt1"/>
+          </a:fontRef>
+        </p:style>
+      </p:sp>
+      <p:sp>
+        <p:nvSpPr>
+          <p:cNvPr id="28" name="Rectangle 27">
+            <a:extLst>
+              <a:ext uri="{FF2B5EF4-FFF2-40B4-BE49-F238E27FC236}">
+                <a16:creationId xmlns:a16="http://schemas.microsoft.com/office/drawing/2014/main" id="{3FE91770-CDBB-4D24-94E5-AD484F36CE87}"/>
+              </a:ext>
+              <a:ext uri="{C183D7F6-B498-43B3-948B-1728B52AA6E4}">
+                <adec:decorative xmlns:adec="http://schemas.microsoft.com/office/drawing/2017/decorative" val="1"/>
+              </a:ext>
+            </a:extLst>
+          </p:cNvPr>
+          <p:cNvSpPr>
+            <a:spLocks noGrp="1" noRot="1" noChangeAspect="1" noMove="1" noResize="1" noEditPoints="1" noAdjustHandles="1" noChangeArrowheads="1" noChangeShapeType="1" noTextEdit="1"/>
+          </p:cNvSpPr>
+          <p:nvPr>
+            <p:extLst>
+              <p:ext uri="{386F3935-93C4-4BCD-93E2-E3B085C9AB24}">
+                <p16:designElem xmlns:p16="http://schemas.microsoft.com/office/powerpoint/2015/main" val="1"/>
+              </p:ext>
+            </p:extLst>
+          </p:nvPr>
+        </p:nvSpPr>
+        <p:spPr>
+          <a:xfrm>
+            <a:off x="1279019" y="2526526"/>
+            <a:ext cx="10920893" cy="3563377"/>
+          </a:xfrm>
+          <a:prstGeom prst="rect">
+            <a:avLst/>
+          </a:prstGeom>
+          <a:solidFill>
+            <a:schemeClr val="bg2">
+              <a:lumMod val="60000"/>
+              <a:lumOff val="40000"/>
+              <a:alpha val="60000"/>
+            </a:schemeClr>
+          </a:solidFill>
+          <a:ln>
+            <a:noFill/>
+          </a:ln>
+        </p:spPr>
+        <p:style>
+          <a:lnRef idx="2">
+            <a:schemeClr val="accent1">
+              <a:shade val="50000"/>
+            </a:schemeClr>
+          </a:lnRef>
+          <a:fillRef idx="1">
+            <a:schemeClr val="accent1"/>
+          </a:fillRef>
+          <a:effectRef idx="0">
+            <a:schemeClr val="accent1"/>
+          </a:effectRef>
+          <a:fontRef idx="minor">
+            <a:schemeClr val="lt1"/>
+          </a:fontRef>
+        </p:style>
+        <p:txBody>
+          <a:bodyPr/>
+          <a:lstStyle/>
+          <a:p>
+            <a:endParaRPr lang="en-US" dirty="0"/>
+          </a:p>
+        </p:txBody>
+      </p:sp>
+      <p:sp>
+        <p:nvSpPr>
+          <p:cNvPr id="5" name="Content Placeholder 4">
+            <a:extLst>
+              <a:ext uri="{FF2B5EF4-FFF2-40B4-BE49-F238E27FC236}">
+                <a16:creationId xmlns:a16="http://schemas.microsoft.com/office/drawing/2014/main" id="{C7BF60F1-9F38-A542-989B-607BFCA4C9E3}"/>
+              </a:ext>
+            </a:extLst>
+          </p:cNvPr>
+          <p:cNvSpPr>
+            <a:spLocks noGrp="1"/>
+          </p:cNvSpPr>
+          <p:nvPr>
+            <p:ph idx="1"/>
+          </p:nvPr>
+        </p:nvSpPr>
+        <p:spPr>
+          <a:xfrm>
+            <a:off x="1279019" y="2526525"/>
+            <a:ext cx="10209291" cy="3572523"/>
+          </a:xfrm>
+        </p:spPr>
+        <p:txBody>
+          <a:bodyPr anchor="t"/>
+          <a:lstStyle/>
+          <a:p>
+            <a:r>
+              <a:rPr lang="en-US" dirty="0">
+                <a:solidFill>
+                  <a:schemeClr val="tx1"/>
+                </a:solidFill>
+                <a:latin typeface="Arial" panose="020B0604020202020204" pitchFamily="34" charset="0"/>
+                <a:cs typeface="Arial" panose="020B0604020202020204" pitchFamily="34" charset="0"/>
+              </a:rPr>
+              <a:t>The study analyzes crime as the only factor impacting the housing market.  Additional factors such as school districts, amenities, demographics, </a:t>
+            </a:r>
+            <a:r>
+              <a:rPr lang="en-US" dirty="0" err="1">
+                <a:solidFill>
+                  <a:schemeClr val="tx1"/>
+                </a:solidFill>
+                <a:latin typeface="Arial" panose="020B0604020202020204" pitchFamily="34" charset="0"/>
+                <a:cs typeface="Arial" panose="020B0604020202020204" pitchFamily="34" charset="0"/>
+              </a:rPr>
+              <a:t>etc</a:t>
+            </a:r>
+            <a:r>
+              <a:rPr lang="en-US" dirty="0">
+                <a:solidFill>
+                  <a:schemeClr val="tx1"/>
+                </a:solidFill>
+                <a:latin typeface="Arial" panose="020B0604020202020204" pitchFamily="34" charset="0"/>
+                <a:cs typeface="Arial" panose="020B0604020202020204" pitchFamily="34" charset="0"/>
+              </a:rPr>
+              <a:t> are not included.</a:t>
+            </a:r>
+          </a:p>
+          <a:p>
+            <a:r>
+              <a:rPr lang="en-US" dirty="0">
+                <a:solidFill>
+                  <a:schemeClr val="tx1"/>
+                </a:solidFill>
+                <a:latin typeface="Arial" panose="020B0604020202020204" pitchFamily="34" charset="0"/>
+                <a:cs typeface="Arial" panose="020B0604020202020204" pitchFamily="34" charset="0"/>
+              </a:rPr>
+              <a:t>The study is limited to 10 cities in the Houston metropolitan area and results may differ from the national crime rate and housing market.</a:t>
+            </a:r>
+          </a:p>
+          <a:p>
+            <a:endParaRPr lang="en-US" dirty="0"/>
+          </a:p>
+        </p:txBody>
+      </p:sp>
       <p:sp>
         <p:nvSpPr>
           <p:cNvPr id="2" name="TextBox 1">
             <a:extLst>
               <a:ext uri="{FF2B5EF4-FFF2-40B4-BE49-F238E27FC236}">
-                <a16:creationId xmlns:a16="http://schemas.microsoft.com/office/drawing/2014/main" id="{E952696F-4662-9B45-B3C7-B0949B5FF234}"/>
+                <a16:creationId xmlns:a16="http://schemas.microsoft.com/office/drawing/2014/main" id="{60490457-2B01-4B29-8D50-604C1A0B3188}"/>
               </a:ext>
             </a:extLst>
           </p:cNvPr>
@@ -13334,84 +16104,35 @@
         </p:nvSpPr>
         <p:spPr>
           <a:xfrm>
-            <a:off x="105199" y="758952"/>
-            <a:ext cx="3236729" cy="1283461"/>
+            <a:off x="4070756" y="56311"/>
+            <a:ext cx="6306621" cy="646331"/>
           </a:xfrm>
           <a:prstGeom prst="rect">
             <a:avLst/>
           </a:prstGeom>
+          <a:noFill/>
         </p:spPr>
         <p:txBody>
-          <a:bodyPr vert="horz" lIns="91440" tIns="45720" rIns="91440" bIns="45720" rtlCol="0" anchor="b">
-            <a:normAutofit/>
+          <a:bodyPr wrap="square" rtlCol="0">
+            <a:spAutoFit/>
           </a:bodyPr>
           <a:lstStyle/>
           <a:p>
-            <a:pPr defTabSz="914400">
-              <a:lnSpc>
-                <a:spcPct val="90000"/>
-              </a:lnSpc>
-              <a:spcBef>
-                <a:spcPct val="0"/>
-              </a:spcBef>
-              <a:spcAft>
-                <a:spcPts val="600"/>
-              </a:spcAft>
-            </a:pPr>
             <a:r>
-              <a:rPr lang="en-US" sz="2400" b="1" spc="-60" dirty="0">
+              <a:rPr lang="en-US" b="1" dirty="0">
                 <a:solidFill>
-                  <a:srgbClr val="FFFFFF"/>
+                  <a:srgbClr val="FF0000"/>
                 </a:solidFill>
-                <a:latin typeface="Arial" panose="020B0604020202020204" pitchFamily="34" charset="0"/>
-                <a:ea typeface="+mj-ea"/>
-                <a:cs typeface="Arial" panose="020B0604020202020204" pitchFamily="34" charset="0"/>
               </a:rPr>
-              <a:t>TOTAL CRIME PER CAPITA FOR EACH CITY</a:t>
+              <a:t>Placeholder study limitations – update with list of limitations.  Also – determine if this is the correct location of this slide</a:t>
             </a:r>
           </a:p>
         </p:txBody>
       </p:sp>
-      <p:pic>
-        <p:nvPicPr>
-          <p:cNvPr id="26" name="Picture 25" descr="A car parked in a parking lot&#10;&#10;Description automatically generated">
-            <a:extLst>
-              <a:ext uri="{FF2B5EF4-FFF2-40B4-BE49-F238E27FC236}">
-                <a16:creationId xmlns:a16="http://schemas.microsoft.com/office/drawing/2014/main" id="{4FA2FE21-4396-EF4A-9BF3-AF54E77685F9}"/>
-              </a:ext>
-            </a:extLst>
-          </p:cNvPr>
-          <p:cNvPicPr>
-            <a:picLocks noChangeAspect="1"/>
-          </p:cNvPicPr>
-          <p:nvPr/>
-        </p:nvPicPr>
-        <p:blipFill>
-          <a:blip r:embed="rId4">
-            <a:extLst>
-              <a:ext uri="{837473B0-CC2E-450A-ABE3-18F120FF3D39}">
-                <a1611:picAttrSrcUrl xmlns:a1611="http://schemas.microsoft.com/office/drawing/2016/11/main" r:id="rId5"/>
-              </a:ext>
-            </a:extLst>
-          </a:blip>
-          <a:stretch>
-            <a:fillRect/>
-          </a:stretch>
-        </p:blipFill>
-        <p:spPr>
-          <a:xfrm>
-            <a:off x="0" y="2248509"/>
-            <a:ext cx="3447127" cy="2567079"/>
-          </a:xfrm>
-          <a:prstGeom prst="rect">
-            <a:avLst/>
-          </a:prstGeom>
-        </p:spPr>
-      </p:pic>
     </p:spTree>
     <p:extLst>
       <p:ext uri="{BB962C8B-B14F-4D97-AF65-F5344CB8AC3E}">
-        <p14:creationId xmlns:p14="http://schemas.microsoft.com/office/powerpoint/2010/main" val="2059893652"/>
+        <p14:creationId xmlns:p14="http://schemas.microsoft.com/office/powerpoint/2010/main" val="973358010"/>
       </p:ext>
     </p:extLst>
   </p:cSld>
@@ -13446,233 +16167,35 @@
           <a:chExt cx="0" cy="0"/>
         </a:xfrm>
       </p:grpSpPr>
-      <p:sp>
-        <p:nvSpPr>
-          <p:cNvPr id="98" name="Rectangle 97">
+      <p:pic>
+        <p:nvPicPr>
+          <p:cNvPr id="4" name="Picture 3" descr="A close up of a map&#10;&#10;Description automatically generated">
             <a:extLst>
               <a:ext uri="{FF2B5EF4-FFF2-40B4-BE49-F238E27FC236}">
-                <a16:creationId xmlns:a16="http://schemas.microsoft.com/office/drawing/2014/main" id="{DB8424AB-D56B-4256-866A-5B54DE93C20F}"/>
-              </a:ext>
-              <a:ext uri="{C183D7F6-B498-43B3-948B-1728B52AA6E4}">
-                <adec:decorative xmlns:adec="http://schemas.microsoft.com/office/drawing/2017/decorative" val="1"/>
+                <a16:creationId xmlns:a16="http://schemas.microsoft.com/office/drawing/2014/main" id="{0B93855C-1812-473F-9DE7-0AACA02649FE}"/>
               </a:ext>
             </a:extLst>
           </p:cNvPr>
-          <p:cNvSpPr>
-            <a:spLocks noGrp="1" noRot="1" noChangeAspect="1" noMove="1" noResize="1" noEditPoints="1" noAdjustHandles="1" noChangeArrowheads="1" noChangeShapeType="1" noTextEdit="1"/>
-          </p:cNvSpPr>
-          <p:nvPr>
-            <p:extLst>
-              <p:ext uri="{386F3935-93C4-4BCD-93E2-E3B085C9AB24}">
-                <p16:designElem xmlns:p16="http://schemas.microsoft.com/office/powerpoint/2015/main" val="1"/>
-              </p:ext>
-            </p:extLst>
-          </p:nvPr>
-        </p:nvSpPr>
+          <p:cNvPicPr>
+            <a:picLocks noChangeAspect="1"/>
+          </p:cNvPicPr>
+          <p:nvPr/>
+        </p:nvPicPr>
+        <p:blipFill rotWithShape="1">
+          <a:blip r:embed="rId3"/>
+          <a:srcRect l="6407" t="6366" r="7466" b="5609"/>
+          <a:stretch/>
+        </p:blipFill>
         <p:spPr>
           <a:xfrm>
-            <a:off x="0" y="761999"/>
-            <a:ext cx="9141619" cy="5334001"/>
+            <a:off x="3508741" y="900339"/>
+            <a:ext cx="8223947" cy="5043257"/>
           </a:xfrm>
           <a:prstGeom prst="rect">
             <a:avLst/>
           </a:prstGeom>
-          <a:solidFill>
-            <a:schemeClr val="accent1"/>
-          </a:solidFill>
-          <a:ln>
-            <a:noFill/>
-          </a:ln>
         </p:spPr>
-        <p:style>
-          <a:lnRef idx="2">
-            <a:schemeClr val="accent1">
-              <a:shade val="50000"/>
-            </a:schemeClr>
-          </a:lnRef>
-          <a:fillRef idx="1">
-            <a:schemeClr val="accent1"/>
-          </a:fillRef>
-          <a:effectRef idx="0">
-            <a:schemeClr val="accent1"/>
-          </a:effectRef>
-          <a:fontRef idx="minor">
-            <a:schemeClr val="lt1"/>
-          </a:fontRef>
-        </p:style>
-      </p:sp>
-      <p:sp>
-        <p:nvSpPr>
-          <p:cNvPr id="100" name="Rectangle 99">
-            <a:extLst>
-              <a:ext uri="{FF2B5EF4-FFF2-40B4-BE49-F238E27FC236}">
-                <a16:creationId xmlns:a16="http://schemas.microsoft.com/office/drawing/2014/main" id="{FC999C28-AD33-4EB7-A5F1-C06D10A5FDF7}"/>
-              </a:ext>
-              <a:ext uri="{C183D7F6-B498-43B3-948B-1728B52AA6E4}">
-                <adec:decorative xmlns:adec="http://schemas.microsoft.com/office/drawing/2017/decorative" val="1"/>
-              </a:ext>
-            </a:extLst>
-          </p:cNvPr>
-          <p:cNvSpPr>
-            <a:spLocks noGrp="1" noRot="1" noChangeAspect="1" noMove="1" noResize="1" noEditPoints="1" noAdjustHandles="1" noChangeArrowheads="1" noChangeShapeType="1" noTextEdit="1"/>
-          </p:cNvSpPr>
-          <p:nvPr>
-            <p:extLst>
-              <p:ext uri="{386F3935-93C4-4BCD-93E2-E3B085C9AB24}">
-                <p16:designElem xmlns:p16="http://schemas.microsoft.com/office/powerpoint/2015/main" val="1"/>
-              </p:ext>
-            </p:extLst>
-          </p:nvPr>
-        </p:nvSpPr>
-        <p:spPr>
-          <a:xfrm>
-            <a:off x="9270263" y="761999"/>
-            <a:ext cx="2925318" cy="5334001"/>
-          </a:xfrm>
-          <a:prstGeom prst="rect">
-            <a:avLst/>
-          </a:prstGeom>
-          <a:solidFill>
-            <a:srgbClr val="C8C8C8">
-              <a:alpha val="49804"/>
-            </a:srgbClr>
-          </a:solidFill>
-          <a:ln>
-            <a:noFill/>
-          </a:ln>
-        </p:spPr>
-        <p:style>
-          <a:lnRef idx="2">
-            <a:schemeClr val="accent1">
-              <a:shade val="50000"/>
-            </a:schemeClr>
-          </a:lnRef>
-          <a:fillRef idx="1">
-            <a:schemeClr val="accent1"/>
-          </a:fillRef>
-          <a:effectRef idx="0">
-            <a:schemeClr val="accent1"/>
-          </a:effectRef>
-          <a:fontRef idx="minor">
-            <a:schemeClr val="lt1"/>
-          </a:fontRef>
-        </p:style>
-      </p:sp>
-      <p:sp useBgFill="1">
-        <p:nvSpPr>
-          <p:cNvPr id="102" name="Rectangle 101">
-            <a:extLst>
-              <a:ext uri="{FF2B5EF4-FFF2-40B4-BE49-F238E27FC236}">
-                <a16:creationId xmlns:a16="http://schemas.microsoft.com/office/drawing/2014/main" id="{0864E5C9-52C9-4572-AC75-548B9B9C2648}"/>
-              </a:ext>
-              <a:ext uri="{C183D7F6-B498-43B3-948B-1728B52AA6E4}">
-                <adec:decorative xmlns:adec="http://schemas.microsoft.com/office/drawing/2017/decorative" val="1"/>
-              </a:ext>
-            </a:extLst>
-          </p:cNvPr>
-          <p:cNvSpPr>
-            <a:spLocks noGrp="1" noRot="1" noChangeAspect="1" noMove="1" noResize="1" noEditPoints="1" noAdjustHandles="1" noChangeArrowheads="1" noChangeShapeType="1" noTextEdit="1"/>
-          </p:cNvSpPr>
-          <p:nvPr>
-            <p:extLst>
-              <p:ext uri="{386F3935-93C4-4BCD-93E2-E3B085C9AB24}">
-                <p16:designElem xmlns:p16="http://schemas.microsoft.com/office/powerpoint/2015/main" val="1"/>
-              </p:ext>
-            </p:extLst>
-          </p:nvPr>
-        </p:nvSpPr>
-        <p:spPr>
-          <a:xfrm>
-            <a:off x="0" y="0"/>
-            <a:ext cx="12191999" cy="6858000"/>
-          </a:xfrm>
-          <a:prstGeom prst="rect">
-            <a:avLst/>
-          </a:prstGeom>
-          <a:ln>
-            <a:noFill/>
-          </a:ln>
-        </p:spPr>
-        <p:style>
-          <a:lnRef idx="2">
-            <a:schemeClr val="accent1">
-              <a:shade val="50000"/>
-            </a:schemeClr>
-          </a:lnRef>
-          <a:fillRef idx="1">
-            <a:schemeClr val="accent1"/>
-          </a:fillRef>
-          <a:effectRef idx="0">
-            <a:schemeClr val="accent1"/>
-          </a:effectRef>
-          <a:fontRef idx="minor">
-            <a:schemeClr val="lt1"/>
-          </a:fontRef>
-        </p:style>
-        <p:txBody>
-          <a:bodyPr rtlCol="0" anchor="ctr"/>
-          <a:lstStyle/>
-          <a:p>
-            <a:pPr algn="ctr"/>
-            <a:endParaRPr lang="en-US"/>
-          </a:p>
-        </p:txBody>
-      </p:sp>
-      <p:sp>
-        <p:nvSpPr>
-          <p:cNvPr id="104" name="Rectangle 103">
-            <a:extLst>
-              <a:ext uri="{FF2B5EF4-FFF2-40B4-BE49-F238E27FC236}">
-                <a16:creationId xmlns:a16="http://schemas.microsoft.com/office/drawing/2014/main" id="{45CC6500-4DBD-4C34-BC14-2387FB483BEB}"/>
-              </a:ext>
-              <a:ext uri="{C183D7F6-B498-43B3-948B-1728B52AA6E4}">
-                <adec:decorative xmlns:adec="http://schemas.microsoft.com/office/drawing/2017/decorative" val="1"/>
-              </a:ext>
-            </a:extLst>
-          </p:cNvPr>
-          <p:cNvSpPr>
-            <a:spLocks noGrp="1" noRot="1" noChangeAspect="1" noMove="1" noResize="1" noEditPoints="1" noAdjustHandles="1" noChangeArrowheads="1" noChangeShapeType="1" noTextEdit="1"/>
-          </p:cNvSpPr>
-          <p:nvPr>
-            <p:extLst>
-              <p:ext uri="{386F3935-93C4-4BCD-93E2-E3B085C9AB24}">
-                <p16:designElem xmlns:p16="http://schemas.microsoft.com/office/powerpoint/2015/main" val="1"/>
-              </p:ext>
-            </p:extLst>
-          </p:nvPr>
-        </p:nvSpPr>
-        <p:spPr>
-          <a:xfrm>
-            <a:off x="1" y="761999"/>
-            <a:ext cx="4642228" cy="5334001"/>
-          </a:xfrm>
-          <a:prstGeom prst="rect">
-            <a:avLst/>
-          </a:prstGeom>
-          <a:solidFill>
-            <a:schemeClr val="accent1"/>
-          </a:solidFill>
-          <a:ln>
-            <a:noFill/>
-          </a:ln>
-        </p:spPr>
-        <p:style>
-          <a:lnRef idx="2">
-            <a:schemeClr val="accent1">
-              <a:shade val="50000"/>
-            </a:schemeClr>
-          </a:lnRef>
-          <a:fillRef idx="1">
-            <a:schemeClr val="accent1"/>
-          </a:fillRef>
-          <a:effectRef idx="0">
-            <a:schemeClr val="accent1"/>
-          </a:effectRef>
-          <a:fontRef idx="minor">
-            <a:schemeClr val="lt1"/>
-          </a:fontRef>
-        </p:style>
-      </p:sp>
+      </p:pic>
       <p:sp>
         <p:nvSpPr>
           <p:cNvPr id="2" name="TextBox 1">
@@ -13687,8 +16210,8 @@
         </p:nvSpPr>
         <p:spPr>
           <a:xfrm>
-            <a:off x="86137" y="311082"/>
-            <a:ext cx="4970181" cy="1474610"/>
+            <a:off x="105199" y="758952"/>
+            <a:ext cx="3236729" cy="1283461"/>
           </a:xfrm>
           <a:prstGeom prst="rect">
             <a:avLst/>
@@ -13712,7 +16235,7 @@
               </a:spcAft>
             </a:pPr>
             <a:r>
-              <a:rPr lang="en-US" sz="2800" b="1" spc="-100" dirty="0">
+              <a:rPr lang="en-US" sz="2400" b="1" spc="-60" dirty="0">
                 <a:solidFill>
                   <a:srgbClr val="FFFFFF"/>
                 </a:solidFill>
@@ -13720,17 +16243,17 @@
                 <a:ea typeface="+mj-ea"/>
                 <a:cs typeface="Arial" panose="020B0604020202020204" pitchFamily="34" charset="0"/>
               </a:rPr>
-              <a:t>AVERAGE CRIME PER CAPITA VS. CITY</a:t>
+              <a:t>TOTAL CRIME PER CAPITA FOR EACH CITY</a:t>
             </a:r>
           </a:p>
         </p:txBody>
       </p:sp>
       <p:pic>
         <p:nvPicPr>
-          <p:cNvPr id="11" name="Picture 10" descr="A screenshot of a cell phone&#10;&#10;Description automatically generated">
+          <p:cNvPr id="26" name="Picture 25" descr="A car parked in a parking lot&#10;&#10;Description automatically generated">
             <a:extLst>
               <a:ext uri="{FF2B5EF4-FFF2-40B4-BE49-F238E27FC236}">
-                <a16:creationId xmlns:a16="http://schemas.microsoft.com/office/drawing/2014/main" id="{4A05862F-343C-8D4F-B5F3-CEFEB7DE0C0E}"/>
+                <a16:creationId xmlns:a16="http://schemas.microsoft.com/office/drawing/2014/main" id="{4FA2FE21-4396-EF4A-9BF3-AF54E77685F9}"/>
               </a:ext>
             </a:extLst>
           </p:cNvPr>
@@ -13740,141 +16263,119 @@
           <p:nvPr/>
         </p:nvPicPr>
         <p:blipFill>
-          <a:blip r:embed="rId3"/>
+          <a:blip r:embed="rId4">
+            <a:extLst>
+              <a:ext uri="{837473B0-CC2E-450A-ABE3-18F120FF3D39}">
+                <a1611:picAttrSrcUrl xmlns:a1611="http://schemas.microsoft.com/office/drawing/2016/11/main" r:id="rId5"/>
+              </a:ext>
+            </a:extLst>
+          </a:blip>
           <a:stretch>
             <a:fillRect/>
           </a:stretch>
         </p:blipFill>
         <p:spPr>
           <a:xfrm>
-            <a:off x="4727962" y="1129906"/>
-            <a:ext cx="7006152" cy="4478119"/>
+            <a:off x="0" y="2248509"/>
+            <a:ext cx="3447127" cy="2567079"/>
           </a:xfrm>
           <a:prstGeom prst="rect">
             <a:avLst/>
           </a:prstGeom>
         </p:spPr>
       </p:pic>
-      <p:sp>
-        <p:nvSpPr>
-          <p:cNvPr id="106" name="Rectangle 105">
+      <p:cxnSp>
+        <p:nvCxnSpPr>
+          <p:cNvPr id="5" name="Straight Connector 4">
             <a:extLst>
               <a:ext uri="{FF2B5EF4-FFF2-40B4-BE49-F238E27FC236}">
-                <a16:creationId xmlns:a16="http://schemas.microsoft.com/office/drawing/2014/main" id="{4E34A3B6-BAD2-4156-BDC6-4736248BFDE0}"/>
-              </a:ext>
-              <a:ext uri="{C183D7F6-B498-43B3-948B-1728B52AA6E4}">
-                <adec:decorative xmlns:adec="http://schemas.microsoft.com/office/drawing/2017/decorative" val="1"/>
+                <a16:creationId xmlns:a16="http://schemas.microsoft.com/office/drawing/2014/main" id="{EA47B1A6-A82B-401B-9825-0B3E33BB54C7}"/>
               </a:ext>
             </a:extLst>
           </p:cNvPr>
-          <p:cNvSpPr>
-            <a:spLocks noGrp="1" noRot="1" noChangeAspect="1" noMove="1" noResize="1" noEditPoints="1" noAdjustHandles="1" noChangeArrowheads="1" noChangeShapeType="1" noTextEdit="1"/>
-          </p:cNvSpPr>
-          <p:nvPr>
-            <p:extLst>
-              <p:ext uri="{386F3935-93C4-4BCD-93E2-E3B085C9AB24}">
-                <p16:designElem xmlns:p16="http://schemas.microsoft.com/office/powerpoint/2015/main" val="1"/>
-              </p:ext>
-            </p:extLst>
-          </p:nvPr>
-        </p:nvSpPr>
+          <p:cNvCxnSpPr/>
+          <p:nvPr/>
+        </p:nvCxnSpPr>
         <p:spPr>
           <a:xfrm>
-            <a:off x="11815864" y="758952"/>
-            <a:ext cx="384048" cy="5330952"/>
+            <a:off x="0" y="758952"/>
+            <a:ext cx="12199912" cy="0"/>
           </a:xfrm>
-          <a:prstGeom prst="rect">
+          <a:prstGeom prst="line">
             <a:avLst/>
           </a:prstGeom>
-          <a:solidFill>
-            <a:srgbClr val="C8C8C8">
-              <a:alpha val="49804"/>
-            </a:srgbClr>
-          </a:solidFill>
-          <a:ln>
-            <a:noFill/>
+          <a:ln w="19050">
+            <a:solidFill>
+              <a:schemeClr val="bg2">
+                <a:lumMod val="60000"/>
+                <a:lumOff val="40000"/>
+              </a:schemeClr>
+            </a:solidFill>
           </a:ln>
         </p:spPr>
         <p:style>
-          <a:lnRef idx="2">
-            <a:schemeClr val="accent1">
-              <a:shade val="50000"/>
-            </a:schemeClr>
+          <a:lnRef idx="1">
+            <a:schemeClr val="accent1"/>
           </a:lnRef>
-          <a:fillRef idx="1">
+          <a:fillRef idx="0">
             <a:schemeClr val="accent1"/>
           </a:fillRef>
           <a:effectRef idx="0">
             <a:schemeClr val="accent1"/>
           </a:effectRef>
           <a:fontRef idx="minor">
-            <a:schemeClr val="lt1"/>
+            <a:schemeClr val="tx1"/>
           </a:fontRef>
         </p:style>
-      </p:sp>
-      <p:pic>
-        <p:nvPicPr>
-          <p:cNvPr id="4" name="Content Placeholder 3" descr="A picture containing screenshot&#10;&#10;Description automatically generated">
+      </p:cxnSp>
+      <p:cxnSp>
+        <p:nvCxnSpPr>
+          <p:cNvPr id="6" name="Straight Connector 5">
             <a:extLst>
               <a:ext uri="{FF2B5EF4-FFF2-40B4-BE49-F238E27FC236}">
-                <a16:creationId xmlns:a16="http://schemas.microsoft.com/office/drawing/2014/main" id="{D7673217-906D-45CD-813D-10A8139B20BB}"/>
+                <a16:creationId xmlns:a16="http://schemas.microsoft.com/office/drawing/2014/main" id="{B6F9E88F-A262-48B9-9FCC-D23B4C8A21BE}"/>
               </a:ext>
             </a:extLst>
           </p:cNvPr>
-          <p:cNvPicPr>
-            <a:picLocks noGrp="1" noChangeAspect="1"/>
-          </p:cNvPicPr>
-          <p:nvPr>
-            <p:ph sz="half" idx="1"/>
-          </p:nvPr>
-        </p:nvPicPr>
-        <p:blipFill>
-          <a:blip r:embed="rId3"/>
-          <a:stretch>
-            <a:fillRect/>
-          </a:stretch>
-        </p:blipFill>
+          <p:cNvCxnSpPr/>
+          <p:nvPr/>
+        </p:nvCxnSpPr>
         <p:spPr>
           <a:xfrm>
-            <a:off x="0" y="2265045"/>
-            <a:ext cx="4641850" cy="2785110"/>
+            <a:off x="-7914" y="6089904"/>
+            <a:ext cx="12199912" cy="0"/>
           </a:xfrm>
-        </p:spPr>
-      </p:pic>
-      <p:pic>
-        <p:nvPicPr>
-          <p:cNvPr id="18" name="Picture 17" descr="A picture containing indoor, sitting, table, front&#10;&#10;Description automatically generated">
-            <a:extLst>
-              <a:ext uri="{FF2B5EF4-FFF2-40B4-BE49-F238E27FC236}">
-                <a16:creationId xmlns:a16="http://schemas.microsoft.com/office/drawing/2014/main" id="{26D81044-0E53-F447-B9BD-CFF27B394350}"/>
-              </a:ext>
-            </a:extLst>
-          </p:cNvPr>
-          <p:cNvPicPr>
-            <a:picLocks noChangeAspect="1"/>
-          </p:cNvPicPr>
-          <p:nvPr/>
-        </p:nvPicPr>
-        <p:blipFill>
-          <a:blip r:embed="rId4"/>
-          <a:stretch>
-            <a:fillRect/>
-          </a:stretch>
-        </p:blipFill>
-        <p:spPr>
-          <a:xfrm>
-            <a:off x="-7914" y="2208092"/>
-            <a:ext cx="4650141" cy="2898275"/>
-          </a:xfrm>
-          <a:prstGeom prst="rect">
+          <a:prstGeom prst="line">
             <a:avLst/>
           </a:prstGeom>
+          <a:ln w="19050">
+            <a:solidFill>
+              <a:schemeClr val="bg2">
+                <a:lumMod val="60000"/>
+                <a:lumOff val="40000"/>
+              </a:schemeClr>
+            </a:solidFill>
+          </a:ln>
         </p:spPr>
-      </p:pic>
+        <p:style>
+          <a:lnRef idx="1">
+            <a:schemeClr val="accent1"/>
+          </a:lnRef>
+          <a:fillRef idx="0">
+            <a:schemeClr val="accent1"/>
+          </a:fillRef>
+          <a:effectRef idx="0">
+            <a:schemeClr val="accent1"/>
+          </a:effectRef>
+          <a:fontRef idx="minor">
+            <a:schemeClr val="tx1"/>
+          </a:fontRef>
+        </p:style>
+      </p:cxnSp>
     </p:spTree>
     <p:extLst>
       <p:ext uri="{BB962C8B-B14F-4D97-AF65-F5344CB8AC3E}">
-        <p14:creationId xmlns:p14="http://schemas.microsoft.com/office/powerpoint/2010/main" val="2035340543"/>
+        <p14:creationId xmlns:p14="http://schemas.microsoft.com/office/powerpoint/2010/main" val="2059893652"/>
       </p:ext>
     </p:extLst>
   </p:cSld>
@@ -13911,61 +16412,296 @@
       </p:grpSpPr>
       <p:sp>
         <p:nvSpPr>
-          <p:cNvPr id="2" name="Title 1">
+          <p:cNvPr id="98" name="Rectangle 97">
             <a:extLst>
               <a:ext uri="{FF2B5EF4-FFF2-40B4-BE49-F238E27FC236}">
-                <a16:creationId xmlns:a16="http://schemas.microsoft.com/office/drawing/2014/main" id="{36ECF540-87B1-9A4B-9B36-FA23C40022E5}"/>
+                <a16:creationId xmlns:a16="http://schemas.microsoft.com/office/drawing/2014/main" id="{DB8424AB-D56B-4256-866A-5B54DE93C20F}"/>
+              </a:ext>
+              <a:ext uri="{C183D7F6-B498-43B3-948B-1728B52AA6E4}">
+                <adec:decorative xmlns:adec="http://schemas.microsoft.com/office/drawing/2017/decorative" val="1"/>
               </a:ext>
             </a:extLst>
           </p:cNvPr>
           <p:cNvSpPr>
-            <a:spLocks noGrp="1"/>
-          </p:cNvSpPr>
-          <p:nvPr>
-            <p:ph type="title"/>
+            <a:spLocks noGrp="1" noRot="1" noChangeAspect="1" noMove="1" noResize="1" noEditPoints="1" noAdjustHandles="1" noChangeArrowheads="1" noChangeShapeType="1" noTextEdit="1"/>
+          </p:cNvSpPr>
+          <p:nvPr>
+            <p:extLst>
+              <p:ext uri="{386F3935-93C4-4BCD-93E2-E3B085C9AB24}">
+                <p16:designElem xmlns:p16="http://schemas.microsoft.com/office/powerpoint/2015/main" val="1"/>
+              </p:ext>
+            </p:extLst>
           </p:nvPr>
         </p:nvSpPr>
         <p:spPr>
           <a:xfrm>
-            <a:off x="0" y="485329"/>
-            <a:ext cx="3502596" cy="1325563"/>
+            <a:off x="0" y="761999"/>
+            <a:ext cx="9141619" cy="5334001"/>
           </a:xfrm>
+          <a:prstGeom prst="rect">
+            <a:avLst/>
+          </a:prstGeom>
+          <a:solidFill>
+            <a:schemeClr val="accent1"/>
+          </a:solidFill>
+          <a:ln>
+            <a:noFill/>
+          </a:ln>
+        </p:spPr>
+        <p:style>
+          <a:lnRef idx="2">
+            <a:schemeClr val="accent1">
+              <a:shade val="50000"/>
+            </a:schemeClr>
+          </a:lnRef>
+          <a:fillRef idx="1">
+            <a:schemeClr val="accent1"/>
+          </a:fillRef>
+          <a:effectRef idx="0">
+            <a:schemeClr val="accent1"/>
+          </a:effectRef>
+          <a:fontRef idx="minor">
+            <a:schemeClr val="lt1"/>
+          </a:fontRef>
+        </p:style>
+      </p:sp>
+      <p:sp>
+        <p:nvSpPr>
+          <p:cNvPr id="100" name="Rectangle 99">
+            <a:extLst>
+              <a:ext uri="{FF2B5EF4-FFF2-40B4-BE49-F238E27FC236}">
+                <a16:creationId xmlns:a16="http://schemas.microsoft.com/office/drawing/2014/main" id="{FC999C28-AD33-4EB7-A5F1-C06D10A5FDF7}"/>
+              </a:ext>
+              <a:ext uri="{C183D7F6-B498-43B3-948B-1728B52AA6E4}">
+                <adec:decorative xmlns:adec="http://schemas.microsoft.com/office/drawing/2017/decorative" val="1"/>
+              </a:ext>
+            </a:extLst>
+          </p:cNvPr>
+          <p:cNvSpPr>
+            <a:spLocks noGrp="1" noRot="1" noChangeAspect="1" noMove="1" noResize="1" noEditPoints="1" noAdjustHandles="1" noChangeArrowheads="1" noChangeShapeType="1" noTextEdit="1"/>
+          </p:cNvSpPr>
+          <p:nvPr>
+            <p:extLst>
+              <p:ext uri="{386F3935-93C4-4BCD-93E2-E3B085C9AB24}">
+                <p16:designElem xmlns:p16="http://schemas.microsoft.com/office/powerpoint/2015/main" val="1"/>
+              </p:ext>
+            </p:extLst>
+          </p:nvPr>
+        </p:nvSpPr>
+        <p:spPr>
+          <a:xfrm>
+            <a:off x="9270263" y="761999"/>
+            <a:ext cx="2925318" cy="5334001"/>
+          </a:xfrm>
+          <a:prstGeom prst="rect">
+            <a:avLst/>
+          </a:prstGeom>
+          <a:solidFill>
+            <a:srgbClr val="C8C8C8">
+              <a:alpha val="49804"/>
+            </a:srgbClr>
+          </a:solidFill>
+          <a:ln>
+            <a:noFill/>
+          </a:ln>
+        </p:spPr>
+        <p:style>
+          <a:lnRef idx="2">
+            <a:schemeClr val="accent1">
+              <a:shade val="50000"/>
+            </a:schemeClr>
+          </a:lnRef>
+          <a:fillRef idx="1">
+            <a:schemeClr val="accent1"/>
+          </a:fillRef>
+          <a:effectRef idx="0">
+            <a:schemeClr val="accent1"/>
+          </a:effectRef>
+          <a:fontRef idx="minor">
+            <a:schemeClr val="lt1"/>
+          </a:fontRef>
+        </p:style>
+      </p:sp>
+      <p:sp useBgFill="1">
+        <p:nvSpPr>
+          <p:cNvPr id="102" name="Rectangle 101">
+            <a:extLst>
+              <a:ext uri="{FF2B5EF4-FFF2-40B4-BE49-F238E27FC236}">
+                <a16:creationId xmlns:a16="http://schemas.microsoft.com/office/drawing/2014/main" id="{0864E5C9-52C9-4572-AC75-548B9B9C2648}"/>
+              </a:ext>
+              <a:ext uri="{C183D7F6-B498-43B3-948B-1728B52AA6E4}">
+                <adec:decorative xmlns:adec="http://schemas.microsoft.com/office/drawing/2017/decorative" val="1"/>
+              </a:ext>
+            </a:extLst>
+          </p:cNvPr>
+          <p:cNvSpPr>
+            <a:spLocks noGrp="1" noRot="1" noChangeAspect="1" noMove="1" noResize="1" noEditPoints="1" noAdjustHandles="1" noChangeArrowheads="1" noChangeShapeType="1" noTextEdit="1"/>
+          </p:cNvSpPr>
+          <p:nvPr>
+            <p:extLst>
+              <p:ext uri="{386F3935-93C4-4BCD-93E2-E3B085C9AB24}">
+                <p16:designElem xmlns:p16="http://schemas.microsoft.com/office/powerpoint/2015/main" val="1"/>
+              </p:ext>
+            </p:extLst>
+          </p:nvPr>
+        </p:nvSpPr>
+        <p:spPr>
+          <a:xfrm>
+            <a:off x="0" y="0"/>
+            <a:ext cx="12191999" cy="6858000"/>
+          </a:xfrm>
+          <a:prstGeom prst="rect">
+            <a:avLst/>
+          </a:prstGeom>
+          <a:ln>
+            <a:noFill/>
+          </a:ln>
+        </p:spPr>
+        <p:style>
+          <a:lnRef idx="2">
+            <a:schemeClr val="accent1">
+              <a:shade val="50000"/>
+            </a:schemeClr>
+          </a:lnRef>
+          <a:fillRef idx="1">
+            <a:schemeClr val="accent1"/>
+          </a:fillRef>
+          <a:effectRef idx="0">
+            <a:schemeClr val="accent1"/>
+          </a:effectRef>
+          <a:fontRef idx="minor">
+            <a:schemeClr val="lt1"/>
+          </a:fontRef>
+        </p:style>
+        <p:txBody>
+          <a:bodyPr rtlCol="0" anchor="ctr"/>
+          <a:lstStyle/>
+          <a:p>
+            <a:pPr algn="ctr"/>
+            <a:endParaRPr lang="en-US"/>
+          </a:p>
+        </p:txBody>
+      </p:sp>
+      <p:sp>
+        <p:nvSpPr>
+          <p:cNvPr id="104" name="Rectangle 103">
+            <a:extLst>
+              <a:ext uri="{FF2B5EF4-FFF2-40B4-BE49-F238E27FC236}">
+                <a16:creationId xmlns:a16="http://schemas.microsoft.com/office/drawing/2014/main" id="{45CC6500-4DBD-4C34-BC14-2387FB483BEB}"/>
+              </a:ext>
+              <a:ext uri="{C183D7F6-B498-43B3-948B-1728B52AA6E4}">
+                <adec:decorative xmlns:adec="http://schemas.microsoft.com/office/drawing/2017/decorative" val="1"/>
+              </a:ext>
+            </a:extLst>
+          </p:cNvPr>
+          <p:cNvSpPr>
+            <a:spLocks noGrp="1" noRot="1" noChangeAspect="1" noMove="1" noResize="1" noEditPoints="1" noAdjustHandles="1" noChangeArrowheads="1" noChangeShapeType="1" noTextEdit="1"/>
+          </p:cNvSpPr>
+          <p:nvPr>
+            <p:extLst>
+              <p:ext uri="{386F3935-93C4-4BCD-93E2-E3B085C9AB24}">
+                <p16:designElem xmlns:p16="http://schemas.microsoft.com/office/powerpoint/2015/main" val="1"/>
+              </p:ext>
+            </p:extLst>
+          </p:nvPr>
+        </p:nvSpPr>
+        <p:spPr>
+          <a:xfrm>
+            <a:off x="1" y="761999"/>
+            <a:ext cx="4642228" cy="5334001"/>
+          </a:xfrm>
+          <a:prstGeom prst="rect">
+            <a:avLst/>
+          </a:prstGeom>
+          <a:solidFill>
+            <a:schemeClr val="accent1"/>
+          </a:solidFill>
+          <a:ln>
+            <a:noFill/>
+          </a:ln>
+        </p:spPr>
+        <p:style>
+          <a:lnRef idx="2">
+            <a:schemeClr val="accent1">
+              <a:shade val="50000"/>
+            </a:schemeClr>
+          </a:lnRef>
+          <a:fillRef idx="1">
+            <a:schemeClr val="accent1"/>
+          </a:fillRef>
+          <a:effectRef idx="0">
+            <a:schemeClr val="accent1"/>
+          </a:effectRef>
+          <a:fontRef idx="minor">
+            <a:schemeClr val="lt1"/>
+          </a:fontRef>
+        </p:style>
+      </p:sp>
+      <p:sp>
+        <p:nvSpPr>
+          <p:cNvPr id="2" name="TextBox 1">
+            <a:extLst>
+              <a:ext uri="{FF2B5EF4-FFF2-40B4-BE49-F238E27FC236}">
+                <a16:creationId xmlns:a16="http://schemas.microsoft.com/office/drawing/2014/main" id="{E952696F-4662-9B45-B3C7-B0949B5FF234}"/>
+              </a:ext>
+            </a:extLst>
+          </p:cNvPr>
+          <p:cNvSpPr txBox="1"/>
+          <p:nvPr/>
+        </p:nvSpPr>
+        <p:spPr>
+          <a:xfrm>
+            <a:off x="86137" y="311082"/>
+            <a:ext cx="4970181" cy="1474610"/>
+          </a:xfrm>
+          <a:prstGeom prst="rect">
+            <a:avLst/>
+          </a:prstGeom>
         </p:spPr>
         <p:txBody>
-          <a:bodyPr>
+          <a:bodyPr vert="horz" lIns="91440" tIns="45720" rIns="91440" bIns="45720" rtlCol="0" anchor="b">
             <a:normAutofit/>
           </a:bodyPr>
           <a:lstStyle/>
           <a:p>
-            <a:pPr algn="ctr"/>
+            <a:pPr defTabSz="914400">
+              <a:lnSpc>
+                <a:spcPct val="90000"/>
+              </a:lnSpc>
+              <a:spcBef>
+                <a:spcPct val="0"/>
+              </a:spcBef>
+              <a:spcAft>
+                <a:spcPts val="600"/>
+              </a:spcAft>
+            </a:pPr>
             <a:r>
-              <a:rPr lang="en-US" sz="2800" b="1" dirty="0">
+              <a:rPr lang="en-US" sz="2800" b="1" spc="-100" dirty="0">
                 <a:solidFill>
-                  <a:schemeClr val="bg1"/>
+                  <a:srgbClr val="FFFFFF"/>
                 </a:solidFill>
                 <a:latin typeface="Arial" panose="020B0604020202020204" pitchFamily="34" charset="0"/>
+                <a:ea typeface="+mj-ea"/>
                 <a:cs typeface="Arial" panose="020B0604020202020204" pitchFamily="34" charset="0"/>
               </a:rPr>
-              <a:t>CRIME HEAT MAP</a:t>
+              <a:t>AVERAGE CRIME PER CAPITA VS. CITY</a:t>
             </a:r>
           </a:p>
         </p:txBody>
       </p:sp>
       <p:pic>
         <p:nvPicPr>
-          <p:cNvPr id="6" name="Content Placeholder 5" descr="A close up of a map&#10;&#10;Description automatically generated">
+          <p:cNvPr id="11" name="Picture 10" descr="A screenshot of a cell phone&#10;&#10;Description automatically generated">
             <a:extLst>
               <a:ext uri="{FF2B5EF4-FFF2-40B4-BE49-F238E27FC236}">
-                <a16:creationId xmlns:a16="http://schemas.microsoft.com/office/drawing/2014/main" id="{DB710546-48CE-3349-AB84-E4F89FA115AD}"/>
+                <a16:creationId xmlns:a16="http://schemas.microsoft.com/office/drawing/2014/main" id="{4A05862F-343C-8D4F-B5F3-CEFEB7DE0C0E}"/>
               </a:ext>
             </a:extLst>
           </p:cNvPr>
           <p:cNvPicPr>
-            <a:picLocks noGrp="1" noChangeAspect="1"/>
+            <a:picLocks noChangeAspect="1"/>
           </p:cNvPicPr>
-          <p:nvPr>
-            <p:ph sz="half" idx="1"/>
-          </p:nvPr>
+          <p:nvPr/>
         </p:nvPicPr>
         <p:blipFill>
           <a:blip r:embed="rId3"/>
@@ -13975,38 +16711,52 @@
         </p:blipFill>
         <p:spPr>
           <a:xfrm>
-            <a:off x="3843551" y="837335"/>
-            <a:ext cx="7581465" cy="5183329"/>
+            <a:off x="4727962" y="1129906"/>
+            <a:ext cx="7006152" cy="4478119"/>
           </a:xfrm>
+          <a:prstGeom prst="rect">
+            <a:avLst/>
+          </a:prstGeom>
         </p:spPr>
       </p:pic>
       <p:sp>
         <p:nvSpPr>
-          <p:cNvPr id="7" name="Rectangle 6">
+          <p:cNvPr id="106" name="Rectangle 105">
             <a:extLst>
               <a:ext uri="{FF2B5EF4-FFF2-40B4-BE49-F238E27FC236}">
-                <a16:creationId xmlns:a16="http://schemas.microsoft.com/office/drawing/2014/main" id="{E6260E58-16F8-3645-8EE2-E414D6F6EC6D}"/>
+                <a16:creationId xmlns:a16="http://schemas.microsoft.com/office/drawing/2014/main" id="{4E34A3B6-BAD2-4156-BDC6-4736248BFDE0}"/>
+              </a:ext>
+              <a:ext uri="{C183D7F6-B498-43B3-948B-1728B52AA6E4}">
+                <adec:decorative xmlns:adec="http://schemas.microsoft.com/office/drawing/2017/decorative" val="1"/>
               </a:ext>
             </a:extLst>
           </p:cNvPr>
-          <p:cNvSpPr/>
-          <p:nvPr/>
+          <p:cNvSpPr>
+            <a:spLocks noGrp="1" noRot="1" noChangeAspect="1" noMove="1" noResize="1" noEditPoints="1" noAdjustHandles="1" noChangeArrowheads="1" noChangeShapeType="1" noTextEdit="1"/>
+          </p:cNvSpPr>
+          <p:nvPr>
+            <p:extLst>
+              <p:ext uri="{386F3935-93C4-4BCD-93E2-E3B085C9AB24}">
+                <p16:designElem xmlns:p16="http://schemas.microsoft.com/office/powerpoint/2015/main" val="1"/>
+              </p:ext>
+            </p:extLst>
+          </p:nvPr>
         </p:nvSpPr>
         <p:spPr>
           <a:xfrm>
-            <a:off x="552551" y="3753407"/>
-            <a:ext cx="238539" cy="197747"/>
+            <a:off x="11815864" y="758952"/>
+            <a:ext cx="384048" cy="5330952"/>
           </a:xfrm>
           <a:prstGeom prst="rect">
             <a:avLst/>
           </a:prstGeom>
           <a:solidFill>
-            <a:srgbClr val="FF0000"/>
+            <a:srgbClr val="C8C8C8">
+              <a:alpha val="49804"/>
+            </a:srgbClr>
           </a:solidFill>
           <a:ln>
-            <a:solidFill>
-              <a:schemeClr val="tx1"/>
-            </a:solidFill>
+            <a:noFill/>
           </a:ln>
         </p:spPr>
         <p:style>
@@ -14025,380 +16775,158 @@
             <a:schemeClr val="lt1"/>
           </a:fontRef>
         </p:style>
-        <p:txBody>
-          <a:bodyPr rtlCol="0" anchor="ctr"/>
-          <a:lstStyle/>
-          <a:p>
-            <a:pPr algn="ctr"/>
-            <a:endParaRPr lang="en-US"/>
-          </a:p>
-        </p:txBody>
-      </p:sp>
-      <p:sp>
-        <p:nvSpPr>
-          <p:cNvPr id="18" name="Rectangle 17">
+      </p:sp>
+      <p:pic>
+        <p:nvPicPr>
+          <p:cNvPr id="4" name="Content Placeholder 3" descr="A picture containing screenshot&#10;&#10;Description automatically generated">
             <a:extLst>
               <a:ext uri="{FF2B5EF4-FFF2-40B4-BE49-F238E27FC236}">
-                <a16:creationId xmlns:a16="http://schemas.microsoft.com/office/drawing/2014/main" id="{AECD351A-2702-0442-8B15-71CCB9E5F287}"/>
+                <a16:creationId xmlns:a16="http://schemas.microsoft.com/office/drawing/2014/main" id="{D7673217-906D-45CD-813D-10A8139B20BB}"/>
               </a:ext>
             </a:extLst>
           </p:cNvPr>
-          <p:cNvSpPr/>
-          <p:nvPr/>
-        </p:nvSpPr>
+          <p:cNvPicPr>
+            <a:picLocks noGrp="1" noChangeAspect="1"/>
+          </p:cNvPicPr>
+          <p:nvPr>
+            <p:ph sz="half" idx="1"/>
+          </p:nvPr>
+        </p:nvPicPr>
+        <p:blipFill>
+          <a:blip r:embed="rId3"/>
+          <a:stretch>
+            <a:fillRect/>
+          </a:stretch>
+        </p:blipFill>
         <p:spPr>
           <a:xfrm>
-            <a:off x="552543" y="4109429"/>
-            <a:ext cx="238539" cy="197747"/>
+            <a:off x="0" y="2265045"/>
+            <a:ext cx="4641850" cy="2785110"/>
           </a:xfrm>
-          <a:prstGeom prst="rect">
-            <a:avLst/>
-          </a:prstGeom>
-          <a:solidFill>
-            <a:schemeClr val="accent6">
-              <a:lumMod val="60000"/>
-              <a:lumOff val="40000"/>
-            </a:schemeClr>
-          </a:solidFill>
-          <a:ln>
-            <a:solidFill>
-              <a:schemeClr val="tx1"/>
-            </a:solidFill>
-          </a:ln>
         </p:spPr>
-        <p:style>
-          <a:lnRef idx="2">
-            <a:schemeClr val="accent1">
-              <a:shade val="50000"/>
-            </a:schemeClr>
-          </a:lnRef>
-          <a:fillRef idx="1">
-            <a:schemeClr val="accent1"/>
-          </a:fillRef>
-          <a:effectRef idx="0">
-            <a:schemeClr val="accent1"/>
-          </a:effectRef>
-          <a:fontRef idx="minor">
-            <a:schemeClr val="lt1"/>
-          </a:fontRef>
-        </p:style>
-        <p:txBody>
-          <a:bodyPr rtlCol="0" anchor="ctr"/>
-          <a:lstStyle/>
-          <a:p>
-            <a:pPr algn="ctr"/>
-            <a:endParaRPr lang="en-US"/>
-          </a:p>
-        </p:txBody>
-      </p:sp>
-      <p:sp>
-        <p:nvSpPr>
-          <p:cNvPr id="19" name="Rectangle 18">
+      </p:pic>
+      <p:pic>
+        <p:nvPicPr>
+          <p:cNvPr id="18" name="Picture 17" descr="A picture containing indoor, sitting, table, front&#10;&#10;Description automatically generated">
             <a:extLst>
               <a:ext uri="{FF2B5EF4-FFF2-40B4-BE49-F238E27FC236}">
-                <a16:creationId xmlns:a16="http://schemas.microsoft.com/office/drawing/2014/main" id="{6CF6337A-F535-D044-94F9-CF89CFD83AC4}"/>
+                <a16:creationId xmlns:a16="http://schemas.microsoft.com/office/drawing/2014/main" id="{26D81044-0E53-F447-B9BD-CFF27B394350}"/>
               </a:ext>
             </a:extLst>
           </p:cNvPr>
-          <p:cNvSpPr/>
+          <p:cNvPicPr>
+            <a:picLocks noChangeAspect="1"/>
+          </p:cNvPicPr>
           <p:nvPr/>
-        </p:nvSpPr>
+        </p:nvPicPr>
+        <p:blipFill>
+          <a:blip r:embed="rId4"/>
+          <a:stretch>
+            <a:fillRect/>
+          </a:stretch>
+        </p:blipFill>
         <p:spPr>
           <a:xfrm>
-            <a:off x="552543" y="4498694"/>
-            <a:ext cx="238539" cy="197747"/>
-          </a:xfrm>
-          <a:prstGeom prst="rect">
-            <a:avLst/>
-          </a:prstGeom>
-          <a:solidFill>
-            <a:schemeClr val="accent6">
-              <a:lumMod val="40000"/>
-              <a:lumOff val="60000"/>
-            </a:schemeClr>
-          </a:solidFill>
-          <a:ln>
-            <a:solidFill>
-              <a:schemeClr val="tx1"/>
-            </a:solidFill>
-          </a:ln>
-        </p:spPr>
-        <p:style>
-          <a:lnRef idx="2">
-            <a:schemeClr val="accent1">
-              <a:shade val="50000"/>
-            </a:schemeClr>
-          </a:lnRef>
-          <a:fillRef idx="1">
-            <a:schemeClr val="accent1"/>
-          </a:fillRef>
-          <a:effectRef idx="0">
-            <a:schemeClr val="accent1"/>
-          </a:effectRef>
-          <a:fontRef idx="minor">
-            <a:schemeClr val="lt1"/>
-          </a:fontRef>
-        </p:style>
-        <p:txBody>
-          <a:bodyPr rtlCol="0" anchor="ctr"/>
-          <a:lstStyle/>
-          <a:p>
-            <a:pPr algn="ctr"/>
-            <a:endParaRPr lang="en-US"/>
-          </a:p>
-        </p:txBody>
-      </p:sp>
-      <p:sp>
-        <p:nvSpPr>
-          <p:cNvPr id="20" name="Rectangle 19">
-            <a:extLst>
-              <a:ext uri="{FF2B5EF4-FFF2-40B4-BE49-F238E27FC236}">
-                <a16:creationId xmlns:a16="http://schemas.microsoft.com/office/drawing/2014/main" id="{CA3035FC-F718-4B43-8B93-CB280E9ACFA6}"/>
-              </a:ext>
-            </a:extLst>
-          </p:cNvPr>
-          <p:cNvSpPr/>
-          <p:nvPr/>
-        </p:nvSpPr>
-        <p:spPr>
-          <a:xfrm>
-            <a:off x="552543" y="4816446"/>
-            <a:ext cx="238539" cy="197747"/>
-          </a:xfrm>
-          <a:prstGeom prst="rect">
-            <a:avLst/>
-          </a:prstGeom>
-          <a:solidFill>
-            <a:schemeClr val="accent6">
-              <a:lumMod val="20000"/>
-              <a:lumOff val="80000"/>
-            </a:schemeClr>
-          </a:solidFill>
-          <a:ln>
-            <a:solidFill>
-              <a:schemeClr val="tx1"/>
-            </a:solidFill>
-          </a:ln>
-        </p:spPr>
-        <p:style>
-          <a:lnRef idx="2">
-            <a:schemeClr val="accent1">
-              <a:shade val="50000"/>
-            </a:schemeClr>
-          </a:lnRef>
-          <a:fillRef idx="1">
-            <a:schemeClr val="accent1"/>
-          </a:fillRef>
-          <a:effectRef idx="0">
-            <a:schemeClr val="accent1"/>
-          </a:effectRef>
-          <a:fontRef idx="minor">
-            <a:schemeClr val="lt1"/>
-          </a:fontRef>
-        </p:style>
-        <p:txBody>
-          <a:bodyPr rtlCol="0" anchor="ctr"/>
-          <a:lstStyle/>
-          <a:p>
-            <a:pPr algn="ctr"/>
-            <a:endParaRPr lang="en-US"/>
-          </a:p>
-        </p:txBody>
-      </p:sp>
-      <p:sp>
-        <p:nvSpPr>
-          <p:cNvPr id="21" name="Rectangle 20">
-            <a:extLst>
-              <a:ext uri="{FF2B5EF4-FFF2-40B4-BE49-F238E27FC236}">
-                <a16:creationId xmlns:a16="http://schemas.microsoft.com/office/drawing/2014/main" id="{A5C4DC68-A8F5-894F-829C-D1764D90023E}"/>
-              </a:ext>
-            </a:extLst>
-          </p:cNvPr>
-          <p:cNvSpPr/>
-          <p:nvPr/>
-        </p:nvSpPr>
-        <p:spPr>
-          <a:xfrm>
-            <a:off x="552543" y="5147419"/>
-            <a:ext cx="238539" cy="197747"/>
-          </a:xfrm>
-          <a:prstGeom prst="rect">
-            <a:avLst/>
-          </a:prstGeom>
-          <a:solidFill>
-            <a:schemeClr val="accent2">
-              <a:lumMod val="40000"/>
-              <a:lumOff val="60000"/>
-            </a:schemeClr>
-          </a:solidFill>
-          <a:ln>
-            <a:solidFill>
-              <a:schemeClr val="tx1"/>
-            </a:solidFill>
-          </a:ln>
-        </p:spPr>
-        <p:style>
-          <a:lnRef idx="2">
-            <a:schemeClr val="accent1">
-              <a:shade val="50000"/>
-            </a:schemeClr>
-          </a:lnRef>
-          <a:fillRef idx="1">
-            <a:schemeClr val="accent1"/>
-          </a:fillRef>
-          <a:effectRef idx="0">
-            <a:schemeClr val="accent1"/>
-          </a:effectRef>
-          <a:fontRef idx="minor">
-            <a:schemeClr val="lt1"/>
-          </a:fontRef>
-        </p:style>
-        <p:txBody>
-          <a:bodyPr rtlCol="0" anchor="ctr"/>
-          <a:lstStyle/>
-          <a:p>
-            <a:pPr algn="ctr"/>
-            <a:endParaRPr lang="en-US"/>
-          </a:p>
-        </p:txBody>
-      </p:sp>
-      <p:sp>
-        <p:nvSpPr>
-          <p:cNvPr id="22" name="Rectangle 21">
-            <a:extLst>
-              <a:ext uri="{FF2B5EF4-FFF2-40B4-BE49-F238E27FC236}">
-                <a16:creationId xmlns:a16="http://schemas.microsoft.com/office/drawing/2014/main" id="{B1CB3128-741D-F442-98D1-5AEC07C89155}"/>
-              </a:ext>
-            </a:extLst>
-          </p:cNvPr>
-          <p:cNvSpPr/>
-          <p:nvPr/>
-        </p:nvSpPr>
-        <p:spPr>
-          <a:xfrm>
-            <a:off x="552551" y="5512142"/>
-            <a:ext cx="238539" cy="197747"/>
-          </a:xfrm>
-          <a:prstGeom prst="rect">
-            <a:avLst/>
-          </a:prstGeom>
-          <a:solidFill>
-            <a:srgbClr val="92D050"/>
-          </a:solidFill>
-          <a:ln>
-            <a:solidFill>
-              <a:schemeClr val="tx1"/>
-            </a:solidFill>
-          </a:ln>
-        </p:spPr>
-        <p:style>
-          <a:lnRef idx="2">
-            <a:schemeClr val="accent1">
-              <a:shade val="50000"/>
-            </a:schemeClr>
-          </a:lnRef>
-          <a:fillRef idx="1">
-            <a:schemeClr val="accent1"/>
-          </a:fillRef>
-          <a:effectRef idx="0">
-            <a:schemeClr val="accent1"/>
-          </a:effectRef>
-          <a:fontRef idx="minor">
-            <a:schemeClr val="lt1"/>
-          </a:fontRef>
-        </p:style>
-        <p:txBody>
-          <a:bodyPr rtlCol="0" anchor="ctr"/>
-          <a:lstStyle/>
-          <a:p>
-            <a:pPr algn="ctr"/>
-            <a:endParaRPr lang="en-US" dirty="0">
-              <a:solidFill>
-                <a:srgbClr val="92D050"/>
-              </a:solidFill>
-            </a:endParaRPr>
-          </a:p>
-        </p:txBody>
-      </p:sp>
-      <p:sp>
-        <p:nvSpPr>
-          <p:cNvPr id="8" name="TextBox 7">
-            <a:extLst>
-              <a:ext uri="{FF2B5EF4-FFF2-40B4-BE49-F238E27FC236}">
-                <a16:creationId xmlns:a16="http://schemas.microsoft.com/office/drawing/2014/main" id="{19B056BC-1905-FB43-A9D8-EE270D8EF663}"/>
-              </a:ext>
-            </a:extLst>
-          </p:cNvPr>
-          <p:cNvSpPr txBox="1"/>
-          <p:nvPr/>
-        </p:nvSpPr>
-        <p:spPr>
-          <a:xfrm>
-            <a:off x="973305" y="3683003"/>
-            <a:ext cx="2293288" cy="338554"/>
-          </a:xfrm>
-          <a:prstGeom prst="rect">
-            <a:avLst/>
-          </a:prstGeom>
-          <a:noFill/>
-        </p:spPr>
-        <p:txBody>
-          <a:bodyPr wrap="square" rtlCol="0">
-            <a:spAutoFit/>
-          </a:bodyPr>
-          <a:lstStyle/>
-          <a:p>
-            <a:r>
-              <a:rPr lang="en-US" sz="1600" dirty="0">
-                <a:latin typeface="Arial" panose="020B0604020202020204" pitchFamily="34" charset="0"/>
-                <a:cs typeface="Arial" panose="020B0604020202020204" pitchFamily="34" charset="0"/>
-              </a:rPr>
-              <a:t>Highest Intensity </a:t>
-            </a:r>
-          </a:p>
-        </p:txBody>
-      </p:sp>
-      <p:sp>
-        <p:nvSpPr>
-          <p:cNvPr id="23" name="Rectangle 22">
-            <a:extLst>
-              <a:ext uri="{FF2B5EF4-FFF2-40B4-BE49-F238E27FC236}">
-                <a16:creationId xmlns:a16="http://schemas.microsoft.com/office/drawing/2014/main" id="{0C2E90A2-8107-FE49-A9A0-4C9202A542C0}"/>
-              </a:ext>
-            </a:extLst>
-          </p:cNvPr>
-          <p:cNvSpPr/>
-          <p:nvPr/>
-        </p:nvSpPr>
-        <p:spPr>
-          <a:xfrm>
-            <a:off x="973305" y="5441738"/>
-            <a:ext cx="1713931" cy="338554"/>
+            <a:off x="-7914" y="2208092"/>
+            <a:ext cx="4650141" cy="2898275"/>
           </a:xfrm>
           <a:prstGeom prst="rect">
             <a:avLst/>
           </a:prstGeom>
         </p:spPr>
-        <p:txBody>
-          <a:bodyPr wrap="none">
-            <a:spAutoFit/>
-          </a:bodyPr>
-          <a:lstStyle/>
-          <a:p>
-            <a:r>
-              <a:rPr lang="en-US" sz="1600" dirty="0">
-                <a:latin typeface="Arial" panose="020B0604020202020204" pitchFamily="34" charset="0"/>
-                <a:cs typeface="Arial" panose="020B0604020202020204" pitchFamily="34" charset="0"/>
-              </a:rPr>
-              <a:t>Lowest Intensity </a:t>
-            </a:r>
-          </a:p>
-        </p:txBody>
-      </p:sp>
+      </p:pic>
+      <p:cxnSp>
+        <p:nvCxnSpPr>
+          <p:cNvPr id="5" name="Straight Connector 4">
+            <a:extLst>
+              <a:ext uri="{FF2B5EF4-FFF2-40B4-BE49-F238E27FC236}">
+                <a16:creationId xmlns:a16="http://schemas.microsoft.com/office/drawing/2014/main" id="{F70DBCF0-7B75-4DC8-B995-79C3AC73C6D5}"/>
+              </a:ext>
+            </a:extLst>
+          </p:cNvPr>
+          <p:cNvCxnSpPr/>
+          <p:nvPr/>
+        </p:nvCxnSpPr>
+        <p:spPr>
+          <a:xfrm>
+            <a:off x="0" y="758952"/>
+            <a:ext cx="12199912" cy="0"/>
+          </a:xfrm>
+          <a:prstGeom prst="line">
+            <a:avLst/>
+          </a:prstGeom>
+          <a:ln w="19050">
+            <a:solidFill>
+              <a:schemeClr val="bg2">
+                <a:lumMod val="60000"/>
+                <a:lumOff val="40000"/>
+              </a:schemeClr>
+            </a:solidFill>
+          </a:ln>
+        </p:spPr>
+        <p:style>
+          <a:lnRef idx="1">
+            <a:schemeClr val="accent1"/>
+          </a:lnRef>
+          <a:fillRef idx="0">
+            <a:schemeClr val="accent1"/>
+          </a:fillRef>
+          <a:effectRef idx="0">
+            <a:schemeClr val="accent1"/>
+          </a:effectRef>
+          <a:fontRef idx="minor">
+            <a:schemeClr val="tx1"/>
+          </a:fontRef>
+        </p:style>
+      </p:cxnSp>
+      <p:cxnSp>
+        <p:nvCxnSpPr>
+          <p:cNvPr id="13" name="Straight Connector 12">
+            <a:extLst>
+              <a:ext uri="{FF2B5EF4-FFF2-40B4-BE49-F238E27FC236}">
+                <a16:creationId xmlns:a16="http://schemas.microsoft.com/office/drawing/2014/main" id="{807E0C3E-57E8-4E1C-9295-D6D7909211BC}"/>
+              </a:ext>
+            </a:extLst>
+          </p:cNvPr>
+          <p:cNvCxnSpPr/>
+          <p:nvPr/>
+        </p:nvCxnSpPr>
+        <p:spPr>
+          <a:xfrm>
+            <a:off x="-7914" y="6089904"/>
+            <a:ext cx="12199912" cy="0"/>
+          </a:xfrm>
+          <a:prstGeom prst="line">
+            <a:avLst/>
+          </a:prstGeom>
+          <a:ln w="19050">
+            <a:solidFill>
+              <a:schemeClr val="bg2">
+                <a:lumMod val="60000"/>
+                <a:lumOff val="40000"/>
+              </a:schemeClr>
+            </a:solidFill>
+          </a:ln>
+        </p:spPr>
+        <p:style>
+          <a:lnRef idx="1">
+            <a:schemeClr val="accent1"/>
+          </a:lnRef>
+          <a:fillRef idx="0">
+            <a:schemeClr val="accent1"/>
+          </a:fillRef>
+          <a:effectRef idx="0">
+            <a:schemeClr val="accent1"/>
+          </a:effectRef>
+          <a:fontRef idx="minor">
+            <a:schemeClr val="tx1"/>
+          </a:fontRef>
+        </p:style>
+      </p:cxnSp>
     </p:spTree>
     <p:extLst>
       <p:ext uri="{BB962C8B-B14F-4D97-AF65-F5344CB8AC3E}">
-        <p14:creationId xmlns:p14="http://schemas.microsoft.com/office/powerpoint/2010/main" val="2439079465"/>
+        <p14:creationId xmlns:p14="http://schemas.microsoft.com/office/powerpoint/2010/main" val="2035340543"/>
       </p:ext>
     </p:extLst>
   </p:cSld>
@@ -14435,40 +16963,102 @@
       </p:grpSpPr>
       <p:sp>
         <p:nvSpPr>
-          <p:cNvPr id="21" name="Rectangle 20">
+          <p:cNvPr id="2" name="Title 1">
             <a:extLst>
               <a:ext uri="{FF2B5EF4-FFF2-40B4-BE49-F238E27FC236}">
-                <a16:creationId xmlns:a16="http://schemas.microsoft.com/office/drawing/2014/main" id="{DB8424AB-D56B-4256-866A-5B54DE93C20F}"/>
-              </a:ext>
-              <a:ext uri="{C183D7F6-B498-43B3-948B-1728B52AA6E4}">
-                <adec:decorative xmlns:adec="http://schemas.microsoft.com/office/drawing/2017/decorative" val="1"/>
+                <a16:creationId xmlns:a16="http://schemas.microsoft.com/office/drawing/2014/main" id="{36ECF540-87B1-9A4B-9B36-FA23C40022E5}"/>
               </a:ext>
             </a:extLst>
           </p:cNvPr>
           <p:cNvSpPr>
-            <a:spLocks noGrp="1" noRot="1" noChangeAspect="1" noMove="1" noResize="1" noEditPoints="1" noAdjustHandles="1" noChangeArrowheads="1" noChangeShapeType="1" noTextEdit="1"/>
-          </p:cNvSpPr>
-          <p:nvPr>
-            <p:extLst>
-              <p:ext uri="{386F3935-93C4-4BCD-93E2-E3B085C9AB24}">
-                <p16:designElem xmlns:p16="http://schemas.microsoft.com/office/powerpoint/2015/main" val="1"/>
-              </p:ext>
-            </p:extLst>
+            <a:spLocks noGrp="1"/>
+          </p:cNvSpPr>
+          <p:nvPr>
+            <p:ph type="title"/>
           </p:nvPr>
         </p:nvSpPr>
         <p:spPr>
           <a:xfrm>
-            <a:off x="0" y="761999"/>
-            <a:ext cx="9141619" cy="5334001"/>
+            <a:off x="0" y="485329"/>
+            <a:ext cx="3502596" cy="1325563"/>
+          </a:xfrm>
+        </p:spPr>
+        <p:txBody>
+          <a:bodyPr>
+            <a:normAutofit/>
+          </a:bodyPr>
+          <a:lstStyle/>
+          <a:p>
+            <a:pPr algn="ctr"/>
+            <a:r>
+              <a:rPr lang="en-US" sz="2800" b="1" dirty="0">
+                <a:solidFill>
+                  <a:schemeClr val="bg1"/>
+                </a:solidFill>
+                <a:latin typeface="Arial" panose="020B0604020202020204" pitchFamily="34" charset="0"/>
+                <a:cs typeface="Arial" panose="020B0604020202020204" pitchFamily="34" charset="0"/>
+              </a:rPr>
+              <a:t>CRIME HEAT MAP</a:t>
+            </a:r>
+          </a:p>
+        </p:txBody>
+      </p:sp>
+      <p:pic>
+        <p:nvPicPr>
+          <p:cNvPr id="6" name="Content Placeholder 5" descr="A close up of a map&#10;&#10;Description automatically generated">
+            <a:extLst>
+              <a:ext uri="{FF2B5EF4-FFF2-40B4-BE49-F238E27FC236}">
+                <a16:creationId xmlns:a16="http://schemas.microsoft.com/office/drawing/2014/main" id="{DB710546-48CE-3349-AB84-E4F89FA115AD}"/>
+              </a:ext>
+            </a:extLst>
+          </p:cNvPr>
+          <p:cNvPicPr>
+            <a:picLocks noGrp="1" noChangeAspect="1"/>
+          </p:cNvPicPr>
+          <p:nvPr>
+            <p:ph sz="half" idx="1"/>
+          </p:nvPr>
+        </p:nvPicPr>
+        <p:blipFill>
+          <a:blip r:embed="rId3"/>
+          <a:stretch>
+            <a:fillRect/>
+          </a:stretch>
+        </p:blipFill>
+        <p:spPr>
+          <a:xfrm>
+            <a:off x="3843551" y="837335"/>
+            <a:ext cx="7581465" cy="5183329"/>
+          </a:xfrm>
+        </p:spPr>
+      </p:pic>
+      <p:sp>
+        <p:nvSpPr>
+          <p:cNvPr id="7" name="Rectangle 6">
+            <a:extLst>
+              <a:ext uri="{FF2B5EF4-FFF2-40B4-BE49-F238E27FC236}">
+                <a16:creationId xmlns:a16="http://schemas.microsoft.com/office/drawing/2014/main" id="{E6260E58-16F8-3645-8EE2-E414D6F6EC6D}"/>
+              </a:ext>
+            </a:extLst>
+          </p:cNvPr>
+          <p:cNvSpPr/>
+          <p:nvPr/>
+        </p:nvSpPr>
+        <p:spPr>
+          <a:xfrm>
+            <a:off x="552551" y="3753407"/>
+            <a:ext cx="238539" cy="197747"/>
           </a:xfrm>
           <a:prstGeom prst="rect">
             <a:avLst/>
           </a:prstGeom>
           <a:solidFill>
-            <a:schemeClr val="accent1"/>
+            <a:srgbClr val="FF0000"/>
           </a:solidFill>
           <a:ln>
-            <a:noFill/>
+            <a:solidFill>
+              <a:schemeClr val="tx1"/>
+            </a:solidFill>
           </a:ln>
         </p:spPr>
         <p:style>
@@ -14487,45 +17077,45 @@
             <a:schemeClr val="lt1"/>
           </a:fontRef>
         </p:style>
-      </p:sp>
-      <p:sp>
-        <p:nvSpPr>
-          <p:cNvPr id="23" name="Rectangle 22">
+        <p:txBody>
+          <a:bodyPr rtlCol="0" anchor="ctr"/>
+          <a:lstStyle/>
+          <a:p>
+            <a:pPr algn="ctr"/>
+            <a:endParaRPr lang="en-US"/>
+          </a:p>
+        </p:txBody>
+      </p:sp>
+      <p:sp>
+        <p:nvSpPr>
+          <p:cNvPr id="18" name="Rectangle 17">
             <a:extLst>
               <a:ext uri="{FF2B5EF4-FFF2-40B4-BE49-F238E27FC236}">
-                <a16:creationId xmlns:a16="http://schemas.microsoft.com/office/drawing/2014/main" id="{FC999C28-AD33-4EB7-A5F1-C06D10A5FDF7}"/>
-              </a:ext>
-              <a:ext uri="{C183D7F6-B498-43B3-948B-1728B52AA6E4}">
-                <adec:decorative xmlns:adec="http://schemas.microsoft.com/office/drawing/2017/decorative" val="1"/>
+                <a16:creationId xmlns:a16="http://schemas.microsoft.com/office/drawing/2014/main" id="{AECD351A-2702-0442-8B15-71CCB9E5F287}"/>
               </a:ext>
             </a:extLst>
           </p:cNvPr>
-          <p:cNvSpPr>
-            <a:spLocks noGrp="1" noRot="1" noChangeAspect="1" noMove="1" noResize="1" noEditPoints="1" noAdjustHandles="1" noChangeArrowheads="1" noChangeShapeType="1" noTextEdit="1"/>
-          </p:cNvSpPr>
-          <p:nvPr>
-            <p:extLst>
-              <p:ext uri="{386F3935-93C4-4BCD-93E2-E3B085C9AB24}">
-                <p16:designElem xmlns:p16="http://schemas.microsoft.com/office/powerpoint/2015/main" val="1"/>
-              </p:ext>
-            </p:extLst>
-          </p:nvPr>
+          <p:cNvSpPr/>
+          <p:nvPr/>
         </p:nvSpPr>
         <p:spPr>
           <a:xfrm>
-            <a:off x="9270263" y="761999"/>
-            <a:ext cx="2925318" cy="5334001"/>
+            <a:off x="552543" y="4109429"/>
+            <a:ext cx="238539" cy="197747"/>
           </a:xfrm>
           <a:prstGeom prst="rect">
             <a:avLst/>
           </a:prstGeom>
           <a:solidFill>
-            <a:srgbClr val="C8C8C8">
-              <a:alpha val="49804"/>
-            </a:srgbClr>
+            <a:schemeClr val="accent6">
+              <a:lumMod val="60000"/>
+              <a:lumOff val="40000"/>
+            </a:schemeClr>
           </a:solidFill>
           <a:ln>
-            <a:noFill/>
+            <a:solidFill>
+              <a:schemeClr val="tx1"/>
+            </a:solidFill>
           </a:ln>
         </p:spPr>
         <p:style>
@@ -14544,40 +17134,45 @@
             <a:schemeClr val="lt1"/>
           </a:fontRef>
         </p:style>
-      </p:sp>
-      <p:sp useBgFill="1">
-        <p:nvSpPr>
-          <p:cNvPr id="25" name="Rectangle 24">
+        <p:txBody>
+          <a:bodyPr rtlCol="0" anchor="ctr"/>
+          <a:lstStyle/>
+          <a:p>
+            <a:pPr algn="ctr"/>
+            <a:endParaRPr lang="en-US"/>
+          </a:p>
+        </p:txBody>
+      </p:sp>
+      <p:sp>
+        <p:nvSpPr>
+          <p:cNvPr id="19" name="Rectangle 18">
             <a:extLst>
               <a:ext uri="{FF2B5EF4-FFF2-40B4-BE49-F238E27FC236}">
-                <a16:creationId xmlns:a16="http://schemas.microsoft.com/office/drawing/2014/main" id="{0864E5C9-52C9-4572-AC75-548B9B9C2648}"/>
-              </a:ext>
-              <a:ext uri="{C183D7F6-B498-43B3-948B-1728B52AA6E4}">
-                <adec:decorative xmlns:adec="http://schemas.microsoft.com/office/drawing/2017/decorative" val="1"/>
+                <a16:creationId xmlns:a16="http://schemas.microsoft.com/office/drawing/2014/main" id="{6CF6337A-F535-D044-94F9-CF89CFD83AC4}"/>
               </a:ext>
             </a:extLst>
           </p:cNvPr>
-          <p:cNvSpPr>
-            <a:spLocks noGrp="1" noRot="1" noChangeAspect="1" noMove="1" noResize="1" noEditPoints="1" noAdjustHandles="1" noChangeArrowheads="1" noChangeShapeType="1" noTextEdit="1"/>
-          </p:cNvSpPr>
-          <p:nvPr>
-            <p:extLst>
-              <p:ext uri="{386F3935-93C4-4BCD-93E2-E3B085C9AB24}">
-                <p16:designElem xmlns:p16="http://schemas.microsoft.com/office/powerpoint/2015/main" val="1"/>
-              </p:ext>
-            </p:extLst>
-          </p:nvPr>
+          <p:cNvSpPr/>
+          <p:nvPr/>
         </p:nvSpPr>
         <p:spPr>
           <a:xfrm>
-            <a:off x="0" y="0"/>
-            <a:ext cx="12191999" cy="6858000"/>
+            <a:off x="552543" y="4498694"/>
+            <a:ext cx="238539" cy="197747"/>
           </a:xfrm>
           <a:prstGeom prst="rect">
             <a:avLst/>
           </a:prstGeom>
+          <a:solidFill>
+            <a:schemeClr val="accent6">
+              <a:lumMod val="40000"/>
+              <a:lumOff val="60000"/>
+            </a:schemeClr>
+          </a:solidFill>
           <a:ln>
-            <a:noFill/>
+            <a:solidFill>
+              <a:schemeClr val="tx1"/>
+            </a:solidFill>
           </a:ln>
         </p:spPr>
         <p:style>
@@ -14607,40 +17202,34 @@
       </p:sp>
       <p:sp>
         <p:nvSpPr>
-          <p:cNvPr id="27" name="Rectangle 26">
+          <p:cNvPr id="20" name="Rectangle 19">
             <a:extLst>
               <a:ext uri="{FF2B5EF4-FFF2-40B4-BE49-F238E27FC236}">
-                <a16:creationId xmlns:a16="http://schemas.microsoft.com/office/drawing/2014/main" id="{45CC6500-4DBD-4C34-BC14-2387FB483BEB}"/>
-              </a:ext>
-              <a:ext uri="{C183D7F6-B498-43B3-948B-1728B52AA6E4}">
-                <adec:decorative xmlns:adec="http://schemas.microsoft.com/office/drawing/2017/decorative" val="1"/>
+                <a16:creationId xmlns:a16="http://schemas.microsoft.com/office/drawing/2014/main" id="{CA3035FC-F718-4B43-8B93-CB280E9ACFA6}"/>
               </a:ext>
             </a:extLst>
           </p:cNvPr>
-          <p:cNvSpPr>
-            <a:spLocks noGrp="1" noRot="1" noChangeAspect="1" noMove="1" noResize="1" noEditPoints="1" noAdjustHandles="1" noChangeArrowheads="1" noChangeShapeType="1" noTextEdit="1"/>
-          </p:cNvSpPr>
-          <p:nvPr>
-            <p:extLst>
-              <p:ext uri="{386F3935-93C4-4BCD-93E2-E3B085C9AB24}">
-                <p16:designElem xmlns:p16="http://schemas.microsoft.com/office/powerpoint/2015/main" val="1"/>
-              </p:ext>
-            </p:extLst>
-          </p:nvPr>
+          <p:cNvSpPr/>
+          <p:nvPr/>
         </p:nvSpPr>
         <p:spPr>
           <a:xfrm>
-            <a:off x="1" y="761999"/>
-            <a:ext cx="4642228" cy="5334001"/>
+            <a:off x="552543" y="4816446"/>
+            <a:ext cx="238539" cy="197747"/>
           </a:xfrm>
           <a:prstGeom prst="rect">
             <a:avLst/>
           </a:prstGeom>
           <a:solidFill>
-            <a:schemeClr val="accent1"/>
+            <a:schemeClr val="accent6">
+              <a:lumMod val="20000"/>
+              <a:lumOff val="80000"/>
+            </a:schemeClr>
           </a:solidFill>
           <a:ln>
-            <a:noFill/>
+            <a:solidFill>
+              <a:schemeClr val="tx1"/>
+            </a:solidFill>
           </a:ln>
         </p:spPr>
         <p:style>
@@ -14659,110 +17248,45 @@
             <a:schemeClr val="lt1"/>
           </a:fontRef>
         </p:style>
-      </p:sp>
-      <p:sp>
-        <p:nvSpPr>
-          <p:cNvPr id="2" name="Title 1">
+        <p:txBody>
+          <a:bodyPr rtlCol="0" anchor="ctr"/>
+          <a:lstStyle/>
+          <a:p>
+            <a:pPr algn="ctr"/>
+            <a:endParaRPr lang="en-US"/>
+          </a:p>
+        </p:txBody>
+      </p:sp>
+      <p:sp>
+        <p:nvSpPr>
+          <p:cNvPr id="21" name="Rectangle 20">
             <a:extLst>
               <a:ext uri="{FF2B5EF4-FFF2-40B4-BE49-F238E27FC236}">
-                <a16:creationId xmlns:a16="http://schemas.microsoft.com/office/drawing/2014/main" id="{2135BBC7-B59A-6D41-8796-3BC756EB830B}"/>
+                <a16:creationId xmlns:a16="http://schemas.microsoft.com/office/drawing/2014/main" id="{A5C4DC68-A8F5-894F-829C-D1764D90023E}"/>
               </a:ext>
             </a:extLst>
           </p:cNvPr>
-          <p:cNvSpPr>
-            <a:spLocks noGrp="1"/>
-          </p:cNvSpPr>
-          <p:nvPr>
-            <p:ph type="title"/>
-          </p:nvPr>
+          <p:cNvSpPr/>
+          <p:nvPr/>
         </p:nvSpPr>
         <p:spPr>
           <a:xfrm>
-            <a:off x="691771" y="1796796"/>
-            <a:ext cx="3258688" cy="3255264"/>
-          </a:xfrm>
-        </p:spPr>
-        <p:txBody>
-          <a:bodyPr vert="horz" lIns="91440" tIns="45720" rIns="91440" bIns="45720" rtlCol="0" anchor="b">
-            <a:normAutofit/>
-          </a:bodyPr>
-          <a:lstStyle/>
-          <a:p>
-            <a:r>
-              <a:rPr lang="en-US" sz="4600" b="1" spc="-100" dirty="0"/>
-              <a:t>TOTAL CRIME AVG. PER CAPITA IN CITIES</a:t>
-            </a:r>
-            <a:endParaRPr lang="en-US" sz="4600" spc="-100" dirty="0"/>
-          </a:p>
-        </p:txBody>
-      </p:sp>
-      <p:pic>
-        <p:nvPicPr>
-          <p:cNvPr id="6" name="Picture 5" descr="A screenshot of a cell phone&#10;&#10;Description automatically generated">
-            <a:extLst>
-              <a:ext uri="{FF2B5EF4-FFF2-40B4-BE49-F238E27FC236}">
-                <a16:creationId xmlns:a16="http://schemas.microsoft.com/office/drawing/2014/main" id="{C8E75981-7D8B-4417-A135-99A20D140610}"/>
-              </a:ext>
-            </a:extLst>
-          </p:cNvPr>
-          <p:cNvPicPr>
-            <a:picLocks noChangeAspect="1"/>
-          </p:cNvPicPr>
-          <p:nvPr/>
-        </p:nvPicPr>
-        <p:blipFill rotWithShape="1">
-          <a:blip r:embed="rId2"/>
-          <a:srcRect l="6907" t="7287" r="9318" b="5891"/>
-          <a:stretch/>
-        </p:blipFill>
-        <p:spPr>
-          <a:xfrm>
-            <a:off x="4684761" y="1318342"/>
-            <a:ext cx="7044991" cy="4380711"/>
-          </a:xfrm>
-          <a:prstGeom prst="rect">
-            <a:avLst/>
-          </a:prstGeom>
-        </p:spPr>
-      </p:pic>
-      <p:sp>
-        <p:nvSpPr>
-          <p:cNvPr id="29" name="Rectangle 28">
-            <a:extLst>
-              <a:ext uri="{FF2B5EF4-FFF2-40B4-BE49-F238E27FC236}">
-                <a16:creationId xmlns:a16="http://schemas.microsoft.com/office/drawing/2014/main" id="{4E34A3B6-BAD2-4156-BDC6-4736248BFDE0}"/>
-              </a:ext>
-              <a:ext uri="{C183D7F6-B498-43B3-948B-1728B52AA6E4}">
-                <adec:decorative xmlns:adec="http://schemas.microsoft.com/office/drawing/2017/decorative" val="1"/>
-              </a:ext>
-            </a:extLst>
-          </p:cNvPr>
-          <p:cNvSpPr>
-            <a:spLocks noGrp="1" noRot="1" noChangeAspect="1" noMove="1" noResize="1" noEditPoints="1" noAdjustHandles="1" noChangeArrowheads="1" noChangeShapeType="1" noTextEdit="1"/>
-          </p:cNvSpPr>
-          <p:nvPr>
-            <p:extLst>
-              <p:ext uri="{386F3935-93C4-4BCD-93E2-E3B085C9AB24}">
-                <p16:designElem xmlns:p16="http://schemas.microsoft.com/office/powerpoint/2015/main" val="1"/>
-              </p:ext>
-            </p:extLst>
-          </p:nvPr>
-        </p:nvSpPr>
-        <p:spPr>
-          <a:xfrm>
-            <a:off x="11815864" y="758952"/>
-            <a:ext cx="384048" cy="5330952"/>
+            <a:off x="552543" y="5147419"/>
+            <a:ext cx="238539" cy="197747"/>
           </a:xfrm>
           <a:prstGeom prst="rect">
             <a:avLst/>
           </a:prstGeom>
           <a:solidFill>
-            <a:srgbClr val="C8C8C8">
-              <a:alpha val="49804"/>
-            </a:srgbClr>
+            <a:schemeClr val="accent2">
+              <a:lumMod val="40000"/>
+              <a:lumOff val="60000"/>
+            </a:schemeClr>
           </a:solidFill>
           <a:ln>
-            <a:noFill/>
+            <a:solidFill>
+              <a:schemeClr val="tx1"/>
+            </a:solidFill>
           </a:ln>
         </p:spPr>
         <p:style>
@@ -14781,11 +17305,240 @@
             <a:schemeClr val="lt1"/>
           </a:fontRef>
         </p:style>
-      </p:sp>
+        <p:txBody>
+          <a:bodyPr rtlCol="0" anchor="ctr"/>
+          <a:lstStyle/>
+          <a:p>
+            <a:pPr algn="ctr"/>
+            <a:endParaRPr lang="en-US"/>
+          </a:p>
+        </p:txBody>
+      </p:sp>
+      <p:sp>
+        <p:nvSpPr>
+          <p:cNvPr id="22" name="Rectangle 21">
+            <a:extLst>
+              <a:ext uri="{FF2B5EF4-FFF2-40B4-BE49-F238E27FC236}">
+                <a16:creationId xmlns:a16="http://schemas.microsoft.com/office/drawing/2014/main" id="{B1CB3128-741D-F442-98D1-5AEC07C89155}"/>
+              </a:ext>
+            </a:extLst>
+          </p:cNvPr>
+          <p:cNvSpPr/>
+          <p:nvPr/>
+        </p:nvSpPr>
+        <p:spPr>
+          <a:xfrm>
+            <a:off x="552551" y="5512142"/>
+            <a:ext cx="238539" cy="197747"/>
+          </a:xfrm>
+          <a:prstGeom prst="rect">
+            <a:avLst/>
+          </a:prstGeom>
+          <a:solidFill>
+            <a:srgbClr val="92D050"/>
+          </a:solidFill>
+          <a:ln>
+            <a:solidFill>
+              <a:schemeClr val="tx1"/>
+            </a:solidFill>
+          </a:ln>
+        </p:spPr>
+        <p:style>
+          <a:lnRef idx="2">
+            <a:schemeClr val="accent1">
+              <a:shade val="50000"/>
+            </a:schemeClr>
+          </a:lnRef>
+          <a:fillRef idx="1">
+            <a:schemeClr val="accent1"/>
+          </a:fillRef>
+          <a:effectRef idx="0">
+            <a:schemeClr val="accent1"/>
+          </a:effectRef>
+          <a:fontRef idx="minor">
+            <a:schemeClr val="lt1"/>
+          </a:fontRef>
+        </p:style>
+        <p:txBody>
+          <a:bodyPr rtlCol="0" anchor="ctr"/>
+          <a:lstStyle/>
+          <a:p>
+            <a:pPr algn="ctr"/>
+            <a:endParaRPr lang="en-US" dirty="0">
+              <a:solidFill>
+                <a:srgbClr val="92D050"/>
+              </a:solidFill>
+            </a:endParaRPr>
+          </a:p>
+        </p:txBody>
+      </p:sp>
+      <p:sp>
+        <p:nvSpPr>
+          <p:cNvPr id="8" name="TextBox 7">
+            <a:extLst>
+              <a:ext uri="{FF2B5EF4-FFF2-40B4-BE49-F238E27FC236}">
+                <a16:creationId xmlns:a16="http://schemas.microsoft.com/office/drawing/2014/main" id="{19B056BC-1905-FB43-A9D8-EE270D8EF663}"/>
+              </a:ext>
+            </a:extLst>
+          </p:cNvPr>
+          <p:cNvSpPr txBox="1"/>
+          <p:nvPr/>
+        </p:nvSpPr>
+        <p:spPr>
+          <a:xfrm>
+            <a:off x="973305" y="3683003"/>
+            <a:ext cx="2293288" cy="338554"/>
+          </a:xfrm>
+          <a:prstGeom prst="rect">
+            <a:avLst/>
+          </a:prstGeom>
+          <a:noFill/>
+        </p:spPr>
+        <p:txBody>
+          <a:bodyPr wrap="square" rtlCol="0">
+            <a:spAutoFit/>
+          </a:bodyPr>
+          <a:lstStyle/>
+          <a:p>
+            <a:r>
+              <a:rPr lang="en-US" sz="1600" dirty="0">
+                <a:latin typeface="Arial" panose="020B0604020202020204" pitchFamily="34" charset="0"/>
+                <a:cs typeface="Arial" panose="020B0604020202020204" pitchFamily="34" charset="0"/>
+              </a:rPr>
+              <a:t>Highest Intensity </a:t>
+            </a:r>
+          </a:p>
+        </p:txBody>
+      </p:sp>
+      <p:sp>
+        <p:nvSpPr>
+          <p:cNvPr id="23" name="Rectangle 22">
+            <a:extLst>
+              <a:ext uri="{FF2B5EF4-FFF2-40B4-BE49-F238E27FC236}">
+                <a16:creationId xmlns:a16="http://schemas.microsoft.com/office/drawing/2014/main" id="{0C2E90A2-8107-FE49-A9A0-4C9202A542C0}"/>
+              </a:ext>
+            </a:extLst>
+          </p:cNvPr>
+          <p:cNvSpPr/>
+          <p:nvPr/>
+        </p:nvSpPr>
+        <p:spPr>
+          <a:xfrm>
+            <a:off x="973305" y="5441738"/>
+            <a:ext cx="1713931" cy="338554"/>
+          </a:xfrm>
+          <a:prstGeom prst="rect">
+            <a:avLst/>
+          </a:prstGeom>
+        </p:spPr>
+        <p:txBody>
+          <a:bodyPr wrap="none">
+            <a:spAutoFit/>
+          </a:bodyPr>
+          <a:lstStyle/>
+          <a:p>
+            <a:r>
+              <a:rPr lang="en-US" sz="1600" dirty="0">
+                <a:latin typeface="Arial" panose="020B0604020202020204" pitchFamily="34" charset="0"/>
+                <a:cs typeface="Arial" panose="020B0604020202020204" pitchFamily="34" charset="0"/>
+              </a:rPr>
+              <a:t>Lowest Intensity </a:t>
+            </a:r>
+          </a:p>
+        </p:txBody>
+      </p:sp>
+      <p:cxnSp>
+        <p:nvCxnSpPr>
+          <p:cNvPr id="12" name="Straight Connector 11">
+            <a:extLst>
+              <a:ext uri="{FF2B5EF4-FFF2-40B4-BE49-F238E27FC236}">
+                <a16:creationId xmlns:a16="http://schemas.microsoft.com/office/drawing/2014/main" id="{22B88E29-8F44-43C1-903B-B9241240D49F}"/>
+              </a:ext>
+            </a:extLst>
+          </p:cNvPr>
+          <p:cNvCxnSpPr/>
+          <p:nvPr/>
+        </p:nvCxnSpPr>
+        <p:spPr>
+          <a:xfrm>
+            <a:off x="0" y="758952"/>
+            <a:ext cx="12199912" cy="0"/>
+          </a:xfrm>
+          <a:prstGeom prst="line">
+            <a:avLst/>
+          </a:prstGeom>
+          <a:ln w="19050">
+            <a:solidFill>
+              <a:schemeClr val="bg2">
+                <a:lumMod val="60000"/>
+                <a:lumOff val="40000"/>
+              </a:schemeClr>
+            </a:solidFill>
+          </a:ln>
+        </p:spPr>
+        <p:style>
+          <a:lnRef idx="1">
+            <a:schemeClr val="accent1"/>
+          </a:lnRef>
+          <a:fillRef idx="0">
+            <a:schemeClr val="accent1"/>
+          </a:fillRef>
+          <a:effectRef idx="0">
+            <a:schemeClr val="accent1"/>
+          </a:effectRef>
+          <a:fontRef idx="minor">
+            <a:schemeClr val="tx1"/>
+          </a:fontRef>
+        </p:style>
+      </p:cxnSp>
+      <p:cxnSp>
+        <p:nvCxnSpPr>
+          <p:cNvPr id="13" name="Straight Connector 12">
+            <a:extLst>
+              <a:ext uri="{FF2B5EF4-FFF2-40B4-BE49-F238E27FC236}">
+                <a16:creationId xmlns:a16="http://schemas.microsoft.com/office/drawing/2014/main" id="{33584971-F89A-45B6-9169-F67E256CB902}"/>
+              </a:ext>
+            </a:extLst>
+          </p:cNvPr>
+          <p:cNvCxnSpPr/>
+          <p:nvPr/>
+        </p:nvCxnSpPr>
+        <p:spPr>
+          <a:xfrm>
+            <a:off x="-7914" y="6089904"/>
+            <a:ext cx="12199912" cy="0"/>
+          </a:xfrm>
+          <a:prstGeom prst="line">
+            <a:avLst/>
+          </a:prstGeom>
+          <a:ln w="19050">
+            <a:solidFill>
+              <a:schemeClr val="bg2">
+                <a:lumMod val="60000"/>
+                <a:lumOff val="40000"/>
+              </a:schemeClr>
+            </a:solidFill>
+          </a:ln>
+        </p:spPr>
+        <p:style>
+          <a:lnRef idx="1">
+            <a:schemeClr val="accent1"/>
+          </a:lnRef>
+          <a:fillRef idx="0">
+            <a:schemeClr val="accent1"/>
+          </a:fillRef>
+          <a:effectRef idx="0">
+            <a:schemeClr val="accent1"/>
+          </a:effectRef>
+          <a:fontRef idx="minor">
+            <a:schemeClr val="tx1"/>
+          </a:fontRef>
+        </p:style>
+      </p:cxnSp>
     </p:spTree>
     <p:extLst>
       <p:ext uri="{BB962C8B-B14F-4D97-AF65-F5344CB8AC3E}">
-        <p14:creationId xmlns:p14="http://schemas.microsoft.com/office/powerpoint/2010/main" val="3796967082"/>
+        <p14:creationId xmlns:p14="http://schemas.microsoft.com/office/powerpoint/2010/main" val="2439079465"/>
       </p:ext>
     </p:extLst>
   </p:cSld>
@@ -14820,12 +17573,12 @@
           <a:chExt cx="0" cy="0"/>
         </a:xfrm>
       </p:grpSpPr>
-      <p:sp useBgFill="1">
-        <p:nvSpPr>
-          <p:cNvPr id="19" name="Rectangle 18">
+      <p:sp>
+        <p:nvSpPr>
+          <p:cNvPr id="21" name="Rectangle 20">
             <a:extLst>
               <a:ext uri="{FF2B5EF4-FFF2-40B4-BE49-F238E27FC236}">
-                <a16:creationId xmlns:a16="http://schemas.microsoft.com/office/drawing/2014/main" id="{B5DC95B7-2A72-483B-BA19-2BE751205541}"/>
+                <a16:creationId xmlns:a16="http://schemas.microsoft.com/office/drawing/2014/main" id="{DB8424AB-D56B-4256-866A-5B54DE93C20F}"/>
               </a:ext>
               <a:ext uri="{C183D7F6-B498-43B3-948B-1728B52AA6E4}">
                 <adec:decorative xmlns:adec="http://schemas.microsoft.com/office/drawing/2017/decorative" val="1"/>
@@ -14845,8 +17598,120 @@
         </p:nvSpPr>
         <p:spPr>
           <a:xfrm>
+            <a:off x="0" y="761999"/>
+            <a:ext cx="9141619" cy="5334001"/>
+          </a:xfrm>
+          <a:prstGeom prst="rect">
+            <a:avLst/>
+          </a:prstGeom>
+          <a:solidFill>
+            <a:schemeClr val="accent1"/>
+          </a:solidFill>
+          <a:ln>
+            <a:noFill/>
+          </a:ln>
+        </p:spPr>
+        <p:style>
+          <a:lnRef idx="2">
+            <a:schemeClr val="accent1">
+              <a:shade val="50000"/>
+            </a:schemeClr>
+          </a:lnRef>
+          <a:fillRef idx="1">
+            <a:schemeClr val="accent1"/>
+          </a:fillRef>
+          <a:effectRef idx="0">
+            <a:schemeClr val="accent1"/>
+          </a:effectRef>
+          <a:fontRef idx="minor">
+            <a:schemeClr val="lt1"/>
+          </a:fontRef>
+        </p:style>
+      </p:sp>
+      <p:sp>
+        <p:nvSpPr>
+          <p:cNvPr id="23" name="Rectangle 22">
+            <a:extLst>
+              <a:ext uri="{FF2B5EF4-FFF2-40B4-BE49-F238E27FC236}">
+                <a16:creationId xmlns:a16="http://schemas.microsoft.com/office/drawing/2014/main" id="{FC999C28-AD33-4EB7-A5F1-C06D10A5FDF7}"/>
+              </a:ext>
+              <a:ext uri="{C183D7F6-B498-43B3-948B-1728B52AA6E4}">
+                <adec:decorative xmlns:adec="http://schemas.microsoft.com/office/drawing/2017/decorative" val="1"/>
+              </a:ext>
+            </a:extLst>
+          </p:cNvPr>
+          <p:cNvSpPr>
+            <a:spLocks noGrp="1" noRot="1" noChangeAspect="1" noMove="1" noResize="1" noEditPoints="1" noAdjustHandles="1" noChangeArrowheads="1" noChangeShapeType="1" noTextEdit="1"/>
+          </p:cNvSpPr>
+          <p:nvPr>
+            <p:extLst>
+              <p:ext uri="{386F3935-93C4-4BCD-93E2-E3B085C9AB24}">
+                <p16:designElem xmlns:p16="http://schemas.microsoft.com/office/powerpoint/2015/main" val="1"/>
+              </p:ext>
+            </p:extLst>
+          </p:nvPr>
+        </p:nvSpPr>
+        <p:spPr>
+          <a:xfrm>
+            <a:off x="9270263" y="761999"/>
+            <a:ext cx="2925318" cy="5334001"/>
+          </a:xfrm>
+          <a:prstGeom prst="rect">
+            <a:avLst/>
+          </a:prstGeom>
+          <a:solidFill>
+            <a:srgbClr val="C8C8C8">
+              <a:alpha val="49804"/>
+            </a:srgbClr>
+          </a:solidFill>
+          <a:ln>
+            <a:noFill/>
+          </a:ln>
+        </p:spPr>
+        <p:style>
+          <a:lnRef idx="2">
+            <a:schemeClr val="accent1">
+              <a:shade val="50000"/>
+            </a:schemeClr>
+          </a:lnRef>
+          <a:fillRef idx="1">
+            <a:schemeClr val="accent1"/>
+          </a:fillRef>
+          <a:effectRef idx="0">
+            <a:schemeClr val="accent1"/>
+          </a:effectRef>
+          <a:fontRef idx="minor">
+            <a:schemeClr val="lt1"/>
+          </a:fontRef>
+        </p:style>
+      </p:sp>
+      <p:sp useBgFill="1">
+        <p:nvSpPr>
+          <p:cNvPr id="25" name="Rectangle 24">
+            <a:extLst>
+              <a:ext uri="{FF2B5EF4-FFF2-40B4-BE49-F238E27FC236}">
+                <a16:creationId xmlns:a16="http://schemas.microsoft.com/office/drawing/2014/main" id="{0864E5C9-52C9-4572-AC75-548B9B9C2648}"/>
+              </a:ext>
+              <a:ext uri="{C183D7F6-B498-43B3-948B-1728B52AA6E4}">
+                <adec:decorative xmlns:adec="http://schemas.microsoft.com/office/drawing/2017/decorative" val="1"/>
+              </a:ext>
+            </a:extLst>
+          </p:cNvPr>
+          <p:cNvSpPr>
+            <a:spLocks noGrp="1" noRot="1" noChangeAspect="1" noMove="1" noResize="1" noEditPoints="1" noAdjustHandles="1" noChangeArrowheads="1" noChangeShapeType="1" noTextEdit="1"/>
+          </p:cNvSpPr>
+          <p:nvPr>
+            <p:extLst>
+              <p:ext uri="{386F3935-93C4-4BCD-93E2-E3B085C9AB24}">
+                <p16:designElem xmlns:p16="http://schemas.microsoft.com/office/powerpoint/2015/main" val="1"/>
+              </p:ext>
+            </p:extLst>
+          </p:nvPr>
+        </p:nvSpPr>
+        <p:spPr>
+          <a:xfrm>
             <a:off x="0" y="0"/>
-            <a:ext cx="12192000" cy="6858000"/>
+            <a:ext cx="12191999" cy="6858000"/>
           </a:xfrm>
           <a:prstGeom prst="rect">
             <a:avLst/>
@@ -14882,10 +17747,10 @@
       </p:sp>
       <p:sp>
         <p:nvSpPr>
-          <p:cNvPr id="21" name="Rectangle 20">
+          <p:cNvPr id="27" name="Rectangle 26">
             <a:extLst>
               <a:ext uri="{FF2B5EF4-FFF2-40B4-BE49-F238E27FC236}">
-                <a16:creationId xmlns:a16="http://schemas.microsoft.com/office/drawing/2014/main" id="{1C822AFE-7E96-4A51-9E55-FCAEACD21357}"/>
+                <a16:creationId xmlns:a16="http://schemas.microsoft.com/office/drawing/2014/main" id="{45CC6500-4DBD-4C34-BC14-2387FB483BEB}"/>
               </a:ext>
               <a:ext uri="{C183D7F6-B498-43B3-948B-1728B52AA6E4}">
                 <adec:decorative xmlns:adec="http://schemas.microsoft.com/office/drawing/2017/decorative" val="1"/>
@@ -14905,8 +17770,8 @@
         </p:nvSpPr>
         <p:spPr>
           <a:xfrm>
-            <a:off x="7850120" y="757325"/>
-            <a:ext cx="4341880" cy="5329325"/>
+            <a:off x="1" y="761999"/>
+            <a:ext cx="4642228" cy="5334001"/>
           </a:xfrm>
           <a:prstGeom prst="rect">
             <a:avLst/>
@@ -14934,99 +17799,78 @@
             <a:schemeClr val="lt1"/>
           </a:fontRef>
         </p:style>
-        <p:txBody>
-          <a:bodyPr rtlCol="0" anchor="ctr"/>
-          <a:lstStyle/>
-          <a:p>
-            <a:pPr algn="ctr"/>
-            <a:endParaRPr lang="en-US"/>
-          </a:p>
-        </p:txBody>
-      </p:sp>
-      <p:sp>
-        <p:nvSpPr>
-          <p:cNvPr id="9" name="Title 4">
+      </p:sp>
+      <p:sp>
+        <p:nvSpPr>
+          <p:cNvPr id="2" name="Title 1">
             <a:extLst>
               <a:ext uri="{FF2B5EF4-FFF2-40B4-BE49-F238E27FC236}">
-                <a16:creationId xmlns:a16="http://schemas.microsoft.com/office/drawing/2014/main" id="{B3BCF04F-53F8-EB44-86BC-8E673A80BEE2}"/>
+                <a16:creationId xmlns:a16="http://schemas.microsoft.com/office/drawing/2014/main" id="{2135BBC7-B59A-6D41-8796-3BC756EB830B}"/>
               </a:ext>
             </a:extLst>
           </p:cNvPr>
-          <p:cNvSpPr txBox="1">
-            <a:spLocks/>
-          </p:cNvSpPr>
-          <p:nvPr/>
+          <p:cNvSpPr>
+            <a:spLocks noGrp="1"/>
+          </p:cNvSpPr>
+          <p:nvPr>
+            <p:ph type="title"/>
+          </p:nvPr>
         </p:nvSpPr>
         <p:spPr>
           <a:xfrm>
-            <a:off x="7850119" y="570479"/>
-            <a:ext cx="4341881" cy="1527244"/>
+            <a:off x="691771" y="1796796"/>
+            <a:ext cx="3258688" cy="3255264"/>
+          </a:xfrm>
+        </p:spPr>
+        <p:txBody>
+          <a:bodyPr vert="horz" lIns="91440" tIns="45720" rIns="91440" bIns="45720" rtlCol="0" anchor="b">
+            <a:normAutofit/>
+          </a:bodyPr>
+          <a:lstStyle/>
+          <a:p>
+            <a:r>
+              <a:rPr lang="en-US" sz="4600" b="1" spc="-100" dirty="0"/>
+              <a:t>TOTAL CRIME AVG. PER CAPITA IN CITIES</a:t>
+            </a:r>
+            <a:endParaRPr lang="en-US" sz="4600" spc="-100" dirty="0"/>
+          </a:p>
+        </p:txBody>
+      </p:sp>
+      <p:pic>
+        <p:nvPicPr>
+          <p:cNvPr id="6" name="Picture 5" descr="A screenshot of a cell phone&#10;&#10;Description automatically generated">
+            <a:extLst>
+              <a:ext uri="{FF2B5EF4-FFF2-40B4-BE49-F238E27FC236}">
+                <a16:creationId xmlns:a16="http://schemas.microsoft.com/office/drawing/2014/main" id="{C8E75981-7D8B-4417-A135-99A20D140610}"/>
+              </a:ext>
+            </a:extLst>
+          </p:cNvPr>
+          <p:cNvPicPr>
+            <a:picLocks noChangeAspect="1"/>
+          </p:cNvPicPr>
+          <p:nvPr/>
+        </p:nvPicPr>
+        <p:blipFill rotWithShape="1">
+          <a:blip r:embed="rId2"/>
+          <a:srcRect l="6907" t="7287" r="9318" b="5891"/>
+          <a:stretch/>
+        </p:blipFill>
+        <p:spPr>
+          <a:xfrm>
+            <a:off x="4684761" y="1318342"/>
+            <a:ext cx="7044991" cy="4380711"/>
           </a:xfrm>
           <a:prstGeom prst="rect">
             <a:avLst/>
           </a:prstGeom>
         </p:spPr>
-        <p:txBody>
-          <a:bodyPr vert="horz" lIns="91440" tIns="45720" rIns="91440" bIns="45720" rtlCol="0" anchor="ctr">
-            <a:normAutofit/>
-          </a:bodyPr>
-          <a:lstStyle>
-            <a:lvl1pPr algn="l" defTabSz="914400" rtl="0" eaLnBrk="1" latinLnBrk="0" hangingPunct="1">
-              <a:lnSpc>
-                <a:spcPct val="90000"/>
-              </a:lnSpc>
-              <a:spcBef>
-                <a:spcPct val="0"/>
-              </a:spcBef>
-              <a:buNone/>
-              <a:defRPr sz="4400" kern="1200">
-                <a:solidFill>
-                  <a:schemeClr val="tx1"/>
-                </a:solidFill>
-                <a:latin typeface="+mj-lt"/>
-                <a:ea typeface="+mj-ea"/>
-                <a:cs typeface="+mj-cs"/>
-              </a:defRPr>
-            </a:lvl1pPr>
-          </a:lstStyle>
-          <a:p>
-            <a:pPr algn="r">
-              <a:spcAft>
-                <a:spcPts val="600"/>
-              </a:spcAft>
-            </a:pPr>
-            <a:r>
-              <a:rPr lang="en-US" sz="2800" b="1" spc="-60" dirty="0">
-                <a:solidFill>
-                  <a:srgbClr val="FFFFFF"/>
-                </a:solidFill>
-                <a:latin typeface="Arial" panose="020B0604020202020204" pitchFamily="34" charset="0"/>
-                <a:cs typeface="Arial" panose="020B0604020202020204" pitchFamily="34" charset="0"/>
-              </a:rPr>
-              <a:t>MEDIAN SALE PRICE PER CIT</a:t>
-            </a:r>
-            <a:r>
-              <a:rPr lang="en-US" sz="3200" b="1" spc="-60" dirty="0">
-                <a:solidFill>
-                  <a:srgbClr val="FFFFFF"/>
-                </a:solidFill>
-              </a:rPr>
-              <a:t>Y</a:t>
-            </a:r>
-            <a:endParaRPr lang="en-US" sz="3200" spc="-60" dirty="0">
-              <a:solidFill>
-                <a:srgbClr val="FFFFFF"/>
-              </a:solidFill>
-            </a:endParaRPr>
-          </a:p>
-        </p:txBody>
-      </p:sp>
-      <p:sp>
-        <p:nvSpPr>
-          <p:cNvPr id="23" name="Rectangle 22">
+      </p:pic>
+      <p:sp>
+        <p:nvSpPr>
+          <p:cNvPr id="29" name="Rectangle 28">
             <a:extLst>
               <a:ext uri="{FF2B5EF4-FFF2-40B4-BE49-F238E27FC236}">
-                <a16:creationId xmlns:a16="http://schemas.microsoft.com/office/drawing/2014/main" id="{9169EA61-C175-4B7E-807B-58199DEA7FB3}"/>
+                <a16:creationId xmlns:a16="http://schemas.microsoft.com/office/drawing/2014/main" id="{4E34A3B6-BAD2-4156-BDC6-4736248BFDE0}"/>
               </a:ext>
               <a:ext uri="{C183D7F6-B498-43B3-948B-1728B52AA6E4}">
                 <adec:decorative xmlns:adec="http://schemas.microsoft.com/office/drawing/2017/decorative" val="1"/>
@@ -15046,7 +17890,7 @@
         </p:nvSpPr>
         <p:spPr>
           <a:xfrm>
-            <a:off x="0" y="758952"/>
+            <a:off x="11815864" y="758952"/>
             <a:ext cx="384048" cy="5330952"/>
           </a:xfrm>
           <a:prstGeom prst="rect">
@@ -15078,75 +17922,98 @@
           </a:fontRef>
         </p:style>
       </p:sp>
-      <p:pic>
-        <p:nvPicPr>
-          <p:cNvPr id="25" name="Picture 24" descr="A large city landscape&#10;&#10;Description automatically generated">
+      <p:cxnSp>
+        <p:nvCxnSpPr>
+          <p:cNvPr id="9" name="Straight Connector 8">
             <a:extLst>
               <a:ext uri="{FF2B5EF4-FFF2-40B4-BE49-F238E27FC236}">
-                <a16:creationId xmlns:a16="http://schemas.microsoft.com/office/drawing/2014/main" id="{0A7692BE-CC2E-CB4F-A87F-0B76FA604780}"/>
+                <a16:creationId xmlns:a16="http://schemas.microsoft.com/office/drawing/2014/main" id="{2A304868-A2B8-4C62-A4E3-C67CC0A83D93}"/>
               </a:ext>
             </a:extLst>
           </p:cNvPr>
-          <p:cNvPicPr>
-            <a:picLocks noChangeAspect="1"/>
-          </p:cNvPicPr>
+          <p:cNvCxnSpPr/>
           <p:nvPr/>
-        </p:nvPicPr>
-        <p:blipFill>
-          <a:blip r:embed="rId3">
-            <a:extLst>
-              <a:ext uri="{837473B0-CC2E-450A-ABE3-18F120FF3D39}">
-                <a1611:picAttrSrcUrl xmlns:a1611="http://schemas.microsoft.com/office/drawing/2016/11/main" r:id="rId4"/>
-              </a:ext>
-            </a:extLst>
-          </a:blip>
-          <a:stretch>
-            <a:fillRect/>
-          </a:stretch>
-        </p:blipFill>
+        </p:nvCxnSpPr>
         <p:spPr>
           <a:xfrm>
-            <a:off x="7850119" y="2205025"/>
-            <a:ext cx="4341879" cy="2855859"/>
+            <a:off x="0" y="758952"/>
+            <a:ext cx="12199912" cy="0"/>
           </a:xfrm>
-          <a:prstGeom prst="rect">
+          <a:prstGeom prst="line">
             <a:avLst/>
           </a:prstGeom>
+          <a:ln w="19050">
+            <a:solidFill>
+              <a:schemeClr val="bg2">
+                <a:lumMod val="60000"/>
+                <a:lumOff val="40000"/>
+              </a:schemeClr>
+            </a:solidFill>
+          </a:ln>
         </p:spPr>
-      </p:pic>
-      <p:pic>
-        <p:nvPicPr>
-          <p:cNvPr id="27" name="Picture 26" descr="A close up of a map&#10;&#10;Description automatically generated">
+        <p:style>
+          <a:lnRef idx="1">
+            <a:schemeClr val="accent1"/>
+          </a:lnRef>
+          <a:fillRef idx="0">
+            <a:schemeClr val="accent1"/>
+          </a:fillRef>
+          <a:effectRef idx="0">
+            <a:schemeClr val="accent1"/>
+          </a:effectRef>
+          <a:fontRef idx="minor">
+            <a:schemeClr val="tx1"/>
+          </a:fontRef>
+        </p:style>
+      </p:cxnSp>
+      <p:cxnSp>
+        <p:nvCxnSpPr>
+          <p:cNvPr id="10" name="Straight Connector 9">
             <a:extLst>
               <a:ext uri="{FF2B5EF4-FFF2-40B4-BE49-F238E27FC236}">
-                <a16:creationId xmlns:a16="http://schemas.microsoft.com/office/drawing/2014/main" id="{98F44107-7837-304C-92B5-3E47D28C9044}"/>
+                <a16:creationId xmlns:a16="http://schemas.microsoft.com/office/drawing/2014/main" id="{560E6850-F89C-4FCF-A7E3-1B2C056A6FE8}"/>
               </a:ext>
             </a:extLst>
           </p:cNvPr>
-          <p:cNvPicPr>
-            <a:picLocks noChangeAspect="1"/>
-          </p:cNvPicPr>
+          <p:cNvCxnSpPr/>
           <p:nvPr/>
-        </p:nvPicPr>
-        <p:blipFill rotWithShape="1">
-          <a:blip r:embed="rId5"/>
-          <a:srcRect l="5765" t="7270" r="8084" b="5949"/>
-          <a:stretch/>
-        </p:blipFill>
+        </p:nvCxnSpPr>
         <p:spPr>
           <a:xfrm>
-            <a:off x="384048" y="1031357"/>
-            <a:ext cx="7466859" cy="4848447"/>
+            <a:off x="-7914" y="6089904"/>
+            <a:ext cx="12199912" cy="0"/>
           </a:xfrm>
-          <a:prstGeom prst="rect">
+          <a:prstGeom prst="line">
             <a:avLst/>
           </a:prstGeom>
+          <a:ln w="19050">
+            <a:solidFill>
+              <a:schemeClr val="bg2">
+                <a:lumMod val="60000"/>
+                <a:lumOff val="40000"/>
+              </a:schemeClr>
+            </a:solidFill>
+          </a:ln>
         </p:spPr>
-      </p:pic>
+        <p:style>
+          <a:lnRef idx="1">
+            <a:schemeClr val="accent1"/>
+          </a:lnRef>
+          <a:fillRef idx="0">
+            <a:schemeClr val="accent1"/>
+          </a:fillRef>
+          <a:effectRef idx="0">
+            <a:schemeClr val="accent1"/>
+          </a:effectRef>
+          <a:fontRef idx="minor">
+            <a:schemeClr val="tx1"/>
+          </a:fontRef>
+        </p:style>
+      </p:cxnSp>
     </p:spTree>
     <p:extLst>
       <p:ext uri="{BB962C8B-B14F-4D97-AF65-F5344CB8AC3E}">
-        <p14:creationId xmlns:p14="http://schemas.microsoft.com/office/powerpoint/2010/main" val="3752212198"/>
+        <p14:creationId xmlns:p14="http://schemas.microsoft.com/office/powerpoint/2010/main" val="3796967082"/>
       </p:ext>
     </p:extLst>
   </p:cSld>

--- a/Presentation/final draft.pptx
+++ b/Presentation/final draft.pptx
@@ -5,7 +5,7 @@
     <p:sldMasterId id="2147484040" r:id="rId1"/>
   </p:sldMasterIdLst>
   <p:notesMasterIdLst>
-    <p:notesMasterId r:id="rId20"/>
+    <p:notesMasterId r:id="rId21"/>
   </p:notesMasterIdLst>
   <p:sldIdLst>
     <p:sldId id="256" r:id="rId2"/>
@@ -23,9 +23,10 @@
     <p:sldId id="2445" r:id="rId14"/>
     <p:sldId id="2446" r:id="rId15"/>
     <p:sldId id="264" r:id="rId16"/>
-    <p:sldId id="2444" r:id="rId17"/>
-    <p:sldId id="267" r:id="rId18"/>
-    <p:sldId id="2441" r:id="rId19"/>
+    <p:sldId id="2448" r:id="rId17"/>
+    <p:sldId id="2449" r:id="rId18"/>
+    <p:sldId id="267" r:id="rId19"/>
+    <p:sldId id="2441" r:id="rId20"/>
   </p:sldIdLst>
   <p:sldSz cx="12192000" cy="6858000"/>
   <p:notesSz cx="6858000" cy="9144000"/>
@@ -3732,15 +3733,34 @@
           <a:bodyPr/>
           <a:lstStyle/>
           <a:p>
+            <a:pPr marL="0" marR="0" lvl="0" indent="0" algn="l" defTabSz="914400" rtl="0" eaLnBrk="1" fontAlgn="auto" latinLnBrk="0" hangingPunct="1">
+              <a:lnSpc>
+                <a:spcPct val="100000"/>
+              </a:lnSpc>
+              <a:spcBef>
+                <a:spcPts val="0"/>
+              </a:spcBef>
+              <a:spcAft>
+                <a:spcPts val="0"/>
+              </a:spcAft>
+              <a:buClrTx/>
+              <a:buSzTx/>
+              <a:buFontTx/>
+              <a:buNone/>
+              <a:tabLst/>
+              <a:defRPr/>
+            </a:pPr>
+            <a:r>
+              <a:rPr lang="en-US" dirty="0">
+                <a:solidFill>
+                  <a:schemeClr val="bg1"/>
+                </a:solidFill>
+              </a:rPr>
+              <a:t>This graph shows a steady increase of house values from 2012  through 2018, and housing crisis in 2012. </a:t>
+            </a:r>
             <a:r>
               <a:rPr lang="en-US" dirty="0"/>
-              <a:t>For our analysis we want to exploit the variation in crime that occurs within cities from 2012-2018. </a:t>
-            </a:r>
-          </a:p>
-          <a:p>
-            <a:r>
-              <a:rPr lang="en-US" dirty="0"/>
-              <a:t>The proportion of crime in the area has a negative impact on the price. If the proportion of crime increases by one percentage point, prices are expected to drop by 1.5%.</a:t>
+              <a:t> </a:t>
             </a:r>
           </a:p>
           <a:p>
@@ -3765,7 +3785,7 @@
           <a:p>
             <a:fld id="{9A9FD09C-8CDE-EC44-8006-13D124DBA38F}" type="slidenum">
               <a:rPr lang="en-US" smtClean="0"/>
-              <a:t>11</a:t>
+              <a:t>10</a:t>
             </a:fld>
             <a:endParaRPr lang="en-US"/>
           </a:p>
@@ -3774,7 +3794,7 @@
     </p:spTree>
     <p:extLst>
       <p:ext uri="{BB962C8B-B14F-4D97-AF65-F5344CB8AC3E}">
-        <p14:creationId xmlns:p14="http://schemas.microsoft.com/office/powerpoint/2010/main" val="3924546364"/>
+        <p14:creationId xmlns:p14="http://schemas.microsoft.com/office/powerpoint/2010/main" val="565390749"/>
       </p:ext>
     </p:extLst>
   </p:cSld>
@@ -3861,7 +3881,7 @@
           <a:p>
             <a:fld id="{9A9FD09C-8CDE-EC44-8006-13D124DBA38F}" type="slidenum">
               <a:rPr lang="en-US" smtClean="0"/>
-              <a:t>12</a:t>
+              <a:t>11</a:t>
             </a:fld>
             <a:endParaRPr lang="en-US"/>
           </a:p>
@@ -3870,7 +3890,7 @@
     </p:spTree>
     <p:extLst>
       <p:ext uri="{BB962C8B-B14F-4D97-AF65-F5344CB8AC3E}">
-        <p14:creationId xmlns:p14="http://schemas.microsoft.com/office/powerpoint/2010/main" val="4244874762"/>
+        <p14:creationId xmlns:p14="http://schemas.microsoft.com/office/powerpoint/2010/main" val="3924546364"/>
       </p:ext>
     </p:extLst>
   </p:cSld>
@@ -3924,51 +3944,15 @@
           <a:bodyPr/>
           <a:lstStyle/>
           <a:p>
-            <a:pPr algn="ctr"/>
             <a:r>
               <a:rPr lang="en-US" dirty="0"/>
-              <a:t>The graph on the left shows the relationship between Crime rate and Property Value. </a:t>
+              <a:t>For our analysis we want to exploit the variation in crime that occurs within cities from 2012-2018. </a:t>
             </a:r>
           </a:p>
           <a:p>
-            <a:pPr algn="ctr"/>
             <a:r>
               <a:rPr lang="en-US" dirty="0"/>
-              <a:t>The above chart shows the probability of the crime rate in the housing market between the cities from 2012-2018.</a:t>
-            </a:r>
-          </a:p>
-          <a:p>
-            <a:pPr algn="ctr"/>
-            <a:r>
-              <a:rPr lang="en-US" dirty="0"/>
-              <a:t>To do this we combine Information from the </a:t>
-            </a:r>
-            <a:r>
-              <a:rPr lang="en-US" u="sng" dirty="0"/>
-              <a:t>Redfin Housing Data </a:t>
-            </a:r>
-            <a:r>
-              <a:rPr lang="en-US" dirty="0"/>
-              <a:t>with a dataset from </a:t>
-            </a:r>
-          </a:p>
-          <a:p>
-            <a:pPr algn="ctr"/>
-            <a:r>
-              <a:rPr lang="en-US" dirty="0">
-                <a:hlinkClick r:id="rId3">
-                  <a:extLst>
-                    <a:ext uri="{A12FA001-AC4F-418D-AE19-62706E023703}">
-                      <ahyp:hlinkClr xmlns:ahyp="http://schemas.microsoft.com/office/drawing/2018/hyperlinkcolor" val="tx"/>
-                    </a:ext>
-                  </a:extLst>
-                </a:hlinkClick>
-              </a:rPr>
-              <a:t>UCR Publications | Federal Bureau of Investigation</a:t>
-            </a:r>
-            <a:r>
-              <a:rPr lang="en-US" dirty="0"/>
-              <a:t> to produce measure of crime changes between 2012-2018. </a:t>
+              <a:t>The proportion of crime in the area has a negative impact on the price. If the proportion of crime increases by one percentage point, prices are expected to drop by 1.5%.</a:t>
             </a:r>
           </a:p>
           <a:p>
@@ -3993,7 +3977,7 @@
           <a:p>
             <a:fld id="{9A9FD09C-8CDE-EC44-8006-13D124DBA38F}" type="slidenum">
               <a:rPr lang="en-US" smtClean="0"/>
-              <a:t>13</a:t>
+              <a:t>12</a:t>
             </a:fld>
             <a:endParaRPr lang="en-US"/>
           </a:p>
@@ -4002,7 +3986,7 @@
     </p:spTree>
     <p:extLst>
       <p:ext uri="{BB962C8B-B14F-4D97-AF65-F5344CB8AC3E}">
-        <p14:creationId xmlns:p14="http://schemas.microsoft.com/office/powerpoint/2010/main" val="373410724"/>
+        <p14:creationId xmlns:p14="http://schemas.microsoft.com/office/powerpoint/2010/main" val="4244874762"/>
       </p:ext>
     </p:extLst>
   </p:cSld>
@@ -4125,7 +4109,7 @@
           <a:p>
             <a:fld id="{9A9FD09C-8CDE-EC44-8006-13D124DBA38F}" type="slidenum">
               <a:rPr lang="en-US" smtClean="0"/>
-              <a:t>14</a:t>
+              <a:t>13</a:t>
             </a:fld>
             <a:endParaRPr lang="en-US"/>
           </a:p>
@@ -4134,7 +4118,7 @@
     </p:spTree>
     <p:extLst>
       <p:ext uri="{BB962C8B-B14F-4D97-AF65-F5344CB8AC3E}">
-        <p14:creationId xmlns:p14="http://schemas.microsoft.com/office/powerpoint/2010/main" val="3909984046"/>
+        <p14:creationId xmlns:p14="http://schemas.microsoft.com/office/powerpoint/2010/main" val="373410724"/>
       </p:ext>
     </p:extLst>
   </p:cSld>
@@ -4257,7 +4241,7 @@
           <a:p>
             <a:fld id="{9A9FD09C-8CDE-EC44-8006-13D124DBA38F}" type="slidenum">
               <a:rPr lang="en-US" smtClean="0"/>
-              <a:t>15</a:t>
+              <a:t>14</a:t>
             </a:fld>
             <a:endParaRPr lang="en-US"/>
           </a:p>
@@ -4266,7 +4250,7 @@
     </p:spTree>
     <p:extLst>
       <p:ext uri="{BB962C8B-B14F-4D97-AF65-F5344CB8AC3E}">
-        <p14:creationId xmlns:p14="http://schemas.microsoft.com/office/powerpoint/2010/main" val="1483577430"/>
+        <p14:creationId xmlns:p14="http://schemas.microsoft.com/office/powerpoint/2010/main" val="3909984046"/>
       </p:ext>
     </p:extLst>
   </p:cSld>
@@ -4320,14 +4304,51 @@
           <a:bodyPr/>
           <a:lstStyle/>
           <a:p>
-            <a:pPr>
-              <a:spcAft>
-                <a:spcPts val="600"/>
-              </a:spcAft>
-            </a:pPr>
+            <a:pPr algn="ctr"/>
             <a:r>
-              <a:rPr lang="en-US" sz="1200" dirty="0"/>
-              <a:t>Crime concentrations are found in the metropolitan area. </a:t>
+              <a:rPr lang="en-US" dirty="0"/>
+              <a:t>The graph on the left shows the relationship between Crime rate and Property Value. </a:t>
+            </a:r>
+          </a:p>
+          <a:p>
+            <a:pPr algn="ctr"/>
+            <a:r>
+              <a:rPr lang="en-US" dirty="0"/>
+              <a:t>The above chart shows the probability of the crime rate in the housing market between the cities from 2012-2018.</a:t>
+            </a:r>
+          </a:p>
+          <a:p>
+            <a:pPr algn="ctr"/>
+            <a:r>
+              <a:rPr lang="en-US" dirty="0"/>
+              <a:t>To do this we combine Information from the </a:t>
+            </a:r>
+            <a:r>
+              <a:rPr lang="en-US" u="sng" dirty="0"/>
+              <a:t>Redfin Housing Data </a:t>
+            </a:r>
+            <a:r>
+              <a:rPr lang="en-US" dirty="0"/>
+              <a:t>with a dataset from </a:t>
+            </a:r>
+          </a:p>
+          <a:p>
+            <a:pPr algn="ctr"/>
+            <a:r>
+              <a:rPr lang="en-US" dirty="0">
+                <a:hlinkClick r:id="rId3">
+                  <a:extLst>
+                    <a:ext uri="{A12FA001-AC4F-418D-AE19-62706E023703}">
+                      <ahyp:hlinkClr xmlns:ahyp="http://schemas.microsoft.com/office/drawing/2018/hyperlinkcolor" val="tx"/>
+                    </a:ext>
+                  </a:extLst>
+                </a:hlinkClick>
+              </a:rPr>
+              <a:t>UCR Publications | Federal Bureau of Investigation</a:t>
+            </a:r>
+            <a:r>
+              <a:rPr lang="en-US" dirty="0"/>
+              <a:t> to produce measure of crime changes between 2012-2018. </a:t>
             </a:r>
           </a:p>
           <a:p>
@@ -4352,7 +4373,7 @@
           <a:p>
             <a:fld id="{9A9FD09C-8CDE-EC44-8006-13D124DBA38F}" type="slidenum">
               <a:rPr lang="en-US" smtClean="0"/>
-              <a:t>17</a:t>
+              <a:t>15</a:t>
             </a:fld>
             <a:endParaRPr lang="en-US"/>
           </a:p>
@@ -4361,7 +4382,7 @@
     </p:spTree>
     <p:extLst>
       <p:ext uri="{BB962C8B-B14F-4D97-AF65-F5344CB8AC3E}">
-        <p14:creationId xmlns:p14="http://schemas.microsoft.com/office/powerpoint/2010/main" val="3749441230"/>
+        <p14:creationId xmlns:p14="http://schemas.microsoft.com/office/powerpoint/2010/main" val="1483577430"/>
       </p:ext>
     </p:extLst>
   </p:cSld>
@@ -4436,7 +4457,186 @@
           <a:p>
             <a:fld id="{9A9FD09C-8CDE-EC44-8006-13D124DBA38F}" type="slidenum">
               <a:rPr lang="en-US" smtClean="0"/>
+              <a:t>17</a:t>
+            </a:fld>
+            <a:endParaRPr lang="en-US"/>
+          </a:p>
+        </p:txBody>
+      </p:sp>
+    </p:spTree>
+    <p:extLst>
+      <p:ext uri="{BB962C8B-B14F-4D97-AF65-F5344CB8AC3E}">
+        <p14:creationId xmlns:p14="http://schemas.microsoft.com/office/powerpoint/2010/main" val="2777848899"/>
+      </p:ext>
+    </p:extLst>
+  </p:cSld>
+  <p:clrMapOvr>
+    <a:masterClrMapping/>
+  </p:clrMapOvr>
+</p:notes>
+</file>
+
+<file path=ppt/notesSlides/notesSlide17.xml><?xml version="1.0" encoding="utf-8"?>
+<p:notes xmlns:a="http://schemas.openxmlformats.org/drawingml/2006/main" xmlns:r="http://schemas.openxmlformats.org/officeDocument/2006/relationships" xmlns:p="http://schemas.openxmlformats.org/presentationml/2006/main">
+  <p:cSld>
+    <p:spTree>
+      <p:nvGrpSpPr>
+        <p:cNvPr id="1" name=""/>
+        <p:cNvGrpSpPr/>
+        <p:nvPr/>
+      </p:nvGrpSpPr>
+      <p:grpSpPr>
+        <a:xfrm>
+          <a:off x="0" y="0"/>
+          <a:ext cx="0" cy="0"/>
+          <a:chOff x="0" y="0"/>
+          <a:chExt cx="0" cy="0"/>
+        </a:xfrm>
+      </p:grpSpPr>
+      <p:sp>
+        <p:nvSpPr>
+          <p:cNvPr id="2" name="Slide Image Placeholder 1"/>
+          <p:cNvSpPr>
+            <a:spLocks noGrp="1" noRot="1" noChangeAspect="1"/>
+          </p:cNvSpPr>
+          <p:nvPr>
+            <p:ph type="sldImg"/>
+          </p:nvPr>
+        </p:nvSpPr>
+        <p:spPr/>
+      </p:sp>
+      <p:sp>
+        <p:nvSpPr>
+          <p:cNvPr id="3" name="Notes Placeholder 2"/>
+          <p:cNvSpPr>
+            <a:spLocks noGrp="1"/>
+          </p:cNvSpPr>
+          <p:nvPr>
+            <p:ph type="body" idx="1"/>
+          </p:nvPr>
+        </p:nvSpPr>
+        <p:spPr/>
+        <p:txBody>
+          <a:bodyPr/>
+          <a:lstStyle/>
+          <a:p>
+            <a:pPr>
+              <a:spcAft>
+                <a:spcPts val="600"/>
+              </a:spcAft>
+            </a:pPr>
+            <a:r>
+              <a:rPr lang="en-US" sz="1200" dirty="0"/>
+              <a:t>Crime concentrations are found in the metropolitan area. </a:t>
+            </a:r>
+          </a:p>
+          <a:p>
+            <a:endParaRPr lang="en-US" dirty="0"/>
+          </a:p>
+        </p:txBody>
+      </p:sp>
+      <p:sp>
+        <p:nvSpPr>
+          <p:cNvPr id="4" name="Slide Number Placeholder 3"/>
+          <p:cNvSpPr>
+            <a:spLocks noGrp="1"/>
+          </p:cNvSpPr>
+          <p:nvPr>
+            <p:ph type="sldNum" sz="quarter" idx="5"/>
+          </p:nvPr>
+        </p:nvSpPr>
+        <p:spPr/>
+        <p:txBody>
+          <a:bodyPr/>
+          <a:lstStyle/>
+          <a:p>
+            <a:fld id="{9A9FD09C-8CDE-EC44-8006-13D124DBA38F}" type="slidenum">
+              <a:rPr lang="en-US" smtClean="0"/>
               <a:t>18</a:t>
+            </a:fld>
+            <a:endParaRPr lang="en-US"/>
+          </a:p>
+        </p:txBody>
+      </p:sp>
+    </p:spTree>
+    <p:extLst>
+      <p:ext uri="{BB962C8B-B14F-4D97-AF65-F5344CB8AC3E}">
+        <p14:creationId xmlns:p14="http://schemas.microsoft.com/office/powerpoint/2010/main" val="3749441230"/>
+      </p:ext>
+    </p:extLst>
+  </p:cSld>
+  <p:clrMapOvr>
+    <a:masterClrMapping/>
+  </p:clrMapOvr>
+</p:notes>
+</file>
+
+<file path=ppt/notesSlides/notesSlide18.xml><?xml version="1.0" encoding="utf-8"?>
+<p:notes xmlns:a="http://schemas.openxmlformats.org/drawingml/2006/main" xmlns:r="http://schemas.openxmlformats.org/officeDocument/2006/relationships" xmlns:p="http://schemas.openxmlformats.org/presentationml/2006/main">
+  <p:cSld>
+    <p:spTree>
+      <p:nvGrpSpPr>
+        <p:cNvPr id="1" name=""/>
+        <p:cNvGrpSpPr/>
+        <p:nvPr/>
+      </p:nvGrpSpPr>
+      <p:grpSpPr>
+        <a:xfrm>
+          <a:off x="0" y="0"/>
+          <a:ext cx="0" cy="0"/>
+          <a:chOff x="0" y="0"/>
+          <a:chExt cx="0" cy="0"/>
+        </a:xfrm>
+      </p:grpSpPr>
+      <p:sp>
+        <p:nvSpPr>
+          <p:cNvPr id="2" name="Slide Image Placeholder 1"/>
+          <p:cNvSpPr>
+            <a:spLocks noGrp="1" noRot="1" noChangeAspect="1"/>
+          </p:cNvSpPr>
+          <p:nvPr>
+            <p:ph type="sldImg"/>
+          </p:nvPr>
+        </p:nvSpPr>
+        <p:spPr/>
+      </p:sp>
+      <p:sp>
+        <p:nvSpPr>
+          <p:cNvPr id="3" name="Notes Placeholder 2"/>
+          <p:cNvSpPr>
+            <a:spLocks noGrp="1"/>
+          </p:cNvSpPr>
+          <p:nvPr>
+            <p:ph type="body" idx="1"/>
+          </p:nvPr>
+        </p:nvSpPr>
+        <p:spPr/>
+        <p:txBody>
+          <a:bodyPr/>
+          <a:lstStyle/>
+          <a:p>
+            <a:endParaRPr lang="en-US" dirty="0"/>
+          </a:p>
+        </p:txBody>
+      </p:sp>
+      <p:sp>
+        <p:nvSpPr>
+          <p:cNvPr id="4" name="Slide Number Placeholder 3"/>
+          <p:cNvSpPr>
+            <a:spLocks noGrp="1"/>
+          </p:cNvSpPr>
+          <p:nvPr>
+            <p:ph type="sldNum" sz="quarter" idx="5"/>
+          </p:nvPr>
+        </p:nvSpPr>
+        <p:spPr/>
+        <p:txBody>
+          <a:bodyPr/>
+          <a:lstStyle/>
+          <a:p>
+            <a:fld id="{9A9FD09C-8CDE-EC44-8006-13D124DBA38F}" type="slidenum">
+              <a:rPr lang="en-US" smtClean="0"/>
+              <a:t>19</a:t>
             </a:fld>
             <a:endParaRPr lang="en-US"/>
           </a:p>
@@ -5180,37 +5380,6 @@
           <a:bodyPr/>
           <a:lstStyle/>
           <a:p>
-            <a:pPr marL="0" marR="0" lvl="0" indent="0" algn="l" defTabSz="914400" rtl="0" eaLnBrk="1" fontAlgn="auto" latinLnBrk="0" hangingPunct="1">
-              <a:lnSpc>
-                <a:spcPct val="100000"/>
-              </a:lnSpc>
-              <a:spcBef>
-                <a:spcPts val="0"/>
-              </a:spcBef>
-              <a:spcAft>
-                <a:spcPts val="0"/>
-              </a:spcAft>
-              <a:buClrTx/>
-              <a:buSzTx/>
-              <a:buFontTx/>
-              <a:buNone/>
-              <a:tabLst/>
-              <a:defRPr/>
-            </a:pPr>
-            <a:r>
-              <a:rPr lang="en-US" dirty="0">
-                <a:solidFill>
-                  <a:schemeClr val="bg1"/>
-                </a:solidFill>
-              </a:rPr>
-              <a:t>This graph shows a steady increase of house values from 2012  through 2018, and housing crisis in 2012. </a:t>
-            </a:r>
-            <a:r>
-              <a:rPr lang="en-US" dirty="0"/>
-              <a:t> </a:t>
-            </a:r>
-          </a:p>
-          <a:p>
             <a:endParaRPr lang="en-US" dirty="0"/>
           </a:p>
         </p:txBody>
@@ -5232,7 +5401,7 @@
           <a:p>
             <a:fld id="{9A9FD09C-8CDE-EC44-8006-13D124DBA38F}" type="slidenum">
               <a:rPr lang="en-US" smtClean="0"/>
-              <a:t>10</a:t>
+              <a:t>9</a:t>
             </a:fld>
             <a:endParaRPr lang="en-US"/>
           </a:p>
@@ -5241,7 +5410,7 @@
     </p:spTree>
     <p:extLst>
       <p:ext uri="{BB962C8B-B14F-4D97-AF65-F5344CB8AC3E}">
-        <p14:creationId xmlns:p14="http://schemas.microsoft.com/office/powerpoint/2010/main" val="565390749"/>
+        <p14:creationId xmlns:p14="http://schemas.microsoft.com/office/powerpoint/2010/main" val="3548334798"/>
       </p:ext>
     </p:extLst>
   </p:cSld>
@@ -10752,8 +10921,8 @@
         </p:blipFill>
         <p:spPr>
           <a:xfrm>
-            <a:off x="3588221" y="956135"/>
-            <a:ext cx="8227643" cy="4936586"/>
+            <a:off x="3630723" y="956135"/>
+            <a:ext cx="8174508" cy="4936586"/>
           </a:xfrm>
           <a:prstGeom prst="rect">
             <a:avLst/>
@@ -10939,7 +11108,7 @@
           </a:xfrm>
         </p:spPr>
         <p:txBody>
-          <a:bodyPr vert="horz" lIns="91440" tIns="45720" rIns="91440" bIns="45720" rtlCol="0" anchor="t">
+          <a:bodyPr vert="horz" lIns="91440" tIns="45720" rIns="91440" bIns="45720" rtlCol="0" anchor="ctr">
             <a:normAutofit/>
           </a:bodyPr>
           <a:lstStyle/>
@@ -10950,21 +11119,21 @@
               </a:spcAft>
             </a:pPr>
             <a:r>
-              <a:rPr lang="en-US" sz="2800" b="1" cap="all" dirty="0">
+              <a:rPr lang="en-US" b="1" cap="all" dirty="0">
                 <a:latin typeface="Arial" panose="020B0604020202020204" pitchFamily="34" charset="0"/>
                 <a:cs typeface="Arial" panose="020B0604020202020204" pitchFamily="34" charset="0"/>
               </a:rPr>
               <a:t>Days on Market </a:t>
             </a:r>
             <a:r>
-              <a:rPr lang="en-US" sz="2800" b="1" cap="small" dirty="0">
+              <a:rPr lang="en-US" b="1" cap="small" dirty="0">
                 <a:latin typeface="Arial" panose="020B0604020202020204" pitchFamily="34" charset="0"/>
                 <a:cs typeface="Arial" panose="020B0604020202020204" pitchFamily="34" charset="0"/>
               </a:rPr>
               <a:t>vs</a:t>
             </a:r>
             <a:r>
-              <a:rPr lang="en-US" sz="2800" b="1" cap="all" dirty="0">
+              <a:rPr lang="en-US" b="1" cap="all" dirty="0">
                 <a:latin typeface="Arial" panose="020B0604020202020204" pitchFamily="34" charset="0"/>
                 <a:cs typeface="Arial" panose="020B0604020202020204" pitchFamily="34" charset="0"/>
               </a:rPr>
@@ -10973,34 +11142,6 @@
           </a:p>
         </p:txBody>
       </p:sp>
-      <p:pic>
-        <p:nvPicPr>
-          <p:cNvPr id="3" name="Content Placeholder 2" descr="A picture containing food&#10;&#10;Description automatically generated">
-            <a:extLst>
-              <a:ext uri="{FF2B5EF4-FFF2-40B4-BE49-F238E27FC236}">
-                <a16:creationId xmlns:a16="http://schemas.microsoft.com/office/drawing/2014/main" id="{2C5B88E6-18D6-4B2C-B179-440FA889471E}"/>
-              </a:ext>
-            </a:extLst>
-          </p:cNvPr>
-          <p:cNvPicPr>
-            <a:picLocks noGrp="1" noChangeAspect="1"/>
-          </p:cNvPicPr>
-          <p:nvPr>
-            <p:ph sz="half" idx="1"/>
-          </p:nvPr>
-        </p:nvPicPr>
-        <p:blipFill rotWithShape="1">
-          <a:blip r:embed="rId3"/>
-          <a:srcRect l="6404" t="5260" r="8521"/>
-          <a:stretch/>
-        </p:blipFill>
-        <p:spPr>
-          <a:xfrm>
-            <a:off x="3455633" y="841346"/>
-            <a:ext cx="8297138" cy="5331901"/>
-          </a:xfrm>
-        </p:spPr>
-      </p:pic>
       <p:sp>
         <p:nvSpPr>
           <p:cNvPr id="7" name="Rectangle 6">
@@ -11128,6 +11269,75 @@
           </a:fontRef>
         </p:style>
       </p:cxnSp>
+      <p:pic>
+        <p:nvPicPr>
+          <p:cNvPr id="14" name="Picture 13" descr="A picture containing food&#10;&#10;Description automatically generated">
+            <a:extLst>
+              <a:ext uri="{FF2B5EF4-FFF2-40B4-BE49-F238E27FC236}">
+                <a16:creationId xmlns:a16="http://schemas.microsoft.com/office/drawing/2014/main" id="{52B26C1D-6C4E-40E9-9201-5E5A5815E65E}"/>
+              </a:ext>
+            </a:extLst>
+          </p:cNvPr>
+          <p:cNvPicPr>
+            <a:picLocks noChangeAspect="1"/>
+          </p:cNvPicPr>
+          <p:nvPr/>
+        </p:nvPicPr>
+        <p:blipFill>
+          <a:blip r:embed="rId3"/>
+          <a:stretch>
+            <a:fillRect/>
+          </a:stretch>
+        </p:blipFill>
+        <p:spPr>
+          <a:xfrm>
+            <a:off x="3528902" y="1165312"/>
+            <a:ext cx="8197750" cy="4518232"/>
+          </a:xfrm>
+          <a:prstGeom prst="rect">
+            <a:avLst/>
+          </a:prstGeom>
+        </p:spPr>
+      </p:pic>
+      <p:sp>
+        <p:nvSpPr>
+          <p:cNvPr id="16" name="TextBox 15">
+            <a:extLst>
+              <a:ext uri="{FF2B5EF4-FFF2-40B4-BE49-F238E27FC236}">
+                <a16:creationId xmlns:a16="http://schemas.microsoft.com/office/drawing/2014/main" id="{72FDC0AE-D40E-4F83-8832-39E288DA8C1D}"/>
+              </a:ext>
+            </a:extLst>
+          </p:cNvPr>
+          <p:cNvSpPr txBox="1"/>
+          <p:nvPr/>
+        </p:nvSpPr>
+        <p:spPr>
+          <a:xfrm>
+            <a:off x="8172893" y="60596"/>
+            <a:ext cx="3678865" cy="646331"/>
+          </a:xfrm>
+          <a:prstGeom prst="rect">
+            <a:avLst/>
+          </a:prstGeom>
+          <a:noFill/>
+        </p:spPr>
+        <p:txBody>
+          <a:bodyPr wrap="square" rtlCol="0">
+            <a:spAutoFit/>
+          </a:bodyPr>
+          <a:lstStyle/>
+          <a:p>
+            <a:r>
+              <a:rPr lang="en-US" b="1" dirty="0">
+                <a:solidFill>
+                  <a:srgbClr val="FF0000"/>
+                </a:solidFill>
+              </a:rPr>
+              <a:t>Should 10,000 be in the chart title or just in the X axis?  </a:t>
+            </a:r>
+          </a:p>
+        </p:txBody>
+      </p:sp>
     </p:spTree>
     <p:extLst>
       <p:ext uri="{BB962C8B-B14F-4D97-AF65-F5344CB8AC3E}">
@@ -11189,7 +11399,7 @@
           </a:xfrm>
         </p:spPr>
         <p:txBody>
-          <a:bodyPr vert="horz" lIns="91440" tIns="45720" rIns="91440" bIns="45720" rtlCol="0" anchor="t">
+          <a:bodyPr vert="horz" lIns="91440" tIns="45720" rIns="91440" bIns="45720" rtlCol="0" anchor="ctr">
             <a:normAutofit/>
           </a:bodyPr>
           <a:lstStyle/>
@@ -11200,21 +11410,21 @@
               </a:spcAft>
             </a:pPr>
             <a:r>
-              <a:rPr lang="en-US" sz="2800" b="1" cap="all" dirty="0">
+              <a:rPr lang="en-US" b="1" cap="all" dirty="0">
                 <a:latin typeface="Arial" panose="020B0604020202020204" pitchFamily="34" charset="0"/>
                 <a:cs typeface="Arial" panose="020B0604020202020204" pitchFamily="34" charset="0"/>
               </a:rPr>
               <a:t>Sales Price </a:t>
             </a:r>
             <a:r>
-              <a:rPr lang="en-US" sz="2800" b="1" cap="small" dirty="0">
+              <a:rPr lang="en-US" b="1" cap="small" dirty="0">
                 <a:latin typeface="Arial" panose="020B0604020202020204" pitchFamily="34" charset="0"/>
                 <a:cs typeface="Arial" panose="020B0604020202020204" pitchFamily="34" charset="0"/>
               </a:rPr>
               <a:t>vs</a:t>
             </a:r>
             <a:r>
-              <a:rPr lang="en-US" sz="2800" b="1" cap="all" dirty="0">
+              <a:rPr lang="en-US" b="1" cap="all" dirty="0">
                 <a:latin typeface="Arial" panose="020B0604020202020204" pitchFamily="34" charset="0"/>
                 <a:cs typeface="Arial" panose="020B0604020202020204" pitchFamily="34" charset="0"/>
               </a:rPr>
@@ -11307,36 +11517,6 @@
           </a:p>
         </p:txBody>
       </p:sp>
-      <p:pic>
-        <p:nvPicPr>
-          <p:cNvPr id="9" name="Picture 8" descr="A screenshot of a cell phone&#10;&#10;Description automatically generated">
-            <a:extLst>
-              <a:ext uri="{FF2B5EF4-FFF2-40B4-BE49-F238E27FC236}">
-                <a16:creationId xmlns:a16="http://schemas.microsoft.com/office/drawing/2014/main" id="{EBA963C2-D536-4C09-B5FA-9261413ED00B}"/>
-              </a:ext>
-            </a:extLst>
-          </p:cNvPr>
-          <p:cNvPicPr>
-            <a:picLocks noChangeAspect="1"/>
-          </p:cNvPicPr>
-          <p:nvPr/>
-        </p:nvPicPr>
-        <p:blipFill>
-          <a:blip r:embed="rId3"/>
-          <a:stretch>
-            <a:fillRect/>
-          </a:stretch>
-        </p:blipFill>
-        <p:spPr>
-          <a:xfrm>
-            <a:off x="3489692" y="1179112"/>
-            <a:ext cx="8244712" cy="4499565"/>
-          </a:xfrm>
-          <a:prstGeom prst="rect">
-            <a:avLst/>
-          </a:prstGeom>
-        </p:spPr>
-      </p:pic>
       <p:sp>
         <p:nvSpPr>
           <p:cNvPr id="10" name="TextBox 9">
@@ -11351,7 +11531,7 @@
         </p:nvSpPr>
         <p:spPr>
           <a:xfrm>
-            <a:off x="6836735" y="1765005"/>
+            <a:off x="8172893" y="60596"/>
             <a:ext cx="3678865" cy="646331"/>
           </a:xfrm>
           <a:prstGeom prst="rect">
@@ -11371,7 +11551,7 @@
                   <a:srgbClr val="FF0000"/>
                 </a:solidFill>
               </a:rPr>
-              <a:t>Placeholder image – need to update with updated Y axis</a:t>
+              <a:t>Should 10,000 be in the chart title or just in the X axis?  </a:t>
             </a:r>
           </a:p>
         </p:txBody>
@@ -11464,6 +11644,35 @@
           </a:fontRef>
         </p:style>
       </p:cxnSp>
+      <p:pic>
+        <p:nvPicPr>
+          <p:cNvPr id="14" name="Picture 13" descr="A picture containing food&#10;&#10;Description automatically generated">
+            <a:extLst>
+              <a:ext uri="{FF2B5EF4-FFF2-40B4-BE49-F238E27FC236}">
+                <a16:creationId xmlns:a16="http://schemas.microsoft.com/office/drawing/2014/main" id="{BF189124-DDA7-4C61-8A92-D5E596BA5BCA}"/>
+              </a:ext>
+            </a:extLst>
+          </p:cNvPr>
+          <p:cNvPicPr>
+            <a:picLocks noChangeAspect="1"/>
+          </p:cNvPicPr>
+          <p:nvPr/>
+        </p:nvPicPr>
+        <p:blipFill rotWithShape="1">
+          <a:blip r:embed="rId3"/>
+          <a:srcRect l="2165" t="5473" r="8637"/>
+          <a:stretch/>
+        </p:blipFill>
+        <p:spPr>
+          <a:xfrm>
+            <a:off x="3466214" y="1263806"/>
+            <a:ext cx="8155174" cy="4321244"/>
+          </a:xfrm>
+          <a:prstGeom prst="rect">
+            <a:avLst/>
+          </a:prstGeom>
+        </p:spPr>
+      </p:pic>
     </p:spTree>
     <p:extLst>
       <p:ext uri="{BB962C8B-B14F-4D97-AF65-F5344CB8AC3E}">
@@ -11822,10 +12031,10 @@
       </p:sp>
       <p:pic>
         <p:nvPicPr>
-          <p:cNvPr id="24" name="Picture 23" descr="A close up of a piece of paper&#10;&#10;Description automatically generated">
+          <p:cNvPr id="9" name="Picture 8" descr="A close up of a logo&#10;&#10;Description automatically generated">
             <a:extLst>
               <a:ext uri="{FF2B5EF4-FFF2-40B4-BE49-F238E27FC236}">
-                <a16:creationId xmlns:a16="http://schemas.microsoft.com/office/drawing/2014/main" id="{4C051068-247D-47A9-A768-2BA811229743}"/>
+                <a16:creationId xmlns:a16="http://schemas.microsoft.com/office/drawing/2014/main" id="{7A26E5E2-A62B-4F1F-BE6F-8E1CD433C2CF}"/>
               </a:ext>
             </a:extLst>
           </p:cNvPr>
@@ -11836,13 +12045,13 @@
         </p:nvPicPr>
         <p:blipFill rotWithShape="1">
           <a:blip r:embed="rId3"/>
-          <a:srcRect l="5394" t="3085" r="7467" b="-1"/>
+          <a:srcRect l="2675" t="4697" r="8477"/>
           <a:stretch/>
         </p:blipFill>
         <p:spPr>
           <a:xfrm>
-            <a:off x="15555" y="505121"/>
-            <a:ext cx="6050714" cy="3407594"/>
+            <a:off x="121999" y="762000"/>
+            <a:ext cx="5874753" cy="3150782"/>
           </a:xfrm>
           <a:prstGeom prst="rect">
             <a:avLst/>
@@ -11854,10 +12063,10 @@
       </p:pic>
       <p:pic>
         <p:nvPicPr>
-          <p:cNvPr id="26" name="Picture 25" descr="A screenshot of a cell phone&#10;&#10;Description automatically generated">
+          <p:cNvPr id="13" name="Picture 12" descr="A screenshot of a cell phone&#10;&#10;Description automatically generated">
             <a:extLst>
               <a:ext uri="{FF2B5EF4-FFF2-40B4-BE49-F238E27FC236}">
-                <a16:creationId xmlns:a16="http://schemas.microsoft.com/office/drawing/2014/main" id="{147539F5-1660-4D8E-9B27-E167F1C96290}"/>
+                <a16:creationId xmlns:a16="http://schemas.microsoft.com/office/drawing/2014/main" id="{3A7D4B49-71D9-4F06-BEEF-E7DC62836376}"/>
               </a:ext>
             </a:extLst>
           </p:cNvPr>
@@ -11866,15 +12075,16 @@
           </p:cNvPicPr>
           <p:nvPr/>
         </p:nvPicPr>
-        <p:blipFill rotWithShape="1">
+        <p:blipFill>
           <a:blip r:embed="rId4"/>
-          <a:srcRect l="5214" t="4511" r="8372"/>
-          <a:stretch/>
+          <a:stretch>
+            <a:fillRect/>
+          </a:stretch>
         </p:blipFill>
         <p:spPr>
           <a:xfrm>
-            <a:off x="6267205" y="547653"/>
-            <a:ext cx="5859944" cy="3365062"/>
+            <a:off x="6112730" y="759711"/>
+            <a:ext cx="5990259" cy="3150782"/>
           </a:xfrm>
           <a:prstGeom prst="rect">
             <a:avLst/>
@@ -11886,10 +12096,10 @@
       </p:pic>
       <p:sp>
         <p:nvSpPr>
-          <p:cNvPr id="28" name="TextBox 27">
+          <p:cNvPr id="14" name="TextBox 13">
             <a:extLst>
               <a:ext uri="{FF2B5EF4-FFF2-40B4-BE49-F238E27FC236}">
-                <a16:creationId xmlns:a16="http://schemas.microsoft.com/office/drawing/2014/main" id="{91A6E864-378C-48E9-8C9A-670BFAE74B91}"/>
+                <a16:creationId xmlns:a16="http://schemas.microsoft.com/office/drawing/2014/main" id="{EF0AED74-9F70-4F4E-A4F3-55014DE05E77}"/>
               </a:ext>
             </a:extLst>
           </p:cNvPr>
@@ -11898,7 +12108,7 @@
         </p:nvSpPr>
         <p:spPr>
           <a:xfrm>
-            <a:off x="4816549" y="164940"/>
+            <a:off x="8172893" y="60596"/>
             <a:ext cx="3678865" cy="646331"/>
           </a:xfrm>
           <a:prstGeom prst="rect">
@@ -11918,7 +12128,7 @@
                   <a:srgbClr val="FF0000"/>
                 </a:solidFill>
               </a:rPr>
-              <a:t>Placeholder image – need to update with updated chart titles</a:t>
+              <a:t>Should 10,000 be in the chart title or just in the X axis?  </a:t>
             </a:r>
           </a:p>
         </p:txBody>
@@ -11963,10 +12173,10 @@
       </p:grpSpPr>
       <p:sp>
         <p:nvSpPr>
-          <p:cNvPr id="43" name="Rectangle 42">
+          <p:cNvPr id="54" name="Rectangle 53">
             <a:extLst>
               <a:ext uri="{FF2B5EF4-FFF2-40B4-BE49-F238E27FC236}">
-                <a16:creationId xmlns:a16="http://schemas.microsoft.com/office/drawing/2014/main" id="{40DCEEEA-6FE7-4541-9EB2-EF754066EE9B}"/>
+                <a16:creationId xmlns:a16="http://schemas.microsoft.com/office/drawing/2014/main" id="{64C9EE1D-12BB-43F7-9A2A-893578DCA63A}"/>
               </a:ext>
               <a:ext uri="{C183D7F6-B498-43B3-948B-1728B52AA6E4}">
                 <adec:decorative xmlns:adec="http://schemas.microsoft.com/office/drawing/2017/decorative" val="1"/>
@@ -11986,8 +12196,8 @@
         </p:nvSpPr>
         <p:spPr>
           <a:xfrm>
-            <a:off x="1" y="758952"/>
-            <a:ext cx="3443590" cy="5330952"/>
+            <a:off x="0" y="761999"/>
+            <a:ext cx="9141619" cy="5334001"/>
           </a:xfrm>
           <a:prstGeom prst="rect">
             <a:avLst/>
@@ -12018,10 +12228,10 @@
       </p:sp>
       <p:sp>
         <p:nvSpPr>
-          <p:cNvPr id="45" name="Rectangle 44">
+          <p:cNvPr id="56" name="Rectangle 55">
             <a:extLst>
               <a:ext uri="{FF2B5EF4-FFF2-40B4-BE49-F238E27FC236}">
-                <a16:creationId xmlns:a16="http://schemas.microsoft.com/office/drawing/2014/main" id="{03A72D00-0CA4-4A88-86CE-B1FB393C52C2}"/>
+                <a16:creationId xmlns:a16="http://schemas.microsoft.com/office/drawing/2014/main" id="{43962A31-C54E-4762-B155-59777FED1C75}"/>
               </a:ext>
               <a:ext uri="{C183D7F6-B498-43B3-948B-1728B52AA6E4}">
                 <adec:decorative xmlns:adec="http://schemas.microsoft.com/office/drawing/2017/decorative" val="1"/>
@@ -12041,8 +12251,8 @@
         </p:nvSpPr>
         <p:spPr>
           <a:xfrm>
-            <a:off x="11815864" y="758952"/>
-            <a:ext cx="384048" cy="5330952"/>
+            <a:off x="9270263" y="761999"/>
+            <a:ext cx="2925318" cy="5334001"/>
           </a:xfrm>
           <a:prstGeom prst="rect">
             <a:avLst/>
@@ -12075,10 +12285,10 @@
       </p:sp>
       <p:sp useBgFill="1">
         <p:nvSpPr>
-          <p:cNvPr id="47" name="Rectangle 46">
+          <p:cNvPr id="58" name="Rectangle 57">
             <a:extLst>
               <a:ext uri="{FF2B5EF4-FFF2-40B4-BE49-F238E27FC236}">
-                <a16:creationId xmlns:a16="http://schemas.microsoft.com/office/drawing/2014/main" id="{A1DFCBE5-52C1-48A9-89CF-E7D68CCA1620}"/>
+                <a16:creationId xmlns:a16="http://schemas.microsoft.com/office/drawing/2014/main" id="{4B392D36-B685-45E0-B197-6EE5D748093B}"/>
               </a:ext>
               <a:ext uri="{C183D7F6-B498-43B3-948B-1728B52AA6E4}">
                 <adec:decorative xmlns:adec="http://schemas.microsoft.com/office/drawing/2017/decorative" val="1"/>
@@ -12099,7 +12309,7 @@
         <p:spPr>
           <a:xfrm>
             <a:off x="0" y="0"/>
-            <a:ext cx="12188952" cy="6858000"/>
+            <a:ext cx="12191999" cy="6858000"/>
           </a:xfrm>
           <a:prstGeom prst="rect">
             <a:avLst/>
@@ -12135,10 +12345,10 @@
       </p:sp>
       <p:sp>
         <p:nvSpPr>
-          <p:cNvPr id="49" name="Rectangle 48">
+          <p:cNvPr id="60" name="Rectangle 59">
             <a:extLst>
               <a:ext uri="{FF2B5EF4-FFF2-40B4-BE49-F238E27FC236}">
-                <a16:creationId xmlns:a16="http://schemas.microsoft.com/office/drawing/2014/main" id="{EB17C8F6-D357-4254-BBAC-96B01EEBE162}"/>
+                <a16:creationId xmlns:a16="http://schemas.microsoft.com/office/drawing/2014/main" id="{9DCA8533-CC5E-4754-9A04-047EDE49E0F9}"/>
               </a:ext>
               <a:ext uri="{C183D7F6-B498-43B3-948B-1728B52AA6E4}">
                 <adec:decorative xmlns:adec="http://schemas.microsoft.com/office/drawing/2017/decorative" val="1"/>
@@ -12158,8 +12368,8 @@
         </p:nvSpPr>
         <p:spPr>
           <a:xfrm>
-            <a:off x="0" y="3647203"/>
-            <a:ext cx="11707367" cy="2572622"/>
+            <a:off x="0" y="4367639"/>
+            <a:ext cx="11707367" cy="1852186"/>
           </a:xfrm>
           <a:prstGeom prst="rect">
             <a:avLst/>
@@ -12206,27 +12416,26 @@
         </p:nvSpPr>
         <p:spPr>
           <a:xfrm>
-            <a:off x="30647" y="4049486"/>
-            <a:ext cx="11473781" cy="1883228"/>
+            <a:off x="1069848" y="4590661"/>
+            <a:ext cx="10210862" cy="1065690"/>
           </a:xfrm>
         </p:spPr>
         <p:txBody>
-          <a:bodyPr vert="horz" lIns="91440" tIns="45720" rIns="91440" bIns="45720" rtlCol="0" anchor="ctr">
+          <a:bodyPr vert="horz" lIns="91440" tIns="45720" rIns="91440" bIns="45720" rtlCol="0" anchor="b">
             <a:normAutofit/>
           </a:bodyPr>
           <a:lstStyle/>
           <a:p>
-            <a:pPr algn="r"/>
             <a:r>
-              <a:rPr lang="en-US" sz="4400" cap="all" dirty="0"/>
+              <a:rPr lang="en-US" sz="3700" b="1" cap="all" spc="-100" dirty="0"/>
               <a:t>Housing Units Sold by Price </a:t>
             </a:r>
             <a:r>
-              <a:rPr lang="en-US" sz="4400" cap="small" dirty="0"/>
+              <a:rPr lang="en-US" sz="3700" b="1" cap="small" spc="-100" dirty="0"/>
               <a:t>vs</a:t>
             </a:r>
             <a:r>
-              <a:rPr lang="en-US" sz="4400" cap="all" dirty="0"/>
+              <a:rPr lang="en-US" sz="3700" b="1" cap="all" spc="-100" dirty="0"/>
               <a:t> Crime Rate</a:t>
             </a:r>
           </a:p>
@@ -12234,10 +12443,10 @@
       </p:sp>
       <p:pic>
         <p:nvPicPr>
-          <p:cNvPr id="18" name="Picture 17" descr="A close up of a map&#10;&#10;Description automatically generated">
+          <p:cNvPr id="10" name="Picture 9" descr="A close up of text on a white background&#10;&#10;Description automatically generated">
             <a:extLst>
               <a:ext uri="{FF2B5EF4-FFF2-40B4-BE49-F238E27FC236}">
-                <a16:creationId xmlns:a16="http://schemas.microsoft.com/office/drawing/2014/main" id="{82AA2E05-7F36-4BF2-BBE8-4C4B251F48DA}"/>
+                <a16:creationId xmlns:a16="http://schemas.microsoft.com/office/drawing/2014/main" id="{970F0413-842C-433E-808F-C9528722382F}"/>
               </a:ext>
             </a:extLst>
           </p:cNvPr>
@@ -12246,16 +12455,15 @@
           </p:cNvPicPr>
           <p:nvPr/>
         </p:nvPicPr>
-        <p:blipFill>
+        <p:blipFill rotWithShape="1">
           <a:blip r:embed="rId2"/>
-          <a:stretch>
-            <a:fillRect/>
-          </a:stretch>
+          <a:srcRect r="6821"/>
+          <a:stretch/>
         </p:blipFill>
         <p:spPr>
           <a:xfrm>
-            <a:off x="30647" y="811728"/>
-            <a:ext cx="3956493" cy="2637662"/>
+            <a:off x="8339226" y="1623643"/>
+            <a:ext cx="3835242" cy="2743996"/>
           </a:xfrm>
           <a:prstGeom prst="rect">
             <a:avLst/>
@@ -12264,30 +12472,27 @@
       </p:pic>
       <p:pic>
         <p:nvPicPr>
-          <p:cNvPr id="14" name="Content Placeholder 13" descr="A screenshot of a cell phone&#10;&#10;Description automatically generated">
+          <p:cNvPr id="6" name="Picture 5" descr="A close up of a logo&#10;&#10;Description automatically generated">
             <a:extLst>
               <a:ext uri="{FF2B5EF4-FFF2-40B4-BE49-F238E27FC236}">
-                <a16:creationId xmlns:a16="http://schemas.microsoft.com/office/drawing/2014/main" id="{654CCB18-2262-4A25-8092-D75C66327E7D}"/>
+                <a16:creationId xmlns:a16="http://schemas.microsoft.com/office/drawing/2014/main" id="{90D0A457-0E8A-4B26-9B5E-B7CC374853D1}"/>
               </a:ext>
             </a:extLst>
           </p:cNvPr>
           <p:cNvPicPr>
-            <a:picLocks noGrp="1" noChangeAspect="1"/>
+            <a:picLocks noChangeAspect="1"/>
           </p:cNvPicPr>
-          <p:nvPr>
-            <p:ph sz="half" idx="1"/>
-          </p:nvPr>
+          <p:nvPr/>
         </p:nvPicPr>
-        <p:blipFill>
+        <p:blipFill rotWithShape="1">
           <a:blip r:embed="rId3"/>
-          <a:stretch>
-            <a:fillRect/>
-          </a:stretch>
+          <a:srcRect r="3635"/>
+          <a:stretch/>
         </p:blipFill>
         <p:spPr>
           <a:xfrm>
-            <a:off x="4092474" y="852351"/>
-            <a:ext cx="3956493" cy="2637662"/>
+            <a:off x="99493" y="51186"/>
+            <a:ext cx="4122451" cy="2851970"/>
           </a:xfrm>
           <a:prstGeom prst="rect">
             <a:avLst/>
@@ -12296,10 +12501,10 @@
       </p:pic>
       <p:pic>
         <p:nvPicPr>
-          <p:cNvPr id="16" name="Content Placeholder 15" descr="A close up of a logo&#10;&#10;Description automatically generated">
+          <p:cNvPr id="8" name="Picture 7" descr="A close up of a logo&#10;&#10;Description automatically generated">
             <a:extLst>
               <a:ext uri="{FF2B5EF4-FFF2-40B4-BE49-F238E27FC236}">
-                <a16:creationId xmlns:a16="http://schemas.microsoft.com/office/drawing/2014/main" id="{491D5911-EB26-4FD6-A446-AB16C4F5092A}"/>
+                <a16:creationId xmlns:a16="http://schemas.microsoft.com/office/drawing/2014/main" id="{E10DA690-DAB0-45D8-86F9-D6B5691AA7C3}"/>
               </a:ext>
             </a:extLst>
           </p:cNvPr>
@@ -12316,8 +12521,8 @@
         </p:blipFill>
         <p:spPr>
           <a:xfrm>
-            <a:off x="8238562" y="854260"/>
-            <a:ext cx="3871173" cy="2580782"/>
+            <a:off x="4350588" y="947108"/>
+            <a:ext cx="3952925" cy="2635283"/>
           </a:xfrm>
           <a:prstGeom prst="rect">
             <a:avLst/>
@@ -12326,10 +12531,10 @@
       </p:pic>
       <p:sp>
         <p:nvSpPr>
-          <p:cNvPr id="19" name="TextBox 18">
+          <p:cNvPr id="3" name="TextBox 2">
             <a:extLst>
               <a:ext uri="{FF2B5EF4-FFF2-40B4-BE49-F238E27FC236}">
-                <a16:creationId xmlns:a16="http://schemas.microsoft.com/office/drawing/2014/main" id="{D8DBD85C-0A82-4ACD-BDD0-F0BB8F69F8A7}"/>
+                <a16:creationId xmlns:a16="http://schemas.microsoft.com/office/drawing/2014/main" id="{2ADCDB36-AF26-4B95-9D41-A7526687B58C}"/>
               </a:ext>
             </a:extLst>
           </p:cNvPr>
@@ -12338,8 +12543,8 @@
         </p:nvSpPr>
         <p:spPr>
           <a:xfrm>
-            <a:off x="308275" y="158588"/>
-            <a:ext cx="3678865" cy="646331"/>
+            <a:off x="112838" y="5829790"/>
+            <a:ext cx="3678865" cy="923330"/>
           </a:xfrm>
           <a:prstGeom prst="rect">
             <a:avLst/>
@@ -12358,17 +12563,17 @@
                   <a:srgbClr val="FF0000"/>
                 </a:solidFill>
               </a:rPr>
-              <a:t>Placeholder image – need to update with updated X axis</a:t>
+              <a:t>*Should the Y axis be per capita?  The housing bar charts are not per capita</a:t>
             </a:r>
           </a:p>
         </p:txBody>
       </p:sp>
       <p:sp>
         <p:nvSpPr>
-          <p:cNvPr id="20" name="TextBox 19">
+          <p:cNvPr id="4" name="TextBox 3">
             <a:extLst>
               <a:ext uri="{FF2B5EF4-FFF2-40B4-BE49-F238E27FC236}">
-                <a16:creationId xmlns:a16="http://schemas.microsoft.com/office/drawing/2014/main" id="{AA093609-E779-48C4-A280-E8025D5C5830}"/>
+                <a16:creationId xmlns:a16="http://schemas.microsoft.com/office/drawing/2014/main" id="{71AD3E63-34E5-4C33-A170-A1D76F1EC444}"/>
               </a:ext>
             </a:extLst>
           </p:cNvPr>
@@ -12377,8 +12582,8 @@
         </p:nvSpPr>
         <p:spPr>
           <a:xfrm>
-            <a:off x="6826223" y="214176"/>
-            <a:ext cx="3871173" cy="646331"/>
+            <a:off x="3920347" y="5854160"/>
+            <a:ext cx="3871173" cy="923330"/>
           </a:xfrm>
           <a:prstGeom prst="rect">
             <a:avLst/>
@@ -12397,7 +12602,163 @@
                   <a:srgbClr val="FF0000"/>
                 </a:solidFill>
               </a:rPr>
-              <a:t>Consider displaying only 2 images for space – less than 300K and 300-500k</a:t>
+              <a:t>*Consider displaying only 2 images for space – less than 300K and 300-500k</a:t>
+            </a:r>
+          </a:p>
+        </p:txBody>
+      </p:sp>
+      <p:sp>
+        <p:nvSpPr>
+          <p:cNvPr id="7" name="TextBox 6">
+            <a:extLst>
+              <a:ext uri="{FF2B5EF4-FFF2-40B4-BE49-F238E27FC236}">
+                <a16:creationId xmlns:a16="http://schemas.microsoft.com/office/drawing/2014/main" id="{98806AAE-121F-411E-BA19-A8A4F0CB21D1}"/>
+              </a:ext>
+            </a:extLst>
+          </p:cNvPr>
+          <p:cNvSpPr txBox="1"/>
+          <p:nvPr/>
+        </p:nvSpPr>
+        <p:spPr>
+          <a:xfrm>
+            <a:off x="7858531" y="5879129"/>
+            <a:ext cx="3871173" cy="923330"/>
+          </a:xfrm>
+          <a:prstGeom prst="rect">
+            <a:avLst/>
+          </a:prstGeom>
+          <a:noFill/>
+        </p:spPr>
+        <p:txBody>
+          <a:bodyPr wrap="square" rtlCol="0">
+            <a:spAutoFit/>
+          </a:bodyPr>
+          <a:lstStyle/>
+          <a:p>
+            <a:r>
+              <a:rPr lang="en-US" b="1" dirty="0">
+                <a:solidFill>
+                  <a:srgbClr val="FF0000"/>
+                </a:solidFill>
+              </a:rPr>
+              <a:t>*Is this census data?  If so, may want to clarify while discussing this slide in the presentation </a:t>
+            </a:r>
+          </a:p>
+        </p:txBody>
+      </p:sp>
+      <p:sp>
+        <p:nvSpPr>
+          <p:cNvPr id="9" name="TextBox 8">
+            <a:extLst>
+              <a:ext uri="{FF2B5EF4-FFF2-40B4-BE49-F238E27FC236}">
+                <a16:creationId xmlns:a16="http://schemas.microsoft.com/office/drawing/2014/main" id="{F9EC634B-1089-4F6E-8DA6-C6BF8E8117DB}"/>
+              </a:ext>
+            </a:extLst>
+          </p:cNvPr>
+          <p:cNvSpPr txBox="1"/>
+          <p:nvPr/>
+        </p:nvSpPr>
+        <p:spPr>
+          <a:xfrm>
+            <a:off x="202020" y="-79786"/>
+            <a:ext cx="4371400" cy="369332"/>
+          </a:xfrm>
+          <a:prstGeom prst="rect">
+            <a:avLst/>
+          </a:prstGeom>
+          <a:noFill/>
+        </p:spPr>
+        <p:txBody>
+          <a:bodyPr wrap="square" rtlCol="0">
+            <a:spAutoFit/>
+          </a:bodyPr>
+          <a:lstStyle/>
+          <a:p>
+            <a:r>
+              <a:rPr lang="en-US" b="1" dirty="0">
+                <a:solidFill>
+                  <a:srgbClr val="FF0000"/>
+                </a:solidFill>
+              </a:rPr>
+              <a:t>*Update Image - Pending update</a:t>
+            </a:r>
+          </a:p>
+        </p:txBody>
+      </p:sp>
+      <p:sp>
+        <p:nvSpPr>
+          <p:cNvPr id="11" name="TextBox 10">
+            <a:extLst>
+              <a:ext uri="{FF2B5EF4-FFF2-40B4-BE49-F238E27FC236}">
+                <a16:creationId xmlns:a16="http://schemas.microsoft.com/office/drawing/2014/main" id="{8E4C76DF-4915-4347-9098-450488590816}"/>
+              </a:ext>
+            </a:extLst>
+          </p:cNvPr>
+          <p:cNvSpPr txBox="1"/>
+          <p:nvPr/>
+        </p:nvSpPr>
+        <p:spPr>
+          <a:xfrm>
+            <a:off x="4237195" y="762442"/>
+            <a:ext cx="4371400" cy="369332"/>
+          </a:xfrm>
+          <a:prstGeom prst="rect">
+            <a:avLst/>
+          </a:prstGeom>
+          <a:noFill/>
+        </p:spPr>
+        <p:txBody>
+          <a:bodyPr wrap="square" rtlCol="0">
+            <a:spAutoFit/>
+          </a:bodyPr>
+          <a:lstStyle/>
+          <a:p>
+            <a:r>
+              <a:rPr lang="en-US" b="1" dirty="0">
+                <a:solidFill>
+                  <a:srgbClr val="FF0000"/>
+                </a:solidFill>
+              </a:rPr>
+              <a:t>*Update Image - Pending update</a:t>
+            </a:r>
+          </a:p>
+        </p:txBody>
+      </p:sp>
+      <p:sp>
+        <p:nvSpPr>
+          <p:cNvPr id="12" name="TextBox 11">
+            <a:extLst>
+              <a:ext uri="{FF2B5EF4-FFF2-40B4-BE49-F238E27FC236}">
+                <a16:creationId xmlns:a16="http://schemas.microsoft.com/office/drawing/2014/main" id="{993F1D52-57E8-4AB4-B969-3CF9DE2499C8}"/>
+              </a:ext>
+            </a:extLst>
+          </p:cNvPr>
+          <p:cNvSpPr txBox="1"/>
+          <p:nvPr/>
+        </p:nvSpPr>
+        <p:spPr>
+          <a:xfrm>
+            <a:off x="8547222" y="1499818"/>
+            <a:ext cx="4371400" cy="369332"/>
+          </a:xfrm>
+          <a:prstGeom prst="rect">
+            <a:avLst/>
+          </a:prstGeom>
+          <a:noFill/>
+        </p:spPr>
+        <p:txBody>
+          <a:bodyPr wrap="square" rtlCol="0">
+            <a:spAutoFit/>
+          </a:bodyPr>
+          <a:lstStyle/>
+          <a:p>
+            <a:r>
+              <a:rPr lang="en-US" b="1" dirty="0">
+                <a:solidFill>
+                  <a:srgbClr val="FF0000"/>
+                </a:solidFill>
+              </a:rPr>
+              <a:t>*Update Image - Pending update</a:t>
             </a:r>
           </a:p>
         </p:txBody>
@@ -12405,7 +12766,7 @@
     </p:spTree>
     <p:extLst>
       <p:ext uri="{BB962C8B-B14F-4D97-AF65-F5344CB8AC3E}">
-        <p14:creationId xmlns:p14="http://schemas.microsoft.com/office/powerpoint/2010/main" val="159454353"/>
+        <p14:creationId xmlns:p14="http://schemas.microsoft.com/office/powerpoint/2010/main" val="297259918"/>
       </p:ext>
     </p:extLst>
   </p:cSld>
@@ -12442,6 +12803,567 @@
       </p:grpSpPr>
       <p:sp>
         <p:nvSpPr>
+          <p:cNvPr id="14" name="Rectangle 13">
+            <a:extLst>
+              <a:ext uri="{FF2B5EF4-FFF2-40B4-BE49-F238E27FC236}">
+                <a16:creationId xmlns:a16="http://schemas.microsoft.com/office/drawing/2014/main" id="{4F645BF8-7885-4398-80BC-4C0DF24F5CEE}"/>
+              </a:ext>
+              <a:ext uri="{C183D7F6-B498-43B3-948B-1728B52AA6E4}">
+                <adec:decorative xmlns:adec="http://schemas.microsoft.com/office/drawing/2017/decorative" val="1"/>
+              </a:ext>
+            </a:extLst>
+          </p:cNvPr>
+          <p:cNvSpPr>
+            <a:spLocks noGrp="1" noRot="1" noChangeAspect="1" noMove="1" noResize="1" noEditPoints="1" noAdjustHandles="1" noChangeArrowheads="1" noChangeShapeType="1" noTextEdit="1"/>
+          </p:cNvSpPr>
+          <p:nvPr>
+            <p:extLst>
+              <p:ext uri="{386F3935-93C4-4BCD-93E2-E3B085C9AB24}">
+                <p16:designElem xmlns:p16="http://schemas.microsoft.com/office/powerpoint/2015/main" val="1"/>
+              </p:ext>
+            </p:extLst>
+          </p:nvPr>
+        </p:nvSpPr>
+        <p:spPr>
+          <a:xfrm>
+            <a:off x="1" y="758952"/>
+            <a:ext cx="3443590" cy="5330952"/>
+          </a:xfrm>
+          <a:prstGeom prst="rect">
+            <a:avLst/>
+          </a:prstGeom>
+          <a:solidFill>
+            <a:schemeClr val="accent1"/>
+          </a:solidFill>
+          <a:ln>
+            <a:noFill/>
+          </a:ln>
+        </p:spPr>
+        <p:style>
+          <a:lnRef idx="2">
+            <a:schemeClr val="accent1">
+              <a:shade val="50000"/>
+            </a:schemeClr>
+          </a:lnRef>
+          <a:fillRef idx="1">
+            <a:schemeClr val="accent1"/>
+          </a:fillRef>
+          <a:effectRef idx="0">
+            <a:schemeClr val="accent1"/>
+          </a:effectRef>
+          <a:fontRef idx="minor">
+            <a:schemeClr val="lt1"/>
+          </a:fontRef>
+        </p:style>
+      </p:sp>
+      <p:sp>
+        <p:nvSpPr>
+          <p:cNvPr id="16" name="Rectangle 15">
+            <a:extLst>
+              <a:ext uri="{FF2B5EF4-FFF2-40B4-BE49-F238E27FC236}">
+                <a16:creationId xmlns:a16="http://schemas.microsoft.com/office/drawing/2014/main" id="{3212FB65-CD2B-4005-B910-132DCE19FCC7}"/>
+              </a:ext>
+              <a:ext uri="{C183D7F6-B498-43B3-948B-1728B52AA6E4}">
+                <adec:decorative xmlns:adec="http://schemas.microsoft.com/office/drawing/2017/decorative" val="1"/>
+              </a:ext>
+            </a:extLst>
+          </p:cNvPr>
+          <p:cNvSpPr>
+            <a:spLocks noGrp="1" noRot="1" noChangeAspect="1" noMove="1" noResize="1" noEditPoints="1" noAdjustHandles="1" noChangeArrowheads="1" noChangeShapeType="1" noTextEdit="1"/>
+          </p:cNvSpPr>
+          <p:nvPr>
+            <p:extLst>
+              <p:ext uri="{386F3935-93C4-4BCD-93E2-E3B085C9AB24}">
+                <p16:designElem xmlns:p16="http://schemas.microsoft.com/office/powerpoint/2015/main" val="1"/>
+              </p:ext>
+            </p:extLst>
+          </p:nvPr>
+        </p:nvSpPr>
+        <p:spPr>
+          <a:xfrm>
+            <a:off x="11815864" y="758952"/>
+            <a:ext cx="384048" cy="5330952"/>
+          </a:xfrm>
+          <a:prstGeom prst="rect">
+            <a:avLst/>
+          </a:prstGeom>
+          <a:solidFill>
+            <a:srgbClr val="C8C8C8">
+              <a:alpha val="49804"/>
+            </a:srgbClr>
+          </a:solidFill>
+          <a:ln>
+            <a:noFill/>
+          </a:ln>
+        </p:spPr>
+        <p:style>
+          <a:lnRef idx="2">
+            <a:schemeClr val="accent1">
+              <a:shade val="50000"/>
+            </a:schemeClr>
+          </a:lnRef>
+          <a:fillRef idx="1">
+            <a:schemeClr val="accent1"/>
+          </a:fillRef>
+          <a:effectRef idx="0">
+            <a:schemeClr val="accent1"/>
+          </a:effectRef>
+          <a:fontRef idx="minor">
+            <a:schemeClr val="lt1"/>
+          </a:fontRef>
+        </p:style>
+      </p:sp>
+      <p:sp useBgFill="1">
+        <p:nvSpPr>
+          <p:cNvPr id="18" name="Rectangle 17">
+            <a:extLst>
+              <a:ext uri="{FF2B5EF4-FFF2-40B4-BE49-F238E27FC236}">
+                <a16:creationId xmlns:a16="http://schemas.microsoft.com/office/drawing/2014/main" id="{B5DC95B7-2A72-483B-BA19-2BE751205541}"/>
+              </a:ext>
+              <a:ext uri="{C183D7F6-B498-43B3-948B-1728B52AA6E4}">
+                <adec:decorative xmlns:adec="http://schemas.microsoft.com/office/drawing/2017/decorative" val="1"/>
+              </a:ext>
+            </a:extLst>
+          </p:cNvPr>
+          <p:cNvSpPr>
+            <a:spLocks noGrp="1" noRot="1" noChangeAspect="1" noMove="1" noResize="1" noEditPoints="1" noAdjustHandles="1" noChangeArrowheads="1" noChangeShapeType="1" noTextEdit="1"/>
+          </p:cNvSpPr>
+          <p:nvPr>
+            <p:extLst>
+              <p:ext uri="{386F3935-93C4-4BCD-93E2-E3B085C9AB24}">
+                <p16:designElem xmlns:p16="http://schemas.microsoft.com/office/powerpoint/2015/main" val="1"/>
+              </p:ext>
+            </p:extLst>
+          </p:nvPr>
+        </p:nvSpPr>
+        <p:spPr>
+          <a:xfrm>
+            <a:off x="0" y="0"/>
+            <a:ext cx="12192000" cy="6858000"/>
+          </a:xfrm>
+          <a:prstGeom prst="rect">
+            <a:avLst/>
+          </a:prstGeom>
+          <a:ln>
+            <a:noFill/>
+          </a:ln>
+        </p:spPr>
+        <p:style>
+          <a:lnRef idx="2">
+            <a:schemeClr val="accent1">
+              <a:shade val="50000"/>
+            </a:schemeClr>
+          </a:lnRef>
+          <a:fillRef idx="1">
+            <a:schemeClr val="accent1"/>
+          </a:fillRef>
+          <a:effectRef idx="0">
+            <a:schemeClr val="accent1"/>
+          </a:effectRef>
+          <a:fontRef idx="minor">
+            <a:schemeClr val="lt1"/>
+          </a:fontRef>
+        </p:style>
+        <p:txBody>
+          <a:bodyPr rtlCol="0" anchor="ctr"/>
+          <a:lstStyle/>
+          <a:p>
+            <a:pPr algn="ctr"/>
+            <a:endParaRPr lang="en-US"/>
+          </a:p>
+        </p:txBody>
+      </p:sp>
+      <p:sp>
+        <p:nvSpPr>
+          <p:cNvPr id="20" name="Rectangle 19">
+            <a:extLst>
+              <a:ext uri="{FF2B5EF4-FFF2-40B4-BE49-F238E27FC236}">
+                <a16:creationId xmlns:a16="http://schemas.microsoft.com/office/drawing/2014/main" id="{1C822AFE-7E96-4A51-9E55-FCAEACD21357}"/>
+              </a:ext>
+              <a:ext uri="{C183D7F6-B498-43B3-948B-1728B52AA6E4}">
+                <adec:decorative xmlns:adec="http://schemas.microsoft.com/office/drawing/2017/decorative" val="1"/>
+              </a:ext>
+            </a:extLst>
+          </p:cNvPr>
+          <p:cNvSpPr>
+            <a:spLocks noGrp="1" noRot="1" noChangeAspect="1" noMove="1" noResize="1" noEditPoints="1" noAdjustHandles="1" noChangeArrowheads="1" noChangeShapeType="1" noTextEdit="1"/>
+          </p:cNvSpPr>
+          <p:nvPr>
+            <p:extLst>
+              <p:ext uri="{386F3935-93C4-4BCD-93E2-E3B085C9AB24}">
+                <p16:designElem xmlns:p16="http://schemas.microsoft.com/office/powerpoint/2015/main" val="1"/>
+              </p:ext>
+            </p:extLst>
+          </p:nvPr>
+        </p:nvSpPr>
+        <p:spPr>
+          <a:xfrm>
+            <a:off x="7850120" y="757325"/>
+            <a:ext cx="4341880" cy="5329325"/>
+          </a:xfrm>
+          <a:prstGeom prst="rect">
+            <a:avLst/>
+          </a:prstGeom>
+          <a:solidFill>
+            <a:schemeClr val="accent1"/>
+          </a:solidFill>
+          <a:ln>
+            <a:noFill/>
+          </a:ln>
+        </p:spPr>
+        <p:style>
+          <a:lnRef idx="2">
+            <a:schemeClr val="accent1">
+              <a:shade val="50000"/>
+            </a:schemeClr>
+          </a:lnRef>
+          <a:fillRef idx="1">
+            <a:schemeClr val="accent1"/>
+          </a:fillRef>
+          <a:effectRef idx="0">
+            <a:schemeClr val="accent1"/>
+          </a:effectRef>
+          <a:fontRef idx="minor">
+            <a:schemeClr val="lt1"/>
+          </a:fontRef>
+        </p:style>
+        <p:txBody>
+          <a:bodyPr rtlCol="0" anchor="ctr"/>
+          <a:lstStyle/>
+          <a:p>
+            <a:pPr algn="ctr"/>
+            <a:endParaRPr lang="en-US"/>
+          </a:p>
+        </p:txBody>
+      </p:sp>
+      <p:sp>
+        <p:nvSpPr>
+          <p:cNvPr id="5" name="Title 4">
+            <a:extLst>
+              <a:ext uri="{FF2B5EF4-FFF2-40B4-BE49-F238E27FC236}">
+                <a16:creationId xmlns:a16="http://schemas.microsoft.com/office/drawing/2014/main" id="{3E1C62C6-1501-4C1D-8475-37DDFD235BEC}"/>
+              </a:ext>
+            </a:extLst>
+          </p:cNvPr>
+          <p:cNvSpPr>
+            <a:spLocks noGrp="1"/>
+          </p:cNvSpPr>
+          <p:nvPr>
+            <p:ph type="title"/>
+          </p:nvPr>
+        </p:nvSpPr>
+        <p:spPr>
+          <a:xfrm>
+            <a:off x="8038214" y="1079769"/>
+            <a:ext cx="3991074" cy="4683077"/>
+          </a:xfrm>
+        </p:spPr>
+        <p:txBody>
+          <a:bodyPr vert="horz" lIns="91440" tIns="45720" rIns="91440" bIns="45720" rtlCol="0" anchor="t">
+            <a:normAutofit/>
+          </a:bodyPr>
+          <a:lstStyle/>
+          <a:p>
+            <a:r>
+              <a:rPr lang="en-US" b="1" dirty="0"/>
+              <a:t>HOUSING UNITS SOLD vs CRIME RATE IN SUGAR LAND AND HOUSTON</a:t>
+            </a:r>
+          </a:p>
+        </p:txBody>
+      </p:sp>
+      <p:sp>
+        <p:nvSpPr>
+          <p:cNvPr id="22" name="Rectangle 21">
+            <a:extLst>
+              <a:ext uri="{FF2B5EF4-FFF2-40B4-BE49-F238E27FC236}">
+                <a16:creationId xmlns:a16="http://schemas.microsoft.com/office/drawing/2014/main" id="{9169EA61-C175-4B7E-807B-58199DEA7FB3}"/>
+              </a:ext>
+              <a:ext uri="{C183D7F6-B498-43B3-948B-1728B52AA6E4}">
+                <adec:decorative xmlns:adec="http://schemas.microsoft.com/office/drawing/2017/decorative" val="1"/>
+              </a:ext>
+            </a:extLst>
+          </p:cNvPr>
+          <p:cNvSpPr>
+            <a:spLocks noGrp="1" noRot="1" noChangeAspect="1" noMove="1" noResize="1" noEditPoints="1" noAdjustHandles="1" noChangeArrowheads="1" noChangeShapeType="1" noTextEdit="1"/>
+          </p:cNvSpPr>
+          <p:nvPr>
+            <p:extLst>
+              <p:ext uri="{386F3935-93C4-4BCD-93E2-E3B085C9AB24}">
+                <p16:designElem xmlns:p16="http://schemas.microsoft.com/office/powerpoint/2015/main" val="1"/>
+              </p:ext>
+            </p:extLst>
+          </p:nvPr>
+        </p:nvSpPr>
+        <p:spPr>
+          <a:xfrm>
+            <a:off x="0" y="758952"/>
+            <a:ext cx="384048" cy="5330952"/>
+          </a:xfrm>
+          <a:prstGeom prst="rect">
+            <a:avLst/>
+          </a:prstGeom>
+          <a:solidFill>
+            <a:srgbClr val="C8C8C8">
+              <a:alpha val="49804"/>
+            </a:srgbClr>
+          </a:solidFill>
+          <a:ln>
+            <a:noFill/>
+          </a:ln>
+        </p:spPr>
+        <p:style>
+          <a:lnRef idx="2">
+            <a:schemeClr val="accent1">
+              <a:shade val="50000"/>
+            </a:schemeClr>
+          </a:lnRef>
+          <a:fillRef idx="1">
+            <a:schemeClr val="accent1"/>
+          </a:fillRef>
+          <a:effectRef idx="0">
+            <a:schemeClr val="accent1"/>
+          </a:effectRef>
+          <a:fontRef idx="minor">
+            <a:schemeClr val="lt1"/>
+          </a:fontRef>
+        </p:style>
+      </p:sp>
+      <p:cxnSp>
+        <p:nvCxnSpPr>
+          <p:cNvPr id="17" name="Straight Connector 16">
+            <a:extLst>
+              <a:ext uri="{FF2B5EF4-FFF2-40B4-BE49-F238E27FC236}">
+                <a16:creationId xmlns:a16="http://schemas.microsoft.com/office/drawing/2014/main" id="{B2C2B097-9CF4-40F0-A48F-4319EA04AECB}"/>
+              </a:ext>
+            </a:extLst>
+          </p:cNvPr>
+          <p:cNvCxnSpPr/>
+          <p:nvPr/>
+        </p:nvCxnSpPr>
+        <p:spPr>
+          <a:xfrm>
+            <a:off x="0" y="758952"/>
+            <a:ext cx="12199912" cy="0"/>
+          </a:xfrm>
+          <a:prstGeom prst="line">
+            <a:avLst/>
+          </a:prstGeom>
+          <a:ln w="19050">
+            <a:solidFill>
+              <a:schemeClr val="bg2">
+                <a:lumMod val="60000"/>
+                <a:lumOff val="40000"/>
+              </a:schemeClr>
+            </a:solidFill>
+          </a:ln>
+        </p:spPr>
+        <p:style>
+          <a:lnRef idx="1">
+            <a:schemeClr val="accent1"/>
+          </a:lnRef>
+          <a:fillRef idx="0">
+            <a:schemeClr val="accent1"/>
+          </a:fillRef>
+          <a:effectRef idx="0">
+            <a:schemeClr val="accent1"/>
+          </a:effectRef>
+          <a:fontRef idx="minor">
+            <a:schemeClr val="tx1"/>
+          </a:fontRef>
+        </p:style>
+      </p:cxnSp>
+      <p:cxnSp>
+        <p:nvCxnSpPr>
+          <p:cNvPr id="19" name="Straight Connector 18">
+            <a:extLst>
+              <a:ext uri="{FF2B5EF4-FFF2-40B4-BE49-F238E27FC236}">
+                <a16:creationId xmlns:a16="http://schemas.microsoft.com/office/drawing/2014/main" id="{6D25B33E-3330-4C6B-B59C-196B19C65F48}"/>
+              </a:ext>
+            </a:extLst>
+          </p:cNvPr>
+          <p:cNvCxnSpPr/>
+          <p:nvPr/>
+        </p:nvCxnSpPr>
+        <p:spPr>
+          <a:xfrm>
+            <a:off x="-7914" y="6089904"/>
+            <a:ext cx="12199912" cy="0"/>
+          </a:xfrm>
+          <a:prstGeom prst="line">
+            <a:avLst/>
+          </a:prstGeom>
+          <a:ln w="19050">
+            <a:solidFill>
+              <a:schemeClr val="bg2">
+                <a:lumMod val="60000"/>
+                <a:lumOff val="40000"/>
+              </a:schemeClr>
+            </a:solidFill>
+          </a:ln>
+        </p:spPr>
+        <p:style>
+          <a:lnRef idx="1">
+            <a:schemeClr val="accent1"/>
+          </a:lnRef>
+          <a:fillRef idx="0">
+            <a:schemeClr val="accent1"/>
+          </a:fillRef>
+          <a:effectRef idx="0">
+            <a:schemeClr val="accent1"/>
+          </a:effectRef>
+          <a:fontRef idx="minor">
+            <a:schemeClr val="tx1"/>
+          </a:fontRef>
+        </p:style>
+      </p:cxnSp>
+      <p:sp>
+        <p:nvSpPr>
+          <p:cNvPr id="12" name="TextBox 11">
+            <a:extLst>
+              <a:ext uri="{FF2B5EF4-FFF2-40B4-BE49-F238E27FC236}">
+                <a16:creationId xmlns:a16="http://schemas.microsoft.com/office/drawing/2014/main" id="{B8DAF411-80E2-44EB-9731-B8A429B76A08}"/>
+              </a:ext>
+            </a:extLst>
+          </p:cNvPr>
+          <p:cNvSpPr txBox="1"/>
+          <p:nvPr/>
+        </p:nvSpPr>
+        <p:spPr>
+          <a:xfrm>
+            <a:off x="-7914" y="2757"/>
+            <a:ext cx="3678865" cy="923330"/>
+          </a:xfrm>
+          <a:prstGeom prst="rect">
+            <a:avLst/>
+          </a:prstGeom>
+          <a:noFill/>
+        </p:spPr>
+        <p:txBody>
+          <a:bodyPr wrap="square" rtlCol="0">
+            <a:spAutoFit/>
+          </a:bodyPr>
+          <a:lstStyle/>
+          <a:p>
+            <a:r>
+              <a:rPr lang="en-US" b="1" dirty="0">
+                <a:solidFill>
+                  <a:srgbClr val="FF0000"/>
+                </a:solidFill>
+              </a:rPr>
+              <a:t>*Should the Y axis be per capita?  The housing bar charts are not per capita</a:t>
+            </a:r>
+          </a:p>
+        </p:txBody>
+      </p:sp>
+      <p:pic>
+        <p:nvPicPr>
+          <p:cNvPr id="24" name="Picture 23" descr="A screenshot of a cell phone&#10;&#10;Description automatically generated">
+            <a:extLst>
+              <a:ext uri="{FF2B5EF4-FFF2-40B4-BE49-F238E27FC236}">
+                <a16:creationId xmlns:a16="http://schemas.microsoft.com/office/drawing/2014/main" id="{14CB80E6-7CF1-4DE0-8588-D8748C448B5C}"/>
+              </a:ext>
+            </a:extLst>
+          </p:cNvPr>
+          <p:cNvPicPr>
+            <a:picLocks noChangeAspect="1"/>
+          </p:cNvPicPr>
+          <p:nvPr/>
+        </p:nvPicPr>
+        <p:blipFill>
+          <a:blip r:embed="rId3"/>
+          <a:stretch>
+            <a:fillRect/>
+          </a:stretch>
+        </p:blipFill>
+        <p:spPr>
+          <a:xfrm>
+            <a:off x="504852" y="845816"/>
+            <a:ext cx="7117907" cy="5152341"/>
+          </a:xfrm>
+          <a:prstGeom prst="rect">
+            <a:avLst/>
+          </a:prstGeom>
+        </p:spPr>
+      </p:pic>
+      <p:sp>
+        <p:nvSpPr>
+          <p:cNvPr id="26" name="TextBox 25">
+            <a:extLst>
+              <a:ext uri="{FF2B5EF4-FFF2-40B4-BE49-F238E27FC236}">
+                <a16:creationId xmlns:a16="http://schemas.microsoft.com/office/drawing/2014/main" id="{43B323D0-5F2C-43EC-95DB-0758E4C6A4DD}"/>
+              </a:ext>
+            </a:extLst>
+          </p:cNvPr>
+          <p:cNvSpPr txBox="1"/>
+          <p:nvPr/>
+        </p:nvSpPr>
+        <p:spPr>
+          <a:xfrm>
+            <a:off x="2164092" y="1069137"/>
+            <a:ext cx="4371400" cy="369332"/>
+          </a:xfrm>
+          <a:prstGeom prst="rect">
+            <a:avLst/>
+          </a:prstGeom>
+          <a:noFill/>
+        </p:spPr>
+        <p:txBody>
+          <a:bodyPr wrap="square" rtlCol="0">
+            <a:spAutoFit/>
+          </a:bodyPr>
+          <a:lstStyle/>
+          <a:p>
+            <a:r>
+              <a:rPr lang="en-US" b="1" dirty="0">
+                <a:solidFill>
+                  <a:srgbClr val="FF0000"/>
+                </a:solidFill>
+              </a:rPr>
+              <a:t>*Update Image - Pending update</a:t>
+            </a:r>
+          </a:p>
+        </p:txBody>
+      </p:sp>
+    </p:spTree>
+    <p:extLst>
+      <p:ext uri="{BB962C8B-B14F-4D97-AF65-F5344CB8AC3E}">
+        <p14:creationId xmlns:p14="http://schemas.microsoft.com/office/powerpoint/2010/main" val="4120338722"/>
+      </p:ext>
+    </p:extLst>
+  </p:cSld>
+  <p:clrMapOvr>
+    <a:masterClrMapping/>
+  </p:clrMapOvr>
+</p:sld>
+</file>
+
+<file path=ppt/slides/slide18.xml><?xml version="1.0" encoding="utf-8"?>
+<p:sld xmlns:a="http://schemas.openxmlformats.org/drawingml/2006/main" xmlns:r="http://schemas.openxmlformats.org/officeDocument/2006/relationships" xmlns:p="http://schemas.openxmlformats.org/presentationml/2006/main">
+  <p:cSld>
+    <p:bg>
+      <p:bgPr>
+        <a:solidFill>
+          <a:schemeClr val="bg1"/>
+        </a:solidFill>
+        <a:effectLst/>
+      </p:bgPr>
+    </p:bg>
+    <p:spTree>
+      <p:nvGrpSpPr>
+        <p:cNvPr id="1" name=""/>
+        <p:cNvGrpSpPr/>
+        <p:nvPr/>
+      </p:nvGrpSpPr>
+      <p:grpSpPr>
+        <a:xfrm>
+          <a:off x="0" y="0"/>
+          <a:ext cx="0" cy="0"/>
+          <a:chOff x="0" y="0"/>
+          <a:chExt cx="0" cy="0"/>
+        </a:xfrm>
+      </p:grpSpPr>
+      <p:sp>
+        <p:nvSpPr>
           <p:cNvPr id="67" name="Rectangle 49">
             <a:extLst>
               <a:ext uri="{FF2B5EF4-FFF2-40B4-BE49-F238E27FC236}">
@@ -13216,7 +14138,7 @@
 </p:sld>
 </file>
 
-<file path=ppt/slides/slide18.xml><?xml version="1.0" encoding="utf-8"?>
+<file path=ppt/slides/slide19.xml><?xml version="1.0" encoding="utf-8"?>
 <p:sld xmlns:a="http://schemas.openxmlformats.org/drawingml/2006/main" xmlns:r="http://schemas.openxmlformats.org/officeDocument/2006/relationships" xmlns:p="http://schemas.openxmlformats.org/presentationml/2006/main">
   <p:cSld>
     <p:bg>
@@ -14181,7 +15103,7 @@
             <a:fld id="{8C2E478F-E849-4A8C-AF1F-CBCC78A7CBFA}" type="slidenum">
               <a:rPr lang="en-US" smtClean="0"/>
               <a:pPr/>
-              <a:t>18</a:t>
+              <a:t>19</a:t>
             </a:fld>
             <a:endParaRPr lang="en-US" dirty="0"/>
           </a:p>
@@ -17575,233 +18497,6 @@
       </p:grpSpPr>
       <p:sp>
         <p:nvSpPr>
-          <p:cNvPr id="21" name="Rectangle 20">
-            <a:extLst>
-              <a:ext uri="{FF2B5EF4-FFF2-40B4-BE49-F238E27FC236}">
-                <a16:creationId xmlns:a16="http://schemas.microsoft.com/office/drawing/2014/main" id="{DB8424AB-D56B-4256-866A-5B54DE93C20F}"/>
-              </a:ext>
-              <a:ext uri="{C183D7F6-B498-43B3-948B-1728B52AA6E4}">
-                <adec:decorative xmlns:adec="http://schemas.microsoft.com/office/drawing/2017/decorative" val="1"/>
-              </a:ext>
-            </a:extLst>
-          </p:cNvPr>
-          <p:cNvSpPr>
-            <a:spLocks noGrp="1" noRot="1" noChangeAspect="1" noMove="1" noResize="1" noEditPoints="1" noAdjustHandles="1" noChangeArrowheads="1" noChangeShapeType="1" noTextEdit="1"/>
-          </p:cNvSpPr>
-          <p:nvPr>
-            <p:extLst>
-              <p:ext uri="{386F3935-93C4-4BCD-93E2-E3B085C9AB24}">
-                <p16:designElem xmlns:p16="http://schemas.microsoft.com/office/powerpoint/2015/main" val="1"/>
-              </p:ext>
-            </p:extLst>
-          </p:nvPr>
-        </p:nvSpPr>
-        <p:spPr>
-          <a:xfrm>
-            <a:off x="0" y="761999"/>
-            <a:ext cx="9141619" cy="5334001"/>
-          </a:xfrm>
-          <a:prstGeom prst="rect">
-            <a:avLst/>
-          </a:prstGeom>
-          <a:solidFill>
-            <a:schemeClr val="accent1"/>
-          </a:solidFill>
-          <a:ln>
-            <a:noFill/>
-          </a:ln>
-        </p:spPr>
-        <p:style>
-          <a:lnRef idx="2">
-            <a:schemeClr val="accent1">
-              <a:shade val="50000"/>
-            </a:schemeClr>
-          </a:lnRef>
-          <a:fillRef idx="1">
-            <a:schemeClr val="accent1"/>
-          </a:fillRef>
-          <a:effectRef idx="0">
-            <a:schemeClr val="accent1"/>
-          </a:effectRef>
-          <a:fontRef idx="minor">
-            <a:schemeClr val="lt1"/>
-          </a:fontRef>
-        </p:style>
-      </p:sp>
-      <p:sp>
-        <p:nvSpPr>
-          <p:cNvPr id="23" name="Rectangle 22">
-            <a:extLst>
-              <a:ext uri="{FF2B5EF4-FFF2-40B4-BE49-F238E27FC236}">
-                <a16:creationId xmlns:a16="http://schemas.microsoft.com/office/drawing/2014/main" id="{FC999C28-AD33-4EB7-A5F1-C06D10A5FDF7}"/>
-              </a:ext>
-              <a:ext uri="{C183D7F6-B498-43B3-948B-1728B52AA6E4}">
-                <adec:decorative xmlns:adec="http://schemas.microsoft.com/office/drawing/2017/decorative" val="1"/>
-              </a:ext>
-            </a:extLst>
-          </p:cNvPr>
-          <p:cNvSpPr>
-            <a:spLocks noGrp="1" noRot="1" noChangeAspect="1" noMove="1" noResize="1" noEditPoints="1" noAdjustHandles="1" noChangeArrowheads="1" noChangeShapeType="1" noTextEdit="1"/>
-          </p:cNvSpPr>
-          <p:nvPr>
-            <p:extLst>
-              <p:ext uri="{386F3935-93C4-4BCD-93E2-E3B085C9AB24}">
-                <p16:designElem xmlns:p16="http://schemas.microsoft.com/office/powerpoint/2015/main" val="1"/>
-              </p:ext>
-            </p:extLst>
-          </p:nvPr>
-        </p:nvSpPr>
-        <p:spPr>
-          <a:xfrm>
-            <a:off x="9270263" y="761999"/>
-            <a:ext cx="2925318" cy="5334001"/>
-          </a:xfrm>
-          <a:prstGeom prst="rect">
-            <a:avLst/>
-          </a:prstGeom>
-          <a:solidFill>
-            <a:srgbClr val="C8C8C8">
-              <a:alpha val="49804"/>
-            </a:srgbClr>
-          </a:solidFill>
-          <a:ln>
-            <a:noFill/>
-          </a:ln>
-        </p:spPr>
-        <p:style>
-          <a:lnRef idx="2">
-            <a:schemeClr val="accent1">
-              <a:shade val="50000"/>
-            </a:schemeClr>
-          </a:lnRef>
-          <a:fillRef idx="1">
-            <a:schemeClr val="accent1"/>
-          </a:fillRef>
-          <a:effectRef idx="0">
-            <a:schemeClr val="accent1"/>
-          </a:effectRef>
-          <a:fontRef idx="minor">
-            <a:schemeClr val="lt1"/>
-          </a:fontRef>
-        </p:style>
-      </p:sp>
-      <p:sp useBgFill="1">
-        <p:nvSpPr>
-          <p:cNvPr id="25" name="Rectangle 24">
-            <a:extLst>
-              <a:ext uri="{FF2B5EF4-FFF2-40B4-BE49-F238E27FC236}">
-                <a16:creationId xmlns:a16="http://schemas.microsoft.com/office/drawing/2014/main" id="{0864E5C9-52C9-4572-AC75-548B9B9C2648}"/>
-              </a:ext>
-              <a:ext uri="{C183D7F6-B498-43B3-948B-1728B52AA6E4}">
-                <adec:decorative xmlns:adec="http://schemas.microsoft.com/office/drawing/2017/decorative" val="1"/>
-              </a:ext>
-            </a:extLst>
-          </p:cNvPr>
-          <p:cNvSpPr>
-            <a:spLocks noGrp="1" noRot="1" noChangeAspect="1" noMove="1" noResize="1" noEditPoints="1" noAdjustHandles="1" noChangeArrowheads="1" noChangeShapeType="1" noTextEdit="1"/>
-          </p:cNvSpPr>
-          <p:nvPr>
-            <p:extLst>
-              <p:ext uri="{386F3935-93C4-4BCD-93E2-E3B085C9AB24}">
-                <p16:designElem xmlns:p16="http://schemas.microsoft.com/office/powerpoint/2015/main" val="1"/>
-              </p:ext>
-            </p:extLst>
-          </p:nvPr>
-        </p:nvSpPr>
-        <p:spPr>
-          <a:xfrm>
-            <a:off x="0" y="0"/>
-            <a:ext cx="12191999" cy="6858000"/>
-          </a:xfrm>
-          <a:prstGeom prst="rect">
-            <a:avLst/>
-          </a:prstGeom>
-          <a:ln>
-            <a:noFill/>
-          </a:ln>
-        </p:spPr>
-        <p:style>
-          <a:lnRef idx="2">
-            <a:schemeClr val="accent1">
-              <a:shade val="50000"/>
-            </a:schemeClr>
-          </a:lnRef>
-          <a:fillRef idx="1">
-            <a:schemeClr val="accent1"/>
-          </a:fillRef>
-          <a:effectRef idx="0">
-            <a:schemeClr val="accent1"/>
-          </a:effectRef>
-          <a:fontRef idx="minor">
-            <a:schemeClr val="lt1"/>
-          </a:fontRef>
-        </p:style>
-        <p:txBody>
-          <a:bodyPr rtlCol="0" anchor="ctr"/>
-          <a:lstStyle/>
-          <a:p>
-            <a:pPr algn="ctr"/>
-            <a:endParaRPr lang="en-US"/>
-          </a:p>
-        </p:txBody>
-      </p:sp>
-      <p:sp>
-        <p:nvSpPr>
-          <p:cNvPr id="27" name="Rectangle 26">
-            <a:extLst>
-              <a:ext uri="{FF2B5EF4-FFF2-40B4-BE49-F238E27FC236}">
-                <a16:creationId xmlns:a16="http://schemas.microsoft.com/office/drawing/2014/main" id="{45CC6500-4DBD-4C34-BC14-2387FB483BEB}"/>
-              </a:ext>
-              <a:ext uri="{C183D7F6-B498-43B3-948B-1728B52AA6E4}">
-                <adec:decorative xmlns:adec="http://schemas.microsoft.com/office/drawing/2017/decorative" val="1"/>
-              </a:ext>
-            </a:extLst>
-          </p:cNvPr>
-          <p:cNvSpPr>
-            <a:spLocks noGrp="1" noRot="1" noChangeAspect="1" noMove="1" noResize="1" noEditPoints="1" noAdjustHandles="1" noChangeArrowheads="1" noChangeShapeType="1" noTextEdit="1"/>
-          </p:cNvSpPr>
-          <p:nvPr>
-            <p:extLst>
-              <p:ext uri="{386F3935-93C4-4BCD-93E2-E3B085C9AB24}">
-                <p16:designElem xmlns:p16="http://schemas.microsoft.com/office/powerpoint/2015/main" val="1"/>
-              </p:ext>
-            </p:extLst>
-          </p:nvPr>
-        </p:nvSpPr>
-        <p:spPr>
-          <a:xfrm>
-            <a:off x="1" y="761999"/>
-            <a:ext cx="4642228" cy="5334001"/>
-          </a:xfrm>
-          <a:prstGeom prst="rect">
-            <a:avLst/>
-          </a:prstGeom>
-          <a:solidFill>
-            <a:schemeClr val="accent1"/>
-          </a:solidFill>
-          <a:ln>
-            <a:noFill/>
-          </a:ln>
-        </p:spPr>
-        <p:style>
-          <a:lnRef idx="2">
-            <a:schemeClr val="accent1">
-              <a:shade val="50000"/>
-            </a:schemeClr>
-          </a:lnRef>
-          <a:fillRef idx="1">
-            <a:schemeClr val="accent1"/>
-          </a:fillRef>
-          <a:effectRef idx="0">
-            <a:schemeClr val="accent1"/>
-          </a:effectRef>
-          <a:fontRef idx="minor">
-            <a:schemeClr val="lt1"/>
-          </a:fontRef>
-        </p:style>
-      </p:sp>
-      <p:sp>
-        <p:nvSpPr>
           <p:cNvPr id="2" name="Title 1">
             <a:extLst>
               <a:ext uri="{FF2B5EF4-FFF2-40B4-BE49-F238E27FC236}">
@@ -17816,23 +18511,18 @@
             <p:ph type="title"/>
           </p:nvPr>
         </p:nvSpPr>
-        <p:spPr>
-          <a:xfrm>
-            <a:off x="691771" y="1796796"/>
-            <a:ext cx="3258688" cy="3255264"/>
-          </a:xfrm>
-        </p:spPr>
+        <p:spPr/>
         <p:txBody>
-          <a:bodyPr vert="horz" lIns="91440" tIns="45720" rIns="91440" bIns="45720" rtlCol="0" anchor="b">
+          <a:bodyPr vert="horz" lIns="91440" tIns="45720" rIns="91440" bIns="45720" rtlCol="0" anchor="ctr">
             <a:normAutofit/>
           </a:bodyPr>
           <a:lstStyle/>
           <a:p>
             <a:r>
-              <a:rPr lang="en-US" sz="4600" b="1" spc="-100" dirty="0"/>
+              <a:rPr lang="en-US" sz="4000" b="1" spc="-100" dirty="0"/>
               <a:t>TOTAL CRIME AVG. PER CAPITA IN CITIES</a:t>
             </a:r>
-            <a:endParaRPr lang="en-US" sz="4600" spc="-100" dirty="0"/>
+            <a:endParaRPr lang="en-US" sz="4000" spc="-100" dirty="0"/>
           </a:p>
         </p:txBody>
       </p:sp>
@@ -17851,77 +18541,20 @@
           <p:nvPr/>
         </p:nvPicPr>
         <p:blipFill rotWithShape="1">
-          <a:blip r:embed="rId2"/>
+          <a:blip r:embed="rId3"/>
           <a:srcRect l="6907" t="7287" r="9318" b="5891"/>
           <a:stretch/>
         </p:blipFill>
         <p:spPr>
           <a:xfrm>
-            <a:off x="4684761" y="1318342"/>
-            <a:ext cx="7044991" cy="4380711"/>
+            <a:off x="3572540" y="967381"/>
+            <a:ext cx="7944561" cy="4940081"/>
           </a:xfrm>
           <a:prstGeom prst="rect">
             <a:avLst/>
           </a:prstGeom>
         </p:spPr>
       </p:pic>
-      <p:sp>
-        <p:nvSpPr>
-          <p:cNvPr id="29" name="Rectangle 28">
-            <a:extLst>
-              <a:ext uri="{FF2B5EF4-FFF2-40B4-BE49-F238E27FC236}">
-                <a16:creationId xmlns:a16="http://schemas.microsoft.com/office/drawing/2014/main" id="{4E34A3B6-BAD2-4156-BDC6-4736248BFDE0}"/>
-              </a:ext>
-              <a:ext uri="{C183D7F6-B498-43B3-948B-1728B52AA6E4}">
-                <adec:decorative xmlns:adec="http://schemas.microsoft.com/office/drawing/2017/decorative" val="1"/>
-              </a:ext>
-            </a:extLst>
-          </p:cNvPr>
-          <p:cNvSpPr>
-            <a:spLocks noGrp="1" noRot="1" noChangeAspect="1" noMove="1" noResize="1" noEditPoints="1" noAdjustHandles="1" noChangeArrowheads="1" noChangeShapeType="1" noTextEdit="1"/>
-          </p:cNvSpPr>
-          <p:nvPr>
-            <p:extLst>
-              <p:ext uri="{386F3935-93C4-4BCD-93E2-E3B085C9AB24}">
-                <p16:designElem xmlns:p16="http://schemas.microsoft.com/office/powerpoint/2015/main" val="1"/>
-              </p:ext>
-            </p:extLst>
-          </p:nvPr>
-        </p:nvSpPr>
-        <p:spPr>
-          <a:xfrm>
-            <a:off x="11815864" y="758952"/>
-            <a:ext cx="384048" cy="5330952"/>
-          </a:xfrm>
-          <a:prstGeom prst="rect">
-            <a:avLst/>
-          </a:prstGeom>
-          <a:solidFill>
-            <a:srgbClr val="C8C8C8">
-              <a:alpha val="49804"/>
-            </a:srgbClr>
-          </a:solidFill>
-          <a:ln>
-            <a:noFill/>
-          </a:ln>
-        </p:spPr>
-        <p:style>
-          <a:lnRef idx="2">
-            <a:schemeClr val="accent1">
-              <a:shade val="50000"/>
-            </a:schemeClr>
-          </a:lnRef>
-          <a:fillRef idx="1">
-            <a:schemeClr val="accent1"/>
-          </a:fillRef>
-          <a:effectRef idx="0">
-            <a:schemeClr val="accent1"/>
-          </a:effectRef>
-          <a:fontRef idx="minor">
-            <a:schemeClr val="lt1"/>
-          </a:fontRef>
-        </p:style>
-      </p:sp>
       <p:cxnSp>
         <p:nvCxnSpPr>
           <p:cNvPr id="9" name="Straight Connector 8">

--- a/Presentation/final draft.pptx
+++ b/Presentation/final draft.pptx
@@ -5,7 +5,7 @@
     <p:sldMasterId id="2147484040" r:id="rId1"/>
   </p:sldMasterIdLst>
   <p:notesMasterIdLst>
-    <p:notesMasterId r:id="rId21"/>
+    <p:notesMasterId r:id="rId22"/>
   </p:notesMasterIdLst>
   <p:sldIdLst>
     <p:sldId id="256" r:id="rId2"/>
@@ -25,8 +25,9 @@
     <p:sldId id="264" r:id="rId16"/>
     <p:sldId id="2448" r:id="rId17"/>
     <p:sldId id="2449" r:id="rId18"/>
-    <p:sldId id="267" r:id="rId19"/>
-    <p:sldId id="2441" r:id="rId20"/>
+    <p:sldId id="2450" r:id="rId19"/>
+    <p:sldId id="267" r:id="rId20"/>
+    <p:sldId id="2441" r:id="rId21"/>
   </p:sldIdLst>
   <p:sldSz cx="12192000" cy="6858000"/>
   <p:notesSz cx="6858000" cy="9144000"/>
@@ -3312,7 +3313,7 @@
           <a:p>
             <a:fld id="{B9B6BCD5-E3BE-874C-A866-DD86D183A826}" type="datetimeFigureOut">
               <a:rPr lang="en-US" smtClean="0"/>
-              <a:t>9/20/2020</a:t>
+              <a:t>9/21/2020</a:t>
             </a:fld>
             <a:endParaRPr lang="en-US"/>
           </a:p>
@@ -4520,17 +4521,6 @@
           <a:bodyPr/>
           <a:lstStyle/>
           <a:p>
-            <a:pPr>
-              <a:spcAft>
-                <a:spcPts val="600"/>
-              </a:spcAft>
-            </a:pPr>
-            <a:r>
-              <a:rPr lang="en-US" sz="1200" dirty="0"/>
-              <a:t>Crime concentrations are found in the metropolitan area. </a:t>
-            </a:r>
-          </a:p>
-          <a:p>
             <a:endParaRPr lang="en-US" dirty="0"/>
           </a:p>
         </p:txBody>
@@ -4561,7 +4551,7 @@
     </p:spTree>
     <p:extLst>
       <p:ext uri="{BB962C8B-B14F-4D97-AF65-F5344CB8AC3E}">
-        <p14:creationId xmlns:p14="http://schemas.microsoft.com/office/powerpoint/2010/main" val="3749441230"/>
+        <p14:creationId xmlns:p14="http://schemas.microsoft.com/office/powerpoint/2010/main" val="828759964"/>
       </p:ext>
     </p:extLst>
   </p:cSld>
@@ -4615,6 +4605,17 @@
           <a:bodyPr/>
           <a:lstStyle/>
           <a:p>
+            <a:pPr>
+              <a:spcAft>
+                <a:spcPts val="600"/>
+              </a:spcAft>
+            </a:pPr>
+            <a:r>
+              <a:rPr lang="en-US" sz="1200" dirty="0"/>
+              <a:t>Crime concentrations are found in the metropolitan area. </a:t>
+            </a:r>
+          </a:p>
+          <a:p>
             <a:endParaRPr lang="en-US" dirty="0"/>
           </a:p>
         </p:txBody>
@@ -4637,6 +4638,90 @@
             <a:fld id="{9A9FD09C-8CDE-EC44-8006-13D124DBA38F}" type="slidenum">
               <a:rPr lang="en-US" smtClean="0"/>
               <a:t>19</a:t>
+            </a:fld>
+            <a:endParaRPr lang="en-US"/>
+          </a:p>
+        </p:txBody>
+      </p:sp>
+    </p:spTree>
+    <p:extLst>
+      <p:ext uri="{BB962C8B-B14F-4D97-AF65-F5344CB8AC3E}">
+        <p14:creationId xmlns:p14="http://schemas.microsoft.com/office/powerpoint/2010/main" val="3749441230"/>
+      </p:ext>
+    </p:extLst>
+  </p:cSld>
+  <p:clrMapOvr>
+    <a:masterClrMapping/>
+  </p:clrMapOvr>
+</p:notes>
+</file>
+
+<file path=ppt/notesSlides/notesSlide19.xml><?xml version="1.0" encoding="utf-8"?>
+<p:notes xmlns:a="http://schemas.openxmlformats.org/drawingml/2006/main" xmlns:r="http://schemas.openxmlformats.org/officeDocument/2006/relationships" xmlns:p="http://schemas.openxmlformats.org/presentationml/2006/main">
+  <p:cSld>
+    <p:spTree>
+      <p:nvGrpSpPr>
+        <p:cNvPr id="1" name=""/>
+        <p:cNvGrpSpPr/>
+        <p:nvPr/>
+      </p:nvGrpSpPr>
+      <p:grpSpPr>
+        <a:xfrm>
+          <a:off x="0" y="0"/>
+          <a:ext cx="0" cy="0"/>
+          <a:chOff x="0" y="0"/>
+          <a:chExt cx="0" cy="0"/>
+        </a:xfrm>
+      </p:grpSpPr>
+      <p:sp>
+        <p:nvSpPr>
+          <p:cNvPr id="2" name="Slide Image Placeholder 1"/>
+          <p:cNvSpPr>
+            <a:spLocks noGrp="1" noRot="1" noChangeAspect="1"/>
+          </p:cNvSpPr>
+          <p:nvPr>
+            <p:ph type="sldImg"/>
+          </p:nvPr>
+        </p:nvSpPr>
+        <p:spPr/>
+      </p:sp>
+      <p:sp>
+        <p:nvSpPr>
+          <p:cNvPr id="3" name="Notes Placeholder 2"/>
+          <p:cNvSpPr>
+            <a:spLocks noGrp="1"/>
+          </p:cNvSpPr>
+          <p:nvPr>
+            <p:ph type="body" idx="1"/>
+          </p:nvPr>
+        </p:nvSpPr>
+        <p:spPr/>
+        <p:txBody>
+          <a:bodyPr/>
+          <a:lstStyle/>
+          <a:p>
+            <a:endParaRPr lang="en-US" dirty="0"/>
+          </a:p>
+        </p:txBody>
+      </p:sp>
+      <p:sp>
+        <p:nvSpPr>
+          <p:cNvPr id="4" name="Slide Number Placeholder 3"/>
+          <p:cNvSpPr>
+            <a:spLocks noGrp="1"/>
+          </p:cNvSpPr>
+          <p:nvPr>
+            <p:ph type="sldNum" sz="quarter" idx="5"/>
+          </p:nvPr>
+        </p:nvSpPr>
+        <p:spPr/>
+        <p:txBody>
+          <a:bodyPr/>
+          <a:lstStyle/>
+          <a:p>
+            <a:fld id="{9A9FD09C-8CDE-EC44-8006-13D124DBA38F}" type="slidenum">
+              <a:rPr lang="en-US" smtClean="0"/>
+              <a:t>20</a:t>
             </a:fld>
             <a:endParaRPr lang="en-US"/>
           </a:p>
@@ -5645,7 +5730,7 @@
             <a:fld id="{5586B75A-687E-405C-8A0B-8D00578BA2C3}" type="datetimeFigureOut">
               <a:rPr lang="en-US" smtClean="0"/>
               <a:pPr/>
-              <a:t>9/20/2020</a:t>
+              <a:t>9/21/2020</a:t>
             </a:fld>
             <a:endParaRPr lang="en-US" dirty="0"/>
           </a:p>
@@ -5817,7 +5902,7 @@
             <a:fld id="{5586B75A-687E-405C-8A0B-8D00578BA2C3}" type="datetimeFigureOut">
               <a:rPr lang="en-US" smtClean="0"/>
               <a:pPr/>
-              <a:t>9/20/2020</a:t>
+              <a:t>9/21/2020</a:t>
             </a:fld>
             <a:endParaRPr lang="en-US" dirty="0"/>
           </a:p>
@@ -5999,7 +6084,7 @@
             <a:fld id="{5586B75A-687E-405C-8A0B-8D00578BA2C3}" type="datetimeFigureOut">
               <a:rPr lang="en-US" smtClean="0"/>
               <a:pPr/>
-              <a:t>9/20/2020</a:t>
+              <a:t>9/21/2020</a:t>
             </a:fld>
             <a:endParaRPr lang="en-US" dirty="0"/>
           </a:p>
@@ -6835,7 +6920,7 @@
             <a:fld id="{5586B75A-687E-405C-8A0B-8D00578BA2C3}" type="datetimeFigureOut">
               <a:rPr lang="en-US" smtClean="0"/>
               <a:pPr/>
-              <a:t>9/20/2020</a:t>
+              <a:t>9/21/2020</a:t>
             </a:fld>
             <a:endParaRPr lang="en-US" dirty="0"/>
           </a:p>
@@ -7095,7 +7180,7 @@
             <a:fld id="{5586B75A-687E-405C-8A0B-8D00578BA2C3}" type="datetimeFigureOut">
               <a:rPr lang="en-US" smtClean="0"/>
               <a:pPr/>
-              <a:t>9/20/2020</a:t>
+              <a:t>9/21/2020</a:t>
             </a:fld>
             <a:endParaRPr lang="en-US" dirty="0"/>
           </a:p>
@@ -7385,7 +7470,7 @@
             <a:fld id="{5586B75A-687E-405C-8A0B-8D00578BA2C3}" type="datetimeFigureOut">
               <a:rPr lang="en-US" smtClean="0"/>
               <a:pPr/>
-              <a:t>9/20/2020</a:t>
+              <a:t>9/21/2020</a:t>
             </a:fld>
             <a:endParaRPr lang="en-US" dirty="0"/>
           </a:p>
@@ -7829,7 +7914,7 @@
             <a:fld id="{5586B75A-687E-405C-8A0B-8D00578BA2C3}" type="datetimeFigureOut">
               <a:rPr lang="en-US" smtClean="0"/>
               <a:pPr/>
-              <a:t>9/20/2020</a:t>
+              <a:t>9/21/2020</a:t>
             </a:fld>
             <a:endParaRPr lang="en-US" dirty="0"/>
           </a:p>
@@ -7949,7 +8034,7 @@
             <a:fld id="{5586B75A-687E-405C-8A0B-8D00578BA2C3}" type="datetimeFigureOut">
               <a:rPr lang="en-US" smtClean="0"/>
               <a:pPr/>
-              <a:t>9/20/2020</a:t>
+              <a:t>9/21/2020</a:t>
             </a:fld>
             <a:endParaRPr lang="en-US" dirty="0"/>
           </a:p>
@@ -8046,7 +8131,7 @@
             <a:fld id="{5586B75A-687E-405C-8A0B-8D00578BA2C3}" type="datetimeFigureOut">
               <a:rPr lang="en-US" smtClean="0"/>
               <a:pPr/>
-              <a:t>9/20/2020</a:t>
+              <a:t>9/21/2020</a:t>
             </a:fld>
             <a:endParaRPr lang="en-US" dirty="0"/>
           </a:p>
@@ -8336,7 +8421,7 @@
             <a:fld id="{5586B75A-687E-405C-8A0B-8D00578BA2C3}" type="datetimeFigureOut">
               <a:rPr lang="en-US" smtClean="0"/>
               <a:pPr/>
-              <a:t>9/20/2020</a:t>
+              <a:t>9/21/2020</a:t>
             </a:fld>
             <a:endParaRPr lang="en-US" dirty="0"/>
           </a:p>
@@ -8611,7 +8696,7 @@
             <a:fld id="{5586B75A-687E-405C-8A0B-8D00578BA2C3}" type="datetimeFigureOut">
               <a:rPr lang="en-US" smtClean="0"/>
               <a:pPr/>
-              <a:t>9/20/2020</a:t>
+              <a:t>9/21/2020</a:t>
             </a:fld>
             <a:endParaRPr lang="en-US" dirty="0"/>
           </a:p>
@@ -8911,7 +8996,7 @@
             <a:fld id="{5586B75A-687E-405C-8A0B-8D00578BA2C3}" type="datetimeFigureOut">
               <a:rPr lang="en-US" smtClean="0"/>
               <a:pPr/>
-              <a:t>9/20/2020</a:t>
+              <a:t>9/21/2020</a:t>
             </a:fld>
             <a:endParaRPr lang="en-US" dirty="0"/>
           </a:p>
@@ -9602,25 +9687,8 @@
                 <a:latin typeface="Arial" panose="020B0604020202020204" pitchFamily="34" charset="0"/>
                 <a:cs typeface="Arial" panose="020B0604020202020204" pitchFamily="34" charset="0"/>
               </a:rPr>
-              <a:t>Effect of Crime on the Housing Market in the  </a:t>
+              <a:t>Effect of Crime on the Housing Market in the  Houston Metro-Area</a:t>
             </a:r>
-            <a:r>
-              <a:rPr lang="en-US" sz="2000">
-                <a:solidFill>
-                  <a:schemeClr val="tx1"/>
-                </a:solidFill>
-                <a:latin typeface="Arial" panose="020B0604020202020204" pitchFamily="34" charset="0"/>
-                <a:cs typeface="Arial" panose="020B0604020202020204" pitchFamily="34" charset="0"/>
-              </a:rPr>
-              <a:t>Houston Metro-Area</a:t>
-            </a:r>
-            <a:endParaRPr lang="en-US" sz="2000" dirty="0">
-              <a:solidFill>
-                <a:schemeClr val="tx1"/>
-              </a:solidFill>
-              <a:latin typeface="Arial" panose="020B0604020202020204" pitchFamily="34" charset="0"/>
-              <a:cs typeface="Arial" panose="020B0604020202020204" pitchFamily="34" charset="0"/>
-            </a:endParaRPr>
           </a:p>
           <a:p>
             <a:pPr indent="-182880">
@@ -9660,8 +9728,13 @@
             </a:pPr>
             <a:r>
               <a:rPr lang="en-US" sz="1600" dirty="0"/>
-              <a:t>Prepared by Christy, Samuel, Andres, Radhika, Zhanna</a:t>
+              <a:t>Prepared by Andres, Christy, Radhika, Samuel, </a:t>
             </a:r>
+            <a:r>
+              <a:rPr lang="en-US" sz="1600" dirty="0" err="1"/>
+              <a:t>Zhanna</a:t>
+            </a:r>
+            <a:endParaRPr lang="en-US" sz="1600" dirty="0"/>
           </a:p>
           <a:p>
             <a:pPr indent="-182880">
@@ -12441,12 +12514,168 @@
           </a:p>
         </p:txBody>
       </p:sp>
+      <p:sp>
+        <p:nvSpPr>
+          <p:cNvPr id="3" name="TextBox 2">
+            <a:extLst>
+              <a:ext uri="{FF2B5EF4-FFF2-40B4-BE49-F238E27FC236}">
+                <a16:creationId xmlns:a16="http://schemas.microsoft.com/office/drawing/2014/main" id="{2ADCDB36-AF26-4B95-9D41-A7526687B58C}"/>
+              </a:ext>
+            </a:extLst>
+          </p:cNvPr>
+          <p:cNvSpPr txBox="1"/>
+          <p:nvPr/>
+        </p:nvSpPr>
+        <p:spPr>
+          <a:xfrm>
+            <a:off x="112838" y="5829790"/>
+            <a:ext cx="3678865" cy="923330"/>
+          </a:xfrm>
+          <a:prstGeom prst="rect">
+            <a:avLst/>
+          </a:prstGeom>
+          <a:noFill/>
+        </p:spPr>
+        <p:txBody>
+          <a:bodyPr wrap="square" rtlCol="0">
+            <a:spAutoFit/>
+          </a:bodyPr>
+          <a:lstStyle/>
+          <a:p>
+            <a:r>
+              <a:rPr lang="en-US" b="1" dirty="0">
+                <a:solidFill>
+                  <a:srgbClr val="FF0000"/>
+                </a:solidFill>
+              </a:rPr>
+              <a:t>*Should the Y axis be per capita?  The housing bar charts are not per capita</a:t>
+            </a:r>
+          </a:p>
+        </p:txBody>
+      </p:sp>
+      <p:sp>
+        <p:nvSpPr>
+          <p:cNvPr id="4" name="TextBox 3">
+            <a:extLst>
+              <a:ext uri="{FF2B5EF4-FFF2-40B4-BE49-F238E27FC236}">
+                <a16:creationId xmlns:a16="http://schemas.microsoft.com/office/drawing/2014/main" id="{71AD3E63-34E5-4C33-A170-A1D76F1EC444}"/>
+              </a:ext>
+            </a:extLst>
+          </p:cNvPr>
+          <p:cNvSpPr txBox="1"/>
+          <p:nvPr/>
+        </p:nvSpPr>
+        <p:spPr>
+          <a:xfrm>
+            <a:off x="3920347" y="5854160"/>
+            <a:ext cx="3871173" cy="923330"/>
+          </a:xfrm>
+          <a:prstGeom prst="rect">
+            <a:avLst/>
+          </a:prstGeom>
+          <a:noFill/>
+        </p:spPr>
+        <p:txBody>
+          <a:bodyPr wrap="square" rtlCol="0">
+            <a:spAutoFit/>
+          </a:bodyPr>
+          <a:lstStyle/>
+          <a:p>
+            <a:r>
+              <a:rPr lang="en-US" b="1" dirty="0">
+                <a:solidFill>
+                  <a:srgbClr val="FF0000"/>
+                </a:solidFill>
+              </a:rPr>
+              <a:t>*Consider displaying only 2 images for space – less than 300K and 300-500k</a:t>
+            </a:r>
+          </a:p>
+        </p:txBody>
+      </p:sp>
+      <p:sp>
+        <p:nvSpPr>
+          <p:cNvPr id="7" name="TextBox 6">
+            <a:extLst>
+              <a:ext uri="{FF2B5EF4-FFF2-40B4-BE49-F238E27FC236}">
+                <a16:creationId xmlns:a16="http://schemas.microsoft.com/office/drawing/2014/main" id="{98806AAE-121F-411E-BA19-A8A4F0CB21D1}"/>
+              </a:ext>
+            </a:extLst>
+          </p:cNvPr>
+          <p:cNvSpPr txBox="1"/>
+          <p:nvPr/>
+        </p:nvSpPr>
+        <p:spPr>
+          <a:xfrm>
+            <a:off x="7858531" y="5879129"/>
+            <a:ext cx="3871173" cy="923330"/>
+          </a:xfrm>
+          <a:prstGeom prst="rect">
+            <a:avLst/>
+          </a:prstGeom>
+          <a:noFill/>
+        </p:spPr>
+        <p:txBody>
+          <a:bodyPr wrap="square" rtlCol="0">
+            <a:spAutoFit/>
+          </a:bodyPr>
+          <a:lstStyle/>
+          <a:p>
+            <a:r>
+              <a:rPr lang="en-US" b="1" dirty="0">
+                <a:solidFill>
+                  <a:srgbClr val="FF0000"/>
+                </a:solidFill>
+              </a:rPr>
+              <a:t>*Is this census data?  If so, may want to clarify while discussing this slide in the presentation </a:t>
+            </a:r>
+          </a:p>
+        </p:txBody>
+      </p:sp>
+      <p:sp>
+        <p:nvSpPr>
+          <p:cNvPr id="9" name="TextBox 8">
+            <a:extLst>
+              <a:ext uri="{FF2B5EF4-FFF2-40B4-BE49-F238E27FC236}">
+                <a16:creationId xmlns:a16="http://schemas.microsoft.com/office/drawing/2014/main" id="{F9EC634B-1089-4F6E-8DA6-C6BF8E8117DB}"/>
+              </a:ext>
+            </a:extLst>
+          </p:cNvPr>
+          <p:cNvSpPr txBox="1"/>
+          <p:nvPr/>
+        </p:nvSpPr>
+        <p:spPr>
+          <a:xfrm>
+            <a:off x="8665536" y="44038"/>
+            <a:ext cx="4371400" cy="369332"/>
+          </a:xfrm>
+          <a:prstGeom prst="rect">
+            <a:avLst/>
+          </a:prstGeom>
+          <a:noFill/>
+        </p:spPr>
+        <p:txBody>
+          <a:bodyPr wrap="square" rtlCol="0">
+            <a:spAutoFit/>
+          </a:bodyPr>
+          <a:lstStyle/>
+          <a:p>
+            <a:r>
+              <a:rPr lang="en-US" b="1" dirty="0">
+                <a:solidFill>
+                  <a:srgbClr val="FF0000"/>
+                </a:solidFill>
+              </a:rPr>
+              <a:t>*Are  chart titles all the same size?</a:t>
+            </a:r>
+          </a:p>
+        </p:txBody>
+      </p:sp>
       <p:pic>
         <p:nvPicPr>
-          <p:cNvPr id="10" name="Picture 9" descr="A close up of text on a white background&#10;&#10;Description automatically generated">
+          <p:cNvPr id="13" name="Picture 12" descr="A close up of text on a white background&#10;&#10;Description automatically generated">
             <a:extLst>
               <a:ext uri="{FF2B5EF4-FFF2-40B4-BE49-F238E27FC236}">
-                <a16:creationId xmlns:a16="http://schemas.microsoft.com/office/drawing/2014/main" id="{970F0413-842C-433E-808F-C9528722382F}"/>
+                <a16:creationId xmlns:a16="http://schemas.microsoft.com/office/drawing/2014/main" id="{83E2D6D8-5F00-4501-A85F-E2B47240E0EF}"/>
               </a:ext>
             </a:extLst>
           </p:cNvPr>
@@ -12455,15 +12684,16 @@
           </p:cNvPicPr>
           <p:nvPr/>
         </p:nvPicPr>
-        <p:blipFill rotWithShape="1">
+        <p:blipFill>
           <a:blip r:embed="rId2"/>
-          <a:srcRect r="6821"/>
-          <a:stretch/>
+          <a:stretch>
+            <a:fillRect/>
+          </a:stretch>
         </p:blipFill>
         <p:spPr>
           <a:xfrm>
-            <a:off x="8339226" y="1623643"/>
-            <a:ext cx="3835242" cy="2743996"/>
+            <a:off x="4122288" y="912070"/>
+            <a:ext cx="4105982" cy="2699824"/>
           </a:xfrm>
           <a:prstGeom prst="rect">
             <a:avLst/>
@@ -12472,10 +12702,10 @@
       </p:pic>
       <p:pic>
         <p:nvPicPr>
-          <p:cNvPr id="6" name="Picture 5" descr="A close up of a logo&#10;&#10;Description automatically generated">
+          <p:cNvPr id="19" name="Picture 18" descr="A close up of text on a white background&#10;&#10;Description automatically generated">
             <a:extLst>
               <a:ext uri="{FF2B5EF4-FFF2-40B4-BE49-F238E27FC236}">
-                <a16:creationId xmlns:a16="http://schemas.microsoft.com/office/drawing/2014/main" id="{90D0A457-0E8A-4B26-9B5E-B7CC374853D1}"/>
+                <a16:creationId xmlns:a16="http://schemas.microsoft.com/office/drawing/2014/main" id="{2B23633C-3BE5-45C9-AABC-A26EA53D93E5}"/>
               </a:ext>
             </a:extLst>
           </p:cNvPr>
@@ -12484,15 +12714,16 @@
           </p:cNvPicPr>
           <p:nvPr/>
         </p:nvPicPr>
-        <p:blipFill rotWithShape="1">
+        <p:blipFill>
           <a:blip r:embed="rId3"/>
-          <a:srcRect r="3635"/>
-          <a:stretch/>
+          <a:stretch>
+            <a:fillRect/>
+          </a:stretch>
         </p:blipFill>
         <p:spPr>
           <a:xfrm>
-            <a:off x="99493" y="51186"/>
-            <a:ext cx="4122451" cy="2851970"/>
+            <a:off x="131933" y="80510"/>
+            <a:ext cx="4058636" cy="2705757"/>
           </a:xfrm>
           <a:prstGeom prst="rect">
             <a:avLst/>
@@ -12501,10 +12732,10 @@
       </p:pic>
       <p:pic>
         <p:nvPicPr>
-          <p:cNvPr id="8" name="Picture 7" descr="A close up of a logo&#10;&#10;Description automatically generated">
+          <p:cNvPr id="21" name="Picture 20" descr="A close up of a logo&#10;&#10;Description automatically generated">
             <a:extLst>
               <a:ext uri="{FF2B5EF4-FFF2-40B4-BE49-F238E27FC236}">
-                <a16:creationId xmlns:a16="http://schemas.microsoft.com/office/drawing/2014/main" id="{E10DA690-DAB0-45D8-86F9-D6B5691AA7C3}"/>
+                <a16:creationId xmlns:a16="http://schemas.microsoft.com/office/drawing/2014/main" id="{C666E1D3-AB06-4BBE-89E3-A9BAA50B560D}"/>
               </a:ext>
             </a:extLst>
           </p:cNvPr>
@@ -12521,248 +12752,14 @@
         </p:blipFill>
         <p:spPr>
           <a:xfrm>
-            <a:off x="4350588" y="947108"/>
-            <a:ext cx="3952925" cy="2635283"/>
+            <a:off x="8009062" y="1611428"/>
+            <a:ext cx="4051005" cy="2700670"/>
           </a:xfrm>
           <a:prstGeom prst="rect">
             <a:avLst/>
           </a:prstGeom>
         </p:spPr>
       </p:pic>
-      <p:sp>
-        <p:nvSpPr>
-          <p:cNvPr id="3" name="TextBox 2">
-            <a:extLst>
-              <a:ext uri="{FF2B5EF4-FFF2-40B4-BE49-F238E27FC236}">
-                <a16:creationId xmlns:a16="http://schemas.microsoft.com/office/drawing/2014/main" id="{2ADCDB36-AF26-4B95-9D41-A7526687B58C}"/>
-              </a:ext>
-            </a:extLst>
-          </p:cNvPr>
-          <p:cNvSpPr txBox="1"/>
-          <p:nvPr/>
-        </p:nvSpPr>
-        <p:spPr>
-          <a:xfrm>
-            <a:off x="112838" y="5829790"/>
-            <a:ext cx="3678865" cy="923330"/>
-          </a:xfrm>
-          <a:prstGeom prst="rect">
-            <a:avLst/>
-          </a:prstGeom>
-          <a:noFill/>
-        </p:spPr>
-        <p:txBody>
-          <a:bodyPr wrap="square" rtlCol="0">
-            <a:spAutoFit/>
-          </a:bodyPr>
-          <a:lstStyle/>
-          <a:p>
-            <a:r>
-              <a:rPr lang="en-US" b="1" dirty="0">
-                <a:solidFill>
-                  <a:srgbClr val="FF0000"/>
-                </a:solidFill>
-              </a:rPr>
-              <a:t>*Should the Y axis be per capita?  The housing bar charts are not per capita</a:t>
-            </a:r>
-          </a:p>
-        </p:txBody>
-      </p:sp>
-      <p:sp>
-        <p:nvSpPr>
-          <p:cNvPr id="4" name="TextBox 3">
-            <a:extLst>
-              <a:ext uri="{FF2B5EF4-FFF2-40B4-BE49-F238E27FC236}">
-                <a16:creationId xmlns:a16="http://schemas.microsoft.com/office/drawing/2014/main" id="{71AD3E63-34E5-4C33-A170-A1D76F1EC444}"/>
-              </a:ext>
-            </a:extLst>
-          </p:cNvPr>
-          <p:cNvSpPr txBox="1"/>
-          <p:nvPr/>
-        </p:nvSpPr>
-        <p:spPr>
-          <a:xfrm>
-            <a:off x="3920347" y="5854160"/>
-            <a:ext cx="3871173" cy="923330"/>
-          </a:xfrm>
-          <a:prstGeom prst="rect">
-            <a:avLst/>
-          </a:prstGeom>
-          <a:noFill/>
-        </p:spPr>
-        <p:txBody>
-          <a:bodyPr wrap="square" rtlCol="0">
-            <a:spAutoFit/>
-          </a:bodyPr>
-          <a:lstStyle/>
-          <a:p>
-            <a:r>
-              <a:rPr lang="en-US" b="1" dirty="0">
-                <a:solidFill>
-                  <a:srgbClr val="FF0000"/>
-                </a:solidFill>
-              </a:rPr>
-              <a:t>*Consider displaying only 2 images for space – less than 300K and 300-500k</a:t>
-            </a:r>
-          </a:p>
-        </p:txBody>
-      </p:sp>
-      <p:sp>
-        <p:nvSpPr>
-          <p:cNvPr id="7" name="TextBox 6">
-            <a:extLst>
-              <a:ext uri="{FF2B5EF4-FFF2-40B4-BE49-F238E27FC236}">
-                <a16:creationId xmlns:a16="http://schemas.microsoft.com/office/drawing/2014/main" id="{98806AAE-121F-411E-BA19-A8A4F0CB21D1}"/>
-              </a:ext>
-            </a:extLst>
-          </p:cNvPr>
-          <p:cNvSpPr txBox="1"/>
-          <p:nvPr/>
-        </p:nvSpPr>
-        <p:spPr>
-          <a:xfrm>
-            <a:off x="7858531" y="5879129"/>
-            <a:ext cx="3871173" cy="923330"/>
-          </a:xfrm>
-          <a:prstGeom prst="rect">
-            <a:avLst/>
-          </a:prstGeom>
-          <a:noFill/>
-        </p:spPr>
-        <p:txBody>
-          <a:bodyPr wrap="square" rtlCol="0">
-            <a:spAutoFit/>
-          </a:bodyPr>
-          <a:lstStyle/>
-          <a:p>
-            <a:r>
-              <a:rPr lang="en-US" b="1" dirty="0">
-                <a:solidFill>
-                  <a:srgbClr val="FF0000"/>
-                </a:solidFill>
-              </a:rPr>
-              <a:t>*Is this census data?  If so, may want to clarify while discussing this slide in the presentation </a:t>
-            </a:r>
-          </a:p>
-        </p:txBody>
-      </p:sp>
-      <p:sp>
-        <p:nvSpPr>
-          <p:cNvPr id="9" name="TextBox 8">
-            <a:extLst>
-              <a:ext uri="{FF2B5EF4-FFF2-40B4-BE49-F238E27FC236}">
-                <a16:creationId xmlns:a16="http://schemas.microsoft.com/office/drawing/2014/main" id="{F9EC634B-1089-4F6E-8DA6-C6BF8E8117DB}"/>
-              </a:ext>
-            </a:extLst>
-          </p:cNvPr>
-          <p:cNvSpPr txBox="1"/>
-          <p:nvPr/>
-        </p:nvSpPr>
-        <p:spPr>
-          <a:xfrm>
-            <a:off x="202020" y="-79786"/>
-            <a:ext cx="4371400" cy="369332"/>
-          </a:xfrm>
-          <a:prstGeom prst="rect">
-            <a:avLst/>
-          </a:prstGeom>
-          <a:noFill/>
-        </p:spPr>
-        <p:txBody>
-          <a:bodyPr wrap="square" rtlCol="0">
-            <a:spAutoFit/>
-          </a:bodyPr>
-          <a:lstStyle/>
-          <a:p>
-            <a:r>
-              <a:rPr lang="en-US" b="1" dirty="0">
-                <a:solidFill>
-                  <a:srgbClr val="FF0000"/>
-                </a:solidFill>
-              </a:rPr>
-              <a:t>*Update Image - Pending update</a:t>
-            </a:r>
-          </a:p>
-        </p:txBody>
-      </p:sp>
-      <p:sp>
-        <p:nvSpPr>
-          <p:cNvPr id="11" name="TextBox 10">
-            <a:extLst>
-              <a:ext uri="{FF2B5EF4-FFF2-40B4-BE49-F238E27FC236}">
-                <a16:creationId xmlns:a16="http://schemas.microsoft.com/office/drawing/2014/main" id="{8E4C76DF-4915-4347-9098-450488590816}"/>
-              </a:ext>
-            </a:extLst>
-          </p:cNvPr>
-          <p:cNvSpPr txBox="1"/>
-          <p:nvPr/>
-        </p:nvSpPr>
-        <p:spPr>
-          <a:xfrm>
-            <a:off x="4237195" y="762442"/>
-            <a:ext cx="4371400" cy="369332"/>
-          </a:xfrm>
-          <a:prstGeom prst="rect">
-            <a:avLst/>
-          </a:prstGeom>
-          <a:noFill/>
-        </p:spPr>
-        <p:txBody>
-          <a:bodyPr wrap="square" rtlCol="0">
-            <a:spAutoFit/>
-          </a:bodyPr>
-          <a:lstStyle/>
-          <a:p>
-            <a:r>
-              <a:rPr lang="en-US" b="1" dirty="0">
-                <a:solidFill>
-                  <a:srgbClr val="FF0000"/>
-                </a:solidFill>
-              </a:rPr>
-              <a:t>*Update Image - Pending update</a:t>
-            </a:r>
-          </a:p>
-        </p:txBody>
-      </p:sp>
-      <p:sp>
-        <p:nvSpPr>
-          <p:cNvPr id="12" name="TextBox 11">
-            <a:extLst>
-              <a:ext uri="{FF2B5EF4-FFF2-40B4-BE49-F238E27FC236}">
-                <a16:creationId xmlns:a16="http://schemas.microsoft.com/office/drawing/2014/main" id="{993F1D52-57E8-4AB4-B969-3CF9DE2499C8}"/>
-              </a:ext>
-            </a:extLst>
-          </p:cNvPr>
-          <p:cNvSpPr txBox="1"/>
-          <p:nvPr/>
-        </p:nvSpPr>
-        <p:spPr>
-          <a:xfrm>
-            <a:off x="8547222" y="1499818"/>
-            <a:ext cx="4371400" cy="369332"/>
-          </a:xfrm>
-          <a:prstGeom prst="rect">
-            <a:avLst/>
-          </a:prstGeom>
-          <a:noFill/>
-        </p:spPr>
-        <p:txBody>
-          <a:bodyPr wrap="square" rtlCol="0">
-            <a:spAutoFit/>
-          </a:bodyPr>
-          <a:lstStyle/>
-          <a:p>
-            <a:r>
-              <a:rPr lang="en-US" b="1" dirty="0">
-                <a:solidFill>
-                  <a:srgbClr val="FF0000"/>
-                </a:solidFill>
-              </a:rPr>
-              <a:t>*Update Image - Pending update</a:t>
-            </a:r>
-          </a:p>
-        </p:txBody>
-      </p:sp>
     </p:spTree>
     <p:extLst>
       <p:ext uri="{BB962C8B-B14F-4D97-AF65-F5344CB8AC3E}">
@@ -13257,10 +13254,10 @@
       </p:sp>
       <p:pic>
         <p:nvPicPr>
-          <p:cNvPr id="24" name="Picture 23" descr="A screenshot of a cell phone&#10;&#10;Description automatically generated">
+          <p:cNvPr id="3" name="Picture 2" descr="A screenshot of a cell phone&#10;&#10;Description automatically generated">
             <a:extLst>
               <a:ext uri="{FF2B5EF4-FFF2-40B4-BE49-F238E27FC236}">
-                <a16:creationId xmlns:a16="http://schemas.microsoft.com/office/drawing/2014/main" id="{14CB80E6-7CF1-4DE0-8588-D8748C448B5C}"/>
+                <a16:creationId xmlns:a16="http://schemas.microsoft.com/office/drawing/2014/main" id="{07F6C660-1700-4E77-8C11-A84A5AB53AC2}"/>
               </a:ext>
             </a:extLst>
           </p:cNvPr>
@@ -13269,16 +13266,15 @@
           </p:cNvPicPr>
           <p:nvPr/>
         </p:nvPicPr>
-        <p:blipFill>
+        <p:blipFill rotWithShape="1">
           <a:blip r:embed="rId3"/>
-          <a:stretch>
-            <a:fillRect/>
-          </a:stretch>
+          <a:srcRect l="4495" t="6970" r="7455" b="5298"/>
+          <a:stretch/>
         </p:blipFill>
         <p:spPr>
           <a:xfrm>
-            <a:off x="504852" y="845816"/>
-            <a:ext cx="7117907" cy="5152341"/>
+            <a:off x="434494" y="839135"/>
+            <a:ext cx="7379523" cy="5146993"/>
           </a:xfrm>
           <a:prstGeom prst="rect">
             <a:avLst/>
@@ -13287,10 +13283,10 @@
       </p:pic>
       <p:sp>
         <p:nvSpPr>
-          <p:cNvPr id="26" name="TextBox 25">
+          <p:cNvPr id="4" name="TextBox 3">
             <a:extLst>
               <a:ext uri="{FF2B5EF4-FFF2-40B4-BE49-F238E27FC236}">
-                <a16:creationId xmlns:a16="http://schemas.microsoft.com/office/drawing/2014/main" id="{43B323D0-5F2C-43EC-95DB-0758E4C6A4DD}"/>
+                <a16:creationId xmlns:a16="http://schemas.microsoft.com/office/drawing/2014/main" id="{67D9FC86-B7C7-4A33-ADF3-6817B6DA1F94}"/>
               </a:ext>
             </a:extLst>
           </p:cNvPr>
@@ -13299,8 +13295,8 @@
         </p:nvSpPr>
         <p:spPr>
           <a:xfrm>
-            <a:off x="2164092" y="1069137"/>
-            <a:ext cx="4371400" cy="369332"/>
+            <a:off x="5645889" y="60596"/>
+            <a:ext cx="6205870" cy="646331"/>
           </a:xfrm>
           <a:prstGeom prst="rect">
             <a:avLst/>
@@ -13319,7 +13315,7 @@
                   <a:srgbClr val="FF0000"/>
                 </a:solidFill>
               </a:rPr>
-              <a:t>*Update Image - Pending update</a:t>
+              <a:t>Should [10,000], Houston, and Friendswood be in the chart title or just in the X axis and legend?  </a:t>
             </a:r>
           </a:p>
         </p:txBody>
@@ -13364,6 +13360,566 @@
       </p:grpSpPr>
       <p:sp>
         <p:nvSpPr>
+          <p:cNvPr id="14" name="Rectangle 13">
+            <a:extLst>
+              <a:ext uri="{FF2B5EF4-FFF2-40B4-BE49-F238E27FC236}">
+                <a16:creationId xmlns:a16="http://schemas.microsoft.com/office/drawing/2014/main" id="{4F645BF8-7885-4398-80BC-4C0DF24F5CEE}"/>
+              </a:ext>
+              <a:ext uri="{C183D7F6-B498-43B3-948B-1728B52AA6E4}">
+                <adec:decorative xmlns:adec="http://schemas.microsoft.com/office/drawing/2017/decorative" val="1"/>
+              </a:ext>
+            </a:extLst>
+          </p:cNvPr>
+          <p:cNvSpPr>
+            <a:spLocks noGrp="1" noRot="1" noChangeAspect="1" noMove="1" noResize="1" noEditPoints="1" noAdjustHandles="1" noChangeArrowheads="1" noChangeShapeType="1" noTextEdit="1"/>
+          </p:cNvSpPr>
+          <p:nvPr>
+            <p:extLst>
+              <p:ext uri="{386F3935-93C4-4BCD-93E2-E3B085C9AB24}">
+                <p16:designElem xmlns:p16="http://schemas.microsoft.com/office/powerpoint/2015/main" val="1"/>
+              </p:ext>
+            </p:extLst>
+          </p:nvPr>
+        </p:nvSpPr>
+        <p:spPr>
+          <a:xfrm>
+            <a:off x="1" y="758952"/>
+            <a:ext cx="3443590" cy="5330952"/>
+          </a:xfrm>
+          <a:prstGeom prst="rect">
+            <a:avLst/>
+          </a:prstGeom>
+          <a:solidFill>
+            <a:schemeClr val="accent1"/>
+          </a:solidFill>
+          <a:ln>
+            <a:noFill/>
+          </a:ln>
+        </p:spPr>
+        <p:style>
+          <a:lnRef idx="2">
+            <a:schemeClr val="accent1">
+              <a:shade val="50000"/>
+            </a:schemeClr>
+          </a:lnRef>
+          <a:fillRef idx="1">
+            <a:schemeClr val="accent1"/>
+          </a:fillRef>
+          <a:effectRef idx="0">
+            <a:schemeClr val="accent1"/>
+          </a:effectRef>
+          <a:fontRef idx="minor">
+            <a:schemeClr val="lt1"/>
+          </a:fontRef>
+        </p:style>
+      </p:sp>
+      <p:sp>
+        <p:nvSpPr>
+          <p:cNvPr id="16" name="Rectangle 15">
+            <a:extLst>
+              <a:ext uri="{FF2B5EF4-FFF2-40B4-BE49-F238E27FC236}">
+                <a16:creationId xmlns:a16="http://schemas.microsoft.com/office/drawing/2014/main" id="{3212FB65-CD2B-4005-B910-132DCE19FCC7}"/>
+              </a:ext>
+              <a:ext uri="{C183D7F6-B498-43B3-948B-1728B52AA6E4}">
+                <adec:decorative xmlns:adec="http://schemas.microsoft.com/office/drawing/2017/decorative" val="1"/>
+              </a:ext>
+            </a:extLst>
+          </p:cNvPr>
+          <p:cNvSpPr>
+            <a:spLocks noGrp="1" noRot="1" noChangeAspect="1" noMove="1" noResize="1" noEditPoints="1" noAdjustHandles="1" noChangeArrowheads="1" noChangeShapeType="1" noTextEdit="1"/>
+          </p:cNvSpPr>
+          <p:nvPr>
+            <p:extLst>
+              <p:ext uri="{386F3935-93C4-4BCD-93E2-E3B085C9AB24}">
+                <p16:designElem xmlns:p16="http://schemas.microsoft.com/office/powerpoint/2015/main" val="1"/>
+              </p:ext>
+            </p:extLst>
+          </p:nvPr>
+        </p:nvSpPr>
+        <p:spPr>
+          <a:xfrm>
+            <a:off x="11815864" y="758952"/>
+            <a:ext cx="384048" cy="5330952"/>
+          </a:xfrm>
+          <a:prstGeom prst="rect">
+            <a:avLst/>
+          </a:prstGeom>
+          <a:solidFill>
+            <a:srgbClr val="C8C8C8">
+              <a:alpha val="49804"/>
+            </a:srgbClr>
+          </a:solidFill>
+          <a:ln>
+            <a:noFill/>
+          </a:ln>
+        </p:spPr>
+        <p:style>
+          <a:lnRef idx="2">
+            <a:schemeClr val="accent1">
+              <a:shade val="50000"/>
+            </a:schemeClr>
+          </a:lnRef>
+          <a:fillRef idx="1">
+            <a:schemeClr val="accent1"/>
+          </a:fillRef>
+          <a:effectRef idx="0">
+            <a:schemeClr val="accent1"/>
+          </a:effectRef>
+          <a:fontRef idx="minor">
+            <a:schemeClr val="lt1"/>
+          </a:fontRef>
+        </p:style>
+      </p:sp>
+      <p:sp useBgFill="1">
+        <p:nvSpPr>
+          <p:cNvPr id="18" name="Rectangle 17">
+            <a:extLst>
+              <a:ext uri="{FF2B5EF4-FFF2-40B4-BE49-F238E27FC236}">
+                <a16:creationId xmlns:a16="http://schemas.microsoft.com/office/drawing/2014/main" id="{B5DC95B7-2A72-483B-BA19-2BE751205541}"/>
+              </a:ext>
+              <a:ext uri="{C183D7F6-B498-43B3-948B-1728B52AA6E4}">
+                <adec:decorative xmlns:adec="http://schemas.microsoft.com/office/drawing/2017/decorative" val="1"/>
+              </a:ext>
+            </a:extLst>
+          </p:cNvPr>
+          <p:cNvSpPr>
+            <a:spLocks noGrp="1" noRot="1" noChangeAspect="1" noMove="1" noResize="1" noEditPoints="1" noAdjustHandles="1" noChangeArrowheads="1" noChangeShapeType="1" noTextEdit="1"/>
+          </p:cNvSpPr>
+          <p:nvPr>
+            <p:extLst>
+              <p:ext uri="{386F3935-93C4-4BCD-93E2-E3B085C9AB24}">
+                <p16:designElem xmlns:p16="http://schemas.microsoft.com/office/powerpoint/2015/main" val="1"/>
+              </p:ext>
+            </p:extLst>
+          </p:nvPr>
+        </p:nvSpPr>
+        <p:spPr>
+          <a:xfrm>
+            <a:off x="0" y="0"/>
+            <a:ext cx="12192000" cy="6858000"/>
+          </a:xfrm>
+          <a:prstGeom prst="rect">
+            <a:avLst/>
+          </a:prstGeom>
+          <a:ln>
+            <a:noFill/>
+          </a:ln>
+        </p:spPr>
+        <p:style>
+          <a:lnRef idx="2">
+            <a:schemeClr val="accent1">
+              <a:shade val="50000"/>
+            </a:schemeClr>
+          </a:lnRef>
+          <a:fillRef idx="1">
+            <a:schemeClr val="accent1"/>
+          </a:fillRef>
+          <a:effectRef idx="0">
+            <a:schemeClr val="accent1"/>
+          </a:effectRef>
+          <a:fontRef idx="minor">
+            <a:schemeClr val="lt1"/>
+          </a:fontRef>
+        </p:style>
+        <p:txBody>
+          <a:bodyPr rtlCol="0" anchor="ctr"/>
+          <a:lstStyle/>
+          <a:p>
+            <a:pPr algn="ctr"/>
+            <a:endParaRPr lang="en-US"/>
+          </a:p>
+        </p:txBody>
+      </p:sp>
+      <p:sp>
+        <p:nvSpPr>
+          <p:cNvPr id="20" name="Rectangle 19">
+            <a:extLst>
+              <a:ext uri="{FF2B5EF4-FFF2-40B4-BE49-F238E27FC236}">
+                <a16:creationId xmlns:a16="http://schemas.microsoft.com/office/drawing/2014/main" id="{1C822AFE-7E96-4A51-9E55-FCAEACD21357}"/>
+              </a:ext>
+              <a:ext uri="{C183D7F6-B498-43B3-948B-1728B52AA6E4}">
+                <adec:decorative xmlns:adec="http://schemas.microsoft.com/office/drawing/2017/decorative" val="1"/>
+              </a:ext>
+            </a:extLst>
+          </p:cNvPr>
+          <p:cNvSpPr>
+            <a:spLocks noGrp="1" noRot="1" noChangeAspect="1" noMove="1" noResize="1" noEditPoints="1" noAdjustHandles="1" noChangeArrowheads="1" noChangeShapeType="1" noTextEdit="1"/>
+          </p:cNvSpPr>
+          <p:nvPr>
+            <p:extLst>
+              <p:ext uri="{386F3935-93C4-4BCD-93E2-E3B085C9AB24}">
+                <p16:designElem xmlns:p16="http://schemas.microsoft.com/office/powerpoint/2015/main" val="1"/>
+              </p:ext>
+            </p:extLst>
+          </p:nvPr>
+        </p:nvSpPr>
+        <p:spPr>
+          <a:xfrm>
+            <a:off x="7850120" y="757325"/>
+            <a:ext cx="4341880" cy="5329325"/>
+          </a:xfrm>
+          <a:prstGeom prst="rect">
+            <a:avLst/>
+          </a:prstGeom>
+          <a:solidFill>
+            <a:schemeClr val="accent1"/>
+          </a:solidFill>
+          <a:ln>
+            <a:noFill/>
+          </a:ln>
+        </p:spPr>
+        <p:style>
+          <a:lnRef idx="2">
+            <a:schemeClr val="accent1">
+              <a:shade val="50000"/>
+            </a:schemeClr>
+          </a:lnRef>
+          <a:fillRef idx="1">
+            <a:schemeClr val="accent1"/>
+          </a:fillRef>
+          <a:effectRef idx="0">
+            <a:schemeClr val="accent1"/>
+          </a:effectRef>
+          <a:fontRef idx="minor">
+            <a:schemeClr val="lt1"/>
+          </a:fontRef>
+        </p:style>
+        <p:txBody>
+          <a:bodyPr rtlCol="0" anchor="ctr"/>
+          <a:lstStyle/>
+          <a:p>
+            <a:pPr algn="ctr"/>
+            <a:endParaRPr lang="en-US"/>
+          </a:p>
+        </p:txBody>
+      </p:sp>
+      <p:sp>
+        <p:nvSpPr>
+          <p:cNvPr id="5" name="Title 4">
+            <a:extLst>
+              <a:ext uri="{FF2B5EF4-FFF2-40B4-BE49-F238E27FC236}">
+                <a16:creationId xmlns:a16="http://schemas.microsoft.com/office/drawing/2014/main" id="{3E1C62C6-1501-4C1D-8475-37DDFD235BEC}"/>
+              </a:ext>
+            </a:extLst>
+          </p:cNvPr>
+          <p:cNvSpPr>
+            <a:spLocks noGrp="1"/>
+          </p:cNvSpPr>
+          <p:nvPr>
+            <p:ph type="title"/>
+          </p:nvPr>
+        </p:nvSpPr>
+        <p:spPr>
+          <a:xfrm>
+            <a:off x="8038214" y="1079769"/>
+            <a:ext cx="3991074" cy="4683077"/>
+          </a:xfrm>
+        </p:spPr>
+        <p:txBody>
+          <a:bodyPr vert="horz" lIns="91440" tIns="45720" rIns="91440" bIns="45720" rtlCol="0" anchor="t">
+            <a:normAutofit/>
+          </a:bodyPr>
+          <a:lstStyle/>
+          <a:p>
+            <a:r>
+              <a:rPr lang="en-US" b="1" dirty="0"/>
+              <a:t>HOUSING UNITS SOLD vs CRIME RATE IN SUGAR LAND AND HOUSTON</a:t>
+            </a:r>
+          </a:p>
+        </p:txBody>
+      </p:sp>
+      <p:sp>
+        <p:nvSpPr>
+          <p:cNvPr id="22" name="Rectangle 21">
+            <a:extLst>
+              <a:ext uri="{FF2B5EF4-FFF2-40B4-BE49-F238E27FC236}">
+                <a16:creationId xmlns:a16="http://schemas.microsoft.com/office/drawing/2014/main" id="{9169EA61-C175-4B7E-807B-58199DEA7FB3}"/>
+              </a:ext>
+              <a:ext uri="{C183D7F6-B498-43B3-948B-1728B52AA6E4}">
+                <adec:decorative xmlns:adec="http://schemas.microsoft.com/office/drawing/2017/decorative" val="1"/>
+              </a:ext>
+            </a:extLst>
+          </p:cNvPr>
+          <p:cNvSpPr>
+            <a:spLocks noGrp="1" noRot="1" noChangeAspect="1" noMove="1" noResize="1" noEditPoints="1" noAdjustHandles="1" noChangeArrowheads="1" noChangeShapeType="1" noTextEdit="1"/>
+          </p:cNvSpPr>
+          <p:nvPr>
+            <p:extLst>
+              <p:ext uri="{386F3935-93C4-4BCD-93E2-E3B085C9AB24}">
+                <p16:designElem xmlns:p16="http://schemas.microsoft.com/office/powerpoint/2015/main" val="1"/>
+              </p:ext>
+            </p:extLst>
+          </p:nvPr>
+        </p:nvSpPr>
+        <p:spPr>
+          <a:xfrm>
+            <a:off x="0" y="758952"/>
+            <a:ext cx="384048" cy="5330952"/>
+          </a:xfrm>
+          <a:prstGeom prst="rect">
+            <a:avLst/>
+          </a:prstGeom>
+          <a:solidFill>
+            <a:srgbClr val="C8C8C8">
+              <a:alpha val="49804"/>
+            </a:srgbClr>
+          </a:solidFill>
+          <a:ln>
+            <a:noFill/>
+          </a:ln>
+        </p:spPr>
+        <p:style>
+          <a:lnRef idx="2">
+            <a:schemeClr val="accent1">
+              <a:shade val="50000"/>
+            </a:schemeClr>
+          </a:lnRef>
+          <a:fillRef idx="1">
+            <a:schemeClr val="accent1"/>
+          </a:fillRef>
+          <a:effectRef idx="0">
+            <a:schemeClr val="accent1"/>
+          </a:effectRef>
+          <a:fontRef idx="minor">
+            <a:schemeClr val="lt1"/>
+          </a:fontRef>
+        </p:style>
+      </p:sp>
+      <p:cxnSp>
+        <p:nvCxnSpPr>
+          <p:cNvPr id="17" name="Straight Connector 16">
+            <a:extLst>
+              <a:ext uri="{FF2B5EF4-FFF2-40B4-BE49-F238E27FC236}">
+                <a16:creationId xmlns:a16="http://schemas.microsoft.com/office/drawing/2014/main" id="{B2C2B097-9CF4-40F0-A48F-4319EA04AECB}"/>
+              </a:ext>
+            </a:extLst>
+          </p:cNvPr>
+          <p:cNvCxnSpPr/>
+          <p:nvPr/>
+        </p:nvCxnSpPr>
+        <p:spPr>
+          <a:xfrm>
+            <a:off x="0" y="758952"/>
+            <a:ext cx="12199912" cy="0"/>
+          </a:xfrm>
+          <a:prstGeom prst="line">
+            <a:avLst/>
+          </a:prstGeom>
+          <a:ln w="19050">
+            <a:solidFill>
+              <a:schemeClr val="bg2">
+                <a:lumMod val="60000"/>
+                <a:lumOff val="40000"/>
+              </a:schemeClr>
+            </a:solidFill>
+          </a:ln>
+        </p:spPr>
+        <p:style>
+          <a:lnRef idx="1">
+            <a:schemeClr val="accent1"/>
+          </a:lnRef>
+          <a:fillRef idx="0">
+            <a:schemeClr val="accent1"/>
+          </a:fillRef>
+          <a:effectRef idx="0">
+            <a:schemeClr val="accent1"/>
+          </a:effectRef>
+          <a:fontRef idx="minor">
+            <a:schemeClr val="tx1"/>
+          </a:fontRef>
+        </p:style>
+      </p:cxnSp>
+      <p:cxnSp>
+        <p:nvCxnSpPr>
+          <p:cNvPr id="19" name="Straight Connector 18">
+            <a:extLst>
+              <a:ext uri="{FF2B5EF4-FFF2-40B4-BE49-F238E27FC236}">
+                <a16:creationId xmlns:a16="http://schemas.microsoft.com/office/drawing/2014/main" id="{6D25B33E-3330-4C6B-B59C-196B19C65F48}"/>
+              </a:ext>
+            </a:extLst>
+          </p:cNvPr>
+          <p:cNvCxnSpPr/>
+          <p:nvPr/>
+        </p:nvCxnSpPr>
+        <p:spPr>
+          <a:xfrm>
+            <a:off x="-7914" y="6089904"/>
+            <a:ext cx="12199912" cy="0"/>
+          </a:xfrm>
+          <a:prstGeom prst="line">
+            <a:avLst/>
+          </a:prstGeom>
+          <a:ln w="19050">
+            <a:solidFill>
+              <a:schemeClr val="bg2">
+                <a:lumMod val="60000"/>
+                <a:lumOff val="40000"/>
+              </a:schemeClr>
+            </a:solidFill>
+          </a:ln>
+        </p:spPr>
+        <p:style>
+          <a:lnRef idx="1">
+            <a:schemeClr val="accent1"/>
+          </a:lnRef>
+          <a:fillRef idx="0">
+            <a:schemeClr val="accent1"/>
+          </a:fillRef>
+          <a:effectRef idx="0">
+            <a:schemeClr val="accent1"/>
+          </a:effectRef>
+          <a:fontRef idx="minor">
+            <a:schemeClr val="tx1"/>
+          </a:fontRef>
+        </p:style>
+      </p:cxnSp>
+      <p:sp>
+        <p:nvSpPr>
+          <p:cNvPr id="12" name="TextBox 11">
+            <a:extLst>
+              <a:ext uri="{FF2B5EF4-FFF2-40B4-BE49-F238E27FC236}">
+                <a16:creationId xmlns:a16="http://schemas.microsoft.com/office/drawing/2014/main" id="{B8DAF411-80E2-44EB-9731-B8A429B76A08}"/>
+              </a:ext>
+            </a:extLst>
+          </p:cNvPr>
+          <p:cNvSpPr txBox="1"/>
+          <p:nvPr/>
+        </p:nvSpPr>
+        <p:spPr>
+          <a:xfrm>
+            <a:off x="-7914" y="2757"/>
+            <a:ext cx="3678865" cy="923330"/>
+          </a:xfrm>
+          <a:prstGeom prst="rect">
+            <a:avLst/>
+          </a:prstGeom>
+          <a:noFill/>
+        </p:spPr>
+        <p:txBody>
+          <a:bodyPr wrap="square" rtlCol="0">
+            <a:spAutoFit/>
+          </a:bodyPr>
+          <a:lstStyle/>
+          <a:p>
+            <a:r>
+              <a:rPr lang="en-US" b="1" dirty="0">
+                <a:solidFill>
+                  <a:srgbClr val="FF0000"/>
+                </a:solidFill>
+              </a:rPr>
+              <a:t>*Should the Y axis be per capita?  The housing bar charts are not per capita</a:t>
+            </a:r>
+          </a:p>
+        </p:txBody>
+      </p:sp>
+      <p:pic>
+        <p:nvPicPr>
+          <p:cNvPr id="3" name="Picture 2" descr="A screenshot of a cell phone&#10;&#10;Description automatically generated">
+            <a:extLst>
+              <a:ext uri="{FF2B5EF4-FFF2-40B4-BE49-F238E27FC236}">
+                <a16:creationId xmlns:a16="http://schemas.microsoft.com/office/drawing/2014/main" id="{8361C7DF-1C02-4729-B1A0-BC076CE50873}"/>
+              </a:ext>
+            </a:extLst>
+          </p:cNvPr>
+          <p:cNvPicPr>
+            <a:picLocks noChangeAspect="1"/>
+          </p:cNvPicPr>
+          <p:nvPr/>
+        </p:nvPicPr>
+        <p:blipFill rotWithShape="1">
+          <a:blip r:embed="rId3"/>
+          <a:srcRect l="5170" t="6522" r="8173" b="4071"/>
+          <a:stretch/>
+        </p:blipFill>
+        <p:spPr>
+          <a:xfrm>
+            <a:off x="479745" y="879610"/>
+            <a:ext cx="7303360" cy="5274521"/>
+          </a:xfrm>
+          <a:prstGeom prst="rect">
+            <a:avLst/>
+          </a:prstGeom>
+        </p:spPr>
+      </p:pic>
+      <p:sp>
+        <p:nvSpPr>
+          <p:cNvPr id="4" name="TextBox 3">
+            <a:extLst>
+              <a:ext uri="{FF2B5EF4-FFF2-40B4-BE49-F238E27FC236}">
+                <a16:creationId xmlns:a16="http://schemas.microsoft.com/office/drawing/2014/main" id="{DAAFC4E7-6C6B-456A-BD61-00FE02E86110}"/>
+              </a:ext>
+            </a:extLst>
+          </p:cNvPr>
+          <p:cNvSpPr txBox="1"/>
+          <p:nvPr/>
+        </p:nvSpPr>
+        <p:spPr>
+          <a:xfrm>
+            <a:off x="5645889" y="60596"/>
+            <a:ext cx="6205870" cy="646331"/>
+          </a:xfrm>
+          <a:prstGeom prst="rect">
+            <a:avLst/>
+          </a:prstGeom>
+          <a:noFill/>
+        </p:spPr>
+        <p:txBody>
+          <a:bodyPr wrap="square" rtlCol="0">
+            <a:spAutoFit/>
+          </a:bodyPr>
+          <a:lstStyle/>
+          <a:p>
+            <a:r>
+              <a:rPr lang="en-US" b="1" dirty="0">
+                <a:solidFill>
+                  <a:srgbClr val="FF0000"/>
+                </a:solidFill>
+              </a:rPr>
+              <a:t>Should [10,000], Houston, Friendswood, and Sugar Land be in the chart title or just in the X axis and legend?  </a:t>
+            </a:r>
+          </a:p>
+        </p:txBody>
+      </p:sp>
+    </p:spTree>
+    <p:extLst>
+      <p:ext uri="{BB962C8B-B14F-4D97-AF65-F5344CB8AC3E}">
+        <p14:creationId xmlns:p14="http://schemas.microsoft.com/office/powerpoint/2010/main" val="3642274954"/>
+      </p:ext>
+    </p:extLst>
+  </p:cSld>
+  <p:clrMapOvr>
+    <a:masterClrMapping/>
+  </p:clrMapOvr>
+</p:sld>
+</file>
+
+<file path=ppt/slides/slide19.xml><?xml version="1.0" encoding="utf-8"?>
+<p:sld xmlns:a="http://schemas.openxmlformats.org/drawingml/2006/main" xmlns:r="http://schemas.openxmlformats.org/officeDocument/2006/relationships" xmlns:p="http://schemas.openxmlformats.org/presentationml/2006/main">
+  <p:cSld>
+    <p:bg>
+      <p:bgPr>
+        <a:solidFill>
+          <a:schemeClr val="bg1"/>
+        </a:solidFill>
+        <a:effectLst/>
+      </p:bgPr>
+    </p:bg>
+    <p:spTree>
+      <p:nvGrpSpPr>
+        <p:cNvPr id="1" name=""/>
+        <p:cNvGrpSpPr/>
+        <p:nvPr/>
+      </p:nvGrpSpPr>
+      <p:grpSpPr>
+        <a:xfrm>
+          <a:off x="0" y="0"/>
+          <a:ext cx="0" cy="0"/>
+          <a:chOff x="0" y="0"/>
+          <a:chExt cx="0" cy="0"/>
+        </a:xfrm>
+      </p:grpSpPr>
+      <p:sp>
+        <p:nvSpPr>
           <p:cNvPr id="67" name="Rectangle 49">
             <a:extLst>
               <a:ext uri="{FF2B5EF4-FFF2-40B4-BE49-F238E27FC236}">
@@ -14138,7 +14694,604 @@
 </p:sld>
 </file>
 
-<file path=ppt/slides/slide19.xml><?xml version="1.0" encoding="utf-8"?>
+<file path=ppt/slides/slide2.xml><?xml version="1.0" encoding="utf-8"?>
+<p:sld xmlns:a="http://schemas.openxmlformats.org/drawingml/2006/main" xmlns:r="http://schemas.openxmlformats.org/officeDocument/2006/relationships" xmlns:p="http://schemas.openxmlformats.org/presentationml/2006/main">
+  <p:cSld>
+    <p:bg>
+      <p:bgPr>
+        <a:solidFill>
+          <a:schemeClr val="bg1"/>
+        </a:solidFill>
+        <a:effectLst/>
+      </p:bgPr>
+    </p:bg>
+    <p:spTree>
+      <p:nvGrpSpPr>
+        <p:cNvPr id="1" name=""/>
+        <p:cNvGrpSpPr/>
+        <p:nvPr/>
+      </p:nvGrpSpPr>
+      <p:grpSpPr>
+        <a:xfrm>
+          <a:off x="0" y="0"/>
+          <a:ext cx="0" cy="0"/>
+          <a:chOff x="0" y="0"/>
+          <a:chExt cx="0" cy="0"/>
+        </a:xfrm>
+      </p:grpSpPr>
+      <p:sp useBgFill="1">
+        <p:nvSpPr>
+          <p:cNvPr id="8" name="Rectangle 7">
+            <a:extLst>
+              <a:ext uri="{FF2B5EF4-FFF2-40B4-BE49-F238E27FC236}">
+                <a16:creationId xmlns:a16="http://schemas.microsoft.com/office/drawing/2014/main" id="{29DC5A77-10C9-4ECF-B7EB-8D917F36A9EE}"/>
+              </a:ext>
+              <a:ext uri="{C183D7F6-B498-43B3-948B-1728B52AA6E4}">
+                <adec:decorative xmlns:adec="http://schemas.microsoft.com/office/drawing/2017/decorative" val="1"/>
+              </a:ext>
+            </a:extLst>
+          </p:cNvPr>
+          <p:cNvSpPr>
+            <a:spLocks noGrp="1" noRot="1" noChangeAspect="1" noMove="1" noResize="1" noEditPoints="1" noAdjustHandles="1" noChangeArrowheads="1" noChangeShapeType="1" noTextEdit="1"/>
+          </p:cNvSpPr>
+          <p:nvPr>
+            <p:extLst>
+              <p:ext uri="{386F3935-93C4-4BCD-93E2-E3B085C9AB24}">
+                <p16:designElem xmlns:p16="http://schemas.microsoft.com/office/powerpoint/2015/main" val="1"/>
+              </p:ext>
+            </p:extLst>
+          </p:nvPr>
+        </p:nvSpPr>
+        <p:spPr>
+          <a:xfrm>
+            <a:off x="0" y="0"/>
+            <a:ext cx="12192000" cy="6858000"/>
+          </a:xfrm>
+          <a:prstGeom prst="rect">
+            <a:avLst/>
+          </a:prstGeom>
+          <a:ln>
+            <a:noFill/>
+          </a:ln>
+        </p:spPr>
+        <p:style>
+          <a:lnRef idx="2">
+            <a:schemeClr val="accent1">
+              <a:shade val="50000"/>
+            </a:schemeClr>
+          </a:lnRef>
+          <a:fillRef idx="1">
+            <a:schemeClr val="accent1"/>
+          </a:fillRef>
+          <a:effectRef idx="0">
+            <a:schemeClr val="accent1"/>
+          </a:effectRef>
+          <a:fontRef idx="minor">
+            <a:schemeClr val="lt1"/>
+          </a:fontRef>
+        </p:style>
+        <p:txBody>
+          <a:bodyPr rtlCol="0" anchor="ctr"/>
+          <a:lstStyle/>
+          <a:p>
+            <a:pPr algn="ctr"/>
+            <a:endParaRPr lang="en-US"/>
+          </a:p>
+        </p:txBody>
+      </p:sp>
+      <p:sp>
+        <p:nvSpPr>
+          <p:cNvPr id="10" name="Rectangle 9">
+            <a:extLst>
+              <a:ext uri="{FF2B5EF4-FFF2-40B4-BE49-F238E27FC236}">
+                <a16:creationId xmlns:a16="http://schemas.microsoft.com/office/drawing/2014/main" id="{2FFE28B5-FB16-49A9-B851-3C35FAC0CACB}"/>
+              </a:ext>
+              <a:ext uri="{C183D7F6-B498-43B3-948B-1728B52AA6E4}">
+                <adec:decorative xmlns:adec="http://schemas.microsoft.com/office/drawing/2017/decorative" val="1"/>
+              </a:ext>
+            </a:extLst>
+          </p:cNvPr>
+          <p:cNvSpPr>
+            <a:spLocks noGrp="1" noRot="1" noChangeAspect="1" noMove="1" noResize="1" noEditPoints="1" noAdjustHandles="1" noChangeArrowheads="1" noChangeShapeType="1" noTextEdit="1"/>
+          </p:cNvSpPr>
+          <p:nvPr>
+            <p:extLst>
+              <p:ext uri="{386F3935-93C4-4BCD-93E2-E3B085C9AB24}">
+                <p16:designElem xmlns:p16="http://schemas.microsoft.com/office/powerpoint/2015/main" val="1"/>
+              </p:ext>
+            </p:extLst>
+          </p:nvPr>
+        </p:nvSpPr>
+        <p:spPr>
+          <a:xfrm>
+            <a:off x="1" y="758952"/>
+            <a:ext cx="10905976" cy="1651133"/>
+          </a:xfrm>
+          <a:prstGeom prst="rect">
+            <a:avLst/>
+          </a:prstGeom>
+          <a:solidFill>
+            <a:schemeClr val="accent1"/>
+          </a:solidFill>
+          <a:ln>
+            <a:noFill/>
+          </a:ln>
+        </p:spPr>
+        <p:style>
+          <a:lnRef idx="2">
+            <a:schemeClr val="accent1">
+              <a:shade val="50000"/>
+            </a:schemeClr>
+          </a:lnRef>
+          <a:fillRef idx="1">
+            <a:schemeClr val="accent1"/>
+          </a:fillRef>
+          <a:effectRef idx="0">
+            <a:schemeClr val="accent1"/>
+          </a:effectRef>
+          <a:fontRef idx="minor">
+            <a:schemeClr val="lt1"/>
+          </a:fontRef>
+        </p:style>
+        <p:txBody>
+          <a:bodyPr/>
+          <a:lstStyle/>
+          <a:p>
+            <a:endParaRPr lang="en-US" dirty="0"/>
+          </a:p>
+        </p:txBody>
+      </p:sp>
+      <p:sp>
+        <p:nvSpPr>
+          <p:cNvPr id="2" name="Title 1">
+            <a:extLst>
+              <a:ext uri="{FF2B5EF4-FFF2-40B4-BE49-F238E27FC236}">
+                <a16:creationId xmlns:a16="http://schemas.microsoft.com/office/drawing/2014/main" id="{1DA47A67-771B-EB45-97C7-BE4E5566B108}"/>
+              </a:ext>
+            </a:extLst>
+          </p:cNvPr>
+          <p:cNvSpPr>
+            <a:spLocks noGrp="1"/>
+          </p:cNvSpPr>
+          <p:nvPr>
+            <p:ph type="title"/>
+          </p:nvPr>
+        </p:nvSpPr>
+        <p:spPr>
+          <a:xfrm>
+            <a:off x="350452" y="1084029"/>
+            <a:ext cx="8983489" cy="1000978"/>
+          </a:xfrm>
+        </p:spPr>
+        <p:txBody>
+          <a:bodyPr>
+            <a:normAutofit/>
+          </a:bodyPr>
+          <a:lstStyle/>
+          <a:p>
+            <a:r>
+              <a:rPr lang="en-US" sz="2800" b="1" dirty="0">
+                <a:latin typeface="Arial" panose="020B0604020202020204" pitchFamily="34" charset="0"/>
+                <a:cs typeface="Arial" panose="020B0604020202020204" pitchFamily="34" charset="0"/>
+              </a:rPr>
+              <a:t>PROJECT DESCRIPTION</a:t>
+            </a:r>
+          </a:p>
+        </p:txBody>
+      </p:sp>
+      <p:sp>
+        <p:nvSpPr>
+          <p:cNvPr id="12" name="Rectangle 11">
+            <a:extLst>
+              <a:ext uri="{FF2B5EF4-FFF2-40B4-BE49-F238E27FC236}">
+                <a16:creationId xmlns:a16="http://schemas.microsoft.com/office/drawing/2014/main" id="{01014442-855A-4E0F-8D09-C314661A48B9}"/>
+              </a:ext>
+              <a:ext uri="{C183D7F6-B498-43B3-948B-1728B52AA6E4}">
+                <adec:decorative xmlns:adec="http://schemas.microsoft.com/office/drawing/2017/decorative" val="1"/>
+              </a:ext>
+            </a:extLst>
+          </p:cNvPr>
+          <p:cNvSpPr>
+            <a:spLocks noGrp="1" noRot="1" noChangeAspect="1" noMove="1" noResize="1" noEditPoints="1" noAdjustHandles="1" noChangeArrowheads="1" noChangeShapeType="1" noTextEdit="1"/>
+          </p:cNvSpPr>
+          <p:nvPr>
+            <p:extLst>
+              <p:ext uri="{386F3935-93C4-4BCD-93E2-E3B085C9AB24}">
+                <p16:designElem xmlns:p16="http://schemas.microsoft.com/office/powerpoint/2015/main" val="1"/>
+              </p:ext>
+            </p:extLst>
+          </p:nvPr>
+        </p:nvSpPr>
+        <p:spPr>
+          <a:xfrm>
+            <a:off x="11014533" y="758952"/>
+            <a:ext cx="1185379" cy="1651133"/>
+          </a:xfrm>
+          <a:prstGeom prst="rect">
+            <a:avLst/>
+          </a:prstGeom>
+          <a:solidFill>
+            <a:srgbClr val="C8C8C8">
+              <a:alpha val="49804"/>
+            </a:srgbClr>
+          </a:solidFill>
+          <a:ln>
+            <a:noFill/>
+          </a:ln>
+        </p:spPr>
+        <p:style>
+          <a:lnRef idx="2">
+            <a:schemeClr val="accent1">
+              <a:shade val="50000"/>
+            </a:schemeClr>
+          </a:lnRef>
+          <a:fillRef idx="1">
+            <a:schemeClr val="accent1"/>
+          </a:fillRef>
+          <a:effectRef idx="0">
+            <a:schemeClr val="accent1"/>
+          </a:effectRef>
+          <a:fontRef idx="minor">
+            <a:schemeClr val="lt1"/>
+          </a:fontRef>
+        </p:style>
+      </p:sp>
+      <p:sp>
+        <p:nvSpPr>
+          <p:cNvPr id="14" name="Rectangle 13">
+            <a:extLst>
+              <a:ext uri="{FF2B5EF4-FFF2-40B4-BE49-F238E27FC236}">
+                <a16:creationId xmlns:a16="http://schemas.microsoft.com/office/drawing/2014/main" id="{9B1ABF09-86CF-414E-88A5-2B84CC7232A9}"/>
+              </a:ext>
+              <a:ext uri="{C183D7F6-B498-43B3-948B-1728B52AA6E4}">
+                <adec:decorative xmlns:adec="http://schemas.microsoft.com/office/drawing/2017/decorative" val="1"/>
+              </a:ext>
+            </a:extLst>
+          </p:cNvPr>
+          <p:cNvSpPr>
+            <a:spLocks noGrp="1" noRot="1" noChangeAspect="1" noMove="1" noResize="1" noEditPoints="1" noAdjustHandles="1" noChangeArrowheads="1" noChangeShapeType="1" noTextEdit="1"/>
+          </p:cNvSpPr>
+          <p:nvPr>
+            <p:extLst>
+              <p:ext uri="{386F3935-93C4-4BCD-93E2-E3B085C9AB24}">
+                <p16:designElem xmlns:p16="http://schemas.microsoft.com/office/powerpoint/2015/main" val="1"/>
+              </p:ext>
+            </p:extLst>
+          </p:nvPr>
+        </p:nvSpPr>
+        <p:spPr>
+          <a:xfrm>
+            <a:off x="763" y="2526526"/>
+            <a:ext cx="1169701" cy="3563378"/>
+          </a:xfrm>
+          <a:prstGeom prst="rect">
+            <a:avLst/>
+          </a:prstGeom>
+          <a:solidFill>
+            <a:srgbClr val="C8C8C8">
+              <a:alpha val="49804"/>
+            </a:srgbClr>
+          </a:solidFill>
+          <a:ln>
+            <a:noFill/>
+          </a:ln>
+        </p:spPr>
+        <p:style>
+          <a:lnRef idx="2">
+            <a:schemeClr val="accent1">
+              <a:shade val="50000"/>
+            </a:schemeClr>
+          </a:lnRef>
+          <a:fillRef idx="1">
+            <a:schemeClr val="accent1"/>
+          </a:fillRef>
+          <a:effectRef idx="0">
+            <a:schemeClr val="accent1"/>
+          </a:effectRef>
+          <a:fontRef idx="minor">
+            <a:schemeClr val="lt1"/>
+          </a:fontRef>
+        </p:style>
+      </p:sp>
+      <p:sp>
+        <p:nvSpPr>
+          <p:cNvPr id="16" name="Rectangle 15">
+            <a:extLst>
+              <a:ext uri="{FF2B5EF4-FFF2-40B4-BE49-F238E27FC236}">
+                <a16:creationId xmlns:a16="http://schemas.microsoft.com/office/drawing/2014/main" id="{3FE91770-CDBB-4D24-94E5-AD484F36CE87}"/>
+              </a:ext>
+              <a:ext uri="{C183D7F6-B498-43B3-948B-1728B52AA6E4}">
+                <adec:decorative xmlns:adec="http://schemas.microsoft.com/office/drawing/2017/decorative" val="1"/>
+              </a:ext>
+            </a:extLst>
+          </p:cNvPr>
+          <p:cNvSpPr>
+            <a:spLocks noGrp="1" noRot="1" noChangeAspect="1" noMove="1" noResize="1" noEditPoints="1" noAdjustHandles="1" noChangeArrowheads="1" noChangeShapeType="1" noTextEdit="1"/>
+          </p:cNvSpPr>
+          <p:nvPr>
+            <p:extLst>
+              <p:ext uri="{386F3935-93C4-4BCD-93E2-E3B085C9AB24}">
+                <p16:designElem xmlns:p16="http://schemas.microsoft.com/office/powerpoint/2015/main" val="1"/>
+              </p:ext>
+            </p:extLst>
+          </p:nvPr>
+        </p:nvSpPr>
+        <p:spPr>
+          <a:xfrm>
+            <a:off x="1279019" y="2526526"/>
+            <a:ext cx="10920893" cy="3563377"/>
+          </a:xfrm>
+          <a:prstGeom prst="rect">
+            <a:avLst/>
+          </a:prstGeom>
+          <a:solidFill>
+            <a:schemeClr val="bg2">
+              <a:lumMod val="60000"/>
+              <a:lumOff val="40000"/>
+              <a:alpha val="60000"/>
+            </a:schemeClr>
+          </a:solidFill>
+          <a:ln>
+            <a:noFill/>
+          </a:ln>
+        </p:spPr>
+        <p:style>
+          <a:lnRef idx="2">
+            <a:schemeClr val="accent1">
+              <a:shade val="50000"/>
+            </a:schemeClr>
+          </a:lnRef>
+          <a:fillRef idx="1">
+            <a:schemeClr val="accent1"/>
+          </a:fillRef>
+          <a:effectRef idx="0">
+            <a:schemeClr val="accent1"/>
+          </a:effectRef>
+          <a:fontRef idx="minor">
+            <a:schemeClr val="lt1"/>
+          </a:fontRef>
+        </p:style>
+        <p:txBody>
+          <a:bodyPr/>
+          <a:lstStyle/>
+          <a:p>
+            <a:endParaRPr lang="en-US" dirty="0"/>
+          </a:p>
+        </p:txBody>
+      </p:sp>
+      <p:sp>
+        <p:nvSpPr>
+          <p:cNvPr id="3" name="Content Placeholder 2">
+            <a:extLst>
+              <a:ext uri="{FF2B5EF4-FFF2-40B4-BE49-F238E27FC236}">
+                <a16:creationId xmlns:a16="http://schemas.microsoft.com/office/drawing/2014/main" id="{20B7AD43-713E-E345-A98B-A0A80BF876CD}"/>
+              </a:ext>
+            </a:extLst>
+          </p:cNvPr>
+          <p:cNvSpPr>
+            <a:spLocks noGrp="1"/>
+          </p:cNvSpPr>
+          <p:nvPr>
+            <p:ph idx="1"/>
+          </p:nvPr>
+        </p:nvSpPr>
+        <p:spPr>
+          <a:xfrm>
+            <a:off x="1512266" y="2318313"/>
+            <a:ext cx="10454398" cy="1992688"/>
+          </a:xfrm>
+        </p:spPr>
+        <p:txBody>
+          <a:bodyPr>
+            <a:normAutofit/>
+          </a:bodyPr>
+          <a:lstStyle/>
+          <a:p>
+            <a:pPr marL="0" indent="0">
+              <a:buNone/>
+            </a:pPr>
+            <a:r>
+              <a:rPr lang="en-US" dirty="0">
+                <a:solidFill>
+                  <a:schemeClr val="tx1"/>
+                </a:solidFill>
+                <a:latin typeface="Arial" panose="020B0604020202020204" pitchFamily="34" charset="0"/>
+                <a:cs typeface="Arial" panose="020B0604020202020204" pitchFamily="34" charset="0"/>
+              </a:rPr>
+              <a:t>This project is intended to be used as baseline for understanding the housing market economy and the impact of crime on property values across the Houston metropolitan area by population.</a:t>
+            </a:r>
+          </a:p>
+          <a:p>
+            <a:pPr marL="0" indent="0">
+              <a:buNone/>
+            </a:pPr>
+            <a:r>
+              <a:rPr lang="en-US" b="1" dirty="0">
+                <a:solidFill>
+                  <a:schemeClr val="tx1"/>
+                </a:solidFill>
+                <a:latin typeface="Arial" panose="020B0604020202020204" pitchFamily="34" charset="0"/>
+                <a:cs typeface="Arial" panose="020B0604020202020204" pitchFamily="34" charset="0"/>
+              </a:rPr>
+              <a:t>We have therefore chosen these major cities for our analysis:</a:t>
+            </a:r>
+          </a:p>
+        </p:txBody>
+      </p:sp>
+      <p:sp>
+        <p:nvSpPr>
+          <p:cNvPr id="4" name="TextBox 3">
+            <a:extLst>
+              <a:ext uri="{FF2B5EF4-FFF2-40B4-BE49-F238E27FC236}">
+                <a16:creationId xmlns:a16="http://schemas.microsoft.com/office/drawing/2014/main" id="{CD1AD3E8-E988-784B-9A93-0969FDA4BD8D}"/>
+              </a:ext>
+            </a:extLst>
+          </p:cNvPr>
+          <p:cNvSpPr txBox="1"/>
+          <p:nvPr/>
+        </p:nvSpPr>
+        <p:spPr>
+          <a:xfrm>
+            <a:off x="1546886" y="3917105"/>
+            <a:ext cx="1548822" cy="2246769"/>
+          </a:xfrm>
+          <a:prstGeom prst="rect">
+            <a:avLst/>
+          </a:prstGeom>
+          <a:noFill/>
+        </p:spPr>
+        <p:txBody>
+          <a:bodyPr wrap="none" rtlCol="0">
+            <a:spAutoFit/>
+          </a:bodyPr>
+          <a:lstStyle/>
+          <a:p>
+            <a:pPr marL="285750" indent="-285750">
+              <a:buFont typeface="Arial" panose="020B0604020202020204" pitchFamily="34" charset="0"/>
+              <a:buChar char="•"/>
+            </a:pPr>
+            <a:r>
+              <a:rPr lang="en-US" sz="1400" dirty="0">
+                <a:latin typeface="Arial" panose="020B0604020202020204" pitchFamily="34" charset="0"/>
+                <a:cs typeface="Arial" panose="020B0604020202020204" pitchFamily="34" charset="0"/>
+              </a:rPr>
+              <a:t>Baytown </a:t>
+            </a:r>
+          </a:p>
+          <a:p>
+            <a:pPr marL="285750" indent="-285750">
+              <a:buFont typeface="Arial" panose="020B0604020202020204" pitchFamily="34" charset="0"/>
+              <a:buChar char="•"/>
+            </a:pPr>
+            <a:r>
+              <a:rPr lang="en-US" sz="1400" dirty="0">
+                <a:latin typeface="Arial" panose="020B0604020202020204" pitchFamily="34" charset="0"/>
+                <a:cs typeface="Arial" panose="020B0604020202020204" pitchFamily="34" charset="0"/>
+              </a:rPr>
+              <a:t>Friendswood </a:t>
+            </a:r>
+          </a:p>
+          <a:p>
+            <a:pPr marL="285750" indent="-285750">
+              <a:buFont typeface="Arial" panose="020B0604020202020204" pitchFamily="34" charset="0"/>
+              <a:buChar char="•"/>
+            </a:pPr>
+            <a:r>
+              <a:rPr lang="en-US" sz="1400" dirty="0">
+                <a:latin typeface="Arial" panose="020B0604020202020204" pitchFamily="34" charset="0"/>
+                <a:cs typeface="Arial" panose="020B0604020202020204" pitchFamily="34" charset="0"/>
+              </a:rPr>
+              <a:t>Galveston </a:t>
+            </a:r>
+          </a:p>
+          <a:p>
+            <a:pPr marL="285750" indent="-285750">
+              <a:buFont typeface="Arial" panose="020B0604020202020204" pitchFamily="34" charset="0"/>
+              <a:buChar char="•"/>
+            </a:pPr>
+            <a:r>
+              <a:rPr lang="en-US" sz="1400" dirty="0">
+                <a:latin typeface="Arial" panose="020B0604020202020204" pitchFamily="34" charset="0"/>
+                <a:cs typeface="Arial" panose="020B0604020202020204" pitchFamily="34" charset="0"/>
+              </a:rPr>
+              <a:t>Houston </a:t>
+            </a:r>
+          </a:p>
+          <a:p>
+            <a:pPr marL="285750" indent="-285750">
+              <a:buFont typeface="Arial" panose="020B0604020202020204" pitchFamily="34" charset="0"/>
+              <a:buChar char="•"/>
+            </a:pPr>
+            <a:r>
+              <a:rPr lang="en-US" sz="1400" dirty="0">
+                <a:latin typeface="Arial" panose="020B0604020202020204" pitchFamily="34" charset="0"/>
+                <a:cs typeface="Arial" panose="020B0604020202020204" pitchFamily="34" charset="0"/>
+              </a:rPr>
+              <a:t>La Porte </a:t>
+            </a:r>
+          </a:p>
+          <a:p>
+            <a:pPr marL="285750" indent="-285750">
+              <a:buFont typeface="Arial" panose="020B0604020202020204" pitchFamily="34" charset="0"/>
+              <a:buChar char="•"/>
+            </a:pPr>
+            <a:r>
+              <a:rPr lang="en-US" sz="1400" dirty="0">
+                <a:latin typeface="Arial" panose="020B0604020202020204" pitchFamily="34" charset="0"/>
+                <a:cs typeface="Arial" panose="020B0604020202020204" pitchFamily="34" charset="0"/>
+              </a:rPr>
+              <a:t>League City </a:t>
+            </a:r>
+          </a:p>
+          <a:p>
+            <a:pPr marL="285750" indent="-285750">
+              <a:buFont typeface="Arial" panose="020B0604020202020204" pitchFamily="34" charset="0"/>
+              <a:buChar char="•"/>
+            </a:pPr>
+            <a:r>
+              <a:rPr lang="en-US" sz="1400" dirty="0">
+                <a:latin typeface="Arial" panose="020B0604020202020204" pitchFamily="34" charset="0"/>
+                <a:cs typeface="Arial" panose="020B0604020202020204" pitchFamily="34" charset="0"/>
+              </a:rPr>
+              <a:t>Missouri City </a:t>
+            </a:r>
+          </a:p>
+          <a:p>
+            <a:pPr marL="285750" indent="-285750">
+              <a:buFont typeface="Arial" panose="020B0604020202020204" pitchFamily="34" charset="0"/>
+              <a:buChar char="•"/>
+            </a:pPr>
+            <a:r>
+              <a:rPr lang="en-US" sz="1400" dirty="0">
+                <a:latin typeface="Arial" panose="020B0604020202020204" pitchFamily="34" charset="0"/>
+                <a:cs typeface="Arial" panose="020B0604020202020204" pitchFamily="34" charset="0"/>
+              </a:rPr>
+              <a:t>Pasadena </a:t>
+            </a:r>
+          </a:p>
+          <a:p>
+            <a:pPr marL="285750" indent="-285750">
+              <a:buFont typeface="Arial" panose="020B0604020202020204" pitchFamily="34" charset="0"/>
+              <a:buChar char="•"/>
+            </a:pPr>
+            <a:r>
+              <a:rPr lang="en-US" sz="1400" dirty="0">
+                <a:latin typeface="Arial" panose="020B0604020202020204" pitchFamily="34" charset="0"/>
+                <a:cs typeface="Arial" panose="020B0604020202020204" pitchFamily="34" charset="0"/>
+              </a:rPr>
+              <a:t>Sugar Land </a:t>
+            </a:r>
+          </a:p>
+          <a:p>
+            <a:pPr marL="285750" indent="-285750">
+              <a:buFont typeface="Arial" panose="020B0604020202020204" pitchFamily="34" charset="0"/>
+              <a:buChar char="•"/>
+            </a:pPr>
+            <a:r>
+              <a:rPr lang="en-US" sz="1400" dirty="0">
+                <a:latin typeface="Arial" panose="020B0604020202020204" pitchFamily="34" charset="0"/>
+                <a:cs typeface="Arial" panose="020B0604020202020204" pitchFamily="34" charset="0"/>
+              </a:rPr>
+              <a:t>Texas City</a:t>
+            </a:r>
+            <a:endParaRPr lang="en-US" sz="1400" dirty="0"/>
+          </a:p>
+        </p:txBody>
+      </p:sp>
+    </p:spTree>
+    <p:extLst>
+      <p:ext uri="{BB962C8B-B14F-4D97-AF65-F5344CB8AC3E}">
+        <p14:creationId xmlns:p14="http://schemas.microsoft.com/office/powerpoint/2010/main" val="1652653113"/>
+      </p:ext>
+    </p:extLst>
+  </p:cSld>
+  <p:clrMapOvr>
+    <a:masterClrMapping/>
+  </p:clrMapOvr>
+</p:sld>
+</file>
+
+<file path=ppt/slides/slide20.xml><?xml version="1.0" encoding="utf-8"?>
 <p:sld xmlns:a="http://schemas.openxmlformats.org/drawingml/2006/main" xmlns:r="http://schemas.openxmlformats.org/officeDocument/2006/relationships" xmlns:p="http://schemas.openxmlformats.org/presentationml/2006/main">
   <p:cSld>
     <p:bg>
@@ -15103,7 +16256,7 @@
             <a:fld id="{8C2E478F-E849-4A8C-AF1F-CBCC78A7CBFA}" type="slidenum">
               <a:rPr lang="en-US" smtClean="0"/>
               <a:pPr/>
-              <a:t>19</a:t>
+              <a:t>20</a:t>
             </a:fld>
             <a:endParaRPr lang="en-US" dirty="0"/>
           </a:p>
@@ -15113,603 +16266,6 @@
     <p:extLst>
       <p:ext uri="{BB962C8B-B14F-4D97-AF65-F5344CB8AC3E}">
         <p14:creationId xmlns:p14="http://schemas.microsoft.com/office/powerpoint/2010/main" val="154469634"/>
-      </p:ext>
-    </p:extLst>
-  </p:cSld>
-  <p:clrMapOvr>
-    <a:masterClrMapping/>
-  </p:clrMapOvr>
-</p:sld>
-</file>
-
-<file path=ppt/slides/slide2.xml><?xml version="1.0" encoding="utf-8"?>
-<p:sld xmlns:a="http://schemas.openxmlformats.org/drawingml/2006/main" xmlns:r="http://schemas.openxmlformats.org/officeDocument/2006/relationships" xmlns:p="http://schemas.openxmlformats.org/presentationml/2006/main">
-  <p:cSld>
-    <p:bg>
-      <p:bgPr>
-        <a:solidFill>
-          <a:schemeClr val="bg1"/>
-        </a:solidFill>
-        <a:effectLst/>
-      </p:bgPr>
-    </p:bg>
-    <p:spTree>
-      <p:nvGrpSpPr>
-        <p:cNvPr id="1" name=""/>
-        <p:cNvGrpSpPr/>
-        <p:nvPr/>
-      </p:nvGrpSpPr>
-      <p:grpSpPr>
-        <a:xfrm>
-          <a:off x="0" y="0"/>
-          <a:ext cx="0" cy="0"/>
-          <a:chOff x="0" y="0"/>
-          <a:chExt cx="0" cy="0"/>
-        </a:xfrm>
-      </p:grpSpPr>
-      <p:sp useBgFill="1">
-        <p:nvSpPr>
-          <p:cNvPr id="8" name="Rectangle 7">
-            <a:extLst>
-              <a:ext uri="{FF2B5EF4-FFF2-40B4-BE49-F238E27FC236}">
-                <a16:creationId xmlns:a16="http://schemas.microsoft.com/office/drawing/2014/main" id="{29DC5A77-10C9-4ECF-B7EB-8D917F36A9EE}"/>
-              </a:ext>
-              <a:ext uri="{C183D7F6-B498-43B3-948B-1728B52AA6E4}">
-                <adec:decorative xmlns:adec="http://schemas.microsoft.com/office/drawing/2017/decorative" val="1"/>
-              </a:ext>
-            </a:extLst>
-          </p:cNvPr>
-          <p:cNvSpPr>
-            <a:spLocks noGrp="1" noRot="1" noChangeAspect="1" noMove="1" noResize="1" noEditPoints="1" noAdjustHandles="1" noChangeArrowheads="1" noChangeShapeType="1" noTextEdit="1"/>
-          </p:cNvSpPr>
-          <p:nvPr>
-            <p:extLst>
-              <p:ext uri="{386F3935-93C4-4BCD-93E2-E3B085C9AB24}">
-                <p16:designElem xmlns:p16="http://schemas.microsoft.com/office/powerpoint/2015/main" val="1"/>
-              </p:ext>
-            </p:extLst>
-          </p:nvPr>
-        </p:nvSpPr>
-        <p:spPr>
-          <a:xfrm>
-            <a:off x="0" y="0"/>
-            <a:ext cx="12192000" cy="6858000"/>
-          </a:xfrm>
-          <a:prstGeom prst="rect">
-            <a:avLst/>
-          </a:prstGeom>
-          <a:ln>
-            <a:noFill/>
-          </a:ln>
-        </p:spPr>
-        <p:style>
-          <a:lnRef idx="2">
-            <a:schemeClr val="accent1">
-              <a:shade val="50000"/>
-            </a:schemeClr>
-          </a:lnRef>
-          <a:fillRef idx="1">
-            <a:schemeClr val="accent1"/>
-          </a:fillRef>
-          <a:effectRef idx="0">
-            <a:schemeClr val="accent1"/>
-          </a:effectRef>
-          <a:fontRef idx="minor">
-            <a:schemeClr val="lt1"/>
-          </a:fontRef>
-        </p:style>
-        <p:txBody>
-          <a:bodyPr rtlCol="0" anchor="ctr"/>
-          <a:lstStyle/>
-          <a:p>
-            <a:pPr algn="ctr"/>
-            <a:endParaRPr lang="en-US"/>
-          </a:p>
-        </p:txBody>
-      </p:sp>
-      <p:sp>
-        <p:nvSpPr>
-          <p:cNvPr id="10" name="Rectangle 9">
-            <a:extLst>
-              <a:ext uri="{FF2B5EF4-FFF2-40B4-BE49-F238E27FC236}">
-                <a16:creationId xmlns:a16="http://schemas.microsoft.com/office/drawing/2014/main" id="{2FFE28B5-FB16-49A9-B851-3C35FAC0CACB}"/>
-              </a:ext>
-              <a:ext uri="{C183D7F6-B498-43B3-948B-1728B52AA6E4}">
-                <adec:decorative xmlns:adec="http://schemas.microsoft.com/office/drawing/2017/decorative" val="1"/>
-              </a:ext>
-            </a:extLst>
-          </p:cNvPr>
-          <p:cNvSpPr>
-            <a:spLocks noGrp="1" noRot="1" noChangeAspect="1" noMove="1" noResize="1" noEditPoints="1" noAdjustHandles="1" noChangeArrowheads="1" noChangeShapeType="1" noTextEdit="1"/>
-          </p:cNvSpPr>
-          <p:nvPr>
-            <p:extLst>
-              <p:ext uri="{386F3935-93C4-4BCD-93E2-E3B085C9AB24}">
-                <p16:designElem xmlns:p16="http://schemas.microsoft.com/office/powerpoint/2015/main" val="1"/>
-              </p:ext>
-            </p:extLst>
-          </p:nvPr>
-        </p:nvSpPr>
-        <p:spPr>
-          <a:xfrm>
-            <a:off x="1" y="758952"/>
-            <a:ext cx="10905976" cy="1651133"/>
-          </a:xfrm>
-          <a:prstGeom prst="rect">
-            <a:avLst/>
-          </a:prstGeom>
-          <a:solidFill>
-            <a:schemeClr val="accent1"/>
-          </a:solidFill>
-          <a:ln>
-            <a:noFill/>
-          </a:ln>
-        </p:spPr>
-        <p:style>
-          <a:lnRef idx="2">
-            <a:schemeClr val="accent1">
-              <a:shade val="50000"/>
-            </a:schemeClr>
-          </a:lnRef>
-          <a:fillRef idx="1">
-            <a:schemeClr val="accent1"/>
-          </a:fillRef>
-          <a:effectRef idx="0">
-            <a:schemeClr val="accent1"/>
-          </a:effectRef>
-          <a:fontRef idx="minor">
-            <a:schemeClr val="lt1"/>
-          </a:fontRef>
-        </p:style>
-        <p:txBody>
-          <a:bodyPr/>
-          <a:lstStyle/>
-          <a:p>
-            <a:endParaRPr lang="en-US" dirty="0"/>
-          </a:p>
-        </p:txBody>
-      </p:sp>
-      <p:sp>
-        <p:nvSpPr>
-          <p:cNvPr id="2" name="Title 1">
-            <a:extLst>
-              <a:ext uri="{FF2B5EF4-FFF2-40B4-BE49-F238E27FC236}">
-                <a16:creationId xmlns:a16="http://schemas.microsoft.com/office/drawing/2014/main" id="{1DA47A67-771B-EB45-97C7-BE4E5566B108}"/>
-              </a:ext>
-            </a:extLst>
-          </p:cNvPr>
-          <p:cNvSpPr>
-            <a:spLocks noGrp="1"/>
-          </p:cNvSpPr>
-          <p:nvPr>
-            <p:ph type="title"/>
-          </p:nvPr>
-        </p:nvSpPr>
-        <p:spPr>
-          <a:xfrm>
-            <a:off x="350452" y="1084029"/>
-            <a:ext cx="8983489" cy="1000978"/>
-          </a:xfrm>
-        </p:spPr>
-        <p:txBody>
-          <a:bodyPr>
-            <a:normAutofit/>
-          </a:bodyPr>
-          <a:lstStyle/>
-          <a:p>
-            <a:r>
-              <a:rPr lang="en-US" sz="2800" b="1" dirty="0">
-                <a:latin typeface="Arial" panose="020B0604020202020204" pitchFamily="34" charset="0"/>
-                <a:cs typeface="Arial" panose="020B0604020202020204" pitchFamily="34" charset="0"/>
-              </a:rPr>
-              <a:t>PROJECT DESCRIPTION</a:t>
-            </a:r>
-          </a:p>
-        </p:txBody>
-      </p:sp>
-      <p:sp>
-        <p:nvSpPr>
-          <p:cNvPr id="12" name="Rectangle 11">
-            <a:extLst>
-              <a:ext uri="{FF2B5EF4-FFF2-40B4-BE49-F238E27FC236}">
-                <a16:creationId xmlns:a16="http://schemas.microsoft.com/office/drawing/2014/main" id="{01014442-855A-4E0F-8D09-C314661A48B9}"/>
-              </a:ext>
-              <a:ext uri="{C183D7F6-B498-43B3-948B-1728B52AA6E4}">
-                <adec:decorative xmlns:adec="http://schemas.microsoft.com/office/drawing/2017/decorative" val="1"/>
-              </a:ext>
-            </a:extLst>
-          </p:cNvPr>
-          <p:cNvSpPr>
-            <a:spLocks noGrp="1" noRot="1" noChangeAspect="1" noMove="1" noResize="1" noEditPoints="1" noAdjustHandles="1" noChangeArrowheads="1" noChangeShapeType="1" noTextEdit="1"/>
-          </p:cNvSpPr>
-          <p:nvPr>
-            <p:extLst>
-              <p:ext uri="{386F3935-93C4-4BCD-93E2-E3B085C9AB24}">
-                <p16:designElem xmlns:p16="http://schemas.microsoft.com/office/powerpoint/2015/main" val="1"/>
-              </p:ext>
-            </p:extLst>
-          </p:nvPr>
-        </p:nvSpPr>
-        <p:spPr>
-          <a:xfrm>
-            <a:off x="11014533" y="758952"/>
-            <a:ext cx="1185379" cy="1651133"/>
-          </a:xfrm>
-          <a:prstGeom prst="rect">
-            <a:avLst/>
-          </a:prstGeom>
-          <a:solidFill>
-            <a:srgbClr val="C8C8C8">
-              <a:alpha val="49804"/>
-            </a:srgbClr>
-          </a:solidFill>
-          <a:ln>
-            <a:noFill/>
-          </a:ln>
-        </p:spPr>
-        <p:style>
-          <a:lnRef idx="2">
-            <a:schemeClr val="accent1">
-              <a:shade val="50000"/>
-            </a:schemeClr>
-          </a:lnRef>
-          <a:fillRef idx="1">
-            <a:schemeClr val="accent1"/>
-          </a:fillRef>
-          <a:effectRef idx="0">
-            <a:schemeClr val="accent1"/>
-          </a:effectRef>
-          <a:fontRef idx="minor">
-            <a:schemeClr val="lt1"/>
-          </a:fontRef>
-        </p:style>
-      </p:sp>
-      <p:sp>
-        <p:nvSpPr>
-          <p:cNvPr id="14" name="Rectangle 13">
-            <a:extLst>
-              <a:ext uri="{FF2B5EF4-FFF2-40B4-BE49-F238E27FC236}">
-                <a16:creationId xmlns:a16="http://schemas.microsoft.com/office/drawing/2014/main" id="{9B1ABF09-86CF-414E-88A5-2B84CC7232A9}"/>
-              </a:ext>
-              <a:ext uri="{C183D7F6-B498-43B3-948B-1728B52AA6E4}">
-                <adec:decorative xmlns:adec="http://schemas.microsoft.com/office/drawing/2017/decorative" val="1"/>
-              </a:ext>
-            </a:extLst>
-          </p:cNvPr>
-          <p:cNvSpPr>
-            <a:spLocks noGrp="1" noRot="1" noChangeAspect="1" noMove="1" noResize="1" noEditPoints="1" noAdjustHandles="1" noChangeArrowheads="1" noChangeShapeType="1" noTextEdit="1"/>
-          </p:cNvSpPr>
-          <p:nvPr>
-            <p:extLst>
-              <p:ext uri="{386F3935-93C4-4BCD-93E2-E3B085C9AB24}">
-                <p16:designElem xmlns:p16="http://schemas.microsoft.com/office/powerpoint/2015/main" val="1"/>
-              </p:ext>
-            </p:extLst>
-          </p:nvPr>
-        </p:nvSpPr>
-        <p:spPr>
-          <a:xfrm>
-            <a:off x="763" y="2526526"/>
-            <a:ext cx="1169701" cy="3563378"/>
-          </a:xfrm>
-          <a:prstGeom prst="rect">
-            <a:avLst/>
-          </a:prstGeom>
-          <a:solidFill>
-            <a:srgbClr val="C8C8C8">
-              <a:alpha val="49804"/>
-            </a:srgbClr>
-          </a:solidFill>
-          <a:ln>
-            <a:noFill/>
-          </a:ln>
-        </p:spPr>
-        <p:style>
-          <a:lnRef idx="2">
-            <a:schemeClr val="accent1">
-              <a:shade val="50000"/>
-            </a:schemeClr>
-          </a:lnRef>
-          <a:fillRef idx="1">
-            <a:schemeClr val="accent1"/>
-          </a:fillRef>
-          <a:effectRef idx="0">
-            <a:schemeClr val="accent1"/>
-          </a:effectRef>
-          <a:fontRef idx="minor">
-            <a:schemeClr val="lt1"/>
-          </a:fontRef>
-        </p:style>
-      </p:sp>
-      <p:sp>
-        <p:nvSpPr>
-          <p:cNvPr id="16" name="Rectangle 15">
-            <a:extLst>
-              <a:ext uri="{FF2B5EF4-FFF2-40B4-BE49-F238E27FC236}">
-                <a16:creationId xmlns:a16="http://schemas.microsoft.com/office/drawing/2014/main" id="{3FE91770-CDBB-4D24-94E5-AD484F36CE87}"/>
-              </a:ext>
-              <a:ext uri="{C183D7F6-B498-43B3-948B-1728B52AA6E4}">
-                <adec:decorative xmlns:adec="http://schemas.microsoft.com/office/drawing/2017/decorative" val="1"/>
-              </a:ext>
-            </a:extLst>
-          </p:cNvPr>
-          <p:cNvSpPr>
-            <a:spLocks noGrp="1" noRot="1" noChangeAspect="1" noMove="1" noResize="1" noEditPoints="1" noAdjustHandles="1" noChangeArrowheads="1" noChangeShapeType="1" noTextEdit="1"/>
-          </p:cNvSpPr>
-          <p:nvPr>
-            <p:extLst>
-              <p:ext uri="{386F3935-93C4-4BCD-93E2-E3B085C9AB24}">
-                <p16:designElem xmlns:p16="http://schemas.microsoft.com/office/powerpoint/2015/main" val="1"/>
-              </p:ext>
-            </p:extLst>
-          </p:nvPr>
-        </p:nvSpPr>
-        <p:spPr>
-          <a:xfrm>
-            <a:off x="1279019" y="2526526"/>
-            <a:ext cx="10920893" cy="3563377"/>
-          </a:xfrm>
-          <a:prstGeom prst="rect">
-            <a:avLst/>
-          </a:prstGeom>
-          <a:solidFill>
-            <a:schemeClr val="bg2">
-              <a:lumMod val="60000"/>
-              <a:lumOff val="40000"/>
-              <a:alpha val="60000"/>
-            </a:schemeClr>
-          </a:solidFill>
-          <a:ln>
-            <a:noFill/>
-          </a:ln>
-        </p:spPr>
-        <p:style>
-          <a:lnRef idx="2">
-            <a:schemeClr val="accent1">
-              <a:shade val="50000"/>
-            </a:schemeClr>
-          </a:lnRef>
-          <a:fillRef idx="1">
-            <a:schemeClr val="accent1"/>
-          </a:fillRef>
-          <a:effectRef idx="0">
-            <a:schemeClr val="accent1"/>
-          </a:effectRef>
-          <a:fontRef idx="minor">
-            <a:schemeClr val="lt1"/>
-          </a:fontRef>
-        </p:style>
-        <p:txBody>
-          <a:bodyPr/>
-          <a:lstStyle/>
-          <a:p>
-            <a:endParaRPr lang="en-US" dirty="0"/>
-          </a:p>
-        </p:txBody>
-      </p:sp>
-      <p:sp>
-        <p:nvSpPr>
-          <p:cNvPr id="3" name="Content Placeholder 2">
-            <a:extLst>
-              <a:ext uri="{FF2B5EF4-FFF2-40B4-BE49-F238E27FC236}">
-                <a16:creationId xmlns:a16="http://schemas.microsoft.com/office/drawing/2014/main" id="{20B7AD43-713E-E345-A98B-A0A80BF876CD}"/>
-              </a:ext>
-            </a:extLst>
-          </p:cNvPr>
-          <p:cNvSpPr>
-            <a:spLocks noGrp="1"/>
-          </p:cNvSpPr>
-          <p:nvPr>
-            <p:ph idx="1"/>
-          </p:nvPr>
-        </p:nvSpPr>
-        <p:spPr>
-          <a:xfrm>
-            <a:off x="1512266" y="2318313"/>
-            <a:ext cx="10454398" cy="1992688"/>
-          </a:xfrm>
-        </p:spPr>
-        <p:txBody>
-          <a:bodyPr>
-            <a:normAutofit/>
-          </a:bodyPr>
-          <a:lstStyle/>
-          <a:p>
-            <a:pPr marL="0" indent="0">
-              <a:buNone/>
-            </a:pPr>
-            <a:r>
-              <a:rPr lang="en-US" dirty="0">
-                <a:solidFill>
-                  <a:schemeClr val="tx1"/>
-                </a:solidFill>
-                <a:latin typeface="Arial" panose="020B0604020202020204" pitchFamily="34" charset="0"/>
-                <a:cs typeface="Arial" panose="020B0604020202020204" pitchFamily="34" charset="0"/>
-              </a:rPr>
-              <a:t>This project is intended to be used as baseline for understanding the housing market economy and the impact of crime on property values across the Houston metropolitan area by population.</a:t>
-            </a:r>
-          </a:p>
-          <a:p>
-            <a:pPr marL="0" indent="0">
-              <a:buNone/>
-            </a:pPr>
-            <a:r>
-              <a:rPr lang="en-US" b="1" dirty="0">
-                <a:solidFill>
-                  <a:schemeClr val="tx1"/>
-                </a:solidFill>
-                <a:latin typeface="Arial" panose="020B0604020202020204" pitchFamily="34" charset="0"/>
-                <a:cs typeface="Arial" panose="020B0604020202020204" pitchFamily="34" charset="0"/>
-              </a:rPr>
-              <a:t>We have therefore chosen these major cities for our analysis:</a:t>
-            </a:r>
-          </a:p>
-        </p:txBody>
-      </p:sp>
-      <p:sp>
-        <p:nvSpPr>
-          <p:cNvPr id="4" name="TextBox 3">
-            <a:extLst>
-              <a:ext uri="{FF2B5EF4-FFF2-40B4-BE49-F238E27FC236}">
-                <a16:creationId xmlns:a16="http://schemas.microsoft.com/office/drawing/2014/main" id="{CD1AD3E8-E988-784B-9A93-0969FDA4BD8D}"/>
-              </a:ext>
-            </a:extLst>
-          </p:cNvPr>
-          <p:cNvSpPr txBox="1"/>
-          <p:nvPr/>
-        </p:nvSpPr>
-        <p:spPr>
-          <a:xfrm>
-            <a:off x="1546886" y="3917105"/>
-            <a:ext cx="1548822" cy="2246769"/>
-          </a:xfrm>
-          <a:prstGeom prst="rect">
-            <a:avLst/>
-          </a:prstGeom>
-          <a:noFill/>
-        </p:spPr>
-        <p:txBody>
-          <a:bodyPr wrap="none" rtlCol="0">
-            <a:spAutoFit/>
-          </a:bodyPr>
-          <a:lstStyle/>
-          <a:p>
-            <a:pPr marL="285750" indent="-285750">
-              <a:buFont typeface="Arial" panose="020B0604020202020204" pitchFamily="34" charset="0"/>
-              <a:buChar char="•"/>
-            </a:pPr>
-            <a:r>
-              <a:rPr lang="en-US" sz="1400" dirty="0">
-                <a:latin typeface="Arial" panose="020B0604020202020204" pitchFamily="34" charset="0"/>
-                <a:cs typeface="Arial" panose="020B0604020202020204" pitchFamily="34" charset="0"/>
-              </a:rPr>
-              <a:t>Baytown </a:t>
-            </a:r>
-          </a:p>
-          <a:p>
-            <a:pPr marL="285750" indent="-285750">
-              <a:buFont typeface="Arial" panose="020B0604020202020204" pitchFamily="34" charset="0"/>
-              <a:buChar char="•"/>
-            </a:pPr>
-            <a:r>
-              <a:rPr lang="en-US" sz="1400" dirty="0">
-                <a:latin typeface="Arial" panose="020B0604020202020204" pitchFamily="34" charset="0"/>
-                <a:cs typeface="Arial" panose="020B0604020202020204" pitchFamily="34" charset="0"/>
-              </a:rPr>
-              <a:t>Friendswood </a:t>
-            </a:r>
-          </a:p>
-          <a:p>
-            <a:pPr marL="285750" indent="-285750">
-              <a:buFont typeface="Arial" panose="020B0604020202020204" pitchFamily="34" charset="0"/>
-              <a:buChar char="•"/>
-            </a:pPr>
-            <a:r>
-              <a:rPr lang="en-US" sz="1400" dirty="0">
-                <a:latin typeface="Arial" panose="020B0604020202020204" pitchFamily="34" charset="0"/>
-                <a:cs typeface="Arial" panose="020B0604020202020204" pitchFamily="34" charset="0"/>
-              </a:rPr>
-              <a:t>Galveston </a:t>
-            </a:r>
-          </a:p>
-          <a:p>
-            <a:pPr marL="285750" indent="-285750">
-              <a:buFont typeface="Arial" panose="020B0604020202020204" pitchFamily="34" charset="0"/>
-              <a:buChar char="•"/>
-            </a:pPr>
-            <a:r>
-              <a:rPr lang="en-US" sz="1400" dirty="0">
-                <a:latin typeface="Arial" panose="020B0604020202020204" pitchFamily="34" charset="0"/>
-                <a:cs typeface="Arial" panose="020B0604020202020204" pitchFamily="34" charset="0"/>
-              </a:rPr>
-              <a:t>Houston </a:t>
-            </a:r>
-          </a:p>
-          <a:p>
-            <a:pPr marL="285750" indent="-285750">
-              <a:buFont typeface="Arial" panose="020B0604020202020204" pitchFamily="34" charset="0"/>
-              <a:buChar char="•"/>
-            </a:pPr>
-            <a:r>
-              <a:rPr lang="en-US" sz="1400" dirty="0">
-                <a:latin typeface="Arial" panose="020B0604020202020204" pitchFamily="34" charset="0"/>
-                <a:cs typeface="Arial" panose="020B0604020202020204" pitchFamily="34" charset="0"/>
-              </a:rPr>
-              <a:t>La Porte </a:t>
-            </a:r>
-          </a:p>
-          <a:p>
-            <a:pPr marL="285750" indent="-285750">
-              <a:buFont typeface="Arial" panose="020B0604020202020204" pitchFamily="34" charset="0"/>
-              <a:buChar char="•"/>
-            </a:pPr>
-            <a:r>
-              <a:rPr lang="en-US" sz="1400" dirty="0">
-                <a:latin typeface="Arial" panose="020B0604020202020204" pitchFamily="34" charset="0"/>
-                <a:cs typeface="Arial" panose="020B0604020202020204" pitchFamily="34" charset="0"/>
-              </a:rPr>
-              <a:t>League City </a:t>
-            </a:r>
-          </a:p>
-          <a:p>
-            <a:pPr marL="285750" indent="-285750">
-              <a:buFont typeface="Arial" panose="020B0604020202020204" pitchFamily="34" charset="0"/>
-              <a:buChar char="•"/>
-            </a:pPr>
-            <a:r>
-              <a:rPr lang="en-US" sz="1400" dirty="0">
-                <a:latin typeface="Arial" panose="020B0604020202020204" pitchFamily="34" charset="0"/>
-                <a:cs typeface="Arial" panose="020B0604020202020204" pitchFamily="34" charset="0"/>
-              </a:rPr>
-              <a:t>Missouri City </a:t>
-            </a:r>
-          </a:p>
-          <a:p>
-            <a:pPr marL="285750" indent="-285750">
-              <a:buFont typeface="Arial" panose="020B0604020202020204" pitchFamily="34" charset="0"/>
-              <a:buChar char="•"/>
-            </a:pPr>
-            <a:r>
-              <a:rPr lang="en-US" sz="1400" dirty="0">
-                <a:latin typeface="Arial" panose="020B0604020202020204" pitchFamily="34" charset="0"/>
-                <a:cs typeface="Arial" panose="020B0604020202020204" pitchFamily="34" charset="0"/>
-              </a:rPr>
-              <a:t>Pasadena </a:t>
-            </a:r>
-          </a:p>
-          <a:p>
-            <a:pPr marL="285750" indent="-285750">
-              <a:buFont typeface="Arial" panose="020B0604020202020204" pitchFamily="34" charset="0"/>
-              <a:buChar char="•"/>
-            </a:pPr>
-            <a:r>
-              <a:rPr lang="en-US" sz="1400" dirty="0">
-                <a:latin typeface="Arial" panose="020B0604020202020204" pitchFamily="34" charset="0"/>
-                <a:cs typeface="Arial" panose="020B0604020202020204" pitchFamily="34" charset="0"/>
-              </a:rPr>
-              <a:t>Sugar Land </a:t>
-            </a:r>
-          </a:p>
-          <a:p>
-            <a:pPr marL="285750" indent="-285750">
-              <a:buFont typeface="Arial" panose="020B0604020202020204" pitchFamily="34" charset="0"/>
-              <a:buChar char="•"/>
-            </a:pPr>
-            <a:r>
-              <a:rPr lang="en-US" sz="1400" dirty="0">
-                <a:latin typeface="Arial" panose="020B0604020202020204" pitchFamily="34" charset="0"/>
-                <a:cs typeface="Arial" panose="020B0604020202020204" pitchFamily="34" charset="0"/>
-              </a:rPr>
-              <a:t>Texas City</a:t>
-            </a:r>
-            <a:endParaRPr lang="en-US" sz="1400" dirty="0"/>
-          </a:p>
-        </p:txBody>
-      </p:sp>
-    </p:spTree>
-    <p:extLst>
-      <p:ext uri="{BB962C8B-B14F-4D97-AF65-F5344CB8AC3E}">
-        <p14:creationId xmlns:p14="http://schemas.microsoft.com/office/powerpoint/2010/main" val="1652653113"/>
       </p:ext>
     </p:extLst>
   </p:cSld>

--- a/Presentation/final draft.pptx
+++ b/Presentation/final draft.pptx
@@ -5,29 +5,26 @@
     <p:sldMasterId id="2147484040" r:id="rId1"/>
   </p:sldMasterIdLst>
   <p:notesMasterIdLst>
-    <p:notesMasterId r:id="rId22"/>
+    <p:notesMasterId r:id="rId19"/>
   </p:notesMasterIdLst>
   <p:sldIdLst>
     <p:sldId id="256" r:id="rId2"/>
     <p:sldId id="259" r:id="rId3"/>
     <p:sldId id="260" r:id="rId4"/>
     <p:sldId id="261" r:id="rId5"/>
-    <p:sldId id="2447" r:id="rId6"/>
-    <p:sldId id="265" r:id="rId7"/>
-    <p:sldId id="277" r:id="rId8"/>
-    <p:sldId id="269" r:id="rId9"/>
-    <p:sldId id="279" r:id="rId10"/>
-    <p:sldId id="257" r:id="rId11"/>
-    <p:sldId id="274" r:id="rId12"/>
-    <p:sldId id="2442" r:id="rId13"/>
+    <p:sldId id="265" r:id="rId6"/>
+    <p:sldId id="277" r:id="rId7"/>
+    <p:sldId id="269" r:id="rId8"/>
+    <p:sldId id="279" r:id="rId9"/>
+    <p:sldId id="257" r:id="rId10"/>
+    <p:sldId id="274" r:id="rId11"/>
+    <p:sldId id="2442" r:id="rId12"/>
+    <p:sldId id="2446" r:id="rId13"/>
     <p:sldId id="2445" r:id="rId14"/>
-    <p:sldId id="2446" r:id="rId15"/>
-    <p:sldId id="264" r:id="rId16"/>
-    <p:sldId id="2448" r:id="rId17"/>
-    <p:sldId id="2449" r:id="rId18"/>
-    <p:sldId id="2450" r:id="rId19"/>
-    <p:sldId id="267" r:id="rId20"/>
-    <p:sldId id="2441" r:id="rId21"/>
+    <p:sldId id="2448" r:id="rId15"/>
+    <p:sldId id="2450" r:id="rId16"/>
+    <p:sldId id="2451" r:id="rId17"/>
+    <p:sldId id="2441" r:id="rId18"/>
   </p:sldIdLst>
   <p:sldSz cx="12192000" cy="6858000"/>
   <p:notesSz cx="6858000" cy="9144000"/>
@@ -136,7 +133,7 @@
 
 <file path=ppt/commentAuthors.xml><?xml version="1.0" encoding="utf-8"?>
 <p:cmAuthorLst xmlns:a="http://schemas.openxmlformats.org/drawingml/2006/main" xmlns:r="http://schemas.openxmlformats.org/officeDocument/2006/relationships" xmlns:p="http://schemas.openxmlformats.org/presentationml/2006/main">
-  <p:cmAuthor id="1" name="Christy Patrick" initials="CP" lastIdx="4" clrIdx="0">
+  <p:cmAuthor id="1" name="Christy Patrick" initials="CP" lastIdx="5" clrIdx="0">
     <p:extLst>
       <p:ext uri="{19B8F6BF-5375-455C-9EA6-DF929625EA0E}">
         <p15:presenceInfo xmlns:p15="http://schemas.microsoft.com/office/powerpoint/2012/main" userId="8bf7bc2628abab3d" providerId="Windows Live"/>
@@ -944,50 +941,6 @@
         </a:p>
       </dgm:t>
     </dgm:pt>
-    <dgm:pt modelId="{78C17D28-ACA9-437B-B635-93296B674E5A}">
-      <dgm:prSet/>
-      <dgm:spPr/>
-      <dgm:t>
-        <a:bodyPr/>
-        <a:lstStyle/>
-        <a:p>
-          <a:r>
-            <a:rPr lang="en-US" b="1" dirty="0">
-              <a:latin typeface="Arial" panose="020B0604020202020204" pitchFamily="34" charset="0"/>
-              <a:cs typeface="Arial" panose="020B0604020202020204" pitchFamily="34" charset="0"/>
-            </a:rPr>
-            <a:t>The data used in the analysis were collected from a variety of online sources</a:t>
-          </a:r>
-          <a:r>
-            <a:rPr lang="en-US" b="1" dirty="0"/>
-            <a:t>:</a:t>
-          </a:r>
-          <a:endParaRPr lang="en-US" dirty="0"/>
-        </a:p>
-      </dgm:t>
-    </dgm:pt>
-    <dgm:pt modelId="{B5F31869-B37E-4357-AADD-685BE706EE2F}" type="parTrans" cxnId="{4792059E-DC77-4C33-AC8E-FF51D356B405}">
-      <dgm:prSet/>
-      <dgm:spPr/>
-      <dgm:t>
-        <a:bodyPr/>
-        <a:lstStyle/>
-        <a:p>
-          <a:endParaRPr lang="en-US"/>
-        </a:p>
-      </dgm:t>
-    </dgm:pt>
-    <dgm:pt modelId="{D7364149-4DA8-4B08-A7FF-EB901A73AFBD}" type="sibTrans" cxnId="{4792059E-DC77-4C33-AC8E-FF51D356B405}">
-      <dgm:prSet/>
-      <dgm:spPr/>
-      <dgm:t>
-        <a:bodyPr/>
-        <a:lstStyle/>
-        <a:p>
-          <a:endParaRPr lang="en-US"/>
-        </a:p>
-      </dgm:t>
-    </dgm:pt>
     <dgm:pt modelId="{62DC443B-C0E5-4B94-9A89-A3B6C7AE4601}">
       <dgm:prSet custT="1"/>
       <dgm:spPr/>
@@ -995,17 +948,10 @@
         <a:bodyPr/>
         <a:lstStyle/>
         <a:p>
-          <a:pPr marL="0" lvl="0" algn="l" defTabSz="1066800">
+          <a:pPr>
             <a:lnSpc>
-              <a:spcPct val="90000"/>
+              <a:spcPct val="100000"/>
             </a:lnSpc>
-            <a:spcBef>
-              <a:spcPct val="0"/>
-            </a:spcBef>
-            <a:spcAft>
-              <a:spcPct val="35000"/>
-            </a:spcAft>
-            <a:buNone/>
           </a:pPr>
           <a:r>
             <a:rPr lang="en-US" sz="2400" kern="1200" dirty="0">
@@ -1016,17 +962,10 @@
           </a:r>
         </a:p>
         <a:p>
-          <a:pPr marL="0" lvl="0" algn="l" defTabSz="1066800">
+          <a:pPr>
             <a:lnSpc>
-              <a:spcPct val="90000"/>
+              <a:spcPct val="100000"/>
             </a:lnSpc>
-            <a:spcBef>
-              <a:spcPct val="0"/>
-            </a:spcBef>
-            <a:spcAft>
-              <a:spcPct val="35000"/>
-            </a:spcAft>
-            <a:buNone/>
           </a:pPr>
           <a:r>
             <a:rPr lang="en-US" sz="2400" b="1" i="0" u="none" kern="1200" dirty="0">
@@ -1096,6 +1035,11 @@
         <a:bodyPr/>
         <a:lstStyle/>
         <a:p>
+          <a:pPr>
+            <a:lnSpc>
+              <a:spcPct val="100000"/>
+            </a:lnSpc>
+          </a:pPr>
           <a:r>
             <a:rPr lang="en-US" dirty="0">
               <a:latin typeface="Arial" panose="020B0604020202020204" pitchFamily="34" charset="0"/>
@@ -1105,6 +1049,11 @@
           </a:r>
         </a:p>
         <a:p>
+          <a:pPr>
+            <a:lnSpc>
+              <a:spcPct val="100000"/>
+            </a:lnSpc>
+          </a:pPr>
           <a:r>
             <a:rPr lang="en-US" b="1" i="0" u="none" dirty="0">
               <a:hlinkClick xmlns:r="http://schemas.openxmlformats.org/officeDocument/2006/relationships" r:id="rId2">
@@ -1146,6 +1095,72 @@
         </a:p>
       </dgm:t>
     </dgm:pt>
+    <dgm:pt modelId="{DB67DDCB-5C84-4402-BDE0-5FA80D897240}">
+      <dgm:prSet/>
+      <dgm:spPr/>
+      <dgm:t>
+        <a:bodyPr/>
+        <a:lstStyle/>
+        <a:p>
+          <a:pPr>
+            <a:lnSpc>
+              <a:spcPct val="100000"/>
+            </a:lnSpc>
+          </a:pPr>
+          <a:r>
+            <a:rPr lang="en-US" dirty="0"/>
+            <a:t>Census Housing Data</a:t>
+          </a:r>
+          <a:br>
+            <a:rPr lang="en-US" dirty="0"/>
+          </a:br>
+          <a:r>
+            <a:rPr lang="en-US" dirty="0">
+              <a:solidFill>
+                <a:schemeClr val="bg1"/>
+              </a:solidFill>
+              <a:hlinkClick xmlns:r="http://schemas.openxmlformats.org/officeDocument/2006/relationships" r:id="rId3">
+                <a:extLst>
+                  <a:ext uri="{A12FA001-AC4F-418D-AE19-62706E023703}">
+                    <ahyp:hlinkClr xmlns:ahyp="http://schemas.microsoft.com/office/drawing/2018/hyperlinkcolor" val="tx"/>
+                  </a:ext>
+                </a:extLst>
+              </a:hlinkClick>
+            </a:rPr>
+            <a:t>United States Census</a:t>
+          </a:r>
+          <a:endParaRPr lang="en-US" dirty="0">
+            <a:solidFill>
+              <a:schemeClr val="bg1"/>
+            </a:solidFill>
+            <a:latin typeface="Arial" panose="020B0604020202020204" pitchFamily="34" charset="0"/>
+            <a:cs typeface="Arial" panose="020B0604020202020204" pitchFamily="34" charset="0"/>
+          </a:endParaRPr>
+        </a:p>
+      </dgm:t>
+    </dgm:pt>
+    <dgm:pt modelId="{8E1B7B43-8CB3-4AB8-96A5-FBA6E8B9FA19}" type="parTrans" cxnId="{F555C18F-19EC-4A87-B2D7-814800361B31}">
+      <dgm:prSet/>
+      <dgm:spPr/>
+      <dgm:t>
+        <a:bodyPr/>
+        <a:lstStyle/>
+        <a:p>
+          <a:endParaRPr lang="en-US"/>
+        </a:p>
+      </dgm:t>
+    </dgm:pt>
+    <dgm:pt modelId="{11404008-99F1-414E-B5DF-3541C07762FF}" type="sibTrans" cxnId="{F555C18F-19EC-4A87-B2D7-814800361B31}">
+      <dgm:prSet/>
+      <dgm:spPr/>
+      <dgm:t>
+        <a:bodyPr/>
+        <a:lstStyle/>
+        <a:p>
+          <a:endParaRPr lang="en-US"/>
+        </a:p>
+      </dgm:t>
+    </dgm:pt>
     <dgm:pt modelId="{E41E5C61-0C28-488F-B8D1-417ABD633D8E}" type="pres">
       <dgm:prSet presAssocID="{B5736282-1FF8-442E-8954-CE6FA3535B8A}" presName="root" presStyleCnt="0">
         <dgm:presLayoutVars>
@@ -1155,78 +1170,25 @@
       </dgm:prSet>
       <dgm:spPr/>
     </dgm:pt>
-    <dgm:pt modelId="{C08DAAD7-5D35-4ED1-B533-9C07919D5F20}" type="pres">
-      <dgm:prSet presAssocID="{78C17D28-ACA9-437B-B635-93296B674E5A}" presName="compNode" presStyleCnt="0"/>
+    <dgm:pt modelId="{4E62FAAA-0378-4221-9AAB-B2A48832696E}" type="pres">
+      <dgm:prSet presAssocID="{62DC443B-C0E5-4B94-9A89-A3B6C7AE4601}" presName="compNode" presStyleCnt="0"/>
       <dgm:spPr/>
     </dgm:pt>
-    <dgm:pt modelId="{D11972E2-4791-443D-B642-5C851BDD9DE1}" type="pres">
-      <dgm:prSet presAssocID="{78C17D28-ACA9-437B-B635-93296B674E5A}" presName="bgRect" presStyleLbl="bgShp" presStyleIdx="0" presStyleCnt="3"/>
+    <dgm:pt modelId="{5768A1F8-B04A-441A-8FDC-4961F4E6D9CC}" type="pres">
+      <dgm:prSet presAssocID="{62DC443B-C0E5-4B94-9A89-A3B6C7AE4601}" presName="bgRect" presStyleLbl="bgShp" presStyleIdx="0" presStyleCnt="3"/>
       <dgm:spPr/>
     </dgm:pt>
-    <dgm:pt modelId="{39450324-EE27-4AA1-A220-E49554ADB3ED}" type="pres">
-      <dgm:prSet presAssocID="{78C17D28-ACA9-437B-B635-93296B674E5A}" presName="iconRect" presStyleLbl="node1" presStyleIdx="0" presStyleCnt="3"/>
+    <dgm:pt modelId="{304663ED-48FC-4E96-876F-C5939B269141}" type="pres">
+      <dgm:prSet presAssocID="{62DC443B-C0E5-4B94-9A89-A3B6C7AE4601}" presName="iconRect" presStyleLbl="node1" presStyleIdx="0" presStyleCnt="3"/>
       <dgm:spPr>
         <a:blipFill>
-          <a:blip xmlns:r="http://schemas.openxmlformats.org/officeDocument/2006/relationships" r:embed="rId3">
+          <a:blip xmlns:r="http://schemas.openxmlformats.org/officeDocument/2006/relationships" r:embed="rId4">
             <a:extLst>
               <a:ext uri="{28A0092B-C50C-407E-A947-70E740481C1C}">
                 <a14:useLocalDpi xmlns:a14="http://schemas.microsoft.com/office/drawing/2010/main" val="0"/>
               </a:ext>
               <a:ext uri="{96DAC541-7B7A-43D3-8B79-37D633B846F1}">
-                <asvg:svgBlip xmlns:asvg="http://schemas.microsoft.com/office/drawing/2016/SVG/main" r:embed="rId4"/>
-              </a:ext>
-            </a:extLst>
-          </a:blip>
-          <a:stretch>
-            <a:fillRect/>
-          </a:stretch>
-        </a:blipFill>
-        <a:ln>
-          <a:noFill/>
-        </a:ln>
-      </dgm:spPr>
-      <dgm:extLst>
-        <a:ext uri="{E40237B7-FDA0-4F09-8148-C483321AD2D9}">
-          <dgm14:cNvPr xmlns:dgm14="http://schemas.microsoft.com/office/drawing/2010/diagram" id="0" name="" descr="Statistics"/>
-        </a:ext>
-      </dgm:extLst>
-    </dgm:pt>
-    <dgm:pt modelId="{8DC06385-02F0-46D7-A806-B6B7BA209C79}" type="pres">
-      <dgm:prSet presAssocID="{78C17D28-ACA9-437B-B635-93296B674E5A}" presName="spaceRect" presStyleCnt="0"/>
-      <dgm:spPr/>
-    </dgm:pt>
-    <dgm:pt modelId="{2C4F645D-2FD5-44D5-8462-FE0370F72E45}" type="pres">
-      <dgm:prSet presAssocID="{78C17D28-ACA9-437B-B635-93296B674E5A}" presName="parTx" presStyleLbl="revTx" presStyleIdx="0" presStyleCnt="3">
-        <dgm:presLayoutVars>
-          <dgm:chMax val="0"/>
-          <dgm:chPref val="0"/>
-        </dgm:presLayoutVars>
-      </dgm:prSet>
-      <dgm:spPr/>
-    </dgm:pt>
-    <dgm:pt modelId="{7809249C-EC74-4198-B410-57F3D9E55BAB}" type="pres">
-      <dgm:prSet presAssocID="{D7364149-4DA8-4B08-A7FF-EB901A73AFBD}" presName="sibTrans" presStyleCnt="0"/>
-      <dgm:spPr/>
-    </dgm:pt>
-    <dgm:pt modelId="{4E62FAAA-0378-4221-9AAB-B2A48832696E}" type="pres">
-      <dgm:prSet presAssocID="{62DC443B-C0E5-4B94-9A89-A3B6C7AE4601}" presName="compNode" presStyleCnt="0"/>
-      <dgm:spPr/>
-    </dgm:pt>
-    <dgm:pt modelId="{5768A1F8-B04A-441A-8FDC-4961F4E6D9CC}" type="pres">
-      <dgm:prSet presAssocID="{62DC443B-C0E5-4B94-9A89-A3B6C7AE4601}" presName="bgRect" presStyleLbl="bgShp" presStyleIdx="1" presStyleCnt="3"/>
-      <dgm:spPr/>
-    </dgm:pt>
-    <dgm:pt modelId="{304663ED-48FC-4E96-876F-C5939B269141}" type="pres">
-      <dgm:prSet presAssocID="{62DC443B-C0E5-4B94-9A89-A3B6C7AE4601}" presName="iconRect" presStyleLbl="node1" presStyleIdx="1" presStyleCnt="3"/>
-      <dgm:spPr>
-        <a:blipFill>
-          <a:blip xmlns:r="http://schemas.openxmlformats.org/officeDocument/2006/relationships" r:embed="rId5">
-            <a:extLst>
-              <a:ext uri="{28A0092B-C50C-407E-A947-70E740481C1C}">
-                <a14:useLocalDpi xmlns:a14="http://schemas.microsoft.com/office/drawing/2010/main" val="0"/>
-              </a:ext>
-              <a:ext uri="{96DAC541-7B7A-43D3-8B79-37D633B846F1}">
-                <asvg:svgBlip xmlns:asvg="http://schemas.microsoft.com/office/drawing/2016/SVG/main" r:embed="rId6"/>
+                <asvg:svgBlip xmlns:asvg="http://schemas.microsoft.com/office/drawing/2016/SVG/main" r:embed="rId5"/>
               </a:ext>
             </a:extLst>
           </a:blip>
@@ -1249,7 +1211,7 @@
       <dgm:spPr/>
     </dgm:pt>
     <dgm:pt modelId="{A93975DC-5C82-40BC-8D98-4276F0A9FFCA}" type="pres">
-      <dgm:prSet presAssocID="{62DC443B-C0E5-4B94-9A89-A3B6C7AE4601}" presName="parTx" presStyleLbl="revTx" presStyleIdx="1" presStyleCnt="3">
+      <dgm:prSet presAssocID="{62DC443B-C0E5-4B94-9A89-A3B6C7AE4601}" presName="parTx" presStyleLbl="revTx" presStyleIdx="0" presStyleCnt="3">
         <dgm:presLayoutVars>
           <dgm:chMax val="0"/>
           <dgm:chPref val="0"/>
@@ -1266,20 +1228,20 @@
       <dgm:spPr/>
     </dgm:pt>
     <dgm:pt modelId="{BF6D0CE0-8AD9-4DF5-878D-897D668CA5CC}" type="pres">
-      <dgm:prSet presAssocID="{410C4F80-3800-4FA1-9131-12C5F993F8BE}" presName="bgRect" presStyleLbl="bgShp" presStyleIdx="2" presStyleCnt="3"/>
+      <dgm:prSet presAssocID="{410C4F80-3800-4FA1-9131-12C5F993F8BE}" presName="bgRect" presStyleLbl="bgShp" presStyleIdx="1" presStyleCnt="3"/>
       <dgm:spPr/>
     </dgm:pt>
     <dgm:pt modelId="{238FA91F-385B-43B1-A282-7662BFBA811D}" type="pres">
-      <dgm:prSet presAssocID="{410C4F80-3800-4FA1-9131-12C5F993F8BE}" presName="iconRect" presStyleLbl="node1" presStyleIdx="2" presStyleCnt="3"/>
+      <dgm:prSet presAssocID="{410C4F80-3800-4FA1-9131-12C5F993F8BE}" presName="iconRect" presStyleLbl="node1" presStyleIdx="1" presStyleCnt="3"/>
       <dgm:spPr>
         <a:blipFill>
-          <a:blip xmlns:r="http://schemas.openxmlformats.org/officeDocument/2006/relationships" r:embed="rId7">
+          <a:blip xmlns:r="http://schemas.openxmlformats.org/officeDocument/2006/relationships" r:embed="rId6">
             <a:extLst>
               <a:ext uri="{28A0092B-C50C-407E-A947-70E740481C1C}">
                 <a14:useLocalDpi xmlns:a14="http://schemas.microsoft.com/office/drawing/2010/main" val="0"/>
               </a:ext>
               <a:ext uri="{96DAC541-7B7A-43D3-8B79-37D633B846F1}">
-                <asvg:svgBlip xmlns:asvg="http://schemas.microsoft.com/office/drawing/2016/SVG/main" r:embed="rId8"/>
+                <asvg:svgBlip xmlns:asvg="http://schemas.microsoft.com/office/drawing/2016/SVG/main" r:embed="rId7"/>
               </a:ext>
             </a:extLst>
           </a:blip>
@@ -1302,7 +1264,53 @@
       <dgm:spPr/>
     </dgm:pt>
     <dgm:pt modelId="{A6400FA0-CB38-4903-81AE-FA10885CBAF0}" type="pres">
-      <dgm:prSet presAssocID="{410C4F80-3800-4FA1-9131-12C5F993F8BE}" presName="parTx" presStyleLbl="revTx" presStyleIdx="2" presStyleCnt="3" custScaleX="100000">
+      <dgm:prSet presAssocID="{410C4F80-3800-4FA1-9131-12C5F993F8BE}" presName="parTx" presStyleLbl="revTx" presStyleIdx="1" presStyleCnt="3" custScaleX="100000">
+        <dgm:presLayoutVars>
+          <dgm:chMax val="0"/>
+          <dgm:chPref val="0"/>
+        </dgm:presLayoutVars>
+      </dgm:prSet>
+      <dgm:spPr/>
+    </dgm:pt>
+    <dgm:pt modelId="{1DA24CEB-920E-4650-A0C1-8F15A26BB85B}" type="pres">
+      <dgm:prSet presAssocID="{8720E948-0D0B-491B-B011-82701F9C7E63}" presName="sibTrans" presStyleCnt="0"/>
+      <dgm:spPr/>
+    </dgm:pt>
+    <dgm:pt modelId="{A75A297B-E2DF-4FF4-952C-5AF4383B2393}" type="pres">
+      <dgm:prSet presAssocID="{DB67DDCB-5C84-4402-BDE0-5FA80D897240}" presName="compNode" presStyleCnt="0"/>
+      <dgm:spPr/>
+    </dgm:pt>
+    <dgm:pt modelId="{37247E7D-4C44-442A-8165-88516CDBC0D8}" type="pres">
+      <dgm:prSet presAssocID="{DB67DDCB-5C84-4402-BDE0-5FA80D897240}" presName="bgRect" presStyleLbl="bgShp" presStyleIdx="2" presStyleCnt="3"/>
+      <dgm:spPr/>
+    </dgm:pt>
+    <dgm:pt modelId="{84D35344-591D-4CE3-9211-76F8D925E0F8}" type="pres">
+      <dgm:prSet presAssocID="{DB67DDCB-5C84-4402-BDE0-5FA80D897240}" presName="iconRect" presStyleLbl="node1" presStyleIdx="2" presStyleCnt="3"/>
+      <dgm:spPr>
+        <a:blipFill rotWithShape="1">
+          <a:blip xmlns:r="http://schemas.openxmlformats.org/officeDocument/2006/relationships" r:embed="rId8">
+            <a:extLst>
+              <a:ext uri="{28A0092B-C50C-407E-A947-70E740481C1C}">
+                <a14:useLocalDpi xmlns:a14="http://schemas.microsoft.com/office/drawing/2010/main" val="0"/>
+              </a:ext>
+              <a:ext uri="{96DAC541-7B7A-43D3-8B79-37D633B846F1}">
+                <asvg:svgBlip xmlns:asvg="http://schemas.microsoft.com/office/drawing/2016/SVG/main" r:embed="rId9"/>
+              </a:ext>
+            </a:extLst>
+          </a:blip>
+          <a:srcRect/>
+          <a:stretch>
+            <a:fillRect/>
+          </a:stretch>
+        </a:blipFill>
+      </dgm:spPr>
+    </dgm:pt>
+    <dgm:pt modelId="{54364279-CDFE-441E-848A-39FB0651C254}" type="pres">
+      <dgm:prSet presAssocID="{DB67DDCB-5C84-4402-BDE0-5FA80D897240}" presName="spaceRect" presStyleCnt="0"/>
+      <dgm:spPr/>
+    </dgm:pt>
+    <dgm:pt modelId="{40C56A86-7FF0-4CE6-810F-EE8A46545A1A}" type="pres">
+      <dgm:prSet presAssocID="{DB67DDCB-5C84-4402-BDE0-5FA80D897240}" presName="parTx" presStyleLbl="revTx" presStyleIdx="2" presStyleCnt="3">
         <dgm:presLayoutVars>
           <dgm:chMax val="0"/>
           <dgm:chPref val="0"/>
@@ -1314,28 +1322,28 @@
   <dgm:cxnLst>
     <dgm:cxn modelId="{E0F63438-CD17-A942-BE3E-C45295D3E574}" type="presOf" srcId="{410C4F80-3800-4FA1-9131-12C5F993F8BE}" destId="{A6400FA0-CB38-4903-81AE-FA10885CBAF0}" srcOrd="0" destOrd="0" presId="urn:microsoft.com/office/officeart/2018/2/layout/IconVerticalSolidList"/>
     <dgm:cxn modelId="{0042E95E-0285-8B44-850A-EA781E4C94EC}" type="presOf" srcId="{B5736282-1FF8-442E-8954-CE6FA3535B8A}" destId="{E41E5C61-0C28-488F-B8D1-417ABD633D8E}" srcOrd="0" destOrd="0" presId="urn:microsoft.com/office/officeart/2018/2/layout/IconVerticalSolidList"/>
-    <dgm:cxn modelId="{EE6F9353-9921-4DAB-A2C5-FFB08FB73B21}" srcId="{B5736282-1FF8-442E-8954-CE6FA3535B8A}" destId="{62DC443B-C0E5-4B94-9A89-A3B6C7AE4601}" srcOrd="1" destOrd="0" parTransId="{D66DDCD2-24D8-4BF9-AEE9-388828958627}" sibTransId="{DB60C3A8-B474-404C-8E3B-EC522633BCAB}"/>
-    <dgm:cxn modelId="{9473BC54-BB9B-4ACD-B6ED-E4F5CDF650F3}" srcId="{B5736282-1FF8-442E-8954-CE6FA3535B8A}" destId="{410C4F80-3800-4FA1-9131-12C5F993F8BE}" srcOrd="2" destOrd="0" parTransId="{D512A4DB-E5DF-4D7D-BAEB-144DC133E3DC}" sibTransId="{8720E948-0D0B-491B-B011-82701F9C7E63}"/>
-    <dgm:cxn modelId="{4792059E-DC77-4C33-AC8E-FF51D356B405}" srcId="{B5736282-1FF8-442E-8954-CE6FA3535B8A}" destId="{78C17D28-ACA9-437B-B635-93296B674E5A}" srcOrd="0" destOrd="0" parTransId="{B5F31869-B37E-4357-AADD-685BE706EE2F}" sibTransId="{D7364149-4DA8-4B08-A7FF-EB901A73AFBD}"/>
+    <dgm:cxn modelId="{EE6F9353-9921-4DAB-A2C5-FFB08FB73B21}" srcId="{B5736282-1FF8-442E-8954-CE6FA3535B8A}" destId="{62DC443B-C0E5-4B94-9A89-A3B6C7AE4601}" srcOrd="0" destOrd="0" parTransId="{D66DDCD2-24D8-4BF9-AEE9-388828958627}" sibTransId="{DB60C3A8-B474-404C-8E3B-EC522633BCAB}"/>
+    <dgm:cxn modelId="{9473BC54-BB9B-4ACD-B6ED-E4F5CDF650F3}" srcId="{B5736282-1FF8-442E-8954-CE6FA3535B8A}" destId="{410C4F80-3800-4FA1-9131-12C5F993F8BE}" srcOrd="1" destOrd="0" parTransId="{D512A4DB-E5DF-4D7D-BAEB-144DC133E3DC}" sibTransId="{8720E948-0D0B-491B-B011-82701F9C7E63}"/>
+    <dgm:cxn modelId="{B9E6AA7A-BC40-4A29-9BB0-DF59E220CECD}" type="presOf" srcId="{DB67DDCB-5C84-4402-BDE0-5FA80D897240}" destId="{40C56A86-7FF0-4CE6-810F-EE8A46545A1A}" srcOrd="0" destOrd="0" presId="urn:microsoft.com/office/officeart/2018/2/layout/IconVerticalSolidList"/>
+    <dgm:cxn modelId="{F555C18F-19EC-4A87-B2D7-814800361B31}" srcId="{B5736282-1FF8-442E-8954-CE6FA3535B8A}" destId="{DB67DDCB-5C84-4402-BDE0-5FA80D897240}" srcOrd="2" destOrd="0" parTransId="{8E1B7B43-8CB3-4AB8-96A5-FBA6E8B9FA19}" sibTransId="{11404008-99F1-414E-B5DF-3541C07762FF}"/>
     <dgm:cxn modelId="{1821499F-BB0B-6C44-98AC-E7085567E46D}" type="presOf" srcId="{62DC443B-C0E5-4B94-9A89-A3B6C7AE4601}" destId="{A93975DC-5C82-40BC-8D98-4276F0A9FFCA}" srcOrd="0" destOrd="0" presId="urn:microsoft.com/office/officeart/2018/2/layout/IconVerticalSolidList"/>
-    <dgm:cxn modelId="{03EAEFFE-B392-AE4C-B793-A223FA81E04D}" type="presOf" srcId="{78C17D28-ACA9-437B-B635-93296B674E5A}" destId="{2C4F645D-2FD5-44D5-8462-FE0370F72E45}" srcOrd="0" destOrd="0" presId="urn:microsoft.com/office/officeart/2018/2/layout/IconVerticalSolidList"/>
-    <dgm:cxn modelId="{CA4301A7-4B2D-8748-8688-4660547A81A0}" type="presParOf" srcId="{E41E5C61-0C28-488F-B8D1-417ABD633D8E}" destId="{C08DAAD7-5D35-4ED1-B533-9C07919D5F20}" srcOrd="0" destOrd="0" presId="urn:microsoft.com/office/officeart/2018/2/layout/IconVerticalSolidList"/>
-    <dgm:cxn modelId="{0A481E8C-BF52-B942-BC46-917B6807F7F4}" type="presParOf" srcId="{C08DAAD7-5D35-4ED1-B533-9C07919D5F20}" destId="{D11972E2-4791-443D-B642-5C851BDD9DE1}" srcOrd="0" destOrd="0" presId="urn:microsoft.com/office/officeart/2018/2/layout/IconVerticalSolidList"/>
-    <dgm:cxn modelId="{0C6E7802-79B7-5742-B48A-9BEF1F32DD83}" type="presParOf" srcId="{C08DAAD7-5D35-4ED1-B533-9C07919D5F20}" destId="{39450324-EE27-4AA1-A220-E49554ADB3ED}" srcOrd="1" destOrd="0" presId="urn:microsoft.com/office/officeart/2018/2/layout/IconVerticalSolidList"/>
-    <dgm:cxn modelId="{5684931F-7876-6543-8080-1E68810B7D8A}" type="presParOf" srcId="{C08DAAD7-5D35-4ED1-B533-9C07919D5F20}" destId="{8DC06385-02F0-46D7-A806-B6B7BA209C79}" srcOrd="2" destOrd="0" presId="urn:microsoft.com/office/officeart/2018/2/layout/IconVerticalSolidList"/>
-    <dgm:cxn modelId="{960BA681-C09D-A74E-A0B4-EF64953C1E52}" type="presParOf" srcId="{C08DAAD7-5D35-4ED1-B533-9C07919D5F20}" destId="{2C4F645D-2FD5-44D5-8462-FE0370F72E45}" srcOrd="3" destOrd="0" presId="urn:microsoft.com/office/officeart/2018/2/layout/IconVerticalSolidList"/>
-    <dgm:cxn modelId="{415D219C-BBCC-C042-AF17-DE8AFD85F231}" type="presParOf" srcId="{E41E5C61-0C28-488F-B8D1-417ABD633D8E}" destId="{7809249C-EC74-4198-B410-57F3D9E55BAB}" srcOrd="1" destOrd="0" presId="urn:microsoft.com/office/officeart/2018/2/layout/IconVerticalSolidList"/>
-    <dgm:cxn modelId="{9077782F-C73F-E540-8187-F2D6F342D57B}" type="presParOf" srcId="{E41E5C61-0C28-488F-B8D1-417ABD633D8E}" destId="{4E62FAAA-0378-4221-9AAB-B2A48832696E}" srcOrd="2" destOrd="0" presId="urn:microsoft.com/office/officeart/2018/2/layout/IconVerticalSolidList"/>
+    <dgm:cxn modelId="{9077782F-C73F-E540-8187-F2D6F342D57B}" type="presParOf" srcId="{E41E5C61-0C28-488F-B8D1-417ABD633D8E}" destId="{4E62FAAA-0378-4221-9AAB-B2A48832696E}" srcOrd="0" destOrd="0" presId="urn:microsoft.com/office/officeart/2018/2/layout/IconVerticalSolidList"/>
     <dgm:cxn modelId="{29E04E4E-CC7B-F046-93DF-DA93A6D1BE28}" type="presParOf" srcId="{4E62FAAA-0378-4221-9AAB-B2A48832696E}" destId="{5768A1F8-B04A-441A-8FDC-4961F4E6D9CC}" srcOrd="0" destOrd="0" presId="urn:microsoft.com/office/officeart/2018/2/layout/IconVerticalSolidList"/>
     <dgm:cxn modelId="{82D6F3E7-C76B-E34C-8646-E4ECBB9E96A3}" type="presParOf" srcId="{4E62FAAA-0378-4221-9AAB-B2A48832696E}" destId="{304663ED-48FC-4E96-876F-C5939B269141}" srcOrd="1" destOrd="0" presId="urn:microsoft.com/office/officeart/2018/2/layout/IconVerticalSolidList"/>
     <dgm:cxn modelId="{37AB6ABA-8E45-BF4C-9D0A-425EE56B2D00}" type="presParOf" srcId="{4E62FAAA-0378-4221-9AAB-B2A48832696E}" destId="{0F18C8B5-991D-4F62-ABE6-401393D64F42}" srcOrd="2" destOrd="0" presId="urn:microsoft.com/office/officeart/2018/2/layout/IconVerticalSolidList"/>
     <dgm:cxn modelId="{B4AEAF9B-305D-B544-8BB6-D36D7143E613}" type="presParOf" srcId="{4E62FAAA-0378-4221-9AAB-B2A48832696E}" destId="{A93975DC-5C82-40BC-8D98-4276F0A9FFCA}" srcOrd="3" destOrd="0" presId="urn:microsoft.com/office/officeart/2018/2/layout/IconVerticalSolidList"/>
-    <dgm:cxn modelId="{6FB53A89-33D1-3E40-8BDE-557DABCBC8D2}" type="presParOf" srcId="{E41E5C61-0C28-488F-B8D1-417ABD633D8E}" destId="{39DE9453-7A0F-4107-9419-F07F1DF837F0}" srcOrd="3" destOrd="0" presId="urn:microsoft.com/office/officeart/2018/2/layout/IconVerticalSolidList"/>
-    <dgm:cxn modelId="{64F9D22F-39DB-BC47-B8D6-3717613823A2}" type="presParOf" srcId="{E41E5C61-0C28-488F-B8D1-417ABD633D8E}" destId="{90202B81-C1D0-4F36-9F77-ED6429B8EFD9}" srcOrd="4" destOrd="0" presId="urn:microsoft.com/office/officeart/2018/2/layout/IconVerticalSolidList"/>
+    <dgm:cxn modelId="{6FB53A89-33D1-3E40-8BDE-557DABCBC8D2}" type="presParOf" srcId="{E41E5C61-0C28-488F-B8D1-417ABD633D8E}" destId="{39DE9453-7A0F-4107-9419-F07F1DF837F0}" srcOrd="1" destOrd="0" presId="urn:microsoft.com/office/officeart/2018/2/layout/IconVerticalSolidList"/>
+    <dgm:cxn modelId="{64F9D22F-39DB-BC47-B8D6-3717613823A2}" type="presParOf" srcId="{E41E5C61-0C28-488F-B8D1-417ABD633D8E}" destId="{90202B81-C1D0-4F36-9F77-ED6429B8EFD9}" srcOrd="2" destOrd="0" presId="urn:microsoft.com/office/officeart/2018/2/layout/IconVerticalSolidList"/>
     <dgm:cxn modelId="{C147E62B-4E69-F34B-B5B8-5BD3A3091ED3}" type="presParOf" srcId="{90202B81-C1D0-4F36-9F77-ED6429B8EFD9}" destId="{BF6D0CE0-8AD9-4DF5-878D-897D668CA5CC}" srcOrd="0" destOrd="0" presId="urn:microsoft.com/office/officeart/2018/2/layout/IconVerticalSolidList"/>
     <dgm:cxn modelId="{1673E1A1-2778-B04B-9829-9D7F80F2E818}" type="presParOf" srcId="{90202B81-C1D0-4F36-9F77-ED6429B8EFD9}" destId="{238FA91F-385B-43B1-A282-7662BFBA811D}" srcOrd="1" destOrd="0" presId="urn:microsoft.com/office/officeart/2018/2/layout/IconVerticalSolidList"/>
     <dgm:cxn modelId="{BD7E6877-FC73-554A-AA25-56B9249AEF19}" type="presParOf" srcId="{90202B81-C1D0-4F36-9F77-ED6429B8EFD9}" destId="{98427877-E99A-4D07-8134-52DCE2E1DACC}" srcOrd="2" destOrd="0" presId="urn:microsoft.com/office/officeart/2018/2/layout/IconVerticalSolidList"/>
     <dgm:cxn modelId="{57049A9D-9AB8-2247-82DF-7FCBAAFAE0D6}" type="presParOf" srcId="{90202B81-C1D0-4F36-9F77-ED6429B8EFD9}" destId="{A6400FA0-CB38-4903-81AE-FA10885CBAF0}" srcOrd="3" destOrd="0" presId="urn:microsoft.com/office/officeart/2018/2/layout/IconVerticalSolidList"/>
+    <dgm:cxn modelId="{5707243D-6E1C-478C-810B-6401D49A2598}" type="presParOf" srcId="{E41E5C61-0C28-488F-B8D1-417ABD633D8E}" destId="{1DA24CEB-920E-4650-A0C1-8F15A26BB85B}" srcOrd="3" destOrd="0" presId="urn:microsoft.com/office/officeart/2018/2/layout/IconVerticalSolidList"/>
+    <dgm:cxn modelId="{9FC89D96-8E7D-4FDE-9E03-6560F035AE8A}" type="presParOf" srcId="{E41E5C61-0C28-488F-B8D1-417ABD633D8E}" destId="{A75A297B-E2DF-4FF4-952C-5AF4383B2393}" srcOrd="4" destOrd="0" presId="urn:microsoft.com/office/officeart/2018/2/layout/IconVerticalSolidList"/>
+    <dgm:cxn modelId="{58982E2D-D986-44FA-BB12-7DC49E521CC6}" type="presParOf" srcId="{A75A297B-E2DF-4FF4-952C-5AF4383B2393}" destId="{37247E7D-4C44-442A-8165-88516CDBC0D8}" srcOrd="0" destOrd="0" presId="urn:microsoft.com/office/officeart/2018/2/layout/IconVerticalSolidList"/>
+    <dgm:cxn modelId="{F5377A4C-571C-467B-A85A-056D22907E72}" type="presParOf" srcId="{A75A297B-E2DF-4FF4-952C-5AF4383B2393}" destId="{84D35344-591D-4CE3-9211-76F8D925E0F8}" srcOrd="1" destOrd="0" presId="urn:microsoft.com/office/officeart/2018/2/layout/IconVerticalSolidList"/>
+    <dgm:cxn modelId="{B56609EC-A0D5-4F42-A502-47DA9B8292F7}" type="presParOf" srcId="{A75A297B-E2DF-4FF4-952C-5AF4383B2393}" destId="{54364279-CDFE-441E-848A-39FB0651C254}" srcOrd="2" destOrd="0" presId="urn:microsoft.com/office/officeart/2018/2/layout/IconVerticalSolidList"/>
+    <dgm:cxn modelId="{9A116874-09F8-4574-989A-778610DB0337}" type="presParOf" srcId="{A75A297B-E2DF-4FF4-952C-5AF4383B2393}" destId="{40C56A86-7FF0-4CE6-810F-EE8A46545A1A}" srcOrd="3" destOrd="0" presId="urn:microsoft.com/office/officeart/2018/2/layout/IconVerticalSolidList"/>
   </dgm:cxnLst>
   <dgm:bg/>
   <dgm:whole/>
@@ -1355,15 +1363,15 @@
       <dsp:cNvGrpSpPr/>
     </dsp:nvGrpSpPr>
     <dsp:grpSpPr/>
-    <dsp:sp modelId="{D11972E2-4791-443D-B642-5C851BDD9DE1}">
+    <dsp:sp modelId="{5768A1F8-B04A-441A-8FDC-4961F4E6D9CC}">
       <dsp:nvSpPr>
         <dsp:cNvPr id="0" name=""/>
         <dsp:cNvSpPr/>
       </dsp:nvSpPr>
       <dsp:spPr>
         <a:xfrm>
-          <a:off x="0" y="625"/>
-          <a:ext cx="7315200" cy="1462682"/>
+          <a:off x="0" y="4646"/>
+          <a:ext cx="7315200" cy="1465301"/>
         </a:xfrm>
         <a:prstGeom prst="roundRect">
           <a:avLst>
@@ -1396,15 +1404,15 @@
         <a:fontRef idx="minor"/>
       </dsp:style>
     </dsp:sp>
-    <dsp:sp modelId="{39450324-EE27-4AA1-A220-E49554ADB3ED}">
+    <dsp:sp modelId="{304663ED-48FC-4E96-876F-C5939B269141}">
       <dsp:nvSpPr>
         <dsp:cNvPr id="0" name=""/>
         <dsp:cNvSpPr/>
       </dsp:nvSpPr>
       <dsp:spPr>
         <a:xfrm>
-          <a:off x="442461" y="329728"/>
-          <a:ext cx="804475" cy="804475"/>
+          <a:off x="443253" y="334339"/>
+          <a:ext cx="806703" cy="805915"/>
         </a:xfrm>
         <a:prstGeom prst="rect">
           <a:avLst/>
@@ -1445,15 +1453,15 @@
         </a:fontRef>
       </dsp:style>
     </dsp:sp>
-    <dsp:sp modelId="{2C4F645D-2FD5-44D5-8462-FE0370F72E45}">
+    <dsp:sp modelId="{A93975DC-5C82-40BC-8D98-4276F0A9FFCA}">
       <dsp:nvSpPr>
         <dsp:cNvPr id="0" name=""/>
         <dsp:cNvSpPr/>
       </dsp:nvSpPr>
       <dsp:spPr>
         <a:xfrm>
-          <a:off x="1689398" y="625"/>
-          <a:ext cx="5625801" cy="1462682"/>
+          <a:off x="1693211" y="4646"/>
+          <a:ext cx="5555649" cy="1466734"/>
         </a:xfrm>
         <a:prstGeom prst="rect">
           <a:avLst/>
@@ -1477,14 +1485,14 @@
         <a:fontRef idx="minor"/>
       </dsp:style>
       <dsp:txBody>
-        <a:bodyPr spcFirstLastPara="0" vert="horz" wrap="square" lIns="154801" tIns="154801" rIns="154801" bIns="154801" numCol="1" spcCol="1270" anchor="ctr" anchorCtr="0">
+        <a:bodyPr spcFirstLastPara="0" vert="horz" wrap="square" lIns="155229" tIns="155229" rIns="155229" bIns="155229" numCol="1" spcCol="1270" anchor="ctr" anchorCtr="0">
           <a:noAutofit/>
         </a:bodyPr>
         <a:lstStyle/>
         <a:p>
           <a:pPr marL="0" lvl="0" indent="0" algn="l" defTabSz="1066800">
             <a:lnSpc>
-              <a:spcPct val="90000"/>
+              <a:spcPct val="100000"/>
             </a:lnSpc>
             <a:spcBef>
               <a:spcPct val="0"/>
@@ -1495,33 +1503,78 @@
             <a:buNone/>
           </a:pPr>
           <a:r>
-            <a:rPr lang="en-US" sz="2400" b="1" kern="1200" dirty="0">
+            <a:rPr lang="en-US" sz="2400" kern="1200" dirty="0">
               <a:latin typeface="Arial" panose="020B0604020202020204" pitchFamily="34" charset="0"/>
               <a:cs typeface="Arial" panose="020B0604020202020204" pitchFamily="34" charset="0"/>
             </a:rPr>
-            <a:t>The data used in the analysis were collected from a variety of online sources</a:t>
+            <a:t>Housing data </a:t>
           </a:r>
+        </a:p>
+        <a:p>
+          <a:pPr marL="0" lvl="0" indent="0" algn="l" defTabSz="1066800">
+            <a:lnSpc>
+              <a:spcPct val="100000"/>
+            </a:lnSpc>
+            <a:spcBef>
+              <a:spcPct val="0"/>
+            </a:spcBef>
+            <a:spcAft>
+              <a:spcPct val="35000"/>
+            </a:spcAft>
+            <a:buNone/>
+          </a:pPr>
           <a:r>
-            <a:rPr lang="en-US" sz="2400" b="1" kern="1200" dirty="0"/>
-            <a:t>:</a:t>
+            <a:rPr lang="en-US" sz="2400" b="1" i="0" u="none" kern="1200" dirty="0">
+              <a:solidFill>
+                <a:srgbClr val="FFFFFF">
+                  <a:hueOff val="0"/>
+                  <a:satOff val="0"/>
+                  <a:lumOff val="0"/>
+                  <a:alphaOff val="0"/>
+                </a:srgbClr>
+              </a:solidFill>
+              <a:latin typeface="Corbel" panose="020B0503020204020204"/>
+              <a:ea typeface="+mn-ea"/>
+              <a:cs typeface="+mn-cs"/>
+              <a:hlinkClick xmlns:r="http://schemas.openxmlformats.org/officeDocument/2006/relationships" r:id="rId3">
+                <a:extLst>
+                  <a:ext uri="{A12FA001-AC4F-418D-AE19-62706E023703}">
+                    <ahyp:hlinkClr xmlns:ahyp="http://schemas.microsoft.com/office/drawing/2018/hyperlinkcolor" val="tx"/>
+                  </a:ext>
+                </a:extLst>
+              </a:hlinkClick>
+            </a:rPr>
+            <a:t>Redfin | Real Estate Tips for Home Buying, Selling </a:t>
           </a:r>
-          <a:endParaRPr lang="en-US" sz="2400" kern="1200" dirty="0"/>
+          <a:endParaRPr lang="en-US" sz="2400" b="1" i="0" u="none" kern="1200" dirty="0">
+            <a:solidFill>
+              <a:srgbClr val="FFFFFF">
+                <a:hueOff val="0"/>
+                <a:satOff val="0"/>
+                <a:lumOff val="0"/>
+                <a:alphaOff val="0"/>
+              </a:srgbClr>
+            </a:solidFill>
+            <a:latin typeface="Corbel" panose="020B0503020204020204"/>
+            <a:ea typeface="+mn-ea"/>
+            <a:cs typeface="+mn-cs"/>
+          </a:endParaRPr>
         </a:p>
       </dsp:txBody>
       <dsp:txXfrm>
-        <a:off x="1689398" y="625"/>
-        <a:ext cx="5625801" cy="1462682"/>
+        <a:off x="1693211" y="4646"/>
+        <a:ext cx="5555649" cy="1466734"/>
       </dsp:txXfrm>
     </dsp:sp>
-    <dsp:sp modelId="{5768A1F8-B04A-441A-8FDC-4961F4E6D9CC}">
+    <dsp:sp modelId="{BF6D0CE0-8AD9-4DF5-878D-897D668CA5CC}">
       <dsp:nvSpPr>
         <dsp:cNvPr id="0" name=""/>
         <dsp:cNvSpPr/>
       </dsp:nvSpPr>
       <dsp:spPr>
         <a:xfrm>
-          <a:off x="0" y="1828978"/>
-          <a:ext cx="7315200" cy="1462682"/>
+          <a:off x="0" y="1826952"/>
+          <a:ext cx="7315200" cy="1465301"/>
         </a:xfrm>
         <a:prstGeom prst="roundRect">
           <a:avLst>
@@ -1554,209 +1607,6 @@
         <a:fontRef idx="minor"/>
       </dsp:style>
     </dsp:sp>
-    <dsp:sp modelId="{304663ED-48FC-4E96-876F-C5939B269141}">
-      <dsp:nvSpPr>
-        <dsp:cNvPr id="0" name=""/>
-        <dsp:cNvSpPr/>
-      </dsp:nvSpPr>
-      <dsp:spPr>
-        <a:xfrm>
-          <a:off x="442461" y="2158082"/>
-          <a:ext cx="804475" cy="804475"/>
-        </a:xfrm>
-        <a:prstGeom prst="rect">
-          <a:avLst/>
-        </a:prstGeom>
-        <a:blipFill>
-          <a:blip xmlns:r="http://schemas.openxmlformats.org/officeDocument/2006/relationships" r:embed="rId3">
-            <a:extLst>
-              <a:ext uri="{28A0092B-C50C-407E-A947-70E740481C1C}">
-                <a14:useLocalDpi xmlns:a14="http://schemas.microsoft.com/office/drawing/2010/main" val="0"/>
-              </a:ext>
-              <a:ext uri="{96DAC541-7B7A-43D3-8B79-37D633B846F1}">
-                <asvg:svgBlip xmlns:asvg="http://schemas.microsoft.com/office/drawing/2016/SVG/main" r:embed="rId4"/>
-              </a:ext>
-            </a:extLst>
-          </a:blip>
-          <a:stretch>
-            <a:fillRect/>
-          </a:stretch>
-        </a:blipFill>
-        <a:ln w="10795" cap="flat" cmpd="sng" algn="ctr">
-          <a:noFill/>
-          <a:prstDash val="solid"/>
-        </a:ln>
-        <a:effectLst/>
-      </dsp:spPr>
-      <dsp:style>
-        <a:lnRef idx="2">
-          <a:scrgbClr r="0" g="0" b="0"/>
-        </a:lnRef>
-        <a:fillRef idx="1">
-          <a:scrgbClr r="0" g="0" b="0"/>
-        </a:fillRef>
-        <a:effectRef idx="0">
-          <a:scrgbClr r="0" g="0" b="0"/>
-        </a:effectRef>
-        <a:fontRef idx="minor">
-          <a:schemeClr val="lt1"/>
-        </a:fontRef>
-      </dsp:style>
-    </dsp:sp>
-    <dsp:sp modelId="{A93975DC-5C82-40BC-8D98-4276F0A9FFCA}">
-      <dsp:nvSpPr>
-        <dsp:cNvPr id="0" name=""/>
-        <dsp:cNvSpPr/>
-      </dsp:nvSpPr>
-      <dsp:spPr>
-        <a:xfrm>
-          <a:off x="1689398" y="1828978"/>
-          <a:ext cx="5625801" cy="1462682"/>
-        </a:xfrm>
-        <a:prstGeom prst="rect">
-          <a:avLst/>
-        </a:prstGeom>
-        <a:noFill/>
-        <a:ln>
-          <a:noFill/>
-        </a:ln>
-        <a:effectLst/>
-      </dsp:spPr>
-      <dsp:style>
-        <a:lnRef idx="0">
-          <a:scrgbClr r="0" g="0" b="0"/>
-        </a:lnRef>
-        <a:fillRef idx="0">
-          <a:scrgbClr r="0" g="0" b="0"/>
-        </a:fillRef>
-        <a:effectRef idx="0">
-          <a:scrgbClr r="0" g="0" b="0"/>
-        </a:effectRef>
-        <a:fontRef idx="minor"/>
-      </dsp:style>
-      <dsp:txBody>
-        <a:bodyPr spcFirstLastPara="0" vert="horz" wrap="square" lIns="154801" tIns="154801" rIns="154801" bIns="154801" numCol="1" spcCol="1270" anchor="ctr" anchorCtr="0">
-          <a:noAutofit/>
-        </a:bodyPr>
-        <a:lstStyle/>
-        <a:p>
-          <a:pPr marL="0" lvl="0" indent="0" algn="l" defTabSz="1066800">
-            <a:lnSpc>
-              <a:spcPct val="90000"/>
-            </a:lnSpc>
-            <a:spcBef>
-              <a:spcPct val="0"/>
-            </a:spcBef>
-            <a:spcAft>
-              <a:spcPct val="35000"/>
-            </a:spcAft>
-            <a:buNone/>
-          </a:pPr>
-          <a:r>
-            <a:rPr lang="en-US" sz="2400" kern="1200" dirty="0">
-              <a:latin typeface="Arial" panose="020B0604020202020204" pitchFamily="34" charset="0"/>
-              <a:cs typeface="Arial" panose="020B0604020202020204" pitchFamily="34" charset="0"/>
-            </a:rPr>
-            <a:t>Housing data </a:t>
-          </a:r>
-        </a:p>
-        <a:p>
-          <a:pPr marL="0" lvl="0" indent="0" algn="l" defTabSz="1066800">
-            <a:lnSpc>
-              <a:spcPct val="90000"/>
-            </a:lnSpc>
-            <a:spcBef>
-              <a:spcPct val="0"/>
-            </a:spcBef>
-            <a:spcAft>
-              <a:spcPct val="35000"/>
-            </a:spcAft>
-            <a:buNone/>
-          </a:pPr>
-          <a:r>
-            <a:rPr lang="en-US" sz="2400" b="1" i="0" u="none" kern="1200" dirty="0">
-              <a:solidFill>
-                <a:srgbClr val="FFFFFF">
-                  <a:hueOff val="0"/>
-                  <a:satOff val="0"/>
-                  <a:lumOff val="0"/>
-                  <a:alphaOff val="0"/>
-                </a:srgbClr>
-              </a:solidFill>
-              <a:latin typeface="Corbel" panose="020B0503020204020204"/>
-              <a:ea typeface="+mn-ea"/>
-              <a:cs typeface="+mn-cs"/>
-              <a:hlinkClick xmlns:r="http://schemas.openxmlformats.org/officeDocument/2006/relationships" r:id="rId5">
-                <a:extLst>
-                  <a:ext uri="{A12FA001-AC4F-418D-AE19-62706E023703}">
-                    <ahyp:hlinkClr xmlns:ahyp="http://schemas.microsoft.com/office/drawing/2018/hyperlinkcolor" val="tx"/>
-                  </a:ext>
-                </a:extLst>
-              </a:hlinkClick>
-            </a:rPr>
-            <a:t>Redfin | Real Estate Tips for Home Buying, Selling </a:t>
-          </a:r>
-          <a:endParaRPr lang="en-US" sz="2400" b="1" i="0" u="none" kern="1200" dirty="0">
-            <a:solidFill>
-              <a:srgbClr val="FFFFFF">
-                <a:hueOff val="0"/>
-                <a:satOff val="0"/>
-                <a:lumOff val="0"/>
-                <a:alphaOff val="0"/>
-              </a:srgbClr>
-            </a:solidFill>
-            <a:latin typeface="Corbel" panose="020B0503020204020204"/>
-            <a:ea typeface="+mn-ea"/>
-            <a:cs typeface="+mn-cs"/>
-          </a:endParaRPr>
-        </a:p>
-      </dsp:txBody>
-      <dsp:txXfrm>
-        <a:off x="1689398" y="1828978"/>
-        <a:ext cx="5625801" cy="1462682"/>
-      </dsp:txXfrm>
-    </dsp:sp>
-    <dsp:sp modelId="{BF6D0CE0-8AD9-4DF5-878D-897D668CA5CC}">
-      <dsp:nvSpPr>
-        <dsp:cNvPr id="0" name=""/>
-        <dsp:cNvSpPr/>
-      </dsp:nvSpPr>
-      <dsp:spPr>
-        <a:xfrm>
-          <a:off x="0" y="3657332"/>
-          <a:ext cx="7315200" cy="1462682"/>
-        </a:xfrm>
-        <a:prstGeom prst="roundRect">
-          <a:avLst>
-            <a:gd name="adj" fmla="val 10000"/>
-          </a:avLst>
-        </a:prstGeom>
-        <a:solidFill>
-          <a:schemeClr val="accent2">
-            <a:hueOff val="1954454"/>
-            <a:satOff val="-31534"/>
-            <a:lumOff val="-5490"/>
-            <a:alphaOff val="0"/>
-          </a:schemeClr>
-        </a:solidFill>
-        <a:ln>
-          <a:noFill/>
-        </a:ln>
-        <a:effectLst/>
-      </dsp:spPr>
-      <dsp:style>
-        <a:lnRef idx="0">
-          <a:scrgbClr r="0" g="0" b="0"/>
-        </a:lnRef>
-        <a:fillRef idx="1">
-          <a:scrgbClr r="0" g="0" b="0"/>
-        </a:fillRef>
-        <a:effectRef idx="0">
-          <a:scrgbClr r="0" g="0" b="0"/>
-        </a:effectRef>
-        <a:fontRef idx="minor"/>
-      </dsp:style>
-    </dsp:sp>
     <dsp:sp modelId="{238FA91F-385B-43B1-A282-7662BFBA811D}">
       <dsp:nvSpPr>
         <dsp:cNvPr id="0" name=""/>
@@ -1764,20 +1614,20 @@
       </dsp:nvSpPr>
       <dsp:spPr>
         <a:xfrm>
-          <a:off x="442461" y="3986435"/>
-          <a:ext cx="804475" cy="804475"/>
+          <a:off x="443253" y="2156645"/>
+          <a:ext cx="806703" cy="805915"/>
         </a:xfrm>
         <a:prstGeom prst="rect">
           <a:avLst/>
         </a:prstGeom>
         <a:blipFill>
-          <a:blip xmlns:r="http://schemas.openxmlformats.org/officeDocument/2006/relationships" r:embed="rId6">
+          <a:blip xmlns:r="http://schemas.openxmlformats.org/officeDocument/2006/relationships" r:embed="rId4">
             <a:extLst>
               <a:ext uri="{28A0092B-C50C-407E-A947-70E740481C1C}">
                 <a14:useLocalDpi xmlns:a14="http://schemas.microsoft.com/office/drawing/2010/main" val="0"/>
               </a:ext>
               <a:ext uri="{96DAC541-7B7A-43D3-8B79-37D633B846F1}">
-                <asvg:svgBlip xmlns:asvg="http://schemas.microsoft.com/office/drawing/2016/SVG/main" r:embed="rId7"/>
+                <asvg:svgBlip xmlns:asvg="http://schemas.microsoft.com/office/drawing/2016/SVG/main" r:embed="rId5"/>
               </a:ext>
             </a:extLst>
           </a:blip>
@@ -1813,8 +1663,8 @@
       </dsp:nvSpPr>
       <dsp:spPr>
         <a:xfrm>
-          <a:off x="1689398" y="3657332"/>
-          <a:ext cx="5625801" cy="1462682"/>
+          <a:off x="1693211" y="1826952"/>
+          <a:ext cx="5555649" cy="1466734"/>
         </a:xfrm>
         <a:prstGeom prst="rect">
           <a:avLst/>
@@ -1838,14 +1688,14 @@
         <a:fontRef idx="minor"/>
       </dsp:style>
       <dsp:txBody>
-        <a:bodyPr spcFirstLastPara="0" vert="horz" wrap="square" lIns="154801" tIns="154801" rIns="154801" bIns="154801" numCol="1" spcCol="1270" anchor="ctr" anchorCtr="0">
+        <a:bodyPr spcFirstLastPara="0" vert="horz" wrap="square" lIns="155229" tIns="155229" rIns="155229" bIns="155229" numCol="1" spcCol="1270" anchor="ctr" anchorCtr="0">
           <a:noAutofit/>
         </a:bodyPr>
         <a:lstStyle/>
         <a:p>
-          <a:pPr marL="0" lvl="0" indent="0" algn="l" defTabSz="1066800">
+          <a:pPr marL="0" lvl="0" indent="0" algn="l" defTabSz="977900">
             <a:lnSpc>
-              <a:spcPct val="90000"/>
+              <a:spcPct val="100000"/>
             </a:lnSpc>
             <a:spcBef>
               <a:spcPct val="0"/>
@@ -1856,7 +1706,7 @@
             <a:buNone/>
           </a:pPr>
           <a:r>
-            <a:rPr lang="en-US" sz="2400" kern="1200" dirty="0">
+            <a:rPr lang="en-US" sz="2200" kern="1200" dirty="0">
               <a:latin typeface="Arial" panose="020B0604020202020204" pitchFamily="34" charset="0"/>
               <a:cs typeface="Arial" panose="020B0604020202020204" pitchFamily="34" charset="0"/>
             </a:rPr>
@@ -1864,9 +1714,9 @@
           </a:r>
         </a:p>
         <a:p>
-          <a:pPr marL="0" lvl="0" indent="0" algn="l" defTabSz="1066800">
+          <a:pPr marL="0" lvl="0" indent="0" algn="l" defTabSz="977900">
             <a:lnSpc>
-              <a:spcPct val="90000"/>
+              <a:spcPct val="100000"/>
             </a:lnSpc>
             <a:spcBef>
               <a:spcPct val="0"/>
@@ -1877,8 +1727,8 @@
             <a:buNone/>
           </a:pPr>
           <a:r>
-            <a:rPr lang="en-US" sz="2400" b="1" i="0" u="none" kern="1200" dirty="0">
-              <a:hlinkClick xmlns:r="http://schemas.openxmlformats.org/officeDocument/2006/relationships" r:id="rId8">
+            <a:rPr lang="en-US" sz="2200" b="1" i="0" u="none" kern="1200" dirty="0">
+              <a:hlinkClick xmlns:r="http://schemas.openxmlformats.org/officeDocument/2006/relationships" r:id="rId6">
                 <a:extLst>
                   <a:ext uri="{A12FA001-AC4F-418D-AE19-62706E023703}">
                     <ahyp:hlinkClr xmlns:ahyp="http://schemas.microsoft.com/office/drawing/2018/hyperlinkcolor" val="tx"/>
@@ -1888,15 +1738,199 @@
             </a:rPr>
             <a:t>UCR Publications | Federal Bureau of Investigation</a:t>
           </a:r>
-          <a:endParaRPr lang="en-US" sz="2400" kern="1200" dirty="0">
+          <a:endParaRPr lang="en-US" sz="2200" kern="1200" dirty="0">
             <a:latin typeface="Arial" panose="020B0604020202020204" pitchFamily="34" charset="0"/>
             <a:cs typeface="Arial" panose="020B0604020202020204" pitchFamily="34" charset="0"/>
           </a:endParaRPr>
         </a:p>
       </dsp:txBody>
       <dsp:txXfrm>
-        <a:off x="1689398" y="3657332"/>
-        <a:ext cx="5625801" cy="1462682"/>
+        <a:off x="1693211" y="1826952"/>
+        <a:ext cx="5555649" cy="1466734"/>
+      </dsp:txXfrm>
+    </dsp:sp>
+    <dsp:sp modelId="{37247E7D-4C44-442A-8165-88516CDBC0D8}">
+      <dsp:nvSpPr>
+        <dsp:cNvPr id="0" name=""/>
+        <dsp:cNvSpPr/>
+      </dsp:nvSpPr>
+      <dsp:spPr>
+        <a:xfrm>
+          <a:off x="0" y="3649258"/>
+          <a:ext cx="7315200" cy="1465301"/>
+        </a:xfrm>
+        <a:prstGeom prst="roundRect">
+          <a:avLst>
+            <a:gd name="adj" fmla="val 10000"/>
+          </a:avLst>
+        </a:prstGeom>
+        <a:solidFill>
+          <a:schemeClr val="accent2">
+            <a:hueOff val="1954454"/>
+            <a:satOff val="-31534"/>
+            <a:lumOff val="-5490"/>
+            <a:alphaOff val="0"/>
+          </a:schemeClr>
+        </a:solidFill>
+        <a:ln>
+          <a:noFill/>
+        </a:ln>
+        <a:effectLst/>
+      </dsp:spPr>
+      <dsp:style>
+        <a:lnRef idx="0">
+          <a:scrgbClr r="0" g="0" b="0"/>
+        </a:lnRef>
+        <a:fillRef idx="1">
+          <a:scrgbClr r="0" g="0" b="0"/>
+        </a:fillRef>
+        <a:effectRef idx="0">
+          <a:scrgbClr r="0" g="0" b="0"/>
+        </a:effectRef>
+        <a:fontRef idx="minor"/>
+      </dsp:style>
+    </dsp:sp>
+    <dsp:sp modelId="{84D35344-591D-4CE3-9211-76F8D925E0F8}">
+      <dsp:nvSpPr>
+        <dsp:cNvPr id="0" name=""/>
+        <dsp:cNvSpPr/>
+      </dsp:nvSpPr>
+      <dsp:spPr>
+        <a:xfrm>
+          <a:off x="443253" y="3978951"/>
+          <a:ext cx="806703" cy="805915"/>
+        </a:xfrm>
+        <a:prstGeom prst="rect">
+          <a:avLst/>
+        </a:prstGeom>
+        <a:blipFill rotWithShape="1">
+          <a:blip xmlns:r="http://schemas.openxmlformats.org/officeDocument/2006/relationships" r:embed="rId7">
+            <a:extLst>
+              <a:ext uri="{28A0092B-C50C-407E-A947-70E740481C1C}">
+                <a14:useLocalDpi xmlns:a14="http://schemas.microsoft.com/office/drawing/2010/main" val="0"/>
+              </a:ext>
+              <a:ext uri="{96DAC541-7B7A-43D3-8B79-37D633B846F1}">
+                <asvg:svgBlip xmlns:asvg="http://schemas.microsoft.com/office/drawing/2016/SVG/main" r:embed="rId8"/>
+              </a:ext>
+            </a:extLst>
+          </a:blip>
+          <a:srcRect/>
+          <a:stretch>
+            <a:fillRect/>
+          </a:stretch>
+        </a:blipFill>
+        <a:ln w="10795" cap="flat" cmpd="sng" algn="ctr">
+          <a:solidFill>
+            <a:schemeClr val="lt1">
+              <a:alpha val="0"/>
+              <a:hueOff val="0"/>
+              <a:satOff val="0"/>
+              <a:lumOff val="0"/>
+              <a:alphaOff val="0"/>
+            </a:schemeClr>
+          </a:solidFill>
+          <a:prstDash val="solid"/>
+        </a:ln>
+        <a:effectLst/>
+      </dsp:spPr>
+      <dsp:style>
+        <a:lnRef idx="2">
+          <a:scrgbClr r="0" g="0" b="0"/>
+        </a:lnRef>
+        <a:fillRef idx="1">
+          <a:scrgbClr r="0" g="0" b="0"/>
+        </a:fillRef>
+        <a:effectRef idx="0">
+          <a:scrgbClr r="0" g="0" b="0"/>
+        </a:effectRef>
+        <a:fontRef idx="minor">
+          <a:schemeClr val="lt1"/>
+        </a:fontRef>
+      </dsp:style>
+    </dsp:sp>
+    <dsp:sp modelId="{40C56A86-7FF0-4CE6-810F-EE8A46545A1A}">
+      <dsp:nvSpPr>
+        <dsp:cNvPr id="0" name=""/>
+        <dsp:cNvSpPr/>
+      </dsp:nvSpPr>
+      <dsp:spPr>
+        <a:xfrm>
+          <a:off x="1693211" y="3649258"/>
+          <a:ext cx="5555649" cy="1466734"/>
+        </a:xfrm>
+        <a:prstGeom prst="rect">
+          <a:avLst/>
+        </a:prstGeom>
+        <a:noFill/>
+        <a:ln>
+          <a:noFill/>
+        </a:ln>
+        <a:effectLst/>
+      </dsp:spPr>
+      <dsp:style>
+        <a:lnRef idx="0">
+          <a:scrgbClr r="0" g="0" b="0"/>
+        </a:lnRef>
+        <a:fillRef idx="0">
+          <a:scrgbClr r="0" g="0" b="0"/>
+        </a:fillRef>
+        <a:effectRef idx="0">
+          <a:scrgbClr r="0" g="0" b="0"/>
+        </a:effectRef>
+        <a:fontRef idx="minor"/>
+      </dsp:style>
+      <dsp:txBody>
+        <a:bodyPr spcFirstLastPara="0" vert="horz" wrap="square" lIns="155229" tIns="155229" rIns="155229" bIns="155229" numCol="1" spcCol="1270" anchor="ctr" anchorCtr="0">
+          <a:noAutofit/>
+        </a:bodyPr>
+        <a:lstStyle/>
+        <a:p>
+          <a:pPr marL="0" lvl="0" indent="0" algn="l" defTabSz="977900">
+            <a:lnSpc>
+              <a:spcPct val="100000"/>
+            </a:lnSpc>
+            <a:spcBef>
+              <a:spcPct val="0"/>
+            </a:spcBef>
+            <a:spcAft>
+              <a:spcPct val="35000"/>
+            </a:spcAft>
+            <a:buNone/>
+          </a:pPr>
+          <a:r>
+            <a:rPr lang="en-US" sz="2200" kern="1200" dirty="0"/>
+            <a:t>Census Housing Data</a:t>
+          </a:r>
+          <a:br>
+            <a:rPr lang="en-US" sz="2200" kern="1200" dirty="0"/>
+          </a:br>
+          <a:r>
+            <a:rPr lang="en-US" sz="2200" kern="1200" dirty="0">
+              <a:solidFill>
+                <a:schemeClr val="bg1"/>
+              </a:solidFill>
+              <a:hlinkClick xmlns:r="http://schemas.openxmlformats.org/officeDocument/2006/relationships" r:id="rId9">
+                <a:extLst>
+                  <a:ext uri="{A12FA001-AC4F-418D-AE19-62706E023703}">
+                    <ahyp:hlinkClr xmlns:ahyp="http://schemas.microsoft.com/office/drawing/2018/hyperlinkcolor" val="tx"/>
+                  </a:ext>
+                </a:extLst>
+              </a:hlinkClick>
+            </a:rPr>
+            <a:t>United States Census</a:t>
+          </a:r>
+          <a:endParaRPr lang="en-US" sz="2200" kern="1200" dirty="0">
+            <a:solidFill>
+              <a:schemeClr val="bg1"/>
+            </a:solidFill>
+            <a:latin typeface="Arial" panose="020B0604020202020204" pitchFamily="34" charset="0"/>
+            <a:cs typeface="Arial" panose="020B0604020202020204" pitchFamily="34" charset="0"/>
+          </a:endParaRPr>
+        </a:p>
+      </dsp:txBody>
+      <dsp:txXfrm>
+        <a:off x="1693211" y="3649258"/>
+        <a:ext cx="5555649" cy="1466734"/>
       </dsp:txXfrm>
     </dsp:sp>
   </dsp:spTree>
@@ -3734,34 +3768,15 @@
           <a:bodyPr/>
           <a:lstStyle/>
           <a:p>
-            <a:pPr marL="0" marR="0" lvl="0" indent="0" algn="l" defTabSz="914400" rtl="0" eaLnBrk="1" fontAlgn="auto" latinLnBrk="0" hangingPunct="1">
-              <a:lnSpc>
-                <a:spcPct val="100000"/>
-              </a:lnSpc>
-              <a:spcBef>
-                <a:spcPts val="0"/>
-              </a:spcBef>
-              <a:spcAft>
-                <a:spcPts val="0"/>
-              </a:spcAft>
-              <a:buClrTx/>
-              <a:buSzTx/>
-              <a:buFontTx/>
-              <a:buNone/>
-              <a:tabLst/>
-              <a:defRPr/>
-            </a:pPr>
-            <a:r>
-              <a:rPr lang="en-US" dirty="0">
-                <a:solidFill>
-                  <a:schemeClr val="bg1"/>
-                </a:solidFill>
-              </a:rPr>
-              <a:t>This graph shows a steady increase of house values from 2012  through 2018, and housing crisis in 2012. </a:t>
-            </a:r>
             <a:r>
               <a:rPr lang="en-US" dirty="0"/>
-              <a:t> </a:t>
+              <a:t>For our analysis we want to exploit the variation in crime that occurs within cities from 2012-2018. </a:t>
+            </a:r>
+          </a:p>
+          <a:p>
+            <a:r>
+              <a:rPr lang="en-US" dirty="0"/>
+              <a:t>The proportion of crime in the area has a negative impact on the price. If the proportion of crime increases by one percentage point, prices are expected to drop by 1.5%.</a:t>
             </a:r>
           </a:p>
           <a:p>
@@ -3795,7 +3810,7 @@
     </p:spTree>
     <p:extLst>
       <p:ext uri="{BB962C8B-B14F-4D97-AF65-F5344CB8AC3E}">
-        <p14:creationId xmlns:p14="http://schemas.microsoft.com/office/powerpoint/2010/main" val="565390749"/>
+        <p14:creationId xmlns:p14="http://schemas.microsoft.com/office/powerpoint/2010/main" val="3924546364"/>
       </p:ext>
     </p:extLst>
   </p:cSld>
@@ -3851,13 +3866,7 @@
           <a:p>
             <a:r>
               <a:rPr lang="en-US" dirty="0"/>
-              <a:t>For our analysis we want to exploit the variation in crime that occurs within cities from 2012-2018. </a:t>
-            </a:r>
-          </a:p>
-          <a:p>
-            <a:r>
-              <a:rPr lang="en-US" dirty="0"/>
-              <a:t>The proportion of crime in the area has a negative impact on the price. If the proportion of crime increases by one percentage point, prices are expected to drop by 1.5%.</a:t>
+              <a:t>Where are houses staying on the market longer?  </a:t>
             </a:r>
           </a:p>
           <a:p>
@@ -3891,7 +3900,7 @@
     </p:spTree>
     <p:extLst>
       <p:ext uri="{BB962C8B-B14F-4D97-AF65-F5344CB8AC3E}">
-        <p14:creationId xmlns:p14="http://schemas.microsoft.com/office/powerpoint/2010/main" val="3924546364"/>
+        <p14:creationId xmlns:p14="http://schemas.microsoft.com/office/powerpoint/2010/main" val="4244874762"/>
       </p:ext>
     </p:extLst>
   </p:cSld>
@@ -3945,18 +3954,6 @@
           <a:bodyPr/>
           <a:lstStyle/>
           <a:p>
-            <a:r>
-              <a:rPr lang="en-US" dirty="0"/>
-              <a:t>For our analysis we want to exploit the variation in crime that occurs within cities from 2012-2018. </a:t>
-            </a:r>
-          </a:p>
-          <a:p>
-            <a:r>
-              <a:rPr lang="en-US" dirty="0"/>
-              <a:t>The proportion of crime in the area has a negative impact on the price. If the proportion of crime increases by one percentage point, prices are expected to drop by 1.5%.</a:t>
-            </a:r>
-          </a:p>
-          <a:p>
             <a:endParaRPr lang="en-US" dirty="0"/>
           </a:p>
         </p:txBody>
@@ -3987,7 +3984,7 @@
     </p:spTree>
     <p:extLst>
       <p:ext uri="{BB962C8B-B14F-4D97-AF65-F5344CB8AC3E}">
-        <p14:creationId xmlns:p14="http://schemas.microsoft.com/office/powerpoint/2010/main" val="4244874762"/>
+        <p14:creationId xmlns:p14="http://schemas.microsoft.com/office/powerpoint/2010/main" val="3909984046"/>
       </p:ext>
     </p:extLst>
   </p:cSld>
@@ -4040,54 +4037,6 @@
         <p:txBody>
           <a:bodyPr/>
           <a:lstStyle/>
-          <a:p>
-            <a:pPr algn="ctr"/>
-            <a:r>
-              <a:rPr lang="en-US" dirty="0"/>
-              <a:t>The graph on the left shows the relationship between Crime rate and Property Value. </a:t>
-            </a:r>
-          </a:p>
-          <a:p>
-            <a:pPr algn="ctr"/>
-            <a:r>
-              <a:rPr lang="en-US" dirty="0"/>
-              <a:t>The above chart shows the probability of the crime rate in the housing market between the cities from 2012-2018.</a:t>
-            </a:r>
-          </a:p>
-          <a:p>
-            <a:pPr algn="ctr"/>
-            <a:r>
-              <a:rPr lang="en-US" dirty="0"/>
-              <a:t>To do this we combine Information from the </a:t>
-            </a:r>
-            <a:r>
-              <a:rPr lang="en-US" u="sng" dirty="0"/>
-              <a:t>Redfin Housing Data </a:t>
-            </a:r>
-            <a:r>
-              <a:rPr lang="en-US" dirty="0"/>
-              <a:t>with a dataset from </a:t>
-            </a:r>
-          </a:p>
-          <a:p>
-            <a:pPr algn="ctr"/>
-            <a:r>
-              <a:rPr lang="en-US" dirty="0">
-                <a:hlinkClick r:id="rId3">
-                  <a:extLst>
-                    <a:ext uri="{A12FA001-AC4F-418D-AE19-62706E023703}">
-                      <ahyp:hlinkClr xmlns:ahyp="http://schemas.microsoft.com/office/drawing/2018/hyperlinkcolor" val="tx"/>
-                    </a:ext>
-                  </a:extLst>
-                </a:hlinkClick>
-              </a:rPr>
-              <a:t>UCR Publications | Federal Bureau of Investigation</a:t>
-            </a:r>
-            <a:r>
-              <a:rPr lang="en-US" dirty="0"/>
-              <a:t> to produce measure of crime changes between 2012-2018. </a:t>
-            </a:r>
-          </a:p>
           <a:p>
             <a:endParaRPr lang="en-US" dirty="0"/>
           </a:p>
@@ -4173,54 +4122,6 @@
           <a:bodyPr/>
           <a:lstStyle/>
           <a:p>
-            <a:pPr algn="ctr"/>
-            <a:r>
-              <a:rPr lang="en-US" dirty="0"/>
-              <a:t>The graph on the left shows the relationship between Crime rate and Property Value. </a:t>
-            </a:r>
-          </a:p>
-          <a:p>
-            <a:pPr algn="ctr"/>
-            <a:r>
-              <a:rPr lang="en-US" dirty="0"/>
-              <a:t>The above chart shows the probability of the crime rate in the housing market between the cities from 2012-2018.</a:t>
-            </a:r>
-          </a:p>
-          <a:p>
-            <a:pPr algn="ctr"/>
-            <a:r>
-              <a:rPr lang="en-US" dirty="0"/>
-              <a:t>To do this we combine Information from the </a:t>
-            </a:r>
-            <a:r>
-              <a:rPr lang="en-US" u="sng" dirty="0"/>
-              <a:t>Redfin Housing Data </a:t>
-            </a:r>
-            <a:r>
-              <a:rPr lang="en-US" dirty="0"/>
-              <a:t>with a dataset from </a:t>
-            </a:r>
-          </a:p>
-          <a:p>
-            <a:pPr algn="ctr"/>
-            <a:r>
-              <a:rPr lang="en-US" dirty="0">
-                <a:hlinkClick r:id="rId3">
-                  <a:extLst>
-                    <a:ext uri="{A12FA001-AC4F-418D-AE19-62706E023703}">
-                      <ahyp:hlinkClr xmlns:ahyp="http://schemas.microsoft.com/office/drawing/2018/hyperlinkcolor" val="tx"/>
-                    </a:ext>
-                  </a:extLst>
-                </a:hlinkClick>
-              </a:rPr>
-              <a:t>UCR Publications | Federal Bureau of Investigation</a:t>
-            </a:r>
-            <a:r>
-              <a:rPr lang="en-US" dirty="0"/>
-              <a:t> to produce measure of crime changes between 2012-2018. </a:t>
-            </a:r>
-          </a:p>
-          <a:p>
             <a:endParaRPr lang="en-US" dirty="0"/>
           </a:p>
         </p:txBody>
@@ -4242,7 +4143,7 @@
           <a:p>
             <a:fld id="{9A9FD09C-8CDE-EC44-8006-13D124DBA38F}" type="slidenum">
               <a:rPr lang="en-US" smtClean="0"/>
-              <a:t>14</a:t>
+              <a:t>15</a:t>
             </a:fld>
             <a:endParaRPr lang="en-US"/>
           </a:p>
@@ -4251,7 +4152,7 @@
     </p:spTree>
     <p:extLst>
       <p:ext uri="{BB962C8B-B14F-4D97-AF65-F5344CB8AC3E}">
-        <p14:creationId xmlns:p14="http://schemas.microsoft.com/office/powerpoint/2010/main" val="3909984046"/>
+        <p14:creationId xmlns:p14="http://schemas.microsoft.com/office/powerpoint/2010/main" val="828759964"/>
       </p:ext>
     </p:extLst>
   </p:cSld>
@@ -4280,19 +4181,13 @@
       </p:grpSpPr>
       <p:sp>
         <p:nvSpPr>
-          <p:cNvPr id="2" name="Slide Image Placeholder 1"/>
-          <p:cNvSpPr>
-            <a:spLocks noGrp="1" noRot="1" noChangeAspect="1"/>
-          </p:cNvSpPr>
-          <p:nvPr>
-            <p:ph type="sldImg"/>
-          </p:nvPr>
-        </p:nvSpPr>
-        <p:spPr/>
-      </p:sp>
-      <p:sp>
-        <p:nvSpPr>
-          <p:cNvPr id="3" name="Notes Placeholder 2"/>
+          <p:cNvPr id="2" name="Notes Placeholder 1">
+            <a:extLst>
+              <a:ext uri="{FF2B5EF4-FFF2-40B4-BE49-F238E27FC236}">
+                <a16:creationId xmlns:a16="http://schemas.microsoft.com/office/drawing/2014/main" id="{621A3126-AF4E-48AA-846A-83A545008011}"/>
+              </a:ext>
+            </a:extLst>
+          </p:cNvPr>
           <p:cNvSpPr>
             <a:spLocks noGrp="1"/>
           </p:cNvSpPr>
@@ -4305,87 +4200,34 @@
           <a:bodyPr/>
           <a:lstStyle/>
           <a:p>
-            <a:pPr algn="ctr"/>
+            <a:pPr marL="0" marR="0" lvl="0" indent="0" algn="l" defTabSz="914400" rtl="0" eaLnBrk="1" fontAlgn="auto" latinLnBrk="0" hangingPunct="1">
+              <a:lnSpc>
+                <a:spcPct val="100000"/>
+              </a:lnSpc>
+              <a:spcBef>
+                <a:spcPts val="0"/>
+              </a:spcBef>
+              <a:spcAft>
+                <a:spcPts val="0"/>
+              </a:spcAft>
+              <a:buClrTx/>
+              <a:buSzTx/>
+              <a:buFontTx/>
+              <a:buNone/>
+              <a:tabLst/>
+              <a:defRPr/>
+            </a:pPr>
             <a:r>
-              <a:rPr lang="en-US" dirty="0"/>
-              <a:t>The graph on the left shows the relationship between Crime rate and Property Value. </a:t>
+              <a:rPr lang="en-US" sz="1200" dirty="0"/>
+              <a:t>The study is limited to 10 cities in the Houston metropolitan area and results may differ from the national crime rate and housing market</a:t>
             </a:r>
           </a:p>
           <a:p>
-            <a:pPr algn="ctr"/>
-            <a:r>
-              <a:rPr lang="en-US" dirty="0"/>
-              <a:t>The above chart shows the probability of the crime rate in the housing market between the cities from 2012-2018.</a:t>
-            </a:r>
-          </a:p>
-          <a:p>
-            <a:pPr algn="ctr"/>
-            <a:r>
-              <a:rPr lang="en-US" dirty="0"/>
-              <a:t>To do this we combine Information from the </a:t>
-            </a:r>
-            <a:r>
-              <a:rPr lang="en-US" u="sng" dirty="0"/>
-              <a:t>Redfin Housing Data </a:t>
-            </a:r>
-            <a:r>
-              <a:rPr lang="en-US" dirty="0"/>
-              <a:t>with a dataset from </a:t>
-            </a:r>
-          </a:p>
-          <a:p>
-            <a:pPr algn="ctr"/>
-            <a:r>
-              <a:rPr lang="en-US" dirty="0">
-                <a:hlinkClick r:id="rId3">
-                  <a:extLst>
-                    <a:ext uri="{A12FA001-AC4F-418D-AE19-62706E023703}">
-                      <ahyp:hlinkClr xmlns:ahyp="http://schemas.microsoft.com/office/drawing/2018/hyperlinkcolor" val="tx"/>
-                    </a:ext>
-                  </a:extLst>
-                </a:hlinkClick>
-              </a:rPr>
-              <a:t>UCR Publications | Federal Bureau of Investigation</a:t>
-            </a:r>
-            <a:r>
-              <a:rPr lang="en-US" dirty="0"/>
-              <a:t> to produce measure of crime changes between 2012-2018. </a:t>
-            </a:r>
-          </a:p>
-          <a:p>
             <a:endParaRPr lang="en-US" dirty="0"/>
           </a:p>
         </p:txBody>
       </p:sp>
-      <p:sp>
-        <p:nvSpPr>
-          <p:cNvPr id="4" name="Slide Number Placeholder 3"/>
-          <p:cNvSpPr>
-            <a:spLocks noGrp="1"/>
-          </p:cNvSpPr>
-          <p:nvPr>
-            <p:ph type="sldNum" sz="quarter" idx="5"/>
-          </p:nvPr>
-        </p:nvSpPr>
-        <p:spPr/>
-        <p:txBody>
-          <a:bodyPr/>
-          <a:lstStyle/>
-          <a:p>
-            <a:fld id="{9A9FD09C-8CDE-EC44-8006-13D124DBA38F}" type="slidenum">
-              <a:rPr lang="en-US" smtClean="0"/>
-              <a:t>15</a:t>
-            </a:fld>
-            <a:endParaRPr lang="en-US"/>
-          </a:p>
-        </p:txBody>
-      </p:sp>
     </p:spTree>
-    <p:extLst>
-      <p:ext uri="{BB962C8B-B14F-4D97-AF65-F5344CB8AC3E}">
-        <p14:creationId xmlns:p14="http://schemas.microsoft.com/office/powerpoint/2010/main" val="1483577430"/>
-      </p:ext>
-    </p:extLst>
   </p:cSld>
   <p:clrMapOvr>
     <a:masterClrMapping/>
@@ -4459,269 +4301,6 @@
             <a:fld id="{9A9FD09C-8CDE-EC44-8006-13D124DBA38F}" type="slidenum">
               <a:rPr lang="en-US" smtClean="0"/>
               <a:t>17</a:t>
-            </a:fld>
-            <a:endParaRPr lang="en-US"/>
-          </a:p>
-        </p:txBody>
-      </p:sp>
-    </p:spTree>
-    <p:extLst>
-      <p:ext uri="{BB962C8B-B14F-4D97-AF65-F5344CB8AC3E}">
-        <p14:creationId xmlns:p14="http://schemas.microsoft.com/office/powerpoint/2010/main" val="2777848899"/>
-      </p:ext>
-    </p:extLst>
-  </p:cSld>
-  <p:clrMapOvr>
-    <a:masterClrMapping/>
-  </p:clrMapOvr>
-</p:notes>
-</file>
-
-<file path=ppt/notesSlides/notesSlide17.xml><?xml version="1.0" encoding="utf-8"?>
-<p:notes xmlns:a="http://schemas.openxmlformats.org/drawingml/2006/main" xmlns:r="http://schemas.openxmlformats.org/officeDocument/2006/relationships" xmlns:p="http://schemas.openxmlformats.org/presentationml/2006/main">
-  <p:cSld>
-    <p:spTree>
-      <p:nvGrpSpPr>
-        <p:cNvPr id="1" name=""/>
-        <p:cNvGrpSpPr/>
-        <p:nvPr/>
-      </p:nvGrpSpPr>
-      <p:grpSpPr>
-        <a:xfrm>
-          <a:off x="0" y="0"/>
-          <a:ext cx="0" cy="0"/>
-          <a:chOff x="0" y="0"/>
-          <a:chExt cx="0" cy="0"/>
-        </a:xfrm>
-      </p:grpSpPr>
-      <p:sp>
-        <p:nvSpPr>
-          <p:cNvPr id="2" name="Slide Image Placeholder 1"/>
-          <p:cNvSpPr>
-            <a:spLocks noGrp="1" noRot="1" noChangeAspect="1"/>
-          </p:cNvSpPr>
-          <p:nvPr>
-            <p:ph type="sldImg"/>
-          </p:nvPr>
-        </p:nvSpPr>
-        <p:spPr/>
-      </p:sp>
-      <p:sp>
-        <p:nvSpPr>
-          <p:cNvPr id="3" name="Notes Placeholder 2"/>
-          <p:cNvSpPr>
-            <a:spLocks noGrp="1"/>
-          </p:cNvSpPr>
-          <p:nvPr>
-            <p:ph type="body" idx="1"/>
-          </p:nvPr>
-        </p:nvSpPr>
-        <p:spPr/>
-        <p:txBody>
-          <a:bodyPr/>
-          <a:lstStyle/>
-          <a:p>
-            <a:endParaRPr lang="en-US" dirty="0"/>
-          </a:p>
-        </p:txBody>
-      </p:sp>
-      <p:sp>
-        <p:nvSpPr>
-          <p:cNvPr id="4" name="Slide Number Placeholder 3"/>
-          <p:cNvSpPr>
-            <a:spLocks noGrp="1"/>
-          </p:cNvSpPr>
-          <p:nvPr>
-            <p:ph type="sldNum" sz="quarter" idx="5"/>
-          </p:nvPr>
-        </p:nvSpPr>
-        <p:spPr/>
-        <p:txBody>
-          <a:bodyPr/>
-          <a:lstStyle/>
-          <a:p>
-            <a:fld id="{9A9FD09C-8CDE-EC44-8006-13D124DBA38F}" type="slidenum">
-              <a:rPr lang="en-US" smtClean="0"/>
-              <a:t>18</a:t>
-            </a:fld>
-            <a:endParaRPr lang="en-US"/>
-          </a:p>
-        </p:txBody>
-      </p:sp>
-    </p:spTree>
-    <p:extLst>
-      <p:ext uri="{BB962C8B-B14F-4D97-AF65-F5344CB8AC3E}">
-        <p14:creationId xmlns:p14="http://schemas.microsoft.com/office/powerpoint/2010/main" val="828759964"/>
-      </p:ext>
-    </p:extLst>
-  </p:cSld>
-  <p:clrMapOvr>
-    <a:masterClrMapping/>
-  </p:clrMapOvr>
-</p:notes>
-</file>
-
-<file path=ppt/notesSlides/notesSlide18.xml><?xml version="1.0" encoding="utf-8"?>
-<p:notes xmlns:a="http://schemas.openxmlformats.org/drawingml/2006/main" xmlns:r="http://schemas.openxmlformats.org/officeDocument/2006/relationships" xmlns:p="http://schemas.openxmlformats.org/presentationml/2006/main">
-  <p:cSld>
-    <p:spTree>
-      <p:nvGrpSpPr>
-        <p:cNvPr id="1" name=""/>
-        <p:cNvGrpSpPr/>
-        <p:nvPr/>
-      </p:nvGrpSpPr>
-      <p:grpSpPr>
-        <a:xfrm>
-          <a:off x="0" y="0"/>
-          <a:ext cx="0" cy="0"/>
-          <a:chOff x="0" y="0"/>
-          <a:chExt cx="0" cy="0"/>
-        </a:xfrm>
-      </p:grpSpPr>
-      <p:sp>
-        <p:nvSpPr>
-          <p:cNvPr id="2" name="Slide Image Placeholder 1"/>
-          <p:cNvSpPr>
-            <a:spLocks noGrp="1" noRot="1" noChangeAspect="1"/>
-          </p:cNvSpPr>
-          <p:nvPr>
-            <p:ph type="sldImg"/>
-          </p:nvPr>
-        </p:nvSpPr>
-        <p:spPr/>
-      </p:sp>
-      <p:sp>
-        <p:nvSpPr>
-          <p:cNvPr id="3" name="Notes Placeholder 2"/>
-          <p:cNvSpPr>
-            <a:spLocks noGrp="1"/>
-          </p:cNvSpPr>
-          <p:nvPr>
-            <p:ph type="body" idx="1"/>
-          </p:nvPr>
-        </p:nvSpPr>
-        <p:spPr/>
-        <p:txBody>
-          <a:bodyPr/>
-          <a:lstStyle/>
-          <a:p>
-            <a:pPr>
-              <a:spcAft>
-                <a:spcPts val="600"/>
-              </a:spcAft>
-            </a:pPr>
-            <a:r>
-              <a:rPr lang="en-US" sz="1200" dirty="0"/>
-              <a:t>Crime concentrations are found in the metropolitan area. </a:t>
-            </a:r>
-          </a:p>
-          <a:p>
-            <a:endParaRPr lang="en-US" dirty="0"/>
-          </a:p>
-        </p:txBody>
-      </p:sp>
-      <p:sp>
-        <p:nvSpPr>
-          <p:cNvPr id="4" name="Slide Number Placeholder 3"/>
-          <p:cNvSpPr>
-            <a:spLocks noGrp="1"/>
-          </p:cNvSpPr>
-          <p:nvPr>
-            <p:ph type="sldNum" sz="quarter" idx="5"/>
-          </p:nvPr>
-        </p:nvSpPr>
-        <p:spPr/>
-        <p:txBody>
-          <a:bodyPr/>
-          <a:lstStyle/>
-          <a:p>
-            <a:fld id="{9A9FD09C-8CDE-EC44-8006-13D124DBA38F}" type="slidenum">
-              <a:rPr lang="en-US" smtClean="0"/>
-              <a:t>19</a:t>
-            </a:fld>
-            <a:endParaRPr lang="en-US"/>
-          </a:p>
-        </p:txBody>
-      </p:sp>
-    </p:spTree>
-    <p:extLst>
-      <p:ext uri="{BB962C8B-B14F-4D97-AF65-F5344CB8AC3E}">
-        <p14:creationId xmlns:p14="http://schemas.microsoft.com/office/powerpoint/2010/main" val="3749441230"/>
-      </p:ext>
-    </p:extLst>
-  </p:cSld>
-  <p:clrMapOvr>
-    <a:masterClrMapping/>
-  </p:clrMapOvr>
-</p:notes>
-</file>
-
-<file path=ppt/notesSlides/notesSlide19.xml><?xml version="1.0" encoding="utf-8"?>
-<p:notes xmlns:a="http://schemas.openxmlformats.org/drawingml/2006/main" xmlns:r="http://schemas.openxmlformats.org/officeDocument/2006/relationships" xmlns:p="http://schemas.openxmlformats.org/presentationml/2006/main">
-  <p:cSld>
-    <p:spTree>
-      <p:nvGrpSpPr>
-        <p:cNvPr id="1" name=""/>
-        <p:cNvGrpSpPr/>
-        <p:nvPr/>
-      </p:nvGrpSpPr>
-      <p:grpSpPr>
-        <a:xfrm>
-          <a:off x="0" y="0"/>
-          <a:ext cx="0" cy="0"/>
-          <a:chOff x="0" y="0"/>
-          <a:chExt cx="0" cy="0"/>
-        </a:xfrm>
-      </p:grpSpPr>
-      <p:sp>
-        <p:nvSpPr>
-          <p:cNvPr id="2" name="Slide Image Placeholder 1"/>
-          <p:cNvSpPr>
-            <a:spLocks noGrp="1" noRot="1" noChangeAspect="1"/>
-          </p:cNvSpPr>
-          <p:nvPr>
-            <p:ph type="sldImg"/>
-          </p:nvPr>
-        </p:nvSpPr>
-        <p:spPr/>
-      </p:sp>
-      <p:sp>
-        <p:nvSpPr>
-          <p:cNvPr id="3" name="Notes Placeholder 2"/>
-          <p:cNvSpPr>
-            <a:spLocks noGrp="1"/>
-          </p:cNvSpPr>
-          <p:nvPr>
-            <p:ph type="body" idx="1"/>
-          </p:nvPr>
-        </p:nvSpPr>
-        <p:spPr/>
-        <p:txBody>
-          <a:bodyPr/>
-          <a:lstStyle/>
-          <a:p>
-            <a:endParaRPr lang="en-US" dirty="0"/>
-          </a:p>
-        </p:txBody>
-      </p:sp>
-      <p:sp>
-        <p:nvSpPr>
-          <p:cNvPr id="4" name="Slide Number Placeholder 3"/>
-          <p:cNvSpPr>
-            <a:spLocks noGrp="1"/>
-          </p:cNvSpPr>
-          <p:nvPr>
-            <p:ph type="sldNum" sz="quarter" idx="5"/>
-          </p:nvPr>
-        </p:nvSpPr>
-        <p:spPr/>
-        <p:txBody>
-          <a:bodyPr/>
-          <a:lstStyle/>
-          <a:p>
-            <a:fld id="{9A9FD09C-8CDE-EC44-8006-13D124DBA38F}" type="slidenum">
-              <a:rPr lang="en-US" smtClean="0"/>
-              <a:t>20</a:t>
             </a:fld>
             <a:endParaRPr lang="en-US"/>
           </a:p>
@@ -4784,6 +4363,18 @@
           <a:bodyPr/>
           <a:lstStyle/>
           <a:p>
+            <a:r>
+              <a:rPr lang="en-US" dirty="0"/>
+              <a:t>10 Largest cities in the Houston metropolitan area within a 50-mile radius</a:t>
+            </a:r>
+          </a:p>
+          <a:p>
+            <a:r>
+              <a:rPr lang="en-US" dirty="0"/>
+              <a:t>All cities have a population greater than 30,000 people</a:t>
+            </a:r>
+          </a:p>
+          <a:p>
             <a:endParaRPr lang="en-US" dirty="0"/>
           </a:p>
         </p:txBody>
@@ -4952,7 +4543,73 @@
           <a:bodyPr/>
           <a:lstStyle/>
           <a:p>
-            <a:endParaRPr lang="en-US" dirty="0"/>
+            <a:r>
+              <a:rPr lang="en-US" dirty="0">
+                <a:solidFill>
+                  <a:schemeClr val="tx1"/>
+                </a:solidFill>
+                <a:latin typeface="Arial" panose="020B0604020202020204" pitchFamily="34" charset="0"/>
+                <a:cs typeface="Arial" panose="020B0604020202020204" pitchFamily="34" charset="0"/>
+              </a:rPr>
+              <a:t>What is the average crime rate across the top 10 largest cities in the Houston metropolitan area?</a:t>
+            </a:r>
+          </a:p>
+          <a:p>
+            <a:r>
+              <a:rPr lang="en-US" dirty="0">
+                <a:solidFill>
+                  <a:schemeClr val="tx1"/>
+                </a:solidFill>
+                <a:latin typeface="Arial" panose="020B0604020202020204" pitchFamily="34" charset="0"/>
+                <a:cs typeface="Arial" panose="020B0604020202020204" pitchFamily="34" charset="0"/>
+              </a:rPr>
+              <a:t>What is the average and median sales price across the top 10 largest cities in the Houston metropolitan area?</a:t>
+            </a:r>
+          </a:p>
+          <a:p>
+            <a:r>
+              <a:rPr lang="en-US" dirty="0">
+                <a:solidFill>
+                  <a:schemeClr val="tx1"/>
+                </a:solidFill>
+                <a:latin typeface="Arial" panose="020B0604020202020204" pitchFamily="34" charset="0"/>
+                <a:cs typeface="Arial" panose="020B0604020202020204" pitchFamily="34" charset="0"/>
+              </a:rPr>
+              <a:t>Do houses stay on the market longer in higher crime areas?</a:t>
+            </a:r>
+          </a:p>
+          <a:p>
+            <a:r>
+              <a:rPr lang="en-US" dirty="0">
+                <a:solidFill>
+                  <a:schemeClr val="tx1"/>
+                </a:solidFill>
+                <a:latin typeface="Arial" panose="020B0604020202020204" pitchFamily="34" charset="0"/>
+                <a:cs typeface="Arial" panose="020B0604020202020204" pitchFamily="34" charset="0"/>
+              </a:rPr>
+              <a:t>Is there a correlation between average or median sales price and the average crime rate crime?</a:t>
+            </a:r>
+          </a:p>
+          <a:p>
+            <a:r>
+              <a:rPr lang="en-US" dirty="0">
+                <a:solidFill>
+                  <a:schemeClr val="tx1"/>
+                </a:solidFill>
+                <a:latin typeface="Arial" panose="020B0604020202020204" pitchFamily="34" charset="0"/>
+                <a:cs typeface="Arial" panose="020B0604020202020204" pitchFamily="34" charset="0"/>
+              </a:rPr>
+              <a:t>Do violent crimes or non-violent crimes have a bigger impact on home sales?</a:t>
+            </a:r>
+          </a:p>
+          <a:p>
+            <a:endParaRPr lang="en-US" dirty="0">
+              <a:solidFill>
+                <a:schemeClr val="tx1"/>
+              </a:solidFill>
+              <a:latin typeface="Arial" panose="020B0604020202020204" pitchFamily="34" charset="0"/>
+              <a:cs typeface="Arial" panose="020B0604020202020204" pitchFamily="34" charset="0"/>
+            </a:endParaRPr>
           </a:p>
         </p:txBody>
       </p:sp>
@@ -5036,6 +4693,61 @@
           <a:bodyPr/>
           <a:lstStyle/>
           <a:p>
+            <a:r>
+              <a:rPr lang="en-US" b="0" i="0" dirty="0">
+                <a:solidFill>
+                  <a:srgbClr val="1D1C1D"/>
+                </a:solidFill>
+                <a:effectLst/>
+                <a:latin typeface="Slack-Lato"/>
+              </a:rPr>
+              <a:t>•Top cities: Houston, Galveston, Baytown, Texas City, and Pasadena</a:t>
+            </a:r>
+            <a:br>
+              <a:rPr lang="en-US" dirty="0"/>
+            </a:br>
+            <a:r>
+              <a:rPr lang="en-US" b="0" i="0" dirty="0">
+                <a:solidFill>
+                  <a:srgbClr val="1D1C1D"/>
+                </a:solidFill>
+                <a:effectLst/>
+                <a:latin typeface="Slack-Lato"/>
+              </a:rPr>
+              <a:t>•Bottom cities: League city, Sugar Land, La Porte, Missouri City, Friendswood</a:t>
+            </a:r>
+            <a:br>
+              <a:rPr lang="en-US" dirty="0"/>
+            </a:br>
+            <a:r>
+              <a:rPr lang="en-US" b="0" i="0" dirty="0">
+                <a:solidFill>
+                  <a:srgbClr val="1D1C1D"/>
+                </a:solidFill>
+                <a:effectLst/>
+                <a:latin typeface="Slack-Lato"/>
+              </a:rPr>
+              <a:t>•For the top cities with the exception for Pasadena, the crime has decreased by 35-100 crimes per capita.</a:t>
+            </a:r>
+            <a:br>
+              <a:rPr lang="en-US" dirty="0"/>
+            </a:br>
+            <a:r>
+              <a:rPr lang="en-US" b="0" i="0" dirty="0">
+                <a:solidFill>
+                  <a:srgbClr val="1D1C1D"/>
+                </a:solidFill>
+                <a:effectLst/>
+                <a:latin typeface="Slack-Lato"/>
+              </a:rPr>
+              <a:t>•Our bottom cities saw little change over the last 7 years.</a:t>
+            </a:r>
+            <a:endParaRPr lang="en-US" dirty="0"/>
+          </a:p>
+          <a:p>
+            <a:endParaRPr lang="en-US" dirty="0"/>
+          </a:p>
+          <a:p>
             <a:endParaRPr lang="en-US" dirty="0"/>
           </a:p>
         </p:txBody>
@@ -5066,7 +4778,7 @@
     </p:spTree>
     <p:extLst>
       <p:ext uri="{BB962C8B-B14F-4D97-AF65-F5344CB8AC3E}">
-        <p14:creationId xmlns:p14="http://schemas.microsoft.com/office/powerpoint/2010/main" val="2894229224"/>
+        <p14:creationId xmlns:p14="http://schemas.microsoft.com/office/powerpoint/2010/main" val="2953972965"/>
       </p:ext>
     </p:extLst>
   </p:cSld>
@@ -5120,64 +4832,29 @@
           <a:bodyPr/>
           <a:lstStyle/>
           <a:p>
-            <a:pPr marL="0" indent="0">
-              <a:buFontTx/>
-              <a:buNone/>
-            </a:pPr>
             <a:r>
+              <a:rPr lang="en-US" b="0" i="0" dirty="0">
+                <a:solidFill>
+                  <a:srgbClr val="1D1C1D"/>
+                </a:solidFill>
+                <a:effectLst/>
+                <a:latin typeface="Slack-Lato"/>
+              </a:rPr>
+              <a:t>•It’s no surprise that Houston as a large metropolitan city leads in crime rate by roughly 100 crimes more than the runner up Galveston.</a:t>
+            </a:r>
+            <a:br>
               <a:rPr lang="en-US" dirty="0"/>
-              <a:t>The dataset exploits the unique crime drop that occurred in 2014. This allows us to take much broader perspective</a:t>
+            </a:br>
+            <a:r>
+              <a:rPr lang="en-US" b="0" i="0" dirty="0">
+                <a:solidFill>
+                  <a:srgbClr val="1D1C1D"/>
+                </a:solidFill>
+                <a:effectLst/>
+                <a:latin typeface="Slack-Lato"/>
+              </a:rPr>
+              <a:t>•Friendswood is our least dangerous city, more residential/suburbs which will provide a good comparison against our other cities</a:t>
             </a:r>
-          </a:p>
-          <a:p>
-            <a:r>
-              <a:rPr lang="en-US" dirty="0"/>
-              <a:t>on the relationship between crime and property values. We plot the yearly crime data in cities, this creates Pandas</a:t>
-            </a:r>
-          </a:p>
-          <a:p>
-            <a:r>
-              <a:rPr lang="en-US" dirty="0"/>
-              <a:t>series where the index is the year and values are the cities where the crime occurred in that year. We plot this yearly data</a:t>
-            </a:r>
-          </a:p>
-          <a:p>
-            <a:r>
-              <a:rPr lang="en-US" dirty="0"/>
-              <a:t>using matplotlib. </a:t>
-            </a:r>
-          </a:p>
-          <a:p>
-            <a:r>
-              <a:rPr lang="en-US" dirty="0">
-                <a:latin typeface="Arial" panose="020B0604020202020204" pitchFamily="34" charset="0"/>
-                <a:cs typeface="Arial" panose="020B0604020202020204" pitchFamily="34" charset="0"/>
-              </a:rPr>
-              <a:t>Crime rates have decreased about approximately 10 percent between 2016-2018.</a:t>
-            </a:r>
-          </a:p>
-          <a:p>
-            <a:r>
-              <a:rPr lang="en-US" dirty="0">
-                <a:latin typeface="Arial" panose="020B0604020202020204" pitchFamily="34" charset="0"/>
-                <a:cs typeface="Arial" panose="020B0604020202020204" pitchFamily="34" charset="0"/>
-              </a:rPr>
-              <a:t>Preliminary data indicates increase of average and median sales price in cities between 2016-2018. </a:t>
-            </a:r>
-          </a:p>
-          <a:p>
-            <a:r>
-              <a:rPr lang="en-US" dirty="0">
-                <a:latin typeface="Arial" panose="020B0604020202020204" pitchFamily="34" charset="0"/>
-                <a:cs typeface="Arial" panose="020B0604020202020204" pitchFamily="34" charset="0"/>
-              </a:rPr>
-              <a:t>Crime rates peaked around 2012, held steady until 2013, then decreased to 10 percent in 2014.</a:t>
-            </a:r>
-          </a:p>
-          <a:p>
-            <a:endParaRPr lang="en-US" dirty="0"/>
-          </a:p>
-          <a:p>
             <a:endParaRPr lang="en-US" dirty="0"/>
           </a:p>
         </p:txBody>
@@ -5208,7 +4885,7 @@
     </p:spTree>
     <p:extLst>
       <p:ext uri="{BB962C8B-B14F-4D97-AF65-F5344CB8AC3E}">
-        <p14:creationId xmlns:p14="http://schemas.microsoft.com/office/powerpoint/2010/main" val="2953972965"/>
+        <p14:creationId xmlns:p14="http://schemas.microsoft.com/office/powerpoint/2010/main" val="2381751485"/>
       </p:ext>
     </p:extLst>
   </p:cSld>
@@ -5262,26 +4939,9 @@
           <a:bodyPr/>
           <a:lstStyle/>
           <a:p>
-            <a:pPr marL="0" marR="0" lvl="0" indent="0" algn="l" defTabSz="914400" rtl="0" eaLnBrk="1" fontAlgn="auto" latinLnBrk="0" hangingPunct="1">
-              <a:lnSpc>
-                <a:spcPct val="100000"/>
-              </a:lnSpc>
-              <a:spcBef>
-                <a:spcPts val="0"/>
-              </a:spcBef>
-              <a:spcAft>
-                <a:spcPts val="0"/>
-              </a:spcAft>
-              <a:buClrTx/>
-              <a:buSzTx/>
-              <a:buFontTx/>
-              <a:buNone/>
-              <a:tabLst/>
-              <a:defRPr/>
-            </a:pPr>
             <a:r>
               <a:rPr lang="en-US" dirty="0"/>
-              <a:t>The trend of yearly crime has been steadily decreasing around </a:t>
+              <a:t>Residential burglaries and crime hot spots are illustrated in this map. Crime is not spread evenly, as it clumps in some areas and is absent in others. </a:t>
             </a:r>
           </a:p>
           <a:p>
@@ -5315,7 +4975,7 @@
     </p:spTree>
     <p:extLst>
       <p:ext uri="{BB962C8B-B14F-4D97-AF65-F5344CB8AC3E}">
-        <p14:creationId xmlns:p14="http://schemas.microsoft.com/office/powerpoint/2010/main" val="2381751485"/>
+        <p14:creationId xmlns:p14="http://schemas.microsoft.com/office/powerpoint/2010/main" val="4256310781"/>
       </p:ext>
     </p:extLst>
   </p:cSld>
@@ -5370,17 +5030,87 @@
           <a:lstStyle/>
           <a:p>
             <a:r>
+              <a:rPr lang="en-US" b="0" i="0" dirty="0">
+                <a:solidFill>
+                  <a:srgbClr val="1D1C1D"/>
+                </a:solidFill>
+                <a:effectLst/>
+                <a:latin typeface="Slack-Lato"/>
+              </a:rPr>
+              <a:t>•The breakdown shows that violent crime accounts for roughly 5-20% of the total crime therefore most of our total crime comes from property crime</a:t>
+            </a:r>
+            <a:br>
               <a:rPr lang="en-US" dirty="0"/>
-              <a:t>Residential burglaries and crime hot spots are illustrated in this map. Crime is not spread evenly, as it clumps in some </a:t>
+            </a:br>
+            <a:r>
+              <a:rPr lang="en-US" b="0" i="0" dirty="0">
+                <a:solidFill>
+                  <a:srgbClr val="1D1C1D"/>
+                </a:solidFill>
+                <a:effectLst/>
+                <a:latin typeface="Slack-Lato"/>
+              </a:rPr>
+              <a:t>•Here is a breakdown by type of crime.</a:t>
             </a:r>
-          </a:p>
-          <a:p>
+            <a:br>
+              <a:rPr lang="en-US" dirty="0"/>
+            </a:br>
             <a:r>
+              <a:rPr lang="en-US" b="0" i="0" dirty="0">
+                <a:solidFill>
+                  <a:srgbClr val="1D1C1D"/>
+                </a:solidFill>
+                <a:effectLst/>
+                <a:latin typeface="Slack-Lato"/>
+              </a:rPr>
+              <a:t>•Violent Crime: Murder, Rape, Robbery, Aggravated Assault.</a:t>
+            </a:r>
+            <a:br>
               <a:rPr lang="en-US" dirty="0"/>
-              <a:t>areas and is absent in others. </a:t>
+            </a:br>
+            <a:r>
+              <a:rPr lang="en-US" b="0" i="0" dirty="0">
+                <a:solidFill>
+                  <a:srgbClr val="1D1C1D"/>
+                </a:solidFill>
+                <a:effectLst/>
+                <a:latin typeface="Slack-Lato"/>
+              </a:rPr>
+              <a:t>•Property Crim: Property Crime Burglary Larceny Theft, </a:t>
             </a:r>
-          </a:p>
-          <a:p>
+            <a:r>
+              <a:rPr lang="en-US" b="0" i="0" dirty="0" err="1">
+                <a:solidFill>
+                  <a:srgbClr val="1D1C1D"/>
+                </a:solidFill>
+                <a:effectLst/>
+                <a:latin typeface="Slack-Lato"/>
+              </a:rPr>
+              <a:t>Morto</a:t>
+            </a:r>
+            <a:r>
+              <a:rPr lang="en-US" b="0" i="0" dirty="0">
+                <a:solidFill>
+                  <a:srgbClr val="1D1C1D"/>
+                </a:solidFill>
+                <a:effectLst/>
+                <a:latin typeface="Slack-Lato"/>
+              </a:rPr>
+              <a:t> Vehicle, Arson</a:t>
+            </a:r>
+            <a:br>
+              <a:rPr lang="en-US" dirty="0"/>
+            </a:br>
+            <a:r>
+              <a:rPr lang="en-US" b="0" i="0" dirty="0">
+                <a:solidFill>
+                  <a:srgbClr val="1D1C1D"/>
+                </a:solidFill>
+                <a:effectLst/>
+                <a:latin typeface="Slack-Lato"/>
+              </a:rPr>
+              <a:t>•Now Andres will walk us through how the housing prices for the housing market looked like for these cities.</a:t>
+            </a:r>
             <a:endParaRPr lang="en-US" dirty="0"/>
           </a:p>
         </p:txBody>
@@ -5411,7 +5141,7 @@
     </p:spTree>
     <p:extLst>
       <p:ext uri="{BB962C8B-B14F-4D97-AF65-F5344CB8AC3E}">
-        <p14:creationId xmlns:p14="http://schemas.microsoft.com/office/powerpoint/2010/main" val="4256310781"/>
+        <p14:creationId xmlns:p14="http://schemas.microsoft.com/office/powerpoint/2010/main" val="3548334798"/>
       </p:ext>
     </p:extLst>
   </p:cSld>
@@ -5465,6 +5195,34 @@
           <a:bodyPr/>
           <a:lstStyle/>
           <a:p>
+            <a:pPr marL="0" marR="0" lvl="0" indent="0" algn="l" defTabSz="914400" rtl="0" eaLnBrk="1" fontAlgn="auto" latinLnBrk="0" hangingPunct="1">
+              <a:lnSpc>
+                <a:spcPct val="100000"/>
+              </a:lnSpc>
+              <a:spcBef>
+                <a:spcPts val="0"/>
+              </a:spcBef>
+              <a:spcAft>
+                <a:spcPts val="0"/>
+              </a:spcAft>
+              <a:buClrTx/>
+              <a:buSzTx/>
+              <a:buFontTx/>
+              <a:buNone/>
+              <a:tabLst/>
+              <a:defRPr/>
+            </a:pPr>
+            <a:r>
+              <a:rPr lang="en-US" dirty="0">
+                <a:solidFill>
+                  <a:schemeClr val="bg1"/>
+                </a:solidFill>
+              </a:rPr>
+              <a:t>This graph shows a steady increase of house values from 2012 through 2018, can see sugar land up top …_ cities in the middle …__cities at the bottom</a:t>
+            </a:r>
+            <a:endParaRPr lang="en-US" dirty="0"/>
+          </a:p>
+          <a:p>
             <a:endParaRPr lang="en-US" dirty="0"/>
           </a:p>
         </p:txBody>
@@ -5495,7 +5253,7 @@
     </p:spTree>
     <p:extLst>
       <p:ext uri="{BB962C8B-B14F-4D97-AF65-F5344CB8AC3E}">
-        <p14:creationId xmlns:p14="http://schemas.microsoft.com/office/powerpoint/2010/main" val="3548334798"/>
+        <p14:creationId xmlns:p14="http://schemas.microsoft.com/office/powerpoint/2010/main" val="565390749"/>
       </p:ext>
     </p:extLst>
   </p:cSld>
@@ -9849,455 +9607,6 @@
       </p:grpSpPr>
       <p:sp useBgFill="1">
         <p:nvSpPr>
-          <p:cNvPr id="19" name="Rectangle 18">
-            <a:extLst>
-              <a:ext uri="{FF2B5EF4-FFF2-40B4-BE49-F238E27FC236}">
-                <a16:creationId xmlns:a16="http://schemas.microsoft.com/office/drawing/2014/main" id="{B5DC95B7-2A72-483B-BA19-2BE751205541}"/>
-              </a:ext>
-              <a:ext uri="{C183D7F6-B498-43B3-948B-1728B52AA6E4}">
-                <adec:decorative xmlns:adec="http://schemas.microsoft.com/office/drawing/2017/decorative" val="1"/>
-              </a:ext>
-            </a:extLst>
-          </p:cNvPr>
-          <p:cNvSpPr>
-            <a:spLocks noGrp="1" noRot="1" noChangeAspect="1" noMove="1" noResize="1" noEditPoints="1" noAdjustHandles="1" noChangeArrowheads="1" noChangeShapeType="1" noTextEdit="1"/>
-          </p:cNvSpPr>
-          <p:nvPr>
-            <p:extLst>
-              <p:ext uri="{386F3935-93C4-4BCD-93E2-E3B085C9AB24}">
-                <p16:designElem xmlns:p16="http://schemas.microsoft.com/office/powerpoint/2015/main" val="1"/>
-              </p:ext>
-            </p:extLst>
-          </p:nvPr>
-        </p:nvSpPr>
-        <p:spPr>
-          <a:xfrm>
-            <a:off x="0" y="0"/>
-            <a:ext cx="12192000" cy="6858000"/>
-          </a:xfrm>
-          <a:prstGeom prst="rect">
-            <a:avLst/>
-          </a:prstGeom>
-          <a:ln>
-            <a:noFill/>
-          </a:ln>
-        </p:spPr>
-        <p:style>
-          <a:lnRef idx="2">
-            <a:schemeClr val="accent1">
-              <a:shade val="50000"/>
-            </a:schemeClr>
-          </a:lnRef>
-          <a:fillRef idx="1">
-            <a:schemeClr val="accent1"/>
-          </a:fillRef>
-          <a:effectRef idx="0">
-            <a:schemeClr val="accent1"/>
-          </a:effectRef>
-          <a:fontRef idx="minor">
-            <a:schemeClr val="lt1"/>
-          </a:fontRef>
-        </p:style>
-        <p:txBody>
-          <a:bodyPr rtlCol="0" anchor="ctr"/>
-          <a:lstStyle/>
-          <a:p>
-            <a:pPr algn="ctr"/>
-            <a:endParaRPr lang="en-US"/>
-          </a:p>
-        </p:txBody>
-      </p:sp>
-      <p:sp>
-        <p:nvSpPr>
-          <p:cNvPr id="21" name="Rectangle 20">
-            <a:extLst>
-              <a:ext uri="{FF2B5EF4-FFF2-40B4-BE49-F238E27FC236}">
-                <a16:creationId xmlns:a16="http://schemas.microsoft.com/office/drawing/2014/main" id="{1C822AFE-7E96-4A51-9E55-FCAEACD21357}"/>
-              </a:ext>
-              <a:ext uri="{C183D7F6-B498-43B3-948B-1728B52AA6E4}">
-                <adec:decorative xmlns:adec="http://schemas.microsoft.com/office/drawing/2017/decorative" val="1"/>
-              </a:ext>
-            </a:extLst>
-          </p:cNvPr>
-          <p:cNvSpPr>
-            <a:spLocks noGrp="1" noRot="1" noChangeAspect="1" noMove="1" noResize="1" noEditPoints="1" noAdjustHandles="1" noChangeArrowheads="1" noChangeShapeType="1" noTextEdit="1"/>
-          </p:cNvSpPr>
-          <p:nvPr>
-            <p:extLst>
-              <p:ext uri="{386F3935-93C4-4BCD-93E2-E3B085C9AB24}">
-                <p16:designElem xmlns:p16="http://schemas.microsoft.com/office/powerpoint/2015/main" val="1"/>
-              </p:ext>
-            </p:extLst>
-          </p:nvPr>
-        </p:nvSpPr>
-        <p:spPr>
-          <a:xfrm>
-            <a:off x="7850120" y="757325"/>
-            <a:ext cx="4341880" cy="5329325"/>
-          </a:xfrm>
-          <a:prstGeom prst="rect">
-            <a:avLst/>
-          </a:prstGeom>
-          <a:solidFill>
-            <a:schemeClr val="accent1"/>
-          </a:solidFill>
-          <a:ln>
-            <a:noFill/>
-          </a:ln>
-        </p:spPr>
-        <p:style>
-          <a:lnRef idx="2">
-            <a:schemeClr val="accent1">
-              <a:shade val="50000"/>
-            </a:schemeClr>
-          </a:lnRef>
-          <a:fillRef idx="1">
-            <a:schemeClr val="accent1"/>
-          </a:fillRef>
-          <a:effectRef idx="0">
-            <a:schemeClr val="accent1"/>
-          </a:effectRef>
-          <a:fontRef idx="minor">
-            <a:schemeClr val="lt1"/>
-          </a:fontRef>
-        </p:style>
-        <p:txBody>
-          <a:bodyPr rtlCol="0" anchor="ctr"/>
-          <a:lstStyle/>
-          <a:p>
-            <a:pPr algn="ctr"/>
-            <a:endParaRPr lang="en-US"/>
-          </a:p>
-        </p:txBody>
-      </p:sp>
-      <p:sp>
-        <p:nvSpPr>
-          <p:cNvPr id="9" name="Title 4">
-            <a:extLst>
-              <a:ext uri="{FF2B5EF4-FFF2-40B4-BE49-F238E27FC236}">
-                <a16:creationId xmlns:a16="http://schemas.microsoft.com/office/drawing/2014/main" id="{B3BCF04F-53F8-EB44-86BC-8E673A80BEE2}"/>
-              </a:ext>
-            </a:extLst>
-          </p:cNvPr>
-          <p:cNvSpPr txBox="1">
-            <a:spLocks/>
-          </p:cNvSpPr>
-          <p:nvPr/>
-        </p:nvSpPr>
-        <p:spPr>
-          <a:xfrm>
-            <a:off x="7850119" y="570479"/>
-            <a:ext cx="4341881" cy="1527244"/>
-          </a:xfrm>
-          <a:prstGeom prst="rect">
-            <a:avLst/>
-          </a:prstGeom>
-        </p:spPr>
-        <p:txBody>
-          <a:bodyPr vert="horz" lIns="91440" tIns="45720" rIns="91440" bIns="45720" rtlCol="0" anchor="ctr">
-            <a:normAutofit/>
-          </a:bodyPr>
-          <a:lstStyle>
-            <a:lvl1pPr algn="l" defTabSz="914400" rtl="0" eaLnBrk="1" latinLnBrk="0" hangingPunct="1">
-              <a:lnSpc>
-                <a:spcPct val="90000"/>
-              </a:lnSpc>
-              <a:spcBef>
-                <a:spcPct val="0"/>
-              </a:spcBef>
-              <a:buNone/>
-              <a:defRPr sz="4400" kern="1200">
-                <a:solidFill>
-                  <a:schemeClr val="tx1"/>
-                </a:solidFill>
-                <a:latin typeface="+mj-lt"/>
-                <a:ea typeface="+mj-ea"/>
-                <a:cs typeface="+mj-cs"/>
-              </a:defRPr>
-            </a:lvl1pPr>
-          </a:lstStyle>
-          <a:p>
-            <a:pPr algn="r">
-              <a:spcAft>
-                <a:spcPts val="600"/>
-              </a:spcAft>
-            </a:pPr>
-            <a:r>
-              <a:rPr lang="en-US" sz="2800" b="1" spc="-60" dirty="0">
-                <a:solidFill>
-                  <a:srgbClr val="FFFFFF"/>
-                </a:solidFill>
-                <a:latin typeface="Arial" panose="020B0604020202020204" pitchFamily="34" charset="0"/>
-                <a:cs typeface="Arial" panose="020B0604020202020204" pitchFamily="34" charset="0"/>
-              </a:rPr>
-              <a:t>MEDIAN SALE PRICE PER CIT</a:t>
-            </a:r>
-            <a:r>
-              <a:rPr lang="en-US" sz="3200" b="1" spc="-60" dirty="0">
-                <a:solidFill>
-                  <a:srgbClr val="FFFFFF"/>
-                </a:solidFill>
-              </a:rPr>
-              <a:t>Y</a:t>
-            </a:r>
-            <a:endParaRPr lang="en-US" sz="3200" spc="-60" dirty="0">
-              <a:solidFill>
-                <a:srgbClr val="FFFFFF"/>
-              </a:solidFill>
-            </a:endParaRPr>
-          </a:p>
-        </p:txBody>
-      </p:sp>
-      <p:sp>
-        <p:nvSpPr>
-          <p:cNvPr id="23" name="Rectangle 22">
-            <a:extLst>
-              <a:ext uri="{FF2B5EF4-FFF2-40B4-BE49-F238E27FC236}">
-                <a16:creationId xmlns:a16="http://schemas.microsoft.com/office/drawing/2014/main" id="{9169EA61-C175-4B7E-807B-58199DEA7FB3}"/>
-              </a:ext>
-              <a:ext uri="{C183D7F6-B498-43B3-948B-1728B52AA6E4}">
-                <adec:decorative xmlns:adec="http://schemas.microsoft.com/office/drawing/2017/decorative" val="1"/>
-              </a:ext>
-            </a:extLst>
-          </p:cNvPr>
-          <p:cNvSpPr>
-            <a:spLocks noGrp="1" noRot="1" noChangeAspect="1" noMove="1" noResize="1" noEditPoints="1" noAdjustHandles="1" noChangeArrowheads="1" noChangeShapeType="1" noTextEdit="1"/>
-          </p:cNvSpPr>
-          <p:nvPr>
-            <p:extLst>
-              <p:ext uri="{386F3935-93C4-4BCD-93E2-E3B085C9AB24}">
-                <p16:designElem xmlns:p16="http://schemas.microsoft.com/office/powerpoint/2015/main" val="1"/>
-              </p:ext>
-            </p:extLst>
-          </p:nvPr>
-        </p:nvSpPr>
-        <p:spPr>
-          <a:xfrm>
-            <a:off x="0" y="758952"/>
-            <a:ext cx="384048" cy="5330952"/>
-          </a:xfrm>
-          <a:prstGeom prst="rect">
-            <a:avLst/>
-          </a:prstGeom>
-          <a:solidFill>
-            <a:srgbClr val="C8C8C8">
-              <a:alpha val="49804"/>
-            </a:srgbClr>
-          </a:solidFill>
-          <a:ln>
-            <a:noFill/>
-          </a:ln>
-        </p:spPr>
-        <p:style>
-          <a:lnRef idx="2">
-            <a:schemeClr val="accent1">
-              <a:shade val="50000"/>
-            </a:schemeClr>
-          </a:lnRef>
-          <a:fillRef idx="1">
-            <a:schemeClr val="accent1"/>
-          </a:fillRef>
-          <a:effectRef idx="0">
-            <a:schemeClr val="accent1"/>
-          </a:effectRef>
-          <a:fontRef idx="minor">
-            <a:schemeClr val="lt1"/>
-          </a:fontRef>
-        </p:style>
-      </p:sp>
-      <p:pic>
-        <p:nvPicPr>
-          <p:cNvPr id="25" name="Picture 24" descr="A large city landscape&#10;&#10;Description automatically generated">
-            <a:extLst>
-              <a:ext uri="{FF2B5EF4-FFF2-40B4-BE49-F238E27FC236}">
-                <a16:creationId xmlns:a16="http://schemas.microsoft.com/office/drawing/2014/main" id="{0A7692BE-CC2E-CB4F-A87F-0B76FA604780}"/>
-              </a:ext>
-            </a:extLst>
-          </p:cNvPr>
-          <p:cNvPicPr>
-            <a:picLocks noChangeAspect="1"/>
-          </p:cNvPicPr>
-          <p:nvPr/>
-        </p:nvPicPr>
-        <p:blipFill>
-          <a:blip r:embed="rId3">
-            <a:extLst>
-              <a:ext uri="{837473B0-CC2E-450A-ABE3-18F120FF3D39}">
-                <a1611:picAttrSrcUrl xmlns:a1611="http://schemas.microsoft.com/office/drawing/2016/11/main" r:id="rId4"/>
-              </a:ext>
-            </a:extLst>
-          </a:blip>
-          <a:stretch>
-            <a:fillRect/>
-          </a:stretch>
-        </p:blipFill>
-        <p:spPr>
-          <a:xfrm>
-            <a:off x="7850119" y="2205025"/>
-            <a:ext cx="4341879" cy="2855859"/>
-          </a:xfrm>
-          <a:prstGeom prst="rect">
-            <a:avLst/>
-          </a:prstGeom>
-        </p:spPr>
-      </p:pic>
-      <p:pic>
-        <p:nvPicPr>
-          <p:cNvPr id="27" name="Picture 26" descr="A close up of a map&#10;&#10;Description automatically generated">
-            <a:extLst>
-              <a:ext uri="{FF2B5EF4-FFF2-40B4-BE49-F238E27FC236}">
-                <a16:creationId xmlns:a16="http://schemas.microsoft.com/office/drawing/2014/main" id="{98F44107-7837-304C-92B5-3E47D28C9044}"/>
-              </a:ext>
-            </a:extLst>
-          </p:cNvPr>
-          <p:cNvPicPr>
-            <a:picLocks noChangeAspect="1"/>
-          </p:cNvPicPr>
-          <p:nvPr/>
-        </p:nvPicPr>
-        <p:blipFill rotWithShape="1">
-          <a:blip r:embed="rId5"/>
-          <a:srcRect l="5765" t="7270" r="8084" b="5949"/>
-          <a:stretch/>
-        </p:blipFill>
-        <p:spPr>
-          <a:xfrm>
-            <a:off x="384048" y="1031357"/>
-            <a:ext cx="7466859" cy="4848447"/>
-          </a:xfrm>
-          <a:prstGeom prst="rect">
-            <a:avLst/>
-          </a:prstGeom>
-        </p:spPr>
-      </p:pic>
-      <p:cxnSp>
-        <p:nvCxnSpPr>
-          <p:cNvPr id="8" name="Straight Connector 7">
-            <a:extLst>
-              <a:ext uri="{FF2B5EF4-FFF2-40B4-BE49-F238E27FC236}">
-                <a16:creationId xmlns:a16="http://schemas.microsoft.com/office/drawing/2014/main" id="{BABECA19-315C-4C13-A2EE-B4960F8DE411}"/>
-              </a:ext>
-            </a:extLst>
-          </p:cNvPr>
-          <p:cNvCxnSpPr/>
-          <p:nvPr/>
-        </p:nvCxnSpPr>
-        <p:spPr>
-          <a:xfrm>
-            <a:off x="0" y="758952"/>
-            <a:ext cx="12199912" cy="0"/>
-          </a:xfrm>
-          <a:prstGeom prst="line">
-            <a:avLst/>
-          </a:prstGeom>
-          <a:ln w="19050">
-            <a:solidFill>
-              <a:schemeClr val="bg2">
-                <a:lumMod val="60000"/>
-                <a:lumOff val="40000"/>
-              </a:schemeClr>
-            </a:solidFill>
-          </a:ln>
-        </p:spPr>
-        <p:style>
-          <a:lnRef idx="1">
-            <a:schemeClr val="accent1"/>
-          </a:lnRef>
-          <a:fillRef idx="0">
-            <a:schemeClr val="accent1"/>
-          </a:fillRef>
-          <a:effectRef idx="0">
-            <a:schemeClr val="accent1"/>
-          </a:effectRef>
-          <a:fontRef idx="minor">
-            <a:schemeClr val="tx1"/>
-          </a:fontRef>
-        </p:style>
-      </p:cxnSp>
-      <p:cxnSp>
-        <p:nvCxnSpPr>
-          <p:cNvPr id="10" name="Straight Connector 9">
-            <a:extLst>
-              <a:ext uri="{FF2B5EF4-FFF2-40B4-BE49-F238E27FC236}">
-                <a16:creationId xmlns:a16="http://schemas.microsoft.com/office/drawing/2014/main" id="{72112AF6-D2BD-4764-8C54-79C4F6A25755}"/>
-              </a:ext>
-            </a:extLst>
-          </p:cNvPr>
-          <p:cNvCxnSpPr/>
-          <p:nvPr/>
-        </p:nvCxnSpPr>
-        <p:spPr>
-          <a:xfrm>
-            <a:off x="-7914" y="6089904"/>
-            <a:ext cx="12199912" cy="0"/>
-          </a:xfrm>
-          <a:prstGeom prst="line">
-            <a:avLst/>
-          </a:prstGeom>
-          <a:ln w="19050">
-            <a:solidFill>
-              <a:schemeClr val="bg2">
-                <a:lumMod val="60000"/>
-                <a:lumOff val="40000"/>
-              </a:schemeClr>
-            </a:solidFill>
-          </a:ln>
-        </p:spPr>
-        <p:style>
-          <a:lnRef idx="1">
-            <a:schemeClr val="accent1"/>
-          </a:lnRef>
-          <a:fillRef idx="0">
-            <a:schemeClr val="accent1"/>
-          </a:fillRef>
-          <a:effectRef idx="0">
-            <a:schemeClr val="accent1"/>
-          </a:effectRef>
-          <a:fontRef idx="minor">
-            <a:schemeClr val="tx1"/>
-          </a:fontRef>
-        </p:style>
-      </p:cxnSp>
-    </p:spTree>
-    <p:extLst>
-      <p:ext uri="{BB962C8B-B14F-4D97-AF65-F5344CB8AC3E}">
-        <p14:creationId xmlns:p14="http://schemas.microsoft.com/office/powerpoint/2010/main" val="3752212198"/>
-      </p:ext>
-    </p:extLst>
-  </p:cSld>
-  <p:clrMapOvr>
-    <a:masterClrMapping/>
-  </p:clrMapOvr>
-</p:sld>
-</file>
-
-<file path=ppt/slides/slide11.xml><?xml version="1.0" encoding="utf-8"?>
-<p:sld xmlns:a="http://schemas.openxmlformats.org/drawingml/2006/main" xmlns:r="http://schemas.openxmlformats.org/officeDocument/2006/relationships" xmlns:p="http://schemas.openxmlformats.org/presentationml/2006/main">
-  <p:cSld>
-    <p:bg>
-      <p:bgPr>
-        <a:solidFill>
-          <a:schemeClr val="bg1"/>
-        </a:solidFill>
-        <a:effectLst/>
-      </p:bgPr>
-    </p:bg>
-    <p:spTree>
-      <p:nvGrpSpPr>
-        <p:cNvPr id="1" name=""/>
-        <p:cNvGrpSpPr/>
-        <p:nvPr/>
-      </p:nvGrpSpPr>
-      <p:grpSpPr>
-        <a:xfrm>
-          <a:off x="0" y="0"/>
-          <a:ext cx="0" cy="0"/>
-          <a:chOff x="0" y="0"/>
-          <a:chExt cx="0" cy="0"/>
-        </a:xfrm>
-      </p:grpSpPr>
-      <p:sp useBgFill="1">
-        <p:nvSpPr>
           <p:cNvPr id="20" name="Rectangle 19">
             <a:extLst>
               <a:ext uri="{FF2B5EF4-FFF2-40B4-BE49-F238E27FC236}">
@@ -10700,7 +10009,7 @@
 </p:sld>
 </file>
 
-<file path=ppt/slides/slide12.xml><?xml version="1.0" encoding="utf-8"?>
+<file path=ppt/slides/slide11.xml><?xml version="1.0" encoding="utf-8"?>
 <p:sld xmlns:a="http://schemas.openxmlformats.org/drawingml/2006/main" xmlns:r="http://schemas.openxmlformats.org/officeDocument/2006/relationships" xmlns:p="http://schemas.openxmlformats.org/presentationml/2006/main">
   <p:cSld>
     <p:bg>
@@ -11024,8 +10333,8 @@
         </p:blipFill>
         <p:spPr>
           <a:xfrm>
-            <a:off x="1" y="2226581"/>
-            <a:ext cx="3566854" cy="2377322"/>
+            <a:off x="0" y="2226580"/>
+            <a:ext cx="3572539" cy="2381111"/>
           </a:xfrm>
           <a:prstGeom prst="rect">
             <a:avLst/>
@@ -11133,6 +10442,303 @@
 </p:sld>
 </file>
 
+<file path=ppt/slides/slide12.xml><?xml version="1.0" encoding="utf-8"?>
+<p:sld xmlns:a="http://schemas.openxmlformats.org/drawingml/2006/main" xmlns:r="http://schemas.openxmlformats.org/officeDocument/2006/relationships" xmlns:p="http://schemas.openxmlformats.org/presentationml/2006/main">
+  <p:cSld>
+    <p:bg>
+      <p:bgPr>
+        <a:solidFill>
+          <a:schemeClr val="bg1"/>
+        </a:solidFill>
+        <a:effectLst/>
+      </p:bgPr>
+    </p:bg>
+    <p:spTree>
+      <p:nvGrpSpPr>
+        <p:cNvPr id="1" name=""/>
+        <p:cNvGrpSpPr/>
+        <p:nvPr/>
+      </p:nvGrpSpPr>
+      <p:grpSpPr>
+        <a:xfrm>
+          <a:off x="0" y="0"/>
+          <a:ext cx="0" cy="0"/>
+          <a:chOff x="0" y="0"/>
+          <a:chExt cx="0" cy="0"/>
+        </a:xfrm>
+      </p:grpSpPr>
+      <p:sp>
+        <p:nvSpPr>
+          <p:cNvPr id="4" name="Title 3">
+            <a:extLst>
+              <a:ext uri="{FF2B5EF4-FFF2-40B4-BE49-F238E27FC236}">
+                <a16:creationId xmlns:a16="http://schemas.microsoft.com/office/drawing/2014/main" id="{24063DA0-2F33-304A-B21C-735EE066A8D9}"/>
+              </a:ext>
+            </a:extLst>
+          </p:cNvPr>
+          <p:cNvSpPr>
+            <a:spLocks noGrp="1"/>
+          </p:cNvSpPr>
+          <p:nvPr>
+            <p:ph type="title"/>
+          </p:nvPr>
+        </p:nvSpPr>
+        <p:spPr>
+          <a:xfrm>
+            <a:off x="116958" y="1211974"/>
+            <a:ext cx="3115340" cy="4699728"/>
+          </a:xfrm>
+        </p:spPr>
+        <p:txBody>
+          <a:bodyPr vert="horz" lIns="91440" tIns="45720" rIns="91440" bIns="45720" rtlCol="0" anchor="ctr">
+            <a:normAutofit/>
+          </a:bodyPr>
+          <a:lstStyle/>
+          <a:p>
+            <a:pPr>
+              <a:spcAft>
+                <a:spcPts val="600"/>
+              </a:spcAft>
+            </a:pPr>
+            <a:r>
+              <a:rPr lang="en-US" b="1" cap="all" dirty="0">
+                <a:latin typeface="Arial" panose="020B0604020202020204" pitchFamily="34" charset="0"/>
+                <a:cs typeface="Arial" panose="020B0604020202020204" pitchFamily="34" charset="0"/>
+              </a:rPr>
+              <a:t>Sales Price </a:t>
+            </a:r>
+            <a:r>
+              <a:rPr lang="en-US" b="1" cap="small" dirty="0">
+                <a:latin typeface="Arial" panose="020B0604020202020204" pitchFamily="34" charset="0"/>
+                <a:cs typeface="Arial" panose="020B0604020202020204" pitchFamily="34" charset="0"/>
+              </a:rPr>
+              <a:t>vs</a:t>
+            </a:r>
+            <a:r>
+              <a:rPr lang="en-US" b="1" cap="all" dirty="0">
+                <a:latin typeface="Arial" panose="020B0604020202020204" pitchFamily="34" charset="0"/>
+                <a:cs typeface="Arial" panose="020B0604020202020204" pitchFamily="34" charset="0"/>
+              </a:rPr>
+              <a:t> Crime Rate</a:t>
+            </a:r>
+          </a:p>
+        </p:txBody>
+      </p:sp>
+      <p:sp>
+        <p:nvSpPr>
+          <p:cNvPr id="7" name="Rectangle 6">
+            <a:extLst>
+              <a:ext uri="{FF2B5EF4-FFF2-40B4-BE49-F238E27FC236}">
+                <a16:creationId xmlns:a16="http://schemas.microsoft.com/office/drawing/2014/main" id="{1BA10EEF-41F6-B944-B371-9708FBBF1100}"/>
+              </a:ext>
+            </a:extLst>
+          </p:cNvPr>
+          <p:cNvSpPr/>
+          <p:nvPr/>
+        </p:nvSpPr>
+        <p:spPr>
+          <a:xfrm>
+            <a:off x="5977216" y="5455387"/>
+            <a:ext cx="237566" cy="646331"/>
+          </a:xfrm>
+          <a:prstGeom prst="rect">
+            <a:avLst/>
+          </a:prstGeom>
+        </p:spPr>
+        <p:txBody>
+          <a:bodyPr wrap="none">
+            <a:spAutoFit/>
+          </a:bodyPr>
+          <a:lstStyle/>
+          <a:p>
+            <a:pPr algn="ctr"/>
+            <a:r>
+              <a:rPr lang="en-US" dirty="0"/>
+              <a:t> </a:t>
+            </a:r>
+          </a:p>
+          <a:p>
+            <a:pPr algn="ctr"/>
+            <a:endParaRPr lang="en-US" dirty="0"/>
+          </a:p>
+        </p:txBody>
+      </p:sp>
+      <p:sp>
+        <p:nvSpPr>
+          <p:cNvPr id="6" name="AutoShape 2">
+            <a:extLst>
+              <a:ext uri="{FF2B5EF4-FFF2-40B4-BE49-F238E27FC236}">
+                <a16:creationId xmlns:a16="http://schemas.microsoft.com/office/drawing/2014/main" id="{3D805F74-D447-4089-BC03-E18CEB0F63B9}"/>
+              </a:ext>
+            </a:extLst>
+          </p:cNvPr>
+          <p:cNvSpPr>
+            <a:spLocks noChangeAspect="1" noChangeArrowheads="1"/>
+          </p:cNvSpPr>
+          <p:nvPr/>
+        </p:nvSpPr>
+        <p:spPr bwMode="auto">
+          <a:xfrm>
+            <a:off x="5943600" y="3276600"/>
+            <a:ext cx="304800" cy="304800"/>
+          </a:xfrm>
+          <a:prstGeom prst="rect">
+            <a:avLst/>
+          </a:prstGeom>
+          <a:noFill/>
+          <a:extLst>
+            <a:ext uri="{909E8E84-426E-40DD-AFC4-6F175D3DCCD1}">
+              <a14:hiddenFill xmlns:a14="http://schemas.microsoft.com/office/drawing/2010/main">
+                <a:solidFill>
+                  <a:srgbClr val="FFFFFF"/>
+                </a:solidFill>
+              </a14:hiddenFill>
+            </a:ext>
+          </a:extLst>
+        </p:spPr>
+        <p:txBody>
+          <a:bodyPr vert="horz" wrap="square" lIns="91440" tIns="45720" rIns="91440" bIns="45720" numCol="1" anchor="t" anchorCtr="0" compatLnSpc="1">
+            <a:prstTxWarp prst="textNoShape">
+              <a:avLst/>
+            </a:prstTxWarp>
+          </a:bodyPr>
+          <a:lstStyle/>
+          <a:p>
+            <a:endParaRPr lang="en-US"/>
+          </a:p>
+        </p:txBody>
+      </p:sp>
+      <p:cxnSp>
+        <p:nvCxnSpPr>
+          <p:cNvPr id="11" name="Straight Connector 10">
+            <a:extLst>
+              <a:ext uri="{FF2B5EF4-FFF2-40B4-BE49-F238E27FC236}">
+                <a16:creationId xmlns:a16="http://schemas.microsoft.com/office/drawing/2014/main" id="{691D9F37-4F8C-4F3C-BF47-D86BE03825D5}"/>
+              </a:ext>
+            </a:extLst>
+          </p:cNvPr>
+          <p:cNvCxnSpPr/>
+          <p:nvPr/>
+        </p:nvCxnSpPr>
+        <p:spPr>
+          <a:xfrm>
+            <a:off x="0" y="758952"/>
+            <a:ext cx="12199912" cy="0"/>
+          </a:xfrm>
+          <a:prstGeom prst="line">
+            <a:avLst/>
+          </a:prstGeom>
+          <a:ln w="19050">
+            <a:solidFill>
+              <a:schemeClr val="bg2">
+                <a:lumMod val="60000"/>
+                <a:lumOff val="40000"/>
+              </a:schemeClr>
+            </a:solidFill>
+          </a:ln>
+        </p:spPr>
+        <p:style>
+          <a:lnRef idx="1">
+            <a:schemeClr val="accent1"/>
+          </a:lnRef>
+          <a:fillRef idx="0">
+            <a:schemeClr val="accent1"/>
+          </a:fillRef>
+          <a:effectRef idx="0">
+            <a:schemeClr val="accent1"/>
+          </a:effectRef>
+          <a:fontRef idx="minor">
+            <a:schemeClr val="tx1"/>
+          </a:fontRef>
+        </p:style>
+      </p:cxnSp>
+      <p:cxnSp>
+        <p:nvCxnSpPr>
+          <p:cNvPr id="12" name="Straight Connector 11">
+            <a:extLst>
+              <a:ext uri="{FF2B5EF4-FFF2-40B4-BE49-F238E27FC236}">
+                <a16:creationId xmlns:a16="http://schemas.microsoft.com/office/drawing/2014/main" id="{9F70DC8C-12CC-452B-8F34-734FBC31D363}"/>
+              </a:ext>
+            </a:extLst>
+          </p:cNvPr>
+          <p:cNvCxnSpPr/>
+          <p:nvPr/>
+        </p:nvCxnSpPr>
+        <p:spPr>
+          <a:xfrm>
+            <a:off x="-7914" y="6089904"/>
+            <a:ext cx="12199912" cy="0"/>
+          </a:xfrm>
+          <a:prstGeom prst="line">
+            <a:avLst/>
+          </a:prstGeom>
+          <a:ln w="19050">
+            <a:solidFill>
+              <a:schemeClr val="bg2">
+                <a:lumMod val="60000"/>
+                <a:lumOff val="40000"/>
+              </a:schemeClr>
+            </a:solidFill>
+          </a:ln>
+        </p:spPr>
+        <p:style>
+          <a:lnRef idx="1">
+            <a:schemeClr val="accent1"/>
+          </a:lnRef>
+          <a:fillRef idx="0">
+            <a:schemeClr val="accent1"/>
+          </a:fillRef>
+          <a:effectRef idx="0">
+            <a:schemeClr val="accent1"/>
+          </a:effectRef>
+          <a:fontRef idx="minor">
+            <a:schemeClr val="tx1"/>
+          </a:fontRef>
+        </p:style>
+      </p:cxnSp>
+      <p:pic>
+        <p:nvPicPr>
+          <p:cNvPr id="8" name="Picture 7" descr="A screenshot of a cell phone&#10;&#10;Description automatically generated">
+            <a:extLst>
+              <a:ext uri="{FF2B5EF4-FFF2-40B4-BE49-F238E27FC236}">
+                <a16:creationId xmlns:a16="http://schemas.microsoft.com/office/drawing/2014/main" id="{75427E5A-02B7-46DF-A7D2-E9DC6528BCC0}"/>
+              </a:ext>
+            </a:extLst>
+          </p:cNvPr>
+          <p:cNvPicPr>
+            <a:picLocks noChangeAspect="1"/>
+          </p:cNvPicPr>
+          <p:nvPr/>
+        </p:nvPicPr>
+        <p:blipFill>
+          <a:blip r:embed="rId3"/>
+          <a:stretch>
+            <a:fillRect/>
+          </a:stretch>
+        </p:blipFill>
+        <p:spPr>
+          <a:xfrm>
+            <a:off x="3454584" y="1239251"/>
+            <a:ext cx="8326291" cy="4379498"/>
+          </a:xfrm>
+          <a:prstGeom prst="rect">
+            <a:avLst/>
+          </a:prstGeom>
+        </p:spPr>
+      </p:pic>
+    </p:spTree>
+    <p:extLst>
+      <p:ext uri="{BB962C8B-B14F-4D97-AF65-F5344CB8AC3E}">
+        <p14:creationId xmlns:p14="http://schemas.microsoft.com/office/powerpoint/2010/main" val="795855151"/>
+      </p:ext>
+    </p:extLst>
+  </p:cSld>
+  <p:clrMapOvr>
+    <a:masterClrMapping/>
+  </p:clrMapOvr>
+</p:sld>
+</file>
+
 <file path=ppt/slides/slide13.xml><?xml version="1.0" encoding="utf-8"?>
 <p:sld xmlns:a="http://schemas.openxmlformats.org/drawingml/2006/main" xmlns:r="http://schemas.openxmlformats.org/officeDocument/2006/relationships" xmlns:p="http://schemas.openxmlformats.org/presentationml/2006/main">
   <p:cSld>
@@ -11344,10 +10950,10 @@
       </p:cxnSp>
       <p:pic>
         <p:nvPicPr>
-          <p:cNvPr id="14" name="Picture 13" descr="A picture containing food&#10;&#10;Description automatically generated">
+          <p:cNvPr id="5" name="Picture 4">
             <a:extLst>
               <a:ext uri="{FF2B5EF4-FFF2-40B4-BE49-F238E27FC236}">
-                <a16:creationId xmlns:a16="http://schemas.microsoft.com/office/drawing/2014/main" id="{52B26C1D-6C4E-40E9-9201-5E5A5815E65E}"/>
+                <a16:creationId xmlns:a16="http://schemas.microsoft.com/office/drawing/2014/main" id="{9C5E2EDE-BA25-4789-8238-5FB74BB0BA1C}"/>
               </a:ext>
             </a:extLst>
           </p:cNvPr>
@@ -11364,53 +10970,14 @@
         </p:blipFill>
         <p:spPr>
           <a:xfrm>
-            <a:off x="3528902" y="1165312"/>
-            <a:ext cx="8197750" cy="4518232"/>
+            <a:off x="3487480" y="1143298"/>
+            <a:ext cx="8294224" cy="4571404"/>
           </a:xfrm>
           <a:prstGeom prst="rect">
             <a:avLst/>
           </a:prstGeom>
         </p:spPr>
       </p:pic>
-      <p:sp>
-        <p:nvSpPr>
-          <p:cNvPr id="16" name="TextBox 15">
-            <a:extLst>
-              <a:ext uri="{FF2B5EF4-FFF2-40B4-BE49-F238E27FC236}">
-                <a16:creationId xmlns:a16="http://schemas.microsoft.com/office/drawing/2014/main" id="{72FDC0AE-D40E-4F83-8832-39E288DA8C1D}"/>
-              </a:ext>
-            </a:extLst>
-          </p:cNvPr>
-          <p:cNvSpPr txBox="1"/>
-          <p:nvPr/>
-        </p:nvSpPr>
-        <p:spPr>
-          <a:xfrm>
-            <a:off x="8172893" y="60596"/>
-            <a:ext cx="3678865" cy="646331"/>
-          </a:xfrm>
-          <a:prstGeom prst="rect">
-            <a:avLst/>
-          </a:prstGeom>
-          <a:noFill/>
-        </p:spPr>
-        <p:txBody>
-          <a:bodyPr wrap="square" rtlCol="0">
-            <a:spAutoFit/>
-          </a:bodyPr>
-          <a:lstStyle/>
-          <a:p>
-            <a:r>
-              <a:rPr lang="en-US" b="1" dirty="0">
-                <a:solidFill>
-                  <a:srgbClr val="FF0000"/>
-                </a:solidFill>
-              </a:rPr>
-              <a:t>Should 10,000 be in the chart title or just in the X axis?  </a:t>
-            </a:r>
-          </a:p>
-        </p:txBody>
-      </p:sp>
     </p:spTree>
     <p:extLst>
       <p:ext uri="{BB962C8B-B14F-4D97-AF65-F5344CB8AC3E}">
@@ -11451,278 +11018,313 @@
       </p:grpSpPr>
       <p:sp>
         <p:nvSpPr>
-          <p:cNvPr id="4" name="Title 3">
+          <p:cNvPr id="54" name="Rectangle 53">
             <a:extLst>
               <a:ext uri="{FF2B5EF4-FFF2-40B4-BE49-F238E27FC236}">
-                <a16:creationId xmlns:a16="http://schemas.microsoft.com/office/drawing/2014/main" id="{24063DA0-2F33-304A-B21C-735EE066A8D9}"/>
+                <a16:creationId xmlns:a16="http://schemas.microsoft.com/office/drawing/2014/main" id="{64C9EE1D-12BB-43F7-9A2A-893578DCA63A}"/>
+              </a:ext>
+              <a:ext uri="{C183D7F6-B498-43B3-948B-1728B52AA6E4}">
+                <adec:decorative xmlns:adec="http://schemas.microsoft.com/office/drawing/2017/decorative" val="1"/>
               </a:ext>
             </a:extLst>
           </p:cNvPr>
           <p:cNvSpPr>
-            <a:spLocks noGrp="1"/>
-          </p:cNvSpPr>
-          <p:nvPr>
-            <p:ph type="title"/>
+            <a:spLocks noGrp="1" noRot="1" noChangeAspect="1" noMove="1" noResize="1" noEditPoints="1" noAdjustHandles="1" noChangeArrowheads="1" noChangeShapeType="1" noTextEdit="1"/>
+          </p:cNvSpPr>
+          <p:nvPr>
+            <p:extLst>
+              <p:ext uri="{386F3935-93C4-4BCD-93E2-E3B085C9AB24}">
+                <p16:designElem xmlns:p16="http://schemas.microsoft.com/office/powerpoint/2015/main" val="1"/>
+              </p:ext>
+            </p:extLst>
           </p:nvPr>
         </p:nvSpPr>
         <p:spPr>
           <a:xfrm>
-            <a:off x="116958" y="1211974"/>
-            <a:ext cx="3115340" cy="4699728"/>
-          </a:xfrm>
-        </p:spPr>
-        <p:txBody>
-          <a:bodyPr vert="horz" lIns="91440" tIns="45720" rIns="91440" bIns="45720" rtlCol="0" anchor="ctr">
-            <a:normAutofit/>
-          </a:bodyPr>
-          <a:lstStyle/>
-          <a:p>
-            <a:pPr>
-              <a:spcAft>
-                <a:spcPts val="600"/>
-              </a:spcAft>
-            </a:pPr>
-            <a:r>
-              <a:rPr lang="en-US" b="1" cap="all" dirty="0">
-                <a:latin typeface="Arial" panose="020B0604020202020204" pitchFamily="34" charset="0"/>
-                <a:cs typeface="Arial" panose="020B0604020202020204" pitchFamily="34" charset="0"/>
-              </a:rPr>
-              <a:t>Sales Price </a:t>
-            </a:r>
-            <a:r>
-              <a:rPr lang="en-US" b="1" cap="small" dirty="0">
-                <a:latin typeface="Arial" panose="020B0604020202020204" pitchFamily="34" charset="0"/>
-                <a:cs typeface="Arial" panose="020B0604020202020204" pitchFamily="34" charset="0"/>
-              </a:rPr>
-              <a:t>vs</a:t>
-            </a:r>
-            <a:r>
-              <a:rPr lang="en-US" b="1" cap="all" dirty="0">
-                <a:latin typeface="Arial" panose="020B0604020202020204" pitchFamily="34" charset="0"/>
-                <a:cs typeface="Arial" panose="020B0604020202020204" pitchFamily="34" charset="0"/>
-              </a:rPr>
-              <a:t> Crime Rate</a:t>
-            </a:r>
-          </a:p>
-        </p:txBody>
-      </p:sp>
-      <p:sp>
-        <p:nvSpPr>
-          <p:cNvPr id="7" name="Rectangle 6">
-            <a:extLst>
-              <a:ext uri="{FF2B5EF4-FFF2-40B4-BE49-F238E27FC236}">
-                <a16:creationId xmlns:a16="http://schemas.microsoft.com/office/drawing/2014/main" id="{1BA10EEF-41F6-B944-B371-9708FBBF1100}"/>
-              </a:ext>
-            </a:extLst>
-          </p:cNvPr>
-          <p:cNvSpPr/>
-          <p:nvPr/>
-        </p:nvSpPr>
-        <p:spPr>
-          <a:xfrm>
-            <a:off x="5977216" y="5455387"/>
-            <a:ext cx="237566" cy="646331"/>
+            <a:off x="0" y="761999"/>
+            <a:ext cx="9141619" cy="5334001"/>
           </a:xfrm>
           <a:prstGeom prst="rect">
             <a:avLst/>
           </a:prstGeom>
-        </p:spPr>
-        <p:txBody>
-          <a:bodyPr wrap="none">
-            <a:spAutoFit/>
-          </a:bodyPr>
-          <a:lstStyle/>
-          <a:p>
-            <a:pPr algn="ctr"/>
-            <a:r>
-              <a:rPr lang="en-US" dirty="0"/>
-              <a:t> </a:t>
-            </a:r>
-          </a:p>
-          <a:p>
-            <a:pPr algn="ctr"/>
-            <a:endParaRPr lang="en-US" dirty="0"/>
-          </a:p>
-        </p:txBody>
-      </p:sp>
-      <p:sp>
-        <p:nvSpPr>
-          <p:cNvPr id="6" name="AutoShape 2">
-            <a:extLst>
-              <a:ext uri="{FF2B5EF4-FFF2-40B4-BE49-F238E27FC236}">
-                <a16:creationId xmlns:a16="http://schemas.microsoft.com/office/drawing/2014/main" id="{3D805F74-D447-4089-BC03-E18CEB0F63B9}"/>
-              </a:ext>
-            </a:extLst>
-          </p:cNvPr>
-          <p:cNvSpPr>
-            <a:spLocks noChangeAspect="1" noChangeArrowheads="1"/>
-          </p:cNvSpPr>
-          <p:nvPr/>
-        </p:nvSpPr>
-        <p:spPr bwMode="auto">
-          <a:xfrm>
-            <a:off x="5943600" y="3276600"/>
-            <a:ext cx="304800" cy="304800"/>
-          </a:xfrm>
-          <a:prstGeom prst="rect">
-            <a:avLst/>
-          </a:prstGeom>
-          <a:noFill/>
-          <a:extLst>
-            <a:ext uri="{909E8E84-426E-40DD-AFC4-6F175D3DCCD1}">
-              <a14:hiddenFill xmlns:a14="http://schemas.microsoft.com/office/drawing/2010/main">
-                <a:solidFill>
-                  <a:srgbClr val="FFFFFF"/>
-                </a:solidFill>
-              </a14:hiddenFill>
-            </a:ext>
-          </a:extLst>
-        </p:spPr>
-        <p:txBody>
-          <a:bodyPr vert="horz" wrap="square" lIns="91440" tIns="45720" rIns="91440" bIns="45720" numCol="1" anchor="t" anchorCtr="0" compatLnSpc="1">
-            <a:prstTxWarp prst="textNoShape">
-              <a:avLst/>
-            </a:prstTxWarp>
-          </a:bodyPr>
-          <a:lstStyle/>
-          <a:p>
-            <a:endParaRPr lang="en-US"/>
-          </a:p>
-        </p:txBody>
-      </p:sp>
-      <p:sp>
-        <p:nvSpPr>
-          <p:cNvPr id="10" name="TextBox 9">
-            <a:extLst>
-              <a:ext uri="{FF2B5EF4-FFF2-40B4-BE49-F238E27FC236}">
-                <a16:creationId xmlns:a16="http://schemas.microsoft.com/office/drawing/2014/main" id="{B4768038-9D72-48F3-AA5B-7B2723E6F778}"/>
-              </a:ext>
-            </a:extLst>
-          </p:cNvPr>
-          <p:cNvSpPr txBox="1"/>
-          <p:nvPr/>
-        </p:nvSpPr>
-        <p:spPr>
-          <a:xfrm>
-            <a:off x="8172893" y="60596"/>
-            <a:ext cx="3678865" cy="646331"/>
-          </a:xfrm>
-          <a:prstGeom prst="rect">
-            <a:avLst/>
-          </a:prstGeom>
-          <a:noFill/>
-        </p:spPr>
-        <p:txBody>
-          <a:bodyPr wrap="square" rtlCol="0">
-            <a:spAutoFit/>
-          </a:bodyPr>
-          <a:lstStyle/>
-          <a:p>
-            <a:r>
-              <a:rPr lang="en-US" b="1" dirty="0">
-                <a:solidFill>
-                  <a:srgbClr val="FF0000"/>
-                </a:solidFill>
-              </a:rPr>
-              <a:t>Should 10,000 be in the chart title or just in the X axis?  </a:t>
-            </a:r>
-          </a:p>
-        </p:txBody>
-      </p:sp>
-      <p:cxnSp>
-        <p:nvCxnSpPr>
-          <p:cNvPr id="11" name="Straight Connector 10">
-            <a:extLst>
-              <a:ext uri="{FF2B5EF4-FFF2-40B4-BE49-F238E27FC236}">
-                <a16:creationId xmlns:a16="http://schemas.microsoft.com/office/drawing/2014/main" id="{691D9F37-4F8C-4F3C-BF47-D86BE03825D5}"/>
-              </a:ext>
-            </a:extLst>
-          </p:cNvPr>
-          <p:cNvCxnSpPr/>
-          <p:nvPr/>
-        </p:nvCxnSpPr>
-        <p:spPr>
-          <a:xfrm>
-            <a:off x="0" y="758952"/>
-            <a:ext cx="12199912" cy="0"/>
-          </a:xfrm>
-          <a:prstGeom prst="line">
-            <a:avLst/>
-          </a:prstGeom>
-          <a:ln w="19050">
-            <a:solidFill>
-              <a:schemeClr val="bg2">
-                <a:lumMod val="60000"/>
-                <a:lumOff val="40000"/>
-              </a:schemeClr>
-            </a:solidFill>
+          <a:solidFill>
+            <a:schemeClr val="accent1"/>
+          </a:solidFill>
+          <a:ln>
+            <a:noFill/>
           </a:ln>
         </p:spPr>
         <p:style>
-          <a:lnRef idx="1">
-            <a:schemeClr val="accent1"/>
+          <a:lnRef idx="2">
+            <a:schemeClr val="accent1">
+              <a:shade val="50000"/>
+            </a:schemeClr>
           </a:lnRef>
-          <a:fillRef idx="0">
+          <a:fillRef idx="1">
             <a:schemeClr val="accent1"/>
           </a:fillRef>
           <a:effectRef idx="0">
             <a:schemeClr val="accent1"/>
           </a:effectRef>
           <a:fontRef idx="minor">
-            <a:schemeClr val="tx1"/>
+            <a:schemeClr val="lt1"/>
           </a:fontRef>
         </p:style>
-      </p:cxnSp>
-      <p:cxnSp>
-        <p:nvCxnSpPr>
-          <p:cNvPr id="12" name="Straight Connector 11">
+      </p:sp>
+      <p:sp>
+        <p:nvSpPr>
+          <p:cNvPr id="56" name="Rectangle 55">
             <a:extLst>
               <a:ext uri="{FF2B5EF4-FFF2-40B4-BE49-F238E27FC236}">
-                <a16:creationId xmlns:a16="http://schemas.microsoft.com/office/drawing/2014/main" id="{9F70DC8C-12CC-452B-8F34-734FBC31D363}"/>
+                <a16:creationId xmlns:a16="http://schemas.microsoft.com/office/drawing/2014/main" id="{43962A31-C54E-4762-B155-59777FED1C75}"/>
+              </a:ext>
+              <a:ext uri="{C183D7F6-B498-43B3-948B-1728B52AA6E4}">
+                <adec:decorative xmlns:adec="http://schemas.microsoft.com/office/drawing/2017/decorative" val="1"/>
               </a:ext>
             </a:extLst>
           </p:cNvPr>
-          <p:cNvCxnSpPr/>
-          <p:nvPr/>
-        </p:nvCxnSpPr>
+          <p:cNvSpPr>
+            <a:spLocks noGrp="1" noRot="1" noChangeAspect="1" noMove="1" noResize="1" noEditPoints="1" noAdjustHandles="1" noChangeArrowheads="1" noChangeShapeType="1" noTextEdit="1"/>
+          </p:cNvSpPr>
+          <p:nvPr>
+            <p:extLst>
+              <p:ext uri="{386F3935-93C4-4BCD-93E2-E3B085C9AB24}">
+                <p16:designElem xmlns:p16="http://schemas.microsoft.com/office/powerpoint/2015/main" val="1"/>
+              </p:ext>
+            </p:extLst>
+          </p:nvPr>
+        </p:nvSpPr>
         <p:spPr>
           <a:xfrm>
-            <a:off x="-7914" y="6089904"/>
-            <a:ext cx="12199912" cy="0"/>
+            <a:off x="9270263" y="761999"/>
+            <a:ext cx="2925318" cy="5334001"/>
           </a:xfrm>
-          <a:prstGeom prst="line">
+          <a:prstGeom prst="rect">
             <a:avLst/>
           </a:prstGeom>
-          <a:ln w="19050">
-            <a:solidFill>
-              <a:schemeClr val="bg2">
-                <a:lumMod val="60000"/>
-                <a:lumOff val="40000"/>
-              </a:schemeClr>
-            </a:solidFill>
+          <a:solidFill>
+            <a:srgbClr val="C8C8C8">
+              <a:alpha val="49804"/>
+            </a:srgbClr>
+          </a:solidFill>
+          <a:ln>
+            <a:noFill/>
           </a:ln>
         </p:spPr>
         <p:style>
-          <a:lnRef idx="1">
-            <a:schemeClr val="accent1"/>
+          <a:lnRef idx="2">
+            <a:schemeClr val="accent1">
+              <a:shade val="50000"/>
+            </a:schemeClr>
           </a:lnRef>
-          <a:fillRef idx="0">
+          <a:fillRef idx="1">
             <a:schemeClr val="accent1"/>
           </a:fillRef>
           <a:effectRef idx="0">
             <a:schemeClr val="accent1"/>
           </a:effectRef>
           <a:fontRef idx="minor">
-            <a:schemeClr val="tx1"/>
+            <a:schemeClr val="lt1"/>
           </a:fontRef>
         </p:style>
-      </p:cxnSp>
+      </p:sp>
+      <p:sp useBgFill="1">
+        <p:nvSpPr>
+          <p:cNvPr id="58" name="Rectangle 57">
+            <a:extLst>
+              <a:ext uri="{FF2B5EF4-FFF2-40B4-BE49-F238E27FC236}">
+                <a16:creationId xmlns:a16="http://schemas.microsoft.com/office/drawing/2014/main" id="{4B392D36-B685-45E0-B197-6EE5D748093B}"/>
+              </a:ext>
+              <a:ext uri="{C183D7F6-B498-43B3-948B-1728B52AA6E4}">
+                <adec:decorative xmlns:adec="http://schemas.microsoft.com/office/drawing/2017/decorative" val="1"/>
+              </a:ext>
+            </a:extLst>
+          </p:cNvPr>
+          <p:cNvSpPr>
+            <a:spLocks noGrp="1" noRot="1" noChangeAspect="1" noMove="1" noResize="1" noEditPoints="1" noAdjustHandles="1" noChangeArrowheads="1" noChangeShapeType="1" noTextEdit="1"/>
+          </p:cNvSpPr>
+          <p:nvPr>
+            <p:extLst>
+              <p:ext uri="{386F3935-93C4-4BCD-93E2-E3B085C9AB24}">
+                <p16:designElem xmlns:p16="http://schemas.microsoft.com/office/powerpoint/2015/main" val="1"/>
+              </p:ext>
+            </p:extLst>
+          </p:nvPr>
+        </p:nvSpPr>
+        <p:spPr>
+          <a:xfrm>
+            <a:off x="0" y="0"/>
+            <a:ext cx="12191999" cy="6858000"/>
+          </a:xfrm>
+          <a:prstGeom prst="rect">
+            <a:avLst/>
+          </a:prstGeom>
+          <a:ln>
+            <a:noFill/>
+          </a:ln>
+        </p:spPr>
+        <p:style>
+          <a:lnRef idx="2">
+            <a:schemeClr val="accent1">
+              <a:shade val="50000"/>
+            </a:schemeClr>
+          </a:lnRef>
+          <a:fillRef idx="1">
+            <a:schemeClr val="accent1"/>
+          </a:fillRef>
+          <a:effectRef idx="0">
+            <a:schemeClr val="accent1"/>
+          </a:effectRef>
+          <a:fontRef idx="minor">
+            <a:schemeClr val="lt1"/>
+          </a:fontRef>
+        </p:style>
+        <p:txBody>
+          <a:bodyPr rtlCol="0" anchor="ctr"/>
+          <a:lstStyle/>
+          <a:p>
+            <a:pPr algn="ctr"/>
+            <a:endParaRPr lang="en-US"/>
+          </a:p>
+        </p:txBody>
+      </p:sp>
+      <p:sp>
+        <p:nvSpPr>
+          <p:cNvPr id="60" name="Rectangle 59">
+            <a:extLst>
+              <a:ext uri="{FF2B5EF4-FFF2-40B4-BE49-F238E27FC236}">
+                <a16:creationId xmlns:a16="http://schemas.microsoft.com/office/drawing/2014/main" id="{9DCA8533-CC5E-4754-9A04-047EDE49E0F9}"/>
+              </a:ext>
+              <a:ext uri="{C183D7F6-B498-43B3-948B-1728B52AA6E4}">
+                <adec:decorative xmlns:adec="http://schemas.microsoft.com/office/drawing/2017/decorative" val="1"/>
+              </a:ext>
+            </a:extLst>
+          </p:cNvPr>
+          <p:cNvSpPr>
+            <a:spLocks noGrp="1" noRot="1" noChangeAspect="1" noMove="1" noResize="1" noEditPoints="1" noAdjustHandles="1" noChangeArrowheads="1" noChangeShapeType="1" noTextEdit="1"/>
+          </p:cNvSpPr>
+          <p:nvPr>
+            <p:extLst>
+              <p:ext uri="{386F3935-93C4-4BCD-93E2-E3B085C9AB24}">
+                <p16:designElem xmlns:p16="http://schemas.microsoft.com/office/powerpoint/2015/main" val="1"/>
+              </p:ext>
+            </p:extLst>
+          </p:nvPr>
+        </p:nvSpPr>
+        <p:spPr>
+          <a:xfrm>
+            <a:off x="0" y="4367639"/>
+            <a:ext cx="11707367" cy="1852186"/>
+          </a:xfrm>
+          <a:prstGeom prst="rect">
+            <a:avLst/>
+          </a:prstGeom>
+          <a:solidFill>
+            <a:schemeClr val="accent1"/>
+          </a:solidFill>
+          <a:ln>
+            <a:noFill/>
+          </a:ln>
+        </p:spPr>
+        <p:style>
+          <a:lnRef idx="2">
+            <a:schemeClr val="accent1">
+              <a:shade val="50000"/>
+            </a:schemeClr>
+          </a:lnRef>
+          <a:fillRef idx="1">
+            <a:schemeClr val="accent1"/>
+          </a:fillRef>
+          <a:effectRef idx="0">
+            <a:schemeClr val="accent1"/>
+          </a:effectRef>
+          <a:fontRef idx="minor">
+            <a:schemeClr val="lt1"/>
+          </a:fontRef>
+        </p:style>
+      </p:sp>
+      <p:sp>
+        <p:nvSpPr>
+          <p:cNvPr id="2" name="Title 1">
+            <a:extLst>
+              <a:ext uri="{FF2B5EF4-FFF2-40B4-BE49-F238E27FC236}">
+                <a16:creationId xmlns:a16="http://schemas.microsoft.com/office/drawing/2014/main" id="{65AD695B-C110-4403-BC2E-272D1A1B8DF6}"/>
+              </a:ext>
+            </a:extLst>
+          </p:cNvPr>
+          <p:cNvSpPr>
+            <a:spLocks noGrp="1"/>
+          </p:cNvSpPr>
+          <p:nvPr>
+            <p:ph type="title"/>
+          </p:nvPr>
+        </p:nvSpPr>
+        <p:spPr>
+          <a:xfrm>
+            <a:off x="1069848" y="4590661"/>
+            <a:ext cx="10210862" cy="1065690"/>
+          </a:xfrm>
+        </p:spPr>
+        <p:txBody>
+          <a:bodyPr vert="horz" lIns="91440" tIns="45720" rIns="91440" bIns="45720" rtlCol="0" anchor="b">
+            <a:normAutofit/>
+          </a:bodyPr>
+          <a:lstStyle/>
+          <a:p>
+            <a:r>
+              <a:rPr lang="en-US" sz="3700" b="1" cap="all" spc="-100" dirty="0"/>
+              <a:t>HOME SALES by Price </a:t>
+            </a:r>
+            <a:r>
+              <a:rPr lang="en-US" sz="3700" b="1" cap="small" spc="-100" dirty="0"/>
+              <a:t>vs</a:t>
+            </a:r>
+            <a:r>
+              <a:rPr lang="en-US" sz="3700" b="1" cap="all" spc="-100" dirty="0"/>
+              <a:t> Crime Rate</a:t>
+            </a:r>
+          </a:p>
+        </p:txBody>
+      </p:sp>
       <p:pic>
         <p:nvPicPr>
-          <p:cNvPr id="14" name="Picture 13" descr="A picture containing food&#10;&#10;Description automatically generated">
+          <p:cNvPr id="4" name="Picture 3" descr="A screenshot of a cell phone&#10;&#10;Description automatically generated">
             <a:extLst>
               <a:ext uri="{FF2B5EF4-FFF2-40B4-BE49-F238E27FC236}">
-                <a16:creationId xmlns:a16="http://schemas.microsoft.com/office/drawing/2014/main" id="{BF189124-DDA7-4C61-8A92-D5E596BA5BCA}"/>
+                <a16:creationId xmlns:a16="http://schemas.microsoft.com/office/drawing/2014/main" id="{554F6D91-EE30-4987-AF73-38F7D234A377}"/>
+              </a:ext>
+            </a:extLst>
+          </p:cNvPr>
+          <p:cNvPicPr>
+            <a:picLocks noChangeAspect="1"/>
+          </p:cNvPicPr>
+          <p:nvPr/>
+        </p:nvPicPr>
+        <p:blipFill>
+          <a:blip r:embed="rId2"/>
+          <a:stretch>
+            <a:fillRect/>
+          </a:stretch>
+        </p:blipFill>
+        <p:spPr>
+          <a:xfrm>
+            <a:off x="159492" y="284436"/>
+            <a:ext cx="5592726" cy="3866576"/>
+          </a:xfrm>
+          <a:prstGeom prst="rect">
+            <a:avLst/>
+          </a:prstGeom>
+          <a:ln>
+            <a:noFill/>
+          </a:ln>
+        </p:spPr>
+      </p:pic>
+      <p:pic>
+        <p:nvPicPr>
+          <p:cNvPr id="6" name="Picture 5" descr="A screenshot of a cell phone&#10;&#10;Description automatically generated">
+            <a:extLst>
+              <a:ext uri="{FF2B5EF4-FFF2-40B4-BE49-F238E27FC236}">
+                <a16:creationId xmlns:a16="http://schemas.microsoft.com/office/drawing/2014/main" id="{CA8CFA1C-BACF-4BF1-A4BB-785FA4F8822C}"/>
               </a:ext>
             </a:extLst>
           </p:cNvPr>
@@ -11733,23 +11335,26 @@
         </p:nvPicPr>
         <p:blipFill rotWithShape="1">
           <a:blip r:embed="rId3"/>
-          <a:srcRect l="2165" t="5473" r="8637"/>
+          <a:srcRect t="3626"/>
           <a:stretch/>
         </p:blipFill>
         <p:spPr>
           <a:xfrm>
-            <a:off x="3466214" y="1263806"/>
-            <a:ext cx="8155174" cy="4321244"/>
+            <a:off x="5996769" y="283548"/>
+            <a:ext cx="6018028" cy="3866576"/>
           </a:xfrm>
           <a:prstGeom prst="rect">
             <a:avLst/>
           </a:prstGeom>
+          <a:ln>
+            <a:noFill/>
+          </a:ln>
         </p:spPr>
       </p:pic>
     </p:spTree>
     <p:extLst>
       <p:ext uri="{BB962C8B-B14F-4D97-AF65-F5344CB8AC3E}">
-        <p14:creationId xmlns:p14="http://schemas.microsoft.com/office/powerpoint/2010/main" val="795855151"/>
+        <p14:creationId xmlns:p14="http://schemas.microsoft.com/office/powerpoint/2010/main" val="297259918"/>
       </p:ext>
     </p:extLst>
   </p:cSld>
@@ -11786,1020 +11391,6 @@
       </p:grpSpPr>
       <p:sp>
         <p:nvSpPr>
-          <p:cNvPr id="27" name="Rectangle 26">
-            <a:extLst>
-              <a:ext uri="{FF2B5EF4-FFF2-40B4-BE49-F238E27FC236}">
-                <a16:creationId xmlns:a16="http://schemas.microsoft.com/office/drawing/2014/main" id="{B3875682-0790-427D-9A23-4B7265F0FA54}"/>
-              </a:ext>
-              <a:ext uri="{C183D7F6-B498-43B3-948B-1728B52AA6E4}">
-                <adec:decorative xmlns:adec="http://schemas.microsoft.com/office/drawing/2017/decorative" val="1"/>
-              </a:ext>
-            </a:extLst>
-          </p:cNvPr>
-          <p:cNvSpPr>
-            <a:spLocks noGrp="1" noRot="1" noChangeAspect="1" noMove="1" noResize="1" noEditPoints="1" noAdjustHandles="1" noChangeArrowheads="1" noChangeShapeType="1" noTextEdit="1"/>
-          </p:cNvSpPr>
-          <p:nvPr>
-            <p:extLst>
-              <p:ext uri="{386F3935-93C4-4BCD-93E2-E3B085C9AB24}">
-                <p16:designElem xmlns:p16="http://schemas.microsoft.com/office/powerpoint/2015/main" val="1"/>
-              </p:ext>
-            </p:extLst>
-          </p:nvPr>
-        </p:nvSpPr>
-        <p:spPr>
-          <a:xfrm>
-            <a:off x="0" y="761999"/>
-            <a:ext cx="9141619" cy="5334001"/>
-          </a:xfrm>
-          <a:prstGeom prst="rect">
-            <a:avLst/>
-          </a:prstGeom>
-          <a:solidFill>
-            <a:schemeClr val="accent1"/>
-          </a:solidFill>
-          <a:ln>
-            <a:noFill/>
-          </a:ln>
-        </p:spPr>
-        <p:style>
-          <a:lnRef idx="2">
-            <a:schemeClr val="accent1">
-              <a:shade val="50000"/>
-            </a:schemeClr>
-          </a:lnRef>
-          <a:fillRef idx="1">
-            <a:schemeClr val="accent1"/>
-          </a:fillRef>
-          <a:effectRef idx="0">
-            <a:schemeClr val="accent1"/>
-          </a:effectRef>
-          <a:fontRef idx="minor">
-            <a:schemeClr val="lt1"/>
-          </a:fontRef>
-        </p:style>
-      </p:sp>
-      <p:sp>
-        <p:nvSpPr>
-          <p:cNvPr id="29" name="Rectangle 28">
-            <a:extLst>
-              <a:ext uri="{FF2B5EF4-FFF2-40B4-BE49-F238E27FC236}">
-                <a16:creationId xmlns:a16="http://schemas.microsoft.com/office/drawing/2014/main" id="{6EDE4AAE-4785-4EA7-95DB-45200F5B8096}"/>
-              </a:ext>
-              <a:ext uri="{C183D7F6-B498-43B3-948B-1728B52AA6E4}">
-                <adec:decorative xmlns:adec="http://schemas.microsoft.com/office/drawing/2017/decorative" val="1"/>
-              </a:ext>
-            </a:extLst>
-          </p:cNvPr>
-          <p:cNvSpPr>
-            <a:spLocks noGrp="1" noRot="1" noChangeAspect="1" noMove="1" noResize="1" noEditPoints="1" noAdjustHandles="1" noChangeArrowheads="1" noChangeShapeType="1" noTextEdit="1"/>
-          </p:cNvSpPr>
-          <p:nvPr>
-            <p:extLst>
-              <p:ext uri="{386F3935-93C4-4BCD-93E2-E3B085C9AB24}">
-                <p16:designElem xmlns:p16="http://schemas.microsoft.com/office/powerpoint/2015/main" val="1"/>
-              </p:ext>
-            </p:extLst>
-          </p:nvPr>
-        </p:nvSpPr>
-        <p:spPr>
-          <a:xfrm>
-            <a:off x="9270263" y="761999"/>
-            <a:ext cx="2925318" cy="5334001"/>
-          </a:xfrm>
-          <a:prstGeom prst="rect">
-            <a:avLst/>
-          </a:prstGeom>
-          <a:solidFill>
-            <a:srgbClr val="C8C8C8">
-              <a:alpha val="49804"/>
-            </a:srgbClr>
-          </a:solidFill>
-          <a:ln>
-            <a:noFill/>
-          </a:ln>
-        </p:spPr>
-        <p:style>
-          <a:lnRef idx="2">
-            <a:schemeClr val="accent1">
-              <a:shade val="50000"/>
-            </a:schemeClr>
-          </a:lnRef>
-          <a:fillRef idx="1">
-            <a:schemeClr val="accent1"/>
-          </a:fillRef>
-          <a:effectRef idx="0">
-            <a:schemeClr val="accent1"/>
-          </a:effectRef>
-          <a:fontRef idx="minor">
-            <a:schemeClr val="lt1"/>
-          </a:fontRef>
-        </p:style>
-      </p:sp>
-      <p:sp useBgFill="1">
-        <p:nvSpPr>
-          <p:cNvPr id="31" name="Rectangle 30">
-            <a:extLst>
-              <a:ext uri="{FF2B5EF4-FFF2-40B4-BE49-F238E27FC236}">
-                <a16:creationId xmlns:a16="http://schemas.microsoft.com/office/drawing/2014/main" id="{EB8AA617-0537-4ED7-91B6-66511A647507}"/>
-              </a:ext>
-              <a:ext uri="{C183D7F6-B498-43B3-948B-1728B52AA6E4}">
-                <adec:decorative xmlns:adec="http://schemas.microsoft.com/office/drawing/2017/decorative" val="1"/>
-              </a:ext>
-            </a:extLst>
-          </p:cNvPr>
-          <p:cNvSpPr>
-            <a:spLocks noGrp="1" noRot="1" noChangeAspect="1" noMove="1" noResize="1" noEditPoints="1" noAdjustHandles="1" noChangeArrowheads="1" noChangeShapeType="1" noTextEdit="1"/>
-          </p:cNvSpPr>
-          <p:nvPr>
-            <p:extLst>
-              <p:ext uri="{386F3935-93C4-4BCD-93E2-E3B085C9AB24}">
-                <p16:designElem xmlns:p16="http://schemas.microsoft.com/office/powerpoint/2015/main" val="1"/>
-              </p:ext>
-            </p:extLst>
-          </p:nvPr>
-        </p:nvSpPr>
-        <p:spPr>
-          <a:xfrm>
-            <a:off x="0" y="0"/>
-            <a:ext cx="12191999" cy="6858000"/>
-          </a:xfrm>
-          <a:prstGeom prst="rect">
-            <a:avLst/>
-          </a:prstGeom>
-          <a:ln>
-            <a:noFill/>
-          </a:ln>
-        </p:spPr>
-        <p:style>
-          <a:lnRef idx="2">
-            <a:schemeClr val="accent1">
-              <a:shade val="50000"/>
-            </a:schemeClr>
-          </a:lnRef>
-          <a:fillRef idx="1">
-            <a:schemeClr val="accent1"/>
-          </a:fillRef>
-          <a:effectRef idx="0">
-            <a:schemeClr val="accent1"/>
-          </a:effectRef>
-          <a:fontRef idx="minor">
-            <a:schemeClr val="lt1"/>
-          </a:fontRef>
-        </p:style>
-        <p:txBody>
-          <a:bodyPr rtlCol="0" anchor="ctr"/>
-          <a:lstStyle/>
-          <a:p>
-            <a:pPr algn="ctr"/>
-            <a:endParaRPr lang="en-US" dirty="0"/>
-          </a:p>
-        </p:txBody>
-      </p:sp>
-      <p:sp>
-        <p:nvSpPr>
-          <p:cNvPr id="33" name="Rectangle 32">
-            <a:extLst>
-              <a:ext uri="{FF2B5EF4-FFF2-40B4-BE49-F238E27FC236}">
-                <a16:creationId xmlns:a16="http://schemas.microsoft.com/office/drawing/2014/main" id="{C2E8BF1F-CE61-45C5-92AC-552D23176C03}"/>
-              </a:ext>
-              <a:ext uri="{C183D7F6-B498-43B3-948B-1728B52AA6E4}">
-                <adec:decorative xmlns:adec="http://schemas.microsoft.com/office/drawing/2017/decorative" val="1"/>
-              </a:ext>
-            </a:extLst>
-          </p:cNvPr>
-          <p:cNvSpPr>
-            <a:spLocks noGrp="1" noRot="1" noChangeAspect="1" noMove="1" noResize="1" noEditPoints="1" noAdjustHandles="1" noChangeArrowheads="1" noChangeShapeType="1" noTextEdit="1"/>
-          </p:cNvSpPr>
-          <p:nvPr>
-            <p:extLst>
-              <p:ext uri="{386F3935-93C4-4BCD-93E2-E3B085C9AB24}">
-                <p16:designElem xmlns:p16="http://schemas.microsoft.com/office/powerpoint/2015/main" val="1"/>
-              </p:ext>
-            </p:extLst>
-          </p:nvPr>
-        </p:nvSpPr>
-        <p:spPr>
-          <a:xfrm>
-            <a:off x="0" y="4367639"/>
-            <a:ext cx="11707367" cy="1852186"/>
-          </a:xfrm>
-          <a:prstGeom prst="rect">
-            <a:avLst/>
-          </a:prstGeom>
-          <a:solidFill>
-            <a:schemeClr val="accent1"/>
-          </a:solidFill>
-          <a:ln>
-            <a:noFill/>
-          </a:ln>
-        </p:spPr>
-        <p:style>
-          <a:lnRef idx="2">
-            <a:schemeClr val="accent1">
-              <a:shade val="50000"/>
-            </a:schemeClr>
-          </a:lnRef>
-          <a:fillRef idx="1">
-            <a:schemeClr val="accent1"/>
-          </a:fillRef>
-          <a:effectRef idx="0">
-            <a:schemeClr val="accent1"/>
-          </a:effectRef>
-          <a:fontRef idx="minor">
-            <a:schemeClr val="lt1"/>
-          </a:fontRef>
-        </p:style>
-      </p:sp>
-      <p:sp>
-        <p:nvSpPr>
-          <p:cNvPr id="4" name="Title 3">
-            <a:extLst>
-              <a:ext uri="{FF2B5EF4-FFF2-40B4-BE49-F238E27FC236}">
-                <a16:creationId xmlns:a16="http://schemas.microsoft.com/office/drawing/2014/main" id="{24063DA0-2F33-304A-B21C-735EE066A8D9}"/>
-              </a:ext>
-            </a:extLst>
-          </p:cNvPr>
-          <p:cNvSpPr>
-            <a:spLocks noGrp="1"/>
-          </p:cNvSpPr>
-          <p:nvPr>
-            <p:ph type="title"/>
-          </p:nvPr>
-        </p:nvSpPr>
-        <p:spPr>
-          <a:xfrm>
-            <a:off x="1069848" y="4782054"/>
-            <a:ext cx="10210862" cy="1065690"/>
-          </a:xfrm>
-        </p:spPr>
-        <p:txBody>
-          <a:bodyPr vert="horz" lIns="91440" tIns="45720" rIns="91440" bIns="45720" rtlCol="0" anchor="b">
-            <a:normAutofit fontScale="90000"/>
-          </a:bodyPr>
-          <a:lstStyle/>
-          <a:p>
-            <a:r>
-              <a:rPr lang="en-US" sz="5000" b="1" cap="all" spc="-100" dirty="0"/>
-              <a:t>Sales Price </a:t>
-            </a:r>
-            <a:r>
-              <a:rPr lang="en-US" sz="5000" b="1" cap="small" spc="-100" dirty="0"/>
-              <a:t>vs</a:t>
-            </a:r>
-            <a:r>
-              <a:rPr lang="en-US" sz="5000" b="1" cap="all" spc="-100" dirty="0"/>
-              <a:t> Property Crime and Violent Crime</a:t>
-            </a:r>
-          </a:p>
-        </p:txBody>
-      </p:sp>
-      <p:sp>
-        <p:nvSpPr>
-          <p:cNvPr id="7" name="Rectangle 6">
-            <a:extLst>
-              <a:ext uri="{FF2B5EF4-FFF2-40B4-BE49-F238E27FC236}">
-                <a16:creationId xmlns:a16="http://schemas.microsoft.com/office/drawing/2014/main" id="{1BA10EEF-41F6-B944-B371-9708FBBF1100}"/>
-              </a:ext>
-            </a:extLst>
-          </p:cNvPr>
-          <p:cNvSpPr/>
-          <p:nvPr/>
-        </p:nvSpPr>
-        <p:spPr>
-          <a:xfrm>
-            <a:off x="5980422" y="5455387"/>
-            <a:ext cx="231154" cy="723275"/>
-          </a:xfrm>
-          <a:prstGeom prst="rect">
-            <a:avLst/>
-          </a:prstGeom>
-        </p:spPr>
-        <p:txBody>
-          <a:bodyPr wrap="none">
-            <a:spAutoFit/>
-          </a:bodyPr>
-          <a:lstStyle/>
-          <a:p>
-            <a:pPr algn="ctr">
-              <a:spcAft>
-                <a:spcPts val="600"/>
-              </a:spcAft>
-            </a:pPr>
-            <a:r>
-              <a:rPr lang="en-US" dirty="0"/>
-              <a:t> </a:t>
-            </a:r>
-            <a:endParaRPr lang="en-US"/>
-          </a:p>
-          <a:p>
-            <a:pPr algn="ctr">
-              <a:spcAft>
-                <a:spcPts val="600"/>
-              </a:spcAft>
-            </a:pPr>
-            <a:endParaRPr lang="en-US"/>
-          </a:p>
-        </p:txBody>
-      </p:sp>
-      <p:pic>
-        <p:nvPicPr>
-          <p:cNvPr id="9" name="Picture 8" descr="A close up of a logo&#10;&#10;Description automatically generated">
-            <a:extLst>
-              <a:ext uri="{FF2B5EF4-FFF2-40B4-BE49-F238E27FC236}">
-                <a16:creationId xmlns:a16="http://schemas.microsoft.com/office/drawing/2014/main" id="{7A26E5E2-A62B-4F1F-BE6F-8E1CD433C2CF}"/>
-              </a:ext>
-            </a:extLst>
-          </p:cNvPr>
-          <p:cNvPicPr>
-            <a:picLocks noChangeAspect="1"/>
-          </p:cNvPicPr>
-          <p:nvPr/>
-        </p:nvPicPr>
-        <p:blipFill rotWithShape="1">
-          <a:blip r:embed="rId3"/>
-          <a:srcRect l="2675" t="4697" r="8477"/>
-          <a:stretch/>
-        </p:blipFill>
-        <p:spPr>
-          <a:xfrm>
-            <a:off x="121999" y="762000"/>
-            <a:ext cx="5874753" cy="3150782"/>
-          </a:xfrm>
-          <a:prstGeom prst="rect">
-            <a:avLst/>
-          </a:prstGeom>
-          <a:ln>
-            <a:noFill/>
-          </a:ln>
-        </p:spPr>
-      </p:pic>
-      <p:pic>
-        <p:nvPicPr>
-          <p:cNvPr id="13" name="Picture 12" descr="A screenshot of a cell phone&#10;&#10;Description automatically generated">
-            <a:extLst>
-              <a:ext uri="{FF2B5EF4-FFF2-40B4-BE49-F238E27FC236}">
-                <a16:creationId xmlns:a16="http://schemas.microsoft.com/office/drawing/2014/main" id="{3A7D4B49-71D9-4F06-BEEF-E7DC62836376}"/>
-              </a:ext>
-            </a:extLst>
-          </p:cNvPr>
-          <p:cNvPicPr>
-            <a:picLocks noChangeAspect="1"/>
-          </p:cNvPicPr>
-          <p:nvPr/>
-        </p:nvPicPr>
-        <p:blipFill>
-          <a:blip r:embed="rId4"/>
-          <a:stretch>
-            <a:fillRect/>
-          </a:stretch>
-        </p:blipFill>
-        <p:spPr>
-          <a:xfrm>
-            <a:off x="6112730" y="759711"/>
-            <a:ext cx="5990259" cy="3150782"/>
-          </a:xfrm>
-          <a:prstGeom prst="rect">
-            <a:avLst/>
-          </a:prstGeom>
-          <a:ln>
-            <a:noFill/>
-          </a:ln>
-        </p:spPr>
-      </p:pic>
-      <p:sp>
-        <p:nvSpPr>
-          <p:cNvPr id="14" name="TextBox 13">
-            <a:extLst>
-              <a:ext uri="{FF2B5EF4-FFF2-40B4-BE49-F238E27FC236}">
-                <a16:creationId xmlns:a16="http://schemas.microsoft.com/office/drawing/2014/main" id="{EF0AED74-9F70-4F4E-A4F3-55014DE05E77}"/>
-              </a:ext>
-            </a:extLst>
-          </p:cNvPr>
-          <p:cNvSpPr txBox="1"/>
-          <p:nvPr/>
-        </p:nvSpPr>
-        <p:spPr>
-          <a:xfrm>
-            <a:off x="8172893" y="60596"/>
-            <a:ext cx="3678865" cy="646331"/>
-          </a:xfrm>
-          <a:prstGeom prst="rect">
-            <a:avLst/>
-          </a:prstGeom>
-          <a:noFill/>
-        </p:spPr>
-        <p:txBody>
-          <a:bodyPr wrap="square" rtlCol="0">
-            <a:spAutoFit/>
-          </a:bodyPr>
-          <a:lstStyle/>
-          <a:p>
-            <a:r>
-              <a:rPr lang="en-US" b="1" dirty="0">
-                <a:solidFill>
-                  <a:srgbClr val="FF0000"/>
-                </a:solidFill>
-              </a:rPr>
-              <a:t>Should 10,000 be in the chart title or just in the X axis?  </a:t>
-            </a:r>
-          </a:p>
-        </p:txBody>
-      </p:sp>
-    </p:spTree>
-    <p:extLst>
-      <p:ext uri="{BB962C8B-B14F-4D97-AF65-F5344CB8AC3E}">
-        <p14:creationId xmlns:p14="http://schemas.microsoft.com/office/powerpoint/2010/main" val="4054935177"/>
-      </p:ext>
-    </p:extLst>
-  </p:cSld>
-  <p:clrMapOvr>
-    <a:masterClrMapping/>
-  </p:clrMapOvr>
-</p:sld>
-</file>
-
-<file path=ppt/slides/slide16.xml><?xml version="1.0" encoding="utf-8"?>
-<p:sld xmlns:a="http://schemas.openxmlformats.org/drawingml/2006/main" xmlns:r="http://schemas.openxmlformats.org/officeDocument/2006/relationships" xmlns:p="http://schemas.openxmlformats.org/presentationml/2006/main">
-  <p:cSld>
-    <p:bg>
-      <p:bgPr>
-        <a:solidFill>
-          <a:schemeClr val="bg1"/>
-        </a:solidFill>
-        <a:effectLst/>
-      </p:bgPr>
-    </p:bg>
-    <p:spTree>
-      <p:nvGrpSpPr>
-        <p:cNvPr id="1" name=""/>
-        <p:cNvGrpSpPr/>
-        <p:nvPr/>
-      </p:nvGrpSpPr>
-      <p:grpSpPr>
-        <a:xfrm>
-          <a:off x="0" y="0"/>
-          <a:ext cx="0" cy="0"/>
-          <a:chOff x="0" y="0"/>
-          <a:chExt cx="0" cy="0"/>
-        </a:xfrm>
-      </p:grpSpPr>
-      <p:sp>
-        <p:nvSpPr>
-          <p:cNvPr id="54" name="Rectangle 53">
-            <a:extLst>
-              <a:ext uri="{FF2B5EF4-FFF2-40B4-BE49-F238E27FC236}">
-                <a16:creationId xmlns:a16="http://schemas.microsoft.com/office/drawing/2014/main" id="{64C9EE1D-12BB-43F7-9A2A-893578DCA63A}"/>
-              </a:ext>
-              <a:ext uri="{C183D7F6-B498-43B3-948B-1728B52AA6E4}">
-                <adec:decorative xmlns:adec="http://schemas.microsoft.com/office/drawing/2017/decorative" val="1"/>
-              </a:ext>
-            </a:extLst>
-          </p:cNvPr>
-          <p:cNvSpPr>
-            <a:spLocks noGrp="1" noRot="1" noChangeAspect="1" noMove="1" noResize="1" noEditPoints="1" noAdjustHandles="1" noChangeArrowheads="1" noChangeShapeType="1" noTextEdit="1"/>
-          </p:cNvSpPr>
-          <p:nvPr>
-            <p:extLst>
-              <p:ext uri="{386F3935-93C4-4BCD-93E2-E3B085C9AB24}">
-                <p16:designElem xmlns:p16="http://schemas.microsoft.com/office/powerpoint/2015/main" val="1"/>
-              </p:ext>
-            </p:extLst>
-          </p:nvPr>
-        </p:nvSpPr>
-        <p:spPr>
-          <a:xfrm>
-            <a:off x="0" y="761999"/>
-            <a:ext cx="9141619" cy="5334001"/>
-          </a:xfrm>
-          <a:prstGeom prst="rect">
-            <a:avLst/>
-          </a:prstGeom>
-          <a:solidFill>
-            <a:schemeClr val="accent1"/>
-          </a:solidFill>
-          <a:ln>
-            <a:noFill/>
-          </a:ln>
-        </p:spPr>
-        <p:style>
-          <a:lnRef idx="2">
-            <a:schemeClr val="accent1">
-              <a:shade val="50000"/>
-            </a:schemeClr>
-          </a:lnRef>
-          <a:fillRef idx="1">
-            <a:schemeClr val="accent1"/>
-          </a:fillRef>
-          <a:effectRef idx="0">
-            <a:schemeClr val="accent1"/>
-          </a:effectRef>
-          <a:fontRef idx="minor">
-            <a:schemeClr val="lt1"/>
-          </a:fontRef>
-        </p:style>
-      </p:sp>
-      <p:sp>
-        <p:nvSpPr>
-          <p:cNvPr id="56" name="Rectangle 55">
-            <a:extLst>
-              <a:ext uri="{FF2B5EF4-FFF2-40B4-BE49-F238E27FC236}">
-                <a16:creationId xmlns:a16="http://schemas.microsoft.com/office/drawing/2014/main" id="{43962A31-C54E-4762-B155-59777FED1C75}"/>
-              </a:ext>
-              <a:ext uri="{C183D7F6-B498-43B3-948B-1728B52AA6E4}">
-                <adec:decorative xmlns:adec="http://schemas.microsoft.com/office/drawing/2017/decorative" val="1"/>
-              </a:ext>
-            </a:extLst>
-          </p:cNvPr>
-          <p:cNvSpPr>
-            <a:spLocks noGrp="1" noRot="1" noChangeAspect="1" noMove="1" noResize="1" noEditPoints="1" noAdjustHandles="1" noChangeArrowheads="1" noChangeShapeType="1" noTextEdit="1"/>
-          </p:cNvSpPr>
-          <p:nvPr>
-            <p:extLst>
-              <p:ext uri="{386F3935-93C4-4BCD-93E2-E3B085C9AB24}">
-                <p16:designElem xmlns:p16="http://schemas.microsoft.com/office/powerpoint/2015/main" val="1"/>
-              </p:ext>
-            </p:extLst>
-          </p:nvPr>
-        </p:nvSpPr>
-        <p:spPr>
-          <a:xfrm>
-            <a:off x="9270263" y="761999"/>
-            <a:ext cx="2925318" cy="5334001"/>
-          </a:xfrm>
-          <a:prstGeom prst="rect">
-            <a:avLst/>
-          </a:prstGeom>
-          <a:solidFill>
-            <a:srgbClr val="C8C8C8">
-              <a:alpha val="49804"/>
-            </a:srgbClr>
-          </a:solidFill>
-          <a:ln>
-            <a:noFill/>
-          </a:ln>
-        </p:spPr>
-        <p:style>
-          <a:lnRef idx="2">
-            <a:schemeClr val="accent1">
-              <a:shade val="50000"/>
-            </a:schemeClr>
-          </a:lnRef>
-          <a:fillRef idx="1">
-            <a:schemeClr val="accent1"/>
-          </a:fillRef>
-          <a:effectRef idx="0">
-            <a:schemeClr val="accent1"/>
-          </a:effectRef>
-          <a:fontRef idx="minor">
-            <a:schemeClr val="lt1"/>
-          </a:fontRef>
-        </p:style>
-      </p:sp>
-      <p:sp useBgFill="1">
-        <p:nvSpPr>
-          <p:cNvPr id="58" name="Rectangle 57">
-            <a:extLst>
-              <a:ext uri="{FF2B5EF4-FFF2-40B4-BE49-F238E27FC236}">
-                <a16:creationId xmlns:a16="http://schemas.microsoft.com/office/drawing/2014/main" id="{4B392D36-B685-45E0-B197-6EE5D748093B}"/>
-              </a:ext>
-              <a:ext uri="{C183D7F6-B498-43B3-948B-1728B52AA6E4}">
-                <adec:decorative xmlns:adec="http://schemas.microsoft.com/office/drawing/2017/decorative" val="1"/>
-              </a:ext>
-            </a:extLst>
-          </p:cNvPr>
-          <p:cNvSpPr>
-            <a:spLocks noGrp="1" noRot="1" noChangeAspect="1" noMove="1" noResize="1" noEditPoints="1" noAdjustHandles="1" noChangeArrowheads="1" noChangeShapeType="1" noTextEdit="1"/>
-          </p:cNvSpPr>
-          <p:nvPr>
-            <p:extLst>
-              <p:ext uri="{386F3935-93C4-4BCD-93E2-E3B085C9AB24}">
-                <p16:designElem xmlns:p16="http://schemas.microsoft.com/office/powerpoint/2015/main" val="1"/>
-              </p:ext>
-            </p:extLst>
-          </p:nvPr>
-        </p:nvSpPr>
-        <p:spPr>
-          <a:xfrm>
-            <a:off x="0" y="0"/>
-            <a:ext cx="12191999" cy="6858000"/>
-          </a:xfrm>
-          <a:prstGeom prst="rect">
-            <a:avLst/>
-          </a:prstGeom>
-          <a:ln>
-            <a:noFill/>
-          </a:ln>
-        </p:spPr>
-        <p:style>
-          <a:lnRef idx="2">
-            <a:schemeClr val="accent1">
-              <a:shade val="50000"/>
-            </a:schemeClr>
-          </a:lnRef>
-          <a:fillRef idx="1">
-            <a:schemeClr val="accent1"/>
-          </a:fillRef>
-          <a:effectRef idx="0">
-            <a:schemeClr val="accent1"/>
-          </a:effectRef>
-          <a:fontRef idx="minor">
-            <a:schemeClr val="lt1"/>
-          </a:fontRef>
-        </p:style>
-        <p:txBody>
-          <a:bodyPr rtlCol="0" anchor="ctr"/>
-          <a:lstStyle/>
-          <a:p>
-            <a:pPr algn="ctr"/>
-            <a:endParaRPr lang="en-US"/>
-          </a:p>
-        </p:txBody>
-      </p:sp>
-      <p:sp>
-        <p:nvSpPr>
-          <p:cNvPr id="60" name="Rectangle 59">
-            <a:extLst>
-              <a:ext uri="{FF2B5EF4-FFF2-40B4-BE49-F238E27FC236}">
-                <a16:creationId xmlns:a16="http://schemas.microsoft.com/office/drawing/2014/main" id="{9DCA8533-CC5E-4754-9A04-047EDE49E0F9}"/>
-              </a:ext>
-              <a:ext uri="{C183D7F6-B498-43B3-948B-1728B52AA6E4}">
-                <adec:decorative xmlns:adec="http://schemas.microsoft.com/office/drawing/2017/decorative" val="1"/>
-              </a:ext>
-            </a:extLst>
-          </p:cNvPr>
-          <p:cNvSpPr>
-            <a:spLocks noGrp="1" noRot="1" noChangeAspect="1" noMove="1" noResize="1" noEditPoints="1" noAdjustHandles="1" noChangeArrowheads="1" noChangeShapeType="1" noTextEdit="1"/>
-          </p:cNvSpPr>
-          <p:nvPr>
-            <p:extLst>
-              <p:ext uri="{386F3935-93C4-4BCD-93E2-E3B085C9AB24}">
-                <p16:designElem xmlns:p16="http://schemas.microsoft.com/office/powerpoint/2015/main" val="1"/>
-              </p:ext>
-            </p:extLst>
-          </p:nvPr>
-        </p:nvSpPr>
-        <p:spPr>
-          <a:xfrm>
-            <a:off x="0" y="4367639"/>
-            <a:ext cx="11707367" cy="1852186"/>
-          </a:xfrm>
-          <a:prstGeom prst="rect">
-            <a:avLst/>
-          </a:prstGeom>
-          <a:solidFill>
-            <a:schemeClr val="accent1"/>
-          </a:solidFill>
-          <a:ln>
-            <a:noFill/>
-          </a:ln>
-        </p:spPr>
-        <p:style>
-          <a:lnRef idx="2">
-            <a:schemeClr val="accent1">
-              <a:shade val="50000"/>
-            </a:schemeClr>
-          </a:lnRef>
-          <a:fillRef idx="1">
-            <a:schemeClr val="accent1"/>
-          </a:fillRef>
-          <a:effectRef idx="0">
-            <a:schemeClr val="accent1"/>
-          </a:effectRef>
-          <a:fontRef idx="minor">
-            <a:schemeClr val="lt1"/>
-          </a:fontRef>
-        </p:style>
-      </p:sp>
-      <p:sp>
-        <p:nvSpPr>
-          <p:cNvPr id="2" name="Title 1">
-            <a:extLst>
-              <a:ext uri="{FF2B5EF4-FFF2-40B4-BE49-F238E27FC236}">
-                <a16:creationId xmlns:a16="http://schemas.microsoft.com/office/drawing/2014/main" id="{65AD695B-C110-4403-BC2E-272D1A1B8DF6}"/>
-              </a:ext>
-            </a:extLst>
-          </p:cNvPr>
-          <p:cNvSpPr>
-            <a:spLocks noGrp="1"/>
-          </p:cNvSpPr>
-          <p:nvPr>
-            <p:ph type="title"/>
-          </p:nvPr>
-        </p:nvSpPr>
-        <p:spPr>
-          <a:xfrm>
-            <a:off x="1069848" y="4590661"/>
-            <a:ext cx="10210862" cy="1065690"/>
-          </a:xfrm>
-        </p:spPr>
-        <p:txBody>
-          <a:bodyPr vert="horz" lIns="91440" tIns="45720" rIns="91440" bIns="45720" rtlCol="0" anchor="b">
-            <a:normAutofit/>
-          </a:bodyPr>
-          <a:lstStyle/>
-          <a:p>
-            <a:r>
-              <a:rPr lang="en-US" sz="3700" b="1" cap="all" spc="-100" dirty="0"/>
-              <a:t>Housing Units Sold by Price </a:t>
-            </a:r>
-            <a:r>
-              <a:rPr lang="en-US" sz="3700" b="1" cap="small" spc="-100" dirty="0"/>
-              <a:t>vs</a:t>
-            </a:r>
-            <a:r>
-              <a:rPr lang="en-US" sz="3700" b="1" cap="all" spc="-100" dirty="0"/>
-              <a:t> Crime Rate</a:t>
-            </a:r>
-          </a:p>
-        </p:txBody>
-      </p:sp>
-      <p:sp>
-        <p:nvSpPr>
-          <p:cNvPr id="3" name="TextBox 2">
-            <a:extLst>
-              <a:ext uri="{FF2B5EF4-FFF2-40B4-BE49-F238E27FC236}">
-                <a16:creationId xmlns:a16="http://schemas.microsoft.com/office/drawing/2014/main" id="{2ADCDB36-AF26-4B95-9D41-A7526687B58C}"/>
-              </a:ext>
-            </a:extLst>
-          </p:cNvPr>
-          <p:cNvSpPr txBox="1"/>
-          <p:nvPr/>
-        </p:nvSpPr>
-        <p:spPr>
-          <a:xfrm>
-            <a:off x="112838" y="5829790"/>
-            <a:ext cx="3678865" cy="923330"/>
-          </a:xfrm>
-          <a:prstGeom prst="rect">
-            <a:avLst/>
-          </a:prstGeom>
-          <a:noFill/>
-        </p:spPr>
-        <p:txBody>
-          <a:bodyPr wrap="square" rtlCol="0">
-            <a:spAutoFit/>
-          </a:bodyPr>
-          <a:lstStyle/>
-          <a:p>
-            <a:r>
-              <a:rPr lang="en-US" b="1" dirty="0">
-                <a:solidFill>
-                  <a:srgbClr val="FF0000"/>
-                </a:solidFill>
-              </a:rPr>
-              <a:t>*Should the Y axis be per capita?  The housing bar charts are not per capita</a:t>
-            </a:r>
-          </a:p>
-        </p:txBody>
-      </p:sp>
-      <p:sp>
-        <p:nvSpPr>
-          <p:cNvPr id="4" name="TextBox 3">
-            <a:extLst>
-              <a:ext uri="{FF2B5EF4-FFF2-40B4-BE49-F238E27FC236}">
-                <a16:creationId xmlns:a16="http://schemas.microsoft.com/office/drawing/2014/main" id="{71AD3E63-34E5-4C33-A170-A1D76F1EC444}"/>
-              </a:ext>
-            </a:extLst>
-          </p:cNvPr>
-          <p:cNvSpPr txBox="1"/>
-          <p:nvPr/>
-        </p:nvSpPr>
-        <p:spPr>
-          <a:xfrm>
-            <a:off x="3920347" y="5854160"/>
-            <a:ext cx="3871173" cy="923330"/>
-          </a:xfrm>
-          <a:prstGeom prst="rect">
-            <a:avLst/>
-          </a:prstGeom>
-          <a:noFill/>
-        </p:spPr>
-        <p:txBody>
-          <a:bodyPr wrap="square" rtlCol="0">
-            <a:spAutoFit/>
-          </a:bodyPr>
-          <a:lstStyle/>
-          <a:p>
-            <a:r>
-              <a:rPr lang="en-US" b="1" dirty="0">
-                <a:solidFill>
-                  <a:srgbClr val="FF0000"/>
-                </a:solidFill>
-              </a:rPr>
-              <a:t>*Consider displaying only 2 images for space – less than 300K and 300-500k</a:t>
-            </a:r>
-          </a:p>
-        </p:txBody>
-      </p:sp>
-      <p:sp>
-        <p:nvSpPr>
-          <p:cNvPr id="7" name="TextBox 6">
-            <a:extLst>
-              <a:ext uri="{FF2B5EF4-FFF2-40B4-BE49-F238E27FC236}">
-                <a16:creationId xmlns:a16="http://schemas.microsoft.com/office/drawing/2014/main" id="{98806AAE-121F-411E-BA19-A8A4F0CB21D1}"/>
-              </a:ext>
-            </a:extLst>
-          </p:cNvPr>
-          <p:cNvSpPr txBox="1"/>
-          <p:nvPr/>
-        </p:nvSpPr>
-        <p:spPr>
-          <a:xfrm>
-            <a:off x="7858531" y="5879129"/>
-            <a:ext cx="3871173" cy="923330"/>
-          </a:xfrm>
-          <a:prstGeom prst="rect">
-            <a:avLst/>
-          </a:prstGeom>
-          <a:noFill/>
-        </p:spPr>
-        <p:txBody>
-          <a:bodyPr wrap="square" rtlCol="0">
-            <a:spAutoFit/>
-          </a:bodyPr>
-          <a:lstStyle/>
-          <a:p>
-            <a:r>
-              <a:rPr lang="en-US" b="1" dirty="0">
-                <a:solidFill>
-                  <a:srgbClr val="FF0000"/>
-                </a:solidFill>
-              </a:rPr>
-              <a:t>*Is this census data?  If so, may want to clarify while discussing this slide in the presentation </a:t>
-            </a:r>
-          </a:p>
-        </p:txBody>
-      </p:sp>
-      <p:sp>
-        <p:nvSpPr>
-          <p:cNvPr id="9" name="TextBox 8">
-            <a:extLst>
-              <a:ext uri="{FF2B5EF4-FFF2-40B4-BE49-F238E27FC236}">
-                <a16:creationId xmlns:a16="http://schemas.microsoft.com/office/drawing/2014/main" id="{F9EC634B-1089-4F6E-8DA6-C6BF8E8117DB}"/>
-              </a:ext>
-            </a:extLst>
-          </p:cNvPr>
-          <p:cNvSpPr txBox="1"/>
-          <p:nvPr/>
-        </p:nvSpPr>
-        <p:spPr>
-          <a:xfrm>
-            <a:off x="8665536" y="44038"/>
-            <a:ext cx="4371400" cy="369332"/>
-          </a:xfrm>
-          <a:prstGeom prst="rect">
-            <a:avLst/>
-          </a:prstGeom>
-          <a:noFill/>
-        </p:spPr>
-        <p:txBody>
-          <a:bodyPr wrap="square" rtlCol="0">
-            <a:spAutoFit/>
-          </a:bodyPr>
-          <a:lstStyle/>
-          <a:p>
-            <a:r>
-              <a:rPr lang="en-US" b="1" dirty="0">
-                <a:solidFill>
-                  <a:srgbClr val="FF0000"/>
-                </a:solidFill>
-              </a:rPr>
-              <a:t>*Are  chart titles all the same size?</a:t>
-            </a:r>
-          </a:p>
-        </p:txBody>
-      </p:sp>
-      <p:pic>
-        <p:nvPicPr>
-          <p:cNvPr id="13" name="Picture 12" descr="A close up of text on a white background&#10;&#10;Description automatically generated">
-            <a:extLst>
-              <a:ext uri="{FF2B5EF4-FFF2-40B4-BE49-F238E27FC236}">
-                <a16:creationId xmlns:a16="http://schemas.microsoft.com/office/drawing/2014/main" id="{83E2D6D8-5F00-4501-A85F-E2B47240E0EF}"/>
-              </a:ext>
-            </a:extLst>
-          </p:cNvPr>
-          <p:cNvPicPr>
-            <a:picLocks noChangeAspect="1"/>
-          </p:cNvPicPr>
-          <p:nvPr/>
-        </p:nvPicPr>
-        <p:blipFill>
-          <a:blip r:embed="rId2"/>
-          <a:stretch>
-            <a:fillRect/>
-          </a:stretch>
-        </p:blipFill>
-        <p:spPr>
-          <a:xfrm>
-            <a:off x="4122288" y="912070"/>
-            <a:ext cx="4105982" cy="2699824"/>
-          </a:xfrm>
-          <a:prstGeom prst="rect">
-            <a:avLst/>
-          </a:prstGeom>
-        </p:spPr>
-      </p:pic>
-      <p:pic>
-        <p:nvPicPr>
-          <p:cNvPr id="19" name="Picture 18" descr="A close up of text on a white background&#10;&#10;Description automatically generated">
-            <a:extLst>
-              <a:ext uri="{FF2B5EF4-FFF2-40B4-BE49-F238E27FC236}">
-                <a16:creationId xmlns:a16="http://schemas.microsoft.com/office/drawing/2014/main" id="{2B23633C-3BE5-45C9-AABC-A26EA53D93E5}"/>
-              </a:ext>
-            </a:extLst>
-          </p:cNvPr>
-          <p:cNvPicPr>
-            <a:picLocks noChangeAspect="1"/>
-          </p:cNvPicPr>
-          <p:nvPr/>
-        </p:nvPicPr>
-        <p:blipFill>
-          <a:blip r:embed="rId3"/>
-          <a:stretch>
-            <a:fillRect/>
-          </a:stretch>
-        </p:blipFill>
-        <p:spPr>
-          <a:xfrm>
-            <a:off x="131933" y="80510"/>
-            <a:ext cx="4058636" cy="2705757"/>
-          </a:xfrm>
-          <a:prstGeom prst="rect">
-            <a:avLst/>
-          </a:prstGeom>
-        </p:spPr>
-      </p:pic>
-      <p:pic>
-        <p:nvPicPr>
-          <p:cNvPr id="21" name="Picture 20" descr="A close up of a logo&#10;&#10;Description automatically generated">
-            <a:extLst>
-              <a:ext uri="{FF2B5EF4-FFF2-40B4-BE49-F238E27FC236}">
-                <a16:creationId xmlns:a16="http://schemas.microsoft.com/office/drawing/2014/main" id="{C666E1D3-AB06-4BBE-89E3-A9BAA50B560D}"/>
-              </a:ext>
-            </a:extLst>
-          </p:cNvPr>
-          <p:cNvPicPr>
-            <a:picLocks noChangeAspect="1"/>
-          </p:cNvPicPr>
-          <p:nvPr/>
-        </p:nvPicPr>
-        <p:blipFill>
-          <a:blip r:embed="rId4"/>
-          <a:stretch>
-            <a:fillRect/>
-          </a:stretch>
-        </p:blipFill>
-        <p:spPr>
-          <a:xfrm>
-            <a:off x="8009062" y="1611428"/>
-            <a:ext cx="4051005" cy="2700670"/>
-          </a:xfrm>
-          <a:prstGeom prst="rect">
-            <a:avLst/>
-          </a:prstGeom>
-        </p:spPr>
-      </p:pic>
-    </p:spTree>
-    <p:extLst>
-      <p:ext uri="{BB962C8B-B14F-4D97-AF65-F5344CB8AC3E}">
-        <p14:creationId xmlns:p14="http://schemas.microsoft.com/office/powerpoint/2010/main" val="297259918"/>
-      </p:ext>
-    </p:extLst>
-  </p:cSld>
-  <p:clrMapOvr>
-    <a:masterClrMapping/>
-  </p:clrMapOvr>
-</p:sld>
-</file>
-
-<file path=ppt/slides/slide17.xml><?xml version="1.0" encoding="utf-8"?>
-<p:sld xmlns:a="http://schemas.openxmlformats.org/drawingml/2006/main" xmlns:r="http://schemas.openxmlformats.org/officeDocument/2006/relationships" xmlns:p="http://schemas.openxmlformats.org/presentationml/2006/main">
-  <p:cSld>
-    <p:bg>
-      <p:bgPr>
-        <a:solidFill>
-          <a:schemeClr val="bg1"/>
-        </a:solidFill>
-        <a:effectLst/>
-      </p:bgPr>
-    </p:bg>
-    <p:spTree>
-      <p:nvGrpSpPr>
-        <p:cNvPr id="1" name=""/>
-        <p:cNvGrpSpPr/>
-        <p:nvPr/>
-      </p:nvGrpSpPr>
-      <p:grpSpPr>
-        <a:xfrm>
-          <a:off x="0" y="0"/>
-          <a:ext cx="0" cy="0"/>
-          <a:chOff x="0" y="0"/>
-          <a:chExt cx="0" cy="0"/>
-        </a:xfrm>
-      </p:grpSpPr>
-      <p:sp>
-        <p:nvSpPr>
           <p:cNvPr id="14" name="Rectangle 13">
             <a:extLst>
               <a:ext uri="{FF2B5EF4-FFF2-40B4-BE49-F238E27FC236}">
@@ -13056,14 +11647,14 @@
           </a:xfrm>
         </p:spPr>
         <p:txBody>
-          <a:bodyPr vert="horz" lIns="91440" tIns="45720" rIns="91440" bIns="45720" rtlCol="0" anchor="t">
+          <a:bodyPr vert="horz" lIns="91440" tIns="45720" rIns="91440" bIns="45720" rtlCol="0" anchor="ctr">
             <a:normAutofit/>
           </a:bodyPr>
           <a:lstStyle/>
           <a:p>
             <a:r>
               <a:rPr lang="en-US" b="1" dirty="0"/>
-              <a:t>HOUSING UNITS SOLD vs CRIME RATE IN SUGAR LAND AND HOUSTON</a:t>
+              <a:t>HOME SALES vs CRIME RATE IN SUGAR LAND AND HOUSTON</a:t>
             </a:r>
           </a:p>
         </p:txBody>
@@ -13213,51 +11804,12 @@
           </a:fontRef>
         </p:style>
       </p:cxnSp>
-      <p:sp>
-        <p:nvSpPr>
-          <p:cNvPr id="12" name="TextBox 11">
+      <p:pic>
+        <p:nvPicPr>
+          <p:cNvPr id="6" name="Picture 5" descr="A screenshot of a computer&#10;&#10;Description automatically generated">
             <a:extLst>
               <a:ext uri="{FF2B5EF4-FFF2-40B4-BE49-F238E27FC236}">
-                <a16:creationId xmlns:a16="http://schemas.microsoft.com/office/drawing/2014/main" id="{B8DAF411-80E2-44EB-9731-B8A429B76A08}"/>
-              </a:ext>
-            </a:extLst>
-          </p:cNvPr>
-          <p:cNvSpPr txBox="1"/>
-          <p:nvPr/>
-        </p:nvSpPr>
-        <p:spPr>
-          <a:xfrm>
-            <a:off x="-7914" y="2757"/>
-            <a:ext cx="3678865" cy="923330"/>
-          </a:xfrm>
-          <a:prstGeom prst="rect">
-            <a:avLst/>
-          </a:prstGeom>
-          <a:noFill/>
-        </p:spPr>
-        <p:txBody>
-          <a:bodyPr wrap="square" rtlCol="0">
-            <a:spAutoFit/>
-          </a:bodyPr>
-          <a:lstStyle/>
-          <a:p>
-            <a:r>
-              <a:rPr lang="en-US" b="1" dirty="0">
-                <a:solidFill>
-                  <a:srgbClr val="FF0000"/>
-                </a:solidFill>
-              </a:rPr>
-              <a:t>*Should the Y axis be per capita?  The housing bar charts are not per capita</a:t>
-            </a:r>
-          </a:p>
-        </p:txBody>
-      </p:sp>
-      <p:pic>
-        <p:nvPicPr>
-          <p:cNvPr id="3" name="Picture 2" descr="A screenshot of a cell phone&#10;&#10;Description automatically generated">
-            <a:extLst>
-              <a:ext uri="{FF2B5EF4-FFF2-40B4-BE49-F238E27FC236}">
-                <a16:creationId xmlns:a16="http://schemas.microsoft.com/office/drawing/2014/main" id="{07F6C660-1700-4E77-8C11-A84A5AB53AC2}"/>
+                <a16:creationId xmlns:a16="http://schemas.microsoft.com/office/drawing/2014/main" id="{69679A14-799C-40E1-9997-11E5AEFEDB83}"/>
               </a:ext>
             </a:extLst>
           </p:cNvPr>
@@ -13266,620 +11818,22 @@
           </p:cNvPicPr>
           <p:nvPr/>
         </p:nvPicPr>
-        <p:blipFill rotWithShape="1">
+        <p:blipFill>
           <a:blip r:embed="rId3"/>
-          <a:srcRect l="4495" t="6970" r="7455" b="5298"/>
-          <a:stretch/>
+          <a:stretch>
+            <a:fillRect/>
+          </a:stretch>
         </p:blipFill>
         <p:spPr>
           <a:xfrm>
-            <a:off x="434494" y="839135"/>
-            <a:ext cx="7379523" cy="5146993"/>
+            <a:off x="449417" y="810489"/>
+            <a:ext cx="7358166" cy="5228793"/>
           </a:xfrm>
           <a:prstGeom prst="rect">
             <a:avLst/>
           </a:prstGeom>
         </p:spPr>
       </p:pic>
-      <p:sp>
-        <p:nvSpPr>
-          <p:cNvPr id="4" name="TextBox 3">
-            <a:extLst>
-              <a:ext uri="{FF2B5EF4-FFF2-40B4-BE49-F238E27FC236}">
-                <a16:creationId xmlns:a16="http://schemas.microsoft.com/office/drawing/2014/main" id="{67D9FC86-B7C7-4A33-ADF3-6817B6DA1F94}"/>
-              </a:ext>
-            </a:extLst>
-          </p:cNvPr>
-          <p:cNvSpPr txBox="1"/>
-          <p:nvPr/>
-        </p:nvSpPr>
-        <p:spPr>
-          <a:xfrm>
-            <a:off x="5645889" y="60596"/>
-            <a:ext cx="6205870" cy="646331"/>
-          </a:xfrm>
-          <a:prstGeom prst="rect">
-            <a:avLst/>
-          </a:prstGeom>
-          <a:noFill/>
-        </p:spPr>
-        <p:txBody>
-          <a:bodyPr wrap="square" rtlCol="0">
-            <a:spAutoFit/>
-          </a:bodyPr>
-          <a:lstStyle/>
-          <a:p>
-            <a:r>
-              <a:rPr lang="en-US" b="1" dirty="0">
-                <a:solidFill>
-                  <a:srgbClr val="FF0000"/>
-                </a:solidFill>
-              </a:rPr>
-              <a:t>Should [10,000], Houston, and Friendswood be in the chart title or just in the X axis and legend?  </a:t>
-            </a:r>
-          </a:p>
-        </p:txBody>
-      </p:sp>
-    </p:spTree>
-    <p:extLst>
-      <p:ext uri="{BB962C8B-B14F-4D97-AF65-F5344CB8AC3E}">
-        <p14:creationId xmlns:p14="http://schemas.microsoft.com/office/powerpoint/2010/main" val="4120338722"/>
-      </p:ext>
-    </p:extLst>
-  </p:cSld>
-  <p:clrMapOvr>
-    <a:masterClrMapping/>
-  </p:clrMapOvr>
-</p:sld>
-</file>
-
-<file path=ppt/slides/slide18.xml><?xml version="1.0" encoding="utf-8"?>
-<p:sld xmlns:a="http://schemas.openxmlformats.org/drawingml/2006/main" xmlns:r="http://schemas.openxmlformats.org/officeDocument/2006/relationships" xmlns:p="http://schemas.openxmlformats.org/presentationml/2006/main">
-  <p:cSld>
-    <p:bg>
-      <p:bgPr>
-        <a:solidFill>
-          <a:schemeClr val="bg1"/>
-        </a:solidFill>
-        <a:effectLst/>
-      </p:bgPr>
-    </p:bg>
-    <p:spTree>
-      <p:nvGrpSpPr>
-        <p:cNvPr id="1" name=""/>
-        <p:cNvGrpSpPr/>
-        <p:nvPr/>
-      </p:nvGrpSpPr>
-      <p:grpSpPr>
-        <a:xfrm>
-          <a:off x="0" y="0"/>
-          <a:ext cx="0" cy="0"/>
-          <a:chOff x="0" y="0"/>
-          <a:chExt cx="0" cy="0"/>
-        </a:xfrm>
-      </p:grpSpPr>
-      <p:sp>
-        <p:nvSpPr>
-          <p:cNvPr id="14" name="Rectangle 13">
-            <a:extLst>
-              <a:ext uri="{FF2B5EF4-FFF2-40B4-BE49-F238E27FC236}">
-                <a16:creationId xmlns:a16="http://schemas.microsoft.com/office/drawing/2014/main" id="{4F645BF8-7885-4398-80BC-4C0DF24F5CEE}"/>
-              </a:ext>
-              <a:ext uri="{C183D7F6-B498-43B3-948B-1728B52AA6E4}">
-                <adec:decorative xmlns:adec="http://schemas.microsoft.com/office/drawing/2017/decorative" val="1"/>
-              </a:ext>
-            </a:extLst>
-          </p:cNvPr>
-          <p:cNvSpPr>
-            <a:spLocks noGrp="1" noRot="1" noChangeAspect="1" noMove="1" noResize="1" noEditPoints="1" noAdjustHandles="1" noChangeArrowheads="1" noChangeShapeType="1" noTextEdit="1"/>
-          </p:cNvSpPr>
-          <p:nvPr>
-            <p:extLst>
-              <p:ext uri="{386F3935-93C4-4BCD-93E2-E3B085C9AB24}">
-                <p16:designElem xmlns:p16="http://schemas.microsoft.com/office/powerpoint/2015/main" val="1"/>
-              </p:ext>
-            </p:extLst>
-          </p:nvPr>
-        </p:nvSpPr>
-        <p:spPr>
-          <a:xfrm>
-            <a:off x="1" y="758952"/>
-            <a:ext cx="3443590" cy="5330952"/>
-          </a:xfrm>
-          <a:prstGeom prst="rect">
-            <a:avLst/>
-          </a:prstGeom>
-          <a:solidFill>
-            <a:schemeClr val="accent1"/>
-          </a:solidFill>
-          <a:ln>
-            <a:noFill/>
-          </a:ln>
-        </p:spPr>
-        <p:style>
-          <a:lnRef idx="2">
-            <a:schemeClr val="accent1">
-              <a:shade val="50000"/>
-            </a:schemeClr>
-          </a:lnRef>
-          <a:fillRef idx="1">
-            <a:schemeClr val="accent1"/>
-          </a:fillRef>
-          <a:effectRef idx="0">
-            <a:schemeClr val="accent1"/>
-          </a:effectRef>
-          <a:fontRef idx="minor">
-            <a:schemeClr val="lt1"/>
-          </a:fontRef>
-        </p:style>
-      </p:sp>
-      <p:sp>
-        <p:nvSpPr>
-          <p:cNvPr id="16" name="Rectangle 15">
-            <a:extLst>
-              <a:ext uri="{FF2B5EF4-FFF2-40B4-BE49-F238E27FC236}">
-                <a16:creationId xmlns:a16="http://schemas.microsoft.com/office/drawing/2014/main" id="{3212FB65-CD2B-4005-B910-132DCE19FCC7}"/>
-              </a:ext>
-              <a:ext uri="{C183D7F6-B498-43B3-948B-1728B52AA6E4}">
-                <adec:decorative xmlns:adec="http://schemas.microsoft.com/office/drawing/2017/decorative" val="1"/>
-              </a:ext>
-            </a:extLst>
-          </p:cNvPr>
-          <p:cNvSpPr>
-            <a:spLocks noGrp="1" noRot="1" noChangeAspect="1" noMove="1" noResize="1" noEditPoints="1" noAdjustHandles="1" noChangeArrowheads="1" noChangeShapeType="1" noTextEdit="1"/>
-          </p:cNvSpPr>
-          <p:nvPr>
-            <p:extLst>
-              <p:ext uri="{386F3935-93C4-4BCD-93E2-E3B085C9AB24}">
-                <p16:designElem xmlns:p16="http://schemas.microsoft.com/office/powerpoint/2015/main" val="1"/>
-              </p:ext>
-            </p:extLst>
-          </p:nvPr>
-        </p:nvSpPr>
-        <p:spPr>
-          <a:xfrm>
-            <a:off x="11815864" y="758952"/>
-            <a:ext cx="384048" cy="5330952"/>
-          </a:xfrm>
-          <a:prstGeom prst="rect">
-            <a:avLst/>
-          </a:prstGeom>
-          <a:solidFill>
-            <a:srgbClr val="C8C8C8">
-              <a:alpha val="49804"/>
-            </a:srgbClr>
-          </a:solidFill>
-          <a:ln>
-            <a:noFill/>
-          </a:ln>
-        </p:spPr>
-        <p:style>
-          <a:lnRef idx="2">
-            <a:schemeClr val="accent1">
-              <a:shade val="50000"/>
-            </a:schemeClr>
-          </a:lnRef>
-          <a:fillRef idx="1">
-            <a:schemeClr val="accent1"/>
-          </a:fillRef>
-          <a:effectRef idx="0">
-            <a:schemeClr val="accent1"/>
-          </a:effectRef>
-          <a:fontRef idx="minor">
-            <a:schemeClr val="lt1"/>
-          </a:fontRef>
-        </p:style>
-      </p:sp>
-      <p:sp useBgFill="1">
-        <p:nvSpPr>
-          <p:cNvPr id="18" name="Rectangle 17">
-            <a:extLst>
-              <a:ext uri="{FF2B5EF4-FFF2-40B4-BE49-F238E27FC236}">
-                <a16:creationId xmlns:a16="http://schemas.microsoft.com/office/drawing/2014/main" id="{B5DC95B7-2A72-483B-BA19-2BE751205541}"/>
-              </a:ext>
-              <a:ext uri="{C183D7F6-B498-43B3-948B-1728B52AA6E4}">
-                <adec:decorative xmlns:adec="http://schemas.microsoft.com/office/drawing/2017/decorative" val="1"/>
-              </a:ext>
-            </a:extLst>
-          </p:cNvPr>
-          <p:cNvSpPr>
-            <a:spLocks noGrp="1" noRot="1" noChangeAspect="1" noMove="1" noResize="1" noEditPoints="1" noAdjustHandles="1" noChangeArrowheads="1" noChangeShapeType="1" noTextEdit="1"/>
-          </p:cNvSpPr>
-          <p:nvPr>
-            <p:extLst>
-              <p:ext uri="{386F3935-93C4-4BCD-93E2-E3B085C9AB24}">
-                <p16:designElem xmlns:p16="http://schemas.microsoft.com/office/powerpoint/2015/main" val="1"/>
-              </p:ext>
-            </p:extLst>
-          </p:nvPr>
-        </p:nvSpPr>
-        <p:spPr>
-          <a:xfrm>
-            <a:off x="0" y="0"/>
-            <a:ext cx="12192000" cy="6858000"/>
-          </a:xfrm>
-          <a:prstGeom prst="rect">
-            <a:avLst/>
-          </a:prstGeom>
-          <a:ln>
-            <a:noFill/>
-          </a:ln>
-        </p:spPr>
-        <p:style>
-          <a:lnRef idx="2">
-            <a:schemeClr val="accent1">
-              <a:shade val="50000"/>
-            </a:schemeClr>
-          </a:lnRef>
-          <a:fillRef idx="1">
-            <a:schemeClr val="accent1"/>
-          </a:fillRef>
-          <a:effectRef idx="0">
-            <a:schemeClr val="accent1"/>
-          </a:effectRef>
-          <a:fontRef idx="minor">
-            <a:schemeClr val="lt1"/>
-          </a:fontRef>
-        </p:style>
-        <p:txBody>
-          <a:bodyPr rtlCol="0" anchor="ctr"/>
-          <a:lstStyle/>
-          <a:p>
-            <a:pPr algn="ctr"/>
-            <a:endParaRPr lang="en-US"/>
-          </a:p>
-        </p:txBody>
-      </p:sp>
-      <p:sp>
-        <p:nvSpPr>
-          <p:cNvPr id="20" name="Rectangle 19">
-            <a:extLst>
-              <a:ext uri="{FF2B5EF4-FFF2-40B4-BE49-F238E27FC236}">
-                <a16:creationId xmlns:a16="http://schemas.microsoft.com/office/drawing/2014/main" id="{1C822AFE-7E96-4A51-9E55-FCAEACD21357}"/>
-              </a:ext>
-              <a:ext uri="{C183D7F6-B498-43B3-948B-1728B52AA6E4}">
-                <adec:decorative xmlns:adec="http://schemas.microsoft.com/office/drawing/2017/decorative" val="1"/>
-              </a:ext>
-            </a:extLst>
-          </p:cNvPr>
-          <p:cNvSpPr>
-            <a:spLocks noGrp="1" noRot="1" noChangeAspect="1" noMove="1" noResize="1" noEditPoints="1" noAdjustHandles="1" noChangeArrowheads="1" noChangeShapeType="1" noTextEdit="1"/>
-          </p:cNvSpPr>
-          <p:nvPr>
-            <p:extLst>
-              <p:ext uri="{386F3935-93C4-4BCD-93E2-E3B085C9AB24}">
-                <p16:designElem xmlns:p16="http://schemas.microsoft.com/office/powerpoint/2015/main" val="1"/>
-              </p:ext>
-            </p:extLst>
-          </p:nvPr>
-        </p:nvSpPr>
-        <p:spPr>
-          <a:xfrm>
-            <a:off x="7850120" y="757325"/>
-            <a:ext cx="4341880" cy="5329325"/>
-          </a:xfrm>
-          <a:prstGeom prst="rect">
-            <a:avLst/>
-          </a:prstGeom>
-          <a:solidFill>
-            <a:schemeClr val="accent1"/>
-          </a:solidFill>
-          <a:ln>
-            <a:noFill/>
-          </a:ln>
-        </p:spPr>
-        <p:style>
-          <a:lnRef idx="2">
-            <a:schemeClr val="accent1">
-              <a:shade val="50000"/>
-            </a:schemeClr>
-          </a:lnRef>
-          <a:fillRef idx="1">
-            <a:schemeClr val="accent1"/>
-          </a:fillRef>
-          <a:effectRef idx="0">
-            <a:schemeClr val="accent1"/>
-          </a:effectRef>
-          <a:fontRef idx="minor">
-            <a:schemeClr val="lt1"/>
-          </a:fontRef>
-        </p:style>
-        <p:txBody>
-          <a:bodyPr rtlCol="0" anchor="ctr"/>
-          <a:lstStyle/>
-          <a:p>
-            <a:pPr algn="ctr"/>
-            <a:endParaRPr lang="en-US"/>
-          </a:p>
-        </p:txBody>
-      </p:sp>
-      <p:sp>
-        <p:nvSpPr>
-          <p:cNvPr id="5" name="Title 4">
-            <a:extLst>
-              <a:ext uri="{FF2B5EF4-FFF2-40B4-BE49-F238E27FC236}">
-                <a16:creationId xmlns:a16="http://schemas.microsoft.com/office/drawing/2014/main" id="{3E1C62C6-1501-4C1D-8475-37DDFD235BEC}"/>
-              </a:ext>
-            </a:extLst>
-          </p:cNvPr>
-          <p:cNvSpPr>
-            <a:spLocks noGrp="1"/>
-          </p:cNvSpPr>
-          <p:nvPr>
-            <p:ph type="title"/>
-          </p:nvPr>
-        </p:nvSpPr>
-        <p:spPr>
-          <a:xfrm>
-            <a:off x="8038214" y="1079769"/>
-            <a:ext cx="3991074" cy="4683077"/>
-          </a:xfrm>
-        </p:spPr>
-        <p:txBody>
-          <a:bodyPr vert="horz" lIns="91440" tIns="45720" rIns="91440" bIns="45720" rtlCol="0" anchor="t">
-            <a:normAutofit/>
-          </a:bodyPr>
-          <a:lstStyle/>
-          <a:p>
-            <a:r>
-              <a:rPr lang="en-US" b="1" dirty="0"/>
-              <a:t>HOUSING UNITS SOLD vs CRIME RATE IN SUGAR LAND AND HOUSTON</a:t>
-            </a:r>
-          </a:p>
-        </p:txBody>
-      </p:sp>
-      <p:sp>
-        <p:nvSpPr>
-          <p:cNvPr id="22" name="Rectangle 21">
-            <a:extLst>
-              <a:ext uri="{FF2B5EF4-FFF2-40B4-BE49-F238E27FC236}">
-                <a16:creationId xmlns:a16="http://schemas.microsoft.com/office/drawing/2014/main" id="{9169EA61-C175-4B7E-807B-58199DEA7FB3}"/>
-              </a:ext>
-              <a:ext uri="{C183D7F6-B498-43B3-948B-1728B52AA6E4}">
-                <adec:decorative xmlns:adec="http://schemas.microsoft.com/office/drawing/2017/decorative" val="1"/>
-              </a:ext>
-            </a:extLst>
-          </p:cNvPr>
-          <p:cNvSpPr>
-            <a:spLocks noGrp="1" noRot="1" noChangeAspect="1" noMove="1" noResize="1" noEditPoints="1" noAdjustHandles="1" noChangeArrowheads="1" noChangeShapeType="1" noTextEdit="1"/>
-          </p:cNvSpPr>
-          <p:nvPr>
-            <p:extLst>
-              <p:ext uri="{386F3935-93C4-4BCD-93E2-E3B085C9AB24}">
-                <p16:designElem xmlns:p16="http://schemas.microsoft.com/office/powerpoint/2015/main" val="1"/>
-              </p:ext>
-            </p:extLst>
-          </p:nvPr>
-        </p:nvSpPr>
-        <p:spPr>
-          <a:xfrm>
-            <a:off x="0" y="758952"/>
-            <a:ext cx="384048" cy="5330952"/>
-          </a:xfrm>
-          <a:prstGeom prst="rect">
-            <a:avLst/>
-          </a:prstGeom>
-          <a:solidFill>
-            <a:srgbClr val="C8C8C8">
-              <a:alpha val="49804"/>
-            </a:srgbClr>
-          </a:solidFill>
-          <a:ln>
-            <a:noFill/>
-          </a:ln>
-        </p:spPr>
-        <p:style>
-          <a:lnRef idx="2">
-            <a:schemeClr val="accent1">
-              <a:shade val="50000"/>
-            </a:schemeClr>
-          </a:lnRef>
-          <a:fillRef idx="1">
-            <a:schemeClr val="accent1"/>
-          </a:fillRef>
-          <a:effectRef idx="0">
-            <a:schemeClr val="accent1"/>
-          </a:effectRef>
-          <a:fontRef idx="minor">
-            <a:schemeClr val="lt1"/>
-          </a:fontRef>
-        </p:style>
-      </p:sp>
-      <p:cxnSp>
-        <p:nvCxnSpPr>
-          <p:cNvPr id="17" name="Straight Connector 16">
-            <a:extLst>
-              <a:ext uri="{FF2B5EF4-FFF2-40B4-BE49-F238E27FC236}">
-                <a16:creationId xmlns:a16="http://schemas.microsoft.com/office/drawing/2014/main" id="{B2C2B097-9CF4-40F0-A48F-4319EA04AECB}"/>
-              </a:ext>
-            </a:extLst>
-          </p:cNvPr>
-          <p:cNvCxnSpPr/>
-          <p:nvPr/>
-        </p:nvCxnSpPr>
-        <p:spPr>
-          <a:xfrm>
-            <a:off x="0" y="758952"/>
-            <a:ext cx="12199912" cy="0"/>
-          </a:xfrm>
-          <a:prstGeom prst="line">
-            <a:avLst/>
-          </a:prstGeom>
-          <a:ln w="19050">
-            <a:solidFill>
-              <a:schemeClr val="bg2">
-                <a:lumMod val="60000"/>
-                <a:lumOff val="40000"/>
-              </a:schemeClr>
-            </a:solidFill>
-          </a:ln>
-        </p:spPr>
-        <p:style>
-          <a:lnRef idx="1">
-            <a:schemeClr val="accent1"/>
-          </a:lnRef>
-          <a:fillRef idx="0">
-            <a:schemeClr val="accent1"/>
-          </a:fillRef>
-          <a:effectRef idx="0">
-            <a:schemeClr val="accent1"/>
-          </a:effectRef>
-          <a:fontRef idx="minor">
-            <a:schemeClr val="tx1"/>
-          </a:fontRef>
-        </p:style>
-      </p:cxnSp>
-      <p:cxnSp>
-        <p:nvCxnSpPr>
-          <p:cNvPr id="19" name="Straight Connector 18">
-            <a:extLst>
-              <a:ext uri="{FF2B5EF4-FFF2-40B4-BE49-F238E27FC236}">
-                <a16:creationId xmlns:a16="http://schemas.microsoft.com/office/drawing/2014/main" id="{6D25B33E-3330-4C6B-B59C-196B19C65F48}"/>
-              </a:ext>
-            </a:extLst>
-          </p:cNvPr>
-          <p:cNvCxnSpPr/>
-          <p:nvPr/>
-        </p:nvCxnSpPr>
-        <p:spPr>
-          <a:xfrm>
-            <a:off x="-7914" y="6089904"/>
-            <a:ext cx="12199912" cy="0"/>
-          </a:xfrm>
-          <a:prstGeom prst="line">
-            <a:avLst/>
-          </a:prstGeom>
-          <a:ln w="19050">
-            <a:solidFill>
-              <a:schemeClr val="bg2">
-                <a:lumMod val="60000"/>
-                <a:lumOff val="40000"/>
-              </a:schemeClr>
-            </a:solidFill>
-          </a:ln>
-        </p:spPr>
-        <p:style>
-          <a:lnRef idx="1">
-            <a:schemeClr val="accent1"/>
-          </a:lnRef>
-          <a:fillRef idx="0">
-            <a:schemeClr val="accent1"/>
-          </a:fillRef>
-          <a:effectRef idx="0">
-            <a:schemeClr val="accent1"/>
-          </a:effectRef>
-          <a:fontRef idx="minor">
-            <a:schemeClr val="tx1"/>
-          </a:fontRef>
-        </p:style>
-      </p:cxnSp>
-      <p:sp>
-        <p:nvSpPr>
-          <p:cNvPr id="12" name="TextBox 11">
-            <a:extLst>
-              <a:ext uri="{FF2B5EF4-FFF2-40B4-BE49-F238E27FC236}">
-                <a16:creationId xmlns:a16="http://schemas.microsoft.com/office/drawing/2014/main" id="{B8DAF411-80E2-44EB-9731-B8A429B76A08}"/>
-              </a:ext>
-            </a:extLst>
-          </p:cNvPr>
-          <p:cNvSpPr txBox="1"/>
-          <p:nvPr/>
-        </p:nvSpPr>
-        <p:spPr>
-          <a:xfrm>
-            <a:off x="-7914" y="2757"/>
-            <a:ext cx="3678865" cy="923330"/>
-          </a:xfrm>
-          <a:prstGeom prst="rect">
-            <a:avLst/>
-          </a:prstGeom>
-          <a:noFill/>
-        </p:spPr>
-        <p:txBody>
-          <a:bodyPr wrap="square" rtlCol="0">
-            <a:spAutoFit/>
-          </a:bodyPr>
-          <a:lstStyle/>
-          <a:p>
-            <a:r>
-              <a:rPr lang="en-US" b="1" dirty="0">
-                <a:solidFill>
-                  <a:srgbClr val="FF0000"/>
-                </a:solidFill>
-              </a:rPr>
-              <a:t>*Should the Y axis be per capita?  The housing bar charts are not per capita</a:t>
-            </a:r>
-          </a:p>
-        </p:txBody>
-      </p:sp>
-      <p:pic>
-        <p:nvPicPr>
-          <p:cNvPr id="3" name="Picture 2" descr="A screenshot of a cell phone&#10;&#10;Description automatically generated">
-            <a:extLst>
-              <a:ext uri="{FF2B5EF4-FFF2-40B4-BE49-F238E27FC236}">
-                <a16:creationId xmlns:a16="http://schemas.microsoft.com/office/drawing/2014/main" id="{8361C7DF-1C02-4729-B1A0-BC076CE50873}"/>
-              </a:ext>
-            </a:extLst>
-          </p:cNvPr>
-          <p:cNvPicPr>
-            <a:picLocks noChangeAspect="1"/>
-          </p:cNvPicPr>
-          <p:nvPr/>
-        </p:nvPicPr>
-        <p:blipFill rotWithShape="1">
-          <a:blip r:embed="rId3"/>
-          <a:srcRect l="5170" t="6522" r="8173" b="4071"/>
-          <a:stretch/>
-        </p:blipFill>
-        <p:spPr>
-          <a:xfrm>
-            <a:off x="479745" y="879610"/>
-            <a:ext cx="7303360" cy="5274521"/>
-          </a:xfrm>
-          <a:prstGeom prst="rect">
-            <a:avLst/>
-          </a:prstGeom>
-        </p:spPr>
-      </p:pic>
-      <p:sp>
-        <p:nvSpPr>
-          <p:cNvPr id="4" name="TextBox 3">
-            <a:extLst>
-              <a:ext uri="{FF2B5EF4-FFF2-40B4-BE49-F238E27FC236}">
-                <a16:creationId xmlns:a16="http://schemas.microsoft.com/office/drawing/2014/main" id="{DAAFC4E7-6C6B-456A-BD61-00FE02E86110}"/>
-              </a:ext>
-            </a:extLst>
-          </p:cNvPr>
-          <p:cNvSpPr txBox="1"/>
-          <p:nvPr/>
-        </p:nvSpPr>
-        <p:spPr>
-          <a:xfrm>
-            <a:off x="5645889" y="60596"/>
-            <a:ext cx="6205870" cy="646331"/>
-          </a:xfrm>
-          <a:prstGeom prst="rect">
-            <a:avLst/>
-          </a:prstGeom>
-          <a:noFill/>
-        </p:spPr>
-        <p:txBody>
-          <a:bodyPr wrap="square" rtlCol="0">
-            <a:spAutoFit/>
-          </a:bodyPr>
-          <a:lstStyle/>
-          <a:p>
-            <a:r>
-              <a:rPr lang="en-US" b="1" dirty="0">
-                <a:solidFill>
-                  <a:srgbClr val="FF0000"/>
-                </a:solidFill>
-              </a:rPr>
-              <a:t>Should [10,000], Houston, Friendswood, and Sugar Land be in the chart title or just in the X axis and legend?  </a:t>
-            </a:r>
-          </a:p>
-        </p:txBody>
-      </p:sp>
     </p:spTree>
     <p:extLst>
       <p:ext uri="{BB962C8B-B14F-4D97-AF65-F5344CB8AC3E}">
@@ -13893,7 +11847,7 @@
 </p:sld>
 </file>
 
-<file path=ppt/slides/slide19.xml><?xml version="1.0" encoding="utf-8"?>
+<file path=ppt/slides/slide16.xml><?xml version="1.0" encoding="utf-8"?>
 <p:sld xmlns:a="http://schemas.openxmlformats.org/drawingml/2006/main" xmlns:r="http://schemas.openxmlformats.org/officeDocument/2006/relationships" xmlns:p="http://schemas.openxmlformats.org/presentationml/2006/main">
   <p:cSld>
     <p:bg>
@@ -14181,9 +12135,10 @@
           <a:lstStyle/>
           <a:p>
             <a:r>
-              <a:rPr lang="en-US" dirty="0"/>
-              <a:t>SUMMARY </a:t>
+              <a:rPr lang="en-US" b="1" cap="all" dirty="0"/>
+              <a:t>observations</a:t>
             </a:r>
+            <a:endParaRPr lang="en-US" cap="all" dirty="0"/>
           </a:p>
         </p:txBody>
       </p:sp>
@@ -14382,19 +12337,36 @@
         <p:spPr>
           <a:xfrm>
             <a:off x="1600753" y="2606818"/>
-            <a:ext cx="8983489" cy="3554457"/>
+            <a:ext cx="9312228" cy="3554457"/>
           </a:xfrm>
           <a:prstGeom prst="rect">
             <a:avLst/>
           </a:prstGeom>
         </p:spPr>
         <p:txBody>
-          <a:bodyPr vert="horz" lIns="91440" tIns="45720" rIns="91440" bIns="45720" rtlCol="0" anchor="ctr">
-            <a:normAutofit/>
+          <a:bodyPr vert="horz" lIns="91440" tIns="45720" rIns="91440" bIns="45720" rtlCol="0" anchor="t">
+            <a:normAutofit lnSpcReduction="10000"/>
           </a:bodyPr>
           <a:lstStyle/>
           <a:p>
-            <a:pPr marL="285750" indent="-182880" defTabSz="914400">
+            <a:pPr marL="102870" defTabSz="914400">
+              <a:lnSpc>
+                <a:spcPct val="90000"/>
+              </a:lnSpc>
+              <a:spcAft>
+                <a:spcPts val="600"/>
+              </a:spcAft>
+              <a:buClr>
+                <a:schemeClr val="accent1"/>
+              </a:buClr>
+            </a:pPr>
+            <a:r>
+              <a:rPr lang="en-US" sz="1700" dirty="0"/>
+              <a:t>When looking at crime rate and the housing market in the Houston metropolitan area we observed:</a:t>
+            </a:r>
+          </a:p>
+          <a:p>
+            <a:pPr marL="742950" lvl="1" indent="-182880" defTabSz="914400">
               <a:lnSpc>
                 <a:spcPct val="90000"/>
               </a:lnSpc>
@@ -14409,11 +12381,11 @@
             </a:pPr>
             <a:r>
               <a:rPr lang="en-US" sz="1700" dirty="0"/>
-              <a:t>This analysis takes the central locations of crime hot spots as its reference and assesses whether housing prices decline when relatively closer to these statistically significant crime concentrations. </a:t>
+              <a:t>No significant change in crime rate has occurred since 2012, while home prices have gone up overall</a:t>
             </a:r>
           </a:p>
           <a:p>
-            <a:pPr marL="285750" indent="-182880" defTabSz="914400">
+            <a:pPr marL="742950" lvl="1" indent="-182880" defTabSz="914400">
               <a:lnSpc>
                 <a:spcPct val="90000"/>
               </a:lnSpc>
@@ -14428,11 +12400,11 @@
             </a:pPr>
             <a:r>
               <a:rPr lang="en-US" sz="1700" dirty="0"/>
-              <a:t>The Houston metropolitan area is served by Extensive public transportation system, including metro  train that connects Houston Downtown area with NRG Stadium area, which is known for higher crime rate.</a:t>
+              <a:t>There are more homes sold in safer neighborhoods while home sales decrease as crime rate increases</a:t>
             </a:r>
           </a:p>
           <a:p>
-            <a:pPr marL="285750" indent="-182880" defTabSz="914400">
+            <a:pPr marL="742950" lvl="1" indent="-182880" defTabSz="914400">
               <a:lnSpc>
                 <a:spcPct val="90000"/>
               </a:lnSpc>
@@ -14447,11 +12419,42 @@
             </a:pPr>
             <a:r>
               <a:rPr lang="en-US" sz="1700" dirty="0"/>
-              <a:t> Other cities are also exposed to a variety of amenities, such as plenty of buildings, lakes, shopping centers,  which makes these cities the most desirable. We merged Housing market data with crime data to estimate valuation impact of total number of crime incidents in each city and the distance of crime location. </a:t>
+              <a:t>There is not a difference in the relationship between home sales and crime rate when analyzing home values</a:t>
             </a:r>
           </a:p>
           <a:p>
-            <a:pPr marL="285750" indent="-182880" defTabSz="914400">
+            <a:pPr marL="102870" defTabSz="914400">
+              <a:lnSpc>
+                <a:spcPct val="90000"/>
+              </a:lnSpc>
+              <a:spcAft>
+                <a:spcPts val="600"/>
+              </a:spcAft>
+              <a:buClr>
+                <a:schemeClr val="accent1"/>
+              </a:buClr>
+            </a:pPr>
+            <a:endParaRPr lang="en-US" sz="1700" dirty="0"/>
+          </a:p>
+          <a:p>
+            <a:pPr marL="102870" defTabSz="914400">
+              <a:lnSpc>
+                <a:spcPct val="90000"/>
+              </a:lnSpc>
+              <a:spcAft>
+                <a:spcPts val="600"/>
+              </a:spcAft>
+              <a:buClr>
+                <a:schemeClr val="accent1"/>
+              </a:buClr>
+            </a:pPr>
+            <a:r>
+              <a:rPr lang="en-US" sz="1700" dirty="0"/>
+              <a:t>While we see there is a relationship between the crime rate and the housing market, we acknowledge there are other factors affecting the housing market such as school districts, amenities, commute times,  demographics, etc.</a:t>
+            </a:r>
+          </a:p>
+          <a:p>
+            <a:pPr marL="742950" lvl="1" indent="-182880" defTabSz="914400">
               <a:lnSpc>
                 <a:spcPct val="90000"/>
               </a:lnSpc>
@@ -14466,8 +12469,167 @@
             </a:pPr>
             <a:r>
               <a:rPr lang="en-US" sz="1700" dirty="0"/>
-              <a:t>Per our analysis, the distance to the location, within the city have negative effect on housing values. Locations plays a significant role in the city housing valuation, where closer to crime locations lower housing values. </a:t>
+              <a:t>There is a moderate inverse correlation (-0.5) between crime and the housing prices	</a:t>
             </a:r>
+          </a:p>
+          <a:p>
+            <a:pPr marL="742950" lvl="1" indent="-182880" defTabSz="914400">
+              <a:lnSpc>
+                <a:spcPct val="90000"/>
+              </a:lnSpc>
+              <a:spcAft>
+                <a:spcPts val="600"/>
+              </a:spcAft>
+              <a:buClr>
+                <a:schemeClr val="accent1"/>
+              </a:buClr>
+              <a:buFont typeface="Wingdings 2" pitchFamily="18" charset="2"/>
+              <a:buChar char=""/>
+            </a:pPr>
+            <a:r>
+              <a:rPr lang="en-US" sz="1700" dirty="0"/>
+              <a:t>There is a low correlation (0.33) between crime and the days on market</a:t>
+            </a:r>
+          </a:p>
+          <a:p>
+            <a:pPr marL="102870" defTabSz="914400">
+              <a:lnSpc>
+                <a:spcPct val="90000"/>
+              </a:lnSpc>
+              <a:spcAft>
+                <a:spcPts val="600"/>
+              </a:spcAft>
+              <a:buClr>
+                <a:schemeClr val="accent1"/>
+              </a:buClr>
+            </a:pPr>
+            <a:endParaRPr lang="en-US" sz="1700" dirty="0"/>
+          </a:p>
+          <a:p>
+            <a:pPr marL="102870" defTabSz="914400">
+              <a:lnSpc>
+                <a:spcPct val="90000"/>
+              </a:lnSpc>
+              <a:spcAft>
+                <a:spcPts val="600"/>
+              </a:spcAft>
+              <a:buClr>
+                <a:schemeClr val="accent1"/>
+              </a:buClr>
+            </a:pPr>
+            <a:endParaRPr lang="en-US" sz="1700" dirty="0"/>
+          </a:p>
+          <a:p>
+            <a:pPr marL="285750" indent="-182880" defTabSz="914400">
+              <a:lnSpc>
+                <a:spcPct val="90000"/>
+              </a:lnSpc>
+              <a:spcAft>
+                <a:spcPts val="600"/>
+              </a:spcAft>
+              <a:buClr>
+                <a:schemeClr val="accent1"/>
+              </a:buClr>
+              <a:buFont typeface="Wingdings 2" pitchFamily="18" charset="2"/>
+              <a:buChar char=""/>
+            </a:pPr>
+            <a:endParaRPr lang="en-US" sz="1700" dirty="0"/>
+          </a:p>
+          <a:p>
+            <a:pPr marL="285750" indent="-182880" defTabSz="914400">
+              <a:lnSpc>
+                <a:spcPct val="90000"/>
+              </a:lnSpc>
+              <a:spcAft>
+                <a:spcPts val="600"/>
+              </a:spcAft>
+              <a:buClr>
+                <a:schemeClr val="accent1"/>
+              </a:buClr>
+              <a:buFont typeface="Wingdings 2" pitchFamily="18" charset="2"/>
+              <a:buChar char=""/>
+            </a:pPr>
+            <a:endParaRPr lang="en-US" sz="1700" dirty="0"/>
+          </a:p>
+          <a:p>
+            <a:pPr marL="285750" indent="-182880" defTabSz="914400">
+              <a:lnSpc>
+                <a:spcPct val="90000"/>
+              </a:lnSpc>
+              <a:spcAft>
+                <a:spcPts val="600"/>
+              </a:spcAft>
+              <a:buClr>
+                <a:schemeClr val="accent1"/>
+              </a:buClr>
+              <a:buFont typeface="Wingdings 2" pitchFamily="18" charset="2"/>
+              <a:buChar char=""/>
+            </a:pPr>
+            <a:endParaRPr lang="en-US" sz="1700" dirty="0"/>
+          </a:p>
+          <a:p>
+            <a:pPr marL="285750" indent="-182880" defTabSz="914400">
+              <a:lnSpc>
+                <a:spcPct val="90000"/>
+              </a:lnSpc>
+              <a:spcAft>
+                <a:spcPts val="600"/>
+              </a:spcAft>
+              <a:buClr>
+                <a:schemeClr val="accent1"/>
+              </a:buClr>
+              <a:buFont typeface="Wingdings 2" pitchFamily="18" charset="2"/>
+              <a:buChar char=""/>
+            </a:pPr>
+            <a:endParaRPr lang="en-US" sz="1700" dirty="0"/>
+          </a:p>
+          <a:p>
+            <a:pPr marL="285750" indent="-182880" defTabSz="914400">
+              <a:lnSpc>
+                <a:spcPct val="90000"/>
+              </a:lnSpc>
+              <a:spcAft>
+                <a:spcPts val="600"/>
+              </a:spcAft>
+              <a:buClr>
+                <a:schemeClr val="accent1"/>
+              </a:buClr>
+              <a:buFont typeface="Wingdings 2" pitchFamily="18" charset="2"/>
+              <a:buChar char=""/>
+            </a:pPr>
+            <a:endParaRPr lang="en-US" sz="1700" dirty="0"/>
+          </a:p>
+          <a:p>
+            <a:pPr marL="285750" indent="-182880" defTabSz="914400">
+              <a:lnSpc>
+                <a:spcPct val="90000"/>
+              </a:lnSpc>
+              <a:spcAft>
+                <a:spcPts val="600"/>
+              </a:spcAft>
+              <a:buClr>
+                <a:schemeClr val="accent1"/>
+              </a:buClr>
+              <a:buFont typeface="Wingdings 2" pitchFamily="18" charset="2"/>
+              <a:buChar char=""/>
+            </a:pPr>
+            <a:endParaRPr lang="en-US" sz="1700" dirty="0"/>
+          </a:p>
+          <a:p>
+            <a:pPr marL="285750" indent="-182880" defTabSz="914400">
+              <a:lnSpc>
+                <a:spcPct val="90000"/>
+              </a:lnSpc>
+              <a:spcAft>
+                <a:spcPts val="600"/>
+              </a:spcAft>
+              <a:buClr>
+                <a:schemeClr val="accent1"/>
+              </a:buClr>
+              <a:buFont typeface="Wingdings 2" pitchFamily="18" charset="2"/>
+              <a:buChar char=""/>
+            </a:pPr>
+            <a:endParaRPr lang="en-US" sz="1700" dirty="0"/>
           </a:p>
           <a:p>
             <a:pPr indent="-182880" defTabSz="914400">
@@ -14642,49 +12804,10 @@
           </a:p>
         </p:txBody>
       </p:sp>
-      <p:sp>
-        <p:nvSpPr>
-          <p:cNvPr id="3" name="TextBox 2">
-            <a:extLst>
-              <a:ext uri="{FF2B5EF4-FFF2-40B4-BE49-F238E27FC236}">
-                <a16:creationId xmlns:a16="http://schemas.microsoft.com/office/drawing/2014/main" id="{1BAA99F2-80F1-4F83-934A-21B39CCA245E}"/>
-              </a:ext>
-            </a:extLst>
-          </p:cNvPr>
-          <p:cNvSpPr txBox="1"/>
-          <p:nvPr/>
-        </p:nvSpPr>
-        <p:spPr>
-          <a:xfrm>
-            <a:off x="4070756" y="56311"/>
-            <a:ext cx="3678865" cy="646331"/>
-          </a:xfrm>
-          <a:prstGeom prst="rect">
-            <a:avLst/>
-          </a:prstGeom>
-          <a:noFill/>
-        </p:spPr>
-        <p:txBody>
-          <a:bodyPr wrap="square" rtlCol="0">
-            <a:spAutoFit/>
-          </a:bodyPr>
-          <a:lstStyle/>
-          <a:p>
-            <a:r>
-              <a:rPr lang="en-US" b="1" dirty="0">
-                <a:solidFill>
-                  <a:srgbClr val="FF0000"/>
-                </a:solidFill>
-              </a:rPr>
-              <a:t>Need to update slide with latest summary details and wrap up info</a:t>
-            </a:r>
-          </a:p>
-        </p:txBody>
-      </p:sp>
     </p:spTree>
     <p:extLst>
       <p:ext uri="{BB962C8B-B14F-4D97-AF65-F5344CB8AC3E}">
-        <p14:creationId xmlns:p14="http://schemas.microsoft.com/office/powerpoint/2010/main" val="38528430"/>
+        <p14:creationId xmlns:p14="http://schemas.microsoft.com/office/powerpoint/2010/main" val="1838890977"/>
       </p:ext>
     </p:extLst>
   </p:cSld>
@@ -14694,604 +12817,7 @@
 </p:sld>
 </file>
 
-<file path=ppt/slides/slide2.xml><?xml version="1.0" encoding="utf-8"?>
-<p:sld xmlns:a="http://schemas.openxmlformats.org/drawingml/2006/main" xmlns:r="http://schemas.openxmlformats.org/officeDocument/2006/relationships" xmlns:p="http://schemas.openxmlformats.org/presentationml/2006/main">
-  <p:cSld>
-    <p:bg>
-      <p:bgPr>
-        <a:solidFill>
-          <a:schemeClr val="bg1"/>
-        </a:solidFill>
-        <a:effectLst/>
-      </p:bgPr>
-    </p:bg>
-    <p:spTree>
-      <p:nvGrpSpPr>
-        <p:cNvPr id="1" name=""/>
-        <p:cNvGrpSpPr/>
-        <p:nvPr/>
-      </p:nvGrpSpPr>
-      <p:grpSpPr>
-        <a:xfrm>
-          <a:off x="0" y="0"/>
-          <a:ext cx="0" cy="0"/>
-          <a:chOff x="0" y="0"/>
-          <a:chExt cx="0" cy="0"/>
-        </a:xfrm>
-      </p:grpSpPr>
-      <p:sp useBgFill="1">
-        <p:nvSpPr>
-          <p:cNvPr id="8" name="Rectangle 7">
-            <a:extLst>
-              <a:ext uri="{FF2B5EF4-FFF2-40B4-BE49-F238E27FC236}">
-                <a16:creationId xmlns:a16="http://schemas.microsoft.com/office/drawing/2014/main" id="{29DC5A77-10C9-4ECF-B7EB-8D917F36A9EE}"/>
-              </a:ext>
-              <a:ext uri="{C183D7F6-B498-43B3-948B-1728B52AA6E4}">
-                <adec:decorative xmlns:adec="http://schemas.microsoft.com/office/drawing/2017/decorative" val="1"/>
-              </a:ext>
-            </a:extLst>
-          </p:cNvPr>
-          <p:cNvSpPr>
-            <a:spLocks noGrp="1" noRot="1" noChangeAspect="1" noMove="1" noResize="1" noEditPoints="1" noAdjustHandles="1" noChangeArrowheads="1" noChangeShapeType="1" noTextEdit="1"/>
-          </p:cNvSpPr>
-          <p:nvPr>
-            <p:extLst>
-              <p:ext uri="{386F3935-93C4-4BCD-93E2-E3B085C9AB24}">
-                <p16:designElem xmlns:p16="http://schemas.microsoft.com/office/powerpoint/2015/main" val="1"/>
-              </p:ext>
-            </p:extLst>
-          </p:nvPr>
-        </p:nvSpPr>
-        <p:spPr>
-          <a:xfrm>
-            <a:off x="0" y="0"/>
-            <a:ext cx="12192000" cy="6858000"/>
-          </a:xfrm>
-          <a:prstGeom prst="rect">
-            <a:avLst/>
-          </a:prstGeom>
-          <a:ln>
-            <a:noFill/>
-          </a:ln>
-        </p:spPr>
-        <p:style>
-          <a:lnRef idx="2">
-            <a:schemeClr val="accent1">
-              <a:shade val="50000"/>
-            </a:schemeClr>
-          </a:lnRef>
-          <a:fillRef idx="1">
-            <a:schemeClr val="accent1"/>
-          </a:fillRef>
-          <a:effectRef idx="0">
-            <a:schemeClr val="accent1"/>
-          </a:effectRef>
-          <a:fontRef idx="minor">
-            <a:schemeClr val="lt1"/>
-          </a:fontRef>
-        </p:style>
-        <p:txBody>
-          <a:bodyPr rtlCol="0" anchor="ctr"/>
-          <a:lstStyle/>
-          <a:p>
-            <a:pPr algn="ctr"/>
-            <a:endParaRPr lang="en-US"/>
-          </a:p>
-        </p:txBody>
-      </p:sp>
-      <p:sp>
-        <p:nvSpPr>
-          <p:cNvPr id="10" name="Rectangle 9">
-            <a:extLst>
-              <a:ext uri="{FF2B5EF4-FFF2-40B4-BE49-F238E27FC236}">
-                <a16:creationId xmlns:a16="http://schemas.microsoft.com/office/drawing/2014/main" id="{2FFE28B5-FB16-49A9-B851-3C35FAC0CACB}"/>
-              </a:ext>
-              <a:ext uri="{C183D7F6-B498-43B3-948B-1728B52AA6E4}">
-                <adec:decorative xmlns:adec="http://schemas.microsoft.com/office/drawing/2017/decorative" val="1"/>
-              </a:ext>
-            </a:extLst>
-          </p:cNvPr>
-          <p:cNvSpPr>
-            <a:spLocks noGrp="1" noRot="1" noChangeAspect="1" noMove="1" noResize="1" noEditPoints="1" noAdjustHandles="1" noChangeArrowheads="1" noChangeShapeType="1" noTextEdit="1"/>
-          </p:cNvSpPr>
-          <p:nvPr>
-            <p:extLst>
-              <p:ext uri="{386F3935-93C4-4BCD-93E2-E3B085C9AB24}">
-                <p16:designElem xmlns:p16="http://schemas.microsoft.com/office/powerpoint/2015/main" val="1"/>
-              </p:ext>
-            </p:extLst>
-          </p:nvPr>
-        </p:nvSpPr>
-        <p:spPr>
-          <a:xfrm>
-            <a:off x="1" y="758952"/>
-            <a:ext cx="10905976" cy="1651133"/>
-          </a:xfrm>
-          <a:prstGeom prst="rect">
-            <a:avLst/>
-          </a:prstGeom>
-          <a:solidFill>
-            <a:schemeClr val="accent1"/>
-          </a:solidFill>
-          <a:ln>
-            <a:noFill/>
-          </a:ln>
-        </p:spPr>
-        <p:style>
-          <a:lnRef idx="2">
-            <a:schemeClr val="accent1">
-              <a:shade val="50000"/>
-            </a:schemeClr>
-          </a:lnRef>
-          <a:fillRef idx="1">
-            <a:schemeClr val="accent1"/>
-          </a:fillRef>
-          <a:effectRef idx="0">
-            <a:schemeClr val="accent1"/>
-          </a:effectRef>
-          <a:fontRef idx="minor">
-            <a:schemeClr val="lt1"/>
-          </a:fontRef>
-        </p:style>
-        <p:txBody>
-          <a:bodyPr/>
-          <a:lstStyle/>
-          <a:p>
-            <a:endParaRPr lang="en-US" dirty="0"/>
-          </a:p>
-        </p:txBody>
-      </p:sp>
-      <p:sp>
-        <p:nvSpPr>
-          <p:cNvPr id="2" name="Title 1">
-            <a:extLst>
-              <a:ext uri="{FF2B5EF4-FFF2-40B4-BE49-F238E27FC236}">
-                <a16:creationId xmlns:a16="http://schemas.microsoft.com/office/drawing/2014/main" id="{1DA47A67-771B-EB45-97C7-BE4E5566B108}"/>
-              </a:ext>
-            </a:extLst>
-          </p:cNvPr>
-          <p:cNvSpPr>
-            <a:spLocks noGrp="1"/>
-          </p:cNvSpPr>
-          <p:nvPr>
-            <p:ph type="title"/>
-          </p:nvPr>
-        </p:nvSpPr>
-        <p:spPr>
-          <a:xfrm>
-            <a:off x="350452" y="1084029"/>
-            <a:ext cx="8983489" cy="1000978"/>
-          </a:xfrm>
-        </p:spPr>
-        <p:txBody>
-          <a:bodyPr>
-            <a:normAutofit/>
-          </a:bodyPr>
-          <a:lstStyle/>
-          <a:p>
-            <a:r>
-              <a:rPr lang="en-US" sz="2800" b="1" dirty="0">
-                <a:latin typeface="Arial" panose="020B0604020202020204" pitchFamily="34" charset="0"/>
-                <a:cs typeface="Arial" panose="020B0604020202020204" pitchFamily="34" charset="0"/>
-              </a:rPr>
-              <a:t>PROJECT DESCRIPTION</a:t>
-            </a:r>
-          </a:p>
-        </p:txBody>
-      </p:sp>
-      <p:sp>
-        <p:nvSpPr>
-          <p:cNvPr id="12" name="Rectangle 11">
-            <a:extLst>
-              <a:ext uri="{FF2B5EF4-FFF2-40B4-BE49-F238E27FC236}">
-                <a16:creationId xmlns:a16="http://schemas.microsoft.com/office/drawing/2014/main" id="{01014442-855A-4E0F-8D09-C314661A48B9}"/>
-              </a:ext>
-              <a:ext uri="{C183D7F6-B498-43B3-948B-1728B52AA6E4}">
-                <adec:decorative xmlns:adec="http://schemas.microsoft.com/office/drawing/2017/decorative" val="1"/>
-              </a:ext>
-            </a:extLst>
-          </p:cNvPr>
-          <p:cNvSpPr>
-            <a:spLocks noGrp="1" noRot="1" noChangeAspect="1" noMove="1" noResize="1" noEditPoints="1" noAdjustHandles="1" noChangeArrowheads="1" noChangeShapeType="1" noTextEdit="1"/>
-          </p:cNvSpPr>
-          <p:nvPr>
-            <p:extLst>
-              <p:ext uri="{386F3935-93C4-4BCD-93E2-E3B085C9AB24}">
-                <p16:designElem xmlns:p16="http://schemas.microsoft.com/office/powerpoint/2015/main" val="1"/>
-              </p:ext>
-            </p:extLst>
-          </p:nvPr>
-        </p:nvSpPr>
-        <p:spPr>
-          <a:xfrm>
-            <a:off x="11014533" y="758952"/>
-            <a:ext cx="1185379" cy="1651133"/>
-          </a:xfrm>
-          <a:prstGeom prst="rect">
-            <a:avLst/>
-          </a:prstGeom>
-          <a:solidFill>
-            <a:srgbClr val="C8C8C8">
-              <a:alpha val="49804"/>
-            </a:srgbClr>
-          </a:solidFill>
-          <a:ln>
-            <a:noFill/>
-          </a:ln>
-        </p:spPr>
-        <p:style>
-          <a:lnRef idx="2">
-            <a:schemeClr val="accent1">
-              <a:shade val="50000"/>
-            </a:schemeClr>
-          </a:lnRef>
-          <a:fillRef idx="1">
-            <a:schemeClr val="accent1"/>
-          </a:fillRef>
-          <a:effectRef idx="0">
-            <a:schemeClr val="accent1"/>
-          </a:effectRef>
-          <a:fontRef idx="minor">
-            <a:schemeClr val="lt1"/>
-          </a:fontRef>
-        </p:style>
-      </p:sp>
-      <p:sp>
-        <p:nvSpPr>
-          <p:cNvPr id="14" name="Rectangle 13">
-            <a:extLst>
-              <a:ext uri="{FF2B5EF4-FFF2-40B4-BE49-F238E27FC236}">
-                <a16:creationId xmlns:a16="http://schemas.microsoft.com/office/drawing/2014/main" id="{9B1ABF09-86CF-414E-88A5-2B84CC7232A9}"/>
-              </a:ext>
-              <a:ext uri="{C183D7F6-B498-43B3-948B-1728B52AA6E4}">
-                <adec:decorative xmlns:adec="http://schemas.microsoft.com/office/drawing/2017/decorative" val="1"/>
-              </a:ext>
-            </a:extLst>
-          </p:cNvPr>
-          <p:cNvSpPr>
-            <a:spLocks noGrp="1" noRot="1" noChangeAspect="1" noMove="1" noResize="1" noEditPoints="1" noAdjustHandles="1" noChangeArrowheads="1" noChangeShapeType="1" noTextEdit="1"/>
-          </p:cNvSpPr>
-          <p:nvPr>
-            <p:extLst>
-              <p:ext uri="{386F3935-93C4-4BCD-93E2-E3B085C9AB24}">
-                <p16:designElem xmlns:p16="http://schemas.microsoft.com/office/powerpoint/2015/main" val="1"/>
-              </p:ext>
-            </p:extLst>
-          </p:nvPr>
-        </p:nvSpPr>
-        <p:spPr>
-          <a:xfrm>
-            <a:off x="763" y="2526526"/>
-            <a:ext cx="1169701" cy="3563378"/>
-          </a:xfrm>
-          <a:prstGeom prst="rect">
-            <a:avLst/>
-          </a:prstGeom>
-          <a:solidFill>
-            <a:srgbClr val="C8C8C8">
-              <a:alpha val="49804"/>
-            </a:srgbClr>
-          </a:solidFill>
-          <a:ln>
-            <a:noFill/>
-          </a:ln>
-        </p:spPr>
-        <p:style>
-          <a:lnRef idx="2">
-            <a:schemeClr val="accent1">
-              <a:shade val="50000"/>
-            </a:schemeClr>
-          </a:lnRef>
-          <a:fillRef idx="1">
-            <a:schemeClr val="accent1"/>
-          </a:fillRef>
-          <a:effectRef idx="0">
-            <a:schemeClr val="accent1"/>
-          </a:effectRef>
-          <a:fontRef idx="minor">
-            <a:schemeClr val="lt1"/>
-          </a:fontRef>
-        </p:style>
-      </p:sp>
-      <p:sp>
-        <p:nvSpPr>
-          <p:cNvPr id="16" name="Rectangle 15">
-            <a:extLst>
-              <a:ext uri="{FF2B5EF4-FFF2-40B4-BE49-F238E27FC236}">
-                <a16:creationId xmlns:a16="http://schemas.microsoft.com/office/drawing/2014/main" id="{3FE91770-CDBB-4D24-94E5-AD484F36CE87}"/>
-              </a:ext>
-              <a:ext uri="{C183D7F6-B498-43B3-948B-1728B52AA6E4}">
-                <adec:decorative xmlns:adec="http://schemas.microsoft.com/office/drawing/2017/decorative" val="1"/>
-              </a:ext>
-            </a:extLst>
-          </p:cNvPr>
-          <p:cNvSpPr>
-            <a:spLocks noGrp="1" noRot="1" noChangeAspect="1" noMove="1" noResize="1" noEditPoints="1" noAdjustHandles="1" noChangeArrowheads="1" noChangeShapeType="1" noTextEdit="1"/>
-          </p:cNvSpPr>
-          <p:nvPr>
-            <p:extLst>
-              <p:ext uri="{386F3935-93C4-4BCD-93E2-E3B085C9AB24}">
-                <p16:designElem xmlns:p16="http://schemas.microsoft.com/office/powerpoint/2015/main" val="1"/>
-              </p:ext>
-            </p:extLst>
-          </p:nvPr>
-        </p:nvSpPr>
-        <p:spPr>
-          <a:xfrm>
-            <a:off x="1279019" y="2526526"/>
-            <a:ext cx="10920893" cy="3563377"/>
-          </a:xfrm>
-          <a:prstGeom prst="rect">
-            <a:avLst/>
-          </a:prstGeom>
-          <a:solidFill>
-            <a:schemeClr val="bg2">
-              <a:lumMod val="60000"/>
-              <a:lumOff val="40000"/>
-              <a:alpha val="60000"/>
-            </a:schemeClr>
-          </a:solidFill>
-          <a:ln>
-            <a:noFill/>
-          </a:ln>
-        </p:spPr>
-        <p:style>
-          <a:lnRef idx="2">
-            <a:schemeClr val="accent1">
-              <a:shade val="50000"/>
-            </a:schemeClr>
-          </a:lnRef>
-          <a:fillRef idx="1">
-            <a:schemeClr val="accent1"/>
-          </a:fillRef>
-          <a:effectRef idx="0">
-            <a:schemeClr val="accent1"/>
-          </a:effectRef>
-          <a:fontRef idx="minor">
-            <a:schemeClr val="lt1"/>
-          </a:fontRef>
-        </p:style>
-        <p:txBody>
-          <a:bodyPr/>
-          <a:lstStyle/>
-          <a:p>
-            <a:endParaRPr lang="en-US" dirty="0"/>
-          </a:p>
-        </p:txBody>
-      </p:sp>
-      <p:sp>
-        <p:nvSpPr>
-          <p:cNvPr id="3" name="Content Placeholder 2">
-            <a:extLst>
-              <a:ext uri="{FF2B5EF4-FFF2-40B4-BE49-F238E27FC236}">
-                <a16:creationId xmlns:a16="http://schemas.microsoft.com/office/drawing/2014/main" id="{20B7AD43-713E-E345-A98B-A0A80BF876CD}"/>
-              </a:ext>
-            </a:extLst>
-          </p:cNvPr>
-          <p:cNvSpPr>
-            <a:spLocks noGrp="1"/>
-          </p:cNvSpPr>
-          <p:nvPr>
-            <p:ph idx="1"/>
-          </p:nvPr>
-        </p:nvSpPr>
-        <p:spPr>
-          <a:xfrm>
-            <a:off x="1512266" y="2318313"/>
-            <a:ext cx="10454398" cy="1992688"/>
-          </a:xfrm>
-        </p:spPr>
-        <p:txBody>
-          <a:bodyPr>
-            <a:normAutofit/>
-          </a:bodyPr>
-          <a:lstStyle/>
-          <a:p>
-            <a:pPr marL="0" indent="0">
-              <a:buNone/>
-            </a:pPr>
-            <a:r>
-              <a:rPr lang="en-US" dirty="0">
-                <a:solidFill>
-                  <a:schemeClr val="tx1"/>
-                </a:solidFill>
-                <a:latin typeface="Arial" panose="020B0604020202020204" pitchFamily="34" charset="0"/>
-                <a:cs typeface="Arial" panose="020B0604020202020204" pitchFamily="34" charset="0"/>
-              </a:rPr>
-              <a:t>This project is intended to be used as baseline for understanding the housing market economy and the impact of crime on property values across the Houston metropolitan area by population.</a:t>
-            </a:r>
-          </a:p>
-          <a:p>
-            <a:pPr marL="0" indent="0">
-              <a:buNone/>
-            </a:pPr>
-            <a:r>
-              <a:rPr lang="en-US" b="1" dirty="0">
-                <a:solidFill>
-                  <a:schemeClr val="tx1"/>
-                </a:solidFill>
-                <a:latin typeface="Arial" panose="020B0604020202020204" pitchFamily="34" charset="0"/>
-                <a:cs typeface="Arial" panose="020B0604020202020204" pitchFamily="34" charset="0"/>
-              </a:rPr>
-              <a:t>We have therefore chosen these major cities for our analysis:</a:t>
-            </a:r>
-          </a:p>
-        </p:txBody>
-      </p:sp>
-      <p:sp>
-        <p:nvSpPr>
-          <p:cNvPr id="4" name="TextBox 3">
-            <a:extLst>
-              <a:ext uri="{FF2B5EF4-FFF2-40B4-BE49-F238E27FC236}">
-                <a16:creationId xmlns:a16="http://schemas.microsoft.com/office/drawing/2014/main" id="{CD1AD3E8-E988-784B-9A93-0969FDA4BD8D}"/>
-              </a:ext>
-            </a:extLst>
-          </p:cNvPr>
-          <p:cNvSpPr txBox="1"/>
-          <p:nvPr/>
-        </p:nvSpPr>
-        <p:spPr>
-          <a:xfrm>
-            <a:off x="1546886" y="3917105"/>
-            <a:ext cx="1548822" cy="2246769"/>
-          </a:xfrm>
-          <a:prstGeom prst="rect">
-            <a:avLst/>
-          </a:prstGeom>
-          <a:noFill/>
-        </p:spPr>
-        <p:txBody>
-          <a:bodyPr wrap="none" rtlCol="0">
-            <a:spAutoFit/>
-          </a:bodyPr>
-          <a:lstStyle/>
-          <a:p>
-            <a:pPr marL="285750" indent="-285750">
-              <a:buFont typeface="Arial" panose="020B0604020202020204" pitchFamily="34" charset="0"/>
-              <a:buChar char="•"/>
-            </a:pPr>
-            <a:r>
-              <a:rPr lang="en-US" sz="1400" dirty="0">
-                <a:latin typeface="Arial" panose="020B0604020202020204" pitchFamily="34" charset="0"/>
-                <a:cs typeface="Arial" panose="020B0604020202020204" pitchFamily="34" charset="0"/>
-              </a:rPr>
-              <a:t>Baytown </a:t>
-            </a:r>
-          </a:p>
-          <a:p>
-            <a:pPr marL="285750" indent="-285750">
-              <a:buFont typeface="Arial" panose="020B0604020202020204" pitchFamily="34" charset="0"/>
-              <a:buChar char="•"/>
-            </a:pPr>
-            <a:r>
-              <a:rPr lang="en-US" sz="1400" dirty="0">
-                <a:latin typeface="Arial" panose="020B0604020202020204" pitchFamily="34" charset="0"/>
-                <a:cs typeface="Arial" panose="020B0604020202020204" pitchFamily="34" charset="0"/>
-              </a:rPr>
-              <a:t>Friendswood </a:t>
-            </a:r>
-          </a:p>
-          <a:p>
-            <a:pPr marL="285750" indent="-285750">
-              <a:buFont typeface="Arial" panose="020B0604020202020204" pitchFamily="34" charset="0"/>
-              <a:buChar char="•"/>
-            </a:pPr>
-            <a:r>
-              <a:rPr lang="en-US" sz="1400" dirty="0">
-                <a:latin typeface="Arial" panose="020B0604020202020204" pitchFamily="34" charset="0"/>
-                <a:cs typeface="Arial" panose="020B0604020202020204" pitchFamily="34" charset="0"/>
-              </a:rPr>
-              <a:t>Galveston </a:t>
-            </a:r>
-          </a:p>
-          <a:p>
-            <a:pPr marL="285750" indent="-285750">
-              <a:buFont typeface="Arial" panose="020B0604020202020204" pitchFamily="34" charset="0"/>
-              <a:buChar char="•"/>
-            </a:pPr>
-            <a:r>
-              <a:rPr lang="en-US" sz="1400" dirty="0">
-                <a:latin typeface="Arial" panose="020B0604020202020204" pitchFamily="34" charset="0"/>
-                <a:cs typeface="Arial" panose="020B0604020202020204" pitchFamily="34" charset="0"/>
-              </a:rPr>
-              <a:t>Houston </a:t>
-            </a:r>
-          </a:p>
-          <a:p>
-            <a:pPr marL="285750" indent="-285750">
-              <a:buFont typeface="Arial" panose="020B0604020202020204" pitchFamily="34" charset="0"/>
-              <a:buChar char="•"/>
-            </a:pPr>
-            <a:r>
-              <a:rPr lang="en-US" sz="1400" dirty="0">
-                <a:latin typeface="Arial" panose="020B0604020202020204" pitchFamily="34" charset="0"/>
-                <a:cs typeface="Arial" panose="020B0604020202020204" pitchFamily="34" charset="0"/>
-              </a:rPr>
-              <a:t>La Porte </a:t>
-            </a:r>
-          </a:p>
-          <a:p>
-            <a:pPr marL="285750" indent="-285750">
-              <a:buFont typeface="Arial" panose="020B0604020202020204" pitchFamily="34" charset="0"/>
-              <a:buChar char="•"/>
-            </a:pPr>
-            <a:r>
-              <a:rPr lang="en-US" sz="1400" dirty="0">
-                <a:latin typeface="Arial" panose="020B0604020202020204" pitchFamily="34" charset="0"/>
-                <a:cs typeface="Arial" panose="020B0604020202020204" pitchFamily="34" charset="0"/>
-              </a:rPr>
-              <a:t>League City </a:t>
-            </a:r>
-          </a:p>
-          <a:p>
-            <a:pPr marL="285750" indent="-285750">
-              <a:buFont typeface="Arial" panose="020B0604020202020204" pitchFamily="34" charset="0"/>
-              <a:buChar char="•"/>
-            </a:pPr>
-            <a:r>
-              <a:rPr lang="en-US" sz="1400" dirty="0">
-                <a:latin typeface="Arial" panose="020B0604020202020204" pitchFamily="34" charset="0"/>
-                <a:cs typeface="Arial" panose="020B0604020202020204" pitchFamily="34" charset="0"/>
-              </a:rPr>
-              <a:t>Missouri City </a:t>
-            </a:r>
-          </a:p>
-          <a:p>
-            <a:pPr marL="285750" indent="-285750">
-              <a:buFont typeface="Arial" panose="020B0604020202020204" pitchFamily="34" charset="0"/>
-              <a:buChar char="•"/>
-            </a:pPr>
-            <a:r>
-              <a:rPr lang="en-US" sz="1400" dirty="0">
-                <a:latin typeface="Arial" panose="020B0604020202020204" pitchFamily="34" charset="0"/>
-                <a:cs typeface="Arial" panose="020B0604020202020204" pitchFamily="34" charset="0"/>
-              </a:rPr>
-              <a:t>Pasadena </a:t>
-            </a:r>
-          </a:p>
-          <a:p>
-            <a:pPr marL="285750" indent="-285750">
-              <a:buFont typeface="Arial" panose="020B0604020202020204" pitchFamily="34" charset="0"/>
-              <a:buChar char="•"/>
-            </a:pPr>
-            <a:r>
-              <a:rPr lang="en-US" sz="1400" dirty="0">
-                <a:latin typeface="Arial" panose="020B0604020202020204" pitchFamily="34" charset="0"/>
-                <a:cs typeface="Arial" panose="020B0604020202020204" pitchFamily="34" charset="0"/>
-              </a:rPr>
-              <a:t>Sugar Land </a:t>
-            </a:r>
-          </a:p>
-          <a:p>
-            <a:pPr marL="285750" indent="-285750">
-              <a:buFont typeface="Arial" panose="020B0604020202020204" pitchFamily="34" charset="0"/>
-              <a:buChar char="•"/>
-            </a:pPr>
-            <a:r>
-              <a:rPr lang="en-US" sz="1400" dirty="0">
-                <a:latin typeface="Arial" panose="020B0604020202020204" pitchFamily="34" charset="0"/>
-                <a:cs typeface="Arial" panose="020B0604020202020204" pitchFamily="34" charset="0"/>
-              </a:rPr>
-              <a:t>Texas City</a:t>
-            </a:r>
-            <a:endParaRPr lang="en-US" sz="1400" dirty="0"/>
-          </a:p>
-        </p:txBody>
-      </p:sp>
-    </p:spTree>
-    <p:extLst>
-      <p:ext uri="{BB962C8B-B14F-4D97-AF65-F5344CB8AC3E}">
-        <p14:creationId xmlns:p14="http://schemas.microsoft.com/office/powerpoint/2010/main" val="1652653113"/>
-      </p:ext>
-    </p:extLst>
-  </p:cSld>
-  <p:clrMapOvr>
-    <a:masterClrMapping/>
-  </p:clrMapOvr>
-</p:sld>
-</file>
-
-<file path=ppt/slides/slide20.xml><?xml version="1.0" encoding="utf-8"?>
+<file path=ppt/slides/slide17.xml><?xml version="1.0" encoding="utf-8"?>
 <p:sld xmlns:a="http://schemas.openxmlformats.org/drawingml/2006/main" xmlns:r="http://schemas.openxmlformats.org/officeDocument/2006/relationships" xmlns:p="http://schemas.openxmlformats.org/presentationml/2006/main">
   <p:cSld>
     <p:bg>
@@ -16256,7 +13782,7 @@
             <a:fld id="{8C2E478F-E849-4A8C-AF1F-CBCC78A7CBFA}" type="slidenum">
               <a:rPr lang="en-US" smtClean="0"/>
               <a:pPr/>
-              <a:t>20</a:t>
+              <a:t>17</a:t>
             </a:fld>
             <a:endParaRPr lang="en-US" dirty="0"/>
           </a:p>
@@ -16266,6 +13792,568 @@
     <p:extLst>
       <p:ext uri="{BB962C8B-B14F-4D97-AF65-F5344CB8AC3E}">
         <p14:creationId xmlns:p14="http://schemas.microsoft.com/office/powerpoint/2010/main" val="154469634"/>
+      </p:ext>
+    </p:extLst>
+  </p:cSld>
+  <p:clrMapOvr>
+    <a:masterClrMapping/>
+  </p:clrMapOvr>
+</p:sld>
+</file>
+
+<file path=ppt/slides/slide2.xml><?xml version="1.0" encoding="utf-8"?>
+<p:sld xmlns:a="http://schemas.openxmlformats.org/drawingml/2006/main" xmlns:r="http://schemas.openxmlformats.org/officeDocument/2006/relationships" xmlns:p="http://schemas.openxmlformats.org/presentationml/2006/main">
+  <p:cSld>
+    <p:bg>
+      <p:bgPr>
+        <a:solidFill>
+          <a:schemeClr val="bg1"/>
+        </a:solidFill>
+        <a:effectLst/>
+      </p:bgPr>
+    </p:bg>
+    <p:spTree>
+      <p:nvGrpSpPr>
+        <p:cNvPr id="1" name=""/>
+        <p:cNvGrpSpPr/>
+        <p:nvPr/>
+      </p:nvGrpSpPr>
+      <p:grpSpPr>
+        <a:xfrm>
+          <a:off x="0" y="0"/>
+          <a:ext cx="0" cy="0"/>
+          <a:chOff x="0" y="0"/>
+          <a:chExt cx="0" cy="0"/>
+        </a:xfrm>
+      </p:grpSpPr>
+      <p:sp useBgFill="1">
+        <p:nvSpPr>
+          <p:cNvPr id="8" name="Rectangle 7">
+            <a:extLst>
+              <a:ext uri="{FF2B5EF4-FFF2-40B4-BE49-F238E27FC236}">
+                <a16:creationId xmlns:a16="http://schemas.microsoft.com/office/drawing/2014/main" id="{29DC5A77-10C9-4ECF-B7EB-8D917F36A9EE}"/>
+              </a:ext>
+              <a:ext uri="{C183D7F6-B498-43B3-948B-1728B52AA6E4}">
+                <adec:decorative xmlns:adec="http://schemas.microsoft.com/office/drawing/2017/decorative" val="1"/>
+              </a:ext>
+            </a:extLst>
+          </p:cNvPr>
+          <p:cNvSpPr>
+            <a:spLocks noGrp="1" noRot="1" noChangeAspect="1" noMove="1" noResize="1" noEditPoints="1" noAdjustHandles="1" noChangeArrowheads="1" noChangeShapeType="1" noTextEdit="1"/>
+          </p:cNvSpPr>
+          <p:nvPr>
+            <p:extLst>
+              <p:ext uri="{386F3935-93C4-4BCD-93E2-E3B085C9AB24}">
+                <p16:designElem xmlns:p16="http://schemas.microsoft.com/office/powerpoint/2015/main" val="1"/>
+              </p:ext>
+            </p:extLst>
+          </p:nvPr>
+        </p:nvSpPr>
+        <p:spPr>
+          <a:xfrm>
+            <a:off x="0" y="0"/>
+            <a:ext cx="12192000" cy="6858000"/>
+          </a:xfrm>
+          <a:prstGeom prst="rect">
+            <a:avLst/>
+          </a:prstGeom>
+          <a:ln>
+            <a:noFill/>
+          </a:ln>
+        </p:spPr>
+        <p:style>
+          <a:lnRef idx="2">
+            <a:schemeClr val="accent1">
+              <a:shade val="50000"/>
+            </a:schemeClr>
+          </a:lnRef>
+          <a:fillRef idx="1">
+            <a:schemeClr val="accent1"/>
+          </a:fillRef>
+          <a:effectRef idx="0">
+            <a:schemeClr val="accent1"/>
+          </a:effectRef>
+          <a:fontRef idx="minor">
+            <a:schemeClr val="lt1"/>
+          </a:fontRef>
+        </p:style>
+        <p:txBody>
+          <a:bodyPr rtlCol="0" anchor="ctr"/>
+          <a:lstStyle/>
+          <a:p>
+            <a:pPr algn="ctr"/>
+            <a:endParaRPr lang="en-US"/>
+          </a:p>
+        </p:txBody>
+      </p:sp>
+      <p:sp>
+        <p:nvSpPr>
+          <p:cNvPr id="10" name="Rectangle 9">
+            <a:extLst>
+              <a:ext uri="{FF2B5EF4-FFF2-40B4-BE49-F238E27FC236}">
+                <a16:creationId xmlns:a16="http://schemas.microsoft.com/office/drawing/2014/main" id="{2FFE28B5-FB16-49A9-B851-3C35FAC0CACB}"/>
+              </a:ext>
+              <a:ext uri="{C183D7F6-B498-43B3-948B-1728B52AA6E4}">
+                <adec:decorative xmlns:adec="http://schemas.microsoft.com/office/drawing/2017/decorative" val="1"/>
+              </a:ext>
+            </a:extLst>
+          </p:cNvPr>
+          <p:cNvSpPr>
+            <a:spLocks noGrp="1" noRot="1" noChangeAspect="1" noMove="1" noResize="1" noEditPoints="1" noAdjustHandles="1" noChangeArrowheads="1" noChangeShapeType="1" noTextEdit="1"/>
+          </p:cNvSpPr>
+          <p:nvPr>
+            <p:extLst>
+              <p:ext uri="{386F3935-93C4-4BCD-93E2-E3B085C9AB24}">
+                <p16:designElem xmlns:p16="http://schemas.microsoft.com/office/powerpoint/2015/main" val="1"/>
+              </p:ext>
+            </p:extLst>
+          </p:nvPr>
+        </p:nvSpPr>
+        <p:spPr>
+          <a:xfrm>
+            <a:off x="1" y="758952"/>
+            <a:ext cx="10905976" cy="1651133"/>
+          </a:xfrm>
+          <a:prstGeom prst="rect">
+            <a:avLst/>
+          </a:prstGeom>
+          <a:solidFill>
+            <a:schemeClr val="accent1"/>
+          </a:solidFill>
+          <a:ln>
+            <a:noFill/>
+          </a:ln>
+        </p:spPr>
+        <p:style>
+          <a:lnRef idx="2">
+            <a:schemeClr val="accent1">
+              <a:shade val="50000"/>
+            </a:schemeClr>
+          </a:lnRef>
+          <a:fillRef idx="1">
+            <a:schemeClr val="accent1"/>
+          </a:fillRef>
+          <a:effectRef idx="0">
+            <a:schemeClr val="accent1"/>
+          </a:effectRef>
+          <a:fontRef idx="minor">
+            <a:schemeClr val="lt1"/>
+          </a:fontRef>
+        </p:style>
+        <p:txBody>
+          <a:bodyPr/>
+          <a:lstStyle/>
+          <a:p>
+            <a:endParaRPr lang="en-US" dirty="0"/>
+          </a:p>
+        </p:txBody>
+      </p:sp>
+      <p:sp>
+        <p:nvSpPr>
+          <p:cNvPr id="2" name="Title 1">
+            <a:extLst>
+              <a:ext uri="{FF2B5EF4-FFF2-40B4-BE49-F238E27FC236}">
+                <a16:creationId xmlns:a16="http://schemas.microsoft.com/office/drawing/2014/main" id="{1DA47A67-771B-EB45-97C7-BE4E5566B108}"/>
+              </a:ext>
+            </a:extLst>
+          </p:cNvPr>
+          <p:cNvSpPr>
+            <a:spLocks noGrp="1"/>
+          </p:cNvSpPr>
+          <p:nvPr>
+            <p:ph type="title"/>
+          </p:nvPr>
+        </p:nvSpPr>
+        <p:spPr>
+          <a:xfrm>
+            <a:off x="350452" y="1084029"/>
+            <a:ext cx="8983489" cy="1000978"/>
+          </a:xfrm>
+        </p:spPr>
+        <p:txBody>
+          <a:bodyPr>
+            <a:normAutofit/>
+          </a:bodyPr>
+          <a:lstStyle/>
+          <a:p>
+            <a:r>
+              <a:rPr lang="en-US" sz="2800" b="1" dirty="0">
+                <a:latin typeface="Arial" panose="020B0604020202020204" pitchFamily="34" charset="0"/>
+                <a:cs typeface="Arial" panose="020B0604020202020204" pitchFamily="34" charset="0"/>
+              </a:rPr>
+              <a:t>PROJECT DESCRIPTION</a:t>
+            </a:r>
+          </a:p>
+        </p:txBody>
+      </p:sp>
+      <p:sp>
+        <p:nvSpPr>
+          <p:cNvPr id="12" name="Rectangle 11">
+            <a:extLst>
+              <a:ext uri="{FF2B5EF4-FFF2-40B4-BE49-F238E27FC236}">
+                <a16:creationId xmlns:a16="http://schemas.microsoft.com/office/drawing/2014/main" id="{01014442-855A-4E0F-8D09-C314661A48B9}"/>
+              </a:ext>
+              <a:ext uri="{C183D7F6-B498-43B3-948B-1728B52AA6E4}">
+                <adec:decorative xmlns:adec="http://schemas.microsoft.com/office/drawing/2017/decorative" val="1"/>
+              </a:ext>
+            </a:extLst>
+          </p:cNvPr>
+          <p:cNvSpPr>
+            <a:spLocks noGrp="1" noRot="1" noChangeAspect="1" noMove="1" noResize="1" noEditPoints="1" noAdjustHandles="1" noChangeArrowheads="1" noChangeShapeType="1" noTextEdit="1"/>
+          </p:cNvSpPr>
+          <p:nvPr>
+            <p:extLst>
+              <p:ext uri="{386F3935-93C4-4BCD-93E2-E3B085C9AB24}">
+                <p16:designElem xmlns:p16="http://schemas.microsoft.com/office/powerpoint/2015/main" val="1"/>
+              </p:ext>
+            </p:extLst>
+          </p:nvPr>
+        </p:nvSpPr>
+        <p:spPr>
+          <a:xfrm>
+            <a:off x="11014533" y="758952"/>
+            <a:ext cx="1185379" cy="1651133"/>
+          </a:xfrm>
+          <a:prstGeom prst="rect">
+            <a:avLst/>
+          </a:prstGeom>
+          <a:solidFill>
+            <a:srgbClr val="C8C8C8">
+              <a:alpha val="49804"/>
+            </a:srgbClr>
+          </a:solidFill>
+          <a:ln>
+            <a:noFill/>
+          </a:ln>
+        </p:spPr>
+        <p:style>
+          <a:lnRef idx="2">
+            <a:schemeClr val="accent1">
+              <a:shade val="50000"/>
+            </a:schemeClr>
+          </a:lnRef>
+          <a:fillRef idx="1">
+            <a:schemeClr val="accent1"/>
+          </a:fillRef>
+          <a:effectRef idx="0">
+            <a:schemeClr val="accent1"/>
+          </a:effectRef>
+          <a:fontRef idx="minor">
+            <a:schemeClr val="lt1"/>
+          </a:fontRef>
+        </p:style>
+      </p:sp>
+      <p:sp>
+        <p:nvSpPr>
+          <p:cNvPr id="14" name="Rectangle 13">
+            <a:extLst>
+              <a:ext uri="{FF2B5EF4-FFF2-40B4-BE49-F238E27FC236}">
+                <a16:creationId xmlns:a16="http://schemas.microsoft.com/office/drawing/2014/main" id="{9B1ABF09-86CF-414E-88A5-2B84CC7232A9}"/>
+              </a:ext>
+              <a:ext uri="{C183D7F6-B498-43B3-948B-1728B52AA6E4}">
+                <adec:decorative xmlns:adec="http://schemas.microsoft.com/office/drawing/2017/decorative" val="1"/>
+              </a:ext>
+            </a:extLst>
+          </p:cNvPr>
+          <p:cNvSpPr>
+            <a:spLocks noGrp="1" noRot="1" noChangeAspect="1" noMove="1" noResize="1" noEditPoints="1" noAdjustHandles="1" noChangeArrowheads="1" noChangeShapeType="1" noTextEdit="1"/>
+          </p:cNvSpPr>
+          <p:nvPr>
+            <p:extLst>
+              <p:ext uri="{386F3935-93C4-4BCD-93E2-E3B085C9AB24}">
+                <p16:designElem xmlns:p16="http://schemas.microsoft.com/office/powerpoint/2015/main" val="1"/>
+              </p:ext>
+            </p:extLst>
+          </p:nvPr>
+        </p:nvSpPr>
+        <p:spPr>
+          <a:xfrm>
+            <a:off x="763" y="2526526"/>
+            <a:ext cx="1169701" cy="3563378"/>
+          </a:xfrm>
+          <a:prstGeom prst="rect">
+            <a:avLst/>
+          </a:prstGeom>
+          <a:solidFill>
+            <a:srgbClr val="C8C8C8">
+              <a:alpha val="49804"/>
+            </a:srgbClr>
+          </a:solidFill>
+          <a:ln>
+            <a:noFill/>
+          </a:ln>
+        </p:spPr>
+        <p:style>
+          <a:lnRef idx="2">
+            <a:schemeClr val="accent1">
+              <a:shade val="50000"/>
+            </a:schemeClr>
+          </a:lnRef>
+          <a:fillRef idx="1">
+            <a:schemeClr val="accent1"/>
+          </a:fillRef>
+          <a:effectRef idx="0">
+            <a:schemeClr val="accent1"/>
+          </a:effectRef>
+          <a:fontRef idx="minor">
+            <a:schemeClr val="lt1"/>
+          </a:fontRef>
+        </p:style>
+      </p:sp>
+      <p:sp>
+        <p:nvSpPr>
+          <p:cNvPr id="16" name="Rectangle 15">
+            <a:extLst>
+              <a:ext uri="{FF2B5EF4-FFF2-40B4-BE49-F238E27FC236}">
+                <a16:creationId xmlns:a16="http://schemas.microsoft.com/office/drawing/2014/main" id="{3FE91770-CDBB-4D24-94E5-AD484F36CE87}"/>
+              </a:ext>
+              <a:ext uri="{C183D7F6-B498-43B3-948B-1728B52AA6E4}">
+                <adec:decorative xmlns:adec="http://schemas.microsoft.com/office/drawing/2017/decorative" val="1"/>
+              </a:ext>
+            </a:extLst>
+          </p:cNvPr>
+          <p:cNvSpPr>
+            <a:spLocks noGrp="1" noRot="1" noChangeAspect="1" noMove="1" noResize="1" noEditPoints="1" noAdjustHandles="1" noChangeArrowheads="1" noChangeShapeType="1" noTextEdit="1"/>
+          </p:cNvSpPr>
+          <p:nvPr>
+            <p:extLst>
+              <p:ext uri="{386F3935-93C4-4BCD-93E2-E3B085C9AB24}">
+                <p16:designElem xmlns:p16="http://schemas.microsoft.com/office/powerpoint/2015/main" val="1"/>
+              </p:ext>
+            </p:extLst>
+          </p:nvPr>
+        </p:nvSpPr>
+        <p:spPr>
+          <a:xfrm>
+            <a:off x="1279019" y="2526526"/>
+            <a:ext cx="10920893" cy="3563377"/>
+          </a:xfrm>
+          <a:prstGeom prst="rect">
+            <a:avLst/>
+          </a:prstGeom>
+          <a:solidFill>
+            <a:schemeClr val="bg2">
+              <a:lumMod val="60000"/>
+              <a:lumOff val="40000"/>
+              <a:alpha val="60000"/>
+            </a:schemeClr>
+          </a:solidFill>
+          <a:ln>
+            <a:noFill/>
+          </a:ln>
+        </p:spPr>
+        <p:style>
+          <a:lnRef idx="2">
+            <a:schemeClr val="accent1">
+              <a:shade val="50000"/>
+            </a:schemeClr>
+          </a:lnRef>
+          <a:fillRef idx="1">
+            <a:schemeClr val="accent1"/>
+          </a:fillRef>
+          <a:effectRef idx="0">
+            <a:schemeClr val="accent1"/>
+          </a:effectRef>
+          <a:fontRef idx="minor">
+            <a:schemeClr val="lt1"/>
+          </a:fontRef>
+        </p:style>
+        <p:txBody>
+          <a:bodyPr/>
+          <a:lstStyle/>
+          <a:p>
+            <a:endParaRPr lang="en-US" dirty="0"/>
+          </a:p>
+        </p:txBody>
+      </p:sp>
+      <p:sp>
+        <p:nvSpPr>
+          <p:cNvPr id="3" name="Content Placeholder 2">
+            <a:extLst>
+              <a:ext uri="{FF2B5EF4-FFF2-40B4-BE49-F238E27FC236}">
+                <a16:creationId xmlns:a16="http://schemas.microsoft.com/office/drawing/2014/main" id="{20B7AD43-713E-E345-A98B-A0A80BF876CD}"/>
+              </a:ext>
+            </a:extLst>
+          </p:cNvPr>
+          <p:cNvSpPr>
+            <a:spLocks noGrp="1"/>
+          </p:cNvSpPr>
+          <p:nvPr>
+            <p:ph idx="1"/>
+          </p:nvPr>
+        </p:nvSpPr>
+        <p:spPr>
+          <a:xfrm>
+            <a:off x="1512266" y="2126925"/>
+            <a:ext cx="10454398" cy="1992688"/>
+          </a:xfrm>
+        </p:spPr>
+        <p:txBody>
+          <a:bodyPr>
+            <a:normAutofit/>
+          </a:bodyPr>
+          <a:lstStyle/>
+          <a:p>
+            <a:pPr marL="0" indent="0">
+              <a:buNone/>
+            </a:pPr>
+            <a:r>
+              <a:rPr lang="en-US" dirty="0">
+                <a:solidFill>
+                  <a:schemeClr val="tx1"/>
+                </a:solidFill>
+              </a:rPr>
+              <a:t>This project is intended to be used as baseline for understanding the housing market economy and the impact of crime on property values across the Houston metropolitan area by population.</a:t>
+            </a:r>
+          </a:p>
+          <a:p>
+            <a:pPr marL="0" indent="0">
+              <a:buNone/>
+            </a:pPr>
+            <a:r>
+              <a:rPr lang="en-US" dirty="0">
+                <a:solidFill>
+                  <a:schemeClr val="tx1"/>
+                </a:solidFill>
+              </a:rPr>
+              <a:t>We have therefore chosen these major cities for our analysis:</a:t>
+            </a:r>
+          </a:p>
+        </p:txBody>
+      </p:sp>
+      <p:sp>
+        <p:nvSpPr>
+          <p:cNvPr id="4" name="TextBox 3">
+            <a:extLst>
+              <a:ext uri="{FF2B5EF4-FFF2-40B4-BE49-F238E27FC236}">
+                <a16:creationId xmlns:a16="http://schemas.microsoft.com/office/drawing/2014/main" id="{CD1AD3E8-E988-784B-9A93-0969FDA4BD8D}"/>
+              </a:ext>
+            </a:extLst>
+          </p:cNvPr>
+          <p:cNvSpPr txBox="1"/>
+          <p:nvPr/>
+        </p:nvSpPr>
+        <p:spPr>
+          <a:xfrm>
+            <a:off x="1653211" y="3608754"/>
+            <a:ext cx="1470274" cy="2246769"/>
+          </a:xfrm>
+          <a:prstGeom prst="rect">
+            <a:avLst/>
+          </a:prstGeom>
+          <a:noFill/>
+        </p:spPr>
+        <p:txBody>
+          <a:bodyPr wrap="none" rtlCol="0">
+            <a:spAutoFit/>
+          </a:bodyPr>
+          <a:lstStyle/>
+          <a:p>
+            <a:pPr marL="285750" indent="-285750">
+              <a:buFont typeface="Arial" panose="020B0604020202020204" pitchFamily="34" charset="0"/>
+              <a:buChar char="•"/>
+            </a:pPr>
+            <a:r>
+              <a:rPr lang="en-US" sz="1400" dirty="0"/>
+              <a:t>Baytown </a:t>
+            </a:r>
+          </a:p>
+          <a:p>
+            <a:pPr marL="285750" indent="-285750">
+              <a:buFont typeface="Arial" panose="020B0604020202020204" pitchFamily="34" charset="0"/>
+              <a:buChar char="•"/>
+            </a:pPr>
+            <a:r>
+              <a:rPr lang="en-US" sz="1400" dirty="0"/>
+              <a:t>Friendswood </a:t>
+            </a:r>
+          </a:p>
+          <a:p>
+            <a:pPr marL="285750" indent="-285750">
+              <a:buFont typeface="Arial" panose="020B0604020202020204" pitchFamily="34" charset="0"/>
+              <a:buChar char="•"/>
+            </a:pPr>
+            <a:r>
+              <a:rPr lang="en-US" sz="1400" dirty="0"/>
+              <a:t>Galveston </a:t>
+            </a:r>
+          </a:p>
+          <a:p>
+            <a:pPr marL="285750" indent="-285750">
+              <a:buFont typeface="Arial" panose="020B0604020202020204" pitchFamily="34" charset="0"/>
+              <a:buChar char="•"/>
+            </a:pPr>
+            <a:r>
+              <a:rPr lang="en-US" sz="1400" dirty="0"/>
+              <a:t>Houston </a:t>
+            </a:r>
+          </a:p>
+          <a:p>
+            <a:pPr marL="285750" indent="-285750">
+              <a:buFont typeface="Arial" panose="020B0604020202020204" pitchFamily="34" charset="0"/>
+              <a:buChar char="•"/>
+            </a:pPr>
+            <a:r>
+              <a:rPr lang="en-US" sz="1400" dirty="0"/>
+              <a:t>La Porte </a:t>
+            </a:r>
+          </a:p>
+          <a:p>
+            <a:pPr marL="285750" indent="-285750">
+              <a:buFont typeface="Arial" panose="020B0604020202020204" pitchFamily="34" charset="0"/>
+              <a:buChar char="•"/>
+            </a:pPr>
+            <a:r>
+              <a:rPr lang="en-US" sz="1400" dirty="0"/>
+              <a:t>League City </a:t>
+            </a:r>
+          </a:p>
+          <a:p>
+            <a:pPr marL="285750" indent="-285750">
+              <a:buFont typeface="Arial" panose="020B0604020202020204" pitchFamily="34" charset="0"/>
+              <a:buChar char="•"/>
+            </a:pPr>
+            <a:r>
+              <a:rPr lang="en-US" sz="1400" dirty="0"/>
+              <a:t>Missouri City </a:t>
+            </a:r>
+          </a:p>
+          <a:p>
+            <a:pPr marL="285750" indent="-285750">
+              <a:buFont typeface="Arial" panose="020B0604020202020204" pitchFamily="34" charset="0"/>
+              <a:buChar char="•"/>
+            </a:pPr>
+            <a:r>
+              <a:rPr lang="en-US" sz="1400" dirty="0"/>
+              <a:t>Pasadena </a:t>
+            </a:r>
+          </a:p>
+          <a:p>
+            <a:pPr marL="285750" indent="-285750">
+              <a:buFont typeface="Arial" panose="020B0604020202020204" pitchFamily="34" charset="0"/>
+              <a:buChar char="•"/>
+            </a:pPr>
+            <a:r>
+              <a:rPr lang="en-US" sz="1400" dirty="0"/>
+              <a:t>Sugar Land </a:t>
+            </a:r>
+          </a:p>
+          <a:p>
+            <a:pPr marL="285750" indent="-285750">
+              <a:buFont typeface="Arial" panose="020B0604020202020204" pitchFamily="34" charset="0"/>
+              <a:buChar char="•"/>
+            </a:pPr>
+            <a:r>
+              <a:rPr lang="en-US" sz="1400" dirty="0"/>
+              <a:t>Texas City</a:t>
+            </a:r>
+          </a:p>
+        </p:txBody>
+      </p:sp>
+    </p:spTree>
+    <p:extLst>
+      <p:ext uri="{BB962C8B-B14F-4D97-AF65-F5344CB8AC3E}">
+        <p14:creationId xmlns:p14="http://schemas.microsoft.com/office/powerpoint/2010/main" val="1652653113"/>
       </p:ext>
     </p:extLst>
   </p:cSld>
@@ -16451,6 +14539,15 @@
               <a:t>RESOURCES</a:t>
             </a:r>
             <a:br>
+              <a:rPr lang="en-US" sz="2800" dirty="0">
+                <a:latin typeface="Arial" panose="020B0604020202020204" pitchFamily="34" charset="0"/>
+                <a:cs typeface="Arial" panose="020B0604020202020204" pitchFamily="34" charset="0"/>
+              </a:rPr>
+            </a:br>
+            <a:br>
+              <a:rPr lang="en-US" sz="1600" dirty="0"/>
+            </a:br>
+            <a:br>
               <a:rPr lang="en-US" sz="3300" dirty="0"/>
             </a:br>
             <a:endParaRPr lang="en-US" sz="3300" dirty="0"/>
@@ -16587,7 +14684,7 @@
             <p:ph idx="1"/>
             <p:extLst>
               <p:ext uri="{D42A27DB-BD31-4B8C-83A1-F6EECF244321}">
-                <p14:modId xmlns:p14="http://schemas.microsoft.com/office/powerpoint/2010/main" val="1556996965"/>
+                <p14:modId xmlns:p14="http://schemas.microsoft.com/office/powerpoint/2010/main" val="1499831612"/>
               </p:ext>
             </p:extLst>
           </p:nvPr>
@@ -16801,11 +14898,7 @@
                 <a:latin typeface="Arial" panose="020B0604020202020204" pitchFamily="34" charset="0"/>
                 <a:cs typeface="Arial" panose="020B0604020202020204" pitchFamily="34" charset="0"/>
               </a:rPr>
-              <a:t>RESEACH QUESTIONS</a:t>
-            </a:r>
-            <a:r>
-              <a:rPr lang="en-US" sz="2000" dirty="0"/>
-              <a:t> </a:t>
+              <a:t>RESEARCH OBJECTIVES</a:t>
             </a:r>
             <a:br>
               <a:rPr lang="en-US" sz="2000" dirty="0"/>
@@ -17012,60 +15105,66 @@
         </p:nvSpPr>
         <p:spPr>
           <a:xfrm>
-            <a:off x="1279019" y="1997373"/>
-            <a:ext cx="10209291" cy="5120640"/>
+            <a:off x="1279019" y="2526525"/>
+            <a:ext cx="10209291" cy="3563379"/>
           </a:xfrm>
         </p:spPr>
         <p:txBody>
-          <a:bodyPr/>
+          <a:bodyPr anchor="t"/>
           <a:lstStyle/>
+          <a:p>
+            <a:endParaRPr lang="en-US" dirty="0"/>
+          </a:p>
           <a:p>
             <a:r>
               <a:rPr lang="en-US" dirty="0">
                 <a:solidFill>
                   <a:schemeClr val="tx1"/>
                 </a:solidFill>
-                <a:latin typeface="Arial" panose="020B0604020202020204" pitchFamily="34" charset="0"/>
-                <a:cs typeface="Arial" panose="020B0604020202020204" pitchFamily="34" charset="0"/>
               </a:rPr>
-              <a:t>What is the average crime rate across the top 10 largest cities in the Houston metropolitan area?</a:t>
+              <a:t>Trends in the Houston metropolitan area:</a:t>
             </a:r>
           </a:p>
           <a:p>
+            <a:pPr lvl="1"/>
             <a:r>
               <a:rPr lang="en-US" dirty="0">
                 <a:solidFill>
                   <a:schemeClr val="tx1"/>
                 </a:solidFill>
-                <a:latin typeface="Arial" panose="020B0604020202020204" pitchFamily="34" charset="0"/>
-                <a:cs typeface="Arial" panose="020B0604020202020204" pitchFamily="34" charset="0"/>
               </a:rPr>
-              <a:t>What is the average and median sales price across the top 10 largest cities in the Houston metropolitan area?</a:t>
+              <a:t>Average crime rate</a:t>
             </a:r>
           </a:p>
           <a:p>
+            <a:pPr lvl="1"/>
             <a:r>
               <a:rPr lang="en-US" dirty="0">
                 <a:solidFill>
                   <a:schemeClr val="tx1"/>
                 </a:solidFill>
-                <a:latin typeface="Arial" panose="020B0604020202020204" pitchFamily="34" charset="0"/>
-                <a:cs typeface="Arial" panose="020B0604020202020204" pitchFamily="34" charset="0"/>
               </a:rPr>
-              <a:t>Do houses stay on the market longer in higher crime areas?</a:t>
+              <a:t>Median sales price of homes</a:t>
             </a:r>
           </a:p>
           <a:p>
+            <a:pPr lvl="1"/>
             <a:r>
               <a:rPr lang="en-US" dirty="0">
                 <a:solidFill>
                   <a:schemeClr val="tx1"/>
                 </a:solidFill>
-                <a:latin typeface="Arial" panose="020B0604020202020204" pitchFamily="34" charset="0"/>
-                <a:cs typeface="Arial" panose="020B0604020202020204" pitchFamily="34" charset="0"/>
               </a:rPr>
-              <a:t>Is there a correlation between average or median sales price and the average crime rate crime?</a:t>
+              <a:t>Days on market</a:t>
             </a:r>
+          </a:p>
+          <a:p>
+            <a:pPr lvl="1"/>
+            <a:endParaRPr lang="en-US" dirty="0">
+              <a:solidFill>
+                <a:schemeClr val="tx1"/>
+              </a:solidFill>
+            </a:endParaRPr>
           </a:p>
           <a:p>
             <a:r>
@@ -17073,35 +15172,36 @@
                 <a:solidFill>
                   <a:schemeClr val="tx1"/>
                 </a:solidFill>
-                <a:latin typeface="Arial" panose="020B0604020202020204" pitchFamily="34" charset="0"/>
-                <a:cs typeface="Arial" panose="020B0604020202020204" pitchFamily="34" charset="0"/>
               </a:rPr>
-              <a:t>Do violent crimes or non-violent crimes have a bigger impact on home sales?</a:t>
+              <a:t>Relationship between housing trends and crime rate:</a:t>
             </a:r>
           </a:p>
           <a:p>
+            <a:pPr lvl="1"/>
             <a:r>
               <a:rPr lang="en-US" dirty="0">
                 <a:solidFill>
                   <a:schemeClr val="tx1"/>
                 </a:solidFill>
-                <a:latin typeface="Arial" panose="020B0604020202020204" pitchFamily="34" charset="0"/>
-                <a:cs typeface="Arial" panose="020B0604020202020204" pitchFamily="34" charset="0"/>
               </a:rPr>
-              <a:t>What is the effect of city demographics on median price and crime rates? </a:t>
+              <a:t>Impact of crime rate on home sales</a:t>
             </a:r>
+          </a:p>
+          <a:p>
+            <a:pPr lvl="1"/>
             <a:r>
-              <a:rPr lang="en-US" b="1" dirty="0">
+              <a:rPr lang="en-US" dirty="0">
                 <a:solidFill>
-                  <a:srgbClr val="FF0000"/>
+                  <a:schemeClr val="tx1"/>
                 </a:solidFill>
-                <a:latin typeface="Arial" panose="020B0604020202020204" pitchFamily="34" charset="0"/>
-                <a:cs typeface="Arial" panose="020B0604020202020204" pitchFamily="34" charset="0"/>
               </a:rPr>
-              <a:t>Did we really look at demographics in our study?  Should this be removed or edited?</a:t>
+              <a:t>Impact of crime rate on home prices</a:t>
             </a:r>
           </a:p>
           <a:p>
+            <a:pPr marL="0" indent="0">
+              <a:buNone/>
+            </a:pPr>
             <a:endParaRPr lang="en-US" dirty="0"/>
           </a:p>
         </p:txBody>
@@ -17144,536 +15244,6 @@
           <a:chExt cx="0" cy="0"/>
         </a:xfrm>
       </p:grpSpPr>
-      <p:sp useBgFill="1">
-        <p:nvSpPr>
-          <p:cNvPr id="20" name="Rectangle 19">
-            <a:extLst>
-              <a:ext uri="{FF2B5EF4-FFF2-40B4-BE49-F238E27FC236}">
-                <a16:creationId xmlns:a16="http://schemas.microsoft.com/office/drawing/2014/main" id="{29DC5A77-10C9-4ECF-B7EB-8D917F36A9EE}"/>
-              </a:ext>
-              <a:ext uri="{C183D7F6-B498-43B3-948B-1728B52AA6E4}">
-                <adec:decorative xmlns:adec="http://schemas.microsoft.com/office/drawing/2017/decorative" val="1"/>
-              </a:ext>
-            </a:extLst>
-          </p:cNvPr>
-          <p:cNvSpPr>
-            <a:spLocks noGrp="1" noRot="1" noChangeAspect="1" noMove="1" noResize="1" noEditPoints="1" noAdjustHandles="1" noChangeArrowheads="1" noChangeShapeType="1" noTextEdit="1"/>
-          </p:cNvSpPr>
-          <p:nvPr>
-            <p:extLst>
-              <p:ext uri="{386F3935-93C4-4BCD-93E2-E3B085C9AB24}">
-                <p16:designElem xmlns:p16="http://schemas.microsoft.com/office/powerpoint/2015/main" val="1"/>
-              </p:ext>
-            </p:extLst>
-          </p:nvPr>
-        </p:nvSpPr>
-        <p:spPr>
-          <a:xfrm>
-            <a:off x="0" y="0"/>
-            <a:ext cx="12192000" cy="6858000"/>
-          </a:xfrm>
-          <a:prstGeom prst="rect">
-            <a:avLst/>
-          </a:prstGeom>
-          <a:ln>
-            <a:noFill/>
-          </a:ln>
-        </p:spPr>
-        <p:style>
-          <a:lnRef idx="2">
-            <a:schemeClr val="accent1">
-              <a:shade val="50000"/>
-            </a:schemeClr>
-          </a:lnRef>
-          <a:fillRef idx="1">
-            <a:schemeClr val="accent1"/>
-          </a:fillRef>
-          <a:effectRef idx="0">
-            <a:schemeClr val="accent1"/>
-          </a:effectRef>
-          <a:fontRef idx="minor">
-            <a:schemeClr val="lt1"/>
-          </a:fontRef>
-        </p:style>
-        <p:txBody>
-          <a:bodyPr rtlCol="0" anchor="ctr"/>
-          <a:lstStyle/>
-          <a:p>
-            <a:pPr algn="ctr"/>
-            <a:endParaRPr lang="en-US"/>
-          </a:p>
-        </p:txBody>
-      </p:sp>
-      <p:sp>
-        <p:nvSpPr>
-          <p:cNvPr id="22" name="Rectangle 21">
-            <a:extLst>
-              <a:ext uri="{FF2B5EF4-FFF2-40B4-BE49-F238E27FC236}">
-                <a16:creationId xmlns:a16="http://schemas.microsoft.com/office/drawing/2014/main" id="{2FFE28B5-FB16-49A9-B851-3C35FAC0CACB}"/>
-              </a:ext>
-              <a:ext uri="{C183D7F6-B498-43B3-948B-1728B52AA6E4}">
-                <adec:decorative xmlns:adec="http://schemas.microsoft.com/office/drawing/2017/decorative" val="1"/>
-              </a:ext>
-            </a:extLst>
-          </p:cNvPr>
-          <p:cNvSpPr>
-            <a:spLocks noGrp="1" noRot="1" noChangeAspect="1" noMove="1" noResize="1" noEditPoints="1" noAdjustHandles="1" noChangeArrowheads="1" noChangeShapeType="1" noTextEdit="1"/>
-          </p:cNvSpPr>
-          <p:nvPr>
-            <p:extLst>
-              <p:ext uri="{386F3935-93C4-4BCD-93E2-E3B085C9AB24}">
-                <p16:designElem xmlns:p16="http://schemas.microsoft.com/office/powerpoint/2015/main" val="1"/>
-              </p:ext>
-            </p:extLst>
-          </p:nvPr>
-        </p:nvSpPr>
-        <p:spPr>
-          <a:xfrm>
-            <a:off x="1" y="758952"/>
-            <a:ext cx="10905976" cy="1651133"/>
-          </a:xfrm>
-          <a:prstGeom prst="rect">
-            <a:avLst/>
-          </a:prstGeom>
-          <a:solidFill>
-            <a:schemeClr val="accent1"/>
-          </a:solidFill>
-          <a:ln>
-            <a:noFill/>
-          </a:ln>
-        </p:spPr>
-        <p:style>
-          <a:lnRef idx="2">
-            <a:schemeClr val="accent1">
-              <a:shade val="50000"/>
-            </a:schemeClr>
-          </a:lnRef>
-          <a:fillRef idx="1">
-            <a:schemeClr val="accent1"/>
-          </a:fillRef>
-          <a:effectRef idx="0">
-            <a:schemeClr val="accent1"/>
-          </a:effectRef>
-          <a:fontRef idx="minor">
-            <a:schemeClr val="lt1"/>
-          </a:fontRef>
-        </p:style>
-        <p:txBody>
-          <a:bodyPr/>
-          <a:lstStyle/>
-          <a:p>
-            <a:endParaRPr lang="en-US" dirty="0"/>
-          </a:p>
-        </p:txBody>
-      </p:sp>
-      <p:sp>
-        <p:nvSpPr>
-          <p:cNvPr id="4" name="Title 3">
-            <a:extLst>
-              <a:ext uri="{FF2B5EF4-FFF2-40B4-BE49-F238E27FC236}">
-                <a16:creationId xmlns:a16="http://schemas.microsoft.com/office/drawing/2014/main" id="{58985ED0-1DEF-DA48-A018-B5A9E8EDFC46}"/>
-              </a:ext>
-            </a:extLst>
-          </p:cNvPr>
-          <p:cNvSpPr>
-            <a:spLocks noGrp="1"/>
-          </p:cNvSpPr>
-          <p:nvPr>
-            <p:ph type="title"/>
-          </p:nvPr>
-        </p:nvSpPr>
-        <p:spPr>
-          <a:xfrm>
-            <a:off x="149290" y="1084029"/>
-            <a:ext cx="8983489" cy="1000978"/>
-          </a:xfrm>
-        </p:spPr>
-        <p:txBody>
-          <a:bodyPr>
-            <a:normAutofit fontScale="90000"/>
-          </a:bodyPr>
-          <a:lstStyle/>
-          <a:p>
-            <a:br>
-              <a:rPr lang="en-US" sz="2000" dirty="0">
-                <a:latin typeface="Arial" panose="020B0604020202020204" pitchFamily="34" charset="0"/>
-                <a:cs typeface="Arial" panose="020B0604020202020204" pitchFamily="34" charset="0"/>
-              </a:rPr>
-            </a:br>
-            <a:r>
-              <a:rPr lang="en-US" sz="2800" b="1" dirty="0">
-                <a:latin typeface="Arial" panose="020B0604020202020204" pitchFamily="34" charset="0"/>
-                <a:cs typeface="Arial" panose="020B0604020202020204" pitchFamily="34" charset="0"/>
-              </a:rPr>
-              <a:t>Limitations</a:t>
-            </a:r>
-            <a:br>
-              <a:rPr lang="en-US" sz="2000" dirty="0"/>
-            </a:br>
-            <a:endParaRPr lang="en-US" sz="2000" dirty="0"/>
-          </a:p>
-        </p:txBody>
-      </p:sp>
-      <p:sp>
-        <p:nvSpPr>
-          <p:cNvPr id="24" name="Rectangle 23">
-            <a:extLst>
-              <a:ext uri="{FF2B5EF4-FFF2-40B4-BE49-F238E27FC236}">
-                <a16:creationId xmlns:a16="http://schemas.microsoft.com/office/drawing/2014/main" id="{01014442-855A-4E0F-8D09-C314661A48B9}"/>
-              </a:ext>
-              <a:ext uri="{C183D7F6-B498-43B3-948B-1728B52AA6E4}">
-                <adec:decorative xmlns:adec="http://schemas.microsoft.com/office/drawing/2017/decorative" val="1"/>
-              </a:ext>
-            </a:extLst>
-          </p:cNvPr>
-          <p:cNvSpPr>
-            <a:spLocks noGrp="1" noRot="1" noChangeAspect="1" noMove="1" noResize="1" noEditPoints="1" noAdjustHandles="1" noChangeArrowheads="1" noChangeShapeType="1" noTextEdit="1"/>
-          </p:cNvSpPr>
-          <p:nvPr>
-            <p:extLst>
-              <p:ext uri="{386F3935-93C4-4BCD-93E2-E3B085C9AB24}">
-                <p16:designElem xmlns:p16="http://schemas.microsoft.com/office/powerpoint/2015/main" val="1"/>
-              </p:ext>
-            </p:extLst>
-          </p:nvPr>
-        </p:nvSpPr>
-        <p:spPr>
-          <a:xfrm>
-            <a:off x="11014533" y="758952"/>
-            <a:ext cx="1185379" cy="1651133"/>
-          </a:xfrm>
-          <a:prstGeom prst="rect">
-            <a:avLst/>
-          </a:prstGeom>
-          <a:solidFill>
-            <a:srgbClr val="C8C8C8">
-              <a:alpha val="49804"/>
-            </a:srgbClr>
-          </a:solidFill>
-          <a:ln>
-            <a:noFill/>
-          </a:ln>
-        </p:spPr>
-        <p:style>
-          <a:lnRef idx="2">
-            <a:schemeClr val="accent1">
-              <a:shade val="50000"/>
-            </a:schemeClr>
-          </a:lnRef>
-          <a:fillRef idx="1">
-            <a:schemeClr val="accent1"/>
-          </a:fillRef>
-          <a:effectRef idx="0">
-            <a:schemeClr val="accent1"/>
-          </a:effectRef>
-          <a:fontRef idx="minor">
-            <a:schemeClr val="lt1"/>
-          </a:fontRef>
-        </p:style>
-      </p:sp>
-      <p:sp>
-        <p:nvSpPr>
-          <p:cNvPr id="26" name="Rectangle 25">
-            <a:extLst>
-              <a:ext uri="{FF2B5EF4-FFF2-40B4-BE49-F238E27FC236}">
-                <a16:creationId xmlns:a16="http://schemas.microsoft.com/office/drawing/2014/main" id="{9B1ABF09-86CF-414E-88A5-2B84CC7232A9}"/>
-              </a:ext>
-              <a:ext uri="{C183D7F6-B498-43B3-948B-1728B52AA6E4}">
-                <adec:decorative xmlns:adec="http://schemas.microsoft.com/office/drawing/2017/decorative" val="1"/>
-              </a:ext>
-            </a:extLst>
-          </p:cNvPr>
-          <p:cNvSpPr>
-            <a:spLocks noGrp="1" noRot="1" noChangeAspect="1" noMove="1" noResize="1" noEditPoints="1" noAdjustHandles="1" noChangeArrowheads="1" noChangeShapeType="1" noTextEdit="1"/>
-          </p:cNvSpPr>
-          <p:nvPr>
-            <p:extLst>
-              <p:ext uri="{386F3935-93C4-4BCD-93E2-E3B085C9AB24}">
-                <p16:designElem xmlns:p16="http://schemas.microsoft.com/office/powerpoint/2015/main" val="1"/>
-              </p:ext>
-            </p:extLst>
-          </p:nvPr>
-        </p:nvSpPr>
-        <p:spPr>
-          <a:xfrm>
-            <a:off x="763" y="2526526"/>
-            <a:ext cx="1169701" cy="3563378"/>
-          </a:xfrm>
-          <a:prstGeom prst="rect">
-            <a:avLst/>
-          </a:prstGeom>
-          <a:solidFill>
-            <a:srgbClr val="C8C8C8">
-              <a:alpha val="49804"/>
-            </a:srgbClr>
-          </a:solidFill>
-          <a:ln>
-            <a:noFill/>
-          </a:ln>
-        </p:spPr>
-        <p:style>
-          <a:lnRef idx="2">
-            <a:schemeClr val="accent1">
-              <a:shade val="50000"/>
-            </a:schemeClr>
-          </a:lnRef>
-          <a:fillRef idx="1">
-            <a:schemeClr val="accent1"/>
-          </a:fillRef>
-          <a:effectRef idx="0">
-            <a:schemeClr val="accent1"/>
-          </a:effectRef>
-          <a:fontRef idx="minor">
-            <a:schemeClr val="lt1"/>
-          </a:fontRef>
-        </p:style>
-      </p:sp>
-      <p:sp>
-        <p:nvSpPr>
-          <p:cNvPr id="28" name="Rectangle 27">
-            <a:extLst>
-              <a:ext uri="{FF2B5EF4-FFF2-40B4-BE49-F238E27FC236}">
-                <a16:creationId xmlns:a16="http://schemas.microsoft.com/office/drawing/2014/main" id="{3FE91770-CDBB-4D24-94E5-AD484F36CE87}"/>
-              </a:ext>
-              <a:ext uri="{C183D7F6-B498-43B3-948B-1728B52AA6E4}">
-                <adec:decorative xmlns:adec="http://schemas.microsoft.com/office/drawing/2017/decorative" val="1"/>
-              </a:ext>
-            </a:extLst>
-          </p:cNvPr>
-          <p:cNvSpPr>
-            <a:spLocks noGrp="1" noRot="1" noChangeAspect="1" noMove="1" noResize="1" noEditPoints="1" noAdjustHandles="1" noChangeArrowheads="1" noChangeShapeType="1" noTextEdit="1"/>
-          </p:cNvSpPr>
-          <p:nvPr>
-            <p:extLst>
-              <p:ext uri="{386F3935-93C4-4BCD-93E2-E3B085C9AB24}">
-                <p16:designElem xmlns:p16="http://schemas.microsoft.com/office/powerpoint/2015/main" val="1"/>
-              </p:ext>
-            </p:extLst>
-          </p:nvPr>
-        </p:nvSpPr>
-        <p:spPr>
-          <a:xfrm>
-            <a:off x="1279019" y="2526526"/>
-            <a:ext cx="10920893" cy="3563377"/>
-          </a:xfrm>
-          <a:prstGeom prst="rect">
-            <a:avLst/>
-          </a:prstGeom>
-          <a:solidFill>
-            <a:schemeClr val="bg2">
-              <a:lumMod val="60000"/>
-              <a:lumOff val="40000"/>
-              <a:alpha val="60000"/>
-            </a:schemeClr>
-          </a:solidFill>
-          <a:ln>
-            <a:noFill/>
-          </a:ln>
-        </p:spPr>
-        <p:style>
-          <a:lnRef idx="2">
-            <a:schemeClr val="accent1">
-              <a:shade val="50000"/>
-            </a:schemeClr>
-          </a:lnRef>
-          <a:fillRef idx="1">
-            <a:schemeClr val="accent1"/>
-          </a:fillRef>
-          <a:effectRef idx="0">
-            <a:schemeClr val="accent1"/>
-          </a:effectRef>
-          <a:fontRef idx="minor">
-            <a:schemeClr val="lt1"/>
-          </a:fontRef>
-        </p:style>
-        <p:txBody>
-          <a:bodyPr/>
-          <a:lstStyle/>
-          <a:p>
-            <a:endParaRPr lang="en-US" dirty="0"/>
-          </a:p>
-        </p:txBody>
-      </p:sp>
-      <p:sp>
-        <p:nvSpPr>
-          <p:cNvPr id="5" name="Content Placeholder 4">
-            <a:extLst>
-              <a:ext uri="{FF2B5EF4-FFF2-40B4-BE49-F238E27FC236}">
-                <a16:creationId xmlns:a16="http://schemas.microsoft.com/office/drawing/2014/main" id="{C7BF60F1-9F38-A542-989B-607BFCA4C9E3}"/>
-              </a:ext>
-            </a:extLst>
-          </p:cNvPr>
-          <p:cNvSpPr>
-            <a:spLocks noGrp="1"/>
-          </p:cNvSpPr>
-          <p:nvPr>
-            <p:ph idx="1"/>
-          </p:nvPr>
-        </p:nvSpPr>
-        <p:spPr>
-          <a:xfrm>
-            <a:off x="1279019" y="2526525"/>
-            <a:ext cx="10209291" cy="3572523"/>
-          </a:xfrm>
-        </p:spPr>
-        <p:txBody>
-          <a:bodyPr anchor="t"/>
-          <a:lstStyle/>
-          <a:p>
-            <a:r>
-              <a:rPr lang="en-US" dirty="0">
-                <a:solidFill>
-                  <a:schemeClr val="tx1"/>
-                </a:solidFill>
-                <a:latin typeface="Arial" panose="020B0604020202020204" pitchFamily="34" charset="0"/>
-                <a:cs typeface="Arial" panose="020B0604020202020204" pitchFamily="34" charset="0"/>
-              </a:rPr>
-              <a:t>The study analyzes crime as the only factor impacting the housing market.  Additional factors such as school districts, amenities, demographics, </a:t>
-            </a:r>
-            <a:r>
-              <a:rPr lang="en-US" dirty="0" err="1">
-                <a:solidFill>
-                  <a:schemeClr val="tx1"/>
-                </a:solidFill>
-                <a:latin typeface="Arial" panose="020B0604020202020204" pitchFamily="34" charset="0"/>
-                <a:cs typeface="Arial" panose="020B0604020202020204" pitchFamily="34" charset="0"/>
-              </a:rPr>
-              <a:t>etc</a:t>
-            </a:r>
-            <a:r>
-              <a:rPr lang="en-US" dirty="0">
-                <a:solidFill>
-                  <a:schemeClr val="tx1"/>
-                </a:solidFill>
-                <a:latin typeface="Arial" panose="020B0604020202020204" pitchFamily="34" charset="0"/>
-                <a:cs typeface="Arial" panose="020B0604020202020204" pitchFamily="34" charset="0"/>
-              </a:rPr>
-              <a:t> are not included.</a:t>
-            </a:r>
-          </a:p>
-          <a:p>
-            <a:r>
-              <a:rPr lang="en-US" dirty="0">
-                <a:solidFill>
-                  <a:schemeClr val="tx1"/>
-                </a:solidFill>
-                <a:latin typeface="Arial" panose="020B0604020202020204" pitchFamily="34" charset="0"/>
-                <a:cs typeface="Arial" panose="020B0604020202020204" pitchFamily="34" charset="0"/>
-              </a:rPr>
-              <a:t>The study is limited to 10 cities in the Houston metropolitan area and results may differ from the national crime rate and housing market.</a:t>
-            </a:r>
-          </a:p>
-          <a:p>
-            <a:endParaRPr lang="en-US" dirty="0"/>
-          </a:p>
-        </p:txBody>
-      </p:sp>
-      <p:sp>
-        <p:nvSpPr>
-          <p:cNvPr id="2" name="TextBox 1">
-            <a:extLst>
-              <a:ext uri="{FF2B5EF4-FFF2-40B4-BE49-F238E27FC236}">
-                <a16:creationId xmlns:a16="http://schemas.microsoft.com/office/drawing/2014/main" id="{60490457-2B01-4B29-8D50-604C1A0B3188}"/>
-              </a:ext>
-            </a:extLst>
-          </p:cNvPr>
-          <p:cNvSpPr txBox="1"/>
-          <p:nvPr/>
-        </p:nvSpPr>
-        <p:spPr>
-          <a:xfrm>
-            <a:off x="4070756" y="56311"/>
-            <a:ext cx="6306621" cy="646331"/>
-          </a:xfrm>
-          <a:prstGeom prst="rect">
-            <a:avLst/>
-          </a:prstGeom>
-          <a:noFill/>
-        </p:spPr>
-        <p:txBody>
-          <a:bodyPr wrap="square" rtlCol="0">
-            <a:spAutoFit/>
-          </a:bodyPr>
-          <a:lstStyle/>
-          <a:p>
-            <a:r>
-              <a:rPr lang="en-US" b="1" dirty="0">
-                <a:solidFill>
-                  <a:srgbClr val="FF0000"/>
-                </a:solidFill>
-              </a:rPr>
-              <a:t>Placeholder study limitations – update with list of limitations.  Also – determine if this is the correct location of this slide</a:t>
-            </a:r>
-          </a:p>
-        </p:txBody>
-      </p:sp>
-    </p:spTree>
-    <p:extLst>
-      <p:ext uri="{BB962C8B-B14F-4D97-AF65-F5344CB8AC3E}">
-        <p14:creationId xmlns:p14="http://schemas.microsoft.com/office/powerpoint/2010/main" val="973358010"/>
-      </p:ext>
-    </p:extLst>
-  </p:cSld>
-  <p:clrMapOvr>
-    <a:masterClrMapping/>
-  </p:clrMapOvr>
-</p:sld>
-</file>
-
-<file path=ppt/slides/slide6.xml><?xml version="1.0" encoding="utf-8"?>
-<p:sld xmlns:a="http://schemas.openxmlformats.org/drawingml/2006/main" xmlns:r="http://schemas.openxmlformats.org/officeDocument/2006/relationships" xmlns:p="http://schemas.openxmlformats.org/presentationml/2006/main">
-  <p:cSld>
-    <p:bg>
-      <p:bgPr>
-        <a:solidFill>
-          <a:schemeClr val="bg1"/>
-        </a:solidFill>
-        <a:effectLst/>
-      </p:bgPr>
-    </p:bg>
-    <p:spTree>
-      <p:nvGrpSpPr>
-        <p:cNvPr id="1" name=""/>
-        <p:cNvGrpSpPr/>
-        <p:nvPr/>
-      </p:nvGrpSpPr>
-      <p:grpSpPr>
-        <a:xfrm>
-          <a:off x="0" y="0"/>
-          <a:ext cx="0" cy="0"/>
-          <a:chOff x="0" y="0"/>
-          <a:chExt cx="0" cy="0"/>
-        </a:xfrm>
-      </p:grpSpPr>
-      <p:pic>
-        <p:nvPicPr>
-          <p:cNvPr id="4" name="Picture 3" descr="A close up of a map&#10;&#10;Description automatically generated">
-            <a:extLst>
-              <a:ext uri="{FF2B5EF4-FFF2-40B4-BE49-F238E27FC236}">
-                <a16:creationId xmlns:a16="http://schemas.microsoft.com/office/drawing/2014/main" id="{0B93855C-1812-473F-9DE7-0AACA02649FE}"/>
-              </a:ext>
-            </a:extLst>
-          </p:cNvPr>
-          <p:cNvPicPr>
-            <a:picLocks noChangeAspect="1"/>
-          </p:cNvPicPr>
-          <p:nvPr/>
-        </p:nvPicPr>
-        <p:blipFill rotWithShape="1">
-          <a:blip r:embed="rId3"/>
-          <a:srcRect l="6407" t="6366" r="7466" b="5609"/>
-          <a:stretch/>
-        </p:blipFill>
-        <p:spPr>
-          <a:xfrm>
-            <a:off x="3508741" y="900339"/>
-            <a:ext cx="8223947" cy="5043257"/>
-          </a:xfrm>
-          <a:prstGeom prst="rect">
-            <a:avLst/>
-          </a:prstGeom>
-        </p:spPr>
-      </p:pic>
       <p:sp>
         <p:nvSpPr>
           <p:cNvPr id="2" name="TextBox 1">
@@ -17741,10 +15311,10 @@
           <p:nvPr/>
         </p:nvPicPr>
         <p:blipFill>
-          <a:blip r:embed="rId4">
+          <a:blip r:embed="rId3">
             <a:extLst>
               <a:ext uri="{837473B0-CC2E-450A-ABE3-18F120FF3D39}">
-                <a1611:picAttrSrcUrl xmlns:a1611="http://schemas.microsoft.com/office/drawing/2016/11/main" r:id="rId5"/>
+                <a1611:picAttrSrcUrl xmlns:a1611="http://schemas.microsoft.com/office/drawing/2016/11/main" r:id="rId4"/>
               </a:ext>
             </a:extLst>
           </a:blip>
@@ -17850,6 +15420,35 @@
           </a:fontRef>
         </p:style>
       </p:cxnSp>
+      <p:pic>
+        <p:nvPicPr>
+          <p:cNvPr id="7" name="Picture 6" descr="A close up of a map&#10;&#10;Description automatically generated">
+            <a:extLst>
+              <a:ext uri="{FF2B5EF4-FFF2-40B4-BE49-F238E27FC236}">
+                <a16:creationId xmlns:a16="http://schemas.microsoft.com/office/drawing/2014/main" id="{933A5783-D4D3-4920-9194-8607563A18AC}"/>
+              </a:ext>
+            </a:extLst>
+          </p:cNvPr>
+          <p:cNvPicPr>
+            <a:picLocks noChangeAspect="1"/>
+          </p:cNvPicPr>
+          <p:nvPr/>
+        </p:nvPicPr>
+        <p:blipFill rotWithShape="1">
+          <a:blip r:embed="rId5"/>
+          <a:srcRect l="6244" t="6248" r="8872" b="5961"/>
+          <a:stretch/>
+        </p:blipFill>
+        <p:spPr>
+          <a:xfrm>
+            <a:off x="3552326" y="887549"/>
+            <a:ext cx="8186018" cy="5079809"/>
+          </a:xfrm>
+          <a:prstGeom prst="rect">
+            <a:avLst/>
+          </a:prstGeom>
+        </p:spPr>
+      </p:pic>
     </p:spTree>
     <p:extLst>
       <p:ext uri="{BB962C8B-B14F-4D97-AF65-F5344CB8AC3E}">
@@ -17863,7 +15462,7 @@
 </p:sld>
 </file>
 
-<file path=ppt/slides/slide7.xml><?xml version="1.0" encoding="utf-8"?>
+<file path=ppt/slides/slide6.xml><?xml version="1.0" encoding="utf-8"?>
 <p:sld xmlns:a="http://schemas.openxmlformats.org/drawingml/2006/main" xmlns:r="http://schemas.openxmlformats.org/officeDocument/2006/relationships" xmlns:p="http://schemas.openxmlformats.org/presentationml/2006/main">
   <p:cSld>
     <p:bg>
@@ -17890,233 +15489,6 @@
       </p:grpSpPr>
       <p:sp>
         <p:nvSpPr>
-          <p:cNvPr id="98" name="Rectangle 97">
-            <a:extLst>
-              <a:ext uri="{FF2B5EF4-FFF2-40B4-BE49-F238E27FC236}">
-                <a16:creationId xmlns:a16="http://schemas.microsoft.com/office/drawing/2014/main" id="{DB8424AB-D56B-4256-866A-5B54DE93C20F}"/>
-              </a:ext>
-              <a:ext uri="{C183D7F6-B498-43B3-948B-1728B52AA6E4}">
-                <adec:decorative xmlns:adec="http://schemas.microsoft.com/office/drawing/2017/decorative" val="1"/>
-              </a:ext>
-            </a:extLst>
-          </p:cNvPr>
-          <p:cNvSpPr>
-            <a:spLocks noGrp="1" noRot="1" noChangeAspect="1" noMove="1" noResize="1" noEditPoints="1" noAdjustHandles="1" noChangeArrowheads="1" noChangeShapeType="1" noTextEdit="1"/>
-          </p:cNvSpPr>
-          <p:nvPr>
-            <p:extLst>
-              <p:ext uri="{386F3935-93C4-4BCD-93E2-E3B085C9AB24}">
-                <p16:designElem xmlns:p16="http://schemas.microsoft.com/office/powerpoint/2015/main" val="1"/>
-              </p:ext>
-            </p:extLst>
-          </p:nvPr>
-        </p:nvSpPr>
-        <p:spPr>
-          <a:xfrm>
-            <a:off x="0" y="761999"/>
-            <a:ext cx="9141619" cy="5334001"/>
-          </a:xfrm>
-          <a:prstGeom prst="rect">
-            <a:avLst/>
-          </a:prstGeom>
-          <a:solidFill>
-            <a:schemeClr val="accent1"/>
-          </a:solidFill>
-          <a:ln>
-            <a:noFill/>
-          </a:ln>
-        </p:spPr>
-        <p:style>
-          <a:lnRef idx="2">
-            <a:schemeClr val="accent1">
-              <a:shade val="50000"/>
-            </a:schemeClr>
-          </a:lnRef>
-          <a:fillRef idx="1">
-            <a:schemeClr val="accent1"/>
-          </a:fillRef>
-          <a:effectRef idx="0">
-            <a:schemeClr val="accent1"/>
-          </a:effectRef>
-          <a:fontRef idx="minor">
-            <a:schemeClr val="lt1"/>
-          </a:fontRef>
-        </p:style>
-      </p:sp>
-      <p:sp>
-        <p:nvSpPr>
-          <p:cNvPr id="100" name="Rectangle 99">
-            <a:extLst>
-              <a:ext uri="{FF2B5EF4-FFF2-40B4-BE49-F238E27FC236}">
-                <a16:creationId xmlns:a16="http://schemas.microsoft.com/office/drawing/2014/main" id="{FC999C28-AD33-4EB7-A5F1-C06D10A5FDF7}"/>
-              </a:ext>
-              <a:ext uri="{C183D7F6-B498-43B3-948B-1728B52AA6E4}">
-                <adec:decorative xmlns:adec="http://schemas.microsoft.com/office/drawing/2017/decorative" val="1"/>
-              </a:ext>
-            </a:extLst>
-          </p:cNvPr>
-          <p:cNvSpPr>
-            <a:spLocks noGrp="1" noRot="1" noChangeAspect="1" noMove="1" noResize="1" noEditPoints="1" noAdjustHandles="1" noChangeArrowheads="1" noChangeShapeType="1" noTextEdit="1"/>
-          </p:cNvSpPr>
-          <p:nvPr>
-            <p:extLst>
-              <p:ext uri="{386F3935-93C4-4BCD-93E2-E3B085C9AB24}">
-                <p16:designElem xmlns:p16="http://schemas.microsoft.com/office/powerpoint/2015/main" val="1"/>
-              </p:ext>
-            </p:extLst>
-          </p:nvPr>
-        </p:nvSpPr>
-        <p:spPr>
-          <a:xfrm>
-            <a:off x="9270263" y="761999"/>
-            <a:ext cx="2925318" cy="5334001"/>
-          </a:xfrm>
-          <a:prstGeom prst="rect">
-            <a:avLst/>
-          </a:prstGeom>
-          <a:solidFill>
-            <a:srgbClr val="C8C8C8">
-              <a:alpha val="49804"/>
-            </a:srgbClr>
-          </a:solidFill>
-          <a:ln>
-            <a:noFill/>
-          </a:ln>
-        </p:spPr>
-        <p:style>
-          <a:lnRef idx="2">
-            <a:schemeClr val="accent1">
-              <a:shade val="50000"/>
-            </a:schemeClr>
-          </a:lnRef>
-          <a:fillRef idx="1">
-            <a:schemeClr val="accent1"/>
-          </a:fillRef>
-          <a:effectRef idx="0">
-            <a:schemeClr val="accent1"/>
-          </a:effectRef>
-          <a:fontRef idx="minor">
-            <a:schemeClr val="lt1"/>
-          </a:fontRef>
-        </p:style>
-      </p:sp>
-      <p:sp useBgFill="1">
-        <p:nvSpPr>
-          <p:cNvPr id="102" name="Rectangle 101">
-            <a:extLst>
-              <a:ext uri="{FF2B5EF4-FFF2-40B4-BE49-F238E27FC236}">
-                <a16:creationId xmlns:a16="http://schemas.microsoft.com/office/drawing/2014/main" id="{0864E5C9-52C9-4572-AC75-548B9B9C2648}"/>
-              </a:ext>
-              <a:ext uri="{C183D7F6-B498-43B3-948B-1728B52AA6E4}">
-                <adec:decorative xmlns:adec="http://schemas.microsoft.com/office/drawing/2017/decorative" val="1"/>
-              </a:ext>
-            </a:extLst>
-          </p:cNvPr>
-          <p:cNvSpPr>
-            <a:spLocks noGrp="1" noRot="1" noChangeAspect="1" noMove="1" noResize="1" noEditPoints="1" noAdjustHandles="1" noChangeArrowheads="1" noChangeShapeType="1" noTextEdit="1"/>
-          </p:cNvSpPr>
-          <p:nvPr>
-            <p:extLst>
-              <p:ext uri="{386F3935-93C4-4BCD-93E2-E3B085C9AB24}">
-                <p16:designElem xmlns:p16="http://schemas.microsoft.com/office/powerpoint/2015/main" val="1"/>
-              </p:ext>
-            </p:extLst>
-          </p:nvPr>
-        </p:nvSpPr>
-        <p:spPr>
-          <a:xfrm>
-            <a:off x="0" y="0"/>
-            <a:ext cx="12191999" cy="6858000"/>
-          </a:xfrm>
-          <a:prstGeom prst="rect">
-            <a:avLst/>
-          </a:prstGeom>
-          <a:ln>
-            <a:noFill/>
-          </a:ln>
-        </p:spPr>
-        <p:style>
-          <a:lnRef idx="2">
-            <a:schemeClr val="accent1">
-              <a:shade val="50000"/>
-            </a:schemeClr>
-          </a:lnRef>
-          <a:fillRef idx="1">
-            <a:schemeClr val="accent1"/>
-          </a:fillRef>
-          <a:effectRef idx="0">
-            <a:schemeClr val="accent1"/>
-          </a:effectRef>
-          <a:fontRef idx="minor">
-            <a:schemeClr val="lt1"/>
-          </a:fontRef>
-        </p:style>
-        <p:txBody>
-          <a:bodyPr rtlCol="0" anchor="ctr"/>
-          <a:lstStyle/>
-          <a:p>
-            <a:pPr algn="ctr"/>
-            <a:endParaRPr lang="en-US"/>
-          </a:p>
-        </p:txBody>
-      </p:sp>
-      <p:sp>
-        <p:nvSpPr>
-          <p:cNvPr id="104" name="Rectangle 103">
-            <a:extLst>
-              <a:ext uri="{FF2B5EF4-FFF2-40B4-BE49-F238E27FC236}">
-                <a16:creationId xmlns:a16="http://schemas.microsoft.com/office/drawing/2014/main" id="{45CC6500-4DBD-4C34-BC14-2387FB483BEB}"/>
-              </a:ext>
-              <a:ext uri="{C183D7F6-B498-43B3-948B-1728B52AA6E4}">
-                <adec:decorative xmlns:adec="http://schemas.microsoft.com/office/drawing/2017/decorative" val="1"/>
-              </a:ext>
-            </a:extLst>
-          </p:cNvPr>
-          <p:cNvSpPr>
-            <a:spLocks noGrp="1" noRot="1" noChangeAspect="1" noMove="1" noResize="1" noEditPoints="1" noAdjustHandles="1" noChangeArrowheads="1" noChangeShapeType="1" noTextEdit="1"/>
-          </p:cNvSpPr>
-          <p:nvPr>
-            <p:extLst>
-              <p:ext uri="{386F3935-93C4-4BCD-93E2-E3B085C9AB24}">
-                <p16:designElem xmlns:p16="http://schemas.microsoft.com/office/powerpoint/2015/main" val="1"/>
-              </p:ext>
-            </p:extLst>
-          </p:nvPr>
-        </p:nvSpPr>
-        <p:spPr>
-          <a:xfrm>
-            <a:off x="1" y="761999"/>
-            <a:ext cx="4642228" cy="5334001"/>
-          </a:xfrm>
-          <a:prstGeom prst="rect">
-            <a:avLst/>
-          </a:prstGeom>
-          <a:solidFill>
-            <a:schemeClr val="accent1"/>
-          </a:solidFill>
-          <a:ln>
-            <a:noFill/>
-          </a:ln>
-        </p:spPr>
-        <p:style>
-          <a:lnRef idx="2">
-            <a:schemeClr val="accent1">
-              <a:shade val="50000"/>
-            </a:schemeClr>
-          </a:lnRef>
-          <a:fillRef idx="1">
-            <a:schemeClr val="accent1"/>
-          </a:fillRef>
-          <a:effectRef idx="0">
-            <a:schemeClr val="accent1"/>
-          </a:effectRef>
-          <a:fontRef idx="minor">
-            <a:schemeClr val="lt1"/>
-          </a:fontRef>
-        </p:style>
-      </p:sp>
-      <p:sp>
-        <p:nvSpPr>
           <p:cNvPr id="2" name="TextBox 1">
             <a:extLst>
               <a:ext uri="{FF2B5EF4-FFF2-40B4-BE49-F238E27FC236}">
@@ -18154,7 +15526,7 @@
               </a:spcAft>
             </a:pPr>
             <a:r>
-              <a:rPr lang="en-US" sz="2800" b="1" spc="-100" dirty="0">
+              <a:rPr lang="en-US" sz="2400" b="1" spc="-100" dirty="0">
                 <a:solidFill>
                   <a:srgbClr val="FFFFFF"/>
                 </a:solidFill>
@@ -18162,17 +15534,41 @@
                 <a:ea typeface="+mj-ea"/>
                 <a:cs typeface="Arial" panose="020B0604020202020204" pitchFamily="34" charset="0"/>
               </a:rPr>
-              <a:t>AVERAGE CRIME PER CAPITA VS. CITY</a:t>
+              <a:t>AVERAGE CRIME </a:t>
+            </a:r>
+          </a:p>
+          <a:p>
+            <a:pPr defTabSz="914400">
+              <a:lnSpc>
+                <a:spcPct val="90000"/>
+              </a:lnSpc>
+              <a:spcBef>
+                <a:spcPct val="0"/>
+              </a:spcBef>
+              <a:spcAft>
+                <a:spcPts val="600"/>
+              </a:spcAft>
+            </a:pPr>
+            <a:r>
+              <a:rPr lang="en-US" sz="2400" b="1" spc="-100" dirty="0">
+                <a:solidFill>
+                  <a:srgbClr val="FFFFFF"/>
+                </a:solidFill>
+                <a:latin typeface="Arial" panose="020B0604020202020204" pitchFamily="34" charset="0"/>
+                <a:ea typeface="+mj-ea"/>
+                <a:cs typeface="Arial" panose="020B0604020202020204" pitchFamily="34" charset="0"/>
+              </a:rPr>
+              <a:t>PER CAPITA VS CITY</a:t>
             </a:r>
           </a:p>
         </p:txBody>
       </p:sp>
       <p:pic>
         <p:nvPicPr>
-          <p:cNvPr id="11" name="Picture 10" descr="A screenshot of a cell phone&#10;&#10;Description automatically generated">
+          <p:cNvPr id="18" name="Picture 17" descr="A picture containing indoor, sitting, table, front&#10;&#10;Description automatically generated">
             <a:extLst>
               <a:ext uri="{FF2B5EF4-FFF2-40B4-BE49-F238E27FC236}">
-                <a16:creationId xmlns:a16="http://schemas.microsoft.com/office/drawing/2014/main" id="{4A05862F-343C-8D4F-B5F3-CEFEB7DE0C0E}"/>
+                <a16:creationId xmlns:a16="http://schemas.microsoft.com/office/drawing/2014/main" id="{26D81044-0E53-F447-B9BD-CFF27B394350}"/>
               </a:ext>
             </a:extLst>
           </p:cNvPr>
@@ -18189,124 +15585,8 @@
         </p:blipFill>
         <p:spPr>
           <a:xfrm>
-            <a:off x="4727962" y="1129906"/>
-            <a:ext cx="7006152" cy="4478119"/>
-          </a:xfrm>
-          <a:prstGeom prst="rect">
-            <a:avLst/>
-          </a:prstGeom>
-        </p:spPr>
-      </p:pic>
-      <p:sp>
-        <p:nvSpPr>
-          <p:cNvPr id="106" name="Rectangle 105">
-            <a:extLst>
-              <a:ext uri="{FF2B5EF4-FFF2-40B4-BE49-F238E27FC236}">
-                <a16:creationId xmlns:a16="http://schemas.microsoft.com/office/drawing/2014/main" id="{4E34A3B6-BAD2-4156-BDC6-4736248BFDE0}"/>
-              </a:ext>
-              <a:ext uri="{C183D7F6-B498-43B3-948B-1728B52AA6E4}">
-                <adec:decorative xmlns:adec="http://schemas.microsoft.com/office/drawing/2017/decorative" val="1"/>
-              </a:ext>
-            </a:extLst>
-          </p:cNvPr>
-          <p:cNvSpPr>
-            <a:spLocks noGrp="1" noRot="1" noChangeAspect="1" noMove="1" noResize="1" noEditPoints="1" noAdjustHandles="1" noChangeArrowheads="1" noChangeShapeType="1" noTextEdit="1"/>
-          </p:cNvSpPr>
-          <p:nvPr>
-            <p:extLst>
-              <p:ext uri="{386F3935-93C4-4BCD-93E2-E3B085C9AB24}">
-                <p16:designElem xmlns:p16="http://schemas.microsoft.com/office/powerpoint/2015/main" val="1"/>
-              </p:ext>
-            </p:extLst>
-          </p:nvPr>
-        </p:nvSpPr>
-        <p:spPr>
-          <a:xfrm>
-            <a:off x="11815864" y="758952"/>
-            <a:ext cx="384048" cy="5330952"/>
-          </a:xfrm>
-          <a:prstGeom prst="rect">
-            <a:avLst/>
-          </a:prstGeom>
-          <a:solidFill>
-            <a:srgbClr val="C8C8C8">
-              <a:alpha val="49804"/>
-            </a:srgbClr>
-          </a:solidFill>
-          <a:ln>
-            <a:noFill/>
-          </a:ln>
-        </p:spPr>
-        <p:style>
-          <a:lnRef idx="2">
-            <a:schemeClr val="accent1">
-              <a:shade val="50000"/>
-            </a:schemeClr>
-          </a:lnRef>
-          <a:fillRef idx="1">
-            <a:schemeClr val="accent1"/>
-          </a:fillRef>
-          <a:effectRef idx="0">
-            <a:schemeClr val="accent1"/>
-          </a:effectRef>
-          <a:fontRef idx="minor">
-            <a:schemeClr val="lt1"/>
-          </a:fontRef>
-        </p:style>
-      </p:sp>
-      <p:pic>
-        <p:nvPicPr>
-          <p:cNvPr id="4" name="Content Placeholder 3" descr="A picture containing screenshot&#10;&#10;Description automatically generated">
-            <a:extLst>
-              <a:ext uri="{FF2B5EF4-FFF2-40B4-BE49-F238E27FC236}">
-                <a16:creationId xmlns:a16="http://schemas.microsoft.com/office/drawing/2014/main" id="{D7673217-906D-45CD-813D-10A8139B20BB}"/>
-              </a:ext>
-            </a:extLst>
-          </p:cNvPr>
-          <p:cNvPicPr>
-            <a:picLocks noGrp="1" noChangeAspect="1"/>
-          </p:cNvPicPr>
-          <p:nvPr>
-            <p:ph sz="half" idx="1"/>
-          </p:nvPr>
-        </p:nvPicPr>
-        <p:blipFill>
-          <a:blip r:embed="rId3"/>
-          <a:stretch>
-            <a:fillRect/>
-          </a:stretch>
-        </p:blipFill>
-        <p:spPr>
-          <a:xfrm>
-            <a:off x="0" y="2265045"/>
-            <a:ext cx="4641850" cy="2785110"/>
-          </a:xfrm>
-        </p:spPr>
-      </p:pic>
-      <p:pic>
-        <p:nvPicPr>
-          <p:cNvPr id="18" name="Picture 17" descr="A picture containing indoor, sitting, table, front&#10;&#10;Description automatically generated">
-            <a:extLst>
-              <a:ext uri="{FF2B5EF4-FFF2-40B4-BE49-F238E27FC236}">
-                <a16:creationId xmlns:a16="http://schemas.microsoft.com/office/drawing/2014/main" id="{26D81044-0E53-F447-B9BD-CFF27B394350}"/>
-              </a:ext>
-            </a:extLst>
-          </p:cNvPr>
-          <p:cNvPicPr>
-            <a:picLocks noChangeAspect="1"/>
-          </p:cNvPicPr>
-          <p:nvPr/>
-        </p:nvPicPr>
-        <p:blipFill>
-          <a:blip r:embed="rId4"/>
-          <a:stretch>
-            <a:fillRect/>
-          </a:stretch>
-        </p:blipFill>
-        <p:spPr>
-          <a:xfrm>
             <a:off x="-7914" y="2208092"/>
-            <a:ext cx="4650141" cy="2898275"/>
+            <a:ext cx="3451587" cy="2151257"/>
           </a:xfrm>
           <a:prstGeom prst="rect">
             <a:avLst/>
@@ -18401,6 +15681,36 @@
           </a:fontRef>
         </p:style>
       </p:cxnSp>
+      <p:pic>
+        <p:nvPicPr>
+          <p:cNvPr id="6" name="Picture 5" descr="A picture containing screenshot&#10;&#10;Description automatically generated">
+            <a:extLst>
+              <a:ext uri="{FF2B5EF4-FFF2-40B4-BE49-F238E27FC236}">
+                <a16:creationId xmlns:a16="http://schemas.microsoft.com/office/drawing/2014/main" id="{B0152C40-B079-457F-BFB3-B56F210BFC2A}"/>
+              </a:ext>
+            </a:extLst>
+          </p:cNvPr>
+          <p:cNvPicPr>
+            <a:picLocks noChangeAspect="1"/>
+          </p:cNvPicPr>
+          <p:nvPr/>
+        </p:nvPicPr>
+        <p:blipFill>
+          <a:blip r:embed="rId4"/>
+          <a:stretch>
+            <a:fillRect/>
+          </a:stretch>
+        </p:blipFill>
+        <p:spPr>
+          <a:xfrm>
+            <a:off x="3529810" y="874802"/>
+            <a:ext cx="8164448" cy="4898669"/>
+          </a:xfrm>
+          <a:prstGeom prst="rect">
+            <a:avLst/>
+          </a:prstGeom>
+        </p:spPr>
+      </p:pic>
     </p:spTree>
     <p:extLst>
       <p:ext uri="{BB962C8B-B14F-4D97-AF65-F5344CB8AC3E}">
@@ -18414,7 +15724,7 @@
 </p:sld>
 </file>
 
-<file path=ppt/slides/slide8.xml><?xml version="1.0" encoding="utf-8"?>
+<file path=ppt/slides/slide7.xml><?xml version="1.0" encoding="utf-8"?>
 <p:sld xmlns:a="http://schemas.openxmlformats.org/drawingml/2006/main" xmlns:r="http://schemas.openxmlformats.org/officeDocument/2006/relationships" xmlns:p="http://schemas.openxmlformats.org/presentationml/2006/main">
   <p:cSld>
     <p:bg>
@@ -18510,421 +15820,6 @@
           </a:xfrm>
         </p:spPr>
       </p:pic>
-      <p:sp>
-        <p:nvSpPr>
-          <p:cNvPr id="7" name="Rectangle 6">
-            <a:extLst>
-              <a:ext uri="{FF2B5EF4-FFF2-40B4-BE49-F238E27FC236}">
-                <a16:creationId xmlns:a16="http://schemas.microsoft.com/office/drawing/2014/main" id="{E6260E58-16F8-3645-8EE2-E414D6F6EC6D}"/>
-              </a:ext>
-            </a:extLst>
-          </p:cNvPr>
-          <p:cNvSpPr/>
-          <p:nvPr/>
-        </p:nvSpPr>
-        <p:spPr>
-          <a:xfrm>
-            <a:off x="552551" y="3753407"/>
-            <a:ext cx="238539" cy="197747"/>
-          </a:xfrm>
-          <a:prstGeom prst="rect">
-            <a:avLst/>
-          </a:prstGeom>
-          <a:solidFill>
-            <a:srgbClr val="FF0000"/>
-          </a:solidFill>
-          <a:ln>
-            <a:solidFill>
-              <a:schemeClr val="tx1"/>
-            </a:solidFill>
-          </a:ln>
-        </p:spPr>
-        <p:style>
-          <a:lnRef idx="2">
-            <a:schemeClr val="accent1">
-              <a:shade val="50000"/>
-            </a:schemeClr>
-          </a:lnRef>
-          <a:fillRef idx="1">
-            <a:schemeClr val="accent1"/>
-          </a:fillRef>
-          <a:effectRef idx="0">
-            <a:schemeClr val="accent1"/>
-          </a:effectRef>
-          <a:fontRef idx="minor">
-            <a:schemeClr val="lt1"/>
-          </a:fontRef>
-        </p:style>
-        <p:txBody>
-          <a:bodyPr rtlCol="0" anchor="ctr"/>
-          <a:lstStyle/>
-          <a:p>
-            <a:pPr algn="ctr"/>
-            <a:endParaRPr lang="en-US"/>
-          </a:p>
-        </p:txBody>
-      </p:sp>
-      <p:sp>
-        <p:nvSpPr>
-          <p:cNvPr id="18" name="Rectangle 17">
-            <a:extLst>
-              <a:ext uri="{FF2B5EF4-FFF2-40B4-BE49-F238E27FC236}">
-                <a16:creationId xmlns:a16="http://schemas.microsoft.com/office/drawing/2014/main" id="{AECD351A-2702-0442-8B15-71CCB9E5F287}"/>
-              </a:ext>
-            </a:extLst>
-          </p:cNvPr>
-          <p:cNvSpPr/>
-          <p:nvPr/>
-        </p:nvSpPr>
-        <p:spPr>
-          <a:xfrm>
-            <a:off x="552543" y="4109429"/>
-            <a:ext cx="238539" cy="197747"/>
-          </a:xfrm>
-          <a:prstGeom prst="rect">
-            <a:avLst/>
-          </a:prstGeom>
-          <a:solidFill>
-            <a:schemeClr val="accent6">
-              <a:lumMod val="60000"/>
-              <a:lumOff val="40000"/>
-            </a:schemeClr>
-          </a:solidFill>
-          <a:ln>
-            <a:solidFill>
-              <a:schemeClr val="tx1"/>
-            </a:solidFill>
-          </a:ln>
-        </p:spPr>
-        <p:style>
-          <a:lnRef idx="2">
-            <a:schemeClr val="accent1">
-              <a:shade val="50000"/>
-            </a:schemeClr>
-          </a:lnRef>
-          <a:fillRef idx="1">
-            <a:schemeClr val="accent1"/>
-          </a:fillRef>
-          <a:effectRef idx="0">
-            <a:schemeClr val="accent1"/>
-          </a:effectRef>
-          <a:fontRef idx="minor">
-            <a:schemeClr val="lt1"/>
-          </a:fontRef>
-        </p:style>
-        <p:txBody>
-          <a:bodyPr rtlCol="0" anchor="ctr"/>
-          <a:lstStyle/>
-          <a:p>
-            <a:pPr algn="ctr"/>
-            <a:endParaRPr lang="en-US"/>
-          </a:p>
-        </p:txBody>
-      </p:sp>
-      <p:sp>
-        <p:nvSpPr>
-          <p:cNvPr id="19" name="Rectangle 18">
-            <a:extLst>
-              <a:ext uri="{FF2B5EF4-FFF2-40B4-BE49-F238E27FC236}">
-                <a16:creationId xmlns:a16="http://schemas.microsoft.com/office/drawing/2014/main" id="{6CF6337A-F535-D044-94F9-CF89CFD83AC4}"/>
-              </a:ext>
-            </a:extLst>
-          </p:cNvPr>
-          <p:cNvSpPr/>
-          <p:nvPr/>
-        </p:nvSpPr>
-        <p:spPr>
-          <a:xfrm>
-            <a:off x="552543" y="4498694"/>
-            <a:ext cx="238539" cy="197747"/>
-          </a:xfrm>
-          <a:prstGeom prst="rect">
-            <a:avLst/>
-          </a:prstGeom>
-          <a:solidFill>
-            <a:schemeClr val="accent6">
-              <a:lumMod val="40000"/>
-              <a:lumOff val="60000"/>
-            </a:schemeClr>
-          </a:solidFill>
-          <a:ln>
-            <a:solidFill>
-              <a:schemeClr val="tx1"/>
-            </a:solidFill>
-          </a:ln>
-        </p:spPr>
-        <p:style>
-          <a:lnRef idx="2">
-            <a:schemeClr val="accent1">
-              <a:shade val="50000"/>
-            </a:schemeClr>
-          </a:lnRef>
-          <a:fillRef idx="1">
-            <a:schemeClr val="accent1"/>
-          </a:fillRef>
-          <a:effectRef idx="0">
-            <a:schemeClr val="accent1"/>
-          </a:effectRef>
-          <a:fontRef idx="minor">
-            <a:schemeClr val="lt1"/>
-          </a:fontRef>
-        </p:style>
-        <p:txBody>
-          <a:bodyPr rtlCol="0" anchor="ctr"/>
-          <a:lstStyle/>
-          <a:p>
-            <a:pPr algn="ctr"/>
-            <a:endParaRPr lang="en-US"/>
-          </a:p>
-        </p:txBody>
-      </p:sp>
-      <p:sp>
-        <p:nvSpPr>
-          <p:cNvPr id="20" name="Rectangle 19">
-            <a:extLst>
-              <a:ext uri="{FF2B5EF4-FFF2-40B4-BE49-F238E27FC236}">
-                <a16:creationId xmlns:a16="http://schemas.microsoft.com/office/drawing/2014/main" id="{CA3035FC-F718-4B43-8B93-CB280E9ACFA6}"/>
-              </a:ext>
-            </a:extLst>
-          </p:cNvPr>
-          <p:cNvSpPr/>
-          <p:nvPr/>
-        </p:nvSpPr>
-        <p:spPr>
-          <a:xfrm>
-            <a:off x="552543" y="4816446"/>
-            <a:ext cx="238539" cy="197747"/>
-          </a:xfrm>
-          <a:prstGeom prst="rect">
-            <a:avLst/>
-          </a:prstGeom>
-          <a:solidFill>
-            <a:schemeClr val="accent6">
-              <a:lumMod val="20000"/>
-              <a:lumOff val="80000"/>
-            </a:schemeClr>
-          </a:solidFill>
-          <a:ln>
-            <a:solidFill>
-              <a:schemeClr val="tx1"/>
-            </a:solidFill>
-          </a:ln>
-        </p:spPr>
-        <p:style>
-          <a:lnRef idx="2">
-            <a:schemeClr val="accent1">
-              <a:shade val="50000"/>
-            </a:schemeClr>
-          </a:lnRef>
-          <a:fillRef idx="1">
-            <a:schemeClr val="accent1"/>
-          </a:fillRef>
-          <a:effectRef idx="0">
-            <a:schemeClr val="accent1"/>
-          </a:effectRef>
-          <a:fontRef idx="minor">
-            <a:schemeClr val="lt1"/>
-          </a:fontRef>
-        </p:style>
-        <p:txBody>
-          <a:bodyPr rtlCol="0" anchor="ctr"/>
-          <a:lstStyle/>
-          <a:p>
-            <a:pPr algn="ctr"/>
-            <a:endParaRPr lang="en-US"/>
-          </a:p>
-        </p:txBody>
-      </p:sp>
-      <p:sp>
-        <p:nvSpPr>
-          <p:cNvPr id="21" name="Rectangle 20">
-            <a:extLst>
-              <a:ext uri="{FF2B5EF4-FFF2-40B4-BE49-F238E27FC236}">
-                <a16:creationId xmlns:a16="http://schemas.microsoft.com/office/drawing/2014/main" id="{A5C4DC68-A8F5-894F-829C-D1764D90023E}"/>
-              </a:ext>
-            </a:extLst>
-          </p:cNvPr>
-          <p:cNvSpPr/>
-          <p:nvPr/>
-        </p:nvSpPr>
-        <p:spPr>
-          <a:xfrm>
-            <a:off x="552543" y="5147419"/>
-            <a:ext cx="238539" cy="197747"/>
-          </a:xfrm>
-          <a:prstGeom prst="rect">
-            <a:avLst/>
-          </a:prstGeom>
-          <a:solidFill>
-            <a:schemeClr val="accent2">
-              <a:lumMod val="40000"/>
-              <a:lumOff val="60000"/>
-            </a:schemeClr>
-          </a:solidFill>
-          <a:ln>
-            <a:solidFill>
-              <a:schemeClr val="tx1"/>
-            </a:solidFill>
-          </a:ln>
-        </p:spPr>
-        <p:style>
-          <a:lnRef idx="2">
-            <a:schemeClr val="accent1">
-              <a:shade val="50000"/>
-            </a:schemeClr>
-          </a:lnRef>
-          <a:fillRef idx="1">
-            <a:schemeClr val="accent1"/>
-          </a:fillRef>
-          <a:effectRef idx="0">
-            <a:schemeClr val="accent1"/>
-          </a:effectRef>
-          <a:fontRef idx="minor">
-            <a:schemeClr val="lt1"/>
-          </a:fontRef>
-        </p:style>
-        <p:txBody>
-          <a:bodyPr rtlCol="0" anchor="ctr"/>
-          <a:lstStyle/>
-          <a:p>
-            <a:pPr algn="ctr"/>
-            <a:endParaRPr lang="en-US"/>
-          </a:p>
-        </p:txBody>
-      </p:sp>
-      <p:sp>
-        <p:nvSpPr>
-          <p:cNvPr id="22" name="Rectangle 21">
-            <a:extLst>
-              <a:ext uri="{FF2B5EF4-FFF2-40B4-BE49-F238E27FC236}">
-                <a16:creationId xmlns:a16="http://schemas.microsoft.com/office/drawing/2014/main" id="{B1CB3128-741D-F442-98D1-5AEC07C89155}"/>
-              </a:ext>
-            </a:extLst>
-          </p:cNvPr>
-          <p:cNvSpPr/>
-          <p:nvPr/>
-        </p:nvSpPr>
-        <p:spPr>
-          <a:xfrm>
-            <a:off x="552551" y="5512142"/>
-            <a:ext cx="238539" cy="197747"/>
-          </a:xfrm>
-          <a:prstGeom prst="rect">
-            <a:avLst/>
-          </a:prstGeom>
-          <a:solidFill>
-            <a:srgbClr val="92D050"/>
-          </a:solidFill>
-          <a:ln>
-            <a:solidFill>
-              <a:schemeClr val="tx1"/>
-            </a:solidFill>
-          </a:ln>
-        </p:spPr>
-        <p:style>
-          <a:lnRef idx="2">
-            <a:schemeClr val="accent1">
-              <a:shade val="50000"/>
-            </a:schemeClr>
-          </a:lnRef>
-          <a:fillRef idx="1">
-            <a:schemeClr val="accent1"/>
-          </a:fillRef>
-          <a:effectRef idx="0">
-            <a:schemeClr val="accent1"/>
-          </a:effectRef>
-          <a:fontRef idx="minor">
-            <a:schemeClr val="lt1"/>
-          </a:fontRef>
-        </p:style>
-        <p:txBody>
-          <a:bodyPr rtlCol="0" anchor="ctr"/>
-          <a:lstStyle/>
-          <a:p>
-            <a:pPr algn="ctr"/>
-            <a:endParaRPr lang="en-US" dirty="0">
-              <a:solidFill>
-                <a:srgbClr val="92D050"/>
-              </a:solidFill>
-            </a:endParaRPr>
-          </a:p>
-        </p:txBody>
-      </p:sp>
-      <p:sp>
-        <p:nvSpPr>
-          <p:cNvPr id="8" name="TextBox 7">
-            <a:extLst>
-              <a:ext uri="{FF2B5EF4-FFF2-40B4-BE49-F238E27FC236}">
-                <a16:creationId xmlns:a16="http://schemas.microsoft.com/office/drawing/2014/main" id="{19B056BC-1905-FB43-A9D8-EE270D8EF663}"/>
-              </a:ext>
-            </a:extLst>
-          </p:cNvPr>
-          <p:cNvSpPr txBox="1"/>
-          <p:nvPr/>
-        </p:nvSpPr>
-        <p:spPr>
-          <a:xfrm>
-            <a:off x="973305" y="3683003"/>
-            <a:ext cx="2293288" cy="338554"/>
-          </a:xfrm>
-          <a:prstGeom prst="rect">
-            <a:avLst/>
-          </a:prstGeom>
-          <a:noFill/>
-        </p:spPr>
-        <p:txBody>
-          <a:bodyPr wrap="square" rtlCol="0">
-            <a:spAutoFit/>
-          </a:bodyPr>
-          <a:lstStyle/>
-          <a:p>
-            <a:r>
-              <a:rPr lang="en-US" sz="1600" dirty="0">
-                <a:latin typeface="Arial" panose="020B0604020202020204" pitchFamily="34" charset="0"/>
-                <a:cs typeface="Arial" panose="020B0604020202020204" pitchFamily="34" charset="0"/>
-              </a:rPr>
-              <a:t>Highest Intensity </a:t>
-            </a:r>
-          </a:p>
-        </p:txBody>
-      </p:sp>
-      <p:sp>
-        <p:nvSpPr>
-          <p:cNvPr id="23" name="Rectangle 22">
-            <a:extLst>
-              <a:ext uri="{FF2B5EF4-FFF2-40B4-BE49-F238E27FC236}">
-                <a16:creationId xmlns:a16="http://schemas.microsoft.com/office/drawing/2014/main" id="{0C2E90A2-8107-FE49-A9A0-4C9202A542C0}"/>
-              </a:ext>
-            </a:extLst>
-          </p:cNvPr>
-          <p:cNvSpPr/>
-          <p:nvPr/>
-        </p:nvSpPr>
-        <p:spPr>
-          <a:xfrm>
-            <a:off x="973305" y="5441738"/>
-            <a:ext cx="1713931" cy="338554"/>
-          </a:xfrm>
-          <a:prstGeom prst="rect">
-            <a:avLst/>
-          </a:prstGeom>
-        </p:spPr>
-        <p:txBody>
-          <a:bodyPr wrap="none">
-            <a:spAutoFit/>
-          </a:bodyPr>
-          <a:lstStyle/>
-          <a:p>
-            <a:r>
-              <a:rPr lang="en-US" sz="1600" dirty="0">
-                <a:latin typeface="Arial" panose="020B0604020202020204" pitchFamily="34" charset="0"/>
-                <a:cs typeface="Arial" panose="020B0604020202020204" pitchFamily="34" charset="0"/>
-              </a:rPr>
-              <a:t>Lowest Intensity </a:t>
-            </a:r>
-          </a:p>
-        </p:txBody>
-      </p:sp>
       <p:cxnSp>
         <p:nvCxnSpPr>
           <p:cNvPr id="12" name="Straight Connector 11">
@@ -19013,6 +15908,557 @@
           </a:fontRef>
         </p:style>
       </p:cxnSp>
+      <p:graphicFrame>
+        <p:nvGraphicFramePr>
+          <p:cNvPr id="5" name="Table 8">
+            <a:extLst>
+              <a:ext uri="{FF2B5EF4-FFF2-40B4-BE49-F238E27FC236}">
+                <a16:creationId xmlns:a16="http://schemas.microsoft.com/office/drawing/2014/main" id="{A87A9BDB-B495-4061-B4CC-186DFE66F860}"/>
+              </a:ext>
+            </a:extLst>
+          </p:cNvPr>
+          <p:cNvGraphicFramePr>
+            <a:graphicFrameLocks noGrp="1"/>
+          </p:cNvGraphicFramePr>
+          <p:nvPr>
+            <p:extLst>
+              <p:ext uri="{D42A27DB-BD31-4B8C-83A1-F6EECF244321}">
+                <p14:modId xmlns:p14="http://schemas.microsoft.com/office/powerpoint/2010/main" val="413236725"/>
+              </p:ext>
+            </p:extLst>
+          </p:nvPr>
+        </p:nvGraphicFramePr>
+        <p:xfrm>
+          <a:off x="46484" y="2667862"/>
+          <a:ext cx="3345301" cy="3352800"/>
+        </p:xfrm>
+        <a:graphic>
+          <a:graphicData uri="http://schemas.openxmlformats.org/drawingml/2006/table">
+            <a:tbl>
+              <a:tblPr firstRow="1" bandRow="1">
+                <a:tableStyleId>{2D5ABB26-0587-4C30-8999-92F81FD0307C}</a:tableStyleId>
+              </a:tblPr>
+              <a:tblGrid>
+                <a:gridCol w="1297587">
+                  <a:extLst>
+                    <a:ext uri="{9D8B030D-6E8A-4147-A177-3AD203B41FA5}">
+                      <a16:colId xmlns:a16="http://schemas.microsoft.com/office/drawing/2014/main" val="3258530852"/>
+                    </a:ext>
+                  </a:extLst>
+                </a:gridCol>
+                <a:gridCol w="2047714">
+                  <a:extLst>
+                    <a:ext uri="{9D8B030D-6E8A-4147-A177-3AD203B41FA5}">
+                      <a16:colId xmlns:a16="http://schemas.microsoft.com/office/drawing/2014/main" val="4038620241"/>
+                    </a:ext>
+                  </a:extLst>
+                </a:gridCol>
+              </a:tblGrid>
+              <a:tr h="285023">
+                <a:tc>
+                  <a:txBody>
+                    <a:bodyPr/>
+                    <a:lstStyle/>
+                    <a:p>
+                      <a:r>
+                        <a:rPr lang="en-US" sz="1400" b="1" dirty="0">
+                          <a:solidFill>
+                            <a:schemeClr val="bg1"/>
+                          </a:solidFill>
+                        </a:rPr>
+                        <a:t>City</a:t>
+                      </a:r>
+                    </a:p>
+                  </a:txBody>
+                  <a:tcPr>
+                    <a:lnB w="12700" cap="flat" cmpd="sng" algn="ctr">
+                      <a:solidFill>
+                        <a:schemeClr val="bg1"/>
+                      </a:solidFill>
+                      <a:prstDash val="solid"/>
+                      <a:round/>
+                      <a:headEnd type="none" w="med" len="med"/>
+                      <a:tailEnd type="none" w="med" len="med"/>
+                    </a:lnB>
+                  </a:tcPr>
+                </a:tc>
+                <a:tc>
+                  <a:txBody>
+                    <a:bodyPr/>
+                    <a:lstStyle/>
+                    <a:p>
+                      <a:r>
+                        <a:rPr lang="en-US" sz="1400" b="1" dirty="0">
+                          <a:solidFill>
+                            <a:schemeClr val="bg1"/>
+                          </a:solidFill>
+                        </a:rPr>
+                        <a:t>Total Crime (Per Capita)</a:t>
+                      </a:r>
+                    </a:p>
+                  </a:txBody>
+                  <a:tcPr>
+                    <a:lnB w="12700" cap="flat" cmpd="sng" algn="ctr">
+                      <a:solidFill>
+                        <a:schemeClr val="bg1"/>
+                      </a:solidFill>
+                      <a:prstDash val="solid"/>
+                      <a:round/>
+                      <a:headEnd type="none" w="med" len="med"/>
+                      <a:tailEnd type="none" w="med" len="med"/>
+                    </a:lnB>
+                  </a:tcPr>
+                </a:tc>
+                <a:extLst>
+                  <a:ext uri="{0D108BD9-81ED-4DB2-BD59-A6C34878D82A}">
+                    <a16:rowId xmlns:a16="http://schemas.microsoft.com/office/drawing/2014/main" val="1624428190"/>
+                  </a:ext>
+                </a:extLst>
+              </a:tr>
+              <a:tr h="285023">
+                <a:tc>
+                  <a:txBody>
+                    <a:bodyPr/>
+                    <a:lstStyle/>
+                    <a:p>
+                      <a:r>
+                        <a:rPr lang="en-US" sz="1400" dirty="0">
+                          <a:solidFill>
+                            <a:schemeClr val="bg1"/>
+                          </a:solidFill>
+                        </a:rPr>
+                        <a:t>Houston</a:t>
+                      </a:r>
+                    </a:p>
+                  </a:txBody>
+                  <a:tcPr>
+                    <a:lnT w="12700" cap="flat" cmpd="sng" algn="ctr">
+                      <a:solidFill>
+                        <a:schemeClr val="bg1"/>
+                      </a:solidFill>
+                      <a:prstDash val="solid"/>
+                      <a:round/>
+                      <a:headEnd type="none" w="med" len="med"/>
+                      <a:tailEnd type="none" w="med" len="med"/>
+                    </a:lnT>
+                  </a:tcPr>
+                </a:tc>
+                <a:tc>
+                  <a:txBody>
+                    <a:bodyPr/>
+                    <a:lstStyle/>
+                    <a:p>
+                      <a:pPr algn="ctr"/>
+                      <a:r>
+                        <a:rPr lang="en-US" sz="1400" dirty="0">
+                          <a:solidFill>
+                            <a:schemeClr val="bg1"/>
+                          </a:solidFill>
+                        </a:rPr>
+                        <a:t>554.7</a:t>
+                      </a:r>
+                    </a:p>
+                  </a:txBody>
+                  <a:tcPr>
+                    <a:lnT w="12700" cap="flat" cmpd="sng" algn="ctr">
+                      <a:solidFill>
+                        <a:schemeClr val="bg1"/>
+                      </a:solidFill>
+                      <a:prstDash val="solid"/>
+                      <a:round/>
+                      <a:headEnd type="none" w="med" len="med"/>
+                      <a:tailEnd type="none" w="med" len="med"/>
+                    </a:lnT>
+                  </a:tcPr>
+                </a:tc>
+                <a:extLst>
+                  <a:ext uri="{0D108BD9-81ED-4DB2-BD59-A6C34878D82A}">
+                    <a16:rowId xmlns:a16="http://schemas.microsoft.com/office/drawing/2014/main" val="2624086485"/>
+                  </a:ext>
+                </a:extLst>
+              </a:tr>
+              <a:tr h="285023">
+                <a:tc>
+                  <a:txBody>
+                    <a:bodyPr/>
+                    <a:lstStyle/>
+                    <a:p>
+                      <a:r>
+                        <a:rPr lang="en-US" sz="1400" dirty="0">
+                          <a:solidFill>
+                            <a:schemeClr val="bg1"/>
+                          </a:solidFill>
+                        </a:rPr>
+                        <a:t>Galveston</a:t>
+                      </a:r>
+                    </a:p>
+                  </a:txBody>
+                  <a:tcPr/>
+                </a:tc>
+                <a:tc>
+                  <a:txBody>
+                    <a:bodyPr/>
+                    <a:lstStyle/>
+                    <a:p>
+                      <a:pPr algn="ctr"/>
+                      <a:r>
+                        <a:rPr lang="en-US" sz="1400" dirty="0">
+                          <a:solidFill>
+                            <a:schemeClr val="bg1"/>
+                          </a:solidFill>
+                        </a:rPr>
+                        <a:t>453.9</a:t>
+                      </a:r>
+                    </a:p>
+                  </a:txBody>
+                  <a:tcPr/>
+                </a:tc>
+                <a:extLst>
+                  <a:ext uri="{0D108BD9-81ED-4DB2-BD59-A6C34878D82A}">
+                    <a16:rowId xmlns:a16="http://schemas.microsoft.com/office/drawing/2014/main" val="3038918975"/>
+                  </a:ext>
+                </a:extLst>
+              </a:tr>
+              <a:tr h="285023">
+                <a:tc>
+                  <a:txBody>
+                    <a:bodyPr/>
+                    <a:lstStyle/>
+                    <a:p>
+                      <a:r>
+                        <a:rPr lang="en-US" sz="1400" dirty="0">
+                          <a:solidFill>
+                            <a:schemeClr val="bg1"/>
+                          </a:solidFill>
+                        </a:rPr>
+                        <a:t>Baytown</a:t>
+                      </a:r>
+                    </a:p>
+                  </a:txBody>
+                  <a:tcPr/>
+                </a:tc>
+                <a:tc>
+                  <a:txBody>
+                    <a:bodyPr/>
+                    <a:lstStyle/>
+                    <a:p>
+                      <a:pPr algn="ctr"/>
+                      <a:r>
+                        <a:rPr lang="en-US" sz="1400" dirty="0">
+                          <a:solidFill>
+                            <a:schemeClr val="bg1"/>
+                          </a:solidFill>
+                        </a:rPr>
+                        <a:t>442.0</a:t>
+                      </a:r>
+                    </a:p>
+                  </a:txBody>
+                  <a:tcPr/>
+                </a:tc>
+                <a:extLst>
+                  <a:ext uri="{0D108BD9-81ED-4DB2-BD59-A6C34878D82A}">
+                    <a16:rowId xmlns:a16="http://schemas.microsoft.com/office/drawing/2014/main" val="2064764574"/>
+                  </a:ext>
+                </a:extLst>
+              </a:tr>
+              <a:tr h="285023">
+                <a:tc>
+                  <a:txBody>
+                    <a:bodyPr/>
+                    <a:lstStyle/>
+                    <a:p>
+                      <a:r>
+                        <a:rPr lang="en-US" sz="1400" dirty="0">
+                          <a:solidFill>
+                            <a:schemeClr val="bg1"/>
+                          </a:solidFill>
+                        </a:rPr>
+                        <a:t>Texas City</a:t>
+                      </a:r>
+                    </a:p>
+                  </a:txBody>
+                  <a:tcPr/>
+                </a:tc>
+                <a:tc>
+                  <a:txBody>
+                    <a:bodyPr/>
+                    <a:lstStyle/>
+                    <a:p>
+                      <a:pPr algn="ctr"/>
+                      <a:r>
+                        <a:rPr lang="en-US" sz="1400" dirty="0">
+                          <a:solidFill>
+                            <a:schemeClr val="bg1"/>
+                          </a:solidFill>
+                        </a:rPr>
+                        <a:t>394.2</a:t>
+                      </a:r>
+                    </a:p>
+                  </a:txBody>
+                  <a:tcPr/>
+                </a:tc>
+                <a:extLst>
+                  <a:ext uri="{0D108BD9-81ED-4DB2-BD59-A6C34878D82A}">
+                    <a16:rowId xmlns:a16="http://schemas.microsoft.com/office/drawing/2014/main" val="729541078"/>
+                  </a:ext>
+                </a:extLst>
+              </a:tr>
+              <a:tr h="285023">
+                <a:tc>
+                  <a:txBody>
+                    <a:bodyPr/>
+                    <a:lstStyle/>
+                    <a:p>
+                      <a:r>
+                        <a:rPr lang="en-US" sz="1400" dirty="0">
+                          <a:solidFill>
+                            <a:schemeClr val="bg1"/>
+                          </a:solidFill>
+                        </a:rPr>
+                        <a:t>Pasadena</a:t>
+                      </a:r>
+                    </a:p>
+                  </a:txBody>
+                  <a:tcPr/>
+                </a:tc>
+                <a:tc>
+                  <a:txBody>
+                    <a:bodyPr/>
+                    <a:lstStyle/>
+                    <a:p>
+                      <a:pPr algn="ctr"/>
+                      <a:r>
+                        <a:rPr lang="en-US" sz="1400" dirty="0">
+                          <a:solidFill>
+                            <a:schemeClr val="bg1"/>
+                          </a:solidFill>
+                        </a:rPr>
+                        <a:t>334.8</a:t>
+                      </a:r>
+                    </a:p>
+                  </a:txBody>
+                  <a:tcPr/>
+                </a:tc>
+                <a:extLst>
+                  <a:ext uri="{0D108BD9-81ED-4DB2-BD59-A6C34878D82A}">
+                    <a16:rowId xmlns:a16="http://schemas.microsoft.com/office/drawing/2014/main" val="2629875540"/>
+                  </a:ext>
+                </a:extLst>
+              </a:tr>
+              <a:tr h="285023">
+                <a:tc>
+                  <a:txBody>
+                    <a:bodyPr/>
+                    <a:lstStyle/>
+                    <a:p>
+                      <a:r>
+                        <a:rPr lang="en-US" sz="1400" dirty="0">
+                          <a:solidFill>
+                            <a:schemeClr val="bg1"/>
+                          </a:solidFill>
+                        </a:rPr>
+                        <a:t>League City</a:t>
+                      </a:r>
+                    </a:p>
+                  </a:txBody>
+                  <a:tcPr/>
+                </a:tc>
+                <a:tc>
+                  <a:txBody>
+                    <a:bodyPr/>
+                    <a:lstStyle/>
+                    <a:p>
+                      <a:pPr algn="ctr"/>
+                      <a:r>
+                        <a:rPr lang="en-US" sz="1400" dirty="0">
+                          <a:solidFill>
+                            <a:schemeClr val="bg1"/>
+                          </a:solidFill>
+                        </a:rPr>
+                        <a:t>196.4</a:t>
+                      </a:r>
+                    </a:p>
+                  </a:txBody>
+                  <a:tcPr/>
+                </a:tc>
+                <a:extLst>
+                  <a:ext uri="{0D108BD9-81ED-4DB2-BD59-A6C34878D82A}">
+                    <a16:rowId xmlns:a16="http://schemas.microsoft.com/office/drawing/2014/main" val="3583082144"/>
+                  </a:ext>
+                </a:extLst>
+              </a:tr>
+              <a:tr h="285023">
+                <a:tc>
+                  <a:txBody>
+                    <a:bodyPr/>
+                    <a:lstStyle/>
+                    <a:p>
+                      <a:r>
+                        <a:rPr lang="en-US" sz="1400" dirty="0">
+                          <a:solidFill>
+                            <a:schemeClr val="bg1"/>
+                          </a:solidFill>
+                        </a:rPr>
+                        <a:t>La Porte</a:t>
+                      </a:r>
+                    </a:p>
+                  </a:txBody>
+                  <a:tcPr/>
+                </a:tc>
+                <a:tc>
+                  <a:txBody>
+                    <a:bodyPr/>
+                    <a:lstStyle/>
+                    <a:p>
+                      <a:pPr algn="ctr"/>
+                      <a:r>
+                        <a:rPr lang="en-US" sz="1400" dirty="0">
+                          <a:solidFill>
+                            <a:schemeClr val="bg1"/>
+                          </a:solidFill>
+                        </a:rPr>
+                        <a:t>184.1</a:t>
+                      </a:r>
+                    </a:p>
+                  </a:txBody>
+                  <a:tcPr/>
+                </a:tc>
+                <a:extLst>
+                  <a:ext uri="{0D108BD9-81ED-4DB2-BD59-A6C34878D82A}">
+                    <a16:rowId xmlns:a16="http://schemas.microsoft.com/office/drawing/2014/main" val="1353221981"/>
+                  </a:ext>
+                </a:extLst>
+              </a:tr>
+              <a:tr h="285023">
+                <a:tc>
+                  <a:txBody>
+                    <a:bodyPr/>
+                    <a:lstStyle/>
+                    <a:p>
+                      <a:r>
+                        <a:rPr lang="en-US" sz="1400" dirty="0">
+                          <a:solidFill>
+                            <a:schemeClr val="bg1"/>
+                          </a:solidFill>
+                        </a:rPr>
+                        <a:t>Sugar Land</a:t>
+                      </a:r>
+                    </a:p>
+                  </a:txBody>
+                  <a:tcPr/>
+                </a:tc>
+                <a:tc>
+                  <a:txBody>
+                    <a:bodyPr/>
+                    <a:lstStyle/>
+                    <a:p>
+                      <a:pPr algn="ctr"/>
+                      <a:r>
+                        <a:rPr lang="en-US" sz="1400" dirty="0">
+                          <a:solidFill>
+                            <a:schemeClr val="bg1"/>
+                          </a:solidFill>
+                        </a:rPr>
+                        <a:t>175.7</a:t>
+                      </a:r>
+                    </a:p>
+                  </a:txBody>
+                  <a:tcPr/>
+                </a:tc>
+                <a:extLst>
+                  <a:ext uri="{0D108BD9-81ED-4DB2-BD59-A6C34878D82A}">
+                    <a16:rowId xmlns:a16="http://schemas.microsoft.com/office/drawing/2014/main" val="757298183"/>
+                  </a:ext>
+                </a:extLst>
+              </a:tr>
+              <a:tr h="285023">
+                <a:tc>
+                  <a:txBody>
+                    <a:bodyPr/>
+                    <a:lstStyle/>
+                    <a:p>
+                      <a:r>
+                        <a:rPr lang="en-US" sz="1400" dirty="0">
+                          <a:solidFill>
+                            <a:schemeClr val="bg1"/>
+                          </a:solidFill>
+                        </a:rPr>
+                        <a:t>Missouri City</a:t>
+                      </a:r>
+                    </a:p>
+                  </a:txBody>
+                  <a:tcPr/>
+                </a:tc>
+                <a:tc>
+                  <a:txBody>
+                    <a:bodyPr/>
+                    <a:lstStyle/>
+                    <a:p>
+                      <a:pPr algn="ctr"/>
+                      <a:r>
+                        <a:rPr lang="en-US" sz="1400" dirty="0">
+                          <a:solidFill>
+                            <a:schemeClr val="bg1"/>
+                          </a:solidFill>
+                        </a:rPr>
+                        <a:t>167.0</a:t>
+                      </a:r>
+                    </a:p>
+                  </a:txBody>
+                  <a:tcPr/>
+                </a:tc>
+                <a:extLst>
+                  <a:ext uri="{0D108BD9-81ED-4DB2-BD59-A6C34878D82A}">
+                    <a16:rowId xmlns:a16="http://schemas.microsoft.com/office/drawing/2014/main" val="4190858803"/>
+                  </a:ext>
+                </a:extLst>
+              </a:tr>
+              <a:tr h="285023">
+                <a:tc>
+                  <a:txBody>
+                    <a:bodyPr/>
+                    <a:lstStyle/>
+                    <a:p>
+                      <a:r>
+                        <a:rPr lang="en-US" sz="1400" dirty="0">
+                          <a:solidFill>
+                            <a:schemeClr val="bg1"/>
+                          </a:solidFill>
+                        </a:rPr>
+                        <a:t>Friendswood</a:t>
+                      </a:r>
+                    </a:p>
+                  </a:txBody>
+                  <a:tcPr/>
+                </a:tc>
+                <a:tc>
+                  <a:txBody>
+                    <a:bodyPr/>
+                    <a:lstStyle/>
+                    <a:p>
+                      <a:pPr algn="ctr"/>
+                      <a:r>
+                        <a:rPr lang="en-US" sz="1400" dirty="0">
+                          <a:solidFill>
+                            <a:schemeClr val="bg1"/>
+                          </a:solidFill>
+                        </a:rPr>
+                        <a:t>95.4</a:t>
+                      </a:r>
+                    </a:p>
+                  </a:txBody>
+                  <a:tcPr/>
+                </a:tc>
+                <a:extLst>
+                  <a:ext uri="{0D108BD9-81ED-4DB2-BD59-A6C34878D82A}">
+                    <a16:rowId xmlns:a16="http://schemas.microsoft.com/office/drawing/2014/main" val="967975081"/>
+                  </a:ext>
+                </a:extLst>
+              </a:tr>
+            </a:tbl>
+          </a:graphicData>
+        </a:graphic>
+      </p:graphicFrame>
     </p:spTree>
     <p:extLst>
       <p:ext uri="{BB962C8B-B14F-4D97-AF65-F5344CB8AC3E}">
@@ -19026,7 +16472,7 @@
 </p:sld>
 </file>
 
-<file path=ppt/slides/slide9.xml><?xml version="1.0" encoding="utf-8"?>
+<file path=ppt/slides/slide8.xml><?xml version="1.0" encoding="utf-8"?>
 <p:sld xmlns:a="http://schemas.openxmlformats.org/drawingml/2006/main" xmlns:r="http://schemas.openxmlformats.org/officeDocument/2006/relationships" xmlns:p="http://schemas.openxmlformats.org/presentationml/2006/main">
   <p:cSld>
     <p:bg>
@@ -19203,6 +16649,293 @@
     <p:extLst>
       <p:ext uri="{BB962C8B-B14F-4D97-AF65-F5344CB8AC3E}">
         <p14:creationId xmlns:p14="http://schemas.microsoft.com/office/powerpoint/2010/main" val="3796967082"/>
+      </p:ext>
+    </p:extLst>
+  </p:cSld>
+  <p:clrMapOvr>
+    <a:masterClrMapping/>
+  </p:clrMapOvr>
+</p:sld>
+</file>
+
+<file path=ppt/slides/slide9.xml><?xml version="1.0" encoding="utf-8"?>
+<p:sld xmlns:a="http://schemas.openxmlformats.org/drawingml/2006/main" xmlns:r="http://schemas.openxmlformats.org/officeDocument/2006/relationships" xmlns:p="http://schemas.openxmlformats.org/presentationml/2006/main">
+  <p:cSld>
+    <p:bg>
+      <p:bgPr>
+        <a:solidFill>
+          <a:schemeClr val="bg1"/>
+        </a:solidFill>
+        <a:effectLst/>
+      </p:bgPr>
+    </p:bg>
+    <p:spTree>
+      <p:nvGrpSpPr>
+        <p:cNvPr id="1" name=""/>
+        <p:cNvGrpSpPr/>
+        <p:nvPr/>
+      </p:nvGrpSpPr>
+      <p:grpSpPr>
+        <a:xfrm>
+          <a:off x="0" y="0"/>
+          <a:ext cx="0" cy="0"/>
+          <a:chOff x="0" y="0"/>
+          <a:chExt cx="0" cy="0"/>
+        </a:xfrm>
+      </p:grpSpPr>
+      <p:sp>
+        <p:nvSpPr>
+          <p:cNvPr id="9" name="Title 4">
+            <a:extLst>
+              <a:ext uri="{FF2B5EF4-FFF2-40B4-BE49-F238E27FC236}">
+                <a16:creationId xmlns:a16="http://schemas.microsoft.com/office/drawing/2014/main" id="{B3BCF04F-53F8-EB44-86BC-8E673A80BEE2}"/>
+              </a:ext>
+            </a:extLst>
+          </p:cNvPr>
+          <p:cNvSpPr txBox="1">
+            <a:spLocks/>
+          </p:cNvSpPr>
+          <p:nvPr/>
+        </p:nvSpPr>
+        <p:spPr>
+          <a:xfrm>
+            <a:off x="8362" y="920690"/>
+            <a:ext cx="3365941" cy="1527244"/>
+          </a:xfrm>
+          <a:prstGeom prst="rect">
+            <a:avLst/>
+          </a:prstGeom>
+        </p:spPr>
+        <p:txBody>
+          <a:bodyPr vert="horz" lIns="91440" tIns="45720" rIns="91440" bIns="45720" rtlCol="0" anchor="ctr">
+            <a:normAutofit/>
+          </a:bodyPr>
+          <a:lstStyle>
+            <a:lvl1pPr algn="l" defTabSz="914400" rtl="0" eaLnBrk="1" latinLnBrk="0" hangingPunct="1">
+              <a:lnSpc>
+                <a:spcPct val="90000"/>
+              </a:lnSpc>
+              <a:spcBef>
+                <a:spcPct val="0"/>
+              </a:spcBef>
+              <a:buNone/>
+              <a:defRPr sz="4400" kern="1200">
+                <a:solidFill>
+                  <a:schemeClr val="tx1"/>
+                </a:solidFill>
+                <a:latin typeface="+mj-lt"/>
+                <a:ea typeface="+mj-ea"/>
+                <a:cs typeface="+mj-cs"/>
+              </a:defRPr>
+            </a:lvl1pPr>
+          </a:lstStyle>
+          <a:p>
+            <a:pPr algn="r">
+              <a:spcAft>
+                <a:spcPts val="600"/>
+              </a:spcAft>
+            </a:pPr>
+            <a:r>
+              <a:rPr lang="en-US" sz="2800" b="1" spc="-60" dirty="0">
+                <a:solidFill>
+                  <a:srgbClr val="FFFFFF"/>
+                </a:solidFill>
+                <a:latin typeface="Arial" panose="020B0604020202020204" pitchFamily="34" charset="0"/>
+                <a:cs typeface="Arial" panose="020B0604020202020204" pitchFamily="34" charset="0"/>
+              </a:rPr>
+              <a:t>MEDIAN SALE </a:t>
+            </a:r>
+          </a:p>
+          <a:p>
+            <a:pPr algn="r">
+              <a:spcAft>
+                <a:spcPts val="600"/>
+              </a:spcAft>
+            </a:pPr>
+            <a:r>
+              <a:rPr lang="en-US" sz="2800" b="1" spc="-60" dirty="0">
+                <a:solidFill>
+                  <a:srgbClr val="FFFFFF"/>
+                </a:solidFill>
+                <a:latin typeface="Arial" panose="020B0604020202020204" pitchFamily="34" charset="0"/>
+                <a:cs typeface="Arial" panose="020B0604020202020204" pitchFamily="34" charset="0"/>
+              </a:rPr>
+              <a:t>PRICE PER CIT</a:t>
+            </a:r>
+            <a:r>
+              <a:rPr lang="en-US" sz="3200" b="1" spc="-60" dirty="0">
+                <a:solidFill>
+                  <a:srgbClr val="FFFFFF"/>
+                </a:solidFill>
+              </a:rPr>
+              <a:t>Y</a:t>
+            </a:r>
+            <a:endParaRPr lang="en-US" sz="3200" spc="-60" dirty="0">
+              <a:solidFill>
+                <a:srgbClr val="FFFFFF"/>
+              </a:solidFill>
+            </a:endParaRPr>
+          </a:p>
+        </p:txBody>
+      </p:sp>
+      <p:pic>
+        <p:nvPicPr>
+          <p:cNvPr id="25" name="Picture 24" descr="A large city landscape&#10;&#10;Description automatically generated">
+            <a:extLst>
+              <a:ext uri="{FF2B5EF4-FFF2-40B4-BE49-F238E27FC236}">
+                <a16:creationId xmlns:a16="http://schemas.microsoft.com/office/drawing/2014/main" id="{0A7692BE-CC2E-CB4F-A87F-0B76FA604780}"/>
+              </a:ext>
+            </a:extLst>
+          </p:cNvPr>
+          <p:cNvPicPr>
+            <a:picLocks noChangeAspect="1"/>
+          </p:cNvPicPr>
+          <p:nvPr/>
+        </p:nvPicPr>
+        <p:blipFill>
+          <a:blip r:embed="rId3">
+            <a:extLst>
+              <a:ext uri="{837473B0-CC2E-450A-ABE3-18F120FF3D39}">
+                <a1611:picAttrSrcUrl xmlns:a1611="http://schemas.microsoft.com/office/drawing/2016/11/main" r:id="rId4"/>
+              </a:ext>
+            </a:extLst>
+          </a:blip>
+          <a:stretch>
+            <a:fillRect/>
+          </a:stretch>
+        </p:blipFill>
+        <p:spPr>
+          <a:xfrm>
+            <a:off x="8362" y="2205026"/>
+            <a:ext cx="3420791" cy="2250016"/>
+          </a:xfrm>
+          <a:prstGeom prst="rect">
+            <a:avLst/>
+          </a:prstGeom>
+        </p:spPr>
+      </p:pic>
+      <p:cxnSp>
+        <p:nvCxnSpPr>
+          <p:cNvPr id="8" name="Straight Connector 7">
+            <a:extLst>
+              <a:ext uri="{FF2B5EF4-FFF2-40B4-BE49-F238E27FC236}">
+                <a16:creationId xmlns:a16="http://schemas.microsoft.com/office/drawing/2014/main" id="{BABECA19-315C-4C13-A2EE-B4960F8DE411}"/>
+              </a:ext>
+            </a:extLst>
+          </p:cNvPr>
+          <p:cNvCxnSpPr/>
+          <p:nvPr/>
+        </p:nvCxnSpPr>
+        <p:spPr>
+          <a:xfrm>
+            <a:off x="0" y="758952"/>
+            <a:ext cx="12199912" cy="0"/>
+          </a:xfrm>
+          <a:prstGeom prst="line">
+            <a:avLst/>
+          </a:prstGeom>
+          <a:ln w="19050">
+            <a:solidFill>
+              <a:schemeClr val="bg2">
+                <a:lumMod val="60000"/>
+                <a:lumOff val="40000"/>
+              </a:schemeClr>
+            </a:solidFill>
+          </a:ln>
+        </p:spPr>
+        <p:style>
+          <a:lnRef idx="1">
+            <a:schemeClr val="accent1"/>
+          </a:lnRef>
+          <a:fillRef idx="0">
+            <a:schemeClr val="accent1"/>
+          </a:fillRef>
+          <a:effectRef idx="0">
+            <a:schemeClr val="accent1"/>
+          </a:effectRef>
+          <a:fontRef idx="minor">
+            <a:schemeClr val="tx1"/>
+          </a:fontRef>
+        </p:style>
+      </p:cxnSp>
+      <p:cxnSp>
+        <p:nvCxnSpPr>
+          <p:cNvPr id="10" name="Straight Connector 9">
+            <a:extLst>
+              <a:ext uri="{FF2B5EF4-FFF2-40B4-BE49-F238E27FC236}">
+                <a16:creationId xmlns:a16="http://schemas.microsoft.com/office/drawing/2014/main" id="{72112AF6-D2BD-4764-8C54-79C4F6A25755}"/>
+              </a:ext>
+            </a:extLst>
+          </p:cNvPr>
+          <p:cNvCxnSpPr/>
+          <p:nvPr/>
+        </p:nvCxnSpPr>
+        <p:spPr>
+          <a:xfrm>
+            <a:off x="-7914" y="6089904"/>
+            <a:ext cx="12199912" cy="0"/>
+          </a:xfrm>
+          <a:prstGeom prst="line">
+            <a:avLst/>
+          </a:prstGeom>
+          <a:ln w="19050">
+            <a:solidFill>
+              <a:schemeClr val="bg2">
+                <a:lumMod val="60000"/>
+                <a:lumOff val="40000"/>
+              </a:schemeClr>
+            </a:solidFill>
+          </a:ln>
+        </p:spPr>
+        <p:style>
+          <a:lnRef idx="1">
+            <a:schemeClr val="accent1"/>
+          </a:lnRef>
+          <a:fillRef idx="0">
+            <a:schemeClr val="accent1"/>
+          </a:fillRef>
+          <a:effectRef idx="0">
+            <a:schemeClr val="accent1"/>
+          </a:effectRef>
+          <a:fontRef idx="minor">
+            <a:schemeClr val="tx1"/>
+          </a:fontRef>
+        </p:style>
+      </p:cxnSp>
+      <p:pic>
+        <p:nvPicPr>
+          <p:cNvPr id="3" name="Picture 2" descr="A close up of text on a white background&#10;&#10;Description automatically generated">
+            <a:extLst>
+              <a:ext uri="{FF2B5EF4-FFF2-40B4-BE49-F238E27FC236}">
+                <a16:creationId xmlns:a16="http://schemas.microsoft.com/office/drawing/2014/main" id="{36837950-24A6-4070-83A8-AB82DFFA2A63}"/>
+              </a:ext>
+            </a:extLst>
+          </p:cNvPr>
+          <p:cNvPicPr>
+            <a:picLocks noChangeAspect="1"/>
+          </p:cNvPicPr>
+          <p:nvPr/>
+        </p:nvPicPr>
+        <p:blipFill>
+          <a:blip r:embed="rId5"/>
+          <a:stretch>
+            <a:fillRect/>
+          </a:stretch>
+        </p:blipFill>
+        <p:spPr>
+          <a:xfrm>
+            <a:off x="3522426" y="930351"/>
+            <a:ext cx="8200555" cy="4997298"/>
+          </a:xfrm>
+          <a:prstGeom prst="rect">
+            <a:avLst/>
+          </a:prstGeom>
+        </p:spPr>
+      </p:pic>
+    </p:spTree>
+    <p:extLst>
+      <p:ext uri="{BB962C8B-B14F-4D97-AF65-F5344CB8AC3E}">
+        <p14:creationId xmlns:p14="http://schemas.microsoft.com/office/powerpoint/2010/main" val="3752212198"/>
       </p:ext>
     </p:extLst>
   </p:cSld>

--- a/Presentation/final draft.pptx
+++ b/Presentation/final draft.pptx
@@ -3347,7 +3347,7 @@
           <a:p>
             <a:fld id="{B9B6BCD5-E3BE-874C-A866-DD86D183A826}" type="datetimeFigureOut">
               <a:rPr lang="en-US" smtClean="0"/>
-              <a:t>9/21/2020</a:t>
+              <a:t>9/22/2020</a:t>
             </a:fld>
             <a:endParaRPr lang="en-US"/>
           </a:p>
@@ -5488,7 +5488,7 @@
             <a:fld id="{5586B75A-687E-405C-8A0B-8D00578BA2C3}" type="datetimeFigureOut">
               <a:rPr lang="en-US" smtClean="0"/>
               <a:pPr/>
-              <a:t>9/21/2020</a:t>
+              <a:t>9/22/2020</a:t>
             </a:fld>
             <a:endParaRPr lang="en-US" dirty="0"/>
           </a:p>
@@ -5660,7 +5660,7 @@
             <a:fld id="{5586B75A-687E-405C-8A0B-8D00578BA2C3}" type="datetimeFigureOut">
               <a:rPr lang="en-US" smtClean="0"/>
               <a:pPr/>
-              <a:t>9/21/2020</a:t>
+              <a:t>9/22/2020</a:t>
             </a:fld>
             <a:endParaRPr lang="en-US" dirty="0"/>
           </a:p>
@@ -5842,7 +5842,7 @@
             <a:fld id="{5586B75A-687E-405C-8A0B-8D00578BA2C3}" type="datetimeFigureOut">
               <a:rPr lang="en-US" smtClean="0"/>
               <a:pPr/>
-              <a:t>9/21/2020</a:t>
+              <a:t>9/22/2020</a:t>
             </a:fld>
             <a:endParaRPr lang="en-US" dirty="0"/>
           </a:p>
@@ -6678,7 +6678,7 @@
             <a:fld id="{5586B75A-687E-405C-8A0B-8D00578BA2C3}" type="datetimeFigureOut">
               <a:rPr lang="en-US" smtClean="0"/>
               <a:pPr/>
-              <a:t>9/21/2020</a:t>
+              <a:t>9/22/2020</a:t>
             </a:fld>
             <a:endParaRPr lang="en-US" dirty="0"/>
           </a:p>
@@ -6938,7 +6938,7 @@
             <a:fld id="{5586B75A-687E-405C-8A0B-8D00578BA2C3}" type="datetimeFigureOut">
               <a:rPr lang="en-US" smtClean="0"/>
               <a:pPr/>
-              <a:t>9/21/2020</a:t>
+              <a:t>9/22/2020</a:t>
             </a:fld>
             <a:endParaRPr lang="en-US" dirty="0"/>
           </a:p>
@@ -7228,7 +7228,7 @@
             <a:fld id="{5586B75A-687E-405C-8A0B-8D00578BA2C3}" type="datetimeFigureOut">
               <a:rPr lang="en-US" smtClean="0"/>
               <a:pPr/>
-              <a:t>9/21/2020</a:t>
+              <a:t>9/22/2020</a:t>
             </a:fld>
             <a:endParaRPr lang="en-US" dirty="0"/>
           </a:p>
@@ -7672,7 +7672,7 @@
             <a:fld id="{5586B75A-687E-405C-8A0B-8D00578BA2C3}" type="datetimeFigureOut">
               <a:rPr lang="en-US" smtClean="0"/>
               <a:pPr/>
-              <a:t>9/21/2020</a:t>
+              <a:t>9/22/2020</a:t>
             </a:fld>
             <a:endParaRPr lang="en-US" dirty="0"/>
           </a:p>
@@ -7792,7 +7792,7 @@
             <a:fld id="{5586B75A-687E-405C-8A0B-8D00578BA2C3}" type="datetimeFigureOut">
               <a:rPr lang="en-US" smtClean="0"/>
               <a:pPr/>
-              <a:t>9/21/2020</a:t>
+              <a:t>9/22/2020</a:t>
             </a:fld>
             <a:endParaRPr lang="en-US" dirty="0"/>
           </a:p>
@@ -7889,7 +7889,7 @@
             <a:fld id="{5586B75A-687E-405C-8A0B-8D00578BA2C3}" type="datetimeFigureOut">
               <a:rPr lang="en-US" smtClean="0"/>
               <a:pPr/>
-              <a:t>9/21/2020</a:t>
+              <a:t>9/22/2020</a:t>
             </a:fld>
             <a:endParaRPr lang="en-US" dirty="0"/>
           </a:p>
@@ -8179,7 +8179,7 @@
             <a:fld id="{5586B75A-687E-405C-8A0B-8D00578BA2C3}" type="datetimeFigureOut">
               <a:rPr lang="en-US" smtClean="0"/>
               <a:pPr/>
-              <a:t>9/21/2020</a:t>
+              <a:t>9/22/2020</a:t>
             </a:fld>
             <a:endParaRPr lang="en-US" dirty="0"/>
           </a:p>
@@ -8454,7 +8454,7 @@
             <a:fld id="{5586B75A-687E-405C-8A0B-8D00578BA2C3}" type="datetimeFigureOut">
               <a:rPr lang="en-US" smtClean="0"/>
               <a:pPr/>
-              <a:t>9/21/2020</a:t>
+              <a:t>9/22/2020</a:t>
             </a:fld>
             <a:endParaRPr lang="en-US" dirty="0"/>
           </a:p>
@@ -8754,7 +8754,7 @@
             <a:fld id="{5586B75A-687E-405C-8A0B-8D00578BA2C3}" type="datetimeFigureOut">
               <a:rPr lang="en-US" smtClean="0"/>
               <a:pPr/>
-              <a:t>9/21/2020</a:t>
+              <a:t>9/22/2020</a:t>
             </a:fld>
             <a:endParaRPr lang="en-US" dirty="0"/>
           </a:p>
@@ -11288,10 +11288,10 @@
       </p:sp>
       <p:pic>
         <p:nvPicPr>
-          <p:cNvPr id="4" name="Picture 3" descr="A screenshot of a cell phone&#10;&#10;Description automatically generated">
+          <p:cNvPr id="5" name="Picture 4" descr="A picture containing computer&#10;&#10;Description automatically generated">
             <a:extLst>
               <a:ext uri="{FF2B5EF4-FFF2-40B4-BE49-F238E27FC236}">
-                <a16:creationId xmlns:a16="http://schemas.microsoft.com/office/drawing/2014/main" id="{554F6D91-EE30-4987-AF73-38F7D234A377}"/>
+                <a16:creationId xmlns:a16="http://schemas.microsoft.com/office/drawing/2014/main" id="{3EC66BEF-65D4-4454-BAE5-ACA45D0BDBC6}"/>
               </a:ext>
             </a:extLst>
           </p:cNvPr>
@@ -11308,8 +11308,8 @@
         </p:blipFill>
         <p:spPr>
           <a:xfrm>
-            <a:off x="159492" y="284436"/>
-            <a:ext cx="5592726" cy="3866576"/>
+            <a:off x="218831" y="301717"/>
+            <a:ext cx="5629613" cy="3892078"/>
           </a:xfrm>
           <a:prstGeom prst="rect">
             <a:avLst/>
@@ -11321,10 +11321,10 @@
       </p:pic>
       <p:pic>
         <p:nvPicPr>
-          <p:cNvPr id="6" name="Picture 5" descr="A screenshot of a cell phone&#10;&#10;Description automatically generated">
+          <p:cNvPr id="8" name="Picture 7" descr="A screenshot of a cell phone&#10;&#10;Description automatically generated">
             <a:extLst>
               <a:ext uri="{FF2B5EF4-FFF2-40B4-BE49-F238E27FC236}">
-                <a16:creationId xmlns:a16="http://schemas.microsoft.com/office/drawing/2014/main" id="{CA8CFA1C-BACF-4BF1-A4BB-785FA4F8822C}"/>
+                <a16:creationId xmlns:a16="http://schemas.microsoft.com/office/drawing/2014/main" id="{D1224116-4424-4152-A466-AC372CE03C94}"/>
               </a:ext>
             </a:extLst>
           </p:cNvPr>
@@ -11335,13 +11335,13 @@
         </p:nvPicPr>
         <p:blipFill rotWithShape="1">
           <a:blip r:embed="rId3"/>
-          <a:srcRect t="3626"/>
+          <a:srcRect t="2346" r="6627"/>
           <a:stretch/>
         </p:blipFill>
         <p:spPr>
           <a:xfrm>
-            <a:off x="5996769" y="283548"/>
-            <a:ext cx="6018028" cy="3866576"/>
+            <a:off x="6280943" y="301717"/>
+            <a:ext cx="5629613" cy="3925164"/>
           </a:xfrm>
           <a:prstGeom prst="rect">
             <a:avLst/>

--- a/Presentation/final draft.pptx
+++ b/Presentation/final draft.pptx
@@ -11391,241 +11391,6 @@
       </p:grpSpPr>
       <p:sp>
         <p:nvSpPr>
-          <p:cNvPr id="14" name="Rectangle 13">
-            <a:extLst>
-              <a:ext uri="{FF2B5EF4-FFF2-40B4-BE49-F238E27FC236}">
-                <a16:creationId xmlns:a16="http://schemas.microsoft.com/office/drawing/2014/main" id="{4F645BF8-7885-4398-80BC-4C0DF24F5CEE}"/>
-              </a:ext>
-              <a:ext uri="{C183D7F6-B498-43B3-948B-1728B52AA6E4}">
-                <adec:decorative xmlns:adec="http://schemas.microsoft.com/office/drawing/2017/decorative" val="1"/>
-              </a:ext>
-            </a:extLst>
-          </p:cNvPr>
-          <p:cNvSpPr>
-            <a:spLocks noGrp="1" noRot="1" noChangeAspect="1" noMove="1" noResize="1" noEditPoints="1" noAdjustHandles="1" noChangeArrowheads="1" noChangeShapeType="1" noTextEdit="1"/>
-          </p:cNvSpPr>
-          <p:nvPr>
-            <p:extLst>
-              <p:ext uri="{386F3935-93C4-4BCD-93E2-E3B085C9AB24}">
-                <p16:designElem xmlns:p16="http://schemas.microsoft.com/office/powerpoint/2015/main" val="1"/>
-              </p:ext>
-            </p:extLst>
-          </p:nvPr>
-        </p:nvSpPr>
-        <p:spPr>
-          <a:xfrm>
-            <a:off x="1" y="758952"/>
-            <a:ext cx="3443590" cy="5330952"/>
-          </a:xfrm>
-          <a:prstGeom prst="rect">
-            <a:avLst/>
-          </a:prstGeom>
-          <a:solidFill>
-            <a:schemeClr val="accent1"/>
-          </a:solidFill>
-          <a:ln>
-            <a:noFill/>
-          </a:ln>
-        </p:spPr>
-        <p:style>
-          <a:lnRef idx="2">
-            <a:schemeClr val="accent1">
-              <a:shade val="50000"/>
-            </a:schemeClr>
-          </a:lnRef>
-          <a:fillRef idx="1">
-            <a:schemeClr val="accent1"/>
-          </a:fillRef>
-          <a:effectRef idx="0">
-            <a:schemeClr val="accent1"/>
-          </a:effectRef>
-          <a:fontRef idx="minor">
-            <a:schemeClr val="lt1"/>
-          </a:fontRef>
-        </p:style>
-      </p:sp>
-      <p:sp>
-        <p:nvSpPr>
-          <p:cNvPr id="16" name="Rectangle 15">
-            <a:extLst>
-              <a:ext uri="{FF2B5EF4-FFF2-40B4-BE49-F238E27FC236}">
-                <a16:creationId xmlns:a16="http://schemas.microsoft.com/office/drawing/2014/main" id="{3212FB65-CD2B-4005-B910-132DCE19FCC7}"/>
-              </a:ext>
-              <a:ext uri="{C183D7F6-B498-43B3-948B-1728B52AA6E4}">
-                <adec:decorative xmlns:adec="http://schemas.microsoft.com/office/drawing/2017/decorative" val="1"/>
-              </a:ext>
-            </a:extLst>
-          </p:cNvPr>
-          <p:cNvSpPr>
-            <a:spLocks noGrp="1" noRot="1" noChangeAspect="1" noMove="1" noResize="1" noEditPoints="1" noAdjustHandles="1" noChangeArrowheads="1" noChangeShapeType="1" noTextEdit="1"/>
-          </p:cNvSpPr>
-          <p:nvPr>
-            <p:extLst>
-              <p:ext uri="{386F3935-93C4-4BCD-93E2-E3B085C9AB24}">
-                <p16:designElem xmlns:p16="http://schemas.microsoft.com/office/powerpoint/2015/main" val="1"/>
-              </p:ext>
-            </p:extLst>
-          </p:nvPr>
-        </p:nvSpPr>
-        <p:spPr>
-          <a:xfrm>
-            <a:off x="11815864" y="758952"/>
-            <a:ext cx="384048" cy="5330952"/>
-          </a:xfrm>
-          <a:prstGeom prst="rect">
-            <a:avLst/>
-          </a:prstGeom>
-          <a:solidFill>
-            <a:srgbClr val="C8C8C8">
-              <a:alpha val="49804"/>
-            </a:srgbClr>
-          </a:solidFill>
-          <a:ln>
-            <a:noFill/>
-          </a:ln>
-        </p:spPr>
-        <p:style>
-          <a:lnRef idx="2">
-            <a:schemeClr val="accent1">
-              <a:shade val="50000"/>
-            </a:schemeClr>
-          </a:lnRef>
-          <a:fillRef idx="1">
-            <a:schemeClr val="accent1"/>
-          </a:fillRef>
-          <a:effectRef idx="0">
-            <a:schemeClr val="accent1"/>
-          </a:effectRef>
-          <a:fontRef idx="minor">
-            <a:schemeClr val="lt1"/>
-          </a:fontRef>
-        </p:style>
-      </p:sp>
-      <p:sp useBgFill="1">
-        <p:nvSpPr>
-          <p:cNvPr id="18" name="Rectangle 17">
-            <a:extLst>
-              <a:ext uri="{FF2B5EF4-FFF2-40B4-BE49-F238E27FC236}">
-                <a16:creationId xmlns:a16="http://schemas.microsoft.com/office/drawing/2014/main" id="{B5DC95B7-2A72-483B-BA19-2BE751205541}"/>
-              </a:ext>
-              <a:ext uri="{C183D7F6-B498-43B3-948B-1728B52AA6E4}">
-                <adec:decorative xmlns:adec="http://schemas.microsoft.com/office/drawing/2017/decorative" val="1"/>
-              </a:ext>
-            </a:extLst>
-          </p:cNvPr>
-          <p:cNvSpPr>
-            <a:spLocks noGrp="1" noRot="1" noChangeAspect="1" noMove="1" noResize="1" noEditPoints="1" noAdjustHandles="1" noChangeArrowheads="1" noChangeShapeType="1" noTextEdit="1"/>
-          </p:cNvSpPr>
-          <p:nvPr>
-            <p:extLst>
-              <p:ext uri="{386F3935-93C4-4BCD-93E2-E3B085C9AB24}">
-                <p16:designElem xmlns:p16="http://schemas.microsoft.com/office/powerpoint/2015/main" val="1"/>
-              </p:ext>
-            </p:extLst>
-          </p:nvPr>
-        </p:nvSpPr>
-        <p:spPr>
-          <a:xfrm>
-            <a:off x="0" y="0"/>
-            <a:ext cx="12192000" cy="6858000"/>
-          </a:xfrm>
-          <a:prstGeom prst="rect">
-            <a:avLst/>
-          </a:prstGeom>
-          <a:ln>
-            <a:noFill/>
-          </a:ln>
-        </p:spPr>
-        <p:style>
-          <a:lnRef idx="2">
-            <a:schemeClr val="accent1">
-              <a:shade val="50000"/>
-            </a:schemeClr>
-          </a:lnRef>
-          <a:fillRef idx="1">
-            <a:schemeClr val="accent1"/>
-          </a:fillRef>
-          <a:effectRef idx="0">
-            <a:schemeClr val="accent1"/>
-          </a:effectRef>
-          <a:fontRef idx="minor">
-            <a:schemeClr val="lt1"/>
-          </a:fontRef>
-        </p:style>
-        <p:txBody>
-          <a:bodyPr rtlCol="0" anchor="ctr"/>
-          <a:lstStyle/>
-          <a:p>
-            <a:pPr algn="ctr"/>
-            <a:endParaRPr lang="en-US"/>
-          </a:p>
-        </p:txBody>
-      </p:sp>
-      <p:sp>
-        <p:nvSpPr>
-          <p:cNvPr id="20" name="Rectangle 19">
-            <a:extLst>
-              <a:ext uri="{FF2B5EF4-FFF2-40B4-BE49-F238E27FC236}">
-                <a16:creationId xmlns:a16="http://schemas.microsoft.com/office/drawing/2014/main" id="{1C822AFE-7E96-4A51-9E55-FCAEACD21357}"/>
-              </a:ext>
-              <a:ext uri="{C183D7F6-B498-43B3-948B-1728B52AA6E4}">
-                <adec:decorative xmlns:adec="http://schemas.microsoft.com/office/drawing/2017/decorative" val="1"/>
-              </a:ext>
-            </a:extLst>
-          </p:cNvPr>
-          <p:cNvSpPr>
-            <a:spLocks noGrp="1" noRot="1" noChangeAspect="1" noMove="1" noResize="1" noEditPoints="1" noAdjustHandles="1" noChangeArrowheads="1" noChangeShapeType="1" noTextEdit="1"/>
-          </p:cNvSpPr>
-          <p:nvPr>
-            <p:extLst>
-              <p:ext uri="{386F3935-93C4-4BCD-93E2-E3B085C9AB24}">
-                <p16:designElem xmlns:p16="http://schemas.microsoft.com/office/powerpoint/2015/main" val="1"/>
-              </p:ext>
-            </p:extLst>
-          </p:nvPr>
-        </p:nvSpPr>
-        <p:spPr>
-          <a:xfrm>
-            <a:off x="7850120" y="757325"/>
-            <a:ext cx="4341880" cy="5329325"/>
-          </a:xfrm>
-          <a:prstGeom prst="rect">
-            <a:avLst/>
-          </a:prstGeom>
-          <a:solidFill>
-            <a:schemeClr val="accent1"/>
-          </a:solidFill>
-          <a:ln>
-            <a:noFill/>
-          </a:ln>
-        </p:spPr>
-        <p:style>
-          <a:lnRef idx="2">
-            <a:schemeClr val="accent1">
-              <a:shade val="50000"/>
-            </a:schemeClr>
-          </a:lnRef>
-          <a:fillRef idx="1">
-            <a:schemeClr val="accent1"/>
-          </a:fillRef>
-          <a:effectRef idx="0">
-            <a:schemeClr val="accent1"/>
-          </a:effectRef>
-          <a:fontRef idx="minor">
-            <a:schemeClr val="lt1"/>
-          </a:fontRef>
-        </p:style>
-        <p:txBody>
-          <a:bodyPr rtlCol="0" anchor="ctr"/>
-          <a:lstStyle/>
-          <a:p>
-            <a:pPr algn="ctr"/>
-            <a:endParaRPr lang="en-US"/>
-          </a:p>
-        </p:txBody>
-      </p:sp>
-      <p:sp>
-        <p:nvSpPr>
           <p:cNvPr id="5" name="Title 4">
             <a:extLst>
               <a:ext uri="{FF2B5EF4-FFF2-40B4-BE49-F238E27FC236}">
@@ -11640,12 +11405,7 @@
             <p:ph type="title"/>
           </p:nvPr>
         </p:nvSpPr>
-        <p:spPr>
-          <a:xfrm>
-            <a:off x="8038214" y="1079769"/>
-            <a:ext cx="3991074" cy="4683077"/>
-          </a:xfrm>
-        </p:spPr>
+        <p:spPr/>
         <p:txBody>
           <a:bodyPr vert="horz" lIns="91440" tIns="45720" rIns="91440" bIns="45720" rtlCol="0" anchor="ctr">
             <a:normAutofit/>
@@ -11654,112 +11414,11 @@
           <a:p>
             <a:r>
               <a:rPr lang="en-US" b="1" dirty="0"/>
-              <a:t>HOME SALES vs CRIME RATE IN SUGAR LAND AND HOUSTON</a:t>
+              <a:t>HOME SALES vs CRIME RATE IN FRIENDSWOOD, LEAGUE CITY AND HOUSTON</a:t>
             </a:r>
           </a:p>
         </p:txBody>
       </p:sp>
-      <p:sp>
-        <p:nvSpPr>
-          <p:cNvPr id="22" name="Rectangle 21">
-            <a:extLst>
-              <a:ext uri="{FF2B5EF4-FFF2-40B4-BE49-F238E27FC236}">
-                <a16:creationId xmlns:a16="http://schemas.microsoft.com/office/drawing/2014/main" id="{9169EA61-C175-4B7E-807B-58199DEA7FB3}"/>
-              </a:ext>
-              <a:ext uri="{C183D7F6-B498-43B3-948B-1728B52AA6E4}">
-                <adec:decorative xmlns:adec="http://schemas.microsoft.com/office/drawing/2017/decorative" val="1"/>
-              </a:ext>
-            </a:extLst>
-          </p:cNvPr>
-          <p:cNvSpPr>
-            <a:spLocks noGrp="1" noRot="1" noChangeAspect="1" noMove="1" noResize="1" noEditPoints="1" noAdjustHandles="1" noChangeArrowheads="1" noChangeShapeType="1" noTextEdit="1"/>
-          </p:cNvSpPr>
-          <p:nvPr>
-            <p:extLst>
-              <p:ext uri="{386F3935-93C4-4BCD-93E2-E3B085C9AB24}">
-                <p16:designElem xmlns:p16="http://schemas.microsoft.com/office/powerpoint/2015/main" val="1"/>
-              </p:ext>
-            </p:extLst>
-          </p:nvPr>
-        </p:nvSpPr>
-        <p:spPr>
-          <a:xfrm>
-            <a:off x="0" y="758952"/>
-            <a:ext cx="384048" cy="5330952"/>
-          </a:xfrm>
-          <a:prstGeom prst="rect">
-            <a:avLst/>
-          </a:prstGeom>
-          <a:solidFill>
-            <a:srgbClr val="C8C8C8">
-              <a:alpha val="49804"/>
-            </a:srgbClr>
-          </a:solidFill>
-          <a:ln>
-            <a:noFill/>
-          </a:ln>
-        </p:spPr>
-        <p:style>
-          <a:lnRef idx="2">
-            <a:schemeClr val="accent1">
-              <a:shade val="50000"/>
-            </a:schemeClr>
-          </a:lnRef>
-          <a:fillRef idx="1">
-            <a:schemeClr val="accent1"/>
-          </a:fillRef>
-          <a:effectRef idx="0">
-            <a:schemeClr val="accent1"/>
-          </a:effectRef>
-          <a:fontRef idx="minor">
-            <a:schemeClr val="lt1"/>
-          </a:fontRef>
-        </p:style>
-      </p:sp>
-      <p:cxnSp>
-        <p:nvCxnSpPr>
-          <p:cNvPr id="17" name="Straight Connector 16">
-            <a:extLst>
-              <a:ext uri="{FF2B5EF4-FFF2-40B4-BE49-F238E27FC236}">
-                <a16:creationId xmlns:a16="http://schemas.microsoft.com/office/drawing/2014/main" id="{B2C2B097-9CF4-40F0-A48F-4319EA04AECB}"/>
-              </a:ext>
-            </a:extLst>
-          </p:cNvPr>
-          <p:cNvCxnSpPr/>
-          <p:nvPr/>
-        </p:nvCxnSpPr>
-        <p:spPr>
-          <a:xfrm>
-            <a:off x="0" y="758952"/>
-            <a:ext cx="12199912" cy="0"/>
-          </a:xfrm>
-          <a:prstGeom prst="line">
-            <a:avLst/>
-          </a:prstGeom>
-          <a:ln w="19050">
-            <a:solidFill>
-              <a:schemeClr val="bg2">
-                <a:lumMod val="60000"/>
-                <a:lumOff val="40000"/>
-              </a:schemeClr>
-            </a:solidFill>
-          </a:ln>
-        </p:spPr>
-        <p:style>
-          <a:lnRef idx="1">
-            <a:schemeClr val="accent1"/>
-          </a:lnRef>
-          <a:fillRef idx="0">
-            <a:schemeClr val="accent1"/>
-          </a:fillRef>
-          <a:effectRef idx="0">
-            <a:schemeClr val="accent1"/>
-          </a:effectRef>
-          <a:fontRef idx="minor">
-            <a:schemeClr val="tx1"/>
-          </a:fontRef>
-        </p:style>
-      </p:cxnSp>
       <p:cxnSp>
         <p:nvCxnSpPr>
           <p:cNvPr id="19" name="Straight Connector 18">
@@ -11826,8 +11485,8 @@
         </p:blipFill>
         <p:spPr>
           <a:xfrm>
-            <a:off x="449417" y="810489"/>
-            <a:ext cx="7358166" cy="5228793"/>
+            <a:off x="3607286" y="678669"/>
+            <a:ext cx="8584711" cy="5411235"/>
           </a:xfrm>
           <a:prstGeom prst="rect">
             <a:avLst/>

--- a/Presentation/final draft.pptx
+++ b/Presentation/final draft.pptx
@@ -4592,6 +4592,16 @@
           </a:p>
           <a:p>
             <a:r>
+              <a:rPr lang="en-US">
+                <a:solidFill>
+                  <a:schemeClr val="tx1"/>
+                </a:solidFill>
+                <a:latin typeface="Arial" panose="020B0604020202020204" pitchFamily="34" charset="0"/>
+                <a:cs typeface="Arial" panose="020B0604020202020204" pitchFamily="34" charset="0"/>
+              </a:rPr>
+              <a:t>Does crime </a:t>
+            </a:r>
+            <a:r>
               <a:rPr lang="en-US" dirty="0">
                 <a:solidFill>
                   <a:schemeClr val="tx1"/>
@@ -4599,7 +4609,7 @@
                 <a:latin typeface="Arial" panose="020B0604020202020204" pitchFamily="34" charset="0"/>
                 <a:cs typeface="Arial" panose="020B0604020202020204" pitchFamily="34" charset="0"/>
               </a:rPr>
-              <a:t>Do violent crimes or non-violent crimes have a bigger impact on home sales?</a:t>
+              <a:t>have a bigger impact on home sales?</a:t>
             </a:r>
           </a:p>
           <a:p>
@@ -9392,12 +9402,13 @@
           </a:bodyPr>
           <a:lstStyle/>
           <a:p>
+            <a:pPr algn="ctr"/>
             <a:r>
               <a:rPr lang="en-US" sz="2800" b="1" dirty="0">
                 <a:latin typeface="Arial" panose="020B0604020202020204" pitchFamily="34" charset="0"/>
                 <a:cs typeface="Arial" panose="020B0604020202020204" pitchFamily="34" charset="0"/>
               </a:rPr>
-              <a:t>PROJECT WORK</a:t>
+              <a:t>GROUP 8</a:t>
             </a:r>
           </a:p>
         </p:txBody>
